--- a/docs/documents/weekly_meeting/16 Dec 2016.pptx
+++ b/docs/documents/weekly_meeting/16 Dec 2016.pptx
@@ -5,7 +5,7 @@
     <p:sldMasterId id="2147483648" r:id="rId1"/>
   </p:sldMasterIdLst>
   <p:notesMasterIdLst>
-    <p:notesMasterId r:id="rId15"/>
+    <p:notesMasterId r:id="rId22"/>
   </p:notesMasterIdLst>
   <p:sldIdLst>
     <p:sldId id="257" r:id="rId2"/>
@@ -16,11 +16,18 @@
     <p:sldId id="304" r:id="rId7"/>
     <p:sldId id="300" r:id="rId8"/>
     <p:sldId id="301" r:id="rId9"/>
-    <p:sldId id="302" r:id="rId10"/>
-    <p:sldId id="296" r:id="rId11"/>
-    <p:sldId id="297" r:id="rId12"/>
-    <p:sldId id="306" r:id="rId13"/>
-    <p:sldId id="308" r:id="rId14"/>
+    <p:sldId id="309" r:id="rId10"/>
+    <p:sldId id="310" r:id="rId11"/>
+    <p:sldId id="311" r:id="rId12"/>
+    <p:sldId id="302" r:id="rId13"/>
+    <p:sldId id="296" r:id="rId14"/>
+    <p:sldId id="297" r:id="rId15"/>
+    <p:sldId id="312" r:id="rId16"/>
+    <p:sldId id="316" r:id="rId17"/>
+    <p:sldId id="313" r:id="rId18"/>
+    <p:sldId id="315" r:id="rId19"/>
+    <p:sldId id="314" r:id="rId20"/>
+    <p:sldId id="308" r:id="rId21"/>
   </p:sldIdLst>
   <p:sldSz cx="12192000" cy="6858000"/>
   <p:notesSz cx="6858000" cy="9144000"/>
@@ -209,7 +216,7 @@
           <a:p>
             <a:fld id="{2B443DB1-3454-AB4E-A2F7-083942AD4ADB}" type="datetimeFigureOut">
               <a:rPr lang="en-US" smtClean="0"/>
-              <a:t>12/16/16</a:t>
+              <a:t>12/18/16</a:t>
             </a:fld>
             <a:endParaRPr lang="en-US"/>
           </a:p>
@@ -936,6 +943,174 @@
 </p:notes>
 </file>
 
+<file path=ppt/notesSlides/notesSlide6.xml><?xml version="1.0" encoding="utf-8"?>
+<p:notes xmlns:a="http://schemas.openxmlformats.org/drawingml/2006/main" xmlns:r="http://schemas.openxmlformats.org/officeDocument/2006/relationships" xmlns:p="http://schemas.openxmlformats.org/presentationml/2006/main">
+  <p:cSld>
+    <p:spTree>
+      <p:nvGrpSpPr>
+        <p:cNvPr id="1" name=""/>
+        <p:cNvGrpSpPr/>
+        <p:nvPr/>
+      </p:nvGrpSpPr>
+      <p:grpSpPr>
+        <a:xfrm>
+          <a:off x="0" y="0"/>
+          <a:ext cx="0" cy="0"/>
+          <a:chOff x="0" y="0"/>
+          <a:chExt cx="0" cy="0"/>
+        </a:xfrm>
+      </p:grpSpPr>
+      <p:sp>
+        <p:nvSpPr>
+          <p:cNvPr id="2" name="Slide Image Placeholder 1"/>
+          <p:cNvSpPr>
+            <a:spLocks noGrp="1" noRot="1" noChangeAspect="1"/>
+          </p:cNvSpPr>
+          <p:nvPr>
+            <p:ph type="sldImg"/>
+          </p:nvPr>
+        </p:nvSpPr>
+        <p:spPr/>
+      </p:sp>
+      <p:sp>
+        <p:nvSpPr>
+          <p:cNvPr id="3" name="Notes Placeholder 2"/>
+          <p:cNvSpPr>
+            <a:spLocks noGrp="1"/>
+          </p:cNvSpPr>
+          <p:nvPr>
+            <p:ph type="body" idx="1"/>
+          </p:nvPr>
+        </p:nvSpPr>
+        <p:spPr/>
+        <p:txBody>
+          <a:bodyPr/>
+          <a:lstStyle/>
+          <a:p>
+            <a:endParaRPr lang="en-US" dirty="0"/>
+          </a:p>
+        </p:txBody>
+      </p:sp>
+      <p:sp>
+        <p:nvSpPr>
+          <p:cNvPr id="4" name="Slide Number Placeholder 3"/>
+          <p:cNvSpPr>
+            <a:spLocks noGrp="1"/>
+          </p:cNvSpPr>
+          <p:nvPr>
+            <p:ph type="sldNum" sz="quarter" idx="10"/>
+          </p:nvPr>
+        </p:nvSpPr>
+        <p:spPr/>
+        <p:txBody>
+          <a:bodyPr/>
+          <a:lstStyle/>
+          <a:p>
+            <a:fld id="{2743912D-219C-6C43-ACEF-0C2D0D6A3A01}" type="slidenum">
+              <a:rPr lang="en-US" smtClean="0"/>
+              <a:t>10</a:t>
+            </a:fld>
+            <a:endParaRPr lang="en-US"/>
+          </a:p>
+        </p:txBody>
+      </p:sp>
+    </p:spTree>
+    <p:extLst>
+      <p:ext uri="{BB962C8B-B14F-4D97-AF65-F5344CB8AC3E}">
+        <p14:creationId xmlns:p14="http://schemas.microsoft.com/office/powerpoint/2010/main" val="1930756166"/>
+      </p:ext>
+    </p:extLst>
+  </p:cSld>
+  <p:clrMapOvr>
+    <a:masterClrMapping/>
+  </p:clrMapOvr>
+</p:notes>
+</file>
+
+<file path=ppt/notesSlides/notesSlide7.xml><?xml version="1.0" encoding="utf-8"?>
+<p:notes xmlns:a="http://schemas.openxmlformats.org/drawingml/2006/main" xmlns:r="http://schemas.openxmlformats.org/officeDocument/2006/relationships" xmlns:p="http://schemas.openxmlformats.org/presentationml/2006/main">
+  <p:cSld>
+    <p:spTree>
+      <p:nvGrpSpPr>
+        <p:cNvPr id="1" name=""/>
+        <p:cNvGrpSpPr/>
+        <p:nvPr/>
+      </p:nvGrpSpPr>
+      <p:grpSpPr>
+        <a:xfrm>
+          <a:off x="0" y="0"/>
+          <a:ext cx="0" cy="0"/>
+          <a:chOff x="0" y="0"/>
+          <a:chExt cx="0" cy="0"/>
+        </a:xfrm>
+      </p:grpSpPr>
+      <p:sp>
+        <p:nvSpPr>
+          <p:cNvPr id="2" name="Slide Image Placeholder 1"/>
+          <p:cNvSpPr>
+            <a:spLocks noGrp="1" noRot="1" noChangeAspect="1"/>
+          </p:cNvSpPr>
+          <p:nvPr>
+            <p:ph type="sldImg"/>
+          </p:nvPr>
+        </p:nvSpPr>
+        <p:spPr/>
+      </p:sp>
+      <p:sp>
+        <p:nvSpPr>
+          <p:cNvPr id="3" name="Notes Placeholder 2"/>
+          <p:cNvSpPr>
+            <a:spLocks noGrp="1"/>
+          </p:cNvSpPr>
+          <p:nvPr>
+            <p:ph type="body" idx="1"/>
+          </p:nvPr>
+        </p:nvSpPr>
+        <p:spPr/>
+        <p:txBody>
+          <a:bodyPr/>
+          <a:lstStyle/>
+          <a:p>
+            <a:endParaRPr lang="en-US" dirty="0"/>
+          </a:p>
+        </p:txBody>
+      </p:sp>
+      <p:sp>
+        <p:nvSpPr>
+          <p:cNvPr id="4" name="Slide Number Placeholder 3"/>
+          <p:cNvSpPr>
+            <a:spLocks noGrp="1"/>
+          </p:cNvSpPr>
+          <p:nvPr>
+            <p:ph type="sldNum" sz="quarter" idx="10"/>
+          </p:nvPr>
+        </p:nvSpPr>
+        <p:spPr/>
+        <p:txBody>
+          <a:bodyPr/>
+          <a:lstStyle/>
+          <a:p>
+            <a:fld id="{2743912D-219C-6C43-ACEF-0C2D0D6A3A01}" type="slidenum">
+              <a:rPr lang="en-US" smtClean="0"/>
+              <a:t>11</a:t>
+            </a:fld>
+            <a:endParaRPr lang="en-US"/>
+          </a:p>
+        </p:txBody>
+      </p:sp>
+    </p:spTree>
+    <p:extLst>
+      <p:ext uri="{BB962C8B-B14F-4D97-AF65-F5344CB8AC3E}">
+        <p14:creationId xmlns:p14="http://schemas.microsoft.com/office/powerpoint/2010/main" val="1912284920"/>
+      </p:ext>
+    </p:extLst>
+  </p:cSld>
+  <p:clrMapOvr>
+    <a:masterClrMapping/>
+  </p:clrMapOvr>
+</p:notes>
+</file>
+
 <file path=ppt/slideLayouts/slideLayout1.xml><?xml version="1.0" encoding="utf-8"?>
 <p:sldLayout xmlns:a="http://schemas.openxmlformats.org/drawingml/2006/main" xmlns:r="http://schemas.openxmlformats.org/officeDocument/2006/relationships" xmlns:p="http://schemas.openxmlformats.org/presentationml/2006/main" type="title" preserve="1">
   <p:cSld name="Title Slide">
@@ -1067,7 +1242,7 @@
           <a:p>
             <a:fld id="{AC020E75-F84B-F342-8F11-D007000D2CC1}" type="datetimeFigureOut">
               <a:rPr lang="en-US" smtClean="0"/>
-              <a:t>12/16/16</a:t>
+              <a:t>12/18/16</a:t>
             </a:fld>
             <a:endParaRPr lang="en-US"/>
           </a:p>
@@ -1237,7 +1412,7 @@
           <a:p>
             <a:fld id="{AC020E75-F84B-F342-8F11-D007000D2CC1}" type="datetimeFigureOut">
               <a:rPr lang="en-US" smtClean="0"/>
-              <a:t>12/16/16</a:t>
+              <a:t>12/18/16</a:t>
             </a:fld>
             <a:endParaRPr lang="en-US"/>
           </a:p>
@@ -1417,7 +1592,7 @@
           <a:p>
             <a:fld id="{AC020E75-F84B-F342-8F11-D007000D2CC1}" type="datetimeFigureOut">
               <a:rPr lang="en-US" smtClean="0"/>
-              <a:t>12/16/16</a:t>
+              <a:t>12/18/16</a:t>
             </a:fld>
             <a:endParaRPr lang="en-US"/>
           </a:p>
@@ -1587,7 +1762,7 @@
           <a:p>
             <a:fld id="{AC020E75-F84B-F342-8F11-D007000D2CC1}" type="datetimeFigureOut">
               <a:rPr lang="en-US" smtClean="0"/>
-              <a:t>12/16/16</a:t>
+              <a:t>12/18/16</a:t>
             </a:fld>
             <a:endParaRPr lang="en-US"/>
           </a:p>
@@ -1833,7 +2008,7 @@
           <a:p>
             <a:fld id="{AC020E75-F84B-F342-8F11-D007000D2CC1}" type="datetimeFigureOut">
               <a:rPr lang="en-US" smtClean="0"/>
-              <a:t>12/16/16</a:t>
+              <a:t>12/18/16</a:t>
             </a:fld>
             <a:endParaRPr lang="en-US"/>
           </a:p>
@@ -2065,7 +2240,7 @@
           <a:p>
             <a:fld id="{AC020E75-F84B-F342-8F11-D007000D2CC1}" type="datetimeFigureOut">
               <a:rPr lang="en-US" smtClean="0"/>
-              <a:t>12/16/16</a:t>
+              <a:t>12/18/16</a:t>
             </a:fld>
             <a:endParaRPr lang="en-US"/>
           </a:p>
@@ -2432,7 +2607,7 @@
           <a:p>
             <a:fld id="{AC020E75-F84B-F342-8F11-D007000D2CC1}" type="datetimeFigureOut">
               <a:rPr lang="en-US" smtClean="0"/>
-              <a:t>12/16/16</a:t>
+              <a:t>12/18/16</a:t>
             </a:fld>
             <a:endParaRPr lang="en-US"/>
           </a:p>
@@ -2550,7 +2725,7 @@
           <a:p>
             <a:fld id="{AC020E75-F84B-F342-8F11-D007000D2CC1}" type="datetimeFigureOut">
               <a:rPr lang="en-US" smtClean="0"/>
-              <a:t>12/16/16</a:t>
+              <a:t>12/18/16</a:t>
             </a:fld>
             <a:endParaRPr lang="en-US"/>
           </a:p>
@@ -2645,7 +2820,7 @@
           <a:p>
             <a:fld id="{AC020E75-F84B-F342-8F11-D007000D2CC1}" type="datetimeFigureOut">
               <a:rPr lang="en-US" smtClean="0"/>
-              <a:t>12/16/16</a:t>
+              <a:t>12/18/16</a:t>
             </a:fld>
             <a:endParaRPr lang="en-US"/>
           </a:p>
@@ -2922,7 +3097,7 @@
           <a:p>
             <a:fld id="{AC020E75-F84B-F342-8F11-D007000D2CC1}" type="datetimeFigureOut">
               <a:rPr lang="en-US" smtClean="0"/>
-              <a:t>12/16/16</a:t>
+              <a:t>12/18/16</a:t>
             </a:fld>
             <a:endParaRPr lang="en-US"/>
           </a:p>
@@ -3175,7 +3350,7 @@
           <a:p>
             <a:fld id="{AC020E75-F84B-F342-8F11-D007000D2CC1}" type="datetimeFigureOut">
               <a:rPr lang="en-US" smtClean="0"/>
-              <a:t>12/16/16</a:t>
+              <a:t>12/18/16</a:t>
             </a:fld>
             <a:endParaRPr lang="en-US"/>
           </a:p>
@@ -3388,7 +3563,7 @@
           <a:p>
             <a:fld id="{AC020E75-F84B-F342-8F11-D007000D2CC1}" type="datetimeFigureOut">
               <a:rPr lang="en-US" smtClean="0"/>
-              <a:t>12/16/16</a:t>
+              <a:t>12/18/16</a:t>
             </a:fld>
             <a:endParaRPr lang="en-US"/>
           </a:p>
@@ -3905,6 +4080,3188 @@
       </p:grpSpPr>
       <p:sp>
         <p:nvSpPr>
+          <p:cNvPr id="2" name="Title 1"/>
+          <p:cNvSpPr>
+            <a:spLocks noGrp="1"/>
+          </p:cNvSpPr>
+          <p:nvPr>
+            <p:ph type="title"/>
+          </p:nvPr>
+        </p:nvSpPr>
+        <p:spPr/>
+        <p:txBody>
+          <a:bodyPr/>
+          <a:lstStyle/>
+          <a:p>
+            <a:r>
+              <a:rPr lang="en-US" b="1" dirty="0" smtClean="0"/>
+              <a:t>5-Fold CV on </a:t>
+            </a:r>
+            <a:r>
+              <a:rPr lang="en-US" b="1" u="sng" dirty="0" smtClean="0"/>
+              <a:t>Combined</a:t>
+            </a:r>
+            <a:r>
+              <a:rPr lang="en-US" b="1" dirty="0" smtClean="0"/>
+              <a:t> Dataset (</a:t>
+            </a:r>
+            <a:r>
+              <a:rPr lang="en-US" b="1" i="1" u="sng" dirty="0"/>
+              <a:t>8</a:t>
+            </a:r>
+            <a:r>
+              <a:rPr lang="en-US" b="1" dirty="0" smtClean="0"/>
+              <a:t> persons)</a:t>
+            </a:r>
+            <a:endParaRPr lang="en-US" b="1" dirty="0"/>
+          </a:p>
+        </p:txBody>
+      </p:sp>
+      <p:sp>
+        <p:nvSpPr>
+          <p:cNvPr id="3" name="Content Placeholder 2"/>
+          <p:cNvSpPr>
+            <a:spLocks noGrp="1"/>
+          </p:cNvSpPr>
+          <p:nvPr>
+            <p:ph idx="1"/>
+          </p:nvPr>
+        </p:nvSpPr>
+        <p:spPr>
+          <a:xfrm>
+            <a:off x="838200" y="1562388"/>
+            <a:ext cx="10515600" cy="5032375"/>
+          </a:xfrm>
+        </p:spPr>
+        <p:txBody>
+          <a:bodyPr/>
+          <a:lstStyle/>
+          <a:p>
+            <a:r>
+              <a:rPr lang="en-US" b="1" dirty="0" smtClean="0"/>
+              <a:t>15 activities</a:t>
+            </a:r>
+            <a:r>
+              <a:rPr lang="en-US" dirty="0" smtClean="0"/>
+              <a:t>, Sampling @ 10 Hz, Window size = 2s</a:t>
+            </a:r>
+          </a:p>
+          <a:p>
+            <a:endParaRPr lang="en-US" dirty="0"/>
+          </a:p>
+          <a:p>
+            <a:endParaRPr lang="en-US" dirty="0" smtClean="0"/>
+          </a:p>
+          <a:p>
+            <a:endParaRPr lang="en-US" dirty="0"/>
+          </a:p>
+          <a:p>
+            <a:endParaRPr lang="en-US" dirty="0" smtClean="0"/>
+          </a:p>
+          <a:p>
+            <a:r>
+              <a:rPr lang="en-US" b="1" dirty="0">
+                <a:sym typeface="Wingdings"/>
+              </a:rPr>
+              <a:t>Comparison </a:t>
+            </a:r>
+            <a:r>
+              <a:rPr lang="en-US" dirty="0" smtClean="0">
+                <a:sym typeface="Wingdings"/>
+              </a:rPr>
+              <a:t> </a:t>
+            </a:r>
+            <a:r>
+              <a:rPr lang="en-US" b="1" dirty="0" smtClean="0">
+                <a:sym typeface="Wingdings"/>
+              </a:rPr>
+              <a:t>15 activities</a:t>
+            </a:r>
+            <a:r>
+              <a:rPr lang="en-US" dirty="0" smtClean="0">
+                <a:sym typeface="Wingdings"/>
+              </a:rPr>
+              <a:t>, </a:t>
+            </a:r>
+            <a:r>
+              <a:rPr lang="en-US" b="1" i="1" u="sng" dirty="0" smtClean="0">
+                <a:sym typeface="Wingdings"/>
+              </a:rPr>
+              <a:t>6 Persons</a:t>
+            </a:r>
+            <a:r>
+              <a:rPr lang="en-US" dirty="0" smtClean="0">
+                <a:sym typeface="Wingdings"/>
+              </a:rPr>
+              <a:t> results:</a:t>
+            </a:r>
+          </a:p>
+          <a:p>
+            <a:pPr lvl="1"/>
+            <a:endParaRPr lang="en-US" dirty="0" smtClean="0"/>
+          </a:p>
+        </p:txBody>
+      </p:sp>
+      <mc:AlternateContent xmlns:mc="http://schemas.openxmlformats.org/markup-compatibility/2006" xmlns:a14="http://schemas.microsoft.com/office/drawing/2010/main">
+        <mc:Choice Requires="a14">
+          <p:graphicFrame>
+            <p:nvGraphicFramePr>
+              <p:cNvPr id="6" name="Table 5"/>
+              <p:cNvGraphicFramePr>
+                <a:graphicFrameLocks noGrp="1"/>
+              </p:cNvGraphicFramePr>
+              <p:nvPr>
+                <p:extLst>
+                  <p:ext uri="{D42A27DB-BD31-4B8C-83A1-F6EECF244321}">
+                    <p14:modId xmlns:p14="http://schemas.microsoft.com/office/powerpoint/2010/main" val="1679876121"/>
+                  </p:ext>
+                </p:extLst>
+              </p:nvPr>
+            </p:nvGraphicFramePr>
+            <p:xfrm>
+              <a:off x="1117599" y="2128275"/>
+              <a:ext cx="10603345" cy="1493520"/>
+            </p:xfrm>
+            <a:graphic>
+              <a:graphicData uri="http://schemas.openxmlformats.org/drawingml/2006/table">
+                <a:tbl>
+                  <a:tblPr firstRow="1" bandRow="1">
+                    <a:tableStyleId>{5C22544A-7EE6-4342-B048-85BDC9FD1C3A}</a:tableStyleId>
+                  </a:tblPr>
+                  <a:tblGrid>
+                    <a:gridCol w="3552391"/>
+                    <a:gridCol w="2369856"/>
+                    <a:gridCol w="2341131"/>
+                    <a:gridCol w="2339967"/>
+                  </a:tblGrid>
+                  <a:tr h="370840">
+                    <a:tc>
+                      <a:txBody>
+                        <a:bodyPr/>
+                        <a:lstStyle/>
+                        <a:p>
+                          <a:pPr algn="ctr"/>
+                          <a:r>
+                            <a:rPr lang="en-US" sz="2000" dirty="0" smtClean="0">
+                              <a:latin typeface="+mn-lt"/>
+                            </a:rPr>
+                            <a:t>Models</a:t>
+                          </a:r>
+                          <a:endParaRPr lang="en-US" sz="2000" dirty="0">
+                            <a:latin typeface="+mn-lt"/>
+                          </a:endParaRPr>
+                        </a:p>
+                      </a:txBody>
+                      <a:tcPr/>
+                    </a:tc>
+                    <a:tc>
+                      <a:txBody>
+                        <a:bodyPr/>
+                        <a:lstStyle/>
+                        <a:p>
+                          <a:pPr algn="ctr"/>
+                          <a:r>
+                            <a:rPr lang="en-US" sz="2000" dirty="0" smtClean="0">
+                              <a:latin typeface="+mn-lt"/>
+                            </a:rPr>
+                            <a:t>Accurac</a:t>
+                          </a:r>
+                          <a:r>
+                            <a:rPr lang="en-US" sz="2000" baseline="0" dirty="0" smtClean="0">
+                              <a:latin typeface="+mn-lt"/>
+                            </a:rPr>
+                            <a:t>y Mean</a:t>
+                          </a:r>
+                        </a:p>
+                        <a:p>
+                          <a:pPr algn="ctr"/>
+                          <a:r>
+                            <a:rPr lang="en-US" sz="2000" baseline="0" dirty="0" smtClean="0">
+                              <a:latin typeface="+mn-lt"/>
+                            </a:rPr>
+                            <a:t>(SP + SW)</a:t>
+                          </a:r>
+                          <a:endParaRPr lang="en-US" sz="2000" dirty="0">
+                            <a:latin typeface="+mn-lt"/>
+                          </a:endParaRPr>
+                        </a:p>
+                      </a:txBody>
+                      <a:tcPr/>
+                    </a:tc>
+                    <a:tc>
+                      <a:txBody>
+                        <a:bodyPr/>
+                        <a:lstStyle/>
+                        <a:p>
+                          <a:pPr algn="ctr"/>
+                          <a:r>
+                            <a:rPr lang="en-US" sz="2000" dirty="0" smtClean="0">
+                              <a:latin typeface="+mn-lt"/>
+                            </a:rPr>
+                            <a:t>Accuracy Mean</a:t>
+                          </a:r>
+                        </a:p>
+                        <a:p>
+                          <a:pPr algn="ctr"/>
+                          <a:r>
+                            <a:rPr lang="en-US" sz="2000" dirty="0" smtClean="0">
+                              <a:latin typeface="+mn-lt"/>
+                            </a:rPr>
+                            <a:t>(SP)</a:t>
+                          </a:r>
+                          <a:endParaRPr lang="en-US" sz="2000" dirty="0">
+                            <a:latin typeface="+mn-lt"/>
+                          </a:endParaRPr>
+                        </a:p>
+                      </a:txBody>
+                      <a:tcPr/>
+                    </a:tc>
+                    <a:tc>
+                      <a:txBody>
+                        <a:bodyPr/>
+                        <a:lstStyle/>
+                        <a:p>
+                          <a:pPr algn="ctr"/>
+                          <a:r>
+                            <a:rPr lang="en-US" sz="2000" dirty="0" smtClean="0">
+                              <a:latin typeface="+mn-lt"/>
+                            </a:rPr>
+                            <a:t>Accuracy Mean</a:t>
+                          </a:r>
+                        </a:p>
+                        <a:p>
+                          <a:pPr algn="ctr"/>
+                          <a:r>
+                            <a:rPr lang="en-US" sz="2000" dirty="0" smtClean="0">
+                              <a:latin typeface="+mn-lt"/>
+                            </a:rPr>
+                            <a:t>(SW)</a:t>
+                          </a:r>
+                          <a:endParaRPr lang="en-US" sz="2000" dirty="0">
+                            <a:latin typeface="+mn-lt"/>
+                          </a:endParaRPr>
+                        </a:p>
+                      </a:txBody>
+                      <a:tcPr/>
+                    </a:tc>
+                  </a:tr>
+                  <a:tr h="370840">
+                    <a:tc>
+                      <a:txBody>
+                        <a:bodyPr/>
+                        <a:lstStyle/>
+                        <a:p>
+                          <a:r>
+                            <a:rPr lang="en-US" sz="2000" dirty="0" smtClean="0">
+                              <a:latin typeface="+mn-lt"/>
+                            </a:rPr>
+                            <a:t>Random Forest</a:t>
+                          </a:r>
+                          <a:endParaRPr lang="en-US" sz="2000" dirty="0">
+                            <a:latin typeface="+mn-lt"/>
+                          </a:endParaRPr>
+                        </a:p>
+                      </a:txBody>
+                      <a:tcPr/>
+                    </a:tc>
+                    <a:tc>
+                      <a:txBody>
+                        <a:bodyPr/>
+                        <a:lstStyle/>
+                        <a:p>
+                          <a:pPr algn="ctr"/>
+                          <a:r>
+                            <a:rPr lang="en-US" sz="2000" dirty="0" smtClean="0">
+                              <a:latin typeface="+mn-lt"/>
+                            </a:rPr>
+                            <a:t>96.93% </a:t>
+                          </a:r>
+                          <a14:m>
+                            <m:oMath xmlns:m="http://schemas.openxmlformats.org/officeDocument/2006/math">
+                              <m:r>
+                                <a:rPr lang="en-US" sz="2000" i="1" smtClean="0">
+                                  <a:latin typeface="Cambria Math" charset="0"/>
+                                  <a:ea typeface="Cambria Math" charset="0"/>
+                                  <a:cs typeface="Cambria Math" charset="0"/>
+                                </a:rPr>
+                                <m:t>±</m:t>
+                              </m:r>
+                            </m:oMath>
+                          </a14:m>
+                          <a:r>
+                            <a:rPr lang="en-US" sz="2000" dirty="0" smtClean="0">
+                              <a:latin typeface="+mn-lt"/>
+                            </a:rPr>
+                            <a:t> 0.22%</a:t>
+                          </a:r>
+                          <a:endParaRPr lang="en-US" sz="2000" dirty="0">
+                            <a:latin typeface="+mn-lt"/>
+                          </a:endParaRPr>
+                        </a:p>
+                      </a:txBody>
+                      <a:tcPr/>
+                    </a:tc>
+                    <a:tc>
+                      <a:txBody>
+                        <a:bodyPr/>
+                        <a:lstStyle/>
+                        <a:p>
+                          <a:pPr algn="ctr"/>
+                          <a:r>
+                            <a:rPr lang="en-US" sz="2000" dirty="0" smtClean="0">
+                              <a:latin typeface="+mn-lt"/>
+                            </a:rPr>
+                            <a:t>91.75% </a:t>
+                          </a:r>
+                          <a14:m>
+                            <m:oMath xmlns:m="http://schemas.openxmlformats.org/officeDocument/2006/math">
+                              <m:r>
+                                <a:rPr lang="en-US" sz="2000" i="1" smtClean="0">
+                                  <a:latin typeface="Cambria Math" charset="0"/>
+                                  <a:ea typeface="Cambria Math" charset="0"/>
+                                  <a:cs typeface="Cambria Math" charset="0"/>
+                                </a:rPr>
+                                <m:t>±</m:t>
+                              </m:r>
+                            </m:oMath>
+                          </a14:m>
+                          <a:r>
+                            <a:rPr lang="en-US" sz="2000" dirty="0" smtClean="0">
+                              <a:latin typeface="+mn-lt"/>
+                            </a:rPr>
+                            <a:t> 0.62%</a:t>
+                          </a:r>
+                          <a:endParaRPr lang="en-US" sz="2000" dirty="0">
+                            <a:latin typeface="+mn-lt"/>
+                          </a:endParaRPr>
+                        </a:p>
+                      </a:txBody>
+                      <a:tcPr/>
+                    </a:tc>
+                    <a:tc>
+                      <a:txBody>
+                        <a:bodyPr/>
+                        <a:lstStyle/>
+                        <a:p>
+                          <a:pPr algn="ctr"/>
+                          <a:r>
+                            <a:rPr lang="en-US" sz="2000" dirty="0" smtClean="0">
+                              <a:latin typeface="+mn-lt"/>
+                            </a:rPr>
+                            <a:t>89.45% </a:t>
+                          </a:r>
+                          <a14:m>
+                            <m:oMath xmlns:m="http://schemas.openxmlformats.org/officeDocument/2006/math">
+                              <m:r>
+                                <a:rPr lang="en-US" sz="2000" i="1" smtClean="0">
+                                  <a:latin typeface="Cambria Math" charset="0"/>
+                                  <a:ea typeface="Cambria Math" charset="0"/>
+                                  <a:cs typeface="Cambria Math" charset="0"/>
+                                </a:rPr>
+                                <m:t>±</m:t>
+                              </m:r>
+                            </m:oMath>
+                          </a14:m>
+                          <a:r>
+                            <a:rPr lang="en-US" sz="2000" dirty="0" smtClean="0">
+                              <a:latin typeface="+mn-lt"/>
+                            </a:rPr>
+                            <a:t> 0.21%</a:t>
+                          </a:r>
+                          <a:endParaRPr lang="en-US" sz="2000" dirty="0">
+                            <a:latin typeface="+mn-lt"/>
+                          </a:endParaRPr>
+                        </a:p>
+                      </a:txBody>
+                      <a:tcPr/>
+                    </a:tc>
+                  </a:tr>
+                  <a:tr h="370840">
+                    <a:tc>
+                      <a:txBody>
+                        <a:bodyPr/>
+                        <a:lstStyle/>
+                        <a:p>
+                          <a:r>
+                            <a:rPr lang="en-US" sz="2000" dirty="0" smtClean="0">
+                              <a:latin typeface="+mn-lt"/>
+                            </a:rPr>
+                            <a:t>SVM</a:t>
+                          </a:r>
+                          <a:endParaRPr lang="en-US" sz="2000" dirty="0">
+                            <a:latin typeface="+mn-lt"/>
+                          </a:endParaRPr>
+                        </a:p>
+                      </a:txBody>
+                      <a:tcPr/>
+                    </a:tc>
+                    <a:tc>
+                      <a:txBody>
+                        <a:bodyPr/>
+                        <a:lstStyle/>
+                        <a:p>
+                          <a:pPr algn="ctr"/>
+                          <a:r>
+                            <a:rPr lang="en-US" sz="2000" dirty="0" smtClean="0">
+                              <a:latin typeface="+mn-lt"/>
+                            </a:rPr>
+                            <a:t>96.76% </a:t>
+                          </a:r>
+                          <a14:m>
+                            <m:oMath xmlns:m="http://schemas.openxmlformats.org/officeDocument/2006/math">
+                              <m:r>
+                                <a:rPr lang="en-US" sz="2000" i="1" smtClean="0">
+                                  <a:latin typeface="Cambria Math" charset="0"/>
+                                  <a:ea typeface="Cambria Math" charset="0"/>
+                                  <a:cs typeface="Cambria Math" charset="0"/>
+                                </a:rPr>
+                                <m:t>±</m:t>
+                              </m:r>
+                            </m:oMath>
+                          </a14:m>
+                          <a:r>
+                            <a:rPr lang="en-US" sz="2000" dirty="0" smtClean="0">
+                              <a:latin typeface="+mn-lt"/>
+                            </a:rPr>
+                            <a:t> 0.27%</a:t>
+                          </a:r>
+                          <a:endParaRPr lang="en-US" sz="2000" dirty="0">
+                            <a:latin typeface="+mn-lt"/>
+                          </a:endParaRPr>
+                        </a:p>
+                      </a:txBody>
+                      <a:tcPr/>
+                    </a:tc>
+                    <a:tc>
+                      <a:txBody>
+                        <a:bodyPr/>
+                        <a:lstStyle/>
+                        <a:p>
+                          <a:pPr algn="ctr"/>
+                          <a:r>
+                            <a:rPr lang="en-US" sz="2000" dirty="0" smtClean="0">
+                              <a:latin typeface="+mn-lt"/>
+                            </a:rPr>
+                            <a:t>85.29% </a:t>
+                          </a:r>
+                          <a14:m>
+                            <m:oMath xmlns:m="http://schemas.openxmlformats.org/officeDocument/2006/math">
+                              <m:r>
+                                <a:rPr lang="en-US" sz="2000" i="1" smtClean="0">
+                                  <a:latin typeface="Cambria Math" charset="0"/>
+                                  <a:ea typeface="Cambria Math" charset="0"/>
+                                  <a:cs typeface="Cambria Math" charset="0"/>
+                                </a:rPr>
+                                <m:t>±</m:t>
+                              </m:r>
+                            </m:oMath>
+                          </a14:m>
+                          <a:r>
+                            <a:rPr lang="en-US" sz="2000" dirty="0" smtClean="0">
+                              <a:latin typeface="+mn-lt"/>
+                            </a:rPr>
+                            <a:t> 0.64%</a:t>
+                          </a:r>
+                          <a:endParaRPr lang="en-US" sz="2000" dirty="0">
+                            <a:latin typeface="+mn-lt"/>
+                          </a:endParaRPr>
+                        </a:p>
+                      </a:txBody>
+                      <a:tcPr/>
+                    </a:tc>
+                    <a:tc>
+                      <a:txBody>
+                        <a:bodyPr/>
+                        <a:lstStyle/>
+                        <a:p>
+                          <a:pPr algn="ctr"/>
+                          <a:r>
+                            <a:rPr lang="en-US" sz="2000" dirty="0" smtClean="0">
+                              <a:latin typeface="+mn-lt"/>
+                            </a:rPr>
+                            <a:t>88.14% </a:t>
+                          </a:r>
+                          <a14:m>
+                            <m:oMath xmlns:m="http://schemas.openxmlformats.org/officeDocument/2006/math">
+                              <m:r>
+                                <a:rPr lang="en-US" sz="2000" i="1" smtClean="0">
+                                  <a:latin typeface="Cambria Math" charset="0"/>
+                                  <a:ea typeface="Cambria Math" charset="0"/>
+                                  <a:cs typeface="Cambria Math" charset="0"/>
+                                </a:rPr>
+                                <m:t>±</m:t>
+                              </m:r>
+                            </m:oMath>
+                          </a14:m>
+                          <a:r>
+                            <a:rPr lang="en-US" sz="2000" dirty="0" smtClean="0">
+                              <a:latin typeface="+mn-lt"/>
+                            </a:rPr>
+                            <a:t> 0.24%</a:t>
+                          </a:r>
+                          <a:endParaRPr lang="en-US" sz="2000" dirty="0">
+                            <a:latin typeface="+mn-lt"/>
+                          </a:endParaRPr>
+                        </a:p>
+                      </a:txBody>
+                      <a:tcPr/>
+                    </a:tc>
+                  </a:tr>
+                </a:tbl>
+              </a:graphicData>
+            </a:graphic>
+          </p:graphicFrame>
+        </mc:Choice>
+        <mc:Fallback xmlns="">
+          <p:graphicFrame>
+            <p:nvGraphicFramePr>
+              <p:cNvPr id="6" name="Table 5"/>
+              <p:cNvGraphicFramePr>
+                <a:graphicFrameLocks noGrp="1"/>
+              </p:cNvGraphicFramePr>
+              <p:nvPr>
+                <p:extLst>
+                  <p:ext uri="{D42A27DB-BD31-4B8C-83A1-F6EECF244321}">
+                    <p14:modId xmlns:p14="http://schemas.microsoft.com/office/powerpoint/2010/main" val="1679876121"/>
+                  </p:ext>
+                </p:extLst>
+              </p:nvPr>
+            </p:nvGraphicFramePr>
+            <p:xfrm>
+              <a:off x="1117599" y="2128275"/>
+              <a:ext cx="10603345" cy="1493520"/>
+            </p:xfrm>
+            <a:graphic>
+              <a:graphicData uri="http://schemas.openxmlformats.org/drawingml/2006/table">
+                <a:tbl>
+                  <a:tblPr firstRow="1" bandRow="1">
+                    <a:tableStyleId>{5C22544A-7EE6-4342-B048-85BDC9FD1C3A}</a:tableStyleId>
+                  </a:tblPr>
+                  <a:tblGrid>
+                    <a:gridCol w="3552391"/>
+                    <a:gridCol w="2369856"/>
+                    <a:gridCol w="2341131"/>
+                    <a:gridCol w="2339967"/>
+                  </a:tblGrid>
+                  <a:tr h="701040">
+                    <a:tc>
+                      <a:txBody>
+                        <a:bodyPr/>
+                        <a:lstStyle/>
+                        <a:p>
+                          <a:pPr algn="ctr"/>
+                          <a:r>
+                            <a:rPr lang="en-US" sz="2000" dirty="0" smtClean="0">
+                              <a:latin typeface="+mn-lt"/>
+                            </a:rPr>
+                            <a:t>Models</a:t>
+                          </a:r>
+                          <a:endParaRPr lang="en-US" sz="2000" dirty="0">
+                            <a:latin typeface="+mn-lt"/>
+                          </a:endParaRPr>
+                        </a:p>
+                      </a:txBody>
+                      <a:tcPr/>
+                    </a:tc>
+                    <a:tc>
+                      <a:txBody>
+                        <a:bodyPr/>
+                        <a:lstStyle/>
+                        <a:p>
+                          <a:pPr algn="ctr"/>
+                          <a:r>
+                            <a:rPr lang="en-US" sz="2000" dirty="0" smtClean="0">
+                              <a:latin typeface="+mn-lt"/>
+                            </a:rPr>
+                            <a:t>Accurac</a:t>
+                          </a:r>
+                          <a:r>
+                            <a:rPr lang="en-US" sz="2000" baseline="0" dirty="0" smtClean="0">
+                              <a:latin typeface="+mn-lt"/>
+                            </a:rPr>
+                            <a:t>y Mean</a:t>
+                          </a:r>
+                        </a:p>
+                        <a:p>
+                          <a:pPr algn="ctr"/>
+                          <a:r>
+                            <a:rPr lang="en-US" sz="2000" baseline="0" dirty="0" smtClean="0">
+                              <a:latin typeface="+mn-lt"/>
+                            </a:rPr>
+                            <a:t>(SP + SW)</a:t>
+                          </a:r>
+                          <a:endParaRPr lang="en-US" sz="2000" dirty="0">
+                            <a:latin typeface="+mn-lt"/>
+                          </a:endParaRPr>
+                        </a:p>
+                      </a:txBody>
+                      <a:tcPr/>
+                    </a:tc>
+                    <a:tc>
+                      <a:txBody>
+                        <a:bodyPr/>
+                        <a:lstStyle/>
+                        <a:p>
+                          <a:pPr algn="ctr"/>
+                          <a:r>
+                            <a:rPr lang="en-US" sz="2000" dirty="0" smtClean="0">
+                              <a:latin typeface="+mn-lt"/>
+                            </a:rPr>
+                            <a:t>Accuracy Mean</a:t>
+                          </a:r>
+                        </a:p>
+                        <a:p>
+                          <a:pPr algn="ctr"/>
+                          <a:r>
+                            <a:rPr lang="en-US" sz="2000" dirty="0" smtClean="0">
+                              <a:latin typeface="+mn-lt"/>
+                            </a:rPr>
+                            <a:t>(SP)</a:t>
+                          </a:r>
+                          <a:endParaRPr lang="en-US" sz="2000" dirty="0">
+                            <a:latin typeface="+mn-lt"/>
+                          </a:endParaRPr>
+                        </a:p>
+                      </a:txBody>
+                      <a:tcPr/>
+                    </a:tc>
+                    <a:tc>
+                      <a:txBody>
+                        <a:bodyPr/>
+                        <a:lstStyle/>
+                        <a:p>
+                          <a:pPr algn="ctr"/>
+                          <a:r>
+                            <a:rPr lang="en-US" sz="2000" dirty="0" smtClean="0">
+                              <a:latin typeface="+mn-lt"/>
+                            </a:rPr>
+                            <a:t>Accuracy Mean</a:t>
+                          </a:r>
+                        </a:p>
+                        <a:p>
+                          <a:pPr algn="ctr"/>
+                          <a:r>
+                            <a:rPr lang="en-US" sz="2000" dirty="0" smtClean="0">
+                              <a:latin typeface="+mn-lt"/>
+                            </a:rPr>
+                            <a:t>(SW)</a:t>
+                          </a:r>
+                          <a:endParaRPr lang="en-US" sz="2000" dirty="0">
+                            <a:latin typeface="+mn-lt"/>
+                          </a:endParaRPr>
+                        </a:p>
+                      </a:txBody>
+                      <a:tcPr/>
+                    </a:tc>
+                  </a:tr>
+                  <a:tr h="396240">
+                    <a:tc>
+                      <a:txBody>
+                        <a:bodyPr/>
+                        <a:lstStyle/>
+                        <a:p>
+                          <a:r>
+                            <a:rPr lang="en-US" sz="2000" dirty="0" smtClean="0">
+                              <a:latin typeface="+mn-lt"/>
+                            </a:rPr>
+                            <a:t>Random Forest</a:t>
+                          </a:r>
+                          <a:endParaRPr lang="en-US" sz="2000" dirty="0">
+                            <a:latin typeface="+mn-lt"/>
+                          </a:endParaRPr>
+                        </a:p>
+                      </a:txBody>
+                      <a:tcPr/>
+                    </a:tc>
+                    <a:tc>
+                      <a:txBody>
+                        <a:bodyPr/>
+                        <a:lstStyle/>
+                        <a:p>
+                          <a:endParaRPr lang="en-US"/>
+                        </a:p>
+                      </a:txBody>
+                      <a:tcPr>
+                        <a:blipFill rotWithShape="0">
+                          <a:blip r:embed="rId3"/>
+                          <a:stretch>
+                            <a:fillRect l="-150129" t="-181818" r="-198458" b="-124242"/>
+                          </a:stretch>
+                        </a:blipFill>
+                      </a:tcPr>
+                    </a:tc>
+                    <a:tc>
+                      <a:txBody>
+                        <a:bodyPr/>
+                        <a:lstStyle/>
+                        <a:p>
+                          <a:endParaRPr lang="en-US"/>
+                        </a:p>
+                      </a:txBody>
+                      <a:tcPr>
+                        <a:blipFill rotWithShape="0">
+                          <a:blip r:embed="rId3"/>
+                          <a:stretch>
+                            <a:fillRect l="-253385" t="-181818" r="-101042" b="-124242"/>
+                          </a:stretch>
+                        </a:blipFill>
+                      </a:tcPr>
+                    </a:tc>
+                    <a:tc>
+                      <a:txBody>
+                        <a:bodyPr/>
+                        <a:lstStyle/>
+                        <a:p>
+                          <a:endParaRPr lang="en-US"/>
+                        </a:p>
+                      </a:txBody>
+                      <a:tcPr>
+                        <a:blipFill rotWithShape="0">
+                          <a:blip r:embed="rId3"/>
+                          <a:stretch>
+                            <a:fillRect l="-353385" t="-181818" r="-1042" b="-124242"/>
+                          </a:stretch>
+                        </a:blipFill>
+                      </a:tcPr>
+                    </a:tc>
+                  </a:tr>
+                  <a:tr h="396240">
+                    <a:tc>
+                      <a:txBody>
+                        <a:bodyPr/>
+                        <a:lstStyle/>
+                        <a:p>
+                          <a:r>
+                            <a:rPr lang="en-US" sz="2000" dirty="0" smtClean="0">
+                              <a:latin typeface="+mn-lt"/>
+                            </a:rPr>
+                            <a:t>SVM</a:t>
+                          </a:r>
+                          <a:endParaRPr lang="en-US" sz="2000" dirty="0">
+                            <a:latin typeface="+mn-lt"/>
+                          </a:endParaRPr>
+                        </a:p>
+                      </a:txBody>
+                      <a:tcPr/>
+                    </a:tc>
+                    <a:tc>
+                      <a:txBody>
+                        <a:bodyPr/>
+                        <a:lstStyle/>
+                        <a:p>
+                          <a:endParaRPr lang="en-US"/>
+                        </a:p>
+                      </a:txBody>
+                      <a:tcPr>
+                        <a:blipFill rotWithShape="0">
+                          <a:blip r:embed="rId3"/>
+                          <a:stretch>
+                            <a:fillRect l="-150129" t="-286154" r="-198458" b="-26154"/>
+                          </a:stretch>
+                        </a:blipFill>
+                      </a:tcPr>
+                    </a:tc>
+                    <a:tc>
+                      <a:txBody>
+                        <a:bodyPr/>
+                        <a:lstStyle/>
+                        <a:p>
+                          <a:endParaRPr lang="en-US"/>
+                        </a:p>
+                      </a:txBody>
+                      <a:tcPr>
+                        <a:blipFill rotWithShape="0">
+                          <a:blip r:embed="rId3"/>
+                          <a:stretch>
+                            <a:fillRect l="-253385" t="-286154" r="-101042" b="-26154"/>
+                          </a:stretch>
+                        </a:blipFill>
+                      </a:tcPr>
+                    </a:tc>
+                    <a:tc>
+                      <a:txBody>
+                        <a:bodyPr/>
+                        <a:lstStyle/>
+                        <a:p>
+                          <a:endParaRPr lang="en-US"/>
+                        </a:p>
+                      </a:txBody>
+                      <a:tcPr>
+                        <a:blipFill rotWithShape="0">
+                          <a:blip r:embed="rId3"/>
+                          <a:stretch>
+                            <a:fillRect l="-353385" t="-286154" r="-1042" b="-26154"/>
+                          </a:stretch>
+                        </a:blipFill>
+                      </a:tcPr>
+                    </a:tc>
+                  </a:tr>
+                </a:tbl>
+              </a:graphicData>
+            </a:graphic>
+          </p:graphicFrame>
+        </mc:Fallback>
+      </mc:AlternateContent>
+      <mc:AlternateContent xmlns:mc="http://schemas.openxmlformats.org/markup-compatibility/2006" xmlns:a14="http://schemas.microsoft.com/office/drawing/2010/main">
+        <mc:Choice Requires="a14">
+          <p:graphicFrame>
+            <p:nvGraphicFramePr>
+              <p:cNvPr id="8" name="Table 7"/>
+              <p:cNvGraphicFramePr>
+                <a:graphicFrameLocks noGrp="1"/>
+              </p:cNvGraphicFramePr>
+              <p:nvPr>
+                <p:extLst>
+                  <p:ext uri="{D42A27DB-BD31-4B8C-83A1-F6EECF244321}">
+                    <p14:modId xmlns:p14="http://schemas.microsoft.com/office/powerpoint/2010/main" val="545870583"/>
+                  </p:ext>
+                </p:extLst>
+              </p:nvPr>
+            </p:nvGraphicFramePr>
+            <p:xfrm>
+              <a:off x="1117599" y="4719075"/>
+              <a:ext cx="10603345" cy="1493520"/>
+            </p:xfrm>
+            <a:graphic>
+              <a:graphicData uri="http://schemas.openxmlformats.org/drawingml/2006/table">
+                <a:tbl>
+                  <a:tblPr firstRow="1" bandRow="1">
+                    <a:tableStyleId>{5C22544A-7EE6-4342-B048-85BDC9FD1C3A}</a:tableStyleId>
+                  </a:tblPr>
+                  <a:tblGrid>
+                    <a:gridCol w="3552391"/>
+                    <a:gridCol w="2369856"/>
+                    <a:gridCol w="2341131"/>
+                    <a:gridCol w="2339967"/>
+                  </a:tblGrid>
+                  <a:tr h="370840">
+                    <a:tc>
+                      <a:txBody>
+                        <a:bodyPr/>
+                        <a:lstStyle/>
+                        <a:p>
+                          <a:pPr algn="ctr"/>
+                          <a:r>
+                            <a:rPr lang="en-US" sz="2000" dirty="0" smtClean="0">
+                              <a:latin typeface="+mn-lt"/>
+                            </a:rPr>
+                            <a:t>Models</a:t>
+                          </a:r>
+                          <a:endParaRPr lang="en-US" sz="2000" dirty="0">
+                            <a:latin typeface="+mn-lt"/>
+                          </a:endParaRPr>
+                        </a:p>
+                      </a:txBody>
+                      <a:tcPr/>
+                    </a:tc>
+                    <a:tc>
+                      <a:txBody>
+                        <a:bodyPr/>
+                        <a:lstStyle/>
+                        <a:p>
+                          <a:pPr algn="ctr"/>
+                          <a:r>
+                            <a:rPr lang="en-US" sz="2000" dirty="0" smtClean="0">
+                              <a:latin typeface="+mn-lt"/>
+                            </a:rPr>
+                            <a:t>Accurac</a:t>
+                          </a:r>
+                          <a:r>
+                            <a:rPr lang="en-US" sz="2000" baseline="0" dirty="0" smtClean="0">
+                              <a:latin typeface="+mn-lt"/>
+                            </a:rPr>
+                            <a:t>y Mean</a:t>
+                          </a:r>
+                        </a:p>
+                        <a:p>
+                          <a:pPr algn="ctr"/>
+                          <a:r>
+                            <a:rPr lang="en-US" sz="2000" baseline="0" dirty="0" smtClean="0">
+                              <a:latin typeface="+mn-lt"/>
+                            </a:rPr>
+                            <a:t>(SP + SW)</a:t>
+                          </a:r>
+                          <a:endParaRPr lang="en-US" sz="2000" dirty="0">
+                            <a:latin typeface="+mn-lt"/>
+                          </a:endParaRPr>
+                        </a:p>
+                      </a:txBody>
+                      <a:tcPr/>
+                    </a:tc>
+                    <a:tc>
+                      <a:txBody>
+                        <a:bodyPr/>
+                        <a:lstStyle/>
+                        <a:p>
+                          <a:pPr algn="ctr"/>
+                          <a:r>
+                            <a:rPr lang="en-US" sz="2000" dirty="0" smtClean="0">
+                              <a:latin typeface="+mn-lt"/>
+                            </a:rPr>
+                            <a:t>Accuracy Mean</a:t>
+                          </a:r>
+                        </a:p>
+                        <a:p>
+                          <a:pPr algn="ctr"/>
+                          <a:r>
+                            <a:rPr lang="en-US" sz="2000" dirty="0" smtClean="0">
+                              <a:latin typeface="+mn-lt"/>
+                            </a:rPr>
+                            <a:t>(SP)</a:t>
+                          </a:r>
+                          <a:endParaRPr lang="en-US" sz="2000" dirty="0">
+                            <a:latin typeface="+mn-lt"/>
+                          </a:endParaRPr>
+                        </a:p>
+                      </a:txBody>
+                      <a:tcPr/>
+                    </a:tc>
+                    <a:tc>
+                      <a:txBody>
+                        <a:bodyPr/>
+                        <a:lstStyle/>
+                        <a:p>
+                          <a:pPr algn="ctr"/>
+                          <a:r>
+                            <a:rPr lang="en-US" sz="2000" dirty="0" smtClean="0">
+                              <a:latin typeface="+mn-lt"/>
+                            </a:rPr>
+                            <a:t>Accuracy Mean</a:t>
+                          </a:r>
+                        </a:p>
+                        <a:p>
+                          <a:pPr algn="ctr"/>
+                          <a:r>
+                            <a:rPr lang="en-US" sz="2000" dirty="0" smtClean="0">
+                              <a:latin typeface="+mn-lt"/>
+                            </a:rPr>
+                            <a:t>(SW)</a:t>
+                          </a:r>
+                          <a:endParaRPr lang="en-US" sz="2000" dirty="0">
+                            <a:latin typeface="+mn-lt"/>
+                          </a:endParaRPr>
+                        </a:p>
+                      </a:txBody>
+                      <a:tcPr/>
+                    </a:tc>
+                  </a:tr>
+                  <a:tr h="370840">
+                    <a:tc>
+                      <a:txBody>
+                        <a:bodyPr/>
+                        <a:lstStyle/>
+                        <a:p>
+                          <a:r>
+                            <a:rPr lang="en-US" sz="2000" dirty="0" smtClean="0">
+                              <a:latin typeface="+mn-lt"/>
+                            </a:rPr>
+                            <a:t>Random Forest</a:t>
+                          </a:r>
+                          <a:endParaRPr lang="en-US" sz="2000" dirty="0">
+                            <a:latin typeface="+mn-lt"/>
+                          </a:endParaRPr>
+                        </a:p>
+                      </a:txBody>
+                      <a:tcPr/>
+                    </a:tc>
+                    <a:tc>
+                      <a:txBody>
+                        <a:bodyPr/>
+                        <a:lstStyle/>
+                        <a:p>
+                          <a:pPr algn="ctr"/>
+                          <a:r>
+                            <a:rPr lang="en-US" sz="2000" dirty="0" smtClean="0">
+                              <a:latin typeface="+mn-lt"/>
+                            </a:rPr>
+                            <a:t>97.22% </a:t>
+                          </a:r>
+                          <a14:m>
+                            <m:oMath xmlns:m="http://schemas.openxmlformats.org/officeDocument/2006/math">
+                              <m:r>
+                                <a:rPr lang="en-US" sz="2000" i="1" smtClean="0">
+                                  <a:latin typeface="Cambria Math" charset="0"/>
+                                  <a:ea typeface="Cambria Math" charset="0"/>
+                                  <a:cs typeface="Cambria Math" charset="0"/>
+                                </a:rPr>
+                                <m:t>±</m:t>
+                              </m:r>
+                            </m:oMath>
+                          </a14:m>
+                          <a:r>
+                            <a:rPr lang="en-US" sz="2000" dirty="0" smtClean="0">
+                              <a:latin typeface="+mn-lt"/>
+                            </a:rPr>
+                            <a:t> 0.20%  </a:t>
+                          </a:r>
+                          <a:endParaRPr lang="en-US" sz="2000" dirty="0">
+                            <a:latin typeface="+mn-lt"/>
+                          </a:endParaRPr>
+                        </a:p>
+                      </a:txBody>
+                      <a:tcPr/>
+                    </a:tc>
+                    <a:tc>
+                      <a:txBody>
+                        <a:bodyPr/>
+                        <a:lstStyle/>
+                        <a:p>
+                          <a:pPr algn="ctr"/>
+                          <a:r>
+                            <a:rPr lang="en-US" sz="2000" dirty="0" smtClean="0">
+                              <a:latin typeface="+mn-lt"/>
+                            </a:rPr>
+                            <a:t>92.07% </a:t>
+                          </a:r>
+                          <a14:m>
+                            <m:oMath xmlns:m="http://schemas.openxmlformats.org/officeDocument/2006/math">
+                              <m:r>
+                                <a:rPr lang="en-US" sz="2000" i="1" smtClean="0">
+                                  <a:latin typeface="Cambria Math" charset="0"/>
+                                  <a:ea typeface="Cambria Math" charset="0"/>
+                                  <a:cs typeface="Cambria Math" charset="0"/>
+                                </a:rPr>
+                                <m:t>±</m:t>
+                              </m:r>
+                            </m:oMath>
+                          </a14:m>
+                          <a:r>
+                            <a:rPr lang="en-US" sz="2000" dirty="0" smtClean="0">
+                              <a:latin typeface="+mn-lt"/>
+                            </a:rPr>
+                            <a:t> 0.41%</a:t>
+                          </a:r>
+                          <a:endParaRPr lang="en-US" sz="2000" dirty="0">
+                            <a:latin typeface="+mn-lt"/>
+                          </a:endParaRPr>
+                        </a:p>
+                      </a:txBody>
+                      <a:tcPr/>
+                    </a:tc>
+                    <a:tc>
+                      <a:txBody>
+                        <a:bodyPr/>
+                        <a:lstStyle/>
+                        <a:p>
+                          <a:pPr algn="ctr"/>
+                          <a:r>
+                            <a:rPr lang="en-US" sz="2000" dirty="0" smtClean="0">
+                              <a:latin typeface="+mn-lt"/>
+                            </a:rPr>
+                            <a:t>90.19% </a:t>
+                          </a:r>
+                          <a14:m>
+                            <m:oMath xmlns:m="http://schemas.openxmlformats.org/officeDocument/2006/math">
+                              <m:r>
+                                <a:rPr lang="en-US" sz="2000" i="1" smtClean="0">
+                                  <a:latin typeface="Cambria Math" charset="0"/>
+                                  <a:ea typeface="Cambria Math" charset="0"/>
+                                  <a:cs typeface="Cambria Math" charset="0"/>
+                                </a:rPr>
+                                <m:t>±</m:t>
+                              </m:r>
+                            </m:oMath>
+                          </a14:m>
+                          <a:r>
+                            <a:rPr lang="en-US" sz="2000" dirty="0" smtClean="0">
+                              <a:latin typeface="+mn-lt"/>
+                            </a:rPr>
+                            <a:t> 0.39%</a:t>
+                          </a:r>
+                          <a:endParaRPr lang="en-US" sz="2000" dirty="0">
+                            <a:latin typeface="+mn-lt"/>
+                          </a:endParaRPr>
+                        </a:p>
+                      </a:txBody>
+                      <a:tcPr/>
+                    </a:tc>
+                  </a:tr>
+                  <a:tr h="370840">
+                    <a:tc>
+                      <a:txBody>
+                        <a:bodyPr/>
+                        <a:lstStyle/>
+                        <a:p>
+                          <a:r>
+                            <a:rPr lang="en-US" sz="2000" dirty="0" smtClean="0">
+                              <a:latin typeface="+mn-lt"/>
+                            </a:rPr>
+                            <a:t>SVM</a:t>
+                          </a:r>
+                          <a:endParaRPr lang="en-US" sz="2000" dirty="0">
+                            <a:latin typeface="+mn-lt"/>
+                          </a:endParaRPr>
+                        </a:p>
+                      </a:txBody>
+                      <a:tcPr/>
+                    </a:tc>
+                    <a:tc>
+                      <a:txBody>
+                        <a:bodyPr/>
+                        <a:lstStyle/>
+                        <a:p>
+                          <a:pPr algn="ctr"/>
+                          <a:r>
+                            <a:rPr lang="en-US" sz="2000" dirty="0" smtClean="0">
+                              <a:latin typeface="+mn-lt"/>
+                            </a:rPr>
+                            <a:t>97.10% </a:t>
+                          </a:r>
+                          <a14:m>
+                            <m:oMath xmlns:m="http://schemas.openxmlformats.org/officeDocument/2006/math">
+                              <m:r>
+                                <a:rPr lang="en-US" sz="2000" i="1" smtClean="0">
+                                  <a:latin typeface="Cambria Math" charset="0"/>
+                                  <a:ea typeface="Cambria Math" charset="0"/>
+                                  <a:cs typeface="Cambria Math" charset="0"/>
+                                </a:rPr>
+                                <m:t>±</m:t>
+                              </m:r>
+                            </m:oMath>
+                          </a14:m>
+                          <a:r>
+                            <a:rPr lang="en-US" sz="2000" dirty="0" smtClean="0">
+                              <a:latin typeface="+mn-lt"/>
+                            </a:rPr>
+                            <a:t> 0.31%</a:t>
+                          </a:r>
+                          <a:endParaRPr lang="en-US" sz="2000" dirty="0">
+                            <a:latin typeface="+mn-lt"/>
+                          </a:endParaRPr>
+                        </a:p>
+                      </a:txBody>
+                      <a:tcPr/>
+                    </a:tc>
+                    <a:tc>
+                      <a:txBody>
+                        <a:bodyPr/>
+                        <a:lstStyle/>
+                        <a:p>
+                          <a:pPr algn="ctr"/>
+                          <a:r>
+                            <a:rPr lang="en-US" sz="2000" dirty="0" smtClean="0">
+                              <a:latin typeface="+mn-lt"/>
+                            </a:rPr>
+                            <a:t>85.56% </a:t>
+                          </a:r>
+                          <a14:m>
+                            <m:oMath xmlns:m="http://schemas.openxmlformats.org/officeDocument/2006/math">
+                              <m:r>
+                                <a:rPr lang="en-US" sz="2000" i="1" smtClean="0">
+                                  <a:latin typeface="Cambria Math" charset="0"/>
+                                  <a:ea typeface="Cambria Math" charset="0"/>
+                                  <a:cs typeface="Cambria Math" charset="0"/>
+                                </a:rPr>
+                                <m:t>±</m:t>
+                              </m:r>
+                            </m:oMath>
+                          </a14:m>
+                          <a:r>
+                            <a:rPr lang="en-US" sz="2000" dirty="0" smtClean="0">
+                              <a:latin typeface="+mn-lt"/>
+                            </a:rPr>
+                            <a:t> 0.34%</a:t>
+                          </a:r>
+                          <a:endParaRPr lang="en-US" sz="2000" dirty="0">
+                            <a:latin typeface="+mn-lt"/>
+                          </a:endParaRPr>
+                        </a:p>
+                      </a:txBody>
+                      <a:tcPr/>
+                    </a:tc>
+                    <a:tc>
+                      <a:txBody>
+                        <a:bodyPr/>
+                        <a:lstStyle/>
+                        <a:p>
+                          <a:pPr algn="ctr"/>
+                          <a:r>
+                            <a:rPr lang="en-US" sz="2000" dirty="0" smtClean="0">
+                              <a:latin typeface="+mn-lt"/>
+                            </a:rPr>
+                            <a:t>88.92% </a:t>
+                          </a:r>
+                          <a14:m>
+                            <m:oMath xmlns:m="http://schemas.openxmlformats.org/officeDocument/2006/math">
+                              <m:r>
+                                <a:rPr lang="en-US" sz="2000" i="1" smtClean="0">
+                                  <a:latin typeface="Cambria Math" charset="0"/>
+                                  <a:ea typeface="Cambria Math" charset="0"/>
+                                  <a:cs typeface="Cambria Math" charset="0"/>
+                                </a:rPr>
+                                <m:t>±</m:t>
+                              </m:r>
+                            </m:oMath>
+                          </a14:m>
+                          <a:r>
+                            <a:rPr lang="en-US" sz="2000" dirty="0" smtClean="0">
+                              <a:latin typeface="+mn-lt"/>
+                            </a:rPr>
+                            <a:t> 0.16%</a:t>
+                          </a:r>
+                          <a:endParaRPr lang="en-US" sz="2000" dirty="0">
+                            <a:latin typeface="+mn-lt"/>
+                          </a:endParaRPr>
+                        </a:p>
+                      </a:txBody>
+                      <a:tcPr/>
+                    </a:tc>
+                  </a:tr>
+                </a:tbl>
+              </a:graphicData>
+            </a:graphic>
+          </p:graphicFrame>
+        </mc:Choice>
+        <mc:Fallback xmlns="">
+          <p:graphicFrame>
+            <p:nvGraphicFramePr>
+              <p:cNvPr id="8" name="Table 7"/>
+              <p:cNvGraphicFramePr>
+                <a:graphicFrameLocks noGrp="1"/>
+              </p:cNvGraphicFramePr>
+              <p:nvPr>
+                <p:extLst>
+                  <p:ext uri="{D42A27DB-BD31-4B8C-83A1-F6EECF244321}">
+                    <p14:modId xmlns:p14="http://schemas.microsoft.com/office/powerpoint/2010/main" val="545870583"/>
+                  </p:ext>
+                </p:extLst>
+              </p:nvPr>
+            </p:nvGraphicFramePr>
+            <p:xfrm>
+              <a:off x="1117599" y="4719075"/>
+              <a:ext cx="10603345" cy="1493520"/>
+            </p:xfrm>
+            <a:graphic>
+              <a:graphicData uri="http://schemas.openxmlformats.org/drawingml/2006/table">
+                <a:tbl>
+                  <a:tblPr firstRow="1" bandRow="1">
+                    <a:tableStyleId>{5C22544A-7EE6-4342-B048-85BDC9FD1C3A}</a:tableStyleId>
+                  </a:tblPr>
+                  <a:tblGrid>
+                    <a:gridCol w="3552391"/>
+                    <a:gridCol w="2369856"/>
+                    <a:gridCol w="2341131"/>
+                    <a:gridCol w="2339967"/>
+                  </a:tblGrid>
+                  <a:tr h="701040">
+                    <a:tc>
+                      <a:txBody>
+                        <a:bodyPr/>
+                        <a:lstStyle/>
+                        <a:p>
+                          <a:pPr algn="ctr"/>
+                          <a:r>
+                            <a:rPr lang="en-US" sz="2000" dirty="0" smtClean="0">
+                              <a:latin typeface="+mn-lt"/>
+                            </a:rPr>
+                            <a:t>Models</a:t>
+                          </a:r>
+                          <a:endParaRPr lang="en-US" sz="2000" dirty="0">
+                            <a:latin typeface="+mn-lt"/>
+                          </a:endParaRPr>
+                        </a:p>
+                      </a:txBody>
+                      <a:tcPr/>
+                    </a:tc>
+                    <a:tc>
+                      <a:txBody>
+                        <a:bodyPr/>
+                        <a:lstStyle/>
+                        <a:p>
+                          <a:pPr algn="ctr"/>
+                          <a:r>
+                            <a:rPr lang="en-US" sz="2000" dirty="0" smtClean="0">
+                              <a:latin typeface="+mn-lt"/>
+                            </a:rPr>
+                            <a:t>Accurac</a:t>
+                          </a:r>
+                          <a:r>
+                            <a:rPr lang="en-US" sz="2000" baseline="0" dirty="0" smtClean="0">
+                              <a:latin typeface="+mn-lt"/>
+                            </a:rPr>
+                            <a:t>y Mean</a:t>
+                          </a:r>
+                        </a:p>
+                        <a:p>
+                          <a:pPr algn="ctr"/>
+                          <a:r>
+                            <a:rPr lang="en-US" sz="2000" baseline="0" dirty="0" smtClean="0">
+                              <a:latin typeface="+mn-lt"/>
+                            </a:rPr>
+                            <a:t>(SP + SW)</a:t>
+                          </a:r>
+                          <a:endParaRPr lang="en-US" sz="2000" dirty="0">
+                            <a:latin typeface="+mn-lt"/>
+                          </a:endParaRPr>
+                        </a:p>
+                      </a:txBody>
+                      <a:tcPr/>
+                    </a:tc>
+                    <a:tc>
+                      <a:txBody>
+                        <a:bodyPr/>
+                        <a:lstStyle/>
+                        <a:p>
+                          <a:pPr algn="ctr"/>
+                          <a:r>
+                            <a:rPr lang="en-US" sz="2000" dirty="0" smtClean="0">
+                              <a:latin typeface="+mn-lt"/>
+                            </a:rPr>
+                            <a:t>Accuracy Mean</a:t>
+                          </a:r>
+                        </a:p>
+                        <a:p>
+                          <a:pPr algn="ctr"/>
+                          <a:r>
+                            <a:rPr lang="en-US" sz="2000" dirty="0" smtClean="0">
+                              <a:latin typeface="+mn-lt"/>
+                            </a:rPr>
+                            <a:t>(SP)</a:t>
+                          </a:r>
+                          <a:endParaRPr lang="en-US" sz="2000" dirty="0">
+                            <a:latin typeface="+mn-lt"/>
+                          </a:endParaRPr>
+                        </a:p>
+                      </a:txBody>
+                      <a:tcPr/>
+                    </a:tc>
+                    <a:tc>
+                      <a:txBody>
+                        <a:bodyPr/>
+                        <a:lstStyle/>
+                        <a:p>
+                          <a:pPr algn="ctr"/>
+                          <a:r>
+                            <a:rPr lang="en-US" sz="2000" dirty="0" smtClean="0">
+                              <a:latin typeface="+mn-lt"/>
+                            </a:rPr>
+                            <a:t>Accuracy Mean</a:t>
+                          </a:r>
+                        </a:p>
+                        <a:p>
+                          <a:pPr algn="ctr"/>
+                          <a:r>
+                            <a:rPr lang="en-US" sz="2000" dirty="0" smtClean="0">
+                              <a:latin typeface="+mn-lt"/>
+                            </a:rPr>
+                            <a:t>(SW)</a:t>
+                          </a:r>
+                          <a:endParaRPr lang="en-US" sz="2000" dirty="0">
+                            <a:latin typeface="+mn-lt"/>
+                          </a:endParaRPr>
+                        </a:p>
+                      </a:txBody>
+                      <a:tcPr/>
+                    </a:tc>
+                  </a:tr>
+                  <a:tr h="396240">
+                    <a:tc>
+                      <a:txBody>
+                        <a:bodyPr/>
+                        <a:lstStyle/>
+                        <a:p>
+                          <a:r>
+                            <a:rPr lang="en-US" sz="2000" dirty="0" smtClean="0">
+                              <a:latin typeface="+mn-lt"/>
+                            </a:rPr>
+                            <a:t>Random Forest</a:t>
+                          </a:r>
+                          <a:endParaRPr lang="en-US" sz="2000" dirty="0">
+                            <a:latin typeface="+mn-lt"/>
+                          </a:endParaRPr>
+                        </a:p>
+                      </a:txBody>
+                      <a:tcPr/>
+                    </a:tc>
+                    <a:tc>
+                      <a:txBody>
+                        <a:bodyPr/>
+                        <a:lstStyle/>
+                        <a:p>
+                          <a:endParaRPr lang="en-US"/>
+                        </a:p>
+                      </a:txBody>
+                      <a:tcPr>
+                        <a:blipFill rotWithShape="0">
+                          <a:blip r:embed="rId4"/>
+                          <a:stretch>
+                            <a:fillRect l="-150129" t="-181818" r="-198458" b="-124242"/>
+                          </a:stretch>
+                        </a:blipFill>
+                      </a:tcPr>
+                    </a:tc>
+                    <a:tc>
+                      <a:txBody>
+                        <a:bodyPr/>
+                        <a:lstStyle/>
+                        <a:p>
+                          <a:endParaRPr lang="en-US"/>
+                        </a:p>
+                      </a:txBody>
+                      <a:tcPr>
+                        <a:blipFill rotWithShape="0">
+                          <a:blip r:embed="rId4"/>
+                          <a:stretch>
+                            <a:fillRect l="-253385" t="-181818" r="-101042" b="-124242"/>
+                          </a:stretch>
+                        </a:blipFill>
+                      </a:tcPr>
+                    </a:tc>
+                    <a:tc>
+                      <a:txBody>
+                        <a:bodyPr/>
+                        <a:lstStyle/>
+                        <a:p>
+                          <a:endParaRPr lang="en-US"/>
+                        </a:p>
+                      </a:txBody>
+                      <a:tcPr>
+                        <a:blipFill rotWithShape="0">
+                          <a:blip r:embed="rId4"/>
+                          <a:stretch>
+                            <a:fillRect l="-353385" t="-181818" r="-1042" b="-124242"/>
+                          </a:stretch>
+                        </a:blipFill>
+                      </a:tcPr>
+                    </a:tc>
+                  </a:tr>
+                  <a:tr h="396240">
+                    <a:tc>
+                      <a:txBody>
+                        <a:bodyPr/>
+                        <a:lstStyle/>
+                        <a:p>
+                          <a:r>
+                            <a:rPr lang="en-US" sz="2000" dirty="0" smtClean="0">
+                              <a:latin typeface="+mn-lt"/>
+                            </a:rPr>
+                            <a:t>SVM</a:t>
+                          </a:r>
+                          <a:endParaRPr lang="en-US" sz="2000" dirty="0">
+                            <a:latin typeface="+mn-lt"/>
+                          </a:endParaRPr>
+                        </a:p>
+                      </a:txBody>
+                      <a:tcPr/>
+                    </a:tc>
+                    <a:tc>
+                      <a:txBody>
+                        <a:bodyPr/>
+                        <a:lstStyle/>
+                        <a:p>
+                          <a:endParaRPr lang="en-US"/>
+                        </a:p>
+                      </a:txBody>
+                      <a:tcPr>
+                        <a:blipFill rotWithShape="0">
+                          <a:blip r:embed="rId4"/>
+                          <a:stretch>
+                            <a:fillRect l="-150129" t="-286154" r="-198458" b="-26154"/>
+                          </a:stretch>
+                        </a:blipFill>
+                      </a:tcPr>
+                    </a:tc>
+                    <a:tc>
+                      <a:txBody>
+                        <a:bodyPr/>
+                        <a:lstStyle/>
+                        <a:p>
+                          <a:endParaRPr lang="en-US"/>
+                        </a:p>
+                      </a:txBody>
+                      <a:tcPr>
+                        <a:blipFill rotWithShape="0">
+                          <a:blip r:embed="rId4"/>
+                          <a:stretch>
+                            <a:fillRect l="-253385" t="-286154" r="-101042" b="-26154"/>
+                          </a:stretch>
+                        </a:blipFill>
+                      </a:tcPr>
+                    </a:tc>
+                    <a:tc>
+                      <a:txBody>
+                        <a:bodyPr/>
+                        <a:lstStyle/>
+                        <a:p>
+                          <a:endParaRPr lang="en-US"/>
+                        </a:p>
+                      </a:txBody>
+                      <a:tcPr>
+                        <a:blipFill rotWithShape="0">
+                          <a:blip r:embed="rId4"/>
+                          <a:stretch>
+                            <a:fillRect l="-353385" t="-286154" r="-1042" b="-26154"/>
+                          </a:stretch>
+                        </a:blipFill>
+                      </a:tcPr>
+                    </a:tc>
+                  </a:tr>
+                </a:tbl>
+              </a:graphicData>
+            </a:graphic>
+          </p:graphicFrame>
+        </mc:Fallback>
+      </mc:AlternateContent>
+    </p:spTree>
+    <p:extLst>
+      <p:ext uri="{BB962C8B-B14F-4D97-AF65-F5344CB8AC3E}">
+        <p14:creationId xmlns:p14="http://schemas.microsoft.com/office/powerpoint/2010/main" val="1956705411"/>
+      </p:ext>
+    </p:extLst>
+  </p:cSld>
+  <p:clrMapOvr>
+    <a:masterClrMapping/>
+  </p:clrMapOvr>
+  <p:timing>
+    <p:tnLst>
+      <p:par>
+        <p:cTn id="1" dur="indefinite" restart="never" nodeType="tmRoot"/>
+      </p:par>
+    </p:tnLst>
+  </p:timing>
+</p:sld>
+</file>
+
+<file path=ppt/slides/slide11.xml><?xml version="1.0" encoding="utf-8"?>
+<p:sld xmlns:a="http://schemas.openxmlformats.org/drawingml/2006/main" xmlns:r="http://schemas.openxmlformats.org/officeDocument/2006/relationships" xmlns:p="http://schemas.openxmlformats.org/presentationml/2006/main">
+  <p:cSld>
+    <p:spTree>
+      <p:nvGrpSpPr>
+        <p:cNvPr id="1" name=""/>
+        <p:cNvGrpSpPr/>
+        <p:nvPr/>
+      </p:nvGrpSpPr>
+      <p:grpSpPr>
+        <a:xfrm>
+          <a:off x="0" y="0"/>
+          <a:ext cx="0" cy="0"/>
+          <a:chOff x="0" y="0"/>
+          <a:chExt cx="0" cy="0"/>
+        </a:xfrm>
+      </p:grpSpPr>
+      <p:sp>
+        <p:nvSpPr>
+          <p:cNvPr id="2" name="Title 1"/>
+          <p:cNvSpPr>
+            <a:spLocks noGrp="1"/>
+          </p:cNvSpPr>
+          <p:nvPr>
+            <p:ph type="title"/>
+          </p:nvPr>
+        </p:nvSpPr>
+        <p:spPr/>
+        <p:txBody>
+          <a:bodyPr/>
+          <a:lstStyle/>
+          <a:p>
+            <a:r>
+              <a:rPr lang="en-US" b="1" dirty="0" smtClean="0"/>
+              <a:t>5-Fold CV on </a:t>
+            </a:r>
+            <a:r>
+              <a:rPr lang="en-US" b="1" u="sng" dirty="0" smtClean="0"/>
+              <a:t>Combined</a:t>
+            </a:r>
+            <a:r>
+              <a:rPr lang="en-US" b="1" dirty="0" smtClean="0"/>
+              <a:t> Dataset (</a:t>
+            </a:r>
+            <a:r>
+              <a:rPr lang="en-US" b="1" i="1" u="sng" dirty="0"/>
+              <a:t>8</a:t>
+            </a:r>
+            <a:r>
+              <a:rPr lang="en-US" b="1" dirty="0" smtClean="0"/>
+              <a:t> persons)</a:t>
+            </a:r>
+            <a:endParaRPr lang="en-US" b="1" dirty="0"/>
+          </a:p>
+        </p:txBody>
+      </p:sp>
+      <p:sp>
+        <p:nvSpPr>
+          <p:cNvPr id="3" name="Content Placeholder 2"/>
+          <p:cNvSpPr>
+            <a:spLocks noGrp="1"/>
+          </p:cNvSpPr>
+          <p:nvPr>
+            <p:ph idx="1"/>
+          </p:nvPr>
+        </p:nvSpPr>
+        <p:spPr>
+          <a:xfrm>
+            <a:off x="838200" y="1562388"/>
+            <a:ext cx="10882744" cy="5032375"/>
+          </a:xfrm>
+        </p:spPr>
+        <p:txBody>
+          <a:bodyPr/>
+          <a:lstStyle/>
+          <a:p>
+            <a:r>
+              <a:rPr lang="en-US" b="1" dirty="0" smtClean="0"/>
+              <a:t>14 activities (WITHOUT EATING)</a:t>
+            </a:r>
+            <a:r>
+              <a:rPr lang="en-US" dirty="0" smtClean="0"/>
+              <a:t>, Sampling @ 10 Hz, Window size = 2s</a:t>
+            </a:r>
+          </a:p>
+          <a:p>
+            <a:endParaRPr lang="en-US" dirty="0"/>
+          </a:p>
+          <a:p>
+            <a:endParaRPr lang="en-US" dirty="0" smtClean="0"/>
+          </a:p>
+          <a:p>
+            <a:endParaRPr lang="en-US" dirty="0"/>
+          </a:p>
+          <a:p>
+            <a:endParaRPr lang="en-US" dirty="0" smtClean="0"/>
+          </a:p>
+          <a:p>
+            <a:r>
+              <a:rPr lang="en-US" b="1" dirty="0" smtClean="0">
+                <a:sym typeface="Wingdings"/>
+              </a:rPr>
+              <a:t>Comparison  14 activities (WITHOUT EATING)</a:t>
+            </a:r>
+            <a:r>
+              <a:rPr lang="en-US" dirty="0" smtClean="0">
+                <a:sym typeface="Wingdings"/>
+              </a:rPr>
+              <a:t>, </a:t>
+            </a:r>
+            <a:r>
+              <a:rPr lang="en-US" b="1" i="1" u="sng" dirty="0" smtClean="0">
+                <a:sym typeface="Wingdings"/>
+              </a:rPr>
+              <a:t>6 Persons</a:t>
+            </a:r>
+            <a:r>
+              <a:rPr lang="en-US" dirty="0" smtClean="0">
+                <a:sym typeface="Wingdings"/>
+              </a:rPr>
+              <a:t> results:</a:t>
+            </a:r>
+          </a:p>
+          <a:p>
+            <a:pPr lvl="1"/>
+            <a:endParaRPr lang="en-US" dirty="0" smtClean="0"/>
+          </a:p>
+        </p:txBody>
+      </p:sp>
+      <mc:AlternateContent xmlns:mc="http://schemas.openxmlformats.org/markup-compatibility/2006" xmlns:a14="http://schemas.microsoft.com/office/drawing/2010/main">
+        <mc:Choice Requires="a14">
+          <p:graphicFrame>
+            <p:nvGraphicFramePr>
+              <p:cNvPr id="6" name="Table 5"/>
+              <p:cNvGraphicFramePr>
+                <a:graphicFrameLocks noGrp="1"/>
+              </p:cNvGraphicFramePr>
+              <p:nvPr>
+                <p:extLst>
+                  <p:ext uri="{D42A27DB-BD31-4B8C-83A1-F6EECF244321}">
+                    <p14:modId xmlns:p14="http://schemas.microsoft.com/office/powerpoint/2010/main" val="886633955"/>
+                  </p:ext>
+                </p:extLst>
+              </p:nvPr>
+            </p:nvGraphicFramePr>
+            <p:xfrm>
+              <a:off x="1117599" y="2128275"/>
+              <a:ext cx="10603345" cy="1493520"/>
+            </p:xfrm>
+            <a:graphic>
+              <a:graphicData uri="http://schemas.openxmlformats.org/drawingml/2006/table">
+                <a:tbl>
+                  <a:tblPr firstRow="1" bandRow="1">
+                    <a:tableStyleId>{5C22544A-7EE6-4342-B048-85BDC9FD1C3A}</a:tableStyleId>
+                  </a:tblPr>
+                  <a:tblGrid>
+                    <a:gridCol w="3552391"/>
+                    <a:gridCol w="2369856"/>
+                    <a:gridCol w="2341131"/>
+                    <a:gridCol w="2339967"/>
+                  </a:tblGrid>
+                  <a:tr h="370840">
+                    <a:tc>
+                      <a:txBody>
+                        <a:bodyPr/>
+                        <a:lstStyle/>
+                        <a:p>
+                          <a:pPr algn="ctr"/>
+                          <a:r>
+                            <a:rPr lang="en-US" sz="2000" dirty="0" smtClean="0">
+                              <a:latin typeface="+mn-lt"/>
+                            </a:rPr>
+                            <a:t>Models</a:t>
+                          </a:r>
+                          <a:endParaRPr lang="en-US" sz="2000" dirty="0">
+                            <a:latin typeface="+mn-lt"/>
+                          </a:endParaRPr>
+                        </a:p>
+                      </a:txBody>
+                      <a:tcPr/>
+                    </a:tc>
+                    <a:tc>
+                      <a:txBody>
+                        <a:bodyPr/>
+                        <a:lstStyle/>
+                        <a:p>
+                          <a:pPr algn="ctr"/>
+                          <a:r>
+                            <a:rPr lang="en-US" sz="2000" dirty="0" smtClean="0">
+                              <a:latin typeface="+mn-lt"/>
+                            </a:rPr>
+                            <a:t>Accurac</a:t>
+                          </a:r>
+                          <a:r>
+                            <a:rPr lang="en-US" sz="2000" baseline="0" dirty="0" smtClean="0">
+                              <a:latin typeface="+mn-lt"/>
+                            </a:rPr>
+                            <a:t>y Mean</a:t>
+                          </a:r>
+                        </a:p>
+                        <a:p>
+                          <a:pPr algn="ctr"/>
+                          <a:r>
+                            <a:rPr lang="en-US" sz="2000" baseline="0" dirty="0" smtClean="0">
+                              <a:latin typeface="+mn-lt"/>
+                            </a:rPr>
+                            <a:t>(SP + SW)</a:t>
+                          </a:r>
+                          <a:endParaRPr lang="en-US" sz="2000" dirty="0">
+                            <a:latin typeface="+mn-lt"/>
+                          </a:endParaRPr>
+                        </a:p>
+                      </a:txBody>
+                      <a:tcPr/>
+                    </a:tc>
+                    <a:tc>
+                      <a:txBody>
+                        <a:bodyPr/>
+                        <a:lstStyle/>
+                        <a:p>
+                          <a:pPr algn="ctr"/>
+                          <a:r>
+                            <a:rPr lang="en-US" sz="2000" dirty="0" smtClean="0">
+                              <a:latin typeface="+mn-lt"/>
+                            </a:rPr>
+                            <a:t>Accuracy Mean</a:t>
+                          </a:r>
+                        </a:p>
+                        <a:p>
+                          <a:pPr algn="ctr"/>
+                          <a:r>
+                            <a:rPr lang="en-US" sz="2000" dirty="0" smtClean="0">
+                              <a:latin typeface="+mn-lt"/>
+                            </a:rPr>
+                            <a:t>(SP)</a:t>
+                          </a:r>
+                          <a:endParaRPr lang="en-US" sz="2000" dirty="0">
+                            <a:latin typeface="+mn-lt"/>
+                          </a:endParaRPr>
+                        </a:p>
+                      </a:txBody>
+                      <a:tcPr/>
+                    </a:tc>
+                    <a:tc>
+                      <a:txBody>
+                        <a:bodyPr/>
+                        <a:lstStyle/>
+                        <a:p>
+                          <a:pPr algn="ctr"/>
+                          <a:r>
+                            <a:rPr lang="en-US" sz="2000" dirty="0" smtClean="0">
+                              <a:latin typeface="+mn-lt"/>
+                            </a:rPr>
+                            <a:t>Accuracy Mean</a:t>
+                          </a:r>
+                        </a:p>
+                        <a:p>
+                          <a:pPr algn="ctr"/>
+                          <a:r>
+                            <a:rPr lang="en-US" sz="2000" dirty="0" smtClean="0">
+                              <a:latin typeface="+mn-lt"/>
+                            </a:rPr>
+                            <a:t>(SW)</a:t>
+                          </a:r>
+                          <a:endParaRPr lang="en-US" sz="2000" dirty="0">
+                            <a:latin typeface="+mn-lt"/>
+                          </a:endParaRPr>
+                        </a:p>
+                      </a:txBody>
+                      <a:tcPr/>
+                    </a:tc>
+                  </a:tr>
+                  <a:tr h="370840">
+                    <a:tc>
+                      <a:txBody>
+                        <a:bodyPr/>
+                        <a:lstStyle/>
+                        <a:p>
+                          <a:r>
+                            <a:rPr lang="en-US" sz="2000" dirty="0" smtClean="0">
+                              <a:latin typeface="+mn-lt"/>
+                            </a:rPr>
+                            <a:t>Random Forest</a:t>
+                          </a:r>
+                          <a:endParaRPr lang="en-US" sz="2000" dirty="0">
+                            <a:latin typeface="+mn-lt"/>
+                          </a:endParaRPr>
+                        </a:p>
+                      </a:txBody>
+                      <a:tcPr/>
+                    </a:tc>
+                    <a:tc>
+                      <a:txBody>
+                        <a:bodyPr/>
+                        <a:lstStyle/>
+                        <a:p>
+                          <a:pPr algn="ctr"/>
+                          <a:r>
+                            <a:rPr lang="en-US" sz="2000" dirty="0" smtClean="0">
+                              <a:latin typeface="+mn-lt"/>
+                            </a:rPr>
+                            <a:t>97.03% </a:t>
+                          </a:r>
+                          <a14:m>
+                            <m:oMath xmlns:m="http://schemas.openxmlformats.org/officeDocument/2006/math">
+                              <m:r>
+                                <a:rPr lang="en-US" sz="2000" i="1" smtClean="0">
+                                  <a:latin typeface="Cambria Math" charset="0"/>
+                                  <a:ea typeface="Cambria Math" charset="0"/>
+                                  <a:cs typeface="Cambria Math" charset="0"/>
+                                </a:rPr>
+                                <m:t>±</m:t>
+                              </m:r>
+                            </m:oMath>
+                          </a14:m>
+                          <a:r>
+                            <a:rPr lang="en-US" sz="2000" dirty="0" smtClean="0">
+                              <a:latin typeface="+mn-lt"/>
+                            </a:rPr>
+                            <a:t> 0.06%</a:t>
+                          </a:r>
+                          <a:endParaRPr lang="en-US" sz="2000" dirty="0">
+                            <a:latin typeface="+mn-lt"/>
+                          </a:endParaRPr>
+                        </a:p>
+                      </a:txBody>
+                      <a:tcPr/>
+                    </a:tc>
+                    <a:tc>
+                      <a:txBody>
+                        <a:bodyPr/>
+                        <a:lstStyle/>
+                        <a:p>
+                          <a:pPr algn="ctr"/>
+                          <a:r>
+                            <a:rPr lang="en-US" sz="2000" dirty="0" smtClean="0">
+                              <a:latin typeface="+mn-lt"/>
+                            </a:rPr>
+                            <a:t>91.75% </a:t>
+                          </a:r>
+                          <a14:m>
+                            <m:oMath xmlns:m="http://schemas.openxmlformats.org/officeDocument/2006/math">
+                              <m:r>
+                                <a:rPr lang="en-US" sz="2000" i="1" smtClean="0">
+                                  <a:latin typeface="Cambria Math" charset="0"/>
+                                  <a:ea typeface="Cambria Math" charset="0"/>
+                                  <a:cs typeface="Cambria Math" charset="0"/>
+                                </a:rPr>
+                                <m:t>±</m:t>
+                              </m:r>
+                            </m:oMath>
+                          </a14:m>
+                          <a:r>
+                            <a:rPr lang="en-US" sz="2000" dirty="0" smtClean="0">
+                              <a:latin typeface="+mn-lt"/>
+                            </a:rPr>
+                            <a:t> 0.44%</a:t>
+                          </a:r>
+                          <a:endParaRPr lang="en-US" sz="2000" dirty="0">
+                            <a:latin typeface="+mn-lt"/>
+                          </a:endParaRPr>
+                        </a:p>
+                      </a:txBody>
+                      <a:tcPr/>
+                    </a:tc>
+                    <a:tc>
+                      <a:txBody>
+                        <a:bodyPr/>
+                        <a:lstStyle/>
+                        <a:p>
+                          <a:pPr algn="ctr"/>
+                          <a:r>
+                            <a:rPr lang="en-US" sz="2000" dirty="0" smtClean="0">
+                              <a:latin typeface="+mn-lt"/>
+                            </a:rPr>
+                            <a:t>90.90% </a:t>
+                          </a:r>
+                          <a14:m>
+                            <m:oMath xmlns:m="http://schemas.openxmlformats.org/officeDocument/2006/math">
+                              <m:r>
+                                <a:rPr lang="en-US" sz="2000" i="1" smtClean="0">
+                                  <a:latin typeface="Cambria Math" charset="0"/>
+                                  <a:ea typeface="Cambria Math" charset="0"/>
+                                  <a:cs typeface="Cambria Math" charset="0"/>
+                                </a:rPr>
+                                <m:t>±</m:t>
+                              </m:r>
+                            </m:oMath>
+                          </a14:m>
+                          <a:r>
+                            <a:rPr lang="en-US" sz="2000" dirty="0" smtClean="0">
+                              <a:latin typeface="+mn-lt"/>
+                            </a:rPr>
+                            <a:t> 0.45%</a:t>
+                          </a:r>
+                          <a:endParaRPr lang="en-US" sz="2000" dirty="0">
+                            <a:latin typeface="+mn-lt"/>
+                          </a:endParaRPr>
+                        </a:p>
+                      </a:txBody>
+                      <a:tcPr/>
+                    </a:tc>
+                  </a:tr>
+                  <a:tr h="370840">
+                    <a:tc>
+                      <a:txBody>
+                        <a:bodyPr/>
+                        <a:lstStyle/>
+                        <a:p>
+                          <a:r>
+                            <a:rPr lang="en-US" sz="2000" dirty="0" smtClean="0">
+                              <a:latin typeface="+mn-lt"/>
+                            </a:rPr>
+                            <a:t>SVM</a:t>
+                          </a:r>
+                          <a:endParaRPr lang="en-US" sz="2000" dirty="0">
+                            <a:latin typeface="+mn-lt"/>
+                          </a:endParaRPr>
+                        </a:p>
+                      </a:txBody>
+                      <a:tcPr/>
+                    </a:tc>
+                    <a:tc>
+                      <a:txBody>
+                        <a:bodyPr/>
+                        <a:lstStyle/>
+                        <a:p>
+                          <a:pPr algn="ctr"/>
+                          <a:r>
+                            <a:rPr lang="en-US" sz="2000" dirty="0" smtClean="0">
+                              <a:latin typeface="+mn-lt"/>
+                            </a:rPr>
+                            <a:t>97.22% </a:t>
+                          </a:r>
+                          <a14:m>
+                            <m:oMath xmlns:m="http://schemas.openxmlformats.org/officeDocument/2006/math">
+                              <m:r>
+                                <a:rPr lang="en-US" sz="2000" i="1" smtClean="0">
+                                  <a:latin typeface="Cambria Math" charset="0"/>
+                                  <a:ea typeface="Cambria Math" charset="0"/>
+                                  <a:cs typeface="Cambria Math" charset="0"/>
+                                </a:rPr>
+                                <m:t>±</m:t>
+                              </m:r>
+                            </m:oMath>
+                          </a14:m>
+                          <a:r>
+                            <a:rPr lang="en-US" sz="2000" dirty="0" smtClean="0">
+                              <a:latin typeface="+mn-lt"/>
+                            </a:rPr>
+                            <a:t> 0.08%</a:t>
+                          </a:r>
+                          <a:endParaRPr lang="en-US" sz="2000" dirty="0">
+                            <a:latin typeface="+mn-lt"/>
+                          </a:endParaRPr>
+                        </a:p>
+                      </a:txBody>
+                      <a:tcPr/>
+                    </a:tc>
+                    <a:tc>
+                      <a:txBody>
+                        <a:bodyPr/>
+                        <a:lstStyle/>
+                        <a:p>
+                          <a:pPr algn="ctr"/>
+                          <a:r>
+                            <a:rPr lang="en-US" sz="2000" dirty="0" smtClean="0">
+                              <a:latin typeface="+mn-lt"/>
+                            </a:rPr>
+                            <a:t>86.33% </a:t>
+                          </a:r>
+                          <a14:m>
+                            <m:oMath xmlns:m="http://schemas.openxmlformats.org/officeDocument/2006/math">
+                              <m:r>
+                                <a:rPr lang="en-US" sz="2000" i="1" smtClean="0">
+                                  <a:latin typeface="Cambria Math" charset="0"/>
+                                  <a:ea typeface="Cambria Math" charset="0"/>
+                                  <a:cs typeface="Cambria Math" charset="0"/>
+                                </a:rPr>
+                                <m:t>±</m:t>
+                              </m:r>
+                            </m:oMath>
+                          </a14:m>
+                          <a:r>
+                            <a:rPr lang="en-US" sz="2000" dirty="0" smtClean="0">
+                              <a:latin typeface="+mn-lt"/>
+                            </a:rPr>
+                            <a:t> 0.36%</a:t>
+                          </a:r>
+                          <a:endParaRPr lang="en-US" sz="2000" dirty="0">
+                            <a:latin typeface="+mn-lt"/>
+                          </a:endParaRPr>
+                        </a:p>
+                      </a:txBody>
+                      <a:tcPr/>
+                    </a:tc>
+                    <a:tc>
+                      <a:txBody>
+                        <a:bodyPr/>
+                        <a:lstStyle/>
+                        <a:p>
+                          <a:pPr algn="ctr"/>
+                          <a:r>
+                            <a:rPr lang="en-US" sz="2000" dirty="0" smtClean="0">
+                              <a:latin typeface="+mn-lt"/>
+                            </a:rPr>
+                            <a:t>89.79% </a:t>
+                          </a:r>
+                          <a14:m>
+                            <m:oMath xmlns:m="http://schemas.openxmlformats.org/officeDocument/2006/math">
+                              <m:r>
+                                <a:rPr lang="en-US" sz="2000" i="1" smtClean="0">
+                                  <a:latin typeface="Cambria Math" charset="0"/>
+                                  <a:ea typeface="Cambria Math" charset="0"/>
+                                  <a:cs typeface="Cambria Math" charset="0"/>
+                                </a:rPr>
+                                <m:t>±</m:t>
+                              </m:r>
+                            </m:oMath>
+                          </a14:m>
+                          <a:r>
+                            <a:rPr lang="en-US" sz="2000" dirty="0" smtClean="0">
+                              <a:latin typeface="+mn-lt"/>
+                            </a:rPr>
+                            <a:t> 0.36%</a:t>
+                          </a:r>
+                          <a:endParaRPr lang="en-US" sz="2000" dirty="0">
+                            <a:latin typeface="+mn-lt"/>
+                          </a:endParaRPr>
+                        </a:p>
+                      </a:txBody>
+                      <a:tcPr/>
+                    </a:tc>
+                  </a:tr>
+                </a:tbl>
+              </a:graphicData>
+            </a:graphic>
+          </p:graphicFrame>
+        </mc:Choice>
+        <mc:Fallback xmlns="">
+          <p:graphicFrame>
+            <p:nvGraphicFramePr>
+              <p:cNvPr id="6" name="Table 5"/>
+              <p:cNvGraphicFramePr>
+                <a:graphicFrameLocks noGrp="1"/>
+              </p:cNvGraphicFramePr>
+              <p:nvPr>
+                <p:extLst>
+                  <p:ext uri="{D42A27DB-BD31-4B8C-83A1-F6EECF244321}">
+                    <p14:modId xmlns:p14="http://schemas.microsoft.com/office/powerpoint/2010/main" val="886633955"/>
+                  </p:ext>
+                </p:extLst>
+              </p:nvPr>
+            </p:nvGraphicFramePr>
+            <p:xfrm>
+              <a:off x="1117599" y="2128275"/>
+              <a:ext cx="10603345" cy="1493520"/>
+            </p:xfrm>
+            <a:graphic>
+              <a:graphicData uri="http://schemas.openxmlformats.org/drawingml/2006/table">
+                <a:tbl>
+                  <a:tblPr firstRow="1" bandRow="1">
+                    <a:tableStyleId>{5C22544A-7EE6-4342-B048-85BDC9FD1C3A}</a:tableStyleId>
+                  </a:tblPr>
+                  <a:tblGrid>
+                    <a:gridCol w="3552391"/>
+                    <a:gridCol w="2369856"/>
+                    <a:gridCol w="2341131"/>
+                    <a:gridCol w="2339967"/>
+                  </a:tblGrid>
+                  <a:tr h="701040">
+                    <a:tc>
+                      <a:txBody>
+                        <a:bodyPr/>
+                        <a:lstStyle/>
+                        <a:p>
+                          <a:pPr algn="ctr"/>
+                          <a:r>
+                            <a:rPr lang="en-US" sz="2000" dirty="0" smtClean="0">
+                              <a:latin typeface="+mn-lt"/>
+                            </a:rPr>
+                            <a:t>Models</a:t>
+                          </a:r>
+                          <a:endParaRPr lang="en-US" sz="2000" dirty="0">
+                            <a:latin typeface="+mn-lt"/>
+                          </a:endParaRPr>
+                        </a:p>
+                      </a:txBody>
+                      <a:tcPr/>
+                    </a:tc>
+                    <a:tc>
+                      <a:txBody>
+                        <a:bodyPr/>
+                        <a:lstStyle/>
+                        <a:p>
+                          <a:pPr algn="ctr"/>
+                          <a:r>
+                            <a:rPr lang="en-US" sz="2000" dirty="0" smtClean="0">
+                              <a:latin typeface="+mn-lt"/>
+                            </a:rPr>
+                            <a:t>Accurac</a:t>
+                          </a:r>
+                          <a:r>
+                            <a:rPr lang="en-US" sz="2000" baseline="0" dirty="0" smtClean="0">
+                              <a:latin typeface="+mn-lt"/>
+                            </a:rPr>
+                            <a:t>y Mean</a:t>
+                          </a:r>
+                        </a:p>
+                        <a:p>
+                          <a:pPr algn="ctr"/>
+                          <a:r>
+                            <a:rPr lang="en-US" sz="2000" baseline="0" dirty="0" smtClean="0">
+                              <a:latin typeface="+mn-lt"/>
+                            </a:rPr>
+                            <a:t>(SP + SW)</a:t>
+                          </a:r>
+                          <a:endParaRPr lang="en-US" sz="2000" dirty="0">
+                            <a:latin typeface="+mn-lt"/>
+                          </a:endParaRPr>
+                        </a:p>
+                      </a:txBody>
+                      <a:tcPr/>
+                    </a:tc>
+                    <a:tc>
+                      <a:txBody>
+                        <a:bodyPr/>
+                        <a:lstStyle/>
+                        <a:p>
+                          <a:pPr algn="ctr"/>
+                          <a:r>
+                            <a:rPr lang="en-US" sz="2000" dirty="0" smtClean="0">
+                              <a:latin typeface="+mn-lt"/>
+                            </a:rPr>
+                            <a:t>Accuracy Mean</a:t>
+                          </a:r>
+                        </a:p>
+                        <a:p>
+                          <a:pPr algn="ctr"/>
+                          <a:r>
+                            <a:rPr lang="en-US" sz="2000" dirty="0" smtClean="0">
+                              <a:latin typeface="+mn-lt"/>
+                            </a:rPr>
+                            <a:t>(SP)</a:t>
+                          </a:r>
+                          <a:endParaRPr lang="en-US" sz="2000" dirty="0">
+                            <a:latin typeface="+mn-lt"/>
+                          </a:endParaRPr>
+                        </a:p>
+                      </a:txBody>
+                      <a:tcPr/>
+                    </a:tc>
+                    <a:tc>
+                      <a:txBody>
+                        <a:bodyPr/>
+                        <a:lstStyle/>
+                        <a:p>
+                          <a:pPr algn="ctr"/>
+                          <a:r>
+                            <a:rPr lang="en-US" sz="2000" dirty="0" smtClean="0">
+                              <a:latin typeface="+mn-lt"/>
+                            </a:rPr>
+                            <a:t>Accuracy Mean</a:t>
+                          </a:r>
+                        </a:p>
+                        <a:p>
+                          <a:pPr algn="ctr"/>
+                          <a:r>
+                            <a:rPr lang="en-US" sz="2000" dirty="0" smtClean="0">
+                              <a:latin typeface="+mn-lt"/>
+                            </a:rPr>
+                            <a:t>(SW)</a:t>
+                          </a:r>
+                          <a:endParaRPr lang="en-US" sz="2000" dirty="0">
+                            <a:latin typeface="+mn-lt"/>
+                          </a:endParaRPr>
+                        </a:p>
+                      </a:txBody>
+                      <a:tcPr/>
+                    </a:tc>
+                  </a:tr>
+                  <a:tr h="396240">
+                    <a:tc>
+                      <a:txBody>
+                        <a:bodyPr/>
+                        <a:lstStyle/>
+                        <a:p>
+                          <a:r>
+                            <a:rPr lang="en-US" sz="2000" dirty="0" smtClean="0">
+                              <a:latin typeface="+mn-lt"/>
+                            </a:rPr>
+                            <a:t>Random Forest</a:t>
+                          </a:r>
+                          <a:endParaRPr lang="en-US" sz="2000" dirty="0">
+                            <a:latin typeface="+mn-lt"/>
+                          </a:endParaRPr>
+                        </a:p>
+                      </a:txBody>
+                      <a:tcPr/>
+                    </a:tc>
+                    <a:tc>
+                      <a:txBody>
+                        <a:bodyPr/>
+                        <a:lstStyle/>
+                        <a:p>
+                          <a:endParaRPr lang="en-US"/>
+                        </a:p>
+                      </a:txBody>
+                      <a:tcPr>
+                        <a:blipFill rotWithShape="0">
+                          <a:blip r:embed="rId3"/>
+                          <a:stretch>
+                            <a:fillRect l="-150129" t="-181818" r="-198458" b="-124242"/>
+                          </a:stretch>
+                        </a:blipFill>
+                      </a:tcPr>
+                    </a:tc>
+                    <a:tc>
+                      <a:txBody>
+                        <a:bodyPr/>
+                        <a:lstStyle/>
+                        <a:p>
+                          <a:endParaRPr lang="en-US"/>
+                        </a:p>
+                      </a:txBody>
+                      <a:tcPr>
+                        <a:blipFill rotWithShape="0">
+                          <a:blip r:embed="rId3"/>
+                          <a:stretch>
+                            <a:fillRect l="-253385" t="-181818" r="-101042" b="-124242"/>
+                          </a:stretch>
+                        </a:blipFill>
+                      </a:tcPr>
+                    </a:tc>
+                    <a:tc>
+                      <a:txBody>
+                        <a:bodyPr/>
+                        <a:lstStyle/>
+                        <a:p>
+                          <a:endParaRPr lang="en-US"/>
+                        </a:p>
+                      </a:txBody>
+                      <a:tcPr>
+                        <a:blipFill rotWithShape="0">
+                          <a:blip r:embed="rId3"/>
+                          <a:stretch>
+                            <a:fillRect l="-353385" t="-181818" r="-1042" b="-124242"/>
+                          </a:stretch>
+                        </a:blipFill>
+                      </a:tcPr>
+                    </a:tc>
+                  </a:tr>
+                  <a:tr h="396240">
+                    <a:tc>
+                      <a:txBody>
+                        <a:bodyPr/>
+                        <a:lstStyle/>
+                        <a:p>
+                          <a:r>
+                            <a:rPr lang="en-US" sz="2000" dirty="0" smtClean="0">
+                              <a:latin typeface="+mn-lt"/>
+                            </a:rPr>
+                            <a:t>SVM</a:t>
+                          </a:r>
+                          <a:endParaRPr lang="en-US" sz="2000" dirty="0">
+                            <a:latin typeface="+mn-lt"/>
+                          </a:endParaRPr>
+                        </a:p>
+                      </a:txBody>
+                      <a:tcPr/>
+                    </a:tc>
+                    <a:tc>
+                      <a:txBody>
+                        <a:bodyPr/>
+                        <a:lstStyle/>
+                        <a:p>
+                          <a:endParaRPr lang="en-US"/>
+                        </a:p>
+                      </a:txBody>
+                      <a:tcPr>
+                        <a:blipFill rotWithShape="0">
+                          <a:blip r:embed="rId3"/>
+                          <a:stretch>
+                            <a:fillRect l="-150129" t="-286154" r="-198458" b="-26154"/>
+                          </a:stretch>
+                        </a:blipFill>
+                      </a:tcPr>
+                    </a:tc>
+                    <a:tc>
+                      <a:txBody>
+                        <a:bodyPr/>
+                        <a:lstStyle/>
+                        <a:p>
+                          <a:endParaRPr lang="en-US"/>
+                        </a:p>
+                      </a:txBody>
+                      <a:tcPr>
+                        <a:blipFill rotWithShape="0">
+                          <a:blip r:embed="rId3"/>
+                          <a:stretch>
+                            <a:fillRect l="-253385" t="-286154" r="-101042" b="-26154"/>
+                          </a:stretch>
+                        </a:blipFill>
+                      </a:tcPr>
+                    </a:tc>
+                    <a:tc>
+                      <a:txBody>
+                        <a:bodyPr/>
+                        <a:lstStyle/>
+                        <a:p>
+                          <a:endParaRPr lang="en-US"/>
+                        </a:p>
+                      </a:txBody>
+                      <a:tcPr>
+                        <a:blipFill rotWithShape="0">
+                          <a:blip r:embed="rId3"/>
+                          <a:stretch>
+                            <a:fillRect l="-353385" t="-286154" r="-1042" b="-26154"/>
+                          </a:stretch>
+                        </a:blipFill>
+                      </a:tcPr>
+                    </a:tc>
+                  </a:tr>
+                </a:tbl>
+              </a:graphicData>
+            </a:graphic>
+          </p:graphicFrame>
+        </mc:Fallback>
+      </mc:AlternateContent>
+      <mc:AlternateContent xmlns:mc="http://schemas.openxmlformats.org/markup-compatibility/2006" xmlns:a14="http://schemas.microsoft.com/office/drawing/2010/main">
+        <mc:Choice Requires="a14">
+          <p:graphicFrame>
+            <p:nvGraphicFramePr>
+              <p:cNvPr id="7" name="Table 6"/>
+              <p:cNvGraphicFramePr>
+                <a:graphicFrameLocks noGrp="1"/>
+              </p:cNvGraphicFramePr>
+              <p:nvPr>
+                <p:extLst>
+                  <p:ext uri="{D42A27DB-BD31-4B8C-83A1-F6EECF244321}">
+                    <p14:modId xmlns:p14="http://schemas.microsoft.com/office/powerpoint/2010/main" val="1926648061"/>
+                  </p:ext>
+                </p:extLst>
+              </p:nvPr>
+            </p:nvGraphicFramePr>
+            <p:xfrm>
+              <a:off x="1117599" y="4719075"/>
+              <a:ext cx="10603345" cy="1493520"/>
+            </p:xfrm>
+            <a:graphic>
+              <a:graphicData uri="http://schemas.openxmlformats.org/drawingml/2006/table">
+                <a:tbl>
+                  <a:tblPr firstRow="1" bandRow="1">
+                    <a:tableStyleId>{5C22544A-7EE6-4342-B048-85BDC9FD1C3A}</a:tableStyleId>
+                  </a:tblPr>
+                  <a:tblGrid>
+                    <a:gridCol w="3552391"/>
+                    <a:gridCol w="2369856"/>
+                    <a:gridCol w="2341131"/>
+                    <a:gridCol w="2339967"/>
+                  </a:tblGrid>
+                  <a:tr h="370840">
+                    <a:tc>
+                      <a:txBody>
+                        <a:bodyPr/>
+                        <a:lstStyle/>
+                        <a:p>
+                          <a:pPr algn="ctr"/>
+                          <a:r>
+                            <a:rPr lang="en-US" sz="2000" dirty="0" smtClean="0">
+                              <a:latin typeface="+mn-lt"/>
+                            </a:rPr>
+                            <a:t>Models</a:t>
+                          </a:r>
+                          <a:endParaRPr lang="en-US" sz="2000" dirty="0">
+                            <a:latin typeface="+mn-lt"/>
+                          </a:endParaRPr>
+                        </a:p>
+                      </a:txBody>
+                      <a:tcPr/>
+                    </a:tc>
+                    <a:tc>
+                      <a:txBody>
+                        <a:bodyPr/>
+                        <a:lstStyle/>
+                        <a:p>
+                          <a:pPr algn="ctr"/>
+                          <a:r>
+                            <a:rPr lang="en-US" sz="2000" dirty="0" smtClean="0">
+                              <a:latin typeface="+mn-lt"/>
+                            </a:rPr>
+                            <a:t>Accurac</a:t>
+                          </a:r>
+                          <a:r>
+                            <a:rPr lang="en-US" sz="2000" baseline="0" dirty="0" smtClean="0">
+                              <a:latin typeface="+mn-lt"/>
+                            </a:rPr>
+                            <a:t>y Mean</a:t>
+                          </a:r>
+                        </a:p>
+                        <a:p>
+                          <a:pPr algn="ctr"/>
+                          <a:r>
+                            <a:rPr lang="en-US" sz="2000" baseline="0" dirty="0" smtClean="0">
+                              <a:latin typeface="+mn-lt"/>
+                            </a:rPr>
+                            <a:t>(SP + SW)</a:t>
+                          </a:r>
+                          <a:endParaRPr lang="en-US" sz="2000" dirty="0">
+                            <a:latin typeface="+mn-lt"/>
+                          </a:endParaRPr>
+                        </a:p>
+                      </a:txBody>
+                      <a:tcPr/>
+                    </a:tc>
+                    <a:tc>
+                      <a:txBody>
+                        <a:bodyPr/>
+                        <a:lstStyle/>
+                        <a:p>
+                          <a:pPr algn="ctr"/>
+                          <a:r>
+                            <a:rPr lang="en-US" sz="2000" dirty="0" smtClean="0">
+                              <a:latin typeface="+mn-lt"/>
+                            </a:rPr>
+                            <a:t>Accuracy Mean</a:t>
+                          </a:r>
+                        </a:p>
+                        <a:p>
+                          <a:pPr algn="ctr"/>
+                          <a:r>
+                            <a:rPr lang="en-US" sz="2000" dirty="0" smtClean="0">
+                              <a:latin typeface="+mn-lt"/>
+                            </a:rPr>
+                            <a:t>(SP)</a:t>
+                          </a:r>
+                          <a:endParaRPr lang="en-US" sz="2000" dirty="0">
+                            <a:latin typeface="+mn-lt"/>
+                          </a:endParaRPr>
+                        </a:p>
+                      </a:txBody>
+                      <a:tcPr/>
+                    </a:tc>
+                    <a:tc>
+                      <a:txBody>
+                        <a:bodyPr/>
+                        <a:lstStyle/>
+                        <a:p>
+                          <a:pPr algn="ctr"/>
+                          <a:r>
+                            <a:rPr lang="en-US" sz="2000" dirty="0" smtClean="0">
+                              <a:latin typeface="+mn-lt"/>
+                            </a:rPr>
+                            <a:t>Accuracy Mean</a:t>
+                          </a:r>
+                        </a:p>
+                        <a:p>
+                          <a:pPr algn="ctr"/>
+                          <a:r>
+                            <a:rPr lang="en-US" sz="2000" dirty="0" smtClean="0">
+                              <a:latin typeface="+mn-lt"/>
+                            </a:rPr>
+                            <a:t>(SW)</a:t>
+                          </a:r>
+                          <a:endParaRPr lang="en-US" sz="2000" dirty="0">
+                            <a:latin typeface="+mn-lt"/>
+                          </a:endParaRPr>
+                        </a:p>
+                      </a:txBody>
+                      <a:tcPr/>
+                    </a:tc>
+                  </a:tr>
+                  <a:tr h="370840">
+                    <a:tc>
+                      <a:txBody>
+                        <a:bodyPr/>
+                        <a:lstStyle/>
+                        <a:p>
+                          <a:r>
+                            <a:rPr lang="en-US" sz="2000" dirty="0" smtClean="0">
+                              <a:latin typeface="+mn-lt"/>
+                            </a:rPr>
+                            <a:t>Random Forest</a:t>
+                          </a:r>
+                          <a:endParaRPr lang="en-US" sz="2000" dirty="0">
+                            <a:latin typeface="+mn-lt"/>
+                          </a:endParaRPr>
+                        </a:p>
+                      </a:txBody>
+                      <a:tcPr/>
+                    </a:tc>
+                    <a:tc>
+                      <a:txBody>
+                        <a:bodyPr/>
+                        <a:lstStyle/>
+                        <a:p>
+                          <a:pPr algn="ctr"/>
+                          <a:r>
+                            <a:rPr lang="en-US" sz="2000" dirty="0" smtClean="0">
+                              <a:latin typeface="+mn-lt"/>
+                            </a:rPr>
+                            <a:t>97.33% </a:t>
+                          </a:r>
+                          <a14:m>
+                            <m:oMath xmlns:m="http://schemas.openxmlformats.org/officeDocument/2006/math">
+                              <m:r>
+                                <a:rPr lang="en-US" sz="2000" i="1" smtClean="0">
+                                  <a:latin typeface="Cambria Math" charset="0"/>
+                                  <a:ea typeface="Cambria Math" charset="0"/>
+                                  <a:cs typeface="Cambria Math" charset="0"/>
+                                </a:rPr>
+                                <m:t>±</m:t>
+                              </m:r>
+                            </m:oMath>
+                          </a14:m>
+                          <a:r>
+                            <a:rPr lang="en-US" sz="2000" dirty="0" smtClean="0">
+                              <a:latin typeface="+mn-lt"/>
+                            </a:rPr>
+                            <a:t> 0.25%  </a:t>
+                          </a:r>
+                          <a:endParaRPr lang="en-US" sz="2000" dirty="0">
+                            <a:latin typeface="+mn-lt"/>
+                          </a:endParaRPr>
+                        </a:p>
+                      </a:txBody>
+                      <a:tcPr/>
+                    </a:tc>
+                    <a:tc>
+                      <a:txBody>
+                        <a:bodyPr/>
+                        <a:lstStyle/>
+                        <a:p>
+                          <a:pPr algn="ctr"/>
+                          <a:r>
+                            <a:rPr lang="en-US" sz="2000" dirty="0" smtClean="0">
+                              <a:latin typeface="+mn-lt"/>
+                            </a:rPr>
+                            <a:t>91.66% </a:t>
+                          </a:r>
+                          <a14:m>
+                            <m:oMath xmlns:m="http://schemas.openxmlformats.org/officeDocument/2006/math">
+                              <m:r>
+                                <a:rPr lang="en-US" sz="2000" i="1" smtClean="0">
+                                  <a:latin typeface="Cambria Math" charset="0"/>
+                                  <a:ea typeface="Cambria Math" charset="0"/>
+                                  <a:cs typeface="Cambria Math" charset="0"/>
+                                </a:rPr>
+                                <m:t>±</m:t>
+                              </m:r>
+                            </m:oMath>
+                          </a14:m>
+                          <a:r>
+                            <a:rPr lang="en-US" sz="2000" dirty="0" smtClean="0">
+                              <a:latin typeface="+mn-lt"/>
+                            </a:rPr>
+                            <a:t> 0.27%</a:t>
+                          </a:r>
+                          <a:endParaRPr lang="en-US" sz="2000" dirty="0">
+                            <a:latin typeface="+mn-lt"/>
+                          </a:endParaRPr>
+                        </a:p>
+                      </a:txBody>
+                      <a:tcPr/>
+                    </a:tc>
+                    <a:tc>
+                      <a:txBody>
+                        <a:bodyPr/>
+                        <a:lstStyle/>
+                        <a:p>
+                          <a:pPr algn="ctr"/>
+                          <a:r>
+                            <a:rPr lang="en-US" sz="2000" dirty="0" smtClean="0">
+                              <a:latin typeface="+mn-lt"/>
+                            </a:rPr>
+                            <a:t>91.83% </a:t>
+                          </a:r>
+                          <a14:m>
+                            <m:oMath xmlns:m="http://schemas.openxmlformats.org/officeDocument/2006/math">
+                              <m:r>
+                                <a:rPr lang="en-US" sz="2000" i="1" smtClean="0">
+                                  <a:latin typeface="Cambria Math" charset="0"/>
+                                  <a:ea typeface="Cambria Math" charset="0"/>
+                                  <a:cs typeface="Cambria Math" charset="0"/>
+                                </a:rPr>
+                                <m:t>±</m:t>
+                              </m:r>
+                            </m:oMath>
+                          </a14:m>
+                          <a:r>
+                            <a:rPr lang="en-US" sz="2000" dirty="0" smtClean="0">
+                              <a:latin typeface="+mn-lt"/>
+                            </a:rPr>
+                            <a:t> 0.32%</a:t>
+                          </a:r>
+                          <a:endParaRPr lang="en-US" sz="2000" dirty="0">
+                            <a:latin typeface="+mn-lt"/>
+                          </a:endParaRPr>
+                        </a:p>
+                      </a:txBody>
+                      <a:tcPr/>
+                    </a:tc>
+                  </a:tr>
+                  <a:tr h="370840">
+                    <a:tc>
+                      <a:txBody>
+                        <a:bodyPr/>
+                        <a:lstStyle/>
+                        <a:p>
+                          <a:r>
+                            <a:rPr lang="en-US" sz="2000" dirty="0" smtClean="0">
+                              <a:latin typeface="+mn-lt"/>
+                            </a:rPr>
+                            <a:t>SVM</a:t>
+                          </a:r>
+                          <a:endParaRPr lang="en-US" sz="2000" dirty="0">
+                            <a:latin typeface="+mn-lt"/>
+                          </a:endParaRPr>
+                        </a:p>
+                      </a:txBody>
+                      <a:tcPr/>
+                    </a:tc>
+                    <a:tc>
+                      <a:txBody>
+                        <a:bodyPr/>
+                        <a:lstStyle/>
+                        <a:p>
+                          <a:pPr algn="ctr"/>
+                          <a:r>
+                            <a:rPr lang="en-US" sz="2000" dirty="0" smtClean="0">
+                              <a:latin typeface="+mn-lt"/>
+                            </a:rPr>
+                            <a:t>97.43% </a:t>
+                          </a:r>
+                          <a14:m>
+                            <m:oMath xmlns:m="http://schemas.openxmlformats.org/officeDocument/2006/math">
+                              <m:r>
+                                <a:rPr lang="en-US" sz="2000" i="1" smtClean="0">
+                                  <a:latin typeface="Cambria Math" charset="0"/>
+                                  <a:ea typeface="Cambria Math" charset="0"/>
+                                  <a:cs typeface="Cambria Math" charset="0"/>
+                                </a:rPr>
+                                <m:t>±</m:t>
+                              </m:r>
+                            </m:oMath>
+                          </a14:m>
+                          <a:r>
+                            <a:rPr lang="en-US" sz="2000" dirty="0" smtClean="0">
+                              <a:latin typeface="+mn-lt"/>
+                            </a:rPr>
+                            <a:t> 0.09%</a:t>
+                          </a:r>
+                          <a:endParaRPr lang="en-US" sz="2000" dirty="0">
+                            <a:latin typeface="+mn-lt"/>
+                          </a:endParaRPr>
+                        </a:p>
+                      </a:txBody>
+                      <a:tcPr/>
+                    </a:tc>
+                    <a:tc>
+                      <a:txBody>
+                        <a:bodyPr/>
+                        <a:lstStyle/>
+                        <a:p>
+                          <a:pPr algn="ctr"/>
+                          <a:r>
+                            <a:rPr lang="en-US" sz="2000" dirty="0" smtClean="0">
+                              <a:latin typeface="+mn-lt"/>
+                            </a:rPr>
+                            <a:t>86.40% </a:t>
+                          </a:r>
+                          <a14:m>
+                            <m:oMath xmlns:m="http://schemas.openxmlformats.org/officeDocument/2006/math">
+                              <m:r>
+                                <a:rPr lang="en-US" sz="2000" i="1" smtClean="0">
+                                  <a:latin typeface="Cambria Math" charset="0"/>
+                                  <a:ea typeface="Cambria Math" charset="0"/>
+                                  <a:cs typeface="Cambria Math" charset="0"/>
+                                </a:rPr>
+                                <m:t>±</m:t>
+                              </m:r>
+                            </m:oMath>
+                          </a14:m>
+                          <a:r>
+                            <a:rPr lang="en-US" sz="2000" dirty="0" smtClean="0">
+                              <a:latin typeface="+mn-lt"/>
+                            </a:rPr>
+                            <a:t> 0.39%</a:t>
+                          </a:r>
+                          <a:endParaRPr lang="en-US" sz="2000" dirty="0">
+                            <a:latin typeface="+mn-lt"/>
+                          </a:endParaRPr>
+                        </a:p>
+                      </a:txBody>
+                      <a:tcPr/>
+                    </a:tc>
+                    <a:tc>
+                      <a:txBody>
+                        <a:bodyPr/>
+                        <a:lstStyle/>
+                        <a:p>
+                          <a:pPr algn="ctr"/>
+                          <a:r>
+                            <a:rPr lang="en-US" sz="2000" dirty="0" smtClean="0">
+                              <a:latin typeface="+mn-lt"/>
+                            </a:rPr>
+                            <a:t>90.78% </a:t>
+                          </a:r>
+                          <a14:m>
+                            <m:oMath xmlns:m="http://schemas.openxmlformats.org/officeDocument/2006/math">
+                              <m:r>
+                                <a:rPr lang="en-US" sz="2000" i="1" smtClean="0">
+                                  <a:latin typeface="Cambria Math" charset="0"/>
+                                  <a:ea typeface="Cambria Math" charset="0"/>
+                                  <a:cs typeface="Cambria Math" charset="0"/>
+                                </a:rPr>
+                                <m:t>±</m:t>
+                              </m:r>
+                            </m:oMath>
+                          </a14:m>
+                          <a:r>
+                            <a:rPr lang="en-US" sz="2000" dirty="0" smtClean="0">
+                              <a:latin typeface="+mn-lt"/>
+                            </a:rPr>
+                            <a:t> 0.38%</a:t>
+                          </a:r>
+                          <a:endParaRPr lang="en-US" sz="2000" dirty="0">
+                            <a:latin typeface="+mn-lt"/>
+                          </a:endParaRPr>
+                        </a:p>
+                      </a:txBody>
+                      <a:tcPr/>
+                    </a:tc>
+                  </a:tr>
+                </a:tbl>
+              </a:graphicData>
+            </a:graphic>
+          </p:graphicFrame>
+        </mc:Choice>
+        <mc:Fallback xmlns="">
+          <p:graphicFrame>
+            <p:nvGraphicFramePr>
+              <p:cNvPr id="7" name="Table 6"/>
+              <p:cNvGraphicFramePr>
+                <a:graphicFrameLocks noGrp="1"/>
+              </p:cNvGraphicFramePr>
+              <p:nvPr>
+                <p:extLst>
+                  <p:ext uri="{D42A27DB-BD31-4B8C-83A1-F6EECF244321}">
+                    <p14:modId xmlns:p14="http://schemas.microsoft.com/office/powerpoint/2010/main" val="1926648061"/>
+                  </p:ext>
+                </p:extLst>
+              </p:nvPr>
+            </p:nvGraphicFramePr>
+            <p:xfrm>
+              <a:off x="1117599" y="4719075"/>
+              <a:ext cx="10603345" cy="1493520"/>
+            </p:xfrm>
+            <a:graphic>
+              <a:graphicData uri="http://schemas.openxmlformats.org/drawingml/2006/table">
+                <a:tbl>
+                  <a:tblPr firstRow="1" bandRow="1">
+                    <a:tableStyleId>{5C22544A-7EE6-4342-B048-85BDC9FD1C3A}</a:tableStyleId>
+                  </a:tblPr>
+                  <a:tblGrid>
+                    <a:gridCol w="3552391"/>
+                    <a:gridCol w="2369856"/>
+                    <a:gridCol w="2341131"/>
+                    <a:gridCol w="2339967"/>
+                  </a:tblGrid>
+                  <a:tr h="701040">
+                    <a:tc>
+                      <a:txBody>
+                        <a:bodyPr/>
+                        <a:lstStyle/>
+                        <a:p>
+                          <a:pPr algn="ctr"/>
+                          <a:r>
+                            <a:rPr lang="en-US" sz="2000" dirty="0" smtClean="0">
+                              <a:latin typeface="+mn-lt"/>
+                            </a:rPr>
+                            <a:t>Models</a:t>
+                          </a:r>
+                          <a:endParaRPr lang="en-US" sz="2000" dirty="0">
+                            <a:latin typeface="+mn-lt"/>
+                          </a:endParaRPr>
+                        </a:p>
+                      </a:txBody>
+                      <a:tcPr/>
+                    </a:tc>
+                    <a:tc>
+                      <a:txBody>
+                        <a:bodyPr/>
+                        <a:lstStyle/>
+                        <a:p>
+                          <a:pPr algn="ctr"/>
+                          <a:r>
+                            <a:rPr lang="en-US" sz="2000" dirty="0" smtClean="0">
+                              <a:latin typeface="+mn-lt"/>
+                            </a:rPr>
+                            <a:t>Accurac</a:t>
+                          </a:r>
+                          <a:r>
+                            <a:rPr lang="en-US" sz="2000" baseline="0" dirty="0" smtClean="0">
+                              <a:latin typeface="+mn-lt"/>
+                            </a:rPr>
+                            <a:t>y Mean</a:t>
+                          </a:r>
+                        </a:p>
+                        <a:p>
+                          <a:pPr algn="ctr"/>
+                          <a:r>
+                            <a:rPr lang="en-US" sz="2000" baseline="0" dirty="0" smtClean="0">
+                              <a:latin typeface="+mn-lt"/>
+                            </a:rPr>
+                            <a:t>(SP + SW)</a:t>
+                          </a:r>
+                          <a:endParaRPr lang="en-US" sz="2000" dirty="0">
+                            <a:latin typeface="+mn-lt"/>
+                          </a:endParaRPr>
+                        </a:p>
+                      </a:txBody>
+                      <a:tcPr/>
+                    </a:tc>
+                    <a:tc>
+                      <a:txBody>
+                        <a:bodyPr/>
+                        <a:lstStyle/>
+                        <a:p>
+                          <a:pPr algn="ctr"/>
+                          <a:r>
+                            <a:rPr lang="en-US" sz="2000" dirty="0" smtClean="0">
+                              <a:latin typeface="+mn-lt"/>
+                            </a:rPr>
+                            <a:t>Accuracy Mean</a:t>
+                          </a:r>
+                        </a:p>
+                        <a:p>
+                          <a:pPr algn="ctr"/>
+                          <a:r>
+                            <a:rPr lang="en-US" sz="2000" dirty="0" smtClean="0">
+                              <a:latin typeface="+mn-lt"/>
+                            </a:rPr>
+                            <a:t>(SP)</a:t>
+                          </a:r>
+                          <a:endParaRPr lang="en-US" sz="2000" dirty="0">
+                            <a:latin typeface="+mn-lt"/>
+                          </a:endParaRPr>
+                        </a:p>
+                      </a:txBody>
+                      <a:tcPr/>
+                    </a:tc>
+                    <a:tc>
+                      <a:txBody>
+                        <a:bodyPr/>
+                        <a:lstStyle/>
+                        <a:p>
+                          <a:pPr algn="ctr"/>
+                          <a:r>
+                            <a:rPr lang="en-US" sz="2000" dirty="0" smtClean="0">
+                              <a:latin typeface="+mn-lt"/>
+                            </a:rPr>
+                            <a:t>Accuracy Mean</a:t>
+                          </a:r>
+                        </a:p>
+                        <a:p>
+                          <a:pPr algn="ctr"/>
+                          <a:r>
+                            <a:rPr lang="en-US" sz="2000" dirty="0" smtClean="0">
+                              <a:latin typeface="+mn-lt"/>
+                            </a:rPr>
+                            <a:t>(SW)</a:t>
+                          </a:r>
+                          <a:endParaRPr lang="en-US" sz="2000" dirty="0">
+                            <a:latin typeface="+mn-lt"/>
+                          </a:endParaRPr>
+                        </a:p>
+                      </a:txBody>
+                      <a:tcPr/>
+                    </a:tc>
+                  </a:tr>
+                  <a:tr h="396240">
+                    <a:tc>
+                      <a:txBody>
+                        <a:bodyPr/>
+                        <a:lstStyle/>
+                        <a:p>
+                          <a:r>
+                            <a:rPr lang="en-US" sz="2000" dirty="0" smtClean="0">
+                              <a:latin typeface="+mn-lt"/>
+                            </a:rPr>
+                            <a:t>Random Forest</a:t>
+                          </a:r>
+                          <a:endParaRPr lang="en-US" sz="2000" dirty="0">
+                            <a:latin typeface="+mn-lt"/>
+                          </a:endParaRPr>
+                        </a:p>
+                      </a:txBody>
+                      <a:tcPr/>
+                    </a:tc>
+                    <a:tc>
+                      <a:txBody>
+                        <a:bodyPr/>
+                        <a:lstStyle/>
+                        <a:p>
+                          <a:endParaRPr lang="en-US"/>
+                        </a:p>
+                      </a:txBody>
+                      <a:tcPr>
+                        <a:blipFill rotWithShape="0">
+                          <a:blip r:embed="rId4"/>
+                          <a:stretch>
+                            <a:fillRect l="-150129" t="-181818" r="-198458" b="-124242"/>
+                          </a:stretch>
+                        </a:blipFill>
+                      </a:tcPr>
+                    </a:tc>
+                    <a:tc>
+                      <a:txBody>
+                        <a:bodyPr/>
+                        <a:lstStyle/>
+                        <a:p>
+                          <a:endParaRPr lang="en-US"/>
+                        </a:p>
+                      </a:txBody>
+                      <a:tcPr>
+                        <a:blipFill rotWithShape="0">
+                          <a:blip r:embed="rId4"/>
+                          <a:stretch>
+                            <a:fillRect l="-253385" t="-181818" r="-101042" b="-124242"/>
+                          </a:stretch>
+                        </a:blipFill>
+                      </a:tcPr>
+                    </a:tc>
+                    <a:tc>
+                      <a:txBody>
+                        <a:bodyPr/>
+                        <a:lstStyle/>
+                        <a:p>
+                          <a:endParaRPr lang="en-US"/>
+                        </a:p>
+                      </a:txBody>
+                      <a:tcPr>
+                        <a:blipFill rotWithShape="0">
+                          <a:blip r:embed="rId4"/>
+                          <a:stretch>
+                            <a:fillRect l="-353385" t="-181818" r="-1042" b="-124242"/>
+                          </a:stretch>
+                        </a:blipFill>
+                      </a:tcPr>
+                    </a:tc>
+                  </a:tr>
+                  <a:tr h="396240">
+                    <a:tc>
+                      <a:txBody>
+                        <a:bodyPr/>
+                        <a:lstStyle/>
+                        <a:p>
+                          <a:r>
+                            <a:rPr lang="en-US" sz="2000" dirty="0" smtClean="0">
+                              <a:latin typeface="+mn-lt"/>
+                            </a:rPr>
+                            <a:t>SVM</a:t>
+                          </a:r>
+                          <a:endParaRPr lang="en-US" sz="2000" dirty="0">
+                            <a:latin typeface="+mn-lt"/>
+                          </a:endParaRPr>
+                        </a:p>
+                      </a:txBody>
+                      <a:tcPr/>
+                    </a:tc>
+                    <a:tc>
+                      <a:txBody>
+                        <a:bodyPr/>
+                        <a:lstStyle/>
+                        <a:p>
+                          <a:endParaRPr lang="en-US"/>
+                        </a:p>
+                      </a:txBody>
+                      <a:tcPr>
+                        <a:blipFill rotWithShape="0">
+                          <a:blip r:embed="rId4"/>
+                          <a:stretch>
+                            <a:fillRect l="-150129" t="-286154" r="-198458" b="-26154"/>
+                          </a:stretch>
+                        </a:blipFill>
+                      </a:tcPr>
+                    </a:tc>
+                    <a:tc>
+                      <a:txBody>
+                        <a:bodyPr/>
+                        <a:lstStyle/>
+                        <a:p>
+                          <a:endParaRPr lang="en-US"/>
+                        </a:p>
+                      </a:txBody>
+                      <a:tcPr>
+                        <a:blipFill rotWithShape="0">
+                          <a:blip r:embed="rId4"/>
+                          <a:stretch>
+                            <a:fillRect l="-253385" t="-286154" r="-101042" b="-26154"/>
+                          </a:stretch>
+                        </a:blipFill>
+                      </a:tcPr>
+                    </a:tc>
+                    <a:tc>
+                      <a:txBody>
+                        <a:bodyPr/>
+                        <a:lstStyle/>
+                        <a:p>
+                          <a:endParaRPr lang="en-US"/>
+                        </a:p>
+                      </a:txBody>
+                      <a:tcPr>
+                        <a:blipFill rotWithShape="0">
+                          <a:blip r:embed="rId4"/>
+                          <a:stretch>
+                            <a:fillRect l="-353385" t="-286154" r="-1042" b="-26154"/>
+                          </a:stretch>
+                        </a:blipFill>
+                      </a:tcPr>
+                    </a:tc>
+                  </a:tr>
+                </a:tbl>
+              </a:graphicData>
+            </a:graphic>
+          </p:graphicFrame>
+        </mc:Fallback>
+      </mc:AlternateContent>
+    </p:spTree>
+    <p:extLst>
+      <p:ext uri="{BB962C8B-B14F-4D97-AF65-F5344CB8AC3E}">
+        <p14:creationId xmlns:p14="http://schemas.microsoft.com/office/powerpoint/2010/main" val="1115445769"/>
+      </p:ext>
+    </p:extLst>
+  </p:cSld>
+  <p:clrMapOvr>
+    <a:masterClrMapping/>
+  </p:clrMapOvr>
+  <p:timing>
+    <p:tnLst>
+      <p:par>
+        <p:cTn id="1" dur="indefinite" restart="never" nodeType="tmRoot"/>
+      </p:par>
+    </p:tnLst>
+  </p:timing>
+</p:sld>
+</file>
+
+<file path=ppt/slides/slide12.xml><?xml version="1.0" encoding="utf-8"?>
+<p:sld xmlns:a="http://schemas.openxmlformats.org/drawingml/2006/main" xmlns:r="http://schemas.openxmlformats.org/officeDocument/2006/relationships" xmlns:p="http://schemas.openxmlformats.org/presentationml/2006/main">
+  <p:cSld>
+    <p:spTree>
+      <p:nvGrpSpPr>
+        <p:cNvPr id="1" name=""/>
+        <p:cNvGrpSpPr/>
+        <p:nvPr/>
+      </p:nvGrpSpPr>
+      <p:grpSpPr>
+        <a:xfrm>
+          <a:off x="0" y="0"/>
+          <a:ext cx="0" cy="0"/>
+          <a:chOff x="0" y="0"/>
+          <a:chExt cx="0" cy="0"/>
+        </a:xfrm>
+      </p:grpSpPr>
+      <p:sp>
+        <p:nvSpPr>
+          <p:cNvPr id="4" name="Title 3"/>
+          <p:cNvSpPr>
+            <a:spLocks noGrp="1"/>
+          </p:cNvSpPr>
+          <p:nvPr>
+            <p:ph type="ctrTitle"/>
+          </p:nvPr>
+        </p:nvSpPr>
+        <p:spPr/>
+        <p:txBody>
+          <a:bodyPr/>
+          <a:lstStyle/>
+          <a:p>
+            <a:r>
+              <a:rPr lang="en-US" b="1" dirty="0" smtClean="0"/>
+              <a:t>Leave One Out CV</a:t>
+            </a:r>
+            <a:endParaRPr lang="en-US" b="1" dirty="0"/>
+          </a:p>
+        </p:txBody>
+      </p:sp>
+      <p:sp>
+        <p:nvSpPr>
+          <p:cNvPr id="5" name="Subtitle 4"/>
+          <p:cNvSpPr>
+            <a:spLocks noGrp="1"/>
+          </p:cNvSpPr>
+          <p:nvPr>
+            <p:ph type="subTitle" idx="1"/>
+          </p:nvPr>
+        </p:nvSpPr>
+        <p:spPr/>
+        <p:txBody>
+          <a:bodyPr/>
+          <a:lstStyle/>
+          <a:p>
+            <a:endParaRPr lang="en-US"/>
+          </a:p>
+        </p:txBody>
+      </p:sp>
+    </p:spTree>
+    <p:extLst>
+      <p:ext uri="{BB962C8B-B14F-4D97-AF65-F5344CB8AC3E}">
+        <p14:creationId xmlns:p14="http://schemas.microsoft.com/office/powerpoint/2010/main" val="1702983760"/>
+      </p:ext>
+    </p:extLst>
+  </p:cSld>
+  <p:clrMapOvr>
+    <a:masterClrMapping/>
+  </p:clrMapOvr>
+</p:sld>
+</file>
+
+<file path=ppt/slides/slide13.xml><?xml version="1.0" encoding="utf-8"?>
+<p:sld xmlns:a="http://schemas.openxmlformats.org/drawingml/2006/main" xmlns:r="http://schemas.openxmlformats.org/officeDocument/2006/relationships" xmlns:p="http://schemas.openxmlformats.org/presentationml/2006/main">
+  <p:cSld>
+    <p:spTree>
+      <p:nvGrpSpPr>
+        <p:cNvPr id="1" name=""/>
+        <p:cNvGrpSpPr/>
+        <p:nvPr/>
+      </p:nvGrpSpPr>
+      <p:grpSpPr>
+        <a:xfrm>
+          <a:off x="0" y="0"/>
+          <a:ext cx="0" cy="0"/>
+          <a:chOff x="0" y="0"/>
+          <a:chExt cx="0" cy="0"/>
+        </a:xfrm>
+      </p:grpSpPr>
+      <p:sp>
+        <p:nvSpPr>
           <p:cNvPr id="4" name="Title 1"/>
           <p:cNvSpPr txBox="1">
             <a:spLocks/>
@@ -3946,15 +7303,7 @@
           <a:p>
             <a:r>
               <a:rPr lang="en-US" b="1" dirty="0" smtClean="0"/>
-              <a:t>LOO </a:t>
-            </a:r>
-            <a:r>
-              <a:rPr lang="en-US" b="1" dirty="0" smtClean="0"/>
-              <a:t>(</a:t>
-            </a:r>
-            <a:r>
-              <a:rPr lang="en-US" b="1" dirty="0" smtClean="0"/>
-              <a:t>BASELINE 6 PERSONS)</a:t>
+              <a:t>LOO (BASELINE 6 PERSONS)</a:t>
             </a:r>
             <a:endParaRPr lang="en-US" b="1" dirty="0"/>
           </a:p>
@@ -4971,7 +8320,7 @@
 </p:sld>
 </file>
 
-<file path=ppt/slides/slide11.xml><?xml version="1.0" encoding="utf-8"?>
+<file path=ppt/slides/slide14.xml><?xml version="1.0" encoding="utf-8"?>
 <p:sld xmlns:a="http://schemas.openxmlformats.org/drawingml/2006/main" xmlns:r="http://schemas.openxmlformats.org/officeDocument/2006/relationships" xmlns:p="http://schemas.openxmlformats.org/presentationml/2006/main">
   <p:cSld>
     <p:spTree>
@@ -5031,15 +8380,7 @@
           <a:p>
             <a:r>
               <a:rPr lang="en-US" b="1" dirty="0" smtClean="0"/>
-              <a:t>LOO </a:t>
-            </a:r>
-            <a:r>
-              <a:rPr lang="en-US" b="1" dirty="0" smtClean="0"/>
-              <a:t>(</a:t>
-            </a:r>
-            <a:r>
-              <a:rPr lang="en-US" b="1" dirty="0" smtClean="0"/>
-              <a:t>7 PERSONS)</a:t>
+              <a:t>LOO (7 PERSONS)</a:t>
             </a:r>
             <a:endParaRPr lang="en-US" b="1" dirty="0"/>
           </a:p>
@@ -6174,7 +9515,7 @@
 </p:sld>
 </file>
 
-<file path=ppt/slides/slide12.xml><?xml version="1.0" encoding="utf-8"?>
+<file path=ppt/slides/slide15.xml><?xml version="1.0" encoding="utf-8"?>
 <p:sld xmlns:a="http://schemas.openxmlformats.org/drawingml/2006/main" xmlns:r="http://schemas.openxmlformats.org/officeDocument/2006/relationships" xmlns:p="http://schemas.openxmlformats.org/presentationml/2006/main">
   <p:cSld>
     <p:spTree>
@@ -6234,11 +9575,15 @@
           <a:p>
             <a:r>
               <a:rPr lang="en-US" b="1" dirty="0" smtClean="0"/>
-              <a:t>LOO with XYZ Permutations (</a:t>
+              <a:t>LOO </a:t>
             </a:r>
             <a:r>
               <a:rPr lang="en-US" b="1" dirty="0" smtClean="0"/>
-              <a:t>7 PERSONS)</a:t>
+              <a:t>(8 </a:t>
+            </a:r>
+            <a:r>
+              <a:rPr lang="en-US" b="1" dirty="0" smtClean="0"/>
+              <a:t>PERSONS)</a:t>
             </a:r>
             <a:endParaRPr lang="en-US" b="1" dirty="0"/>
           </a:p>
@@ -6431,50 +9776,60 @@
           </a:lstStyle>
           <a:p>
             <a:r>
-              <a:rPr lang="en-US" dirty="0" smtClean="0"/>
-              <a:t>14 Activities (</a:t>
-            </a:r>
-            <a:r>
-              <a:rPr lang="en-US" b="1" i="1" u="sng" dirty="0" smtClean="0"/>
+              <a:rPr lang="en-US" sz="2400" u="sng" dirty="0" smtClean="0"/>
+              <a:t>14</a:t>
+            </a:r>
+            <a:r>
+              <a:rPr lang="en-US" sz="2400" dirty="0" smtClean="0"/>
+              <a:t> Activities (</a:t>
+            </a:r>
+            <a:r>
+              <a:rPr lang="en-US" sz="2400" b="1" i="1" u="sng" dirty="0" smtClean="0"/>
               <a:t>without Eating</a:t>
             </a:r>
             <a:r>
-              <a:rPr lang="en-US" dirty="0" smtClean="0"/>
+              <a:rPr lang="en-US" sz="2400" dirty="0" smtClean="0"/>
               <a:t>)</a:t>
             </a:r>
           </a:p>
           <a:p>
             <a:r>
-              <a:rPr lang="en-US" b="1" dirty="0" smtClean="0"/>
+              <a:rPr lang="en-US" sz="2400" b="1" dirty="0" smtClean="0"/>
               <a:t>Random Forest </a:t>
             </a:r>
             <a:r>
-              <a:rPr lang="en-US" dirty="0" smtClean="0">
+              <a:rPr lang="en-US" sz="2400" dirty="0" smtClean="0">
                 <a:sym typeface="Wingdings"/>
               </a:rPr>
               <a:t> </a:t>
             </a:r>
             <a:r>
-              <a:rPr lang="en-US" dirty="0">
+              <a:rPr lang="en-US" sz="2400" dirty="0">
                 <a:sym typeface="Wingdings"/>
               </a:rPr>
               <a:t>5</a:t>
             </a:r>
             <a:r>
-              <a:rPr lang="en-US" dirty="0" smtClean="0">
+              <a:rPr lang="en-US" sz="2400" dirty="0" smtClean="0">
                 <a:sym typeface="Wingdings"/>
               </a:rPr>
-              <a:t>00 estimators, 3 times per subject</a:t>
-            </a:r>
-            <a:endParaRPr lang="en-US" dirty="0" smtClean="0"/>
-          </a:p>
-          <a:p>
-            <a:endParaRPr lang="en-US" dirty="0"/>
+              <a:t>00 </a:t>
+            </a:r>
+            <a:r>
+              <a:rPr lang="en-US" sz="2400" dirty="0" smtClean="0">
+                <a:sym typeface="Wingdings"/>
+              </a:rPr>
+              <a:t>estimators, 3 times per subject</a:t>
+            </a:r>
+            <a:endParaRPr lang="en-US" sz="2400" dirty="0" smtClean="0"/>
+          </a:p>
+          <a:p>
+            <a:endParaRPr lang="en-US" sz="2400" dirty="0"/>
           </a:p>
         </p:txBody>
       </p:sp>
-      <mc:AlternateContent xmlns:mc="http://schemas.openxmlformats.org/markup-compatibility/2006" xmlns:a14="http://schemas.microsoft.com/office/drawing/2010/main">
-        <mc:Choice Requires="a14">
+      <mc:AlternateContent xmlns:mc="http://schemas.openxmlformats.org/markup-compatibility/2006">
+        <mc:Choice xmlns:a14="http://schemas.microsoft.com/office/drawing/2010/main" Requires="a14">
           <p:graphicFrame>
             <p:nvGraphicFramePr>
               <p:cNvPr id="6" name="Table 5"/>
@@ -6484,14 +9839,14 @@
               <p:nvPr>
                 <p:extLst>
                   <p:ext uri="{D42A27DB-BD31-4B8C-83A1-F6EECF244321}">
-                    <p14:modId xmlns:p14="http://schemas.microsoft.com/office/powerpoint/2010/main" val="1467102723"/>
+                    <p14:modId xmlns:p14="http://schemas.microsoft.com/office/powerpoint/2010/main" val="1149193501"/>
                   </p:ext>
                 </p:extLst>
               </p:nvPr>
             </p:nvGraphicFramePr>
             <p:xfrm>
-              <a:off x="3134876" y="2583094"/>
-              <a:ext cx="5922247" cy="3870960"/>
+              <a:off x="3134876" y="2430694"/>
+              <a:ext cx="5922247" cy="4267200"/>
             </p:xfrm>
             <a:graphic>
               <a:graphicData uri="http://schemas.openxmlformats.org/drawingml/2006/table">
@@ -6588,7 +9943,7 @@
                               <a:ea typeface="Cambria Math" charset="0"/>
                               <a:cs typeface="Cambria Math" charset="0"/>
                             </a:rPr>
-                            <a:t>88.51%</a:t>
+                            <a:t>86.59%</a:t>
                           </a:r>
                           <a:r>
                             <a:rPr lang="en-US" sz="2000" baseline="0" dirty="0" smtClean="0">
@@ -6611,7 +9966,11 @@
                           </a14:m>
                           <a:r>
                             <a:rPr lang="en-US" sz="2000" dirty="0" smtClean="0"/>
-                            <a:t> 0.16%</a:t>
+                            <a:t> </a:t>
+                          </a:r>
+                          <a:r>
+                            <a:rPr lang="en-US" sz="2000" dirty="0" smtClean="0"/>
+                            <a:t>0.21%</a:t>
                           </a:r>
                           <a:endParaRPr lang="en-US" sz="2000" dirty="0"/>
                         </a:p>
@@ -6645,7 +10004,7 @@
                               <a:ea typeface="Cambria Math" charset="0"/>
                               <a:cs typeface="Cambria Math" charset="0"/>
                             </a:rPr>
-                            <a:t>75.96%</a:t>
+                            <a:t>68.69%</a:t>
                           </a:r>
                           <a:r>
                             <a:rPr lang="en-US" sz="2000" baseline="0" dirty="0" smtClean="0">
@@ -6668,7 +10027,11 @@
                           </a14:m>
                           <a:r>
                             <a:rPr lang="en-US" sz="2000" dirty="0" smtClean="0"/>
-                            <a:t> 0.39%</a:t>
+                            <a:t> </a:t>
+                          </a:r>
+                          <a:r>
+                            <a:rPr lang="en-US" sz="2000" dirty="0" smtClean="0"/>
+                            <a:t>0.20%</a:t>
                           </a:r>
                           <a:endParaRPr lang="en-US" sz="2000" dirty="0"/>
                         </a:p>
@@ -6702,7 +10065,7 @@
                               <a:ea typeface="Cambria Math" charset="0"/>
                               <a:cs typeface="Cambria Math" charset="0"/>
                             </a:rPr>
-                            <a:t>82.72%</a:t>
+                            <a:t>82.75%</a:t>
                           </a:r>
                           <a:r>
                             <a:rPr lang="en-US" sz="2000" baseline="0" dirty="0" smtClean="0">
@@ -6725,7 +10088,11 @@
                           </a14:m>
                           <a:r>
                             <a:rPr lang="en-US" sz="2000" dirty="0" smtClean="0"/>
-                            <a:t> 0.10%</a:t>
+                            <a:t> </a:t>
+                          </a:r>
+                          <a:r>
+                            <a:rPr lang="en-US" sz="2000" dirty="0" smtClean="0"/>
+                            <a:t>0.13%</a:t>
                           </a:r>
                           <a:endParaRPr lang="en-US" sz="2000" dirty="0"/>
                         </a:p>
@@ -6759,7 +10126,7 @@
                               <a:ea typeface="Cambria Math" charset="0"/>
                               <a:cs typeface="Cambria Math" charset="0"/>
                             </a:rPr>
-                            <a:t>83.50%</a:t>
+                            <a:t>75.53%</a:t>
                           </a:r>
                           <a:r>
                             <a:rPr lang="en-US" sz="2000" baseline="0" dirty="0" smtClean="0">
@@ -6782,7 +10149,11 @@
                           </a14:m>
                           <a:r>
                             <a:rPr lang="en-US" sz="2000" dirty="0" smtClean="0"/>
-                            <a:t> 0.35%</a:t>
+                            <a:t> </a:t>
+                          </a:r>
+                          <a:r>
+                            <a:rPr lang="en-US" sz="2000" dirty="0" smtClean="0"/>
+                            <a:t>0.07%</a:t>
                           </a:r>
                           <a:endParaRPr lang="en-US" sz="2000" dirty="0"/>
                         </a:p>
@@ -6816,7 +10187,7 @@
                               <a:ea typeface="Cambria Math" charset="0"/>
                               <a:cs typeface="Cambria Math" charset="0"/>
                             </a:rPr>
-                            <a:t>79.16%</a:t>
+                            <a:t>79.81%</a:t>
                           </a:r>
                           <a:r>
                             <a:rPr lang="en-US" sz="2000" baseline="0" dirty="0" smtClean="0">
@@ -6839,7 +10210,11 @@
                           </a14:m>
                           <a:r>
                             <a:rPr lang="en-US" sz="2000" dirty="0" smtClean="0"/>
-                            <a:t> 0.26%</a:t>
+                            <a:t> </a:t>
+                          </a:r>
+                          <a:r>
+                            <a:rPr lang="en-US" sz="2000" dirty="0" smtClean="0"/>
+                            <a:t>0.13%</a:t>
                           </a:r>
                           <a:endParaRPr lang="en-US" sz="2000" dirty="0"/>
                         </a:p>
@@ -6873,7 +10248,7 @@
                               <a:ea typeface="Cambria Math" charset="0"/>
                               <a:cs typeface="Cambria Math" charset="0"/>
                             </a:rPr>
-                            <a:t>82.19%</a:t>
+                            <a:t>86.67%</a:t>
                           </a:r>
                           <a:r>
                             <a:rPr lang="en-US" sz="2000" baseline="0" dirty="0" smtClean="0">
@@ -6896,7 +10271,11 @@
                           </a14:m>
                           <a:r>
                             <a:rPr lang="en-US" sz="2000" dirty="0" smtClean="0"/>
-                            <a:t> 1.11%</a:t>
+                            <a:t> </a:t>
+                          </a:r>
+                          <a:r>
+                            <a:rPr lang="en-US" sz="2000" dirty="0" smtClean="0"/>
+                            <a:t>0.28%</a:t>
                           </a:r>
                           <a:endParaRPr lang="en-US" sz="2000" dirty="0"/>
                         </a:p>
@@ -6946,7 +10325,7 @@
                               <a:ea typeface="Cambria Math" charset="0"/>
                               <a:cs typeface="Cambria Math" charset="0"/>
                             </a:rPr>
-                            <a:t>84.06%</a:t>
+                            <a:t>83.60%</a:t>
                           </a:r>
                           <a:r>
                             <a:rPr lang="en-US" sz="2000" baseline="0" dirty="0" smtClean="0">
@@ -6969,7 +10348,11 @@
                           </a14:m>
                           <a:r>
                             <a:rPr lang="en-US" sz="2000" dirty="0" smtClean="0"/>
-                            <a:t> 0.14%</a:t>
+                            <a:t> </a:t>
+                          </a:r>
+                          <a:r>
+                            <a:rPr lang="en-US" sz="2000" dirty="0" smtClean="0"/>
+                            <a:t>0.55%</a:t>
                           </a:r>
                           <a:endParaRPr lang="en-US" sz="2000" dirty="0"/>
                         </a:p>
@@ -6984,6 +10367,83 @@
                         <a:lstStyle/>
                         <a:p>
                           <a:r>
+                            <a:rPr lang="en-US" sz="2000" dirty="0" smtClean="0"/>
+                            <a:t>Elmo</a:t>
+                          </a:r>
+                          <a:endParaRPr lang="en-US" sz="2000" dirty="0"/>
+                        </a:p>
+                      </a:txBody>
+                      <a:tcPr/>
+                    </a:tc>
+                    <a:tc>
+                      <a:txBody>
+                        <a:bodyPr/>
+                        <a:lstStyle/>
+                        <a:p>
+                          <a:pPr marL="0" marR="0" indent="0" algn="ctr" defTabSz="914400" rtl="0" eaLnBrk="1" fontAlgn="auto" latinLnBrk="0" hangingPunct="1">
+                            <a:lnSpc>
+                              <a:spcPct val="100000"/>
+                            </a:lnSpc>
+                            <a:spcBef>
+                              <a:spcPts val="0"/>
+                            </a:spcBef>
+                            <a:spcAft>
+                              <a:spcPts val="0"/>
+                            </a:spcAft>
+                            <a:buClrTx/>
+                            <a:buSzTx/>
+                            <a:buFontTx/>
+                            <a:buNone/>
+                            <a:tabLst/>
+                            <a:defRPr/>
+                          </a:pPr>
+                          <a:r>
+                            <a:rPr lang="en-US" sz="2000" dirty="0" smtClean="0">
+                              <a:ea typeface="Cambria Math" charset="0"/>
+                              <a:cs typeface="Cambria Math" charset="0"/>
+                            </a:rPr>
+                            <a:t>79.49%</a:t>
+                          </a:r>
+                          <a:r>
+                            <a:rPr lang="en-US" sz="2000" baseline="0" dirty="0" smtClean="0">
+                              <a:ea typeface="Cambria Math" charset="0"/>
+                              <a:cs typeface="Cambria Math" charset="0"/>
+                            </a:rPr>
+                            <a:t> </a:t>
+                          </a:r>
+                          <a14:m>
+                            <m:oMath xmlns:m="http://schemas.openxmlformats.org/officeDocument/2006/math">
+                              <m:r>
+                                <a:rPr lang="en-US" sz="2000" i="1" smtClean="0">
+                                  <a:latin typeface="Cambria Math" charset="0"/>
+                                  <a:ea typeface="Cambria Math" charset="0"/>
+                                  <a:cs typeface="Cambria Math" charset="0"/>
+                                </a:rPr>
+                                <m:t>±</m:t>
+                              </m:r>
+                            </m:oMath>
+                          </a14:m>
+                          <a:r>
+                            <a:rPr lang="en-US" sz="2000" dirty="0" smtClean="0"/>
+                            <a:t> </a:t>
+                          </a:r>
+                          <a:r>
+                            <a:rPr lang="en-US" sz="2000" dirty="0" smtClean="0"/>
+                            <a:t>0.10%</a:t>
+                          </a:r>
+                          <a:endParaRPr lang="en-US" sz="2000" dirty="0"/>
+                        </a:p>
+                      </a:txBody>
+                      <a:tcPr/>
+                    </a:tc>
+                  </a:tr>
+                  <a:tr h="370840">
+                    <a:tc>
+                      <a:txBody>
+                        <a:bodyPr/>
+                        <a:lstStyle/>
+                        <a:p>
+                          <a:r>
                             <a:rPr lang="en-US" sz="2000" b="1" dirty="0" smtClean="0"/>
                             <a:t>Average</a:t>
                           </a:r>
@@ -7000,7 +10460,7 @@
                           <a:pPr algn="ctr"/>
                           <a:r>
                             <a:rPr lang="en-US" sz="2000" dirty="0" smtClean="0"/>
-                            <a:t>82.3%</a:t>
+                            <a:t>80.39%</a:t>
                           </a:r>
                           <a:endParaRPr lang="en-US" sz="2000" dirty="0"/>
                         </a:p>
@@ -7013,7 +10473,7 @@
             </a:graphic>
           </p:graphicFrame>
         </mc:Choice>
-        <mc:Fallback xmlns="">
+        <mc:Fallback>
           <p:graphicFrame>
             <p:nvGraphicFramePr>
               <p:cNvPr id="6" name="Table 5"/>
@@ -7023,14 +10483,14 @@
               <p:nvPr>
                 <p:extLst>
                   <p:ext uri="{D42A27DB-BD31-4B8C-83A1-F6EECF244321}">
-                    <p14:modId xmlns:p14="http://schemas.microsoft.com/office/powerpoint/2010/main" val="1467102723"/>
+                    <p14:modId xmlns:p14="http://schemas.microsoft.com/office/powerpoint/2010/main" val="1149193501"/>
                   </p:ext>
                 </p:extLst>
               </p:nvPr>
             </p:nvGraphicFramePr>
             <p:xfrm>
-              <a:off x="3134876" y="2583094"/>
-              <a:ext cx="5922247" cy="3870960"/>
+              <a:off x="3134876" y="2430694"/>
+              <a:ext cx="5922247" cy="4267200"/>
             </p:xfrm>
             <a:graphic>
               <a:graphicData uri="http://schemas.openxmlformats.org/drawingml/2006/table">
@@ -7112,7 +10572,7 @@
                         <a:blipFill rotWithShape="0">
                           <a:blip r:embed="rId2"/>
                           <a:stretch>
-                            <a:fillRect l="-150129" t="-184615" r="-1028" b="-729231"/>
+                            <a:fillRect l="-150129" t="-184615" r="-1028" b="-829231"/>
                           </a:stretch>
                         </a:blipFill>
                       </a:tcPr>
@@ -7145,7 +10605,7 @@
                         <a:blipFill rotWithShape="0">
                           <a:blip r:embed="rId2"/>
                           <a:stretch>
-                            <a:fillRect l="-150129" t="-284615" r="-1028" b="-629231"/>
+                            <a:fillRect l="-150129" t="-284615" r="-1028" b="-729231"/>
                           </a:stretch>
                         </a:blipFill>
                       </a:tcPr>
@@ -7178,7 +10638,7 @@
                         <a:blipFill rotWithShape="0">
                           <a:blip r:embed="rId2"/>
                           <a:stretch>
-                            <a:fillRect l="-150129" t="-384615" r="-1028" b="-529231"/>
+                            <a:fillRect l="-150129" t="-384615" r="-1028" b="-629231"/>
                           </a:stretch>
                         </a:blipFill>
                       </a:tcPr>
@@ -7211,7 +10671,7 @@
                         <a:blipFill rotWithShape="0">
                           <a:blip r:embed="rId2"/>
                           <a:stretch>
-                            <a:fillRect l="-150129" t="-477273" r="-1028" b="-421212"/>
+                            <a:fillRect l="-150129" t="-477273" r="-1028" b="-519697"/>
                           </a:stretch>
                         </a:blipFill>
                       </a:tcPr>
@@ -7244,7 +10704,7 @@
                         <a:blipFill rotWithShape="0">
                           <a:blip r:embed="rId2"/>
                           <a:stretch>
-                            <a:fillRect l="-150129" t="-586154" r="-1028" b="-327692"/>
+                            <a:fillRect l="-150129" t="-586154" r="-1028" b="-427692"/>
                           </a:stretch>
                         </a:blipFill>
                       </a:tcPr>
@@ -7277,7 +10737,7 @@
                         <a:blipFill rotWithShape="0">
                           <a:blip r:embed="rId2"/>
                           <a:stretch>
-                            <a:fillRect l="-150129" t="-686154" r="-1028" b="-227692"/>
+                            <a:fillRect l="-150129" t="-686154" r="-1028" b="-327692"/>
                           </a:stretch>
                         </a:blipFill>
                       </a:tcPr>
@@ -7310,7 +10770,7 @@
                         <a:blipFill rotWithShape="0">
                           <a:blip r:embed="rId2"/>
                           <a:stretch>
-                            <a:fillRect l="-150129" t="-786154" r="-1028" b="-127692"/>
+                            <a:fillRect l="-150129" t="-786154" r="-1028" b="-227692"/>
                           </a:stretch>
                         </a:blipFill>
                       </a:tcPr>
@@ -7323,6 +10783,39 @@
                         <a:lstStyle/>
                         <a:p>
                           <a:r>
+                            <a:rPr lang="en-US" sz="2000" dirty="0" smtClean="0"/>
+                            <a:t>Elmo</a:t>
+                          </a:r>
+                          <a:endParaRPr lang="en-US" sz="2000" dirty="0"/>
+                        </a:p>
+                      </a:txBody>
+                      <a:tcPr/>
+                    </a:tc>
+                    <a:tc>
+                      <a:txBody>
+                        <a:bodyPr/>
+                        <a:lstStyle/>
+                        <a:p>
+                          <a:endParaRPr lang="en-US"/>
+                        </a:p>
+                      </a:txBody>
+                      <a:tcPr>
+                        <a:blipFill rotWithShape="0">
+                          <a:blip r:embed="rId2"/>
+                          <a:stretch>
+                            <a:fillRect l="-150129" t="-886154" r="-1028" b="-127692"/>
+                          </a:stretch>
+                        </a:blipFill>
+                      </a:tcPr>
+                    </a:tc>
+                  </a:tr>
+                  <a:tr h="396240">
+                    <a:tc>
+                      <a:txBody>
+                        <a:bodyPr/>
+                        <a:lstStyle/>
+                        <a:p>
+                          <a:r>
                             <a:rPr lang="en-US" sz="2000" b="1" dirty="0" smtClean="0"/>
                             <a:t>Average</a:t>
                           </a:r>
@@ -7339,7 +10832,7 @@
                           <a:pPr algn="ctr"/>
                           <a:r>
                             <a:rPr lang="en-US" sz="2000" dirty="0" smtClean="0"/>
-                            <a:t>82.3%</a:t>
+                            <a:t>80.39%</a:t>
                           </a:r>
                           <a:endParaRPr lang="en-US" sz="2000" dirty="0"/>
                         </a:p>
@@ -7356,7 +10849,7 @@
     </p:spTree>
     <p:extLst>
       <p:ext uri="{BB962C8B-B14F-4D97-AF65-F5344CB8AC3E}">
-        <p14:creationId xmlns:p14="http://schemas.microsoft.com/office/powerpoint/2010/main" val="260476744"/>
+        <p14:creationId xmlns:p14="http://schemas.microsoft.com/office/powerpoint/2010/main" val="1903186505"/>
       </p:ext>
     </p:extLst>
   </p:cSld>
@@ -7373,7 +10866,7 @@
 </p:sld>
 </file>
 
-<file path=ppt/slides/slide13.xml><?xml version="1.0" encoding="utf-8"?>
+<file path=ppt/slides/slide16.xml><?xml version="1.0" encoding="utf-8"?>
 <p:sld xmlns:a="http://schemas.openxmlformats.org/drawingml/2006/main" xmlns:r="http://schemas.openxmlformats.org/officeDocument/2006/relationships" xmlns:p="http://schemas.openxmlformats.org/presentationml/2006/main">
   <p:cSld>
     <p:spTree>
@@ -7433,11 +10926,15 @@
           <a:p>
             <a:r>
               <a:rPr lang="en-US" b="1" dirty="0" smtClean="0"/>
-              <a:t>LOO with XYZ Permutations (</a:t>
+              <a:t>LOO </a:t>
             </a:r>
             <a:r>
               <a:rPr lang="en-US" b="1" dirty="0" smtClean="0"/>
-              <a:t>7 PERSONS)</a:t>
+              <a:t>(8 </a:t>
+            </a:r>
+            <a:r>
+              <a:rPr lang="en-US" b="1" dirty="0" smtClean="0"/>
+              <a:t>PERSONS)</a:t>
             </a:r>
             <a:endParaRPr lang="en-US" b="1" dirty="0"/>
           </a:p>
@@ -7629,132 +11126,1070 @@
             </a:lvl9pPr>
           </a:lstStyle>
           <a:p>
-            <a:pPr>
-              <a:spcAft>
-                <a:spcPts val="600"/>
-              </a:spcAft>
-            </a:pPr>
-            <a:r>
-              <a:rPr lang="en-US" dirty="0" smtClean="0"/>
-              <a:t>14 Activities (</a:t>
-            </a:r>
-            <a:r>
-              <a:rPr lang="en-US" b="1" i="1" u="sng" dirty="0" smtClean="0"/>
-              <a:t>without Eating</a:t>
-            </a:r>
-            <a:r>
-              <a:rPr lang="en-US" dirty="0" smtClean="0"/>
-              <a:t>)</a:t>
-            </a:r>
-          </a:p>
-          <a:p>
-            <a:pPr>
-              <a:spcAft>
-                <a:spcPts val="600"/>
-              </a:spcAft>
-            </a:pPr>
-            <a:r>
-              <a:rPr lang="en-US" b="1" dirty="0" smtClean="0"/>
+            <a:r>
+              <a:rPr lang="en-US" sz="2400" b="1" dirty="0" smtClean="0"/>
+              <a:t>15 Activities</a:t>
+            </a:r>
+            <a:endParaRPr lang="en-US" sz="2400" b="1" dirty="0" smtClean="0"/>
+          </a:p>
+          <a:p>
+            <a:r>
+              <a:rPr lang="en-US" sz="2400" b="1" dirty="0" smtClean="0"/>
               <a:t>Random Forest </a:t>
             </a:r>
             <a:r>
-              <a:rPr lang="en-US" b="1" dirty="0" smtClean="0">
+              <a:rPr lang="en-US" sz="2400" dirty="0" smtClean="0">
                 <a:sym typeface="Wingdings"/>
               </a:rPr>
               <a:t> </a:t>
             </a:r>
             <a:r>
-              <a:rPr lang="en-US" dirty="0" smtClean="0">
+              <a:rPr lang="en-US" sz="2400" dirty="0">
                 <a:sym typeface="Wingdings"/>
               </a:rPr>
-              <a:t>result is very bad (tested on 2 subjects with different parameter values), as low as ~12% accuracy!</a:t>
-            </a:r>
-          </a:p>
-          <a:p>
-            <a:pPr>
-              <a:spcAft>
-                <a:spcPts val="600"/>
-              </a:spcAft>
-            </a:pPr>
-            <a:r>
-              <a:rPr lang="en-US" b="1" dirty="0" smtClean="0">
+              <a:t>5</a:t>
+            </a:r>
+            <a:r>
+              <a:rPr lang="en-US" sz="2400" dirty="0" smtClean="0">
                 <a:sym typeface="Wingdings"/>
               </a:rPr>
-              <a:t>SVM  </a:t>
-            </a:r>
-            <a:r>
-              <a:rPr lang="en-US" dirty="0" smtClean="0">
+              <a:t>00 </a:t>
+            </a:r>
+            <a:r>
+              <a:rPr lang="en-US" sz="2400" dirty="0" smtClean="0">
                 <a:sym typeface="Wingdings"/>
               </a:rPr>
-              <a:t>result is also ver</a:t>
-            </a:r>
-            <a:r>
-              <a:rPr lang="en-US" dirty="0" smtClean="0">
-                <a:sym typeface="Wingdings"/>
-              </a:rPr>
-              <a:t>y bad (tested on 2 subjects), &lt; 10</a:t>
-            </a:r>
-            <a:r>
-              <a:rPr lang="en-US" smtClean="0">
-                <a:sym typeface="Wingdings"/>
-              </a:rPr>
-              <a:t>% accuracy</a:t>
-            </a:r>
-            <a:endParaRPr lang="en-US" dirty="0" smtClean="0">
-              <a:sym typeface="Wingdings"/>
-            </a:endParaRPr>
-          </a:p>
-          <a:p>
-            <a:r>
-              <a:rPr lang="en-US" dirty="0" smtClean="0">
-                <a:sym typeface="Wingdings"/>
-              </a:rPr>
-              <a:t>Hence, </a:t>
-            </a:r>
-            <a:r>
-              <a:rPr lang="en-US" b="1" dirty="0" smtClean="0">
-                <a:sym typeface="Wingdings"/>
-              </a:rPr>
-              <a:t>I did not do a full testing:</a:t>
-            </a:r>
-          </a:p>
-          <a:p>
-            <a:pPr lvl="1"/>
-            <a:r>
-              <a:rPr lang="en-US" dirty="0" smtClean="0">
-                <a:sym typeface="Wingdings"/>
-              </a:rPr>
-              <a:t>The results for a few test subjects are very bad</a:t>
-            </a:r>
-          </a:p>
-          <a:p>
-            <a:pPr lvl="1"/>
-            <a:r>
-              <a:rPr lang="en-US" dirty="0" smtClean="0">
-                <a:sym typeface="Wingdings"/>
-              </a:rPr>
-              <a:t>The training time is very long as the data is augmented resulting in around 6 times bigger than the usual one</a:t>
-            </a:r>
-          </a:p>
-          <a:p>
-            <a:pPr lvl="1"/>
-            <a:r>
-              <a:rPr lang="en-US" dirty="0" smtClean="0">
-                <a:sym typeface="Wingdings"/>
-              </a:rPr>
-              <a:t>This method also seems not scalable with more test subjects without using a more powerful computer to train the model!</a:t>
-            </a:r>
-            <a:endParaRPr lang="en-US" dirty="0" smtClean="0"/>
-          </a:p>
-          <a:p>
-            <a:endParaRPr lang="en-US" dirty="0"/>
+              <a:t>estimators, 3 times per subject</a:t>
+            </a:r>
+            <a:endParaRPr lang="en-US" sz="2400" dirty="0" smtClean="0"/>
+          </a:p>
+          <a:p>
+            <a:endParaRPr lang="en-US" sz="2400" dirty="0"/>
           </a:p>
         </p:txBody>
       </p:sp>
+      <mc:AlternateContent xmlns:mc="http://schemas.openxmlformats.org/markup-compatibility/2006">
+        <mc:Choice xmlns:a14="http://schemas.microsoft.com/office/drawing/2010/main" Requires="a14">
+          <p:graphicFrame>
+            <p:nvGraphicFramePr>
+              <p:cNvPr id="6" name="Table 5"/>
+              <p:cNvGraphicFramePr>
+                <a:graphicFrameLocks noGrp="1"/>
+              </p:cNvGraphicFramePr>
+              <p:nvPr>
+                <p:extLst>
+                  <p:ext uri="{D42A27DB-BD31-4B8C-83A1-F6EECF244321}">
+                    <p14:modId xmlns:p14="http://schemas.microsoft.com/office/powerpoint/2010/main" val="2100424413"/>
+                  </p:ext>
+                </p:extLst>
+              </p:nvPr>
+            </p:nvGraphicFramePr>
+            <p:xfrm>
+              <a:off x="3134876" y="2430694"/>
+              <a:ext cx="5922247" cy="4267200"/>
+            </p:xfrm>
+            <a:graphic>
+              <a:graphicData uri="http://schemas.openxmlformats.org/drawingml/2006/table">
+                <a:tbl>
+                  <a:tblPr firstRow="1" bandRow="1">
+                    <a:tableStyleId>{5C22544A-7EE6-4342-B048-85BDC9FD1C3A}</a:tableStyleId>
+                  </a:tblPr>
+                  <a:tblGrid>
+                    <a:gridCol w="3552391"/>
+                    <a:gridCol w="2369856"/>
+                  </a:tblGrid>
+                  <a:tr h="370840">
+                    <a:tc>
+                      <a:txBody>
+                        <a:bodyPr/>
+                        <a:lstStyle/>
+                        <a:p>
+                          <a:pPr algn="ctr"/>
+                          <a:r>
+                            <a:rPr lang="en-US" sz="2000" dirty="0" smtClean="0"/>
+                            <a:t>LOO Subject</a:t>
+                          </a:r>
+                          <a:endParaRPr lang="en-US" sz="2000" dirty="0"/>
+                        </a:p>
+                      </a:txBody>
+                      <a:tcPr/>
+                    </a:tc>
+                    <a:tc>
+                      <a:txBody>
+                        <a:bodyPr/>
+                        <a:lstStyle/>
+                        <a:p>
+                          <a:pPr algn="ctr"/>
+                          <a:r>
+                            <a:rPr lang="en-US" sz="2000" dirty="0" smtClean="0"/>
+                            <a:t>Accurac</a:t>
+                          </a:r>
+                          <a:r>
+                            <a:rPr lang="en-US" sz="2000" baseline="0" dirty="0" smtClean="0"/>
+                            <a:t>y Mean</a:t>
+                          </a:r>
+                        </a:p>
+                        <a:p>
+                          <a:pPr algn="ctr"/>
+                          <a:r>
+                            <a:rPr lang="en-US" sz="2000" baseline="0" dirty="0" smtClean="0"/>
+                            <a:t>(SP + SW)</a:t>
+                          </a:r>
+                          <a:endParaRPr lang="en-US" sz="2000" dirty="0"/>
+                        </a:p>
+                      </a:txBody>
+                      <a:tcPr/>
+                    </a:tc>
+                  </a:tr>
+                  <a:tr h="370840">
+                    <a:tc>
+                      <a:txBody>
+                        <a:bodyPr/>
+                        <a:lstStyle/>
+                        <a:p>
+                          <a:r>
+                            <a:rPr lang="en-US" sz="2000" dirty="0" smtClean="0"/>
+                            <a:t>Edwin</a:t>
+                          </a:r>
+                          <a:endParaRPr lang="en-US" sz="2000" dirty="0"/>
+                        </a:p>
+                      </a:txBody>
+                      <a:tcPr/>
+                    </a:tc>
+                    <a:tc>
+                      <a:txBody>
+                        <a:bodyPr/>
+                        <a:lstStyle/>
+                        <a:p>
+                          <a:pPr marL="0" marR="0" indent="0" algn="ctr" defTabSz="914400" rtl="0" eaLnBrk="1" fontAlgn="auto" latinLnBrk="0" hangingPunct="1">
+                            <a:lnSpc>
+                              <a:spcPct val="100000"/>
+                            </a:lnSpc>
+                            <a:spcBef>
+                              <a:spcPts val="0"/>
+                            </a:spcBef>
+                            <a:spcAft>
+                              <a:spcPts val="0"/>
+                            </a:spcAft>
+                            <a:buClrTx/>
+                            <a:buSzTx/>
+                            <a:buFontTx/>
+                            <a:buNone/>
+                            <a:tabLst/>
+                            <a:defRPr/>
+                          </a:pPr>
+                          <a:r>
+                            <a:rPr lang="en-US" sz="2000" dirty="0" smtClean="0">
+                              <a:ea typeface="Cambria Math" charset="0"/>
+                              <a:cs typeface="Cambria Math" charset="0"/>
+                            </a:rPr>
+                            <a:t>84.46%</a:t>
+                          </a:r>
+                          <a:r>
+                            <a:rPr lang="en-US" sz="2000" baseline="0" dirty="0" smtClean="0">
+                              <a:ea typeface="Cambria Math" charset="0"/>
+                              <a:cs typeface="Cambria Math" charset="0"/>
+                            </a:rPr>
+                            <a:t> </a:t>
+                          </a:r>
+                          <a14:m>
+                            <m:oMath xmlns:m="http://schemas.openxmlformats.org/officeDocument/2006/math">
+                              <m:r>
+                                <a:rPr lang="en-US" sz="2000" i="1" smtClean="0">
+                                  <a:latin typeface="Cambria Math" charset="0"/>
+                                  <a:ea typeface="Cambria Math" charset="0"/>
+                                  <a:cs typeface="Cambria Math" charset="0"/>
+                                </a:rPr>
+                                <m:t>±</m:t>
+                              </m:r>
+                            </m:oMath>
+                          </a14:m>
+                          <a:r>
+                            <a:rPr lang="en-US" sz="2000" dirty="0" smtClean="0"/>
+                            <a:t> </a:t>
+                          </a:r>
+                          <a:r>
+                            <a:rPr lang="en-US" sz="2000" dirty="0" smtClean="0"/>
+                            <a:t>0.23%</a:t>
+                          </a:r>
+                          <a:endParaRPr lang="en-US" sz="2000" dirty="0"/>
+                        </a:p>
+                      </a:txBody>
+                      <a:tcPr/>
+                    </a:tc>
+                  </a:tr>
+                  <a:tr h="370840">
+                    <a:tc>
+                      <a:txBody>
+                        <a:bodyPr/>
+                        <a:lstStyle/>
+                        <a:p>
+                          <a:r>
+                            <a:rPr lang="en-US" sz="2000" dirty="0" err="1" smtClean="0"/>
+                            <a:t>Richsen</a:t>
+                          </a:r>
+                          <a:endParaRPr lang="en-US" sz="2000" dirty="0"/>
+                        </a:p>
+                      </a:txBody>
+                      <a:tcPr/>
+                    </a:tc>
+                    <a:tc>
+                      <a:txBody>
+                        <a:bodyPr/>
+                        <a:lstStyle/>
+                        <a:p>
+                          <a:pPr algn="ctr"/>
+                          <a:r>
+                            <a:rPr lang="en-US" sz="2000" dirty="0" smtClean="0">
+                              <a:ea typeface="Cambria Math" charset="0"/>
+                              <a:cs typeface="Cambria Math" charset="0"/>
+                            </a:rPr>
+                            <a:t>63.78%</a:t>
+                          </a:r>
+                          <a:r>
+                            <a:rPr lang="en-US" sz="2000" baseline="0" dirty="0" smtClean="0">
+                              <a:ea typeface="Cambria Math" charset="0"/>
+                              <a:cs typeface="Cambria Math" charset="0"/>
+                            </a:rPr>
+                            <a:t> </a:t>
+                          </a:r>
+                          <a14:m>
+                            <m:oMath xmlns:m="http://schemas.openxmlformats.org/officeDocument/2006/math">
+                              <m:r>
+                                <a:rPr lang="en-US" sz="2000" i="1" smtClean="0">
+                                  <a:latin typeface="Cambria Math" charset="0"/>
+                                  <a:ea typeface="Cambria Math" charset="0"/>
+                                  <a:cs typeface="Cambria Math" charset="0"/>
+                                </a:rPr>
+                                <m:t>±</m:t>
+                              </m:r>
+                            </m:oMath>
+                          </a14:m>
+                          <a:r>
+                            <a:rPr lang="en-US" sz="2000" dirty="0" smtClean="0"/>
+                            <a:t> </a:t>
+                          </a:r>
+                          <a:r>
+                            <a:rPr lang="en-US" sz="2000" dirty="0" smtClean="0"/>
+                            <a:t>0.06%</a:t>
+                          </a:r>
+                          <a:endParaRPr lang="en-US" sz="2000" dirty="0"/>
+                        </a:p>
+                      </a:txBody>
+                      <a:tcPr/>
+                    </a:tc>
+                  </a:tr>
+                  <a:tr h="370840">
+                    <a:tc>
+                      <a:txBody>
+                        <a:bodyPr/>
+                        <a:lstStyle/>
+                        <a:p>
+                          <a:r>
+                            <a:rPr lang="en-US" sz="2000" dirty="0" smtClean="0"/>
+                            <a:t>Lauren</a:t>
+                          </a:r>
+                          <a:endParaRPr lang="en-US" sz="2000" dirty="0"/>
+                        </a:p>
+                      </a:txBody>
+                      <a:tcPr/>
+                    </a:tc>
+                    <a:tc>
+                      <a:txBody>
+                        <a:bodyPr/>
+                        <a:lstStyle/>
+                        <a:p>
+                          <a:pPr algn="ctr"/>
+                          <a:r>
+                            <a:rPr lang="en-US" sz="2000" dirty="0" smtClean="0">
+                              <a:ea typeface="Cambria Math" charset="0"/>
+                              <a:cs typeface="Cambria Math" charset="0"/>
+                            </a:rPr>
+                            <a:t>81.09%</a:t>
+                          </a:r>
+                          <a:r>
+                            <a:rPr lang="en-US" sz="2000" baseline="0" dirty="0" smtClean="0">
+                              <a:ea typeface="Cambria Math" charset="0"/>
+                              <a:cs typeface="Cambria Math" charset="0"/>
+                            </a:rPr>
+                            <a:t> </a:t>
+                          </a:r>
+                          <a14:m>
+                            <m:oMath xmlns:m="http://schemas.openxmlformats.org/officeDocument/2006/math">
+                              <m:r>
+                                <a:rPr lang="en-US" sz="2000" i="1" smtClean="0">
+                                  <a:latin typeface="Cambria Math" charset="0"/>
+                                  <a:ea typeface="Cambria Math" charset="0"/>
+                                  <a:cs typeface="Cambria Math" charset="0"/>
+                                </a:rPr>
+                                <m:t>±</m:t>
+                              </m:r>
+                            </m:oMath>
+                          </a14:m>
+                          <a:r>
+                            <a:rPr lang="en-US" sz="2000" dirty="0" smtClean="0"/>
+                            <a:t> </a:t>
+                          </a:r>
+                          <a:r>
+                            <a:rPr lang="en-US" sz="2000" dirty="0" smtClean="0"/>
+                            <a:t>0.13%</a:t>
+                          </a:r>
+                          <a:endParaRPr lang="en-US" sz="2000" dirty="0"/>
+                        </a:p>
+                      </a:txBody>
+                      <a:tcPr/>
+                    </a:tc>
+                  </a:tr>
+                  <a:tr h="370840">
+                    <a:tc>
+                      <a:txBody>
+                        <a:bodyPr/>
+                        <a:lstStyle/>
+                        <a:p>
+                          <a:r>
+                            <a:rPr lang="en-US" sz="2000" dirty="0" err="1" smtClean="0"/>
+                            <a:t>Shelina</a:t>
+                          </a:r>
+                          <a:endParaRPr lang="en-US" sz="2000" dirty="0"/>
+                        </a:p>
+                      </a:txBody>
+                      <a:tcPr/>
+                    </a:tc>
+                    <a:tc>
+                      <a:txBody>
+                        <a:bodyPr/>
+                        <a:lstStyle/>
+                        <a:p>
+                          <a:pPr algn="ctr"/>
+                          <a:r>
+                            <a:rPr lang="en-US" sz="2000" dirty="0" smtClean="0">
+                              <a:ea typeface="Cambria Math" charset="0"/>
+                              <a:cs typeface="Cambria Math" charset="0"/>
+                            </a:rPr>
+                            <a:t>71.05%</a:t>
+                          </a:r>
+                          <a:r>
+                            <a:rPr lang="en-US" sz="2000" baseline="0" dirty="0" smtClean="0">
+                              <a:ea typeface="Cambria Math" charset="0"/>
+                              <a:cs typeface="Cambria Math" charset="0"/>
+                            </a:rPr>
+                            <a:t> </a:t>
+                          </a:r>
+                          <a14:m>
+                            <m:oMath xmlns:m="http://schemas.openxmlformats.org/officeDocument/2006/math">
+                              <m:r>
+                                <a:rPr lang="en-US" sz="2000" i="1" smtClean="0">
+                                  <a:latin typeface="Cambria Math" charset="0"/>
+                                  <a:ea typeface="Cambria Math" charset="0"/>
+                                  <a:cs typeface="Cambria Math" charset="0"/>
+                                </a:rPr>
+                                <m:t>±</m:t>
+                              </m:r>
+                            </m:oMath>
+                          </a14:m>
+                          <a:r>
+                            <a:rPr lang="en-US" sz="2000" dirty="0" smtClean="0"/>
+                            <a:t> </a:t>
+                          </a:r>
+                          <a:r>
+                            <a:rPr lang="en-US" sz="2000" dirty="0" smtClean="0"/>
+                            <a:t>0.31%</a:t>
+                          </a:r>
+                          <a:endParaRPr lang="en-US" sz="2000" dirty="0"/>
+                        </a:p>
+                      </a:txBody>
+                      <a:tcPr/>
+                    </a:tc>
+                  </a:tr>
+                  <a:tr h="370840">
+                    <a:tc>
+                      <a:txBody>
+                        <a:bodyPr/>
+                        <a:lstStyle/>
+                        <a:p>
+                          <a:r>
+                            <a:rPr lang="en-US" sz="2000" dirty="0" err="1" smtClean="0"/>
+                            <a:t>Mellita</a:t>
+                          </a:r>
+                          <a:endParaRPr lang="en-US" sz="2000" dirty="0"/>
+                        </a:p>
+                      </a:txBody>
+                      <a:tcPr/>
+                    </a:tc>
+                    <a:tc>
+                      <a:txBody>
+                        <a:bodyPr/>
+                        <a:lstStyle/>
+                        <a:p>
+                          <a:pPr algn="ctr"/>
+                          <a:r>
+                            <a:rPr lang="en-US" sz="2000" dirty="0" smtClean="0">
+                              <a:ea typeface="Cambria Math" charset="0"/>
+                              <a:cs typeface="Cambria Math" charset="0"/>
+                            </a:rPr>
+                            <a:t>77.46%</a:t>
+                          </a:r>
+                          <a:r>
+                            <a:rPr lang="en-US" sz="2000" baseline="0" dirty="0" smtClean="0">
+                              <a:ea typeface="Cambria Math" charset="0"/>
+                              <a:cs typeface="Cambria Math" charset="0"/>
+                            </a:rPr>
+                            <a:t> </a:t>
+                          </a:r>
+                          <a14:m>
+                            <m:oMath xmlns:m="http://schemas.openxmlformats.org/officeDocument/2006/math">
+                              <m:r>
+                                <a:rPr lang="en-US" sz="2000" i="1" smtClean="0">
+                                  <a:latin typeface="Cambria Math" charset="0"/>
+                                  <a:ea typeface="Cambria Math" charset="0"/>
+                                  <a:cs typeface="Cambria Math" charset="0"/>
+                                </a:rPr>
+                                <m:t>±</m:t>
+                              </m:r>
+                            </m:oMath>
+                          </a14:m>
+                          <a:r>
+                            <a:rPr lang="en-US" sz="2000" dirty="0" smtClean="0"/>
+                            <a:t> </a:t>
+                          </a:r>
+                          <a:r>
+                            <a:rPr lang="en-US" sz="2000" dirty="0" smtClean="0"/>
+                            <a:t>0.08%</a:t>
+                          </a:r>
+                          <a:endParaRPr lang="en-US" sz="2000" dirty="0"/>
+                        </a:p>
+                      </a:txBody>
+                      <a:tcPr/>
+                    </a:tc>
+                  </a:tr>
+                  <a:tr h="370840">
+                    <a:tc>
+                      <a:txBody>
+                        <a:bodyPr/>
+                        <a:lstStyle/>
+                        <a:p>
+                          <a:r>
+                            <a:rPr lang="en-US" sz="2000" dirty="0" smtClean="0"/>
+                            <a:t>Nikolas</a:t>
+                          </a:r>
+                          <a:endParaRPr lang="en-US" sz="2000" dirty="0"/>
+                        </a:p>
+                      </a:txBody>
+                      <a:tcPr/>
+                    </a:tc>
+                    <a:tc>
+                      <a:txBody>
+                        <a:bodyPr/>
+                        <a:lstStyle/>
+                        <a:p>
+                          <a:pPr algn="ctr"/>
+                          <a:r>
+                            <a:rPr lang="en-US" sz="2000" dirty="0" smtClean="0">
+                              <a:ea typeface="Cambria Math" charset="0"/>
+                              <a:cs typeface="Cambria Math" charset="0"/>
+                            </a:rPr>
+                            <a:t>85.98%</a:t>
+                          </a:r>
+                          <a:r>
+                            <a:rPr lang="en-US" sz="2000" baseline="0" dirty="0" smtClean="0">
+                              <a:ea typeface="Cambria Math" charset="0"/>
+                              <a:cs typeface="Cambria Math" charset="0"/>
+                            </a:rPr>
+                            <a:t> </a:t>
+                          </a:r>
+                          <a14:m>
+                            <m:oMath xmlns:m="http://schemas.openxmlformats.org/officeDocument/2006/math">
+                              <m:r>
+                                <a:rPr lang="en-US" sz="2000" i="1" smtClean="0">
+                                  <a:latin typeface="Cambria Math" charset="0"/>
+                                  <a:ea typeface="Cambria Math" charset="0"/>
+                                  <a:cs typeface="Cambria Math" charset="0"/>
+                                </a:rPr>
+                                <m:t>±</m:t>
+                              </m:r>
+                            </m:oMath>
+                          </a14:m>
+                          <a:r>
+                            <a:rPr lang="en-US" sz="2000" dirty="0" smtClean="0"/>
+                            <a:t> </a:t>
+                          </a:r>
+                          <a:r>
+                            <a:rPr lang="en-US" sz="2000" dirty="0" smtClean="0"/>
+                            <a:t>0.20%</a:t>
+                          </a:r>
+                          <a:endParaRPr lang="en-US" sz="2000" dirty="0"/>
+                        </a:p>
+                      </a:txBody>
+                      <a:tcPr/>
+                    </a:tc>
+                  </a:tr>
+                  <a:tr h="370840">
+                    <a:tc>
+                      <a:txBody>
+                        <a:bodyPr/>
+                        <a:lstStyle/>
+                        <a:p>
+                          <a:r>
+                            <a:rPr lang="en-US" sz="2000" dirty="0" smtClean="0"/>
+                            <a:t>Samuel</a:t>
+                          </a:r>
+                          <a:endParaRPr lang="en-US" sz="2000" dirty="0"/>
+                        </a:p>
+                      </a:txBody>
+                      <a:tcPr/>
+                    </a:tc>
+                    <a:tc>
+                      <a:txBody>
+                        <a:bodyPr/>
+                        <a:lstStyle/>
+                        <a:p>
+                          <a:pPr marL="0" marR="0" indent="0" algn="ctr" defTabSz="914400" rtl="0" eaLnBrk="1" fontAlgn="auto" latinLnBrk="0" hangingPunct="1">
+                            <a:lnSpc>
+                              <a:spcPct val="100000"/>
+                            </a:lnSpc>
+                            <a:spcBef>
+                              <a:spcPts val="0"/>
+                            </a:spcBef>
+                            <a:spcAft>
+                              <a:spcPts val="0"/>
+                            </a:spcAft>
+                            <a:buClrTx/>
+                            <a:buSzTx/>
+                            <a:buFontTx/>
+                            <a:buNone/>
+                            <a:tabLst/>
+                            <a:defRPr/>
+                          </a:pPr>
+                          <a:r>
+                            <a:rPr lang="en-US" sz="2000" dirty="0" smtClean="0">
+                              <a:ea typeface="Cambria Math" charset="0"/>
+                              <a:cs typeface="Cambria Math" charset="0"/>
+                            </a:rPr>
+                            <a:t>76.39%</a:t>
+                          </a:r>
+                          <a:r>
+                            <a:rPr lang="en-US" sz="2000" baseline="0" dirty="0" smtClean="0">
+                              <a:ea typeface="Cambria Math" charset="0"/>
+                              <a:cs typeface="Cambria Math" charset="0"/>
+                            </a:rPr>
+                            <a:t> </a:t>
+                          </a:r>
+                          <a14:m>
+                            <m:oMath xmlns:m="http://schemas.openxmlformats.org/officeDocument/2006/math">
+                              <m:r>
+                                <a:rPr lang="en-US" sz="2000" i="1" smtClean="0">
+                                  <a:latin typeface="Cambria Math" charset="0"/>
+                                  <a:ea typeface="Cambria Math" charset="0"/>
+                                  <a:cs typeface="Cambria Math" charset="0"/>
+                                </a:rPr>
+                                <m:t>±</m:t>
+                              </m:r>
+                            </m:oMath>
+                          </a14:m>
+                          <a:r>
+                            <a:rPr lang="en-US" sz="2000" dirty="0" smtClean="0"/>
+                            <a:t> </a:t>
+                          </a:r>
+                          <a:r>
+                            <a:rPr lang="en-US" sz="2000" dirty="0" smtClean="0"/>
+                            <a:t>0.24%</a:t>
+                          </a:r>
+                          <a:endParaRPr lang="en-US" sz="2000" dirty="0"/>
+                        </a:p>
+                      </a:txBody>
+                      <a:tcPr/>
+                    </a:tc>
+                  </a:tr>
+                  <a:tr h="370840">
+                    <a:tc>
+                      <a:txBody>
+                        <a:bodyPr/>
+                        <a:lstStyle/>
+                        <a:p>
+                          <a:r>
+                            <a:rPr lang="en-US" sz="2000" dirty="0" smtClean="0"/>
+                            <a:t>Elmo</a:t>
+                          </a:r>
+                          <a:endParaRPr lang="en-US" sz="2000" dirty="0"/>
+                        </a:p>
+                      </a:txBody>
+                      <a:tcPr/>
+                    </a:tc>
+                    <a:tc>
+                      <a:txBody>
+                        <a:bodyPr/>
+                        <a:lstStyle/>
+                        <a:p>
+                          <a:pPr marL="0" marR="0" indent="0" algn="ctr" defTabSz="914400" rtl="0" eaLnBrk="1" fontAlgn="auto" latinLnBrk="0" hangingPunct="1">
+                            <a:lnSpc>
+                              <a:spcPct val="100000"/>
+                            </a:lnSpc>
+                            <a:spcBef>
+                              <a:spcPts val="0"/>
+                            </a:spcBef>
+                            <a:spcAft>
+                              <a:spcPts val="0"/>
+                            </a:spcAft>
+                            <a:buClrTx/>
+                            <a:buSzTx/>
+                            <a:buFontTx/>
+                            <a:buNone/>
+                            <a:tabLst/>
+                            <a:defRPr/>
+                          </a:pPr>
+                          <a:r>
+                            <a:rPr lang="en-US" sz="2000" dirty="0" smtClean="0">
+                              <a:ea typeface="Cambria Math" charset="0"/>
+                              <a:cs typeface="Cambria Math" charset="0"/>
+                            </a:rPr>
+                            <a:t>80.50%</a:t>
+                          </a:r>
+                          <a:r>
+                            <a:rPr lang="en-US" sz="2000" baseline="0" dirty="0" smtClean="0">
+                              <a:ea typeface="Cambria Math" charset="0"/>
+                              <a:cs typeface="Cambria Math" charset="0"/>
+                            </a:rPr>
+                            <a:t> </a:t>
+                          </a:r>
+                          <a14:m>
+                            <m:oMath xmlns:m="http://schemas.openxmlformats.org/officeDocument/2006/math">
+                              <m:r>
+                                <a:rPr lang="en-US" sz="2000" i="1" smtClean="0">
+                                  <a:latin typeface="Cambria Math" charset="0"/>
+                                  <a:ea typeface="Cambria Math" charset="0"/>
+                                  <a:cs typeface="Cambria Math" charset="0"/>
+                                </a:rPr>
+                                <m:t>±</m:t>
+                              </m:r>
+                            </m:oMath>
+                          </a14:m>
+                          <a:r>
+                            <a:rPr lang="en-US" sz="2000" dirty="0" smtClean="0"/>
+                            <a:t> </a:t>
+                          </a:r>
+                          <a:r>
+                            <a:rPr lang="en-US" sz="2000" dirty="0" smtClean="0"/>
+                            <a:t>0.15%</a:t>
+                          </a:r>
+                          <a:endParaRPr lang="en-US" sz="2000" dirty="0"/>
+                        </a:p>
+                      </a:txBody>
+                      <a:tcPr/>
+                    </a:tc>
+                  </a:tr>
+                  <a:tr h="370840">
+                    <a:tc>
+                      <a:txBody>
+                        <a:bodyPr/>
+                        <a:lstStyle/>
+                        <a:p>
+                          <a:r>
+                            <a:rPr lang="en-US" sz="2000" b="1" dirty="0" smtClean="0"/>
+                            <a:t>Average</a:t>
+                          </a:r>
+                          <a:endParaRPr lang="en-US" sz="2000" b="1" dirty="0"/>
+                        </a:p>
+                      </a:txBody>
+                      <a:tcPr/>
+                    </a:tc>
+                    <a:tc>
+                      <a:txBody>
+                        <a:bodyPr/>
+                        <a:lstStyle/>
+                        <a:p>
+                          <a:pPr algn="ctr"/>
+                          <a:r>
+                            <a:rPr lang="en-US" sz="2000" dirty="0" smtClean="0"/>
+                            <a:t>77.59%</a:t>
+                          </a:r>
+                          <a:endParaRPr lang="en-US" sz="2000" dirty="0"/>
+                        </a:p>
+                      </a:txBody>
+                      <a:tcPr/>
+                    </a:tc>
+                  </a:tr>
+                </a:tbl>
+              </a:graphicData>
+            </a:graphic>
+          </p:graphicFrame>
+        </mc:Choice>
+        <mc:Fallback>
+          <p:graphicFrame>
+            <p:nvGraphicFramePr>
+              <p:cNvPr id="6" name="Table 5"/>
+              <p:cNvGraphicFramePr>
+                <a:graphicFrameLocks noGrp="1"/>
+              </p:cNvGraphicFramePr>
+              <p:nvPr>
+                <p:extLst>
+                  <p:ext uri="{D42A27DB-BD31-4B8C-83A1-F6EECF244321}">
+                    <p14:modId xmlns:p14="http://schemas.microsoft.com/office/powerpoint/2010/main" val="2100424413"/>
+                  </p:ext>
+                </p:extLst>
+              </p:nvPr>
+            </p:nvGraphicFramePr>
+            <p:xfrm>
+              <a:off x="3134876" y="2430694"/>
+              <a:ext cx="5922247" cy="4267200"/>
+            </p:xfrm>
+            <a:graphic>
+              <a:graphicData uri="http://schemas.openxmlformats.org/drawingml/2006/table">
+                <a:tbl>
+                  <a:tblPr firstRow="1" bandRow="1">
+                    <a:tableStyleId>{5C22544A-7EE6-4342-B048-85BDC9FD1C3A}</a:tableStyleId>
+                  </a:tblPr>
+                  <a:tblGrid>
+                    <a:gridCol w="3552391"/>
+                    <a:gridCol w="2369856"/>
+                  </a:tblGrid>
+                  <a:tr h="701040">
+                    <a:tc>
+                      <a:txBody>
+                        <a:bodyPr/>
+                        <a:lstStyle/>
+                        <a:p>
+                          <a:pPr algn="ctr"/>
+                          <a:r>
+                            <a:rPr lang="en-US" sz="2000" dirty="0" smtClean="0"/>
+                            <a:t>LOO Subject</a:t>
+                          </a:r>
+                          <a:endParaRPr lang="en-US" sz="2000" dirty="0"/>
+                        </a:p>
+                      </a:txBody>
+                      <a:tcPr/>
+                    </a:tc>
+                    <a:tc>
+                      <a:txBody>
+                        <a:bodyPr/>
+                        <a:lstStyle/>
+                        <a:p>
+                          <a:pPr algn="ctr"/>
+                          <a:r>
+                            <a:rPr lang="en-US" sz="2000" dirty="0" smtClean="0"/>
+                            <a:t>Accurac</a:t>
+                          </a:r>
+                          <a:r>
+                            <a:rPr lang="en-US" sz="2000" baseline="0" dirty="0" smtClean="0"/>
+                            <a:t>y Mean</a:t>
+                          </a:r>
+                        </a:p>
+                        <a:p>
+                          <a:pPr algn="ctr"/>
+                          <a:r>
+                            <a:rPr lang="en-US" sz="2000" baseline="0" dirty="0" smtClean="0"/>
+                            <a:t>(SP + SW)</a:t>
+                          </a:r>
+                          <a:endParaRPr lang="en-US" sz="2000" dirty="0"/>
+                        </a:p>
+                      </a:txBody>
+                      <a:tcPr/>
+                    </a:tc>
+                  </a:tr>
+                  <a:tr h="396240">
+                    <a:tc>
+                      <a:txBody>
+                        <a:bodyPr/>
+                        <a:lstStyle/>
+                        <a:p>
+                          <a:r>
+                            <a:rPr lang="en-US" sz="2000" dirty="0" smtClean="0"/>
+                            <a:t>Edwin</a:t>
+                          </a:r>
+                          <a:endParaRPr lang="en-US" sz="2000" dirty="0"/>
+                        </a:p>
+                      </a:txBody>
+                      <a:tcPr/>
+                    </a:tc>
+                    <a:tc>
+                      <a:txBody>
+                        <a:bodyPr/>
+                        <a:lstStyle/>
+                        <a:p>
+                          <a:endParaRPr lang="en-US"/>
+                        </a:p>
+                      </a:txBody>
+                      <a:tcPr>
+                        <a:blipFill rotWithShape="0">
+                          <a:blip r:embed="rId2"/>
+                          <a:stretch>
+                            <a:fillRect l="-150129" t="-184615" r="-1028" b="-829231"/>
+                          </a:stretch>
+                        </a:blipFill>
+                      </a:tcPr>
+                    </a:tc>
+                  </a:tr>
+                  <a:tr h="396240">
+                    <a:tc>
+                      <a:txBody>
+                        <a:bodyPr/>
+                        <a:lstStyle/>
+                        <a:p>
+                          <a:r>
+                            <a:rPr lang="en-US" sz="2000" dirty="0" err="1" smtClean="0"/>
+                            <a:t>Richsen</a:t>
+                          </a:r>
+                          <a:endParaRPr lang="en-US" sz="2000" dirty="0"/>
+                        </a:p>
+                      </a:txBody>
+                      <a:tcPr/>
+                    </a:tc>
+                    <a:tc>
+                      <a:txBody>
+                        <a:bodyPr/>
+                        <a:lstStyle/>
+                        <a:p>
+                          <a:endParaRPr lang="en-US"/>
+                        </a:p>
+                      </a:txBody>
+                      <a:tcPr>
+                        <a:blipFill rotWithShape="0">
+                          <a:blip r:embed="rId2"/>
+                          <a:stretch>
+                            <a:fillRect l="-150129" t="-284615" r="-1028" b="-729231"/>
+                          </a:stretch>
+                        </a:blipFill>
+                      </a:tcPr>
+                    </a:tc>
+                  </a:tr>
+                  <a:tr h="396240">
+                    <a:tc>
+                      <a:txBody>
+                        <a:bodyPr/>
+                        <a:lstStyle/>
+                        <a:p>
+                          <a:r>
+                            <a:rPr lang="en-US" sz="2000" dirty="0" smtClean="0"/>
+                            <a:t>Lauren</a:t>
+                          </a:r>
+                          <a:endParaRPr lang="en-US" sz="2000" dirty="0"/>
+                        </a:p>
+                      </a:txBody>
+                      <a:tcPr/>
+                    </a:tc>
+                    <a:tc>
+                      <a:txBody>
+                        <a:bodyPr/>
+                        <a:lstStyle/>
+                        <a:p>
+                          <a:endParaRPr lang="en-US"/>
+                        </a:p>
+                      </a:txBody>
+                      <a:tcPr>
+                        <a:blipFill rotWithShape="0">
+                          <a:blip r:embed="rId2"/>
+                          <a:stretch>
+                            <a:fillRect l="-150129" t="-384615" r="-1028" b="-629231"/>
+                          </a:stretch>
+                        </a:blipFill>
+                      </a:tcPr>
+                    </a:tc>
+                  </a:tr>
+                  <a:tr h="396240">
+                    <a:tc>
+                      <a:txBody>
+                        <a:bodyPr/>
+                        <a:lstStyle/>
+                        <a:p>
+                          <a:r>
+                            <a:rPr lang="en-US" sz="2000" dirty="0" err="1" smtClean="0"/>
+                            <a:t>Shelina</a:t>
+                          </a:r>
+                          <a:endParaRPr lang="en-US" sz="2000" dirty="0"/>
+                        </a:p>
+                      </a:txBody>
+                      <a:tcPr/>
+                    </a:tc>
+                    <a:tc>
+                      <a:txBody>
+                        <a:bodyPr/>
+                        <a:lstStyle/>
+                        <a:p>
+                          <a:endParaRPr lang="en-US"/>
+                        </a:p>
+                      </a:txBody>
+                      <a:tcPr>
+                        <a:blipFill rotWithShape="0">
+                          <a:blip r:embed="rId2"/>
+                          <a:stretch>
+                            <a:fillRect l="-150129" t="-477273" r="-1028" b="-519697"/>
+                          </a:stretch>
+                        </a:blipFill>
+                      </a:tcPr>
+                    </a:tc>
+                  </a:tr>
+                  <a:tr h="396240">
+                    <a:tc>
+                      <a:txBody>
+                        <a:bodyPr/>
+                        <a:lstStyle/>
+                        <a:p>
+                          <a:r>
+                            <a:rPr lang="en-US" sz="2000" dirty="0" err="1" smtClean="0"/>
+                            <a:t>Mellita</a:t>
+                          </a:r>
+                          <a:endParaRPr lang="en-US" sz="2000" dirty="0"/>
+                        </a:p>
+                      </a:txBody>
+                      <a:tcPr/>
+                    </a:tc>
+                    <a:tc>
+                      <a:txBody>
+                        <a:bodyPr/>
+                        <a:lstStyle/>
+                        <a:p>
+                          <a:endParaRPr lang="en-US"/>
+                        </a:p>
+                      </a:txBody>
+                      <a:tcPr>
+                        <a:blipFill rotWithShape="0">
+                          <a:blip r:embed="rId2"/>
+                          <a:stretch>
+                            <a:fillRect l="-150129" t="-586154" r="-1028" b="-427692"/>
+                          </a:stretch>
+                        </a:blipFill>
+                      </a:tcPr>
+                    </a:tc>
+                  </a:tr>
+                  <a:tr h="396240">
+                    <a:tc>
+                      <a:txBody>
+                        <a:bodyPr/>
+                        <a:lstStyle/>
+                        <a:p>
+                          <a:r>
+                            <a:rPr lang="en-US" sz="2000" dirty="0" smtClean="0"/>
+                            <a:t>Nikolas</a:t>
+                          </a:r>
+                          <a:endParaRPr lang="en-US" sz="2000" dirty="0"/>
+                        </a:p>
+                      </a:txBody>
+                      <a:tcPr/>
+                    </a:tc>
+                    <a:tc>
+                      <a:txBody>
+                        <a:bodyPr/>
+                        <a:lstStyle/>
+                        <a:p>
+                          <a:endParaRPr lang="en-US"/>
+                        </a:p>
+                      </a:txBody>
+                      <a:tcPr>
+                        <a:blipFill rotWithShape="0">
+                          <a:blip r:embed="rId2"/>
+                          <a:stretch>
+                            <a:fillRect l="-150129" t="-686154" r="-1028" b="-327692"/>
+                          </a:stretch>
+                        </a:blipFill>
+                      </a:tcPr>
+                    </a:tc>
+                  </a:tr>
+                  <a:tr h="396240">
+                    <a:tc>
+                      <a:txBody>
+                        <a:bodyPr/>
+                        <a:lstStyle/>
+                        <a:p>
+                          <a:r>
+                            <a:rPr lang="en-US" sz="2000" dirty="0" smtClean="0"/>
+                            <a:t>Samuel</a:t>
+                          </a:r>
+                          <a:endParaRPr lang="en-US" sz="2000" dirty="0"/>
+                        </a:p>
+                      </a:txBody>
+                      <a:tcPr/>
+                    </a:tc>
+                    <a:tc>
+                      <a:txBody>
+                        <a:bodyPr/>
+                        <a:lstStyle/>
+                        <a:p>
+                          <a:endParaRPr lang="en-US"/>
+                        </a:p>
+                      </a:txBody>
+                      <a:tcPr>
+                        <a:blipFill rotWithShape="0">
+                          <a:blip r:embed="rId2"/>
+                          <a:stretch>
+                            <a:fillRect l="-150129" t="-786154" r="-1028" b="-227692"/>
+                          </a:stretch>
+                        </a:blipFill>
+                      </a:tcPr>
+                    </a:tc>
+                  </a:tr>
+                  <a:tr h="396240">
+                    <a:tc>
+                      <a:txBody>
+                        <a:bodyPr/>
+                        <a:lstStyle/>
+                        <a:p>
+                          <a:r>
+                            <a:rPr lang="en-US" sz="2000" dirty="0" smtClean="0"/>
+                            <a:t>Elmo</a:t>
+                          </a:r>
+                          <a:endParaRPr lang="en-US" sz="2000" dirty="0"/>
+                        </a:p>
+                      </a:txBody>
+                      <a:tcPr/>
+                    </a:tc>
+                    <a:tc>
+                      <a:txBody>
+                        <a:bodyPr/>
+                        <a:lstStyle/>
+                        <a:p>
+                          <a:endParaRPr lang="en-US"/>
+                        </a:p>
+                      </a:txBody>
+                      <a:tcPr>
+                        <a:blipFill rotWithShape="0">
+                          <a:blip r:embed="rId2"/>
+                          <a:stretch>
+                            <a:fillRect l="-150129" t="-886154" r="-1028" b="-127692"/>
+                          </a:stretch>
+                        </a:blipFill>
+                      </a:tcPr>
+                    </a:tc>
+                  </a:tr>
+                  <a:tr h="396240">
+                    <a:tc>
+                      <a:txBody>
+                        <a:bodyPr/>
+                        <a:lstStyle/>
+                        <a:p>
+                          <a:r>
+                            <a:rPr lang="en-US" sz="2000" b="1" dirty="0" smtClean="0"/>
+                            <a:t>Average</a:t>
+                          </a:r>
+                          <a:endParaRPr lang="en-US" sz="2000" b="1" dirty="0"/>
+                        </a:p>
+                      </a:txBody>
+                      <a:tcPr/>
+                    </a:tc>
+                    <a:tc>
+                      <a:txBody>
+                        <a:bodyPr/>
+                        <a:lstStyle/>
+                        <a:p>
+                          <a:pPr algn="ctr"/>
+                          <a:r>
+                            <a:rPr lang="en-US" sz="2000" dirty="0" smtClean="0"/>
+                            <a:t>77.59%</a:t>
+                          </a:r>
+                          <a:endParaRPr lang="en-US" sz="2000" dirty="0"/>
+                        </a:p>
+                      </a:txBody>
+                      <a:tcPr/>
+                    </a:tc>
+                  </a:tr>
+                </a:tbl>
+              </a:graphicData>
+            </a:graphic>
+          </p:graphicFrame>
+        </mc:Fallback>
+      </mc:AlternateContent>
     </p:spTree>
     <p:extLst>
       <p:ext uri="{BB962C8B-B14F-4D97-AF65-F5344CB8AC3E}">
-        <p14:creationId xmlns:p14="http://schemas.microsoft.com/office/powerpoint/2010/main" val="299497578"/>
+        <p14:creationId xmlns:p14="http://schemas.microsoft.com/office/powerpoint/2010/main" val="1149118355"/>
       </p:ext>
     </p:extLst>
   </p:cSld>
@@ -7768,6 +12203,2757 @@
       </p:par>
     </p:tnLst>
   </p:timing>
+</p:sld>
+</file>
+
+<file path=ppt/slides/slide17.xml><?xml version="1.0" encoding="utf-8"?>
+<p:sld xmlns:a="http://schemas.openxmlformats.org/drawingml/2006/main" xmlns:r="http://schemas.openxmlformats.org/officeDocument/2006/relationships" xmlns:p="http://schemas.openxmlformats.org/presentationml/2006/main">
+  <p:cSld>
+    <p:spTree>
+      <p:nvGrpSpPr>
+        <p:cNvPr id="1" name=""/>
+        <p:cNvGrpSpPr/>
+        <p:nvPr/>
+      </p:nvGrpSpPr>
+      <p:grpSpPr>
+        <a:xfrm>
+          <a:off x="0" y="0"/>
+          <a:ext cx="0" cy="0"/>
+          <a:chOff x="0" y="0"/>
+          <a:chExt cx="0" cy="0"/>
+        </a:xfrm>
+      </p:grpSpPr>
+      <p:sp>
+        <p:nvSpPr>
+          <p:cNvPr id="4" name="Title 1"/>
+          <p:cNvSpPr txBox="1">
+            <a:spLocks/>
+          </p:cNvSpPr>
+          <p:nvPr/>
+        </p:nvSpPr>
+        <p:spPr>
+          <a:xfrm>
+            <a:off x="838200" y="365125"/>
+            <a:ext cx="10515600" cy="1325563"/>
+          </a:xfrm>
+          <a:prstGeom prst="rect">
+            <a:avLst/>
+          </a:prstGeom>
+        </p:spPr>
+        <p:txBody>
+          <a:bodyPr vert="horz" lIns="91440" tIns="45720" rIns="91440" bIns="45720" rtlCol="0" anchor="ctr">
+            <a:normAutofit/>
+          </a:bodyPr>
+          <a:lstStyle>
+            <a:lvl1pPr algn="l" defTabSz="914400" rtl="0" eaLnBrk="1" latinLnBrk="0" hangingPunct="1">
+              <a:lnSpc>
+                <a:spcPct val="90000"/>
+              </a:lnSpc>
+              <a:spcBef>
+                <a:spcPct val="0"/>
+              </a:spcBef>
+              <a:buNone/>
+              <a:defRPr sz="4400" kern="1200">
+                <a:solidFill>
+                  <a:schemeClr val="tx1"/>
+                </a:solidFill>
+                <a:latin typeface="+mj-lt"/>
+                <a:ea typeface="+mj-ea"/>
+                <a:cs typeface="+mj-cs"/>
+              </a:defRPr>
+            </a:lvl1pPr>
+          </a:lstStyle>
+          <a:p>
+            <a:r>
+              <a:rPr lang="en-US" b="1" dirty="0" smtClean="0"/>
+              <a:t>LOO </a:t>
+            </a:r>
+            <a:r>
+              <a:rPr lang="en-US" b="1" dirty="0" smtClean="0"/>
+              <a:t>(7 PERSONS </a:t>
+            </a:r>
+            <a:r>
+              <a:rPr lang="mr-IN" b="1" dirty="0" smtClean="0"/>
+              <a:t>–</a:t>
+            </a:r>
+            <a:r>
+              <a:rPr lang="en-US" b="1" dirty="0" smtClean="0"/>
+              <a:t> </a:t>
+            </a:r>
+            <a:r>
+              <a:rPr lang="en-US" b="1" i="1" u="sng" dirty="0" smtClean="0"/>
+              <a:t>without </a:t>
+            </a:r>
+            <a:r>
+              <a:rPr lang="en-US" b="1" i="1" u="sng" dirty="0" err="1" smtClean="0"/>
+              <a:t>Richsen</a:t>
+            </a:r>
+            <a:r>
+              <a:rPr lang="en-US" b="1" dirty="0" smtClean="0"/>
+              <a:t>)</a:t>
+            </a:r>
+            <a:endParaRPr lang="en-US" b="1" dirty="0"/>
+          </a:p>
+        </p:txBody>
+      </p:sp>
+      <p:sp>
+        <p:nvSpPr>
+          <p:cNvPr id="5" name="Content Placeholder 2"/>
+          <p:cNvSpPr txBox="1">
+            <a:spLocks/>
+          </p:cNvSpPr>
+          <p:nvPr/>
+        </p:nvSpPr>
+        <p:spPr>
+          <a:xfrm>
+            <a:off x="838200" y="1482436"/>
+            <a:ext cx="10515600" cy="4694527"/>
+          </a:xfrm>
+          <a:prstGeom prst="rect">
+            <a:avLst/>
+          </a:prstGeom>
+        </p:spPr>
+        <p:txBody>
+          <a:bodyPr vert="horz" lIns="91440" tIns="45720" rIns="91440" bIns="45720" rtlCol="0">
+            <a:normAutofit/>
+          </a:bodyPr>
+          <a:lstStyle>
+            <a:lvl1pPr marL="228600" indent="-228600" algn="l" defTabSz="914400" rtl="0" eaLnBrk="1" latinLnBrk="0" hangingPunct="1">
+              <a:lnSpc>
+                <a:spcPct val="90000"/>
+              </a:lnSpc>
+              <a:spcBef>
+                <a:spcPts val="1000"/>
+              </a:spcBef>
+              <a:buFont typeface="Arial"/>
+              <a:buChar char="•"/>
+              <a:defRPr sz="2800" kern="1200">
+                <a:solidFill>
+                  <a:schemeClr val="tx1"/>
+                </a:solidFill>
+                <a:latin typeface="+mn-lt"/>
+                <a:ea typeface="+mn-ea"/>
+                <a:cs typeface="+mn-cs"/>
+              </a:defRPr>
+            </a:lvl1pPr>
+            <a:lvl2pPr marL="685800" indent="-228600" algn="l" defTabSz="914400" rtl="0" eaLnBrk="1" latinLnBrk="0" hangingPunct="1">
+              <a:lnSpc>
+                <a:spcPct val="90000"/>
+              </a:lnSpc>
+              <a:spcBef>
+                <a:spcPts val="500"/>
+              </a:spcBef>
+              <a:buFont typeface="Arial"/>
+              <a:buChar char="•"/>
+              <a:defRPr sz="2400" kern="1200">
+                <a:solidFill>
+                  <a:schemeClr val="tx1"/>
+                </a:solidFill>
+                <a:latin typeface="+mn-lt"/>
+                <a:ea typeface="+mn-ea"/>
+                <a:cs typeface="+mn-cs"/>
+              </a:defRPr>
+            </a:lvl2pPr>
+            <a:lvl3pPr marL="1143000" indent="-228600" algn="l" defTabSz="914400" rtl="0" eaLnBrk="1" latinLnBrk="0" hangingPunct="1">
+              <a:lnSpc>
+                <a:spcPct val="90000"/>
+              </a:lnSpc>
+              <a:spcBef>
+                <a:spcPts val="500"/>
+              </a:spcBef>
+              <a:buFont typeface="Arial"/>
+              <a:buChar char="•"/>
+              <a:defRPr sz="2000" kern="1200">
+                <a:solidFill>
+                  <a:schemeClr val="tx1"/>
+                </a:solidFill>
+                <a:latin typeface="+mn-lt"/>
+                <a:ea typeface="+mn-ea"/>
+                <a:cs typeface="+mn-cs"/>
+              </a:defRPr>
+            </a:lvl3pPr>
+            <a:lvl4pPr marL="1600200" indent="-228600" algn="l" defTabSz="914400" rtl="0" eaLnBrk="1" latinLnBrk="0" hangingPunct="1">
+              <a:lnSpc>
+                <a:spcPct val="90000"/>
+              </a:lnSpc>
+              <a:spcBef>
+                <a:spcPts val="500"/>
+              </a:spcBef>
+              <a:buFont typeface="Arial"/>
+              <a:buChar char="•"/>
+              <a:defRPr sz="1800" kern="1200">
+                <a:solidFill>
+                  <a:schemeClr val="tx1"/>
+                </a:solidFill>
+                <a:latin typeface="+mn-lt"/>
+                <a:ea typeface="+mn-ea"/>
+                <a:cs typeface="+mn-cs"/>
+              </a:defRPr>
+            </a:lvl4pPr>
+            <a:lvl5pPr marL="2057400" indent="-228600" algn="l" defTabSz="914400" rtl="0" eaLnBrk="1" latinLnBrk="0" hangingPunct="1">
+              <a:lnSpc>
+                <a:spcPct val="90000"/>
+              </a:lnSpc>
+              <a:spcBef>
+                <a:spcPts val="500"/>
+              </a:spcBef>
+              <a:buFont typeface="Arial"/>
+              <a:buChar char="•"/>
+              <a:defRPr sz="1800" kern="1200">
+                <a:solidFill>
+                  <a:schemeClr val="tx1"/>
+                </a:solidFill>
+                <a:latin typeface="+mn-lt"/>
+                <a:ea typeface="+mn-ea"/>
+                <a:cs typeface="+mn-cs"/>
+              </a:defRPr>
+            </a:lvl5pPr>
+            <a:lvl6pPr marL="2514600" indent="-228600" algn="l" defTabSz="914400" rtl="0" eaLnBrk="1" latinLnBrk="0" hangingPunct="1">
+              <a:lnSpc>
+                <a:spcPct val="90000"/>
+              </a:lnSpc>
+              <a:spcBef>
+                <a:spcPts val="500"/>
+              </a:spcBef>
+              <a:buFont typeface="Arial"/>
+              <a:buChar char="•"/>
+              <a:defRPr sz="1800" kern="1200">
+                <a:solidFill>
+                  <a:schemeClr val="tx1"/>
+                </a:solidFill>
+                <a:latin typeface="+mn-lt"/>
+                <a:ea typeface="+mn-ea"/>
+                <a:cs typeface="+mn-cs"/>
+              </a:defRPr>
+            </a:lvl6pPr>
+            <a:lvl7pPr marL="2971800" indent="-228600" algn="l" defTabSz="914400" rtl="0" eaLnBrk="1" latinLnBrk="0" hangingPunct="1">
+              <a:lnSpc>
+                <a:spcPct val="90000"/>
+              </a:lnSpc>
+              <a:spcBef>
+                <a:spcPts val="500"/>
+              </a:spcBef>
+              <a:buFont typeface="Arial"/>
+              <a:buChar char="•"/>
+              <a:defRPr sz="1800" kern="1200">
+                <a:solidFill>
+                  <a:schemeClr val="tx1"/>
+                </a:solidFill>
+                <a:latin typeface="+mn-lt"/>
+                <a:ea typeface="+mn-ea"/>
+                <a:cs typeface="+mn-cs"/>
+              </a:defRPr>
+            </a:lvl7pPr>
+            <a:lvl8pPr marL="3429000" indent="-228600" algn="l" defTabSz="914400" rtl="0" eaLnBrk="1" latinLnBrk="0" hangingPunct="1">
+              <a:lnSpc>
+                <a:spcPct val="90000"/>
+              </a:lnSpc>
+              <a:spcBef>
+                <a:spcPts val="500"/>
+              </a:spcBef>
+              <a:buFont typeface="Arial"/>
+              <a:buChar char="•"/>
+              <a:defRPr sz="1800" kern="1200">
+                <a:solidFill>
+                  <a:schemeClr val="tx1"/>
+                </a:solidFill>
+                <a:latin typeface="+mn-lt"/>
+                <a:ea typeface="+mn-ea"/>
+                <a:cs typeface="+mn-cs"/>
+              </a:defRPr>
+            </a:lvl8pPr>
+            <a:lvl9pPr marL="3886200" indent="-228600" algn="l" defTabSz="914400" rtl="0" eaLnBrk="1" latinLnBrk="0" hangingPunct="1">
+              <a:lnSpc>
+                <a:spcPct val="90000"/>
+              </a:lnSpc>
+              <a:spcBef>
+                <a:spcPts val="500"/>
+              </a:spcBef>
+              <a:buFont typeface="Arial"/>
+              <a:buChar char="•"/>
+              <a:defRPr sz="1800" kern="1200">
+                <a:solidFill>
+                  <a:schemeClr val="tx1"/>
+                </a:solidFill>
+                <a:latin typeface="+mn-lt"/>
+                <a:ea typeface="+mn-ea"/>
+                <a:cs typeface="+mn-cs"/>
+              </a:defRPr>
+            </a:lvl9pPr>
+          </a:lstStyle>
+          <a:p>
+            <a:r>
+              <a:rPr lang="en-US" sz="2400" dirty="0" smtClean="0"/>
+              <a:t>14 Activities (</a:t>
+            </a:r>
+            <a:r>
+              <a:rPr lang="en-US" sz="2400" b="1" i="1" u="sng" dirty="0" smtClean="0"/>
+              <a:t>without Eating</a:t>
+            </a:r>
+            <a:r>
+              <a:rPr lang="en-US" sz="2400" dirty="0" smtClean="0"/>
+              <a:t>)</a:t>
+            </a:r>
+          </a:p>
+          <a:p>
+            <a:r>
+              <a:rPr lang="en-US" sz="2400" b="1" dirty="0" smtClean="0"/>
+              <a:t>Random Forest </a:t>
+            </a:r>
+            <a:r>
+              <a:rPr lang="en-US" sz="2400" dirty="0" smtClean="0">
+                <a:sym typeface="Wingdings"/>
+              </a:rPr>
+              <a:t> </a:t>
+            </a:r>
+            <a:r>
+              <a:rPr lang="en-US" sz="2400" dirty="0">
+                <a:sym typeface="Wingdings"/>
+              </a:rPr>
+              <a:t>5</a:t>
+            </a:r>
+            <a:r>
+              <a:rPr lang="en-US" sz="2400" dirty="0" smtClean="0">
+                <a:sym typeface="Wingdings"/>
+              </a:rPr>
+              <a:t>00 </a:t>
+            </a:r>
+            <a:r>
+              <a:rPr lang="en-US" sz="2400" dirty="0" smtClean="0">
+                <a:sym typeface="Wingdings"/>
+              </a:rPr>
+              <a:t>estimators, 3 times per </a:t>
+            </a:r>
+            <a:r>
+              <a:rPr lang="en-US" sz="2400" dirty="0" smtClean="0">
+                <a:sym typeface="Wingdings"/>
+              </a:rPr>
+              <a:t>subject</a:t>
+            </a:r>
+            <a:endParaRPr lang="en-US" sz="2400" dirty="0" smtClean="0"/>
+          </a:p>
+          <a:p>
+            <a:endParaRPr lang="en-US" sz="2400" dirty="0"/>
+          </a:p>
+        </p:txBody>
+      </p:sp>
+      <mc:AlternateContent xmlns:mc="http://schemas.openxmlformats.org/markup-compatibility/2006">
+        <mc:Choice xmlns:a14="http://schemas.microsoft.com/office/drawing/2010/main" Requires="a14">
+          <p:graphicFrame>
+            <p:nvGraphicFramePr>
+              <p:cNvPr id="6" name="Table 5"/>
+              <p:cNvGraphicFramePr>
+                <a:graphicFrameLocks noGrp="1"/>
+              </p:cNvGraphicFramePr>
+              <p:nvPr>
+                <p:extLst>
+                  <p:ext uri="{D42A27DB-BD31-4B8C-83A1-F6EECF244321}">
+                    <p14:modId xmlns:p14="http://schemas.microsoft.com/office/powerpoint/2010/main" val="1109512237"/>
+                  </p:ext>
+                </p:extLst>
+              </p:nvPr>
+            </p:nvGraphicFramePr>
+            <p:xfrm>
+              <a:off x="3134876" y="2430694"/>
+              <a:ext cx="5922247" cy="3870960"/>
+            </p:xfrm>
+            <a:graphic>
+              <a:graphicData uri="http://schemas.openxmlformats.org/drawingml/2006/table">
+                <a:tbl>
+                  <a:tblPr firstRow="1" bandRow="1">
+                    <a:tableStyleId>{5C22544A-7EE6-4342-B048-85BDC9FD1C3A}</a:tableStyleId>
+                  </a:tblPr>
+                  <a:tblGrid>
+                    <a:gridCol w="3552391"/>
+                    <a:gridCol w="2369856"/>
+                  </a:tblGrid>
+                  <a:tr h="370840">
+                    <a:tc>
+                      <a:txBody>
+                        <a:bodyPr/>
+                        <a:lstStyle/>
+                        <a:p>
+                          <a:pPr algn="ctr"/>
+                          <a:r>
+                            <a:rPr lang="en-US" sz="2000" dirty="0" smtClean="0"/>
+                            <a:t>LOO Subject</a:t>
+                          </a:r>
+                          <a:endParaRPr lang="en-US" sz="2000" dirty="0"/>
+                        </a:p>
+                      </a:txBody>
+                      <a:tcPr/>
+                    </a:tc>
+                    <a:tc>
+                      <a:txBody>
+                        <a:bodyPr/>
+                        <a:lstStyle/>
+                        <a:p>
+                          <a:pPr algn="ctr"/>
+                          <a:r>
+                            <a:rPr lang="en-US" sz="2000" dirty="0" smtClean="0"/>
+                            <a:t>Accurac</a:t>
+                          </a:r>
+                          <a:r>
+                            <a:rPr lang="en-US" sz="2000" baseline="0" dirty="0" smtClean="0"/>
+                            <a:t>y Mean</a:t>
+                          </a:r>
+                        </a:p>
+                        <a:p>
+                          <a:pPr algn="ctr"/>
+                          <a:r>
+                            <a:rPr lang="en-US" sz="2000" baseline="0" dirty="0" smtClean="0"/>
+                            <a:t>(SP + SW)</a:t>
+                          </a:r>
+                          <a:endParaRPr lang="en-US" sz="2000" dirty="0"/>
+                        </a:p>
+                      </a:txBody>
+                      <a:tcPr/>
+                    </a:tc>
+                  </a:tr>
+                  <a:tr h="370840">
+                    <a:tc>
+                      <a:txBody>
+                        <a:bodyPr/>
+                        <a:lstStyle/>
+                        <a:p>
+                          <a:r>
+                            <a:rPr lang="en-US" sz="2000" dirty="0" smtClean="0"/>
+                            <a:t>Edwin</a:t>
+                          </a:r>
+                          <a:endParaRPr lang="en-US" sz="2000" dirty="0"/>
+                        </a:p>
+                      </a:txBody>
+                      <a:tcPr/>
+                    </a:tc>
+                    <a:tc>
+                      <a:txBody>
+                        <a:bodyPr/>
+                        <a:lstStyle/>
+                        <a:p>
+                          <a:pPr marL="0" marR="0" indent="0" algn="ctr" defTabSz="914400" rtl="0" eaLnBrk="1" fontAlgn="auto" latinLnBrk="0" hangingPunct="1">
+                            <a:lnSpc>
+                              <a:spcPct val="100000"/>
+                            </a:lnSpc>
+                            <a:spcBef>
+                              <a:spcPts val="0"/>
+                            </a:spcBef>
+                            <a:spcAft>
+                              <a:spcPts val="0"/>
+                            </a:spcAft>
+                            <a:buClrTx/>
+                            <a:buSzTx/>
+                            <a:buFontTx/>
+                            <a:buNone/>
+                            <a:tabLst/>
+                            <a:defRPr/>
+                          </a:pPr>
+                          <a:r>
+                            <a:rPr lang="en-US" sz="2000" dirty="0" smtClean="0">
+                              <a:ea typeface="Cambria Math" charset="0"/>
+                              <a:cs typeface="Cambria Math" charset="0"/>
+                            </a:rPr>
+                            <a:t>88.14%</a:t>
+                          </a:r>
+                          <a:r>
+                            <a:rPr lang="en-US" sz="2000" baseline="0" dirty="0" smtClean="0">
+                              <a:ea typeface="Cambria Math" charset="0"/>
+                              <a:cs typeface="Cambria Math" charset="0"/>
+                            </a:rPr>
+                            <a:t> </a:t>
+                          </a:r>
+                          <a14:m>
+                            <m:oMath xmlns:m="http://schemas.openxmlformats.org/officeDocument/2006/math">
+                              <m:r>
+                                <a:rPr lang="en-US" sz="2000" i="1" smtClean="0">
+                                  <a:latin typeface="Cambria Math" charset="0"/>
+                                  <a:ea typeface="Cambria Math" charset="0"/>
+                                  <a:cs typeface="Cambria Math" charset="0"/>
+                                </a:rPr>
+                                <m:t>±</m:t>
+                              </m:r>
+                            </m:oMath>
+                          </a14:m>
+                          <a:r>
+                            <a:rPr lang="en-US" sz="2000" dirty="0" smtClean="0"/>
+                            <a:t> </a:t>
+                          </a:r>
+                          <a:r>
+                            <a:rPr lang="en-US" sz="2000" dirty="0" smtClean="0"/>
+                            <a:t>0.04%</a:t>
+                          </a:r>
+                          <a:endParaRPr lang="en-US" sz="2000" dirty="0"/>
+                        </a:p>
+                      </a:txBody>
+                      <a:tcPr/>
+                    </a:tc>
+                  </a:tr>
+                  <a:tr h="370840">
+                    <a:tc>
+                      <a:txBody>
+                        <a:bodyPr/>
+                        <a:lstStyle/>
+                        <a:p>
+                          <a:r>
+                            <a:rPr lang="en-US" sz="2000" dirty="0" smtClean="0"/>
+                            <a:t>Lauren</a:t>
+                          </a:r>
+                          <a:endParaRPr lang="en-US" sz="2000" dirty="0"/>
+                        </a:p>
+                      </a:txBody>
+                      <a:tcPr/>
+                    </a:tc>
+                    <a:tc>
+                      <a:txBody>
+                        <a:bodyPr/>
+                        <a:lstStyle/>
+                        <a:p>
+                          <a:pPr algn="ctr"/>
+                          <a:r>
+                            <a:rPr lang="en-US" sz="2000" dirty="0" smtClean="0">
+                              <a:ea typeface="Cambria Math" charset="0"/>
+                              <a:cs typeface="Cambria Math" charset="0"/>
+                            </a:rPr>
+                            <a:t>83.21%</a:t>
+                          </a:r>
+                          <a:r>
+                            <a:rPr lang="en-US" sz="2000" baseline="0" dirty="0" smtClean="0">
+                              <a:ea typeface="Cambria Math" charset="0"/>
+                              <a:cs typeface="Cambria Math" charset="0"/>
+                            </a:rPr>
+                            <a:t> </a:t>
+                          </a:r>
+                          <a14:m>
+                            <m:oMath xmlns:m="http://schemas.openxmlformats.org/officeDocument/2006/math">
+                              <m:r>
+                                <a:rPr lang="en-US" sz="2000" i="1" smtClean="0">
+                                  <a:latin typeface="Cambria Math" charset="0"/>
+                                  <a:ea typeface="Cambria Math" charset="0"/>
+                                  <a:cs typeface="Cambria Math" charset="0"/>
+                                </a:rPr>
+                                <m:t>±</m:t>
+                              </m:r>
+                            </m:oMath>
+                          </a14:m>
+                          <a:r>
+                            <a:rPr lang="en-US" sz="2000" dirty="0" smtClean="0"/>
+                            <a:t> </a:t>
+                          </a:r>
+                          <a:r>
+                            <a:rPr lang="en-US" sz="2000" dirty="0" smtClean="0"/>
+                            <a:t>0.14%</a:t>
+                          </a:r>
+                          <a:endParaRPr lang="en-US" sz="2000" dirty="0"/>
+                        </a:p>
+                      </a:txBody>
+                      <a:tcPr/>
+                    </a:tc>
+                  </a:tr>
+                  <a:tr h="370840">
+                    <a:tc>
+                      <a:txBody>
+                        <a:bodyPr/>
+                        <a:lstStyle/>
+                        <a:p>
+                          <a:r>
+                            <a:rPr lang="en-US" sz="2000" dirty="0" err="1" smtClean="0"/>
+                            <a:t>Shelina</a:t>
+                          </a:r>
+                          <a:endParaRPr lang="en-US" sz="2000" dirty="0"/>
+                        </a:p>
+                      </a:txBody>
+                      <a:tcPr/>
+                    </a:tc>
+                    <a:tc>
+                      <a:txBody>
+                        <a:bodyPr/>
+                        <a:lstStyle/>
+                        <a:p>
+                          <a:pPr algn="ctr"/>
+                          <a:r>
+                            <a:rPr lang="en-US" sz="2000" dirty="0" smtClean="0">
+                              <a:ea typeface="Cambria Math" charset="0"/>
+                              <a:cs typeface="Cambria Math" charset="0"/>
+                            </a:rPr>
+                            <a:t>74.20%</a:t>
+                          </a:r>
+                          <a:r>
+                            <a:rPr lang="en-US" sz="2000" baseline="0" dirty="0" smtClean="0">
+                              <a:ea typeface="Cambria Math" charset="0"/>
+                              <a:cs typeface="Cambria Math" charset="0"/>
+                            </a:rPr>
+                            <a:t> </a:t>
+                          </a:r>
+                          <a14:m>
+                            <m:oMath xmlns:m="http://schemas.openxmlformats.org/officeDocument/2006/math">
+                              <m:r>
+                                <a:rPr lang="en-US" sz="2000" i="1" smtClean="0">
+                                  <a:latin typeface="Cambria Math" charset="0"/>
+                                  <a:ea typeface="Cambria Math" charset="0"/>
+                                  <a:cs typeface="Cambria Math" charset="0"/>
+                                </a:rPr>
+                                <m:t>±</m:t>
+                              </m:r>
+                            </m:oMath>
+                          </a14:m>
+                          <a:r>
+                            <a:rPr lang="en-US" sz="2000" dirty="0" smtClean="0"/>
+                            <a:t> </a:t>
+                          </a:r>
+                          <a:r>
+                            <a:rPr lang="en-US" sz="2000" dirty="0" smtClean="0"/>
+                            <a:t>0.26%</a:t>
+                          </a:r>
+                          <a:endParaRPr lang="en-US" sz="2000" dirty="0"/>
+                        </a:p>
+                      </a:txBody>
+                      <a:tcPr/>
+                    </a:tc>
+                  </a:tr>
+                  <a:tr h="370840">
+                    <a:tc>
+                      <a:txBody>
+                        <a:bodyPr/>
+                        <a:lstStyle/>
+                        <a:p>
+                          <a:r>
+                            <a:rPr lang="en-US" sz="2000" dirty="0" err="1" smtClean="0"/>
+                            <a:t>Mellita</a:t>
+                          </a:r>
+                          <a:endParaRPr lang="en-US" sz="2000" dirty="0"/>
+                        </a:p>
+                      </a:txBody>
+                      <a:tcPr/>
+                    </a:tc>
+                    <a:tc>
+                      <a:txBody>
+                        <a:bodyPr/>
+                        <a:lstStyle/>
+                        <a:p>
+                          <a:pPr algn="ctr"/>
+                          <a:r>
+                            <a:rPr lang="en-US" sz="2000" dirty="0" smtClean="0">
+                              <a:ea typeface="Cambria Math" charset="0"/>
+                              <a:cs typeface="Cambria Math" charset="0"/>
+                            </a:rPr>
+                            <a:t>80.31%</a:t>
+                          </a:r>
+                          <a:r>
+                            <a:rPr lang="en-US" sz="2000" baseline="0" dirty="0" smtClean="0">
+                              <a:ea typeface="Cambria Math" charset="0"/>
+                              <a:cs typeface="Cambria Math" charset="0"/>
+                            </a:rPr>
+                            <a:t> </a:t>
+                          </a:r>
+                          <a14:m>
+                            <m:oMath xmlns:m="http://schemas.openxmlformats.org/officeDocument/2006/math">
+                              <m:r>
+                                <a:rPr lang="en-US" sz="2000" i="1" smtClean="0">
+                                  <a:latin typeface="Cambria Math" charset="0"/>
+                                  <a:ea typeface="Cambria Math" charset="0"/>
+                                  <a:cs typeface="Cambria Math" charset="0"/>
+                                </a:rPr>
+                                <m:t>±</m:t>
+                              </m:r>
+                            </m:oMath>
+                          </a14:m>
+                          <a:r>
+                            <a:rPr lang="en-US" sz="2000" dirty="0" smtClean="0"/>
+                            <a:t> </a:t>
+                          </a:r>
+                          <a:r>
+                            <a:rPr lang="en-US" sz="2000" dirty="0" smtClean="0"/>
+                            <a:t>0.13%</a:t>
+                          </a:r>
+                          <a:endParaRPr lang="en-US" sz="2000" dirty="0"/>
+                        </a:p>
+                      </a:txBody>
+                      <a:tcPr/>
+                    </a:tc>
+                  </a:tr>
+                  <a:tr h="370840">
+                    <a:tc>
+                      <a:txBody>
+                        <a:bodyPr/>
+                        <a:lstStyle/>
+                        <a:p>
+                          <a:r>
+                            <a:rPr lang="en-US" sz="2000" dirty="0" smtClean="0"/>
+                            <a:t>Nikolas</a:t>
+                          </a:r>
+                          <a:endParaRPr lang="en-US" sz="2000" dirty="0"/>
+                        </a:p>
+                      </a:txBody>
+                      <a:tcPr/>
+                    </a:tc>
+                    <a:tc>
+                      <a:txBody>
+                        <a:bodyPr/>
+                        <a:lstStyle/>
+                        <a:p>
+                          <a:pPr algn="ctr"/>
+                          <a:r>
+                            <a:rPr lang="en-US" sz="2000" dirty="0" smtClean="0">
+                              <a:ea typeface="Cambria Math" charset="0"/>
+                              <a:cs typeface="Cambria Math" charset="0"/>
+                            </a:rPr>
+                            <a:t>85.96%</a:t>
+                          </a:r>
+                          <a:r>
+                            <a:rPr lang="en-US" sz="2000" baseline="0" dirty="0" smtClean="0">
+                              <a:ea typeface="Cambria Math" charset="0"/>
+                              <a:cs typeface="Cambria Math" charset="0"/>
+                            </a:rPr>
+                            <a:t> </a:t>
+                          </a:r>
+                          <a14:m>
+                            <m:oMath xmlns:m="http://schemas.openxmlformats.org/officeDocument/2006/math">
+                              <m:r>
+                                <a:rPr lang="en-US" sz="2000" i="1" smtClean="0">
+                                  <a:latin typeface="Cambria Math" charset="0"/>
+                                  <a:ea typeface="Cambria Math" charset="0"/>
+                                  <a:cs typeface="Cambria Math" charset="0"/>
+                                </a:rPr>
+                                <m:t>±</m:t>
+                              </m:r>
+                            </m:oMath>
+                          </a14:m>
+                          <a:r>
+                            <a:rPr lang="en-US" sz="2000" dirty="0" smtClean="0"/>
+                            <a:t> </a:t>
+                          </a:r>
+                          <a:r>
+                            <a:rPr lang="en-US" sz="2000" dirty="0" smtClean="0"/>
+                            <a:t>0.25%</a:t>
+                          </a:r>
+                          <a:endParaRPr lang="en-US" sz="2000" dirty="0"/>
+                        </a:p>
+                      </a:txBody>
+                      <a:tcPr/>
+                    </a:tc>
+                  </a:tr>
+                  <a:tr h="370840">
+                    <a:tc>
+                      <a:txBody>
+                        <a:bodyPr/>
+                        <a:lstStyle/>
+                        <a:p>
+                          <a:r>
+                            <a:rPr lang="en-US" sz="2000" dirty="0" smtClean="0"/>
+                            <a:t>Samuel</a:t>
+                          </a:r>
+                          <a:endParaRPr lang="en-US" sz="2000" dirty="0"/>
+                        </a:p>
+                      </a:txBody>
+                      <a:tcPr/>
+                    </a:tc>
+                    <a:tc>
+                      <a:txBody>
+                        <a:bodyPr/>
+                        <a:lstStyle/>
+                        <a:p>
+                          <a:pPr marL="0" marR="0" indent="0" algn="ctr" defTabSz="914400" rtl="0" eaLnBrk="1" fontAlgn="auto" latinLnBrk="0" hangingPunct="1">
+                            <a:lnSpc>
+                              <a:spcPct val="100000"/>
+                            </a:lnSpc>
+                            <a:spcBef>
+                              <a:spcPts val="0"/>
+                            </a:spcBef>
+                            <a:spcAft>
+                              <a:spcPts val="0"/>
+                            </a:spcAft>
+                            <a:buClrTx/>
+                            <a:buSzTx/>
+                            <a:buFontTx/>
+                            <a:buNone/>
+                            <a:tabLst/>
+                            <a:defRPr/>
+                          </a:pPr>
+                          <a:r>
+                            <a:rPr lang="en-US" sz="2000" dirty="0" smtClean="0">
+                              <a:ea typeface="Cambria Math" charset="0"/>
+                              <a:cs typeface="Cambria Math" charset="0"/>
+                            </a:rPr>
+                            <a:t>90.55%</a:t>
+                          </a:r>
+                          <a:r>
+                            <a:rPr lang="en-US" sz="2000" baseline="0" dirty="0" smtClean="0">
+                              <a:ea typeface="Cambria Math" charset="0"/>
+                              <a:cs typeface="Cambria Math" charset="0"/>
+                            </a:rPr>
+                            <a:t> </a:t>
+                          </a:r>
+                          <a14:m>
+                            <m:oMath xmlns:m="http://schemas.openxmlformats.org/officeDocument/2006/math">
+                              <m:r>
+                                <a:rPr lang="en-US" sz="2000" i="1" smtClean="0">
+                                  <a:latin typeface="Cambria Math" charset="0"/>
+                                  <a:ea typeface="Cambria Math" charset="0"/>
+                                  <a:cs typeface="Cambria Math" charset="0"/>
+                                </a:rPr>
+                                <m:t>±</m:t>
+                              </m:r>
+                            </m:oMath>
+                          </a14:m>
+                          <a:r>
+                            <a:rPr lang="en-US" sz="2000" dirty="0" smtClean="0"/>
+                            <a:t> </a:t>
+                          </a:r>
+                          <a:r>
+                            <a:rPr lang="en-US" sz="2000" dirty="0" smtClean="0"/>
+                            <a:t>0.33%</a:t>
+                          </a:r>
+                          <a:endParaRPr lang="en-US" sz="2000" dirty="0"/>
+                        </a:p>
+                      </a:txBody>
+                      <a:tcPr/>
+                    </a:tc>
+                  </a:tr>
+                  <a:tr h="370840">
+                    <a:tc>
+                      <a:txBody>
+                        <a:bodyPr/>
+                        <a:lstStyle/>
+                        <a:p>
+                          <a:r>
+                            <a:rPr lang="en-US" sz="2000" dirty="0" smtClean="0"/>
+                            <a:t>Elmo</a:t>
+                          </a:r>
+                          <a:endParaRPr lang="en-US" sz="2000" dirty="0"/>
+                        </a:p>
+                      </a:txBody>
+                      <a:tcPr/>
+                    </a:tc>
+                    <a:tc>
+                      <a:txBody>
+                        <a:bodyPr/>
+                        <a:lstStyle/>
+                        <a:p>
+                          <a:pPr marL="0" marR="0" indent="0" algn="ctr" defTabSz="914400" rtl="0" eaLnBrk="1" fontAlgn="auto" latinLnBrk="0" hangingPunct="1">
+                            <a:lnSpc>
+                              <a:spcPct val="100000"/>
+                            </a:lnSpc>
+                            <a:spcBef>
+                              <a:spcPts val="0"/>
+                            </a:spcBef>
+                            <a:spcAft>
+                              <a:spcPts val="0"/>
+                            </a:spcAft>
+                            <a:buClrTx/>
+                            <a:buSzTx/>
+                            <a:buFontTx/>
+                            <a:buNone/>
+                            <a:tabLst/>
+                            <a:defRPr/>
+                          </a:pPr>
+                          <a:r>
+                            <a:rPr lang="en-US" sz="2000" dirty="0" smtClean="0">
+                              <a:ea typeface="Cambria Math" charset="0"/>
+                              <a:cs typeface="Cambria Math" charset="0"/>
+                            </a:rPr>
+                            <a:t>89.18%</a:t>
+                          </a:r>
+                          <a:r>
+                            <a:rPr lang="en-US" sz="2000" baseline="0" dirty="0" smtClean="0">
+                              <a:ea typeface="Cambria Math" charset="0"/>
+                              <a:cs typeface="Cambria Math" charset="0"/>
+                            </a:rPr>
+                            <a:t> </a:t>
+                          </a:r>
+                          <a14:m>
+                            <m:oMath xmlns:m="http://schemas.openxmlformats.org/officeDocument/2006/math">
+                              <m:r>
+                                <a:rPr lang="en-US" sz="2000" i="1" smtClean="0">
+                                  <a:latin typeface="Cambria Math" charset="0"/>
+                                  <a:ea typeface="Cambria Math" charset="0"/>
+                                  <a:cs typeface="Cambria Math" charset="0"/>
+                                </a:rPr>
+                                <m:t>±</m:t>
+                              </m:r>
+                            </m:oMath>
+                          </a14:m>
+                          <a:r>
+                            <a:rPr lang="en-US" sz="2000" dirty="0" smtClean="0"/>
+                            <a:t> </a:t>
+                          </a:r>
+                          <a:r>
+                            <a:rPr lang="en-US" sz="2000" dirty="0" smtClean="0"/>
+                            <a:t>0.19%</a:t>
+                          </a:r>
+                          <a:endParaRPr lang="en-US" sz="2000" dirty="0"/>
+                        </a:p>
+                      </a:txBody>
+                      <a:tcPr/>
+                    </a:tc>
+                  </a:tr>
+                  <a:tr h="370840">
+                    <a:tc>
+                      <a:txBody>
+                        <a:bodyPr/>
+                        <a:lstStyle/>
+                        <a:p>
+                          <a:r>
+                            <a:rPr lang="en-US" sz="2000" b="1" dirty="0" smtClean="0"/>
+                            <a:t>Average</a:t>
+                          </a:r>
+                          <a:endParaRPr lang="en-US" sz="2000" b="1" dirty="0"/>
+                        </a:p>
+                      </a:txBody>
+                      <a:tcPr/>
+                    </a:tc>
+                    <a:tc>
+                      <a:txBody>
+                        <a:bodyPr/>
+                        <a:lstStyle/>
+                        <a:p>
+                          <a:pPr algn="ctr"/>
+                          <a:r>
+                            <a:rPr lang="en-US" sz="2000" dirty="0" smtClean="0"/>
+                            <a:t>84.51%</a:t>
+                          </a:r>
+                          <a:endParaRPr lang="en-US" sz="2000" dirty="0"/>
+                        </a:p>
+                      </a:txBody>
+                      <a:tcPr/>
+                    </a:tc>
+                  </a:tr>
+                </a:tbl>
+              </a:graphicData>
+            </a:graphic>
+          </p:graphicFrame>
+        </mc:Choice>
+        <mc:Fallback>
+          <p:graphicFrame>
+            <p:nvGraphicFramePr>
+              <p:cNvPr id="6" name="Table 5"/>
+              <p:cNvGraphicFramePr>
+                <a:graphicFrameLocks noGrp="1"/>
+              </p:cNvGraphicFramePr>
+              <p:nvPr>
+                <p:extLst>
+                  <p:ext uri="{D42A27DB-BD31-4B8C-83A1-F6EECF244321}">
+                    <p14:modId xmlns:p14="http://schemas.microsoft.com/office/powerpoint/2010/main" val="1109512237"/>
+                  </p:ext>
+                </p:extLst>
+              </p:nvPr>
+            </p:nvGraphicFramePr>
+            <p:xfrm>
+              <a:off x="3134876" y="2430694"/>
+              <a:ext cx="5922247" cy="3870960"/>
+            </p:xfrm>
+            <a:graphic>
+              <a:graphicData uri="http://schemas.openxmlformats.org/drawingml/2006/table">
+                <a:tbl>
+                  <a:tblPr firstRow="1" bandRow="1">
+                    <a:tableStyleId>{5C22544A-7EE6-4342-B048-85BDC9FD1C3A}</a:tableStyleId>
+                  </a:tblPr>
+                  <a:tblGrid>
+                    <a:gridCol w="3552391"/>
+                    <a:gridCol w="2369856"/>
+                  </a:tblGrid>
+                  <a:tr h="701040">
+                    <a:tc>
+                      <a:txBody>
+                        <a:bodyPr/>
+                        <a:lstStyle/>
+                        <a:p>
+                          <a:pPr algn="ctr"/>
+                          <a:r>
+                            <a:rPr lang="en-US" sz="2000" dirty="0" smtClean="0"/>
+                            <a:t>LOO Subject</a:t>
+                          </a:r>
+                          <a:endParaRPr lang="en-US" sz="2000" dirty="0"/>
+                        </a:p>
+                      </a:txBody>
+                      <a:tcPr/>
+                    </a:tc>
+                    <a:tc>
+                      <a:txBody>
+                        <a:bodyPr/>
+                        <a:lstStyle/>
+                        <a:p>
+                          <a:pPr algn="ctr"/>
+                          <a:r>
+                            <a:rPr lang="en-US" sz="2000" dirty="0" smtClean="0"/>
+                            <a:t>Accurac</a:t>
+                          </a:r>
+                          <a:r>
+                            <a:rPr lang="en-US" sz="2000" baseline="0" dirty="0" smtClean="0"/>
+                            <a:t>y Mean</a:t>
+                          </a:r>
+                        </a:p>
+                        <a:p>
+                          <a:pPr algn="ctr"/>
+                          <a:r>
+                            <a:rPr lang="en-US" sz="2000" baseline="0" dirty="0" smtClean="0"/>
+                            <a:t>(SP + SW)</a:t>
+                          </a:r>
+                          <a:endParaRPr lang="en-US" sz="2000" dirty="0"/>
+                        </a:p>
+                      </a:txBody>
+                      <a:tcPr/>
+                    </a:tc>
+                  </a:tr>
+                  <a:tr h="396240">
+                    <a:tc>
+                      <a:txBody>
+                        <a:bodyPr/>
+                        <a:lstStyle/>
+                        <a:p>
+                          <a:r>
+                            <a:rPr lang="en-US" sz="2000" dirty="0" smtClean="0"/>
+                            <a:t>Edwin</a:t>
+                          </a:r>
+                          <a:endParaRPr lang="en-US" sz="2000" dirty="0"/>
+                        </a:p>
+                      </a:txBody>
+                      <a:tcPr/>
+                    </a:tc>
+                    <a:tc>
+                      <a:txBody>
+                        <a:bodyPr/>
+                        <a:lstStyle/>
+                        <a:p>
+                          <a:endParaRPr lang="en-US"/>
+                        </a:p>
+                      </a:txBody>
+                      <a:tcPr>
+                        <a:blipFill rotWithShape="0">
+                          <a:blip r:embed="rId2"/>
+                          <a:stretch>
+                            <a:fillRect l="-150129" t="-184615" r="-1028" b="-729231"/>
+                          </a:stretch>
+                        </a:blipFill>
+                      </a:tcPr>
+                    </a:tc>
+                  </a:tr>
+                  <a:tr h="396240">
+                    <a:tc>
+                      <a:txBody>
+                        <a:bodyPr/>
+                        <a:lstStyle/>
+                        <a:p>
+                          <a:r>
+                            <a:rPr lang="en-US" sz="2000" dirty="0" smtClean="0"/>
+                            <a:t>Lauren</a:t>
+                          </a:r>
+                          <a:endParaRPr lang="en-US" sz="2000" dirty="0"/>
+                        </a:p>
+                      </a:txBody>
+                      <a:tcPr/>
+                    </a:tc>
+                    <a:tc>
+                      <a:txBody>
+                        <a:bodyPr/>
+                        <a:lstStyle/>
+                        <a:p>
+                          <a:endParaRPr lang="en-US"/>
+                        </a:p>
+                      </a:txBody>
+                      <a:tcPr>
+                        <a:blipFill rotWithShape="0">
+                          <a:blip r:embed="rId2"/>
+                          <a:stretch>
+                            <a:fillRect l="-150129" t="-284615" r="-1028" b="-629231"/>
+                          </a:stretch>
+                        </a:blipFill>
+                      </a:tcPr>
+                    </a:tc>
+                  </a:tr>
+                  <a:tr h="396240">
+                    <a:tc>
+                      <a:txBody>
+                        <a:bodyPr/>
+                        <a:lstStyle/>
+                        <a:p>
+                          <a:r>
+                            <a:rPr lang="en-US" sz="2000" dirty="0" err="1" smtClean="0"/>
+                            <a:t>Shelina</a:t>
+                          </a:r>
+                          <a:endParaRPr lang="en-US" sz="2000" dirty="0"/>
+                        </a:p>
+                      </a:txBody>
+                      <a:tcPr/>
+                    </a:tc>
+                    <a:tc>
+                      <a:txBody>
+                        <a:bodyPr/>
+                        <a:lstStyle/>
+                        <a:p>
+                          <a:endParaRPr lang="en-US"/>
+                        </a:p>
+                      </a:txBody>
+                      <a:tcPr>
+                        <a:blipFill rotWithShape="0">
+                          <a:blip r:embed="rId2"/>
+                          <a:stretch>
+                            <a:fillRect l="-150129" t="-384615" r="-1028" b="-529231"/>
+                          </a:stretch>
+                        </a:blipFill>
+                      </a:tcPr>
+                    </a:tc>
+                  </a:tr>
+                  <a:tr h="396240">
+                    <a:tc>
+                      <a:txBody>
+                        <a:bodyPr/>
+                        <a:lstStyle/>
+                        <a:p>
+                          <a:r>
+                            <a:rPr lang="en-US" sz="2000" dirty="0" err="1" smtClean="0"/>
+                            <a:t>Mellita</a:t>
+                          </a:r>
+                          <a:endParaRPr lang="en-US" sz="2000" dirty="0"/>
+                        </a:p>
+                      </a:txBody>
+                      <a:tcPr/>
+                    </a:tc>
+                    <a:tc>
+                      <a:txBody>
+                        <a:bodyPr/>
+                        <a:lstStyle/>
+                        <a:p>
+                          <a:endParaRPr lang="en-US"/>
+                        </a:p>
+                      </a:txBody>
+                      <a:tcPr>
+                        <a:blipFill rotWithShape="0">
+                          <a:blip r:embed="rId2"/>
+                          <a:stretch>
+                            <a:fillRect l="-150129" t="-477273" r="-1028" b="-421212"/>
+                          </a:stretch>
+                        </a:blipFill>
+                      </a:tcPr>
+                    </a:tc>
+                  </a:tr>
+                  <a:tr h="396240">
+                    <a:tc>
+                      <a:txBody>
+                        <a:bodyPr/>
+                        <a:lstStyle/>
+                        <a:p>
+                          <a:r>
+                            <a:rPr lang="en-US" sz="2000" dirty="0" smtClean="0"/>
+                            <a:t>Nikolas</a:t>
+                          </a:r>
+                          <a:endParaRPr lang="en-US" sz="2000" dirty="0"/>
+                        </a:p>
+                      </a:txBody>
+                      <a:tcPr/>
+                    </a:tc>
+                    <a:tc>
+                      <a:txBody>
+                        <a:bodyPr/>
+                        <a:lstStyle/>
+                        <a:p>
+                          <a:endParaRPr lang="en-US"/>
+                        </a:p>
+                      </a:txBody>
+                      <a:tcPr>
+                        <a:blipFill rotWithShape="0">
+                          <a:blip r:embed="rId2"/>
+                          <a:stretch>
+                            <a:fillRect l="-150129" t="-586154" r="-1028" b="-327692"/>
+                          </a:stretch>
+                        </a:blipFill>
+                      </a:tcPr>
+                    </a:tc>
+                  </a:tr>
+                  <a:tr h="396240">
+                    <a:tc>
+                      <a:txBody>
+                        <a:bodyPr/>
+                        <a:lstStyle/>
+                        <a:p>
+                          <a:r>
+                            <a:rPr lang="en-US" sz="2000" dirty="0" smtClean="0"/>
+                            <a:t>Samuel</a:t>
+                          </a:r>
+                          <a:endParaRPr lang="en-US" sz="2000" dirty="0"/>
+                        </a:p>
+                      </a:txBody>
+                      <a:tcPr/>
+                    </a:tc>
+                    <a:tc>
+                      <a:txBody>
+                        <a:bodyPr/>
+                        <a:lstStyle/>
+                        <a:p>
+                          <a:endParaRPr lang="en-US"/>
+                        </a:p>
+                      </a:txBody>
+                      <a:tcPr>
+                        <a:blipFill rotWithShape="0">
+                          <a:blip r:embed="rId2"/>
+                          <a:stretch>
+                            <a:fillRect l="-150129" t="-686154" r="-1028" b="-227692"/>
+                          </a:stretch>
+                        </a:blipFill>
+                      </a:tcPr>
+                    </a:tc>
+                  </a:tr>
+                  <a:tr h="396240">
+                    <a:tc>
+                      <a:txBody>
+                        <a:bodyPr/>
+                        <a:lstStyle/>
+                        <a:p>
+                          <a:r>
+                            <a:rPr lang="en-US" sz="2000" dirty="0" smtClean="0"/>
+                            <a:t>Elmo</a:t>
+                          </a:r>
+                          <a:endParaRPr lang="en-US" sz="2000" dirty="0"/>
+                        </a:p>
+                      </a:txBody>
+                      <a:tcPr/>
+                    </a:tc>
+                    <a:tc>
+                      <a:txBody>
+                        <a:bodyPr/>
+                        <a:lstStyle/>
+                        <a:p>
+                          <a:endParaRPr lang="en-US"/>
+                        </a:p>
+                      </a:txBody>
+                      <a:tcPr>
+                        <a:blipFill rotWithShape="0">
+                          <a:blip r:embed="rId2"/>
+                          <a:stretch>
+                            <a:fillRect l="-150129" t="-786154" r="-1028" b="-127692"/>
+                          </a:stretch>
+                        </a:blipFill>
+                      </a:tcPr>
+                    </a:tc>
+                  </a:tr>
+                  <a:tr h="396240">
+                    <a:tc>
+                      <a:txBody>
+                        <a:bodyPr/>
+                        <a:lstStyle/>
+                        <a:p>
+                          <a:r>
+                            <a:rPr lang="en-US" sz="2000" b="1" dirty="0" smtClean="0"/>
+                            <a:t>Average</a:t>
+                          </a:r>
+                          <a:endParaRPr lang="en-US" sz="2000" b="1" dirty="0"/>
+                        </a:p>
+                      </a:txBody>
+                      <a:tcPr/>
+                    </a:tc>
+                    <a:tc>
+                      <a:txBody>
+                        <a:bodyPr/>
+                        <a:lstStyle/>
+                        <a:p>
+                          <a:pPr algn="ctr"/>
+                          <a:r>
+                            <a:rPr lang="en-US" sz="2000" dirty="0" smtClean="0"/>
+                            <a:t>84.51%</a:t>
+                          </a:r>
+                          <a:endParaRPr lang="en-US" sz="2000" dirty="0"/>
+                        </a:p>
+                      </a:txBody>
+                      <a:tcPr/>
+                    </a:tc>
+                  </a:tr>
+                </a:tbl>
+              </a:graphicData>
+            </a:graphic>
+          </p:graphicFrame>
+        </mc:Fallback>
+      </mc:AlternateContent>
+    </p:spTree>
+    <p:extLst>
+      <p:ext uri="{BB962C8B-B14F-4D97-AF65-F5344CB8AC3E}">
+        <p14:creationId xmlns:p14="http://schemas.microsoft.com/office/powerpoint/2010/main" val="1110852930"/>
+      </p:ext>
+    </p:extLst>
+  </p:cSld>
+  <p:clrMapOvr>
+    <a:masterClrMapping/>
+  </p:clrMapOvr>
+  <p:timing>
+    <p:tnLst>
+      <p:par>
+        <p:cTn id="1" dur="indefinite" restart="never" nodeType="tmRoot"/>
+      </p:par>
+    </p:tnLst>
+  </p:timing>
+</p:sld>
+</file>
+
+<file path=ppt/slides/slide18.xml><?xml version="1.0" encoding="utf-8"?>
+<p:sld xmlns:a="http://schemas.openxmlformats.org/drawingml/2006/main" xmlns:r="http://schemas.openxmlformats.org/officeDocument/2006/relationships" xmlns:p="http://schemas.openxmlformats.org/presentationml/2006/main">
+  <p:cSld>
+    <p:spTree>
+      <p:nvGrpSpPr>
+        <p:cNvPr id="1" name=""/>
+        <p:cNvGrpSpPr/>
+        <p:nvPr/>
+      </p:nvGrpSpPr>
+      <p:grpSpPr>
+        <a:xfrm>
+          <a:off x="0" y="0"/>
+          <a:ext cx="0" cy="0"/>
+          <a:chOff x="0" y="0"/>
+          <a:chExt cx="0" cy="0"/>
+        </a:xfrm>
+      </p:grpSpPr>
+      <p:sp>
+        <p:nvSpPr>
+          <p:cNvPr id="4" name="Title 1"/>
+          <p:cNvSpPr txBox="1">
+            <a:spLocks/>
+          </p:cNvSpPr>
+          <p:nvPr/>
+        </p:nvSpPr>
+        <p:spPr>
+          <a:xfrm>
+            <a:off x="838200" y="365125"/>
+            <a:ext cx="10515600" cy="1325563"/>
+          </a:xfrm>
+          <a:prstGeom prst="rect">
+            <a:avLst/>
+          </a:prstGeom>
+        </p:spPr>
+        <p:txBody>
+          <a:bodyPr vert="horz" lIns="91440" tIns="45720" rIns="91440" bIns="45720" rtlCol="0" anchor="ctr">
+            <a:normAutofit/>
+          </a:bodyPr>
+          <a:lstStyle>
+            <a:lvl1pPr algn="l" defTabSz="914400" rtl="0" eaLnBrk="1" latinLnBrk="0" hangingPunct="1">
+              <a:lnSpc>
+                <a:spcPct val="90000"/>
+              </a:lnSpc>
+              <a:spcBef>
+                <a:spcPct val="0"/>
+              </a:spcBef>
+              <a:buNone/>
+              <a:defRPr sz="4400" kern="1200">
+                <a:solidFill>
+                  <a:schemeClr val="tx1"/>
+                </a:solidFill>
+                <a:latin typeface="+mj-lt"/>
+                <a:ea typeface="+mj-ea"/>
+                <a:cs typeface="+mj-cs"/>
+              </a:defRPr>
+            </a:lvl1pPr>
+          </a:lstStyle>
+          <a:p>
+            <a:r>
+              <a:rPr lang="en-US" b="1" dirty="0" smtClean="0"/>
+              <a:t>LOO </a:t>
+            </a:r>
+            <a:r>
+              <a:rPr lang="en-US" b="1" dirty="0" smtClean="0"/>
+              <a:t>(7 PERSONS </a:t>
+            </a:r>
+            <a:r>
+              <a:rPr lang="mr-IN" b="1" dirty="0" smtClean="0"/>
+              <a:t>–</a:t>
+            </a:r>
+            <a:r>
+              <a:rPr lang="en-US" b="1" dirty="0" smtClean="0"/>
+              <a:t> </a:t>
+            </a:r>
+            <a:r>
+              <a:rPr lang="en-US" b="1" i="1" u="sng" dirty="0" smtClean="0"/>
+              <a:t>without </a:t>
+            </a:r>
+            <a:r>
+              <a:rPr lang="en-US" b="1" i="1" u="sng" dirty="0" err="1" smtClean="0"/>
+              <a:t>Richsen</a:t>
+            </a:r>
+            <a:r>
+              <a:rPr lang="en-US" b="1" dirty="0" smtClean="0"/>
+              <a:t>)</a:t>
+            </a:r>
+            <a:endParaRPr lang="en-US" b="1" dirty="0"/>
+          </a:p>
+        </p:txBody>
+      </p:sp>
+      <p:sp>
+        <p:nvSpPr>
+          <p:cNvPr id="5" name="Content Placeholder 2"/>
+          <p:cNvSpPr txBox="1">
+            <a:spLocks/>
+          </p:cNvSpPr>
+          <p:nvPr/>
+        </p:nvSpPr>
+        <p:spPr>
+          <a:xfrm>
+            <a:off x="838200" y="1482436"/>
+            <a:ext cx="10515600" cy="4694527"/>
+          </a:xfrm>
+          <a:prstGeom prst="rect">
+            <a:avLst/>
+          </a:prstGeom>
+        </p:spPr>
+        <p:txBody>
+          <a:bodyPr vert="horz" lIns="91440" tIns="45720" rIns="91440" bIns="45720" rtlCol="0">
+            <a:normAutofit/>
+          </a:bodyPr>
+          <a:lstStyle>
+            <a:lvl1pPr marL="228600" indent="-228600" algn="l" defTabSz="914400" rtl="0" eaLnBrk="1" latinLnBrk="0" hangingPunct="1">
+              <a:lnSpc>
+                <a:spcPct val="90000"/>
+              </a:lnSpc>
+              <a:spcBef>
+                <a:spcPts val="1000"/>
+              </a:spcBef>
+              <a:buFont typeface="Arial"/>
+              <a:buChar char="•"/>
+              <a:defRPr sz="2800" kern="1200">
+                <a:solidFill>
+                  <a:schemeClr val="tx1"/>
+                </a:solidFill>
+                <a:latin typeface="+mn-lt"/>
+                <a:ea typeface="+mn-ea"/>
+                <a:cs typeface="+mn-cs"/>
+              </a:defRPr>
+            </a:lvl1pPr>
+            <a:lvl2pPr marL="685800" indent="-228600" algn="l" defTabSz="914400" rtl="0" eaLnBrk="1" latinLnBrk="0" hangingPunct="1">
+              <a:lnSpc>
+                <a:spcPct val="90000"/>
+              </a:lnSpc>
+              <a:spcBef>
+                <a:spcPts val="500"/>
+              </a:spcBef>
+              <a:buFont typeface="Arial"/>
+              <a:buChar char="•"/>
+              <a:defRPr sz="2400" kern="1200">
+                <a:solidFill>
+                  <a:schemeClr val="tx1"/>
+                </a:solidFill>
+                <a:latin typeface="+mn-lt"/>
+                <a:ea typeface="+mn-ea"/>
+                <a:cs typeface="+mn-cs"/>
+              </a:defRPr>
+            </a:lvl2pPr>
+            <a:lvl3pPr marL="1143000" indent="-228600" algn="l" defTabSz="914400" rtl="0" eaLnBrk="1" latinLnBrk="0" hangingPunct="1">
+              <a:lnSpc>
+                <a:spcPct val="90000"/>
+              </a:lnSpc>
+              <a:spcBef>
+                <a:spcPts val="500"/>
+              </a:spcBef>
+              <a:buFont typeface="Arial"/>
+              <a:buChar char="•"/>
+              <a:defRPr sz="2000" kern="1200">
+                <a:solidFill>
+                  <a:schemeClr val="tx1"/>
+                </a:solidFill>
+                <a:latin typeface="+mn-lt"/>
+                <a:ea typeface="+mn-ea"/>
+                <a:cs typeface="+mn-cs"/>
+              </a:defRPr>
+            </a:lvl3pPr>
+            <a:lvl4pPr marL="1600200" indent="-228600" algn="l" defTabSz="914400" rtl="0" eaLnBrk="1" latinLnBrk="0" hangingPunct="1">
+              <a:lnSpc>
+                <a:spcPct val="90000"/>
+              </a:lnSpc>
+              <a:spcBef>
+                <a:spcPts val="500"/>
+              </a:spcBef>
+              <a:buFont typeface="Arial"/>
+              <a:buChar char="•"/>
+              <a:defRPr sz="1800" kern="1200">
+                <a:solidFill>
+                  <a:schemeClr val="tx1"/>
+                </a:solidFill>
+                <a:latin typeface="+mn-lt"/>
+                <a:ea typeface="+mn-ea"/>
+                <a:cs typeface="+mn-cs"/>
+              </a:defRPr>
+            </a:lvl4pPr>
+            <a:lvl5pPr marL="2057400" indent="-228600" algn="l" defTabSz="914400" rtl="0" eaLnBrk="1" latinLnBrk="0" hangingPunct="1">
+              <a:lnSpc>
+                <a:spcPct val="90000"/>
+              </a:lnSpc>
+              <a:spcBef>
+                <a:spcPts val="500"/>
+              </a:spcBef>
+              <a:buFont typeface="Arial"/>
+              <a:buChar char="•"/>
+              <a:defRPr sz="1800" kern="1200">
+                <a:solidFill>
+                  <a:schemeClr val="tx1"/>
+                </a:solidFill>
+                <a:latin typeface="+mn-lt"/>
+                <a:ea typeface="+mn-ea"/>
+                <a:cs typeface="+mn-cs"/>
+              </a:defRPr>
+            </a:lvl5pPr>
+            <a:lvl6pPr marL="2514600" indent="-228600" algn="l" defTabSz="914400" rtl="0" eaLnBrk="1" latinLnBrk="0" hangingPunct="1">
+              <a:lnSpc>
+                <a:spcPct val="90000"/>
+              </a:lnSpc>
+              <a:spcBef>
+                <a:spcPts val="500"/>
+              </a:spcBef>
+              <a:buFont typeface="Arial"/>
+              <a:buChar char="•"/>
+              <a:defRPr sz="1800" kern="1200">
+                <a:solidFill>
+                  <a:schemeClr val="tx1"/>
+                </a:solidFill>
+                <a:latin typeface="+mn-lt"/>
+                <a:ea typeface="+mn-ea"/>
+                <a:cs typeface="+mn-cs"/>
+              </a:defRPr>
+            </a:lvl6pPr>
+            <a:lvl7pPr marL="2971800" indent="-228600" algn="l" defTabSz="914400" rtl="0" eaLnBrk="1" latinLnBrk="0" hangingPunct="1">
+              <a:lnSpc>
+                <a:spcPct val="90000"/>
+              </a:lnSpc>
+              <a:spcBef>
+                <a:spcPts val="500"/>
+              </a:spcBef>
+              <a:buFont typeface="Arial"/>
+              <a:buChar char="•"/>
+              <a:defRPr sz="1800" kern="1200">
+                <a:solidFill>
+                  <a:schemeClr val="tx1"/>
+                </a:solidFill>
+                <a:latin typeface="+mn-lt"/>
+                <a:ea typeface="+mn-ea"/>
+                <a:cs typeface="+mn-cs"/>
+              </a:defRPr>
+            </a:lvl7pPr>
+            <a:lvl8pPr marL="3429000" indent="-228600" algn="l" defTabSz="914400" rtl="0" eaLnBrk="1" latinLnBrk="0" hangingPunct="1">
+              <a:lnSpc>
+                <a:spcPct val="90000"/>
+              </a:lnSpc>
+              <a:spcBef>
+                <a:spcPts val="500"/>
+              </a:spcBef>
+              <a:buFont typeface="Arial"/>
+              <a:buChar char="•"/>
+              <a:defRPr sz="1800" kern="1200">
+                <a:solidFill>
+                  <a:schemeClr val="tx1"/>
+                </a:solidFill>
+                <a:latin typeface="+mn-lt"/>
+                <a:ea typeface="+mn-ea"/>
+                <a:cs typeface="+mn-cs"/>
+              </a:defRPr>
+            </a:lvl8pPr>
+            <a:lvl9pPr marL="3886200" indent="-228600" algn="l" defTabSz="914400" rtl="0" eaLnBrk="1" latinLnBrk="0" hangingPunct="1">
+              <a:lnSpc>
+                <a:spcPct val="90000"/>
+              </a:lnSpc>
+              <a:spcBef>
+                <a:spcPts val="500"/>
+              </a:spcBef>
+              <a:buFont typeface="Arial"/>
+              <a:buChar char="•"/>
+              <a:defRPr sz="1800" kern="1200">
+                <a:solidFill>
+                  <a:schemeClr val="tx1"/>
+                </a:solidFill>
+                <a:latin typeface="+mn-lt"/>
+                <a:ea typeface="+mn-ea"/>
+                <a:cs typeface="+mn-cs"/>
+              </a:defRPr>
+            </a:lvl9pPr>
+          </a:lstStyle>
+          <a:p>
+            <a:r>
+              <a:rPr lang="en-US" sz="2400" dirty="0" smtClean="0"/>
+              <a:t>14 Activities (</a:t>
+            </a:r>
+            <a:r>
+              <a:rPr lang="en-US" sz="2400" b="1" i="1" u="sng" dirty="0" smtClean="0"/>
+              <a:t>without Eating</a:t>
+            </a:r>
+            <a:r>
+              <a:rPr lang="en-US" sz="2400" dirty="0" smtClean="0"/>
+              <a:t>)</a:t>
+            </a:r>
+          </a:p>
+          <a:p>
+            <a:r>
+              <a:rPr lang="en-US" sz="2400" b="1" dirty="0" smtClean="0"/>
+              <a:t>SVM </a:t>
+            </a:r>
+            <a:r>
+              <a:rPr lang="en-US" sz="2400" dirty="0" smtClean="0">
+                <a:sym typeface="Wingdings"/>
+              </a:rPr>
+              <a:t> </a:t>
+            </a:r>
+            <a:r>
+              <a:rPr lang="en-US" sz="2400" dirty="0" smtClean="0">
+                <a:sym typeface="Wingdings"/>
+              </a:rPr>
+              <a:t>C = 1, Gamma = 0.5</a:t>
+            </a:r>
+            <a:r>
+              <a:rPr lang="en-US" sz="2400" dirty="0" smtClean="0">
+                <a:sym typeface="Wingdings"/>
+              </a:rPr>
+              <a:t>, </a:t>
+            </a:r>
+            <a:r>
+              <a:rPr lang="en-US" sz="2400" dirty="0" smtClean="0">
+                <a:sym typeface="Wingdings"/>
+              </a:rPr>
+              <a:t>3 times per </a:t>
+            </a:r>
+            <a:r>
+              <a:rPr lang="en-US" sz="2400" dirty="0" smtClean="0">
+                <a:sym typeface="Wingdings"/>
+              </a:rPr>
+              <a:t>subject</a:t>
+            </a:r>
+            <a:endParaRPr lang="en-US" sz="2400" dirty="0" smtClean="0"/>
+          </a:p>
+          <a:p>
+            <a:endParaRPr lang="en-US" sz="2400" dirty="0"/>
+          </a:p>
+        </p:txBody>
+      </p:sp>
+      <mc:AlternateContent xmlns:mc="http://schemas.openxmlformats.org/markup-compatibility/2006">
+        <mc:Choice xmlns:a14="http://schemas.microsoft.com/office/drawing/2010/main" Requires="a14">
+          <p:graphicFrame>
+            <p:nvGraphicFramePr>
+              <p:cNvPr id="6" name="Table 5"/>
+              <p:cNvGraphicFramePr>
+                <a:graphicFrameLocks noGrp="1"/>
+              </p:cNvGraphicFramePr>
+              <p:nvPr>
+                <p:extLst>
+                  <p:ext uri="{D42A27DB-BD31-4B8C-83A1-F6EECF244321}">
+                    <p14:modId xmlns:p14="http://schemas.microsoft.com/office/powerpoint/2010/main" val="777817613"/>
+                  </p:ext>
+                </p:extLst>
+              </p:nvPr>
+            </p:nvGraphicFramePr>
+            <p:xfrm>
+              <a:off x="3134876" y="2430694"/>
+              <a:ext cx="5922247" cy="3870960"/>
+            </p:xfrm>
+            <a:graphic>
+              <a:graphicData uri="http://schemas.openxmlformats.org/drawingml/2006/table">
+                <a:tbl>
+                  <a:tblPr firstRow="1" bandRow="1">
+                    <a:tableStyleId>{5C22544A-7EE6-4342-B048-85BDC9FD1C3A}</a:tableStyleId>
+                  </a:tblPr>
+                  <a:tblGrid>
+                    <a:gridCol w="3552391"/>
+                    <a:gridCol w="2369856"/>
+                  </a:tblGrid>
+                  <a:tr h="370840">
+                    <a:tc>
+                      <a:txBody>
+                        <a:bodyPr/>
+                        <a:lstStyle/>
+                        <a:p>
+                          <a:pPr algn="ctr"/>
+                          <a:r>
+                            <a:rPr lang="en-US" sz="2000" dirty="0" smtClean="0"/>
+                            <a:t>LOO Subject</a:t>
+                          </a:r>
+                          <a:endParaRPr lang="en-US" sz="2000" dirty="0"/>
+                        </a:p>
+                      </a:txBody>
+                      <a:tcPr/>
+                    </a:tc>
+                    <a:tc>
+                      <a:txBody>
+                        <a:bodyPr/>
+                        <a:lstStyle/>
+                        <a:p>
+                          <a:pPr algn="ctr"/>
+                          <a:r>
+                            <a:rPr lang="en-US" sz="2000" dirty="0" smtClean="0"/>
+                            <a:t>Accurac</a:t>
+                          </a:r>
+                          <a:r>
+                            <a:rPr lang="en-US" sz="2000" baseline="0" dirty="0" smtClean="0"/>
+                            <a:t>y Mean</a:t>
+                          </a:r>
+                        </a:p>
+                        <a:p>
+                          <a:pPr algn="ctr"/>
+                          <a:r>
+                            <a:rPr lang="en-US" sz="2000" baseline="0" dirty="0" smtClean="0"/>
+                            <a:t>(SP + SW)</a:t>
+                          </a:r>
+                          <a:endParaRPr lang="en-US" sz="2000" dirty="0"/>
+                        </a:p>
+                      </a:txBody>
+                      <a:tcPr/>
+                    </a:tc>
+                  </a:tr>
+                  <a:tr h="370840">
+                    <a:tc>
+                      <a:txBody>
+                        <a:bodyPr/>
+                        <a:lstStyle/>
+                        <a:p>
+                          <a:r>
+                            <a:rPr lang="en-US" sz="2000" dirty="0" smtClean="0"/>
+                            <a:t>Edwin</a:t>
+                          </a:r>
+                          <a:endParaRPr lang="en-US" sz="2000" dirty="0"/>
+                        </a:p>
+                      </a:txBody>
+                      <a:tcPr/>
+                    </a:tc>
+                    <a:tc>
+                      <a:txBody>
+                        <a:bodyPr/>
+                        <a:lstStyle/>
+                        <a:p>
+                          <a:pPr marL="0" marR="0" indent="0" algn="ctr" defTabSz="914400" rtl="0" eaLnBrk="1" fontAlgn="auto" latinLnBrk="0" hangingPunct="1">
+                            <a:lnSpc>
+                              <a:spcPct val="100000"/>
+                            </a:lnSpc>
+                            <a:spcBef>
+                              <a:spcPts val="0"/>
+                            </a:spcBef>
+                            <a:spcAft>
+                              <a:spcPts val="0"/>
+                            </a:spcAft>
+                            <a:buClrTx/>
+                            <a:buSzTx/>
+                            <a:buFontTx/>
+                            <a:buNone/>
+                            <a:tabLst/>
+                            <a:defRPr/>
+                          </a:pPr>
+                          <a:r>
+                            <a:rPr lang="en-US" sz="2000" dirty="0" smtClean="0">
+                              <a:ea typeface="Cambria Math" charset="0"/>
+                              <a:cs typeface="Cambria Math" charset="0"/>
+                            </a:rPr>
+                            <a:t>89.03%</a:t>
+                          </a:r>
+                          <a:r>
+                            <a:rPr lang="en-US" sz="2000" baseline="0" dirty="0" smtClean="0">
+                              <a:ea typeface="Cambria Math" charset="0"/>
+                              <a:cs typeface="Cambria Math" charset="0"/>
+                            </a:rPr>
+                            <a:t> </a:t>
+                          </a:r>
+                          <a14:m>
+                            <m:oMath xmlns:m="http://schemas.openxmlformats.org/officeDocument/2006/math">
+                              <m:r>
+                                <a:rPr lang="en-US" sz="2000" i="1" smtClean="0">
+                                  <a:latin typeface="Cambria Math" charset="0"/>
+                                  <a:ea typeface="Cambria Math" charset="0"/>
+                                  <a:cs typeface="Cambria Math" charset="0"/>
+                                </a:rPr>
+                                <m:t>±</m:t>
+                              </m:r>
+                            </m:oMath>
+                          </a14:m>
+                          <a:r>
+                            <a:rPr lang="en-US" sz="2000" dirty="0" smtClean="0"/>
+                            <a:t> </a:t>
+                          </a:r>
+                          <a:r>
+                            <a:rPr lang="en-US" sz="2000" dirty="0" smtClean="0"/>
+                            <a:t>0.00%</a:t>
+                          </a:r>
+                          <a:endParaRPr lang="en-US" sz="2000" dirty="0"/>
+                        </a:p>
+                      </a:txBody>
+                      <a:tcPr/>
+                    </a:tc>
+                  </a:tr>
+                  <a:tr h="370840">
+                    <a:tc>
+                      <a:txBody>
+                        <a:bodyPr/>
+                        <a:lstStyle/>
+                        <a:p>
+                          <a:r>
+                            <a:rPr lang="en-US" sz="2000" dirty="0" smtClean="0"/>
+                            <a:t>Lauren</a:t>
+                          </a:r>
+                          <a:endParaRPr lang="en-US" sz="2000" dirty="0"/>
+                        </a:p>
+                      </a:txBody>
+                      <a:tcPr/>
+                    </a:tc>
+                    <a:tc>
+                      <a:txBody>
+                        <a:bodyPr/>
+                        <a:lstStyle/>
+                        <a:p>
+                          <a:pPr algn="ctr"/>
+                          <a:r>
+                            <a:rPr lang="en-US" sz="2000" dirty="0" smtClean="0">
+                              <a:ea typeface="Cambria Math" charset="0"/>
+                              <a:cs typeface="Cambria Math" charset="0"/>
+                            </a:rPr>
+                            <a:t>81.10%</a:t>
+                          </a:r>
+                          <a:r>
+                            <a:rPr lang="en-US" sz="2000" baseline="0" dirty="0" smtClean="0">
+                              <a:ea typeface="Cambria Math" charset="0"/>
+                              <a:cs typeface="Cambria Math" charset="0"/>
+                            </a:rPr>
+                            <a:t> </a:t>
+                          </a:r>
+                          <a14:m>
+                            <m:oMath xmlns:m="http://schemas.openxmlformats.org/officeDocument/2006/math">
+                              <m:r>
+                                <a:rPr lang="en-US" sz="2000" i="1" smtClean="0">
+                                  <a:latin typeface="Cambria Math" charset="0"/>
+                                  <a:ea typeface="Cambria Math" charset="0"/>
+                                  <a:cs typeface="Cambria Math" charset="0"/>
+                                </a:rPr>
+                                <m:t>±</m:t>
+                              </m:r>
+                            </m:oMath>
+                          </a14:m>
+                          <a:r>
+                            <a:rPr lang="en-US" sz="2000" dirty="0" smtClean="0"/>
+                            <a:t> </a:t>
+                          </a:r>
+                          <a:r>
+                            <a:rPr lang="en-US" sz="2000" dirty="0" smtClean="0"/>
+                            <a:t>0.00%</a:t>
+                          </a:r>
+                          <a:endParaRPr lang="en-US" sz="2000" dirty="0"/>
+                        </a:p>
+                      </a:txBody>
+                      <a:tcPr/>
+                    </a:tc>
+                  </a:tr>
+                  <a:tr h="370840">
+                    <a:tc>
+                      <a:txBody>
+                        <a:bodyPr/>
+                        <a:lstStyle/>
+                        <a:p>
+                          <a:r>
+                            <a:rPr lang="en-US" sz="2000" dirty="0" err="1" smtClean="0"/>
+                            <a:t>Shelina</a:t>
+                          </a:r>
+                          <a:endParaRPr lang="en-US" sz="2000" dirty="0"/>
+                        </a:p>
+                      </a:txBody>
+                      <a:tcPr/>
+                    </a:tc>
+                    <a:tc>
+                      <a:txBody>
+                        <a:bodyPr/>
+                        <a:lstStyle/>
+                        <a:p>
+                          <a:pPr algn="ctr"/>
+                          <a:r>
+                            <a:rPr lang="en-US" sz="2000" dirty="0" smtClean="0">
+                              <a:ea typeface="Cambria Math" charset="0"/>
+                              <a:cs typeface="Cambria Math" charset="0"/>
+                            </a:rPr>
+                            <a:t>71.94%</a:t>
+                          </a:r>
+                          <a:r>
+                            <a:rPr lang="en-US" sz="2000" baseline="0" dirty="0" smtClean="0">
+                              <a:ea typeface="Cambria Math" charset="0"/>
+                              <a:cs typeface="Cambria Math" charset="0"/>
+                            </a:rPr>
+                            <a:t> </a:t>
+                          </a:r>
+                          <a14:m>
+                            <m:oMath xmlns:m="http://schemas.openxmlformats.org/officeDocument/2006/math">
+                              <m:r>
+                                <a:rPr lang="en-US" sz="2000" i="1" smtClean="0">
+                                  <a:latin typeface="Cambria Math" charset="0"/>
+                                  <a:ea typeface="Cambria Math" charset="0"/>
+                                  <a:cs typeface="Cambria Math" charset="0"/>
+                                </a:rPr>
+                                <m:t>±</m:t>
+                              </m:r>
+                            </m:oMath>
+                          </a14:m>
+                          <a:r>
+                            <a:rPr lang="en-US" sz="2000" dirty="0" smtClean="0"/>
+                            <a:t> </a:t>
+                          </a:r>
+                          <a:r>
+                            <a:rPr lang="en-US" sz="2000" dirty="0" smtClean="0"/>
+                            <a:t>0.00%</a:t>
+                          </a:r>
+                          <a:endParaRPr lang="en-US" sz="2000" dirty="0"/>
+                        </a:p>
+                      </a:txBody>
+                      <a:tcPr/>
+                    </a:tc>
+                  </a:tr>
+                  <a:tr h="370840">
+                    <a:tc>
+                      <a:txBody>
+                        <a:bodyPr/>
+                        <a:lstStyle/>
+                        <a:p>
+                          <a:r>
+                            <a:rPr lang="en-US" sz="2000" dirty="0" err="1" smtClean="0"/>
+                            <a:t>Mellita</a:t>
+                          </a:r>
+                          <a:endParaRPr lang="en-US" sz="2000" dirty="0"/>
+                        </a:p>
+                      </a:txBody>
+                      <a:tcPr/>
+                    </a:tc>
+                    <a:tc>
+                      <a:txBody>
+                        <a:bodyPr/>
+                        <a:lstStyle/>
+                        <a:p>
+                          <a:pPr algn="ctr"/>
+                          <a:r>
+                            <a:rPr lang="en-US" sz="2000" dirty="0" smtClean="0">
+                              <a:ea typeface="Cambria Math" charset="0"/>
+                              <a:cs typeface="Cambria Math" charset="0"/>
+                            </a:rPr>
+                            <a:t>83.55%</a:t>
+                          </a:r>
+                          <a:r>
+                            <a:rPr lang="en-US" sz="2000" baseline="0" dirty="0" smtClean="0">
+                              <a:ea typeface="Cambria Math" charset="0"/>
+                              <a:cs typeface="Cambria Math" charset="0"/>
+                            </a:rPr>
+                            <a:t> </a:t>
+                          </a:r>
+                          <a14:m>
+                            <m:oMath xmlns:m="http://schemas.openxmlformats.org/officeDocument/2006/math">
+                              <m:r>
+                                <a:rPr lang="en-US" sz="2000" i="1" smtClean="0">
+                                  <a:latin typeface="Cambria Math" charset="0"/>
+                                  <a:ea typeface="Cambria Math" charset="0"/>
+                                  <a:cs typeface="Cambria Math" charset="0"/>
+                                </a:rPr>
+                                <m:t>±</m:t>
+                              </m:r>
+                            </m:oMath>
+                          </a14:m>
+                          <a:r>
+                            <a:rPr lang="en-US" sz="2000" dirty="0" smtClean="0"/>
+                            <a:t> </a:t>
+                          </a:r>
+                          <a:r>
+                            <a:rPr lang="en-US" sz="2000" dirty="0" smtClean="0"/>
+                            <a:t>0.00%</a:t>
+                          </a:r>
+                          <a:endParaRPr lang="en-US" sz="2000" dirty="0"/>
+                        </a:p>
+                      </a:txBody>
+                      <a:tcPr/>
+                    </a:tc>
+                  </a:tr>
+                  <a:tr h="370840">
+                    <a:tc>
+                      <a:txBody>
+                        <a:bodyPr/>
+                        <a:lstStyle/>
+                        <a:p>
+                          <a:r>
+                            <a:rPr lang="en-US" sz="2000" dirty="0" smtClean="0"/>
+                            <a:t>Nikolas</a:t>
+                          </a:r>
+                          <a:endParaRPr lang="en-US" sz="2000" dirty="0"/>
+                        </a:p>
+                      </a:txBody>
+                      <a:tcPr/>
+                    </a:tc>
+                    <a:tc>
+                      <a:txBody>
+                        <a:bodyPr/>
+                        <a:lstStyle/>
+                        <a:p>
+                          <a:pPr algn="ctr"/>
+                          <a:r>
+                            <a:rPr lang="en-US" sz="2000" dirty="0" smtClean="0">
+                              <a:ea typeface="Cambria Math" charset="0"/>
+                              <a:cs typeface="Cambria Math" charset="0"/>
+                            </a:rPr>
+                            <a:t>93.05%</a:t>
+                          </a:r>
+                          <a:r>
+                            <a:rPr lang="en-US" sz="2000" baseline="0" dirty="0" smtClean="0">
+                              <a:ea typeface="Cambria Math" charset="0"/>
+                              <a:cs typeface="Cambria Math" charset="0"/>
+                            </a:rPr>
+                            <a:t> </a:t>
+                          </a:r>
+                          <a14:m>
+                            <m:oMath xmlns:m="http://schemas.openxmlformats.org/officeDocument/2006/math">
+                              <m:r>
+                                <a:rPr lang="en-US" sz="2000" i="1" smtClean="0">
+                                  <a:latin typeface="Cambria Math" charset="0"/>
+                                  <a:ea typeface="Cambria Math" charset="0"/>
+                                  <a:cs typeface="Cambria Math" charset="0"/>
+                                </a:rPr>
+                                <m:t>±</m:t>
+                              </m:r>
+                            </m:oMath>
+                          </a14:m>
+                          <a:r>
+                            <a:rPr lang="en-US" sz="2000" dirty="0" smtClean="0"/>
+                            <a:t> </a:t>
+                          </a:r>
+                          <a:r>
+                            <a:rPr lang="en-US" sz="2000" dirty="0" smtClean="0"/>
+                            <a:t>0.00%</a:t>
+                          </a:r>
+                          <a:endParaRPr lang="en-US" sz="2000" dirty="0"/>
+                        </a:p>
+                      </a:txBody>
+                      <a:tcPr/>
+                    </a:tc>
+                  </a:tr>
+                  <a:tr h="370840">
+                    <a:tc>
+                      <a:txBody>
+                        <a:bodyPr/>
+                        <a:lstStyle/>
+                        <a:p>
+                          <a:r>
+                            <a:rPr lang="en-US" sz="2000" dirty="0" smtClean="0"/>
+                            <a:t>Samuel</a:t>
+                          </a:r>
+                          <a:endParaRPr lang="en-US" sz="2000" dirty="0"/>
+                        </a:p>
+                      </a:txBody>
+                      <a:tcPr/>
+                    </a:tc>
+                    <a:tc>
+                      <a:txBody>
+                        <a:bodyPr/>
+                        <a:lstStyle/>
+                        <a:p>
+                          <a:pPr marL="0" marR="0" indent="0" algn="ctr" defTabSz="914400" rtl="0" eaLnBrk="1" fontAlgn="auto" latinLnBrk="0" hangingPunct="1">
+                            <a:lnSpc>
+                              <a:spcPct val="100000"/>
+                            </a:lnSpc>
+                            <a:spcBef>
+                              <a:spcPts val="0"/>
+                            </a:spcBef>
+                            <a:spcAft>
+                              <a:spcPts val="0"/>
+                            </a:spcAft>
+                            <a:buClrTx/>
+                            <a:buSzTx/>
+                            <a:buFontTx/>
+                            <a:buNone/>
+                            <a:tabLst/>
+                            <a:defRPr/>
+                          </a:pPr>
+                          <a:r>
+                            <a:rPr lang="en-US" sz="2000" dirty="0" smtClean="0">
+                              <a:ea typeface="Cambria Math" charset="0"/>
+                              <a:cs typeface="Cambria Math" charset="0"/>
+                            </a:rPr>
+                            <a:t>88.23%</a:t>
+                          </a:r>
+                          <a:r>
+                            <a:rPr lang="en-US" sz="2000" baseline="0" dirty="0" smtClean="0">
+                              <a:ea typeface="Cambria Math" charset="0"/>
+                              <a:cs typeface="Cambria Math" charset="0"/>
+                            </a:rPr>
+                            <a:t> </a:t>
+                          </a:r>
+                          <a14:m>
+                            <m:oMath xmlns:m="http://schemas.openxmlformats.org/officeDocument/2006/math">
+                              <m:r>
+                                <a:rPr lang="en-US" sz="2000" i="1" smtClean="0">
+                                  <a:latin typeface="Cambria Math" charset="0"/>
+                                  <a:ea typeface="Cambria Math" charset="0"/>
+                                  <a:cs typeface="Cambria Math" charset="0"/>
+                                </a:rPr>
+                                <m:t>±</m:t>
+                              </m:r>
+                            </m:oMath>
+                          </a14:m>
+                          <a:r>
+                            <a:rPr lang="en-US" sz="2000" dirty="0" smtClean="0"/>
+                            <a:t> </a:t>
+                          </a:r>
+                          <a:r>
+                            <a:rPr lang="en-US" sz="2000" dirty="0" smtClean="0"/>
+                            <a:t>0.00%</a:t>
+                          </a:r>
+                          <a:endParaRPr lang="en-US" sz="2000" dirty="0"/>
+                        </a:p>
+                      </a:txBody>
+                      <a:tcPr/>
+                    </a:tc>
+                  </a:tr>
+                  <a:tr h="370840">
+                    <a:tc>
+                      <a:txBody>
+                        <a:bodyPr/>
+                        <a:lstStyle/>
+                        <a:p>
+                          <a:r>
+                            <a:rPr lang="en-US" sz="2000" dirty="0" smtClean="0"/>
+                            <a:t>Elmo</a:t>
+                          </a:r>
+                          <a:endParaRPr lang="en-US" sz="2000" dirty="0"/>
+                        </a:p>
+                      </a:txBody>
+                      <a:tcPr/>
+                    </a:tc>
+                    <a:tc>
+                      <a:txBody>
+                        <a:bodyPr/>
+                        <a:lstStyle/>
+                        <a:p>
+                          <a:pPr marL="0" marR="0" indent="0" algn="ctr" defTabSz="914400" rtl="0" eaLnBrk="1" fontAlgn="auto" latinLnBrk="0" hangingPunct="1">
+                            <a:lnSpc>
+                              <a:spcPct val="100000"/>
+                            </a:lnSpc>
+                            <a:spcBef>
+                              <a:spcPts val="0"/>
+                            </a:spcBef>
+                            <a:spcAft>
+                              <a:spcPts val="0"/>
+                            </a:spcAft>
+                            <a:buClrTx/>
+                            <a:buSzTx/>
+                            <a:buFontTx/>
+                            <a:buNone/>
+                            <a:tabLst/>
+                            <a:defRPr/>
+                          </a:pPr>
+                          <a:r>
+                            <a:rPr lang="en-US" sz="2000" dirty="0" smtClean="0">
+                              <a:ea typeface="Cambria Math" charset="0"/>
+                              <a:cs typeface="Cambria Math" charset="0"/>
+                            </a:rPr>
+                            <a:t>70.84%</a:t>
+                          </a:r>
+                          <a:r>
+                            <a:rPr lang="en-US" sz="2000" baseline="0" dirty="0" smtClean="0">
+                              <a:ea typeface="Cambria Math" charset="0"/>
+                              <a:cs typeface="Cambria Math" charset="0"/>
+                            </a:rPr>
+                            <a:t> </a:t>
+                          </a:r>
+                          <a14:m>
+                            <m:oMath xmlns:m="http://schemas.openxmlformats.org/officeDocument/2006/math">
+                              <m:r>
+                                <a:rPr lang="en-US" sz="2000" i="1" smtClean="0">
+                                  <a:latin typeface="Cambria Math" charset="0"/>
+                                  <a:ea typeface="Cambria Math" charset="0"/>
+                                  <a:cs typeface="Cambria Math" charset="0"/>
+                                </a:rPr>
+                                <m:t>±</m:t>
+                              </m:r>
+                            </m:oMath>
+                          </a14:m>
+                          <a:r>
+                            <a:rPr lang="en-US" sz="2000" dirty="0" smtClean="0"/>
+                            <a:t> </a:t>
+                          </a:r>
+                          <a:r>
+                            <a:rPr lang="en-US" sz="2000" dirty="0" smtClean="0"/>
+                            <a:t>0.00%</a:t>
+                          </a:r>
+                          <a:endParaRPr lang="en-US" sz="2000" dirty="0"/>
+                        </a:p>
+                      </a:txBody>
+                      <a:tcPr/>
+                    </a:tc>
+                  </a:tr>
+                  <a:tr h="370840">
+                    <a:tc>
+                      <a:txBody>
+                        <a:bodyPr/>
+                        <a:lstStyle/>
+                        <a:p>
+                          <a:r>
+                            <a:rPr lang="en-US" sz="2000" b="1" dirty="0" smtClean="0"/>
+                            <a:t>Average</a:t>
+                          </a:r>
+                          <a:endParaRPr lang="en-US" sz="2000" b="1" dirty="0"/>
+                        </a:p>
+                      </a:txBody>
+                      <a:tcPr/>
+                    </a:tc>
+                    <a:tc>
+                      <a:txBody>
+                        <a:bodyPr/>
+                        <a:lstStyle/>
+                        <a:p>
+                          <a:pPr algn="ctr"/>
+                          <a:r>
+                            <a:rPr lang="en-US" sz="2000" dirty="0" smtClean="0"/>
+                            <a:t>82.53%</a:t>
+                          </a:r>
+                          <a:endParaRPr lang="en-US" sz="2000" dirty="0"/>
+                        </a:p>
+                      </a:txBody>
+                      <a:tcPr/>
+                    </a:tc>
+                  </a:tr>
+                </a:tbl>
+              </a:graphicData>
+            </a:graphic>
+          </p:graphicFrame>
+        </mc:Choice>
+        <mc:Fallback>
+          <p:graphicFrame>
+            <p:nvGraphicFramePr>
+              <p:cNvPr id="6" name="Table 5"/>
+              <p:cNvGraphicFramePr>
+                <a:graphicFrameLocks noGrp="1"/>
+              </p:cNvGraphicFramePr>
+              <p:nvPr>
+                <p:extLst>
+                  <p:ext uri="{D42A27DB-BD31-4B8C-83A1-F6EECF244321}">
+                    <p14:modId xmlns:p14="http://schemas.microsoft.com/office/powerpoint/2010/main" val="777817613"/>
+                  </p:ext>
+                </p:extLst>
+              </p:nvPr>
+            </p:nvGraphicFramePr>
+            <p:xfrm>
+              <a:off x="3134876" y="2430694"/>
+              <a:ext cx="5922247" cy="3870960"/>
+            </p:xfrm>
+            <a:graphic>
+              <a:graphicData uri="http://schemas.openxmlformats.org/drawingml/2006/table">
+                <a:tbl>
+                  <a:tblPr firstRow="1" bandRow="1">
+                    <a:tableStyleId>{5C22544A-7EE6-4342-B048-85BDC9FD1C3A}</a:tableStyleId>
+                  </a:tblPr>
+                  <a:tblGrid>
+                    <a:gridCol w="3552391"/>
+                    <a:gridCol w="2369856"/>
+                  </a:tblGrid>
+                  <a:tr h="701040">
+                    <a:tc>
+                      <a:txBody>
+                        <a:bodyPr/>
+                        <a:lstStyle/>
+                        <a:p>
+                          <a:pPr algn="ctr"/>
+                          <a:r>
+                            <a:rPr lang="en-US" sz="2000" dirty="0" smtClean="0"/>
+                            <a:t>LOO Subject</a:t>
+                          </a:r>
+                          <a:endParaRPr lang="en-US" sz="2000" dirty="0"/>
+                        </a:p>
+                      </a:txBody>
+                      <a:tcPr/>
+                    </a:tc>
+                    <a:tc>
+                      <a:txBody>
+                        <a:bodyPr/>
+                        <a:lstStyle/>
+                        <a:p>
+                          <a:pPr algn="ctr"/>
+                          <a:r>
+                            <a:rPr lang="en-US" sz="2000" dirty="0" smtClean="0"/>
+                            <a:t>Accurac</a:t>
+                          </a:r>
+                          <a:r>
+                            <a:rPr lang="en-US" sz="2000" baseline="0" dirty="0" smtClean="0"/>
+                            <a:t>y Mean</a:t>
+                          </a:r>
+                        </a:p>
+                        <a:p>
+                          <a:pPr algn="ctr"/>
+                          <a:r>
+                            <a:rPr lang="en-US" sz="2000" baseline="0" dirty="0" smtClean="0"/>
+                            <a:t>(SP + SW)</a:t>
+                          </a:r>
+                          <a:endParaRPr lang="en-US" sz="2000" dirty="0"/>
+                        </a:p>
+                      </a:txBody>
+                      <a:tcPr/>
+                    </a:tc>
+                  </a:tr>
+                  <a:tr h="396240">
+                    <a:tc>
+                      <a:txBody>
+                        <a:bodyPr/>
+                        <a:lstStyle/>
+                        <a:p>
+                          <a:r>
+                            <a:rPr lang="en-US" sz="2000" dirty="0" smtClean="0"/>
+                            <a:t>Edwin</a:t>
+                          </a:r>
+                          <a:endParaRPr lang="en-US" sz="2000" dirty="0"/>
+                        </a:p>
+                      </a:txBody>
+                      <a:tcPr/>
+                    </a:tc>
+                    <a:tc>
+                      <a:txBody>
+                        <a:bodyPr/>
+                        <a:lstStyle/>
+                        <a:p>
+                          <a:endParaRPr lang="en-US"/>
+                        </a:p>
+                      </a:txBody>
+                      <a:tcPr>
+                        <a:blipFill rotWithShape="0">
+                          <a:blip r:embed="rId2"/>
+                          <a:stretch>
+                            <a:fillRect l="-150129" t="-184615" r="-1028" b="-729231"/>
+                          </a:stretch>
+                        </a:blipFill>
+                      </a:tcPr>
+                    </a:tc>
+                  </a:tr>
+                  <a:tr h="396240">
+                    <a:tc>
+                      <a:txBody>
+                        <a:bodyPr/>
+                        <a:lstStyle/>
+                        <a:p>
+                          <a:r>
+                            <a:rPr lang="en-US" sz="2000" dirty="0" smtClean="0"/>
+                            <a:t>Lauren</a:t>
+                          </a:r>
+                          <a:endParaRPr lang="en-US" sz="2000" dirty="0"/>
+                        </a:p>
+                      </a:txBody>
+                      <a:tcPr/>
+                    </a:tc>
+                    <a:tc>
+                      <a:txBody>
+                        <a:bodyPr/>
+                        <a:lstStyle/>
+                        <a:p>
+                          <a:endParaRPr lang="en-US"/>
+                        </a:p>
+                      </a:txBody>
+                      <a:tcPr>
+                        <a:blipFill rotWithShape="0">
+                          <a:blip r:embed="rId2"/>
+                          <a:stretch>
+                            <a:fillRect l="-150129" t="-284615" r="-1028" b="-629231"/>
+                          </a:stretch>
+                        </a:blipFill>
+                      </a:tcPr>
+                    </a:tc>
+                  </a:tr>
+                  <a:tr h="396240">
+                    <a:tc>
+                      <a:txBody>
+                        <a:bodyPr/>
+                        <a:lstStyle/>
+                        <a:p>
+                          <a:r>
+                            <a:rPr lang="en-US" sz="2000" dirty="0" err="1" smtClean="0"/>
+                            <a:t>Shelina</a:t>
+                          </a:r>
+                          <a:endParaRPr lang="en-US" sz="2000" dirty="0"/>
+                        </a:p>
+                      </a:txBody>
+                      <a:tcPr/>
+                    </a:tc>
+                    <a:tc>
+                      <a:txBody>
+                        <a:bodyPr/>
+                        <a:lstStyle/>
+                        <a:p>
+                          <a:endParaRPr lang="en-US"/>
+                        </a:p>
+                      </a:txBody>
+                      <a:tcPr>
+                        <a:blipFill rotWithShape="0">
+                          <a:blip r:embed="rId2"/>
+                          <a:stretch>
+                            <a:fillRect l="-150129" t="-384615" r="-1028" b="-529231"/>
+                          </a:stretch>
+                        </a:blipFill>
+                      </a:tcPr>
+                    </a:tc>
+                  </a:tr>
+                  <a:tr h="396240">
+                    <a:tc>
+                      <a:txBody>
+                        <a:bodyPr/>
+                        <a:lstStyle/>
+                        <a:p>
+                          <a:r>
+                            <a:rPr lang="en-US" sz="2000" dirty="0" err="1" smtClean="0"/>
+                            <a:t>Mellita</a:t>
+                          </a:r>
+                          <a:endParaRPr lang="en-US" sz="2000" dirty="0"/>
+                        </a:p>
+                      </a:txBody>
+                      <a:tcPr/>
+                    </a:tc>
+                    <a:tc>
+                      <a:txBody>
+                        <a:bodyPr/>
+                        <a:lstStyle/>
+                        <a:p>
+                          <a:endParaRPr lang="en-US"/>
+                        </a:p>
+                      </a:txBody>
+                      <a:tcPr>
+                        <a:blipFill rotWithShape="0">
+                          <a:blip r:embed="rId2"/>
+                          <a:stretch>
+                            <a:fillRect l="-150129" t="-477273" r="-1028" b="-421212"/>
+                          </a:stretch>
+                        </a:blipFill>
+                      </a:tcPr>
+                    </a:tc>
+                  </a:tr>
+                  <a:tr h="396240">
+                    <a:tc>
+                      <a:txBody>
+                        <a:bodyPr/>
+                        <a:lstStyle/>
+                        <a:p>
+                          <a:r>
+                            <a:rPr lang="en-US" sz="2000" dirty="0" smtClean="0"/>
+                            <a:t>Nikolas</a:t>
+                          </a:r>
+                          <a:endParaRPr lang="en-US" sz="2000" dirty="0"/>
+                        </a:p>
+                      </a:txBody>
+                      <a:tcPr/>
+                    </a:tc>
+                    <a:tc>
+                      <a:txBody>
+                        <a:bodyPr/>
+                        <a:lstStyle/>
+                        <a:p>
+                          <a:endParaRPr lang="en-US"/>
+                        </a:p>
+                      </a:txBody>
+                      <a:tcPr>
+                        <a:blipFill rotWithShape="0">
+                          <a:blip r:embed="rId2"/>
+                          <a:stretch>
+                            <a:fillRect l="-150129" t="-586154" r="-1028" b="-327692"/>
+                          </a:stretch>
+                        </a:blipFill>
+                      </a:tcPr>
+                    </a:tc>
+                  </a:tr>
+                  <a:tr h="396240">
+                    <a:tc>
+                      <a:txBody>
+                        <a:bodyPr/>
+                        <a:lstStyle/>
+                        <a:p>
+                          <a:r>
+                            <a:rPr lang="en-US" sz="2000" dirty="0" smtClean="0"/>
+                            <a:t>Samuel</a:t>
+                          </a:r>
+                          <a:endParaRPr lang="en-US" sz="2000" dirty="0"/>
+                        </a:p>
+                      </a:txBody>
+                      <a:tcPr/>
+                    </a:tc>
+                    <a:tc>
+                      <a:txBody>
+                        <a:bodyPr/>
+                        <a:lstStyle/>
+                        <a:p>
+                          <a:endParaRPr lang="en-US"/>
+                        </a:p>
+                      </a:txBody>
+                      <a:tcPr>
+                        <a:blipFill rotWithShape="0">
+                          <a:blip r:embed="rId2"/>
+                          <a:stretch>
+                            <a:fillRect l="-150129" t="-686154" r="-1028" b="-227692"/>
+                          </a:stretch>
+                        </a:blipFill>
+                      </a:tcPr>
+                    </a:tc>
+                  </a:tr>
+                  <a:tr h="396240">
+                    <a:tc>
+                      <a:txBody>
+                        <a:bodyPr/>
+                        <a:lstStyle/>
+                        <a:p>
+                          <a:r>
+                            <a:rPr lang="en-US" sz="2000" dirty="0" smtClean="0"/>
+                            <a:t>Elmo</a:t>
+                          </a:r>
+                          <a:endParaRPr lang="en-US" sz="2000" dirty="0"/>
+                        </a:p>
+                      </a:txBody>
+                      <a:tcPr/>
+                    </a:tc>
+                    <a:tc>
+                      <a:txBody>
+                        <a:bodyPr/>
+                        <a:lstStyle/>
+                        <a:p>
+                          <a:endParaRPr lang="en-US"/>
+                        </a:p>
+                      </a:txBody>
+                      <a:tcPr>
+                        <a:blipFill rotWithShape="0">
+                          <a:blip r:embed="rId2"/>
+                          <a:stretch>
+                            <a:fillRect l="-150129" t="-786154" r="-1028" b="-127692"/>
+                          </a:stretch>
+                        </a:blipFill>
+                      </a:tcPr>
+                    </a:tc>
+                  </a:tr>
+                  <a:tr h="396240">
+                    <a:tc>
+                      <a:txBody>
+                        <a:bodyPr/>
+                        <a:lstStyle/>
+                        <a:p>
+                          <a:r>
+                            <a:rPr lang="en-US" sz="2000" b="1" dirty="0" smtClean="0"/>
+                            <a:t>Average</a:t>
+                          </a:r>
+                          <a:endParaRPr lang="en-US" sz="2000" b="1" dirty="0"/>
+                        </a:p>
+                      </a:txBody>
+                      <a:tcPr/>
+                    </a:tc>
+                    <a:tc>
+                      <a:txBody>
+                        <a:bodyPr/>
+                        <a:lstStyle/>
+                        <a:p>
+                          <a:pPr algn="ctr"/>
+                          <a:r>
+                            <a:rPr lang="en-US" sz="2000" dirty="0" smtClean="0"/>
+                            <a:t>82.53%</a:t>
+                          </a:r>
+                          <a:endParaRPr lang="en-US" sz="2000" dirty="0"/>
+                        </a:p>
+                      </a:txBody>
+                      <a:tcPr/>
+                    </a:tc>
+                  </a:tr>
+                </a:tbl>
+              </a:graphicData>
+            </a:graphic>
+          </p:graphicFrame>
+        </mc:Fallback>
+      </mc:AlternateContent>
+    </p:spTree>
+    <p:extLst>
+      <p:ext uri="{BB962C8B-B14F-4D97-AF65-F5344CB8AC3E}">
+        <p14:creationId xmlns:p14="http://schemas.microsoft.com/office/powerpoint/2010/main" val="602571513"/>
+      </p:ext>
+    </p:extLst>
+  </p:cSld>
+  <p:clrMapOvr>
+    <a:masterClrMapping/>
+  </p:clrMapOvr>
+  <p:timing>
+    <p:tnLst>
+      <p:par>
+        <p:cTn id="1" dur="indefinite" restart="never" nodeType="tmRoot"/>
+      </p:par>
+    </p:tnLst>
+  </p:timing>
+</p:sld>
+</file>
+
+<file path=ppt/slides/slide19.xml><?xml version="1.0" encoding="utf-8"?>
+<p:sld xmlns:a="http://schemas.openxmlformats.org/drawingml/2006/main" xmlns:r="http://schemas.openxmlformats.org/officeDocument/2006/relationships" xmlns:p="http://schemas.openxmlformats.org/presentationml/2006/main">
+  <p:cSld>
+    <p:spTree>
+      <p:nvGrpSpPr>
+        <p:cNvPr id="1" name=""/>
+        <p:cNvGrpSpPr/>
+        <p:nvPr/>
+      </p:nvGrpSpPr>
+      <p:grpSpPr>
+        <a:xfrm>
+          <a:off x="0" y="0"/>
+          <a:ext cx="0" cy="0"/>
+          <a:chOff x="0" y="0"/>
+          <a:chExt cx="0" cy="0"/>
+        </a:xfrm>
+      </p:grpSpPr>
+      <p:sp>
+        <p:nvSpPr>
+          <p:cNvPr id="2" name="Title 1"/>
+          <p:cNvSpPr>
+            <a:spLocks noGrp="1"/>
+          </p:cNvSpPr>
+          <p:nvPr>
+            <p:ph type="title"/>
+          </p:nvPr>
+        </p:nvSpPr>
+        <p:spPr>
+          <a:xfrm>
+            <a:off x="838199" y="365125"/>
+            <a:ext cx="11035145" cy="1325563"/>
+          </a:xfrm>
+        </p:spPr>
+        <p:txBody>
+          <a:bodyPr/>
+          <a:lstStyle/>
+          <a:p>
+            <a:r>
+              <a:rPr lang="en-US" b="1" dirty="0" smtClean="0"/>
+              <a:t>Other Observations (7 Persons without </a:t>
+            </a:r>
+            <a:r>
+              <a:rPr lang="en-US" b="1" dirty="0" err="1" smtClean="0"/>
+              <a:t>Richsen</a:t>
+            </a:r>
+            <a:r>
+              <a:rPr lang="en-US" b="1" dirty="0" smtClean="0"/>
+              <a:t>)</a:t>
+            </a:r>
+            <a:endParaRPr lang="en-US" b="1" dirty="0"/>
+          </a:p>
+        </p:txBody>
+      </p:sp>
+      <p:sp>
+        <p:nvSpPr>
+          <p:cNvPr id="3" name="Content Placeholder 2"/>
+          <p:cNvSpPr>
+            <a:spLocks noGrp="1"/>
+          </p:cNvSpPr>
+          <p:nvPr>
+            <p:ph idx="1"/>
+          </p:nvPr>
+        </p:nvSpPr>
+        <p:spPr/>
+        <p:txBody>
+          <a:bodyPr>
+            <a:normAutofit/>
+          </a:bodyPr>
+          <a:lstStyle/>
+          <a:p>
+            <a:r>
+              <a:rPr lang="en-US" sz="2400" b="1" dirty="0" smtClean="0"/>
+              <a:t>Typing vs Writing</a:t>
+            </a:r>
+            <a:r>
+              <a:rPr lang="en-US" sz="2400" dirty="0" smtClean="0"/>
+              <a:t> (Lauren)</a:t>
+            </a:r>
+          </a:p>
+          <a:p>
+            <a:r>
+              <a:rPr lang="en-US" sz="2400" b="1" dirty="0" smtClean="0"/>
+              <a:t>Lying vs Reading</a:t>
+            </a:r>
+            <a:r>
+              <a:rPr lang="en-US" sz="2400" dirty="0" smtClean="0"/>
+              <a:t> (Elmo, </a:t>
+            </a:r>
+            <a:r>
+              <a:rPr lang="en-US" sz="2400" dirty="0" err="1" smtClean="0"/>
+              <a:t>Shelina</a:t>
+            </a:r>
+            <a:r>
+              <a:rPr lang="en-US" sz="2400" dirty="0" smtClean="0"/>
+              <a:t>)</a:t>
+            </a:r>
+          </a:p>
+          <a:p>
+            <a:r>
+              <a:rPr lang="en-US" sz="2400" b="1" dirty="0" smtClean="0"/>
+              <a:t>Sitting vs Reading</a:t>
+            </a:r>
+            <a:r>
+              <a:rPr lang="en-US" sz="2400" dirty="0" smtClean="0"/>
+              <a:t> (</a:t>
+            </a:r>
+            <a:r>
+              <a:rPr lang="en-US" sz="2400" dirty="0" err="1" smtClean="0"/>
+              <a:t>Mellita</a:t>
+            </a:r>
+            <a:r>
+              <a:rPr lang="en-US" sz="2400" dirty="0" smtClean="0"/>
+              <a:t>, Edwin)</a:t>
+            </a:r>
+          </a:p>
+          <a:p>
+            <a:r>
+              <a:rPr lang="en-US" sz="2400" b="1" dirty="0" smtClean="0"/>
+              <a:t>Going downstairs vs Going upstairs vs Walking</a:t>
+            </a:r>
+            <a:r>
+              <a:rPr lang="en-US" sz="2400" dirty="0" smtClean="0"/>
+              <a:t> (</a:t>
+            </a:r>
+            <a:r>
+              <a:rPr lang="en-US" sz="2400" dirty="0" err="1" smtClean="0"/>
+              <a:t>Mellita</a:t>
+            </a:r>
+            <a:r>
+              <a:rPr lang="en-US" sz="2400" dirty="0" smtClean="0"/>
+              <a:t>, Elmo, </a:t>
+            </a:r>
+            <a:r>
+              <a:rPr lang="en-US" sz="2400" dirty="0" err="1" smtClean="0"/>
+              <a:t>Shelina</a:t>
+            </a:r>
+            <a:r>
+              <a:rPr lang="en-US" sz="2400" dirty="0" smtClean="0"/>
+              <a:t>)</a:t>
+            </a:r>
+          </a:p>
+          <a:p>
+            <a:r>
+              <a:rPr lang="en-US" sz="2400" b="1" dirty="0" smtClean="0"/>
+              <a:t>Sitting vs Lying</a:t>
+            </a:r>
+            <a:r>
+              <a:rPr lang="en-US" sz="2400" dirty="0" smtClean="0"/>
+              <a:t> (Nikolas)</a:t>
+            </a:r>
+          </a:p>
+          <a:p>
+            <a:r>
+              <a:rPr lang="en-US" sz="2400" b="1" dirty="0" smtClean="0"/>
+              <a:t>Hypothesis:</a:t>
+            </a:r>
+          </a:p>
+          <a:p>
+            <a:pPr lvl="1"/>
+            <a:r>
+              <a:rPr lang="en-US" sz="2000" dirty="0" smtClean="0"/>
+              <a:t>Probably because of which features are being used in splitting the trees</a:t>
+            </a:r>
+          </a:p>
+          <a:p>
+            <a:pPr lvl="1"/>
+            <a:r>
+              <a:rPr lang="en-US" sz="2000" dirty="0" smtClean="0"/>
+              <a:t>If we only use SP data, then Lying and Sitting can be recognized</a:t>
+            </a:r>
+          </a:p>
+          <a:p>
+            <a:pPr lvl="1"/>
+            <a:r>
+              <a:rPr lang="en-US" sz="2000" dirty="0" smtClean="0"/>
+              <a:t>When only use SW data, all Lying becomes Sitting (or the other way round)</a:t>
+            </a:r>
+          </a:p>
+          <a:p>
+            <a:pPr lvl="1"/>
+            <a:r>
+              <a:rPr lang="en-US" sz="2000" dirty="0" smtClean="0"/>
+              <a:t>So, when we use SP + SW, most likely the decision trees do not really make use of the SP data</a:t>
+            </a:r>
+            <a:endParaRPr lang="en-US" sz="2000" dirty="0"/>
+          </a:p>
+        </p:txBody>
+      </p:sp>
+    </p:spTree>
+    <p:extLst>
+      <p:ext uri="{BB962C8B-B14F-4D97-AF65-F5344CB8AC3E}">
+        <p14:creationId xmlns:p14="http://schemas.microsoft.com/office/powerpoint/2010/main" val="1514621676"/>
+      </p:ext>
+    </p:extLst>
+  </p:cSld>
+  <p:clrMapOvr>
+    <a:masterClrMapping/>
+  </p:clrMapOvr>
 </p:sld>
 </file>
 
@@ -7867,6 +15053,394 @@
     <p:extLst>
       <p:ext uri="{BB962C8B-B14F-4D97-AF65-F5344CB8AC3E}">
         <p14:creationId xmlns:p14="http://schemas.microsoft.com/office/powerpoint/2010/main" val="1654670054"/>
+      </p:ext>
+    </p:extLst>
+  </p:cSld>
+  <p:clrMapOvr>
+    <a:masterClrMapping/>
+  </p:clrMapOvr>
+  <p:timing>
+    <p:tnLst>
+      <p:par>
+        <p:cTn id="1" dur="indefinite" restart="never" nodeType="tmRoot"/>
+      </p:par>
+    </p:tnLst>
+  </p:timing>
+</p:sld>
+</file>
+
+<file path=ppt/slides/slide20.xml><?xml version="1.0" encoding="utf-8"?>
+<p:sld xmlns:a="http://schemas.openxmlformats.org/drawingml/2006/main" xmlns:r="http://schemas.openxmlformats.org/officeDocument/2006/relationships" xmlns:p="http://schemas.openxmlformats.org/presentationml/2006/main">
+  <p:cSld>
+    <p:spTree>
+      <p:nvGrpSpPr>
+        <p:cNvPr id="1" name=""/>
+        <p:cNvGrpSpPr/>
+        <p:nvPr/>
+      </p:nvGrpSpPr>
+      <p:grpSpPr>
+        <a:xfrm>
+          <a:off x="0" y="0"/>
+          <a:ext cx="0" cy="0"/>
+          <a:chOff x="0" y="0"/>
+          <a:chExt cx="0" cy="0"/>
+        </a:xfrm>
+      </p:grpSpPr>
+      <p:sp>
+        <p:nvSpPr>
+          <p:cNvPr id="4" name="Title 1"/>
+          <p:cNvSpPr txBox="1">
+            <a:spLocks/>
+          </p:cNvSpPr>
+          <p:nvPr/>
+        </p:nvSpPr>
+        <p:spPr>
+          <a:xfrm>
+            <a:off x="838200" y="365125"/>
+            <a:ext cx="10515600" cy="1325563"/>
+          </a:xfrm>
+          <a:prstGeom prst="rect">
+            <a:avLst/>
+          </a:prstGeom>
+        </p:spPr>
+        <p:txBody>
+          <a:bodyPr vert="horz" lIns="91440" tIns="45720" rIns="91440" bIns="45720" rtlCol="0" anchor="ctr">
+            <a:normAutofit/>
+          </a:bodyPr>
+          <a:lstStyle>
+            <a:lvl1pPr algn="l" defTabSz="914400" rtl="0" eaLnBrk="1" latinLnBrk="0" hangingPunct="1">
+              <a:lnSpc>
+                <a:spcPct val="90000"/>
+              </a:lnSpc>
+              <a:spcBef>
+                <a:spcPct val="0"/>
+              </a:spcBef>
+              <a:buNone/>
+              <a:defRPr sz="4400" kern="1200">
+                <a:solidFill>
+                  <a:schemeClr val="tx1"/>
+                </a:solidFill>
+                <a:latin typeface="+mj-lt"/>
+                <a:ea typeface="+mj-ea"/>
+                <a:cs typeface="+mj-cs"/>
+              </a:defRPr>
+            </a:lvl1pPr>
+          </a:lstStyle>
+          <a:p>
+            <a:r>
+              <a:rPr lang="en-US" b="1" dirty="0" smtClean="0"/>
+              <a:t>LOO with XYZ Permutations (7 PERSONS)</a:t>
+            </a:r>
+            <a:endParaRPr lang="en-US" b="1" dirty="0"/>
+          </a:p>
+        </p:txBody>
+      </p:sp>
+      <p:sp>
+        <p:nvSpPr>
+          <p:cNvPr id="5" name="Content Placeholder 2"/>
+          <p:cNvSpPr txBox="1">
+            <a:spLocks/>
+          </p:cNvSpPr>
+          <p:nvPr/>
+        </p:nvSpPr>
+        <p:spPr>
+          <a:xfrm>
+            <a:off x="838200" y="1482436"/>
+            <a:ext cx="10515600" cy="4694527"/>
+          </a:xfrm>
+          <a:prstGeom prst="rect">
+            <a:avLst/>
+          </a:prstGeom>
+        </p:spPr>
+        <p:txBody>
+          <a:bodyPr vert="horz" lIns="91440" tIns="45720" rIns="91440" bIns="45720" rtlCol="0">
+            <a:normAutofit/>
+          </a:bodyPr>
+          <a:lstStyle>
+            <a:lvl1pPr marL="228600" indent="-228600" algn="l" defTabSz="914400" rtl="0" eaLnBrk="1" latinLnBrk="0" hangingPunct="1">
+              <a:lnSpc>
+                <a:spcPct val="90000"/>
+              </a:lnSpc>
+              <a:spcBef>
+                <a:spcPts val="1000"/>
+              </a:spcBef>
+              <a:buFont typeface="Arial"/>
+              <a:buChar char="•"/>
+              <a:defRPr sz="2800" kern="1200">
+                <a:solidFill>
+                  <a:schemeClr val="tx1"/>
+                </a:solidFill>
+                <a:latin typeface="+mn-lt"/>
+                <a:ea typeface="+mn-ea"/>
+                <a:cs typeface="+mn-cs"/>
+              </a:defRPr>
+            </a:lvl1pPr>
+            <a:lvl2pPr marL="685800" indent="-228600" algn="l" defTabSz="914400" rtl="0" eaLnBrk="1" latinLnBrk="0" hangingPunct="1">
+              <a:lnSpc>
+                <a:spcPct val="90000"/>
+              </a:lnSpc>
+              <a:spcBef>
+                <a:spcPts val="500"/>
+              </a:spcBef>
+              <a:buFont typeface="Arial"/>
+              <a:buChar char="•"/>
+              <a:defRPr sz="2400" kern="1200">
+                <a:solidFill>
+                  <a:schemeClr val="tx1"/>
+                </a:solidFill>
+                <a:latin typeface="+mn-lt"/>
+                <a:ea typeface="+mn-ea"/>
+                <a:cs typeface="+mn-cs"/>
+              </a:defRPr>
+            </a:lvl2pPr>
+            <a:lvl3pPr marL="1143000" indent="-228600" algn="l" defTabSz="914400" rtl="0" eaLnBrk="1" latinLnBrk="0" hangingPunct="1">
+              <a:lnSpc>
+                <a:spcPct val="90000"/>
+              </a:lnSpc>
+              <a:spcBef>
+                <a:spcPts val="500"/>
+              </a:spcBef>
+              <a:buFont typeface="Arial"/>
+              <a:buChar char="•"/>
+              <a:defRPr sz="2000" kern="1200">
+                <a:solidFill>
+                  <a:schemeClr val="tx1"/>
+                </a:solidFill>
+                <a:latin typeface="+mn-lt"/>
+                <a:ea typeface="+mn-ea"/>
+                <a:cs typeface="+mn-cs"/>
+              </a:defRPr>
+            </a:lvl3pPr>
+            <a:lvl4pPr marL="1600200" indent="-228600" algn="l" defTabSz="914400" rtl="0" eaLnBrk="1" latinLnBrk="0" hangingPunct="1">
+              <a:lnSpc>
+                <a:spcPct val="90000"/>
+              </a:lnSpc>
+              <a:spcBef>
+                <a:spcPts val="500"/>
+              </a:spcBef>
+              <a:buFont typeface="Arial"/>
+              <a:buChar char="•"/>
+              <a:defRPr sz="1800" kern="1200">
+                <a:solidFill>
+                  <a:schemeClr val="tx1"/>
+                </a:solidFill>
+                <a:latin typeface="+mn-lt"/>
+                <a:ea typeface="+mn-ea"/>
+                <a:cs typeface="+mn-cs"/>
+              </a:defRPr>
+            </a:lvl4pPr>
+            <a:lvl5pPr marL="2057400" indent="-228600" algn="l" defTabSz="914400" rtl="0" eaLnBrk="1" latinLnBrk="0" hangingPunct="1">
+              <a:lnSpc>
+                <a:spcPct val="90000"/>
+              </a:lnSpc>
+              <a:spcBef>
+                <a:spcPts val="500"/>
+              </a:spcBef>
+              <a:buFont typeface="Arial"/>
+              <a:buChar char="•"/>
+              <a:defRPr sz="1800" kern="1200">
+                <a:solidFill>
+                  <a:schemeClr val="tx1"/>
+                </a:solidFill>
+                <a:latin typeface="+mn-lt"/>
+                <a:ea typeface="+mn-ea"/>
+                <a:cs typeface="+mn-cs"/>
+              </a:defRPr>
+            </a:lvl5pPr>
+            <a:lvl6pPr marL="2514600" indent="-228600" algn="l" defTabSz="914400" rtl="0" eaLnBrk="1" latinLnBrk="0" hangingPunct="1">
+              <a:lnSpc>
+                <a:spcPct val="90000"/>
+              </a:lnSpc>
+              <a:spcBef>
+                <a:spcPts val="500"/>
+              </a:spcBef>
+              <a:buFont typeface="Arial"/>
+              <a:buChar char="•"/>
+              <a:defRPr sz="1800" kern="1200">
+                <a:solidFill>
+                  <a:schemeClr val="tx1"/>
+                </a:solidFill>
+                <a:latin typeface="+mn-lt"/>
+                <a:ea typeface="+mn-ea"/>
+                <a:cs typeface="+mn-cs"/>
+              </a:defRPr>
+            </a:lvl6pPr>
+            <a:lvl7pPr marL="2971800" indent="-228600" algn="l" defTabSz="914400" rtl="0" eaLnBrk="1" latinLnBrk="0" hangingPunct="1">
+              <a:lnSpc>
+                <a:spcPct val="90000"/>
+              </a:lnSpc>
+              <a:spcBef>
+                <a:spcPts val="500"/>
+              </a:spcBef>
+              <a:buFont typeface="Arial"/>
+              <a:buChar char="•"/>
+              <a:defRPr sz="1800" kern="1200">
+                <a:solidFill>
+                  <a:schemeClr val="tx1"/>
+                </a:solidFill>
+                <a:latin typeface="+mn-lt"/>
+                <a:ea typeface="+mn-ea"/>
+                <a:cs typeface="+mn-cs"/>
+              </a:defRPr>
+            </a:lvl7pPr>
+            <a:lvl8pPr marL="3429000" indent="-228600" algn="l" defTabSz="914400" rtl="0" eaLnBrk="1" latinLnBrk="0" hangingPunct="1">
+              <a:lnSpc>
+                <a:spcPct val="90000"/>
+              </a:lnSpc>
+              <a:spcBef>
+                <a:spcPts val="500"/>
+              </a:spcBef>
+              <a:buFont typeface="Arial"/>
+              <a:buChar char="•"/>
+              <a:defRPr sz="1800" kern="1200">
+                <a:solidFill>
+                  <a:schemeClr val="tx1"/>
+                </a:solidFill>
+                <a:latin typeface="+mn-lt"/>
+                <a:ea typeface="+mn-ea"/>
+                <a:cs typeface="+mn-cs"/>
+              </a:defRPr>
+            </a:lvl8pPr>
+            <a:lvl9pPr marL="3886200" indent="-228600" algn="l" defTabSz="914400" rtl="0" eaLnBrk="1" latinLnBrk="0" hangingPunct="1">
+              <a:lnSpc>
+                <a:spcPct val="90000"/>
+              </a:lnSpc>
+              <a:spcBef>
+                <a:spcPts val="500"/>
+              </a:spcBef>
+              <a:buFont typeface="Arial"/>
+              <a:buChar char="•"/>
+              <a:defRPr sz="1800" kern="1200">
+                <a:solidFill>
+                  <a:schemeClr val="tx1"/>
+                </a:solidFill>
+                <a:latin typeface="+mn-lt"/>
+                <a:ea typeface="+mn-ea"/>
+                <a:cs typeface="+mn-cs"/>
+              </a:defRPr>
+            </a:lvl9pPr>
+          </a:lstStyle>
+          <a:p>
+            <a:pPr>
+              <a:spcAft>
+                <a:spcPts val="600"/>
+              </a:spcAft>
+            </a:pPr>
+            <a:r>
+              <a:rPr lang="en-US" dirty="0" smtClean="0"/>
+              <a:t>14 Activities (</a:t>
+            </a:r>
+            <a:r>
+              <a:rPr lang="en-US" b="1" i="1" u="sng" dirty="0" smtClean="0"/>
+              <a:t>without Eating</a:t>
+            </a:r>
+            <a:r>
+              <a:rPr lang="en-US" dirty="0" smtClean="0"/>
+              <a:t>)</a:t>
+            </a:r>
+          </a:p>
+          <a:p>
+            <a:pPr>
+              <a:spcAft>
+                <a:spcPts val="600"/>
+              </a:spcAft>
+            </a:pPr>
+            <a:r>
+              <a:rPr lang="en-US" b="1" dirty="0" smtClean="0"/>
+              <a:t>Random Forest </a:t>
+            </a:r>
+            <a:r>
+              <a:rPr lang="en-US" b="1" dirty="0" smtClean="0">
+                <a:sym typeface="Wingdings"/>
+              </a:rPr>
+              <a:t> </a:t>
+            </a:r>
+            <a:r>
+              <a:rPr lang="en-US" dirty="0" smtClean="0">
+                <a:sym typeface="Wingdings"/>
+              </a:rPr>
+              <a:t>result is very bad (tested on 2 subjects with different parameter values), as low as ~12% accuracy!</a:t>
+            </a:r>
+          </a:p>
+          <a:p>
+            <a:pPr>
+              <a:spcAft>
+                <a:spcPts val="600"/>
+              </a:spcAft>
+            </a:pPr>
+            <a:r>
+              <a:rPr lang="en-US" b="1" dirty="0" smtClean="0">
+                <a:sym typeface="Wingdings"/>
+              </a:rPr>
+              <a:t>SVM  </a:t>
+            </a:r>
+            <a:r>
+              <a:rPr lang="en-US" dirty="0" smtClean="0">
+                <a:sym typeface="Wingdings"/>
+              </a:rPr>
+              <a:t>result is also very bad (tested on 2 subjects), &lt; 10</a:t>
+            </a:r>
+            <a:r>
+              <a:rPr lang="en-US" smtClean="0">
+                <a:sym typeface="Wingdings"/>
+              </a:rPr>
+              <a:t>% accuracy</a:t>
+            </a:r>
+            <a:endParaRPr lang="en-US" dirty="0" smtClean="0">
+              <a:sym typeface="Wingdings"/>
+            </a:endParaRPr>
+          </a:p>
+          <a:p>
+            <a:r>
+              <a:rPr lang="en-US" dirty="0" smtClean="0">
+                <a:sym typeface="Wingdings"/>
+              </a:rPr>
+              <a:t>Hence, </a:t>
+            </a:r>
+            <a:r>
+              <a:rPr lang="en-US" b="1" dirty="0" smtClean="0">
+                <a:sym typeface="Wingdings"/>
+              </a:rPr>
+              <a:t>I did not do a full testing:</a:t>
+            </a:r>
+          </a:p>
+          <a:p>
+            <a:pPr lvl="1"/>
+            <a:r>
+              <a:rPr lang="en-US" dirty="0" smtClean="0">
+                <a:sym typeface="Wingdings"/>
+              </a:rPr>
+              <a:t>The results for a few test subjects are very bad</a:t>
+            </a:r>
+          </a:p>
+          <a:p>
+            <a:pPr lvl="1"/>
+            <a:r>
+              <a:rPr lang="en-US" dirty="0" smtClean="0">
+                <a:sym typeface="Wingdings"/>
+              </a:rPr>
+              <a:t>The training time is very long as the data is augmented resulting in around 6 times bigger than the usual one</a:t>
+            </a:r>
+          </a:p>
+          <a:p>
+            <a:pPr lvl="1"/>
+            <a:r>
+              <a:rPr lang="en-US" dirty="0" smtClean="0">
+                <a:sym typeface="Wingdings"/>
+              </a:rPr>
+              <a:t>This method also seems not scalable with more test subjects without using a more powerful computer to train the model!</a:t>
+            </a:r>
+            <a:endParaRPr lang="en-US" dirty="0" smtClean="0"/>
+          </a:p>
+          <a:p>
+            <a:endParaRPr lang="en-US" dirty="0"/>
+          </a:p>
+        </p:txBody>
+      </p:sp>
+    </p:spTree>
+    <p:extLst>
+      <p:ext uri="{BB962C8B-B14F-4D97-AF65-F5344CB8AC3E}">
+        <p14:creationId xmlns:p14="http://schemas.microsoft.com/office/powerpoint/2010/main" val="299497578"/>
       </p:ext>
     </p:extLst>
   </p:cSld>
@@ -7959,7 +15533,15 @@
             </a:r>
             <a:r>
               <a:rPr lang="en-US" dirty="0" smtClean="0"/>
-              <a:t> including myself (4 males, 3 females, 19-22 years old)</a:t>
+              <a:t> including myself </a:t>
+            </a:r>
+            <a:r>
+              <a:rPr lang="en-US" dirty="0" smtClean="0"/>
+              <a:t>(5 </a:t>
+            </a:r>
+            <a:r>
+              <a:rPr lang="en-US" dirty="0" smtClean="0"/>
+              <a:t>males, 3 females, 19-22 years old)</a:t>
             </a:r>
           </a:p>
           <a:p>
@@ -8071,8 +15653,24 @@
             </a:r>
             <a:r>
               <a:rPr lang="en-US" dirty="0" smtClean="0"/>
+              <a:t>45 </a:t>
+            </a:r>
+            <a:r>
+              <a:rPr lang="en-US" dirty="0" smtClean="0"/>
+              <a:t>mins</a:t>
+            </a:r>
+          </a:p>
+          <a:p>
+            <a:pPr lvl="2"/>
+            <a:r>
+              <a:rPr lang="en-US" b="1" dirty="0" smtClean="0"/>
+              <a:t>Elmo: </a:t>
+            </a:r>
+            <a:r>
+              <a:rPr lang="en-US" dirty="0" smtClean="0"/>
               <a:t>45 mins</a:t>
             </a:r>
+            <a:endParaRPr lang="en-US" b="1" dirty="0" smtClean="0"/>
           </a:p>
           <a:p>
             <a:pPr lvl="2"/>
@@ -8082,7 +15680,11 @@
             </a:r>
             <a:r>
               <a:rPr lang="en-US" b="1" i="1" u="sng" dirty="0" smtClean="0"/>
-              <a:t>402.5 mins</a:t>
+              <a:t>447.5 </a:t>
+            </a:r>
+            <a:r>
+              <a:rPr lang="en-US" b="1" i="1" u="sng" dirty="0" smtClean="0"/>
+              <a:t>mins</a:t>
             </a:r>
           </a:p>
         </p:txBody>
@@ -12937,7 +20539,7 @@
           <a:p>
             <a:r>
               <a:rPr lang="en-US" b="1" dirty="0" smtClean="0"/>
-              <a:t>Leave One Out CV</a:t>
+              <a:t>8 Persons Results</a:t>
             </a:r>
             <a:endParaRPr lang="en-US" b="1" dirty="0"/>
           </a:p>
@@ -12965,7 +20567,7 @@
     </p:spTree>
     <p:extLst>
       <p:ext uri="{BB962C8B-B14F-4D97-AF65-F5344CB8AC3E}">
-        <p14:creationId xmlns:p14="http://schemas.microsoft.com/office/powerpoint/2010/main" val="1702983760"/>
+        <p14:creationId xmlns:p14="http://schemas.microsoft.com/office/powerpoint/2010/main" val="1270272913"/>
       </p:ext>
     </p:extLst>
   </p:cSld>

--- a/docs/documents/weekly_meeting/16 Dec 2016.pptx
+++ b/docs/documents/weekly_meeting/16 Dec 2016.pptx
@@ -22,8 +22,8 @@
     <p:sldId id="302" r:id="rId13"/>
     <p:sldId id="296" r:id="rId14"/>
     <p:sldId id="297" r:id="rId15"/>
-    <p:sldId id="312" r:id="rId16"/>
-    <p:sldId id="316" r:id="rId17"/>
+    <p:sldId id="316" r:id="rId16"/>
+    <p:sldId id="312" r:id="rId17"/>
     <p:sldId id="313" r:id="rId18"/>
     <p:sldId id="315" r:id="rId19"/>
     <p:sldId id="314" r:id="rId20"/>
@@ -9575,15 +9575,7 @@
           <a:p>
             <a:r>
               <a:rPr lang="en-US" b="1" dirty="0" smtClean="0"/>
-              <a:t>LOO </a:t>
-            </a:r>
-            <a:r>
-              <a:rPr lang="en-US" b="1" dirty="0" smtClean="0"/>
-              <a:t>(8 </a:t>
-            </a:r>
-            <a:r>
-              <a:rPr lang="en-US" b="1" dirty="0" smtClean="0"/>
-              <a:t>PERSONS)</a:t>
+              <a:t>LOO (8 PERSONS)</a:t>
             </a:r>
             <a:endParaRPr lang="en-US" b="1" dirty="0"/>
           </a:p>
@@ -9776,20 +9768,8 @@
           </a:lstStyle>
           <a:p>
             <a:r>
-              <a:rPr lang="en-US" sz="2400" u="sng" dirty="0" smtClean="0"/>
-              <a:t>14</a:t>
-            </a:r>
-            <a:r>
-              <a:rPr lang="en-US" sz="2400" dirty="0" smtClean="0"/>
-              <a:t> Activities (</a:t>
-            </a:r>
-            <a:r>
-              <a:rPr lang="en-US" sz="2400" b="1" i="1" u="sng" dirty="0" smtClean="0"/>
-              <a:t>without Eating</a:t>
-            </a:r>
-            <a:r>
-              <a:rPr lang="en-US" sz="2400" dirty="0" smtClean="0"/>
-              <a:t>)</a:t>
+              <a:rPr lang="en-US" sz="2400" b="1" dirty="0" smtClean="0"/>
+              <a:t>15 Activities</a:t>
             </a:r>
           </a:p>
           <a:p>
@@ -9813,13 +9793,7 @@
               <a:rPr lang="en-US" sz="2400" dirty="0" smtClean="0">
                 <a:sym typeface="Wingdings"/>
               </a:rPr>
-              <a:t>00 </a:t>
-            </a:r>
-            <a:r>
-              <a:rPr lang="en-US" sz="2400" dirty="0" smtClean="0">
-                <a:sym typeface="Wingdings"/>
-              </a:rPr>
-              <a:t>estimators, 3 times per subject</a:t>
+              <a:t>00 estimators, 3 times per subject</a:t>
             </a:r>
             <a:endParaRPr lang="en-US" sz="2400" dirty="0" smtClean="0"/>
           </a:p>
@@ -9828,8 +9802,8 @@
           </a:p>
         </p:txBody>
       </p:sp>
-      <mc:AlternateContent xmlns:mc="http://schemas.openxmlformats.org/markup-compatibility/2006">
-        <mc:Choice xmlns:a14="http://schemas.microsoft.com/office/drawing/2010/main" Requires="a14">
+      <mc:AlternateContent xmlns:mc="http://schemas.openxmlformats.org/markup-compatibility/2006" xmlns:a14="http://schemas.microsoft.com/office/drawing/2010/main">
+        <mc:Choice Requires="a14">
           <p:graphicFrame>
             <p:nvGraphicFramePr>
               <p:cNvPr id="6" name="Table 5"/>
@@ -9839,7 +9813,7 @@
               <p:nvPr>
                 <p:extLst>
                   <p:ext uri="{D42A27DB-BD31-4B8C-83A1-F6EECF244321}">
-                    <p14:modId xmlns:p14="http://schemas.microsoft.com/office/powerpoint/2010/main" val="1149193501"/>
+                    <p14:modId xmlns:p14="http://schemas.microsoft.com/office/powerpoint/2010/main" val="2100424413"/>
                   </p:ext>
                 </p:extLst>
               </p:nvPr>
@@ -9943,7 +9917,7 @@
                               <a:ea typeface="Cambria Math" charset="0"/>
                               <a:cs typeface="Cambria Math" charset="0"/>
                             </a:rPr>
-                            <a:t>86.59%</a:t>
+                            <a:t>84.46%</a:t>
                           </a:r>
                           <a:r>
                             <a:rPr lang="en-US" sz="2000" baseline="0" dirty="0" smtClean="0">
@@ -9966,11 +9940,7 @@
                           </a14:m>
                           <a:r>
                             <a:rPr lang="en-US" sz="2000" dirty="0" smtClean="0"/>
-                            <a:t> </a:t>
-                          </a:r>
-                          <a:r>
-                            <a:rPr lang="en-US" sz="2000" dirty="0" smtClean="0"/>
-                            <a:t>0.21%</a:t>
+                            <a:t> 0.23%</a:t>
                           </a:r>
                           <a:endParaRPr lang="en-US" sz="2000" dirty="0"/>
                         </a:p>
@@ -10004,7 +9974,7 @@
                               <a:ea typeface="Cambria Math" charset="0"/>
                               <a:cs typeface="Cambria Math" charset="0"/>
                             </a:rPr>
-                            <a:t>68.69%</a:t>
+                            <a:t>63.78%</a:t>
                           </a:r>
                           <a:r>
                             <a:rPr lang="en-US" sz="2000" baseline="0" dirty="0" smtClean="0">
@@ -10027,11 +9997,7 @@
                           </a14:m>
                           <a:r>
                             <a:rPr lang="en-US" sz="2000" dirty="0" smtClean="0"/>
-                            <a:t> </a:t>
-                          </a:r>
-                          <a:r>
-                            <a:rPr lang="en-US" sz="2000" dirty="0" smtClean="0"/>
-                            <a:t>0.20%</a:t>
+                            <a:t> 0.06%</a:t>
                           </a:r>
                           <a:endParaRPr lang="en-US" sz="2000" dirty="0"/>
                         </a:p>
@@ -10065,7 +10031,7 @@
                               <a:ea typeface="Cambria Math" charset="0"/>
                               <a:cs typeface="Cambria Math" charset="0"/>
                             </a:rPr>
-                            <a:t>82.75%</a:t>
+                            <a:t>81.09%</a:t>
                           </a:r>
                           <a:r>
                             <a:rPr lang="en-US" sz="2000" baseline="0" dirty="0" smtClean="0">
@@ -10088,11 +10054,7 @@
                           </a14:m>
                           <a:r>
                             <a:rPr lang="en-US" sz="2000" dirty="0" smtClean="0"/>
-                            <a:t> </a:t>
-                          </a:r>
-                          <a:r>
-                            <a:rPr lang="en-US" sz="2000" dirty="0" smtClean="0"/>
-                            <a:t>0.13%</a:t>
+                            <a:t> 0.13%</a:t>
                           </a:r>
                           <a:endParaRPr lang="en-US" sz="2000" dirty="0"/>
                         </a:p>
@@ -10126,7 +10088,7 @@
                               <a:ea typeface="Cambria Math" charset="0"/>
                               <a:cs typeface="Cambria Math" charset="0"/>
                             </a:rPr>
-                            <a:t>75.53%</a:t>
+                            <a:t>71.05%</a:t>
                           </a:r>
                           <a:r>
                             <a:rPr lang="en-US" sz="2000" baseline="0" dirty="0" smtClean="0">
@@ -10149,11 +10111,7 @@
                           </a14:m>
                           <a:r>
                             <a:rPr lang="en-US" sz="2000" dirty="0" smtClean="0"/>
-                            <a:t> </a:t>
-                          </a:r>
-                          <a:r>
-                            <a:rPr lang="en-US" sz="2000" dirty="0" smtClean="0"/>
-                            <a:t>0.07%</a:t>
+                            <a:t> 0.31%</a:t>
                           </a:r>
                           <a:endParaRPr lang="en-US" sz="2000" dirty="0"/>
                         </a:p>
@@ -10187,7 +10145,7 @@
                               <a:ea typeface="Cambria Math" charset="0"/>
                               <a:cs typeface="Cambria Math" charset="0"/>
                             </a:rPr>
-                            <a:t>79.81%</a:t>
+                            <a:t>77.46%</a:t>
                           </a:r>
                           <a:r>
                             <a:rPr lang="en-US" sz="2000" baseline="0" dirty="0" smtClean="0">
@@ -10210,11 +10168,7 @@
                           </a14:m>
                           <a:r>
                             <a:rPr lang="en-US" sz="2000" dirty="0" smtClean="0"/>
-                            <a:t> </a:t>
-                          </a:r>
-                          <a:r>
-                            <a:rPr lang="en-US" sz="2000" dirty="0" smtClean="0"/>
-                            <a:t>0.13%</a:t>
+                            <a:t> 0.08%</a:t>
                           </a:r>
                           <a:endParaRPr lang="en-US" sz="2000" dirty="0"/>
                         </a:p>
@@ -10248,7 +10202,7 @@
                               <a:ea typeface="Cambria Math" charset="0"/>
                               <a:cs typeface="Cambria Math" charset="0"/>
                             </a:rPr>
-                            <a:t>86.67%</a:t>
+                            <a:t>85.98%</a:t>
                           </a:r>
                           <a:r>
                             <a:rPr lang="en-US" sz="2000" baseline="0" dirty="0" smtClean="0">
@@ -10271,11 +10225,7 @@
                           </a14:m>
                           <a:r>
                             <a:rPr lang="en-US" sz="2000" dirty="0" smtClean="0"/>
-                            <a:t> </a:t>
-                          </a:r>
-                          <a:r>
-                            <a:rPr lang="en-US" sz="2000" dirty="0" smtClean="0"/>
-                            <a:t>0.28%</a:t>
+                            <a:t> 0.20%</a:t>
                           </a:r>
                           <a:endParaRPr lang="en-US" sz="2000" dirty="0"/>
                         </a:p>
@@ -10325,7 +10275,7 @@
                               <a:ea typeface="Cambria Math" charset="0"/>
                               <a:cs typeface="Cambria Math" charset="0"/>
                             </a:rPr>
-                            <a:t>83.60%</a:t>
+                            <a:t>76.39%</a:t>
                           </a:r>
                           <a:r>
                             <a:rPr lang="en-US" sz="2000" baseline="0" dirty="0" smtClean="0">
@@ -10348,11 +10298,7 @@
                           </a14:m>
                           <a:r>
                             <a:rPr lang="en-US" sz="2000" dirty="0" smtClean="0"/>
-                            <a:t> </a:t>
-                          </a:r>
-                          <a:r>
-                            <a:rPr lang="en-US" sz="2000" dirty="0" smtClean="0"/>
-                            <a:t>0.55%</a:t>
+                            <a:t> 0.24%</a:t>
                           </a:r>
                           <a:endParaRPr lang="en-US" sz="2000" dirty="0"/>
                         </a:p>
@@ -10402,7 +10348,7 @@
                               <a:ea typeface="Cambria Math" charset="0"/>
                               <a:cs typeface="Cambria Math" charset="0"/>
                             </a:rPr>
-                            <a:t>79.49%</a:t>
+                            <a:t>80.50%</a:t>
                           </a:r>
                           <a:r>
                             <a:rPr lang="en-US" sz="2000" baseline="0" dirty="0" smtClean="0">
@@ -10425,11 +10371,7 @@
                           </a14:m>
                           <a:r>
                             <a:rPr lang="en-US" sz="2000" dirty="0" smtClean="0"/>
-                            <a:t> </a:t>
-                          </a:r>
-                          <a:r>
-                            <a:rPr lang="en-US" sz="2000" dirty="0" smtClean="0"/>
-                            <a:t>0.10%</a:t>
+                            <a:t> 0.15%</a:t>
                           </a:r>
                           <a:endParaRPr lang="en-US" sz="2000" dirty="0"/>
                         </a:p>
@@ -10460,7 +10402,7 @@
                           <a:pPr algn="ctr"/>
                           <a:r>
                             <a:rPr lang="en-US" sz="2000" dirty="0" smtClean="0"/>
-                            <a:t>80.39%</a:t>
+                            <a:t>77.59%</a:t>
                           </a:r>
                           <a:endParaRPr lang="en-US" sz="2000" dirty="0"/>
                         </a:p>
@@ -10473,7 +10415,7 @@
             </a:graphic>
           </p:graphicFrame>
         </mc:Choice>
-        <mc:Fallback>
+        <mc:Fallback xmlns="">
           <p:graphicFrame>
             <p:nvGraphicFramePr>
               <p:cNvPr id="6" name="Table 5"/>
@@ -10483,7 +10425,7 @@
               <p:nvPr>
                 <p:extLst>
                   <p:ext uri="{D42A27DB-BD31-4B8C-83A1-F6EECF244321}">
-                    <p14:modId xmlns:p14="http://schemas.microsoft.com/office/powerpoint/2010/main" val="1149193501"/>
+                    <p14:modId xmlns:p14="http://schemas.microsoft.com/office/powerpoint/2010/main" val="2100424413"/>
                   </p:ext>
                 </p:extLst>
               </p:nvPr>
@@ -10832,7 +10774,7 @@
                           <a:pPr algn="ctr"/>
                           <a:r>
                             <a:rPr lang="en-US" sz="2000" dirty="0" smtClean="0"/>
-                            <a:t>80.39%</a:t>
+                            <a:t>77.59%</a:t>
                           </a:r>
                           <a:endParaRPr lang="en-US" sz="2000" dirty="0"/>
                         </a:p>
@@ -10849,7 +10791,7 @@
     </p:spTree>
     <p:extLst>
       <p:ext uri="{BB962C8B-B14F-4D97-AF65-F5344CB8AC3E}">
-        <p14:creationId xmlns:p14="http://schemas.microsoft.com/office/powerpoint/2010/main" val="1903186505"/>
+        <p14:creationId xmlns:p14="http://schemas.microsoft.com/office/powerpoint/2010/main" val="1149118355"/>
       </p:ext>
     </p:extLst>
   </p:cSld>
@@ -10926,15 +10868,7 @@
           <a:p>
             <a:r>
               <a:rPr lang="en-US" b="1" dirty="0" smtClean="0"/>
-              <a:t>LOO </a:t>
-            </a:r>
-            <a:r>
-              <a:rPr lang="en-US" b="1" dirty="0" smtClean="0"/>
-              <a:t>(8 </a:t>
-            </a:r>
-            <a:r>
-              <a:rPr lang="en-US" b="1" dirty="0" smtClean="0"/>
-              <a:t>PERSONS)</a:t>
+              <a:t>LOO (8 PERSONS)</a:t>
             </a:r>
             <a:endParaRPr lang="en-US" b="1" dirty="0"/>
           </a:p>
@@ -11127,10 +11061,21 @@
           </a:lstStyle>
           <a:p>
             <a:r>
-              <a:rPr lang="en-US" sz="2400" b="1" dirty="0" smtClean="0"/>
-              <a:t>15 Activities</a:t>
-            </a:r>
-            <a:endParaRPr lang="en-US" sz="2400" b="1" dirty="0" smtClean="0"/>
+              <a:rPr lang="en-US" sz="2400" u="sng" dirty="0" smtClean="0"/>
+              <a:t>14</a:t>
+            </a:r>
+            <a:r>
+              <a:rPr lang="en-US" sz="2400" dirty="0" smtClean="0"/>
+              <a:t> Activities (</a:t>
+            </a:r>
+            <a:r>
+              <a:rPr lang="en-US" sz="2400" b="1" i="1" u="sng" dirty="0" smtClean="0"/>
+              <a:t>without Eating</a:t>
+            </a:r>
+            <a:r>
+              <a:rPr lang="en-US" sz="2400" dirty="0" smtClean="0"/>
+              <a:t>)</a:t>
+            </a:r>
           </a:p>
           <a:p>
             <a:r>
@@ -11153,13 +11098,7 @@
               <a:rPr lang="en-US" sz="2400" dirty="0" smtClean="0">
                 <a:sym typeface="Wingdings"/>
               </a:rPr>
-              <a:t>00 </a:t>
-            </a:r>
-            <a:r>
-              <a:rPr lang="en-US" sz="2400" dirty="0" smtClean="0">
-                <a:sym typeface="Wingdings"/>
-              </a:rPr>
-              <a:t>estimators, 3 times per subject</a:t>
+              <a:t>00 estimators, 3 times per subject</a:t>
             </a:r>
             <a:endParaRPr lang="en-US" sz="2400" dirty="0" smtClean="0"/>
           </a:p>
@@ -11168,8 +11107,8 @@
           </a:p>
         </p:txBody>
       </p:sp>
-      <mc:AlternateContent xmlns:mc="http://schemas.openxmlformats.org/markup-compatibility/2006">
-        <mc:Choice xmlns:a14="http://schemas.microsoft.com/office/drawing/2010/main" Requires="a14">
+      <mc:AlternateContent xmlns:mc="http://schemas.openxmlformats.org/markup-compatibility/2006" xmlns:a14="http://schemas.microsoft.com/office/drawing/2010/main">
+        <mc:Choice Requires="a14">
           <p:graphicFrame>
             <p:nvGraphicFramePr>
               <p:cNvPr id="6" name="Table 5"/>
@@ -11179,7 +11118,7 @@
               <p:nvPr>
                 <p:extLst>
                   <p:ext uri="{D42A27DB-BD31-4B8C-83A1-F6EECF244321}">
-                    <p14:modId xmlns:p14="http://schemas.microsoft.com/office/powerpoint/2010/main" val="2100424413"/>
+                    <p14:modId xmlns:p14="http://schemas.microsoft.com/office/powerpoint/2010/main" val="1149193501"/>
                   </p:ext>
                 </p:extLst>
               </p:nvPr>
@@ -11283,7 +11222,7 @@
                               <a:ea typeface="Cambria Math" charset="0"/>
                               <a:cs typeface="Cambria Math" charset="0"/>
                             </a:rPr>
-                            <a:t>84.46%</a:t>
+                            <a:t>86.59%</a:t>
                           </a:r>
                           <a:r>
                             <a:rPr lang="en-US" sz="2000" baseline="0" dirty="0" smtClean="0">
@@ -11306,11 +11245,7 @@
                           </a14:m>
                           <a:r>
                             <a:rPr lang="en-US" sz="2000" dirty="0" smtClean="0"/>
-                            <a:t> </a:t>
-                          </a:r>
-                          <a:r>
-                            <a:rPr lang="en-US" sz="2000" dirty="0" smtClean="0"/>
-                            <a:t>0.23%</a:t>
+                            <a:t> 0.21%</a:t>
                           </a:r>
                           <a:endParaRPr lang="en-US" sz="2000" dirty="0"/>
                         </a:p>
@@ -11344,7 +11279,7 @@
                               <a:ea typeface="Cambria Math" charset="0"/>
                               <a:cs typeface="Cambria Math" charset="0"/>
                             </a:rPr>
-                            <a:t>63.78%</a:t>
+                            <a:t>68.69%</a:t>
                           </a:r>
                           <a:r>
                             <a:rPr lang="en-US" sz="2000" baseline="0" dirty="0" smtClean="0">
@@ -11367,11 +11302,7 @@
                           </a14:m>
                           <a:r>
                             <a:rPr lang="en-US" sz="2000" dirty="0" smtClean="0"/>
-                            <a:t> </a:t>
-                          </a:r>
-                          <a:r>
-                            <a:rPr lang="en-US" sz="2000" dirty="0" smtClean="0"/>
-                            <a:t>0.06%</a:t>
+                            <a:t> 0.20%</a:t>
                           </a:r>
                           <a:endParaRPr lang="en-US" sz="2000" dirty="0"/>
                         </a:p>
@@ -11405,7 +11336,7 @@
                               <a:ea typeface="Cambria Math" charset="0"/>
                               <a:cs typeface="Cambria Math" charset="0"/>
                             </a:rPr>
-                            <a:t>81.09%</a:t>
+                            <a:t>82.75%</a:t>
                           </a:r>
                           <a:r>
                             <a:rPr lang="en-US" sz="2000" baseline="0" dirty="0" smtClean="0">
@@ -11428,11 +11359,7 @@
                           </a14:m>
                           <a:r>
                             <a:rPr lang="en-US" sz="2000" dirty="0" smtClean="0"/>
-                            <a:t> </a:t>
-                          </a:r>
-                          <a:r>
-                            <a:rPr lang="en-US" sz="2000" dirty="0" smtClean="0"/>
-                            <a:t>0.13%</a:t>
+                            <a:t> 0.13%</a:t>
                           </a:r>
                           <a:endParaRPr lang="en-US" sz="2000" dirty="0"/>
                         </a:p>
@@ -11466,7 +11393,7 @@
                               <a:ea typeface="Cambria Math" charset="0"/>
                               <a:cs typeface="Cambria Math" charset="0"/>
                             </a:rPr>
-                            <a:t>71.05%</a:t>
+                            <a:t>75.53%</a:t>
                           </a:r>
                           <a:r>
                             <a:rPr lang="en-US" sz="2000" baseline="0" dirty="0" smtClean="0">
@@ -11489,11 +11416,7 @@
                           </a14:m>
                           <a:r>
                             <a:rPr lang="en-US" sz="2000" dirty="0" smtClean="0"/>
-                            <a:t> </a:t>
-                          </a:r>
-                          <a:r>
-                            <a:rPr lang="en-US" sz="2000" dirty="0" smtClean="0"/>
-                            <a:t>0.31%</a:t>
+                            <a:t> 0.07%</a:t>
                           </a:r>
                           <a:endParaRPr lang="en-US" sz="2000" dirty="0"/>
                         </a:p>
@@ -11527,7 +11450,7 @@
                               <a:ea typeface="Cambria Math" charset="0"/>
                               <a:cs typeface="Cambria Math" charset="0"/>
                             </a:rPr>
-                            <a:t>77.46%</a:t>
+                            <a:t>79.81%</a:t>
                           </a:r>
                           <a:r>
                             <a:rPr lang="en-US" sz="2000" baseline="0" dirty="0" smtClean="0">
@@ -11550,11 +11473,7 @@
                           </a14:m>
                           <a:r>
                             <a:rPr lang="en-US" sz="2000" dirty="0" smtClean="0"/>
-                            <a:t> </a:t>
-                          </a:r>
-                          <a:r>
-                            <a:rPr lang="en-US" sz="2000" dirty="0" smtClean="0"/>
-                            <a:t>0.08%</a:t>
+                            <a:t> 0.13%</a:t>
                           </a:r>
                           <a:endParaRPr lang="en-US" sz="2000" dirty="0"/>
                         </a:p>
@@ -11588,7 +11507,7 @@
                               <a:ea typeface="Cambria Math" charset="0"/>
                               <a:cs typeface="Cambria Math" charset="0"/>
                             </a:rPr>
-                            <a:t>85.98%</a:t>
+                            <a:t>86.67%</a:t>
                           </a:r>
                           <a:r>
                             <a:rPr lang="en-US" sz="2000" baseline="0" dirty="0" smtClean="0">
@@ -11611,11 +11530,7 @@
                           </a14:m>
                           <a:r>
                             <a:rPr lang="en-US" sz="2000" dirty="0" smtClean="0"/>
-                            <a:t> </a:t>
-                          </a:r>
-                          <a:r>
-                            <a:rPr lang="en-US" sz="2000" dirty="0" smtClean="0"/>
-                            <a:t>0.20%</a:t>
+                            <a:t> 0.28%</a:t>
                           </a:r>
                           <a:endParaRPr lang="en-US" sz="2000" dirty="0"/>
                         </a:p>
@@ -11665,7 +11580,7 @@
                               <a:ea typeface="Cambria Math" charset="0"/>
                               <a:cs typeface="Cambria Math" charset="0"/>
                             </a:rPr>
-                            <a:t>76.39%</a:t>
+                            <a:t>83.60%</a:t>
                           </a:r>
                           <a:r>
                             <a:rPr lang="en-US" sz="2000" baseline="0" dirty="0" smtClean="0">
@@ -11688,11 +11603,7 @@
                           </a14:m>
                           <a:r>
                             <a:rPr lang="en-US" sz="2000" dirty="0" smtClean="0"/>
-                            <a:t> </a:t>
-                          </a:r>
-                          <a:r>
-                            <a:rPr lang="en-US" sz="2000" dirty="0" smtClean="0"/>
-                            <a:t>0.24%</a:t>
+                            <a:t> 0.55%</a:t>
                           </a:r>
                           <a:endParaRPr lang="en-US" sz="2000" dirty="0"/>
                         </a:p>
@@ -11742,7 +11653,7 @@
                               <a:ea typeface="Cambria Math" charset="0"/>
                               <a:cs typeface="Cambria Math" charset="0"/>
                             </a:rPr>
-                            <a:t>80.50%</a:t>
+                            <a:t>79.49%</a:t>
                           </a:r>
                           <a:r>
                             <a:rPr lang="en-US" sz="2000" baseline="0" dirty="0" smtClean="0">
@@ -11765,11 +11676,7 @@
                           </a14:m>
                           <a:r>
                             <a:rPr lang="en-US" sz="2000" dirty="0" smtClean="0"/>
-                            <a:t> </a:t>
-                          </a:r>
-                          <a:r>
-                            <a:rPr lang="en-US" sz="2000" dirty="0" smtClean="0"/>
-                            <a:t>0.15%</a:t>
+                            <a:t> 0.10%</a:t>
                           </a:r>
                           <a:endParaRPr lang="en-US" sz="2000" dirty="0"/>
                         </a:p>
@@ -11800,7 +11707,7 @@
                           <a:pPr algn="ctr"/>
                           <a:r>
                             <a:rPr lang="en-US" sz="2000" dirty="0" smtClean="0"/>
-                            <a:t>77.59%</a:t>
+                            <a:t>80.39%</a:t>
                           </a:r>
                           <a:endParaRPr lang="en-US" sz="2000" dirty="0"/>
                         </a:p>
@@ -11813,7 +11720,7 @@
             </a:graphic>
           </p:graphicFrame>
         </mc:Choice>
-        <mc:Fallback>
+        <mc:Fallback xmlns="">
           <p:graphicFrame>
             <p:nvGraphicFramePr>
               <p:cNvPr id="6" name="Table 5"/>
@@ -11823,7 +11730,7 @@
               <p:nvPr>
                 <p:extLst>
                   <p:ext uri="{D42A27DB-BD31-4B8C-83A1-F6EECF244321}">
-                    <p14:modId xmlns:p14="http://schemas.microsoft.com/office/powerpoint/2010/main" val="2100424413"/>
+                    <p14:modId xmlns:p14="http://schemas.microsoft.com/office/powerpoint/2010/main" val="1149193501"/>
                   </p:ext>
                 </p:extLst>
               </p:nvPr>
@@ -12172,7 +12079,7 @@
                           <a:pPr algn="ctr"/>
                           <a:r>
                             <a:rPr lang="en-US" sz="2000" dirty="0" smtClean="0"/>
-                            <a:t>77.59%</a:t>
+                            <a:t>80.39%</a:t>
                           </a:r>
                           <a:endParaRPr lang="en-US" sz="2000" dirty="0"/>
                         </a:p>
@@ -12189,7 +12096,7 @@
     </p:spTree>
     <p:extLst>
       <p:ext uri="{BB962C8B-B14F-4D97-AF65-F5344CB8AC3E}">
-        <p14:creationId xmlns:p14="http://schemas.microsoft.com/office/powerpoint/2010/main" val="1149118355"/>
+        <p14:creationId xmlns:p14="http://schemas.microsoft.com/office/powerpoint/2010/main" val="1903186505"/>
       </p:ext>
     </p:extLst>
   </p:cSld>
@@ -12266,11 +12173,7 @@
           <a:p>
             <a:r>
               <a:rPr lang="en-US" b="1" dirty="0" smtClean="0"/>
-              <a:t>LOO </a:t>
-            </a:r>
-            <a:r>
-              <a:rPr lang="en-US" b="1" dirty="0" smtClean="0"/>
-              <a:t>(7 PERSONS </a:t>
+              <a:t>LOO (7 PERSONS </a:t>
             </a:r>
             <a:r>
               <a:rPr lang="mr-IN" b="1" dirty="0" smtClean="0"/>
@@ -12290,7 +12193,7 @@
             </a:r>
             <a:r>
               <a:rPr lang="en-US" b="1" dirty="0" smtClean="0"/>
-              <a:t>)</a:t>
+              <a:t>) - BEST</a:t>
             </a:r>
             <a:endParaRPr lang="en-US" b="1" dirty="0"/>
           </a:p>
@@ -12516,19 +12419,7 @@
               <a:rPr lang="en-US" sz="2400" dirty="0" smtClean="0">
                 <a:sym typeface="Wingdings"/>
               </a:rPr>
-              <a:t>00 </a:t>
-            </a:r>
-            <a:r>
-              <a:rPr lang="en-US" sz="2400" dirty="0" smtClean="0">
-                <a:sym typeface="Wingdings"/>
-              </a:rPr>
-              <a:t>estimators, 3 times per </a:t>
-            </a:r>
-            <a:r>
-              <a:rPr lang="en-US" sz="2400" dirty="0" smtClean="0">
-                <a:sym typeface="Wingdings"/>
-              </a:rPr>
-              <a:t>subject</a:t>
+              <a:t>00 estimators, 3 times per subject</a:t>
             </a:r>
             <a:endParaRPr lang="en-US" sz="2400" dirty="0" smtClean="0"/>
           </a:p>
@@ -12537,8 +12428,8 @@
           </a:p>
         </p:txBody>
       </p:sp>
-      <mc:AlternateContent xmlns:mc="http://schemas.openxmlformats.org/markup-compatibility/2006">
-        <mc:Choice xmlns:a14="http://schemas.microsoft.com/office/drawing/2010/main" Requires="a14">
+      <mc:AlternateContent xmlns:mc="http://schemas.openxmlformats.org/markup-compatibility/2006" xmlns:a14="http://schemas.microsoft.com/office/drawing/2010/main">
+        <mc:Choice Requires="a14">
           <p:graphicFrame>
             <p:nvGraphicFramePr>
               <p:cNvPr id="6" name="Table 5"/>
@@ -12675,11 +12566,7 @@
                           </a14:m>
                           <a:r>
                             <a:rPr lang="en-US" sz="2000" dirty="0" smtClean="0"/>
-                            <a:t> </a:t>
-                          </a:r>
-                          <a:r>
-                            <a:rPr lang="en-US" sz="2000" dirty="0" smtClean="0"/>
-                            <a:t>0.04%</a:t>
+                            <a:t> 0.04%</a:t>
                           </a:r>
                           <a:endParaRPr lang="en-US" sz="2000" dirty="0"/>
                         </a:p>
@@ -12736,11 +12623,7 @@
                           </a14:m>
                           <a:r>
                             <a:rPr lang="en-US" sz="2000" dirty="0" smtClean="0"/>
-                            <a:t> </a:t>
-                          </a:r>
-                          <a:r>
-                            <a:rPr lang="en-US" sz="2000" dirty="0" smtClean="0"/>
-                            <a:t>0.14%</a:t>
+                            <a:t> 0.14%</a:t>
                           </a:r>
                           <a:endParaRPr lang="en-US" sz="2000" dirty="0"/>
                         </a:p>
@@ -12797,11 +12680,7 @@
                           </a14:m>
                           <a:r>
                             <a:rPr lang="en-US" sz="2000" dirty="0" smtClean="0"/>
-                            <a:t> </a:t>
-                          </a:r>
-                          <a:r>
-                            <a:rPr lang="en-US" sz="2000" dirty="0" smtClean="0"/>
-                            <a:t>0.26%</a:t>
+                            <a:t> 0.26%</a:t>
                           </a:r>
                           <a:endParaRPr lang="en-US" sz="2000" dirty="0"/>
                         </a:p>
@@ -12858,11 +12737,7 @@
                           </a14:m>
                           <a:r>
                             <a:rPr lang="en-US" sz="2000" dirty="0" smtClean="0"/>
-                            <a:t> </a:t>
-                          </a:r>
-                          <a:r>
-                            <a:rPr lang="en-US" sz="2000" dirty="0" smtClean="0"/>
-                            <a:t>0.13%</a:t>
+                            <a:t> 0.13%</a:t>
                           </a:r>
                           <a:endParaRPr lang="en-US" sz="2000" dirty="0"/>
                         </a:p>
@@ -12919,11 +12794,7 @@
                           </a14:m>
                           <a:r>
                             <a:rPr lang="en-US" sz="2000" dirty="0" smtClean="0"/>
-                            <a:t> </a:t>
-                          </a:r>
-                          <a:r>
-                            <a:rPr lang="en-US" sz="2000" dirty="0" smtClean="0"/>
-                            <a:t>0.25%</a:t>
+                            <a:t> 0.25%</a:t>
                           </a:r>
                           <a:endParaRPr lang="en-US" sz="2000" dirty="0"/>
                         </a:p>
@@ -12996,11 +12867,7 @@
                           </a14:m>
                           <a:r>
                             <a:rPr lang="en-US" sz="2000" dirty="0" smtClean="0"/>
-                            <a:t> </a:t>
-                          </a:r>
-                          <a:r>
-                            <a:rPr lang="en-US" sz="2000" dirty="0" smtClean="0"/>
-                            <a:t>0.33%</a:t>
+                            <a:t> 0.33%</a:t>
                           </a:r>
                           <a:endParaRPr lang="en-US" sz="2000" dirty="0"/>
                         </a:p>
@@ -13073,11 +12940,7 @@
                           </a14:m>
                           <a:r>
                             <a:rPr lang="en-US" sz="2000" dirty="0" smtClean="0"/>
-                            <a:t> </a:t>
-                          </a:r>
-                          <a:r>
-                            <a:rPr lang="en-US" sz="2000" dirty="0" smtClean="0"/>
-                            <a:t>0.19%</a:t>
+                            <a:t> 0.19%</a:t>
                           </a:r>
                           <a:endParaRPr lang="en-US" sz="2000" dirty="0"/>
                         </a:p>
@@ -13121,7 +12984,7 @@
             </a:graphic>
           </p:graphicFrame>
         </mc:Choice>
-        <mc:Fallback>
+        <mc:Fallback xmlns="">
           <p:graphicFrame>
             <p:nvGraphicFramePr>
               <p:cNvPr id="6" name="Table 5"/>
@@ -13541,11 +13404,7 @@
           <a:p>
             <a:r>
               <a:rPr lang="en-US" b="1" dirty="0" smtClean="0"/>
-              <a:t>LOO </a:t>
-            </a:r>
-            <a:r>
-              <a:rPr lang="en-US" b="1" dirty="0" smtClean="0"/>
-              <a:t>(7 PERSONS </a:t>
+              <a:t>LOO (7 PERSONS </a:t>
             </a:r>
             <a:r>
               <a:rPr lang="mr-IN" b="1" dirty="0" smtClean="0"/>
@@ -13779,31 +13638,7 @@
               <a:rPr lang="en-US" sz="2400" dirty="0" smtClean="0">
                 <a:sym typeface="Wingdings"/>
               </a:rPr>
-              <a:t> </a:t>
-            </a:r>
-            <a:r>
-              <a:rPr lang="en-US" sz="2400" dirty="0" smtClean="0">
-                <a:sym typeface="Wingdings"/>
-              </a:rPr>
-              <a:t>C = 1, Gamma = 0.5</a:t>
-            </a:r>
-            <a:r>
-              <a:rPr lang="en-US" sz="2400" dirty="0" smtClean="0">
-                <a:sym typeface="Wingdings"/>
-              </a:rPr>
-              <a:t>, </a:t>
-            </a:r>
-            <a:r>
-              <a:rPr lang="en-US" sz="2400" dirty="0" smtClean="0">
-                <a:sym typeface="Wingdings"/>
-              </a:rPr>
-              <a:t>3 times per </a:t>
-            </a:r>
-            <a:r>
-              <a:rPr lang="en-US" sz="2400" dirty="0" smtClean="0">
-                <a:sym typeface="Wingdings"/>
-              </a:rPr>
-              <a:t>subject</a:t>
+              <a:t> C = 1, Gamma = 0.5, 3 times per subject</a:t>
             </a:r>
             <a:endParaRPr lang="en-US" sz="2400" dirty="0" smtClean="0"/>
           </a:p>
@@ -13812,8 +13647,8 @@
           </a:p>
         </p:txBody>
       </p:sp>
-      <mc:AlternateContent xmlns:mc="http://schemas.openxmlformats.org/markup-compatibility/2006">
-        <mc:Choice xmlns:a14="http://schemas.microsoft.com/office/drawing/2010/main" Requires="a14">
+      <mc:AlternateContent xmlns:mc="http://schemas.openxmlformats.org/markup-compatibility/2006" xmlns:a14="http://schemas.microsoft.com/office/drawing/2010/main">
+        <mc:Choice Requires="a14">
           <p:graphicFrame>
             <p:nvGraphicFramePr>
               <p:cNvPr id="6" name="Table 5"/>
@@ -13950,11 +13785,7 @@
                           </a14:m>
                           <a:r>
                             <a:rPr lang="en-US" sz="2000" dirty="0" smtClean="0"/>
-                            <a:t> </a:t>
-                          </a:r>
-                          <a:r>
-                            <a:rPr lang="en-US" sz="2000" dirty="0" smtClean="0"/>
-                            <a:t>0.00%</a:t>
+                            <a:t> 0.00%</a:t>
                           </a:r>
                           <a:endParaRPr lang="en-US" sz="2000" dirty="0"/>
                         </a:p>
@@ -14011,11 +13842,7 @@
                           </a14:m>
                           <a:r>
                             <a:rPr lang="en-US" sz="2000" dirty="0" smtClean="0"/>
-                            <a:t> </a:t>
-                          </a:r>
-                          <a:r>
-                            <a:rPr lang="en-US" sz="2000" dirty="0" smtClean="0"/>
-                            <a:t>0.00%</a:t>
+                            <a:t> 0.00%</a:t>
                           </a:r>
                           <a:endParaRPr lang="en-US" sz="2000" dirty="0"/>
                         </a:p>
@@ -14072,11 +13899,7 @@
                           </a14:m>
                           <a:r>
                             <a:rPr lang="en-US" sz="2000" dirty="0" smtClean="0"/>
-                            <a:t> </a:t>
-                          </a:r>
-                          <a:r>
-                            <a:rPr lang="en-US" sz="2000" dirty="0" smtClean="0"/>
-                            <a:t>0.00%</a:t>
+                            <a:t> 0.00%</a:t>
                           </a:r>
                           <a:endParaRPr lang="en-US" sz="2000" dirty="0"/>
                         </a:p>
@@ -14133,11 +13956,7 @@
                           </a14:m>
                           <a:r>
                             <a:rPr lang="en-US" sz="2000" dirty="0" smtClean="0"/>
-                            <a:t> </a:t>
-                          </a:r>
-                          <a:r>
-                            <a:rPr lang="en-US" sz="2000" dirty="0" smtClean="0"/>
-                            <a:t>0.00%</a:t>
+                            <a:t> 0.00%</a:t>
                           </a:r>
                           <a:endParaRPr lang="en-US" sz="2000" dirty="0"/>
                         </a:p>
@@ -14194,11 +14013,7 @@
                           </a14:m>
                           <a:r>
                             <a:rPr lang="en-US" sz="2000" dirty="0" smtClean="0"/>
-                            <a:t> </a:t>
-                          </a:r>
-                          <a:r>
-                            <a:rPr lang="en-US" sz="2000" dirty="0" smtClean="0"/>
-                            <a:t>0.00%</a:t>
+                            <a:t> 0.00%</a:t>
                           </a:r>
                           <a:endParaRPr lang="en-US" sz="2000" dirty="0"/>
                         </a:p>
@@ -14271,11 +14086,7 @@
                           </a14:m>
                           <a:r>
                             <a:rPr lang="en-US" sz="2000" dirty="0" smtClean="0"/>
-                            <a:t> </a:t>
-                          </a:r>
-                          <a:r>
-                            <a:rPr lang="en-US" sz="2000" dirty="0" smtClean="0"/>
-                            <a:t>0.00%</a:t>
+                            <a:t> 0.00%</a:t>
                           </a:r>
                           <a:endParaRPr lang="en-US" sz="2000" dirty="0"/>
                         </a:p>
@@ -14348,11 +14159,7 @@
                           </a14:m>
                           <a:r>
                             <a:rPr lang="en-US" sz="2000" dirty="0" smtClean="0"/>
-                            <a:t> </a:t>
-                          </a:r>
-                          <a:r>
-                            <a:rPr lang="en-US" sz="2000" dirty="0" smtClean="0"/>
-                            <a:t>0.00%</a:t>
+                            <a:t> 0.00%</a:t>
                           </a:r>
                           <a:endParaRPr lang="en-US" sz="2000" dirty="0"/>
                         </a:p>
@@ -14396,7 +14203,7 @@
             </a:graphic>
           </p:graphicFrame>
         </mc:Choice>
-        <mc:Fallback>
+        <mc:Fallback xmlns="">
           <p:graphicFrame>
             <p:nvGraphicFramePr>
               <p:cNvPr id="6" name="Table 5"/>
@@ -15533,15 +15340,7 @@
             </a:r>
             <a:r>
               <a:rPr lang="en-US" dirty="0" smtClean="0"/>
-              <a:t> including myself </a:t>
-            </a:r>
-            <a:r>
-              <a:rPr lang="en-US" dirty="0" smtClean="0"/>
-              <a:t>(5 </a:t>
-            </a:r>
-            <a:r>
-              <a:rPr lang="en-US" dirty="0" smtClean="0"/>
-              <a:t>males, 3 females, 19-22 years old)</a:t>
+              <a:t> including myself (5 males, 3 females, 19-22 years old)</a:t>
             </a:r>
           </a:p>
           <a:p>
@@ -15653,11 +15452,7 @@
             </a:r>
             <a:r>
               <a:rPr lang="en-US" dirty="0" smtClean="0"/>
-              <a:t>45 </a:t>
-            </a:r>
-            <a:r>
-              <a:rPr lang="en-US" dirty="0" smtClean="0"/>
-              <a:t>mins</a:t>
+              <a:t>45 mins</a:t>
             </a:r>
           </a:p>
           <a:p>
@@ -15680,11 +15475,7 @@
             </a:r>
             <a:r>
               <a:rPr lang="en-US" b="1" i="1" u="sng" dirty="0" smtClean="0"/>
-              <a:t>447.5 </a:t>
-            </a:r>
-            <a:r>
-              <a:rPr lang="en-US" b="1" i="1" u="sng" dirty="0" smtClean="0"/>
-              <a:t>mins</a:t>
+              <a:t>447.5 mins</a:t>
             </a:r>
           </a:p>
         </p:txBody>

--- a/docs/documents/weekly_meeting/16 Dec 2016.pptx
+++ b/docs/documents/weekly_meeting/16 Dec 2016.pptx
@@ -5,7 +5,7 @@
     <p:sldMasterId id="2147483648" r:id="rId1"/>
   </p:sldMasterIdLst>
   <p:notesMasterIdLst>
-    <p:notesMasterId r:id="rId41"/>
+    <p:notesMasterId r:id="rId40"/>
   </p:notesMasterIdLst>
   <p:sldIdLst>
     <p:sldId id="257" r:id="rId2"/>
@@ -42,11 +42,10 @@
     <p:sldId id="333" r:id="rId33"/>
     <p:sldId id="338" r:id="rId34"/>
     <p:sldId id="339" r:id="rId35"/>
-    <p:sldId id="340" r:id="rId36"/>
-    <p:sldId id="341" r:id="rId37"/>
-    <p:sldId id="342" r:id="rId38"/>
-    <p:sldId id="314" r:id="rId39"/>
-    <p:sldId id="308" r:id="rId40"/>
+    <p:sldId id="342" r:id="rId36"/>
+    <p:sldId id="350" r:id="rId37"/>
+    <p:sldId id="314" r:id="rId38"/>
+    <p:sldId id="308" r:id="rId39"/>
   </p:sldIdLst>
   <p:sldSz cx="12192000" cy="6858000"/>
   <p:notesSz cx="6858000" cy="9144000"/>
@@ -228,9 +227,8 @@
           <p14:sldIdLst>
             <p14:sldId id="338"/>
             <p14:sldId id="339"/>
-            <p14:sldId id="340"/>
-            <p14:sldId id="341"/>
             <p14:sldId id="342"/>
+            <p14:sldId id="350"/>
           </p14:sldIdLst>
         </p14:section>
         <p14:section name="Other Observations" id="{45460222-505A-AF44-909A-FA773E4BA4D2}">
@@ -330,7 +328,7 @@
           <a:p>
             <a:fld id="{2B443DB1-3454-AB4E-A2F7-083942AD4ADB}" type="datetimeFigureOut">
               <a:rPr lang="en-US" smtClean="0"/>
-              <a:t>12/22/16</a:t>
+              <a:t>12/25/16</a:t>
             </a:fld>
             <a:endParaRPr lang="en-US"/>
           </a:p>
@@ -1524,7 +1522,7 @@
           <a:p>
             <a:fld id="{AC020E75-F84B-F342-8F11-D007000D2CC1}" type="datetimeFigureOut">
               <a:rPr lang="en-US" smtClean="0"/>
-              <a:t>12/22/16</a:t>
+              <a:t>12/25/16</a:t>
             </a:fld>
             <a:endParaRPr lang="en-US"/>
           </a:p>
@@ -1694,7 +1692,7 @@
           <a:p>
             <a:fld id="{AC020E75-F84B-F342-8F11-D007000D2CC1}" type="datetimeFigureOut">
               <a:rPr lang="en-US" smtClean="0"/>
-              <a:t>12/22/16</a:t>
+              <a:t>12/25/16</a:t>
             </a:fld>
             <a:endParaRPr lang="en-US"/>
           </a:p>
@@ -1874,7 +1872,7 @@
           <a:p>
             <a:fld id="{AC020E75-F84B-F342-8F11-D007000D2CC1}" type="datetimeFigureOut">
               <a:rPr lang="en-US" smtClean="0"/>
-              <a:t>12/22/16</a:t>
+              <a:t>12/25/16</a:t>
             </a:fld>
             <a:endParaRPr lang="en-US"/>
           </a:p>
@@ -2044,7 +2042,7 @@
           <a:p>
             <a:fld id="{AC020E75-F84B-F342-8F11-D007000D2CC1}" type="datetimeFigureOut">
               <a:rPr lang="en-US" smtClean="0"/>
-              <a:t>12/22/16</a:t>
+              <a:t>12/25/16</a:t>
             </a:fld>
             <a:endParaRPr lang="en-US"/>
           </a:p>
@@ -2290,7 +2288,7 @@
           <a:p>
             <a:fld id="{AC020E75-F84B-F342-8F11-D007000D2CC1}" type="datetimeFigureOut">
               <a:rPr lang="en-US" smtClean="0"/>
-              <a:t>12/22/16</a:t>
+              <a:t>12/25/16</a:t>
             </a:fld>
             <a:endParaRPr lang="en-US"/>
           </a:p>
@@ -2522,7 +2520,7 @@
           <a:p>
             <a:fld id="{AC020E75-F84B-F342-8F11-D007000D2CC1}" type="datetimeFigureOut">
               <a:rPr lang="en-US" smtClean="0"/>
-              <a:t>12/22/16</a:t>
+              <a:t>12/25/16</a:t>
             </a:fld>
             <a:endParaRPr lang="en-US"/>
           </a:p>
@@ -2889,7 +2887,7 @@
           <a:p>
             <a:fld id="{AC020E75-F84B-F342-8F11-D007000D2CC1}" type="datetimeFigureOut">
               <a:rPr lang="en-US" smtClean="0"/>
-              <a:t>12/22/16</a:t>
+              <a:t>12/25/16</a:t>
             </a:fld>
             <a:endParaRPr lang="en-US"/>
           </a:p>
@@ -3007,7 +3005,7 @@
           <a:p>
             <a:fld id="{AC020E75-F84B-F342-8F11-D007000D2CC1}" type="datetimeFigureOut">
               <a:rPr lang="en-US" smtClean="0"/>
-              <a:t>12/22/16</a:t>
+              <a:t>12/25/16</a:t>
             </a:fld>
             <a:endParaRPr lang="en-US"/>
           </a:p>
@@ -3102,7 +3100,7 @@
           <a:p>
             <a:fld id="{AC020E75-F84B-F342-8F11-D007000D2CC1}" type="datetimeFigureOut">
               <a:rPr lang="en-US" smtClean="0"/>
-              <a:t>12/22/16</a:t>
+              <a:t>12/25/16</a:t>
             </a:fld>
             <a:endParaRPr lang="en-US"/>
           </a:p>
@@ -3379,7 +3377,7 @@
           <a:p>
             <a:fld id="{AC020E75-F84B-F342-8F11-D007000D2CC1}" type="datetimeFigureOut">
               <a:rPr lang="en-US" smtClean="0"/>
-              <a:t>12/22/16</a:t>
+              <a:t>12/25/16</a:t>
             </a:fld>
             <a:endParaRPr lang="en-US"/>
           </a:p>
@@ -3632,7 +3630,7 @@
           <a:p>
             <a:fld id="{AC020E75-F84B-F342-8F11-D007000D2CC1}" type="datetimeFigureOut">
               <a:rPr lang="en-US" smtClean="0"/>
-              <a:t>12/22/16</a:t>
+              <a:t>12/25/16</a:t>
             </a:fld>
             <a:endParaRPr lang="en-US"/>
           </a:p>
@@ -3845,7 +3843,7 @@
           <a:p>
             <a:fld id="{AC020E75-F84B-F342-8F11-D007000D2CC1}" type="datetimeFigureOut">
               <a:rPr lang="en-US" smtClean="0"/>
-              <a:t>12/22/16</a:t>
+              <a:t>12/25/16</a:t>
             </a:fld>
             <a:endParaRPr lang="en-US"/>
           </a:p>
@@ -25241,11 +25239,7 @@
           <a:p>
             <a:r>
               <a:rPr lang="en-US" dirty="0" smtClean="0"/>
-              <a:t>11 </a:t>
-            </a:r>
-            <a:r>
-              <a:rPr lang="en-US" dirty="0" smtClean="0"/>
-              <a:t>persons </a:t>
+              <a:t>11 persons </a:t>
             </a:r>
             <a:r>
               <a:rPr lang="mr-IN" dirty="0" smtClean="0"/>
@@ -25253,15 +25247,7 @@
             </a:r>
             <a:r>
               <a:rPr lang="en-US" dirty="0" smtClean="0"/>
-              <a:t> including myself </a:t>
-            </a:r>
-            <a:r>
-              <a:rPr lang="en-US" dirty="0" smtClean="0"/>
-              <a:t>(6 </a:t>
-            </a:r>
-            <a:r>
-              <a:rPr lang="en-US" dirty="0" smtClean="0"/>
-              <a:t>males, 5 females, 19-24 years old)</a:t>
+              <a:t> including myself (6 males, 5 females, 19-24 years old)</a:t>
             </a:r>
           </a:p>
           <a:p>
@@ -25293,11 +25279,7 @@
             </a:r>
             <a:r>
               <a:rPr lang="en-US" b="1" i="1" u="sng" dirty="0" smtClean="0"/>
-              <a:t> </a:t>
-            </a:r>
-            <a:r>
-              <a:rPr lang="en-US" b="1" i="1" u="sng" dirty="0" smtClean="0"/>
-              <a:t>mins</a:t>
+              <a:t> mins</a:t>
             </a:r>
           </a:p>
         </p:txBody>
@@ -30631,15 +30613,7 @@
           <a:p>
             <a:r>
               <a:rPr lang="en-US" b="1" dirty="0" smtClean="0"/>
-              <a:t>LOO </a:t>
-            </a:r>
-            <a:r>
-              <a:rPr lang="en-US" b="1" dirty="0" smtClean="0"/>
-              <a:t>11 </a:t>
-            </a:r>
-            <a:r>
-              <a:rPr lang="en-US" b="1" dirty="0" smtClean="0"/>
-              <a:t>PERSONS</a:t>
+              <a:t>LOO 11 PERSONS</a:t>
             </a:r>
             <a:endParaRPr lang="en-US" b="1" dirty="0"/>
           </a:p>
@@ -30737,15 +30711,7 @@
           <a:p>
             <a:r>
               <a:rPr lang="en-US" b="1" dirty="0" smtClean="0"/>
-              <a:t>LOO (</a:t>
-            </a:r>
-            <a:r>
-              <a:rPr lang="en-US" b="1" dirty="0" smtClean="0"/>
-              <a:t>11 </a:t>
-            </a:r>
-            <a:r>
-              <a:rPr lang="en-US" b="1" dirty="0" smtClean="0"/>
-              <a:t>PERSONS)</a:t>
+              <a:t>LOO (11 PERSONS)</a:t>
             </a:r>
             <a:endParaRPr lang="en-US" b="1" dirty="0"/>
           </a:p>
@@ -30968,8 +30934,8 @@
           </a:p>
         </p:txBody>
       </p:sp>
-      <mc:AlternateContent xmlns:mc="http://schemas.openxmlformats.org/markup-compatibility/2006">
-        <mc:Choice xmlns:a14="http://schemas.microsoft.com/office/drawing/2010/main" Requires="a14">
+      <mc:AlternateContent xmlns:mc="http://schemas.openxmlformats.org/markup-compatibility/2006" xmlns:a14="http://schemas.microsoft.com/office/drawing/2010/main">
+        <mc:Choice Requires="a14">
           <p:graphicFrame>
             <p:nvGraphicFramePr>
               <p:cNvPr id="6" name="Table 5"/>
@@ -31030,7 +30996,6 @@
                             <a:rPr lang="en-US" sz="2000" baseline="0" dirty="0" smtClean="0"/>
                             <a:t>Mean</a:t>
                           </a:r>
-                          <a:endParaRPr lang="en-US" sz="2000" baseline="0" dirty="0" smtClean="0"/>
                         </a:p>
                         <a:p>
                           <a:pPr algn="ctr"/>
@@ -31066,11 +31031,7 @@
                           <a:pPr algn="ctr"/>
                           <a:r>
                             <a:rPr lang="en-US" sz="2000" dirty="0" smtClean="0"/>
-                            <a:t>F1 </a:t>
-                          </a:r>
-                          <a:r>
-                            <a:rPr lang="en-US" sz="2000" dirty="0" smtClean="0"/>
-                            <a:t>Mean</a:t>
+                            <a:t>F1 Mean</a:t>
                           </a:r>
                         </a:p>
                         <a:p>
@@ -31150,11 +31111,7 @@
                           </a14:m>
                           <a:r>
                             <a:rPr lang="en-US" sz="2000" dirty="0" smtClean="0"/>
-                            <a:t> </a:t>
-                          </a:r>
-                          <a:r>
-                            <a:rPr lang="en-US" sz="2000" dirty="0" smtClean="0"/>
-                            <a:t>0.20%</a:t>
+                            <a:t> 0.20%</a:t>
                           </a:r>
                           <a:endParaRPr lang="en-US" sz="2000" dirty="0"/>
                         </a:p>
@@ -31242,11 +31199,7 @@
                           </a14:m>
                           <a:r>
                             <a:rPr lang="en-US" sz="2000" dirty="0" smtClean="0"/>
-                            <a:t> </a:t>
-                          </a:r>
-                          <a:r>
-                            <a:rPr lang="en-US" sz="2000" dirty="0" smtClean="0"/>
-                            <a:t>1.39%</a:t>
+                            <a:t> 1.39%</a:t>
                           </a:r>
                           <a:endParaRPr lang="en-US" sz="2000" dirty="0"/>
                         </a:p>
@@ -31319,11 +31272,7 @@
                           </a14:m>
                           <a:r>
                             <a:rPr lang="en-US" sz="2000" dirty="0" smtClean="0"/>
-                            <a:t> </a:t>
-                          </a:r>
-                          <a:r>
-                            <a:rPr lang="en-US" sz="2000" dirty="0" smtClean="0"/>
-                            <a:t>0.12%</a:t>
+                            <a:t> 0.12%</a:t>
                           </a:r>
                           <a:endParaRPr lang="en-US" sz="2000" dirty="0"/>
                         </a:p>
@@ -31395,11 +31344,7 @@
                           </a14:m>
                           <a:r>
                             <a:rPr lang="en-US" sz="2000" dirty="0" smtClean="0"/>
-                            <a:t> </a:t>
-                          </a:r>
-                          <a:r>
-                            <a:rPr lang="en-US" sz="2000" dirty="0" smtClean="0"/>
-                            <a:t>0.12%</a:t>
+                            <a:t> 0.12%</a:t>
                           </a:r>
                           <a:endParaRPr lang="en-US" sz="2000" dirty="0"/>
                         </a:p>
@@ -31472,11 +31417,7 @@
                           </a14:m>
                           <a:r>
                             <a:rPr lang="en-US" sz="2000" dirty="0" smtClean="0"/>
-                            <a:t> </a:t>
-                          </a:r>
-                          <a:r>
-                            <a:rPr lang="en-US" sz="2000" dirty="0" smtClean="0"/>
-                            <a:t>0.13%</a:t>
+                            <a:t> 0.13%</a:t>
                           </a:r>
                           <a:endParaRPr lang="en-US" sz="2000" dirty="0"/>
                         </a:p>
@@ -31548,11 +31489,7 @@
                           </a14:m>
                           <a:r>
                             <a:rPr lang="en-US" sz="2000" dirty="0" smtClean="0"/>
-                            <a:t> </a:t>
-                          </a:r>
-                          <a:r>
-                            <a:rPr lang="en-US" sz="2000" dirty="0" smtClean="0"/>
-                            <a:t>1.12%</a:t>
+                            <a:t> 1.12%</a:t>
                           </a:r>
                           <a:endParaRPr lang="en-US" sz="2000" dirty="0"/>
                         </a:p>
@@ -31625,11 +31562,7 @@
                           </a14:m>
                           <a:r>
                             <a:rPr lang="en-US" sz="2000" dirty="0" smtClean="0"/>
-                            <a:t> </a:t>
-                          </a:r>
-                          <a:r>
-                            <a:rPr lang="en-US" sz="2000" dirty="0" smtClean="0"/>
-                            <a:t>0.11%</a:t>
+                            <a:t> 0.11%</a:t>
                           </a:r>
                           <a:endParaRPr lang="en-US" sz="2000" dirty="0"/>
                         </a:p>
@@ -31701,11 +31634,7 @@
                           </a14:m>
                           <a:r>
                             <a:rPr lang="en-US" sz="2000" dirty="0" smtClean="0"/>
-                            <a:t> </a:t>
-                          </a:r>
-                          <a:r>
-                            <a:rPr lang="en-US" sz="2000" dirty="0" smtClean="0"/>
-                            <a:t>0.47%</a:t>
+                            <a:t> 0.47%</a:t>
                           </a:r>
                           <a:endParaRPr lang="en-US" sz="2000" dirty="0"/>
                         </a:p>
@@ -31778,11 +31707,7 @@
                           </a14:m>
                           <a:r>
                             <a:rPr lang="en-US" sz="2000" dirty="0" smtClean="0"/>
-                            <a:t> </a:t>
-                          </a:r>
-                          <a:r>
-                            <a:rPr lang="en-US" sz="2000" dirty="0" smtClean="0"/>
-                            <a:t>0.27%</a:t>
+                            <a:t> 0.27%</a:t>
                           </a:r>
                           <a:endParaRPr lang="en-US" sz="2000" dirty="0"/>
                         </a:p>
@@ -31854,11 +31779,7 @@
                           </a14:m>
                           <a:r>
                             <a:rPr lang="en-US" sz="2000" dirty="0" smtClean="0"/>
-                            <a:t> </a:t>
-                          </a:r>
-                          <a:r>
-                            <a:rPr lang="en-US" sz="2000" dirty="0" smtClean="0"/>
-                            <a:t>0.38%</a:t>
+                            <a:t> 0.38%</a:t>
                           </a:r>
                           <a:endParaRPr lang="en-US" sz="2000" dirty="0"/>
                         </a:p>
@@ -31931,11 +31852,7 @@
                           </a14:m>
                           <a:r>
                             <a:rPr lang="en-US" sz="2000" dirty="0" smtClean="0"/>
-                            <a:t> </a:t>
-                          </a:r>
-                          <a:r>
-                            <a:rPr lang="en-US" sz="2000" dirty="0" smtClean="0"/>
-                            <a:t>0.22%</a:t>
+                            <a:t> 0.22%</a:t>
                           </a:r>
                           <a:endParaRPr lang="en-US" sz="2000" dirty="0"/>
                         </a:p>
@@ -32039,7 +31956,7 @@
             </a:graphic>
           </p:graphicFrame>
         </mc:Choice>
-        <mc:Fallback>
+        <mc:Fallback xmlns="">
           <p:graphicFrame>
             <p:nvGraphicFramePr>
               <p:cNvPr id="6" name="Table 5"/>
@@ -32647,3592 +32564,6 @@
 </file>
 
 <file path=ppt/slides/slide35.xml><?xml version="1.0" encoding="utf-8"?>
-<p:sld xmlns:a="http://schemas.openxmlformats.org/drawingml/2006/main" xmlns:r="http://schemas.openxmlformats.org/officeDocument/2006/relationships" xmlns:p="http://schemas.openxmlformats.org/presentationml/2006/main">
-  <p:cSld>
-    <p:spTree>
-      <p:nvGrpSpPr>
-        <p:cNvPr id="1" name=""/>
-        <p:cNvGrpSpPr/>
-        <p:nvPr/>
-      </p:nvGrpSpPr>
-      <p:grpSpPr>
-        <a:xfrm>
-          <a:off x="0" y="0"/>
-          <a:ext cx="0" cy="0"/>
-          <a:chOff x="0" y="0"/>
-          <a:chExt cx="0" cy="0"/>
-        </a:xfrm>
-      </p:grpSpPr>
-      <p:sp>
-        <p:nvSpPr>
-          <p:cNvPr id="4" name="Title 1"/>
-          <p:cNvSpPr txBox="1">
-            <a:spLocks/>
-          </p:cNvSpPr>
-          <p:nvPr/>
-        </p:nvSpPr>
-        <p:spPr>
-          <a:xfrm>
-            <a:off x="838200" y="365125"/>
-            <a:ext cx="10515600" cy="1325563"/>
-          </a:xfrm>
-          <a:prstGeom prst="rect">
-            <a:avLst/>
-          </a:prstGeom>
-        </p:spPr>
-        <p:txBody>
-          <a:bodyPr vert="horz" lIns="91440" tIns="45720" rIns="91440" bIns="45720" rtlCol="0" anchor="ctr">
-            <a:normAutofit/>
-          </a:bodyPr>
-          <a:lstStyle>
-            <a:lvl1pPr algn="l" defTabSz="914400" rtl="0" eaLnBrk="1" latinLnBrk="0" hangingPunct="1">
-              <a:lnSpc>
-                <a:spcPct val="90000"/>
-              </a:lnSpc>
-              <a:spcBef>
-                <a:spcPct val="0"/>
-              </a:spcBef>
-              <a:buNone/>
-              <a:defRPr sz="4400" kern="1200">
-                <a:solidFill>
-                  <a:schemeClr val="tx1"/>
-                </a:solidFill>
-                <a:latin typeface="+mj-lt"/>
-                <a:ea typeface="+mj-ea"/>
-                <a:cs typeface="+mj-cs"/>
-              </a:defRPr>
-            </a:lvl1pPr>
-          </a:lstStyle>
-          <a:p>
-            <a:r>
-              <a:rPr lang="en-US" b="1" dirty="0" smtClean="0"/>
-              <a:t>LOO (</a:t>
-            </a:r>
-            <a:r>
-              <a:rPr lang="en-US" b="1" dirty="0" smtClean="0"/>
-              <a:t>11 </a:t>
-            </a:r>
-            <a:r>
-              <a:rPr lang="en-US" b="1" dirty="0" smtClean="0"/>
-              <a:t>PERSONS</a:t>
-            </a:r>
-            <a:r>
-              <a:rPr lang="en-US" b="1" dirty="0" smtClean="0"/>
-              <a:t>) </a:t>
-            </a:r>
-            <a:r>
-              <a:rPr lang="mr-IN" b="1" dirty="0" smtClean="0"/>
-              <a:t>–</a:t>
-            </a:r>
-            <a:r>
-              <a:rPr lang="en-US" b="1" dirty="0" smtClean="0"/>
-              <a:t> WITHOUT RICHSEN</a:t>
-            </a:r>
-            <a:endParaRPr lang="en-US" b="1" dirty="0"/>
-          </a:p>
-        </p:txBody>
-      </p:sp>
-      <p:sp>
-        <p:nvSpPr>
-          <p:cNvPr id="5" name="Content Placeholder 2"/>
-          <p:cNvSpPr txBox="1">
-            <a:spLocks/>
-          </p:cNvSpPr>
-          <p:nvPr/>
-        </p:nvSpPr>
-        <p:spPr>
-          <a:xfrm>
-            <a:off x="838200" y="1482436"/>
-            <a:ext cx="10515600" cy="4694527"/>
-          </a:xfrm>
-          <a:prstGeom prst="rect">
-            <a:avLst/>
-          </a:prstGeom>
-        </p:spPr>
-        <p:txBody>
-          <a:bodyPr vert="horz" lIns="91440" tIns="45720" rIns="91440" bIns="45720" rtlCol="0">
-            <a:normAutofit/>
-          </a:bodyPr>
-          <a:lstStyle>
-            <a:lvl1pPr marL="228600" indent="-228600" algn="l" defTabSz="914400" rtl="0" eaLnBrk="1" latinLnBrk="0" hangingPunct="1">
-              <a:lnSpc>
-                <a:spcPct val="90000"/>
-              </a:lnSpc>
-              <a:spcBef>
-                <a:spcPts val="1000"/>
-              </a:spcBef>
-              <a:buFont typeface="Arial"/>
-              <a:buChar char="•"/>
-              <a:defRPr sz="2800" kern="1200">
-                <a:solidFill>
-                  <a:schemeClr val="tx1"/>
-                </a:solidFill>
-                <a:latin typeface="+mn-lt"/>
-                <a:ea typeface="+mn-ea"/>
-                <a:cs typeface="+mn-cs"/>
-              </a:defRPr>
-            </a:lvl1pPr>
-            <a:lvl2pPr marL="685800" indent="-228600" algn="l" defTabSz="914400" rtl="0" eaLnBrk="1" latinLnBrk="0" hangingPunct="1">
-              <a:lnSpc>
-                <a:spcPct val="90000"/>
-              </a:lnSpc>
-              <a:spcBef>
-                <a:spcPts val="500"/>
-              </a:spcBef>
-              <a:buFont typeface="Arial"/>
-              <a:buChar char="•"/>
-              <a:defRPr sz="2400" kern="1200">
-                <a:solidFill>
-                  <a:schemeClr val="tx1"/>
-                </a:solidFill>
-                <a:latin typeface="+mn-lt"/>
-                <a:ea typeface="+mn-ea"/>
-                <a:cs typeface="+mn-cs"/>
-              </a:defRPr>
-            </a:lvl2pPr>
-            <a:lvl3pPr marL="1143000" indent="-228600" algn="l" defTabSz="914400" rtl="0" eaLnBrk="1" latinLnBrk="0" hangingPunct="1">
-              <a:lnSpc>
-                <a:spcPct val="90000"/>
-              </a:lnSpc>
-              <a:spcBef>
-                <a:spcPts val="500"/>
-              </a:spcBef>
-              <a:buFont typeface="Arial"/>
-              <a:buChar char="•"/>
-              <a:defRPr sz="2000" kern="1200">
-                <a:solidFill>
-                  <a:schemeClr val="tx1"/>
-                </a:solidFill>
-                <a:latin typeface="+mn-lt"/>
-                <a:ea typeface="+mn-ea"/>
-                <a:cs typeface="+mn-cs"/>
-              </a:defRPr>
-            </a:lvl3pPr>
-            <a:lvl4pPr marL="1600200" indent="-228600" algn="l" defTabSz="914400" rtl="0" eaLnBrk="1" latinLnBrk="0" hangingPunct="1">
-              <a:lnSpc>
-                <a:spcPct val="90000"/>
-              </a:lnSpc>
-              <a:spcBef>
-                <a:spcPts val="500"/>
-              </a:spcBef>
-              <a:buFont typeface="Arial"/>
-              <a:buChar char="•"/>
-              <a:defRPr sz="1800" kern="1200">
-                <a:solidFill>
-                  <a:schemeClr val="tx1"/>
-                </a:solidFill>
-                <a:latin typeface="+mn-lt"/>
-                <a:ea typeface="+mn-ea"/>
-                <a:cs typeface="+mn-cs"/>
-              </a:defRPr>
-            </a:lvl4pPr>
-            <a:lvl5pPr marL="2057400" indent="-228600" algn="l" defTabSz="914400" rtl="0" eaLnBrk="1" latinLnBrk="0" hangingPunct="1">
-              <a:lnSpc>
-                <a:spcPct val="90000"/>
-              </a:lnSpc>
-              <a:spcBef>
-                <a:spcPts val="500"/>
-              </a:spcBef>
-              <a:buFont typeface="Arial"/>
-              <a:buChar char="•"/>
-              <a:defRPr sz="1800" kern="1200">
-                <a:solidFill>
-                  <a:schemeClr val="tx1"/>
-                </a:solidFill>
-                <a:latin typeface="+mn-lt"/>
-                <a:ea typeface="+mn-ea"/>
-                <a:cs typeface="+mn-cs"/>
-              </a:defRPr>
-            </a:lvl5pPr>
-            <a:lvl6pPr marL="2514600" indent="-228600" algn="l" defTabSz="914400" rtl="0" eaLnBrk="1" latinLnBrk="0" hangingPunct="1">
-              <a:lnSpc>
-                <a:spcPct val="90000"/>
-              </a:lnSpc>
-              <a:spcBef>
-                <a:spcPts val="500"/>
-              </a:spcBef>
-              <a:buFont typeface="Arial"/>
-              <a:buChar char="•"/>
-              <a:defRPr sz="1800" kern="1200">
-                <a:solidFill>
-                  <a:schemeClr val="tx1"/>
-                </a:solidFill>
-                <a:latin typeface="+mn-lt"/>
-                <a:ea typeface="+mn-ea"/>
-                <a:cs typeface="+mn-cs"/>
-              </a:defRPr>
-            </a:lvl6pPr>
-            <a:lvl7pPr marL="2971800" indent="-228600" algn="l" defTabSz="914400" rtl="0" eaLnBrk="1" latinLnBrk="0" hangingPunct="1">
-              <a:lnSpc>
-                <a:spcPct val="90000"/>
-              </a:lnSpc>
-              <a:spcBef>
-                <a:spcPts val="500"/>
-              </a:spcBef>
-              <a:buFont typeface="Arial"/>
-              <a:buChar char="•"/>
-              <a:defRPr sz="1800" kern="1200">
-                <a:solidFill>
-                  <a:schemeClr val="tx1"/>
-                </a:solidFill>
-                <a:latin typeface="+mn-lt"/>
-                <a:ea typeface="+mn-ea"/>
-                <a:cs typeface="+mn-cs"/>
-              </a:defRPr>
-            </a:lvl7pPr>
-            <a:lvl8pPr marL="3429000" indent="-228600" algn="l" defTabSz="914400" rtl="0" eaLnBrk="1" latinLnBrk="0" hangingPunct="1">
-              <a:lnSpc>
-                <a:spcPct val="90000"/>
-              </a:lnSpc>
-              <a:spcBef>
-                <a:spcPts val="500"/>
-              </a:spcBef>
-              <a:buFont typeface="Arial"/>
-              <a:buChar char="•"/>
-              <a:defRPr sz="1800" kern="1200">
-                <a:solidFill>
-                  <a:schemeClr val="tx1"/>
-                </a:solidFill>
-                <a:latin typeface="+mn-lt"/>
-                <a:ea typeface="+mn-ea"/>
-                <a:cs typeface="+mn-cs"/>
-              </a:defRPr>
-            </a:lvl8pPr>
-            <a:lvl9pPr marL="3886200" indent="-228600" algn="l" defTabSz="914400" rtl="0" eaLnBrk="1" latinLnBrk="0" hangingPunct="1">
-              <a:lnSpc>
-                <a:spcPct val="90000"/>
-              </a:lnSpc>
-              <a:spcBef>
-                <a:spcPts val="500"/>
-              </a:spcBef>
-              <a:buFont typeface="Arial"/>
-              <a:buChar char="•"/>
-              <a:defRPr sz="1800" kern="1200">
-                <a:solidFill>
-                  <a:schemeClr val="tx1"/>
-                </a:solidFill>
-                <a:latin typeface="+mn-lt"/>
-                <a:ea typeface="+mn-ea"/>
-                <a:cs typeface="+mn-cs"/>
-              </a:defRPr>
-            </a:lvl9pPr>
-          </a:lstStyle>
-          <a:p>
-            <a:r>
-              <a:rPr lang="en-US" sz="2400" dirty="0" smtClean="0"/>
-              <a:t>14 Activities (</a:t>
-            </a:r>
-            <a:r>
-              <a:rPr lang="en-US" sz="2400" b="1" i="1" u="sng" dirty="0" smtClean="0"/>
-              <a:t>without Eating</a:t>
-            </a:r>
-            <a:r>
-              <a:rPr lang="en-US" sz="2400" dirty="0" smtClean="0"/>
-              <a:t>)</a:t>
-            </a:r>
-          </a:p>
-          <a:p>
-            <a:r>
-              <a:rPr lang="en-US" sz="2400" b="1" dirty="0" smtClean="0"/>
-              <a:t>RF</a:t>
-            </a:r>
-            <a:r>
-              <a:rPr lang="en-US" sz="2400" dirty="0" smtClean="0">
-                <a:sym typeface="Wingdings"/>
-              </a:rPr>
-              <a:t> Number of Estimators = 500</a:t>
-            </a:r>
-            <a:endParaRPr lang="en-US" sz="2400" dirty="0" smtClean="0"/>
-          </a:p>
-          <a:p>
-            <a:endParaRPr lang="en-US" sz="2400" dirty="0"/>
-          </a:p>
-        </p:txBody>
-      </p:sp>
-      <mc:AlternateContent xmlns:mc="http://schemas.openxmlformats.org/markup-compatibility/2006">
-        <mc:Choice xmlns:a14="http://schemas.microsoft.com/office/drawing/2010/main" Requires="a14">
-          <p:graphicFrame>
-            <p:nvGraphicFramePr>
-              <p:cNvPr id="6" name="Table 5"/>
-              <p:cNvGraphicFramePr>
-                <a:graphicFrameLocks noGrp="1"/>
-              </p:cNvGraphicFramePr>
-              <p:nvPr>
-                <p:extLst>
-                  <p:ext uri="{D42A27DB-BD31-4B8C-83A1-F6EECF244321}">
-                    <p14:modId xmlns:p14="http://schemas.microsoft.com/office/powerpoint/2010/main" val="1940917319"/>
-                  </p:ext>
-                </p:extLst>
-              </p:nvPr>
-            </p:nvGraphicFramePr>
-            <p:xfrm>
-              <a:off x="1434882" y="2527676"/>
-              <a:ext cx="9322236" cy="3078480"/>
-            </p:xfrm>
-            <a:graphic>
-              <a:graphicData uri="http://schemas.openxmlformats.org/drawingml/2006/table">
-                <a:tbl>
-                  <a:tblPr firstRow="1" bandRow="1">
-                    <a:tableStyleId>{5C22544A-7EE6-4342-B048-85BDC9FD1C3A}</a:tableStyleId>
-                  </a:tblPr>
-                  <a:tblGrid>
-                    <a:gridCol w="2693227"/>
-                    <a:gridCol w="2167533"/>
-                    <a:gridCol w="2389403"/>
-                    <a:gridCol w="2072073"/>
-                  </a:tblGrid>
-                  <a:tr h="370840">
-                    <a:tc>
-                      <a:txBody>
-                        <a:bodyPr/>
-                        <a:lstStyle/>
-                        <a:p>
-                          <a:pPr algn="ctr"/>
-                          <a:r>
-                            <a:rPr lang="en-US" sz="2000" dirty="0" smtClean="0"/>
-                            <a:t>LOO Subject</a:t>
-                          </a:r>
-                          <a:endParaRPr lang="en-US" sz="2000" dirty="0"/>
-                        </a:p>
-                      </a:txBody>
-                      <a:tcPr/>
-                    </a:tc>
-                    <a:tc>
-                      <a:txBody>
-                        <a:bodyPr/>
-                        <a:lstStyle/>
-                        <a:p>
-                          <a:pPr algn="ctr"/>
-                          <a:r>
-                            <a:rPr lang="en-US" sz="2000" dirty="0" smtClean="0"/>
-                            <a:t>F1 </a:t>
-                          </a:r>
-                          <a:r>
-                            <a:rPr lang="en-US" sz="2000" baseline="0" dirty="0" smtClean="0"/>
-                            <a:t>Mean</a:t>
-                          </a:r>
-                          <a:endParaRPr lang="en-US" sz="2000" baseline="0" dirty="0" smtClean="0"/>
-                        </a:p>
-                        <a:p>
-                          <a:pPr algn="ctr"/>
-                          <a:r>
-                            <a:rPr lang="en-US" sz="2000" baseline="0" dirty="0" smtClean="0"/>
-                            <a:t>(SP + SW)</a:t>
-                          </a:r>
-                          <a:endParaRPr lang="en-US" sz="2000" dirty="0"/>
-                        </a:p>
-                      </a:txBody>
-                      <a:tcPr/>
-                    </a:tc>
-                    <a:tc>
-                      <a:txBody>
-                        <a:bodyPr/>
-                        <a:lstStyle/>
-                        <a:p>
-                          <a:pPr algn="ctr"/>
-                          <a:r>
-                            <a:rPr lang="en-US" sz="2000" dirty="0" smtClean="0"/>
-                            <a:t>LOO Subject</a:t>
-                          </a:r>
-                          <a:endParaRPr lang="en-US" sz="2000" dirty="0"/>
-                        </a:p>
-                      </a:txBody>
-                      <a:tcPr/>
-                    </a:tc>
-                    <a:tc>
-                      <a:txBody>
-                        <a:bodyPr/>
-                        <a:lstStyle/>
-                        <a:p>
-                          <a:pPr algn="ctr"/>
-                          <a:r>
-                            <a:rPr lang="en-US" sz="2000" dirty="0" smtClean="0"/>
-                            <a:t>F1 </a:t>
-                          </a:r>
-                          <a:r>
-                            <a:rPr lang="en-US" sz="2000" dirty="0" smtClean="0"/>
-                            <a:t>Mean</a:t>
-                          </a:r>
-                        </a:p>
-                        <a:p>
-                          <a:pPr algn="ctr"/>
-                          <a:r>
-                            <a:rPr lang="en-US" sz="2000" dirty="0" smtClean="0"/>
-                            <a:t>(SP + SW)</a:t>
-                          </a:r>
-                          <a:endParaRPr lang="en-US" sz="2000" dirty="0"/>
-                        </a:p>
-                      </a:txBody>
-                      <a:tcPr/>
-                    </a:tc>
-                  </a:tr>
-                  <a:tr h="370840">
-                    <a:tc>
-                      <a:txBody>
-                        <a:bodyPr/>
-                        <a:lstStyle/>
-                        <a:p>
-                          <a:r>
-                            <a:rPr lang="en-US" sz="2000" dirty="0" smtClean="0"/>
-                            <a:t>Edwin</a:t>
-                          </a:r>
-                          <a:endParaRPr lang="en-US" sz="2000" dirty="0"/>
-                        </a:p>
-                      </a:txBody>
-                      <a:tcPr/>
-                    </a:tc>
-                    <a:tc>
-                      <a:txBody>
-                        <a:bodyPr/>
-                        <a:lstStyle/>
-                        <a:p>
-                          <a:pPr marL="0" marR="0" indent="0" algn="ctr" defTabSz="914400" rtl="0" eaLnBrk="1" fontAlgn="auto" latinLnBrk="0" hangingPunct="1">
-                            <a:lnSpc>
-                              <a:spcPct val="100000"/>
-                            </a:lnSpc>
-                            <a:spcBef>
-                              <a:spcPts val="0"/>
-                            </a:spcBef>
-                            <a:spcAft>
-                              <a:spcPts val="0"/>
-                            </a:spcAft>
-                            <a:buClrTx/>
-                            <a:buSzTx/>
-                            <a:buFontTx/>
-                            <a:buNone/>
-                            <a:tabLst/>
-                            <a:defRPr/>
-                          </a:pPr>
-                          <a:r>
-                            <a:rPr lang="en-US" sz="2000" dirty="0" smtClean="0">
-                              <a:ea typeface="Cambria Math" charset="0"/>
-                              <a:cs typeface="Cambria Math" charset="0"/>
-                            </a:rPr>
-                            <a:t>84.78%</a:t>
-                          </a:r>
-                          <a:r>
-                            <a:rPr lang="en-US" sz="2000" baseline="0" dirty="0" smtClean="0">
-                              <a:ea typeface="Cambria Math" charset="0"/>
-                              <a:cs typeface="Cambria Math" charset="0"/>
-                            </a:rPr>
-                            <a:t> </a:t>
-                          </a:r>
-                          <a14:m>
-                            <m:oMath xmlns:m="http://schemas.openxmlformats.org/officeDocument/2006/math">
-                              <m:r>
-                                <a:rPr lang="en-US" sz="2000" i="1" smtClean="0">
-                                  <a:latin typeface="Cambria Math" charset="0"/>
-                                  <a:ea typeface="Cambria Math" charset="0"/>
-                                  <a:cs typeface="Cambria Math" charset="0"/>
-                                </a:rPr>
-                                <m:t>±</m:t>
-                              </m:r>
-                            </m:oMath>
-                          </a14:m>
-                          <a:r>
-                            <a:rPr lang="en-US" sz="2000" dirty="0" smtClean="0"/>
-                            <a:t> </a:t>
-                          </a:r>
-                          <a:r>
-                            <a:rPr lang="en-US" sz="2000" dirty="0" smtClean="0"/>
-                            <a:t>0.20%</a:t>
-                          </a:r>
-                          <a:endParaRPr lang="en-US" sz="2000" dirty="0"/>
-                        </a:p>
-                      </a:txBody>
-                      <a:tcPr/>
-                    </a:tc>
-                    <a:tc>
-                      <a:txBody>
-                        <a:bodyPr/>
-                        <a:lstStyle/>
-                        <a:p>
-                          <a:pPr marL="0" marR="0" indent="0" algn="ctr" defTabSz="914400" rtl="0" eaLnBrk="1" fontAlgn="auto" latinLnBrk="0" hangingPunct="1">
-                            <a:lnSpc>
-                              <a:spcPct val="100000"/>
-                            </a:lnSpc>
-                            <a:spcBef>
-                              <a:spcPts val="0"/>
-                            </a:spcBef>
-                            <a:spcAft>
-                              <a:spcPts val="0"/>
-                            </a:spcAft>
-                            <a:buClrTx/>
-                            <a:buSzTx/>
-                            <a:buFontTx/>
-                            <a:buNone/>
-                            <a:tabLst/>
-                            <a:defRPr/>
-                          </a:pPr>
-                          <a:r>
-                            <a:rPr lang="en-US" sz="2000" dirty="0" smtClean="0"/>
-                            <a:t>Samuel</a:t>
-                          </a:r>
-                          <a:endParaRPr lang="en-US" sz="2000" dirty="0"/>
-                        </a:p>
-                      </a:txBody>
-                      <a:tcPr/>
-                    </a:tc>
-                    <a:tc>
-                      <a:txBody>
-                        <a:bodyPr/>
-                        <a:lstStyle/>
-                        <a:p>
-                          <a:pPr marL="0" marR="0" indent="0" algn="ctr" defTabSz="914400" rtl="0" eaLnBrk="1" fontAlgn="auto" latinLnBrk="0" hangingPunct="1">
-                            <a:lnSpc>
-                              <a:spcPct val="100000"/>
-                            </a:lnSpc>
-                            <a:spcBef>
-                              <a:spcPts val="0"/>
-                            </a:spcBef>
-                            <a:spcAft>
-                              <a:spcPts val="0"/>
-                            </a:spcAft>
-                            <a:buClrTx/>
-                            <a:buSzTx/>
-                            <a:buFontTx/>
-                            <a:buNone/>
-                            <a:tabLst/>
-                            <a:defRPr/>
-                          </a:pPr>
-                          <a:r>
-                            <a:rPr lang="en-US" sz="2000" dirty="0" smtClean="0">
-                              <a:ea typeface="Cambria Math" charset="0"/>
-                              <a:cs typeface="Cambria Math" charset="0"/>
-                            </a:rPr>
-                            <a:t>89.29%</a:t>
-                          </a:r>
-                          <a:r>
-                            <a:rPr lang="en-US" sz="2000" baseline="0" dirty="0" smtClean="0">
-                              <a:ea typeface="Cambria Math" charset="0"/>
-                              <a:cs typeface="Cambria Math" charset="0"/>
-                            </a:rPr>
-                            <a:t> </a:t>
-                          </a:r>
-                          <a14:m>
-                            <m:oMath xmlns:m="http://schemas.openxmlformats.org/officeDocument/2006/math">
-                              <m:r>
-                                <a:rPr lang="en-US" sz="2000" i="1" smtClean="0">
-                                  <a:latin typeface="Cambria Math" charset="0"/>
-                                  <a:ea typeface="Cambria Math" charset="0"/>
-                                  <a:cs typeface="Cambria Math" charset="0"/>
-                                </a:rPr>
-                                <m:t>±</m:t>
-                              </m:r>
-                            </m:oMath>
-                          </a14:m>
-                          <a:r>
-                            <a:rPr lang="en-US" sz="2000" dirty="0" smtClean="0"/>
-                            <a:t> </a:t>
-                          </a:r>
-                          <a:r>
-                            <a:rPr lang="en-US" sz="2000" dirty="0" smtClean="0"/>
-                            <a:t>0.14%</a:t>
-                          </a:r>
-                          <a:endParaRPr lang="en-US" sz="2000" dirty="0"/>
-                        </a:p>
-                      </a:txBody>
-                      <a:tcPr/>
-                    </a:tc>
-                  </a:tr>
-                  <a:tr h="370840">
-                    <a:tc>
-                      <a:txBody>
-                        <a:bodyPr/>
-                        <a:lstStyle/>
-                        <a:p>
-                          <a:r>
-                            <a:rPr lang="en-US" sz="2000" dirty="0" smtClean="0"/>
-                            <a:t>Lauren</a:t>
-                          </a:r>
-                          <a:endParaRPr lang="en-US" sz="2000" dirty="0"/>
-                        </a:p>
-                      </a:txBody>
-                      <a:tcPr/>
-                    </a:tc>
-                    <a:tc>
-                      <a:txBody>
-                        <a:bodyPr/>
-                        <a:lstStyle/>
-                        <a:p>
-                          <a:pPr marL="0" marR="0" indent="0" algn="ctr" defTabSz="914400" rtl="0" eaLnBrk="1" fontAlgn="auto" latinLnBrk="0" hangingPunct="1">
-                            <a:lnSpc>
-                              <a:spcPct val="100000"/>
-                            </a:lnSpc>
-                            <a:spcBef>
-                              <a:spcPts val="0"/>
-                            </a:spcBef>
-                            <a:spcAft>
-                              <a:spcPts val="0"/>
-                            </a:spcAft>
-                            <a:buClrTx/>
-                            <a:buSzTx/>
-                            <a:buFontTx/>
-                            <a:buNone/>
-                            <a:tabLst/>
-                            <a:defRPr/>
-                          </a:pPr>
-                          <a:r>
-                            <a:rPr lang="en-US" sz="2000" dirty="0" smtClean="0">
-                              <a:ea typeface="Cambria Math" charset="0"/>
-                              <a:cs typeface="Cambria Math" charset="0"/>
-                            </a:rPr>
-                            <a:t>59.18%</a:t>
-                          </a:r>
-                          <a:r>
-                            <a:rPr lang="en-US" sz="2000" baseline="0" dirty="0" smtClean="0">
-                              <a:ea typeface="Cambria Math" charset="0"/>
-                              <a:cs typeface="Cambria Math" charset="0"/>
-                            </a:rPr>
-                            <a:t> </a:t>
-                          </a:r>
-                          <a14:m>
-                            <m:oMath xmlns:m="http://schemas.openxmlformats.org/officeDocument/2006/math">
-                              <m:r>
-                                <a:rPr lang="en-US" sz="2000" i="1" smtClean="0">
-                                  <a:latin typeface="Cambria Math" charset="0"/>
-                                  <a:ea typeface="Cambria Math" charset="0"/>
-                                  <a:cs typeface="Cambria Math" charset="0"/>
-                                </a:rPr>
-                                <m:t>±</m:t>
-                              </m:r>
-                            </m:oMath>
-                          </a14:m>
-                          <a:r>
-                            <a:rPr lang="en-US" sz="2000" dirty="0" smtClean="0"/>
-                            <a:t> </a:t>
-                          </a:r>
-                          <a:r>
-                            <a:rPr lang="en-US" sz="2000" dirty="0" smtClean="0"/>
-                            <a:t>0.53%</a:t>
-                          </a:r>
-                          <a:endParaRPr lang="en-US" sz="2000" dirty="0"/>
-                        </a:p>
-                      </a:txBody>
-                      <a:tcPr/>
-                    </a:tc>
-                    <a:tc>
-                      <a:txBody>
-                        <a:bodyPr/>
-                        <a:lstStyle/>
-                        <a:p>
-                          <a:pPr algn="ctr"/>
-                          <a:r>
-                            <a:rPr lang="en-US" sz="2000" dirty="0" smtClean="0"/>
-                            <a:t>Elmo</a:t>
-                          </a:r>
-                          <a:endParaRPr lang="en-US" sz="2000" dirty="0"/>
-                        </a:p>
-                      </a:txBody>
-                      <a:tcPr/>
-                    </a:tc>
-                    <a:tc>
-                      <a:txBody>
-                        <a:bodyPr/>
-                        <a:lstStyle/>
-                        <a:p>
-                          <a:pPr marL="0" marR="0" indent="0" algn="ctr" defTabSz="914400" rtl="0" eaLnBrk="1" fontAlgn="auto" latinLnBrk="0" hangingPunct="1">
-                            <a:lnSpc>
-                              <a:spcPct val="100000"/>
-                            </a:lnSpc>
-                            <a:spcBef>
-                              <a:spcPts val="0"/>
-                            </a:spcBef>
-                            <a:spcAft>
-                              <a:spcPts val="0"/>
-                            </a:spcAft>
-                            <a:buClrTx/>
-                            <a:buSzTx/>
-                            <a:buFontTx/>
-                            <a:buNone/>
-                            <a:tabLst/>
-                            <a:defRPr/>
-                          </a:pPr>
-                          <a:r>
-                            <a:rPr lang="en-US" sz="2000" dirty="0" smtClean="0">
-                              <a:ea typeface="Cambria Math" charset="0"/>
-                              <a:cs typeface="Cambria Math" charset="0"/>
-                            </a:rPr>
-                            <a:t>87.64%</a:t>
-                          </a:r>
-                          <a:r>
-                            <a:rPr lang="en-US" sz="2000" baseline="0" dirty="0" smtClean="0">
-                              <a:ea typeface="Cambria Math" charset="0"/>
-                              <a:cs typeface="Cambria Math" charset="0"/>
-                            </a:rPr>
-                            <a:t> </a:t>
-                          </a:r>
-                          <a14:m>
-                            <m:oMath xmlns:m="http://schemas.openxmlformats.org/officeDocument/2006/math">
-                              <m:r>
-                                <a:rPr lang="en-US" sz="2000" i="1" smtClean="0">
-                                  <a:latin typeface="Cambria Math" charset="0"/>
-                                  <a:ea typeface="Cambria Math" charset="0"/>
-                                  <a:cs typeface="Cambria Math" charset="0"/>
-                                </a:rPr>
-                                <m:t>±</m:t>
-                              </m:r>
-                            </m:oMath>
-                          </a14:m>
-                          <a:r>
-                            <a:rPr lang="en-US" sz="2000" dirty="0" smtClean="0"/>
-                            <a:t> </a:t>
-                          </a:r>
-                          <a:r>
-                            <a:rPr lang="en-US" sz="2000" dirty="0" smtClean="0"/>
-                            <a:t>0.33%</a:t>
-                          </a:r>
-                          <a:endParaRPr lang="en-US" sz="2000" dirty="0"/>
-                        </a:p>
-                      </a:txBody>
-                      <a:tcPr/>
-                    </a:tc>
-                  </a:tr>
-                  <a:tr h="370840">
-                    <a:tc>
-                      <a:txBody>
-                        <a:bodyPr/>
-                        <a:lstStyle/>
-                        <a:p>
-                          <a:r>
-                            <a:rPr lang="en-US" sz="2000" dirty="0" err="1" smtClean="0"/>
-                            <a:t>Shelina</a:t>
-                          </a:r>
-                          <a:endParaRPr lang="en-US" sz="2000" dirty="0"/>
-                        </a:p>
-                      </a:txBody>
-                      <a:tcPr/>
-                    </a:tc>
-                    <a:tc>
-                      <a:txBody>
-                        <a:bodyPr/>
-                        <a:lstStyle/>
-                        <a:p>
-                          <a:pPr marL="0" marR="0" indent="0" algn="ctr" defTabSz="914400" rtl="0" eaLnBrk="1" fontAlgn="auto" latinLnBrk="0" hangingPunct="1">
-                            <a:lnSpc>
-                              <a:spcPct val="100000"/>
-                            </a:lnSpc>
-                            <a:spcBef>
-                              <a:spcPts val="0"/>
-                            </a:spcBef>
-                            <a:spcAft>
-                              <a:spcPts val="0"/>
-                            </a:spcAft>
-                            <a:buClrTx/>
-                            <a:buSzTx/>
-                            <a:buFontTx/>
-                            <a:buNone/>
-                            <a:tabLst/>
-                            <a:defRPr/>
-                          </a:pPr>
-                          <a:r>
-                            <a:rPr lang="en-US" sz="2000" dirty="0" smtClean="0">
-                              <a:ea typeface="Cambria Math" charset="0"/>
-                              <a:cs typeface="Cambria Math" charset="0"/>
-                            </a:rPr>
-                            <a:t>75.17%</a:t>
-                          </a:r>
-                          <a:r>
-                            <a:rPr lang="en-US" sz="2000" baseline="0" dirty="0" smtClean="0">
-                              <a:ea typeface="Cambria Math" charset="0"/>
-                              <a:cs typeface="Cambria Math" charset="0"/>
-                            </a:rPr>
-                            <a:t> </a:t>
-                          </a:r>
-                          <a14:m>
-                            <m:oMath xmlns:m="http://schemas.openxmlformats.org/officeDocument/2006/math">
-                              <m:r>
-                                <a:rPr lang="en-US" sz="2000" i="1" smtClean="0">
-                                  <a:latin typeface="Cambria Math" charset="0"/>
-                                  <a:ea typeface="Cambria Math" charset="0"/>
-                                  <a:cs typeface="Cambria Math" charset="0"/>
-                                </a:rPr>
-                                <m:t>±</m:t>
-                              </m:r>
-                            </m:oMath>
-                          </a14:m>
-                          <a:r>
-                            <a:rPr lang="en-US" sz="2000" dirty="0" smtClean="0"/>
-                            <a:t> </a:t>
-                          </a:r>
-                          <a:r>
-                            <a:rPr lang="en-US" sz="2000" dirty="0" smtClean="0"/>
-                            <a:t>0.67%</a:t>
-                          </a:r>
-                          <a:endParaRPr lang="en-US" sz="2000" dirty="0"/>
-                        </a:p>
-                      </a:txBody>
-                      <a:tcPr/>
-                    </a:tc>
-                    <a:tc>
-                      <a:txBody>
-                        <a:bodyPr/>
-                        <a:lstStyle/>
-                        <a:p>
-                          <a:pPr algn="ctr"/>
-                          <a:r>
-                            <a:rPr lang="en-US" sz="2000" dirty="0" smtClean="0"/>
-                            <a:t>Monica</a:t>
-                          </a:r>
-                          <a:endParaRPr lang="en-US" sz="2000" dirty="0"/>
-                        </a:p>
-                      </a:txBody>
-                      <a:tcPr/>
-                    </a:tc>
-                    <a:tc>
-                      <a:txBody>
-                        <a:bodyPr/>
-                        <a:lstStyle/>
-                        <a:p>
-                          <a:pPr marL="0" marR="0" indent="0" algn="ctr" defTabSz="914400" rtl="0" eaLnBrk="1" fontAlgn="auto" latinLnBrk="0" hangingPunct="1">
-                            <a:lnSpc>
-                              <a:spcPct val="100000"/>
-                            </a:lnSpc>
-                            <a:spcBef>
-                              <a:spcPts val="0"/>
-                            </a:spcBef>
-                            <a:spcAft>
-                              <a:spcPts val="0"/>
-                            </a:spcAft>
-                            <a:buClrTx/>
-                            <a:buSzTx/>
-                            <a:buFontTx/>
-                            <a:buNone/>
-                            <a:tabLst/>
-                            <a:defRPr/>
-                          </a:pPr>
-                          <a:r>
-                            <a:rPr lang="en-US" sz="2000" dirty="0" smtClean="0">
-                              <a:ea typeface="Cambria Math" charset="0"/>
-                              <a:cs typeface="Cambria Math" charset="0"/>
-                            </a:rPr>
-                            <a:t>76.44%</a:t>
-                          </a:r>
-                          <a:r>
-                            <a:rPr lang="en-US" sz="2000" baseline="0" dirty="0" smtClean="0">
-                              <a:ea typeface="Cambria Math" charset="0"/>
-                              <a:cs typeface="Cambria Math" charset="0"/>
-                            </a:rPr>
-                            <a:t> </a:t>
-                          </a:r>
-                          <a14:m>
-                            <m:oMath xmlns:m="http://schemas.openxmlformats.org/officeDocument/2006/math">
-                              <m:r>
-                                <a:rPr lang="en-US" sz="2000" i="1" smtClean="0">
-                                  <a:latin typeface="Cambria Math" charset="0"/>
-                                  <a:ea typeface="Cambria Math" charset="0"/>
-                                  <a:cs typeface="Cambria Math" charset="0"/>
-                                </a:rPr>
-                                <m:t>±</m:t>
-                              </m:r>
-                            </m:oMath>
-                          </a14:m>
-                          <a:r>
-                            <a:rPr lang="en-US" sz="2000" dirty="0" smtClean="0"/>
-                            <a:t> </a:t>
-                          </a:r>
-                          <a:r>
-                            <a:rPr lang="en-US" sz="2000" dirty="0" smtClean="0"/>
-                            <a:t>0.59%</a:t>
-                          </a:r>
-                          <a:endParaRPr lang="en-US" sz="2000" dirty="0"/>
-                        </a:p>
-                      </a:txBody>
-                      <a:tcPr/>
-                    </a:tc>
-                  </a:tr>
-                  <a:tr h="370840">
-                    <a:tc>
-                      <a:txBody>
-                        <a:bodyPr/>
-                        <a:lstStyle/>
-                        <a:p>
-                          <a:r>
-                            <a:rPr lang="en-US" sz="2000" dirty="0" err="1" smtClean="0"/>
-                            <a:t>Mellita</a:t>
-                          </a:r>
-                          <a:endParaRPr lang="en-US" sz="2000" dirty="0"/>
-                        </a:p>
-                      </a:txBody>
-                      <a:tcPr/>
-                    </a:tc>
-                    <a:tc>
-                      <a:txBody>
-                        <a:bodyPr/>
-                        <a:lstStyle/>
-                        <a:p>
-                          <a:pPr marL="0" marR="0" indent="0" algn="ctr" defTabSz="914400" rtl="0" eaLnBrk="1" fontAlgn="auto" latinLnBrk="0" hangingPunct="1">
-                            <a:lnSpc>
-                              <a:spcPct val="100000"/>
-                            </a:lnSpc>
-                            <a:spcBef>
-                              <a:spcPts val="0"/>
-                            </a:spcBef>
-                            <a:spcAft>
-                              <a:spcPts val="0"/>
-                            </a:spcAft>
-                            <a:buClrTx/>
-                            <a:buSzTx/>
-                            <a:buFontTx/>
-                            <a:buNone/>
-                            <a:tabLst/>
-                            <a:defRPr/>
-                          </a:pPr>
-                          <a:r>
-                            <a:rPr lang="en-US" sz="2000" dirty="0" smtClean="0">
-                              <a:ea typeface="Cambria Math" charset="0"/>
-                              <a:cs typeface="Cambria Math" charset="0"/>
-                            </a:rPr>
-                            <a:t>79.56%</a:t>
-                          </a:r>
-                          <a:r>
-                            <a:rPr lang="en-US" sz="2000" baseline="0" dirty="0" smtClean="0">
-                              <a:ea typeface="Cambria Math" charset="0"/>
-                              <a:cs typeface="Cambria Math" charset="0"/>
-                            </a:rPr>
-                            <a:t> </a:t>
-                          </a:r>
-                          <a14:m>
-                            <m:oMath xmlns:m="http://schemas.openxmlformats.org/officeDocument/2006/math">
-                              <m:r>
-                                <a:rPr lang="en-US" sz="2000" i="1" smtClean="0">
-                                  <a:latin typeface="Cambria Math" charset="0"/>
-                                  <a:ea typeface="Cambria Math" charset="0"/>
-                                  <a:cs typeface="Cambria Math" charset="0"/>
-                                </a:rPr>
-                                <m:t>±</m:t>
-                              </m:r>
-                            </m:oMath>
-                          </a14:m>
-                          <a:r>
-                            <a:rPr lang="en-US" sz="2000" dirty="0" smtClean="0"/>
-                            <a:t> </a:t>
-                          </a:r>
-                          <a:r>
-                            <a:rPr lang="en-US" sz="2000" dirty="0" smtClean="0"/>
-                            <a:t>0.85%</a:t>
-                          </a:r>
-                          <a:endParaRPr lang="en-US" sz="2000" dirty="0"/>
-                        </a:p>
-                      </a:txBody>
-                      <a:tcPr/>
-                    </a:tc>
-                    <a:tc>
-                      <a:txBody>
-                        <a:bodyPr/>
-                        <a:lstStyle/>
-                        <a:p>
-                          <a:pPr algn="ctr"/>
-                          <a:r>
-                            <a:rPr lang="en-US" sz="2000" dirty="0" smtClean="0"/>
-                            <a:t>Inge</a:t>
-                          </a:r>
-                          <a:endParaRPr lang="en-US" sz="2000" dirty="0"/>
-                        </a:p>
-                      </a:txBody>
-                      <a:tcPr/>
-                    </a:tc>
-                    <a:tc>
-                      <a:txBody>
-                        <a:bodyPr/>
-                        <a:lstStyle/>
-                        <a:p>
-                          <a:pPr marL="0" marR="0" indent="0" algn="ctr" defTabSz="914400" rtl="0" eaLnBrk="1" fontAlgn="auto" latinLnBrk="0" hangingPunct="1">
-                            <a:lnSpc>
-                              <a:spcPct val="100000"/>
-                            </a:lnSpc>
-                            <a:spcBef>
-                              <a:spcPts val="0"/>
-                            </a:spcBef>
-                            <a:spcAft>
-                              <a:spcPts val="0"/>
-                            </a:spcAft>
-                            <a:buClrTx/>
-                            <a:buSzTx/>
-                            <a:buFontTx/>
-                            <a:buNone/>
-                            <a:tabLst/>
-                            <a:defRPr/>
-                          </a:pPr>
-                          <a:r>
-                            <a:rPr lang="en-US" sz="2000" dirty="0" smtClean="0">
-                              <a:ea typeface="Cambria Math" charset="0"/>
-                              <a:cs typeface="Cambria Math" charset="0"/>
-                            </a:rPr>
-                            <a:t>64.81%</a:t>
-                          </a:r>
-                          <a:r>
-                            <a:rPr lang="en-US" sz="2000" baseline="0" dirty="0" smtClean="0">
-                              <a:ea typeface="Cambria Math" charset="0"/>
-                              <a:cs typeface="Cambria Math" charset="0"/>
-                            </a:rPr>
-                            <a:t> </a:t>
-                          </a:r>
-                          <a14:m>
-                            <m:oMath xmlns:m="http://schemas.openxmlformats.org/officeDocument/2006/math">
-                              <m:r>
-                                <a:rPr lang="en-US" sz="2000" i="1" smtClean="0">
-                                  <a:latin typeface="Cambria Math" charset="0"/>
-                                  <a:ea typeface="Cambria Math" charset="0"/>
-                                  <a:cs typeface="Cambria Math" charset="0"/>
-                                </a:rPr>
-                                <m:t>±</m:t>
-                              </m:r>
-                            </m:oMath>
-                          </a14:m>
-                          <a:r>
-                            <a:rPr lang="en-US" sz="2000" dirty="0" smtClean="0"/>
-                            <a:t> </a:t>
-                          </a:r>
-                          <a:r>
-                            <a:rPr lang="en-US" sz="2000" dirty="0" smtClean="0"/>
-                            <a:t>0.22%</a:t>
-                          </a:r>
-                          <a:endParaRPr lang="en-US" sz="2000" dirty="0"/>
-                        </a:p>
-                      </a:txBody>
-                      <a:tcPr/>
-                    </a:tc>
-                  </a:tr>
-                  <a:tr h="370840">
-                    <a:tc>
-                      <a:txBody>
-                        <a:bodyPr/>
-                        <a:lstStyle/>
-                        <a:p>
-                          <a:r>
-                            <a:rPr lang="en-US" sz="2000" dirty="0" smtClean="0"/>
-                            <a:t>Nikolas</a:t>
-                          </a:r>
-                          <a:endParaRPr lang="en-US" sz="2000" dirty="0"/>
-                        </a:p>
-                      </a:txBody>
-                      <a:tcPr/>
-                    </a:tc>
-                    <a:tc>
-                      <a:txBody>
-                        <a:bodyPr/>
-                        <a:lstStyle/>
-                        <a:p>
-                          <a:pPr marL="0" marR="0" indent="0" algn="ctr" defTabSz="914400" rtl="0" eaLnBrk="1" fontAlgn="auto" latinLnBrk="0" hangingPunct="1">
-                            <a:lnSpc>
-                              <a:spcPct val="100000"/>
-                            </a:lnSpc>
-                            <a:spcBef>
-                              <a:spcPts val="0"/>
-                            </a:spcBef>
-                            <a:spcAft>
-                              <a:spcPts val="0"/>
-                            </a:spcAft>
-                            <a:buClrTx/>
-                            <a:buSzTx/>
-                            <a:buFontTx/>
-                            <a:buNone/>
-                            <a:tabLst/>
-                            <a:defRPr/>
-                          </a:pPr>
-                          <a:r>
-                            <a:rPr lang="en-US" sz="2000" dirty="0" smtClean="0">
-                              <a:ea typeface="Cambria Math" charset="0"/>
-                              <a:cs typeface="Cambria Math" charset="0"/>
-                            </a:rPr>
-                            <a:t>82.61%</a:t>
-                          </a:r>
-                          <a:r>
-                            <a:rPr lang="en-US" sz="2000" baseline="0" dirty="0" smtClean="0">
-                              <a:ea typeface="Cambria Math" charset="0"/>
-                              <a:cs typeface="Cambria Math" charset="0"/>
-                            </a:rPr>
-                            <a:t> </a:t>
-                          </a:r>
-                          <a14:m>
-                            <m:oMath xmlns:m="http://schemas.openxmlformats.org/officeDocument/2006/math">
-                              <m:r>
-                                <a:rPr lang="en-US" sz="2000" i="1" smtClean="0">
-                                  <a:latin typeface="Cambria Math" charset="0"/>
-                                  <a:ea typeface="Cambria Math" charset="0"/>
-                                  <a:cs typeface="Cambria Math" charset="0"/>
-                                </a:rPr>
-                                <m:t>±</m:t>
-                              </m:r>
-                            </m:oMath>
-                          </a14:m>
-                          <a:r>
-                            <a:rPr lang="en-US" sz="2000" dirty="0" smtClean="0"/>
-                            <a:t> </a:t>
-                          </a:r>
-                          <a:r>
-                            <a:rPr lang="en-US" sz="2000" dirty="0" smtClean="0"/>
-                            <a:t>0.12%</a:t>
-                          </a:r>
-                          <a:endParaRPr lang="en-US" sz="2000" dirty="0"/>
-                        </a:p>
-                      </a:txBody>
-                      <a:tcPr/>
-                    </a:tc>
-                    <a:tc>
-                      <a:txBody>
-                        <a:bodyPr/>
-                        <a:lstStyle/>
-                        <a:p>
-                          <a:pPr algn="ctr"/>
-                          <a:r>
-                            <a:rPr lang="en-US" sz="2000" dirty="0" err="1" smtClean="0"/>
-                            <a:t>Andri</a:t>
-                          </a:r>
-                          <a:endParaRPr lang="en-US" sz="2000" dirty="0"/>
-                        </a:p>
-                      </a:txBody>
-                      <a:tcPr/>
-                    </a:tc>
-                    <a:tc>
-                      <a:txBody>
-                        <a:bodyPr/>
-                        <a:lstStyle/>
-                        <a:p>
-                          <a:pPr marL="0" marR="0" indent="0" algn="ctr" defTabSz="914400" rtl="0" eaLnBrk="1" fontAlgn="auto" latinLnBrk="0" hangingPunct="1">
-                            <a:lnSpc>
-                              <a:spcPct val="100000"/>
-                            </a:lnSpc>
-                            <a:spcBef>
-                              <a:spcPts val="0"/>
-                            </a:spcBef>
-                            <a:spcAft>
-                              <a:spcPts val="0"/>
-                            </a:spcAft>
-                            <a:buClrTx/>
-                            <a:buSzTx/>
-                            <a:buFontTx/>
-                            <a:buNone/>
-                            <a:tabLst/>
-                            <a:defRPr/>
-                          </a:pPr>
-                          <a:r>
-                            <a:rPr lang="en-US" sz="2000" dirty="0" smtClean="0">
-                              <a:ea typeface="Cambria Math" charset="0"/>
-                              <a:cs typeface="Cambria Math" charset="0"/>
-                            </a:rPr>
-                            <a:t>76.66%</a:t>
-                          </a:r>
-                          <a:r>
-                            <a:rPr lang="en-US" sz="2000" baseline="0" dirty="0" smtClean="0">
-                              <a:ea typeface="Cambria Math" charset="0"/>
-                              <a:cs typeface="Cambria Math" charset="0"/>
-                            </a:rPr>
-                            <a:t> </a:t>
-                          </a:r>
-                          <a14:m>
-                            <m:oMath xmlns:m="http://schemas.openxmlformats.org/officeDocument/2006/math">
-                              <m:r>
-                                <a:rPr lang="en-US" sz="2000" i="1" smtClean="0">
-                                  <a:latin typeface="Cambria Math" charset="0"/>
-                                  <a:ea typeface="Cambria Math" charset="0"/>
-                                  <a:cs typeface="Cambria Math" charset="0"/>
-                                </a:rPr>
-                                <m:t>±</m:t>
-                              </m:r>
-                            </m:oMath>
-                          </a14:m>
-                          <a:r>
-                            <a:rPr lang="en-US" sz="2000" dirty="0" smtClean="0"/>
-                            <a:t> 0.10%</a:t>
-                          </a:r>
-                          <a:endParaRPr lang="en-US" sz="2000" dirty="0"/>
-                        </a:p>
-                      </a:txBody>
-                      <a:tcPr/>
-                    </a:tc>
-                  </a:tr>
-                  <a:tr h="370840">
-                    <a:tc>
-                      <a:txBody>
-                        <a:bodyPr/>
-                        <a:lstStyle/>
-                        <a:p>
-                          <a:r>
-                            <a:rPr lang="en-US" sz="2000" b="1" dirty="0" smtClean="0"/>
-                            <a:t>Average</a:t>
-                          </a:r>
-                          <a:endParaRPr lang="en-US" sz="2000" b="1" dirty="0"/>
-                        </a:p>
-                      </a:txBody>
-                      <a:tcPr/>
-                    </a:tc>
-                    <a:tc gridSpan="3">
-                      <a:txBody>
-                        <a:bodyPr/>
-                        <a:lstStyle/>
-                        <a:p>
-                          <a:pPr algn="ctr"/>
-                          <a:r>
-                            <a:rPr lang="en-US" sz="2000" dirty="0" smtClean="0"/>
-                            <a:t>%</a:t>
-                          </a:r>
-                          <a:endParaRPr lang="en-US" sz="2000" dirty="0"/>
-                        </a:p>
-                      </a:txBody>
-                      <a:tcPr/>
-                    </a:tc>
-                    <a:tc hMerge="1">
-                      <a:txBody>
-                        <a:bodyPr/>
-                        <a:lstStyle/>
-                        <a:p>
-                          <a:pPr algn="ctr"/>
-                          <a:endParaRPr lang="en-US" sz="2000" dirty="0"/>
-                        </a:p>
-                      </a:txBody>
-                      <a:tcPr/>
-                    </a:tc>
-                    <a:tc hMerge="1">
-                      <a:txBody>
-                        <a:bodyPr/>
-                        <a:lstStyle/>
-                        <a:p>
-                          <a:pPr algn="ctr"/>
-                          <a:endParaRPr lang="en-US" sz="2000" dirty="0"/>
-                        </a:p>
-                      </a:txBody>
-                      <a:tcPr/>
-                    </a:tc>
-                  </a:tr>
-                </a:tbl>
-              </a:graphicData>
-            </a:graphic>
-          </p:graphicFrame>
-        </mc:Choice>
-        <mc:Fallback>
-          <p:graphicFrame>
-            <p:nvGraphicFramePr>
-              <p:cNvPr id="6" name="Table 5"/>
-              <p:cNvGraphicFramePr>
-                <a:graphicFrameLocks noGrp="1"/>
-              </p:cNvGraphicFramePr>
-              <p:nvPr>
-                <p:extLst>
-                  <p:ext uri="{D42A27DB-BD31-4B8C-83A1-F6EECF244321}">
-                    <p14:modId xmlns:p14="http://schemas.microsoft.com/office/powerpoint/2010/main" val="1940917319"/>
-                  </p:ext>
-                </p:extLst>
-              </p:nvPr>
-            </p:nvGraphicFramePr>
-            <p:xfrm>
-              <a:off x="1434882" y="2527676"/>
-              <a:ext cx="9322236" cy="3078480"/>
-            </p:xfrm>
-            <a:graphic>
-              <a:graphicData uri="http://schemas.openxmlformats.org/drawingml/2006/table">
-                <a:tbl>
-                  <a:tblPr firstRow="1" bandRow="1">
-                    <a:tableStyleId>{5C22544A-7EE6-4342-B048-85BDC9FD1C3A}</a:tableStyleId>
-                  </a:tblPr>
-                  <a:tblGrid>
-                    <a:gridCol w="2693227"/>
-                    <a:gridCol w="2167533"/>
-                    <a:gridCol w="2389403"/>
-                    <a:gridCol w="2072073"/>
-                  </a:tblGrid>
-                  <a:tr h="701040">
-                    <a:tc>
-                      <a:txBody>
-                        <a:bodyPr/>
-                        <a:lstStyle/>
-                        <a:p>
-                          <a:pPr algn="ctr"/>
-                          <a:r>
-                            <a:rPr lang="en-US" sz="2000" dirty="0" smtClean="0"/>
-                            <a:t>LOO Subject</a:t>
-                          </a:r>
-                          <a:endParaRPr lang="en-US" sz="2000" dirty="0"/>
-                        </a:p>
-                      </a:txBody>
-                      <a:tcPr/>
-                    </a:tc>
-                    <a:tc>
-                      <a:txBody>
-                        <a:bodyPr/>
-                        <a:lstStyle/>
-                        <a:p>
-                          <a:pPr algn="ctr"/>
-                          <a:r>
-                            <a:rPr lang="en-US" sz="2000" dirty="0" smtClean="0"/>
-                            <a:t>F1 </a:t>
-                          </a:r>
-                          <a:r>
-                            <a:rPr lang="en-US" sz="2000" baseline="0" dirty="0" smtClean="0"/>
-                            <a:t>Mean</a:t>
-                          </a:r>
-                          <a:endParaRPr lang="en-US" sz="2000" baseline="0" dirty="0" smtClean="0"/>
-                        </a:p>
-                        <a:p>
-                          <a:pPr algn="ctr"/>
-                          <a:r>
-                            <a:rPr lang="en-US" sz="2000" baseline="0" dirty="0" smtClean="0"/>
-                            <a:t>(SP + SW)</a:t>
-                          </a:r>
-                          <a:endParaRPr lang="en-US" sz="2000" dirty="0"/>
-                        </a:p>
-                      </a:txBody>
-                      <a:tcPr/>
-                    </a:tc>
-                    <a:tc>
-                      <a:txBody>
-                        <a:bodyPr/>
-                        <a:lstStyle/>
-                        <a:p>
-                          <a:pPr algn="ctr"/>
-                          <a:r>
-                            <a:rPr lang="en-US" sz="2000" dirty="0" smtClean="0"/>
-                            <a:t>LOO Subject</a:t>
-                          </a:r>
-                          <a:endParaRPr lang="en-US" sz="2000" dirty="0"/>
-                        </a:p>
-                      </a:txBody>
-                      <a:tcPr/>
-                    </a:tc>
-                    <a:tc>
-                      <a:txBody>
-                        <a:bodyPr/>
-                        <a:lstStyle/>
-                        <a:p>
-                          <a:pPr algn="ctr"/>
-                          <a:r>
-                            <a:rPr lang="en-US" sz="2000" dirty="0" smtClean="0"/>
-                            <a:t>F1 </a:t>
-                          </a:r>
-                          <a:r>
-                            <a:rPr lang="en-US" sz="2000" dirty="0" smtClean="0"/>
-                            <a:t>Mean</a:t>
-                          </a:r>
-                        </a:p>
-                        <a:p>
-                          <a:pPr algn="ctr"/>
-                          <a:r>
-                            <a:rPr lang="en-US" sz="2000" dirty="0" smtClean="0"/>
-                            <a:t>(SP + SW)</a:t>
-                          </a:r>
-                          <a:endParaRPr lang="en-US" sz="2000" dirty="0"/>
-                        </a:p>
-                      </a:txBody>
-                      <a:tcPr/>
-                    </a:tc>
-                  </a:tr>
-                  <a:tr h="396240">
-                    <a:tc>
-                      <a:txBody>
-                        <a:bodyPr/>
-                        <a:lstStyle/>
-                        <a:p>
-                          <a:r>
-                            <a:rPr lang="en-US" sz="2000" dirty="0" smtClean="0"/>
-                            <a:t>Edwin</a:t>
-                          </a:r>
-                          <a:endParaRPr lang="en-US" sz="2000" dirty="0"/>
-                        </a:p>
-                      </a:txBody>
-                      <a:tcPr/>
-                    </a:tc>
-                    <a:tc>
-                      <a:txBody>
-                        <a:bodyPr/>
-                        <a:lstStyle/>
-                        <a:p>
-                          <a:endParaRPr lang="en-US"/>
-                        </a:p>
-                      </a:txBody>
-                      <a:tcPr>
-                        <a:blipFill rotWithShape="0">
-                          <a:blip r:embed="rId2"/>
-                          <a:stretch>
-                            <a:fillRect l="-124438" t="-184615" r="-206742" b="-529231"/>
-                          </a:stretch>
-                        </a:blipFill>
-                      </a:tcPr>
-                    </a:tc>
-                    <a:tc>
-                      <a:txBody>
-                        <a:bodyPr/>
-                        <a:lstStyle/>
-                        <a:p>
-                          <a:pPr marL="0" marR="0" indent="0" algn="ctr" defTabSz="914400" rtl="0" eaLnBrk="1" fontAlgn="auto" latinLnBrk="0" hangingPunct="1">
-                            <a:lnSpc>
-                              <a:spcPct val="100000"/>
-                            </a:lnSpc>
-                            <a:spcBef>
-                              <a:spcPts val="0"/>
-                            </a:spcBef>
-                            <a:spcAft>
-                              <a:spcPts val="0"/>
-                            </a:spcAft>
-                            <a:buClrTx/>
-                            <a:buSzTx/>
-                            <a:buFontTx/>
-                            <a:buNone/>
-                            <a:tabLst/>
-                            <a:defRPr/>
-                          </a:pPr>
-                          <a:r>
-                            <a:rPr lang="en-US" sz="2000" dirty="0" smtClean="0"/>
-                            <a:t>Samuel</a:t>
-                          </a:r>
-                          <a:endParaRPr lang="en-US" sz="2000" dirty="0"/>
-                        </a:p>
-                      </a:txBody>
-                      <a:tcPr/>
-                    </a:tc>
-                    <a:tc>
-                      <a:txBody>
-                        <a:bodyPr/>
-                        <a:lstStyle/>
-                        <a:p>
-                          <a:endParaRPr lang="en-US"/>
-                        </a:p>
-                      </a:txBody>
-                      <a:tcPr>
-                        <a:blipFill rotWithShape="0">
-                          <a:blip r:embed="rId2"/>
-                          <a:stretch>
-                            <a:fillRect l="-350294" t="-184615" r="-1176" b="-529231"/>
-                          </a:stretch>
-                        </a:blipFill>
-                      </a:tcPr>
-                    </a:tc>
-                  </a:tr>
-                  <a:tr h="396240">
-                    <a:tc>
-                      <a:txBody>
-                        <a:bodyPr/>
-                        <a:lstStyle/>
-                        <a:p>
-                          <a:r>
-                            <a:rPr lang="en-US" sz="2000" dirty="0" smtClean="0"/>
-                            <a:t>Lauren</a:t>
-                          </a:r>
-                          <a:endParaRPr lang="en-US" sz="2000" dirty="0"/>
-                        </a:p>
-                      </a:txBody>
-                      <a:tcPr/>
-                    </a:tc>
-                    <a:tc>
-                      <a:txBody>
-                        <a:bodyPr/>
-                        <a:lstStyle/>
-                        <a:p>
-                          <a:endParaRPr lang="en-US"/>
-                        </a:p>
-                      </a:txBody>
-                      <a:tcPr>
-                        <a:blipFill rotWithShape="0">
-                          <a:blip r:embed="rId2"/>
-                          <a:stretch>
-                            <a:fillRect l="-124438" t="-284615" r="-206742" b="-429231"/>
-                          </a:stretch>
-                        </a:blipFill>
-                      </a:tcPr>
-                    </a:tc>
-                    <a:tc>
-                      <a:txBody>
-                        <a:bodyPr/>
-                        <a:lstStyle/>
-                        <a:p>
-                          <a:pPr algn="ctr"/>
-                          <a:r>
-                            <a:rPr lang="en-US" sz="2000" dirty="0" smtClean="0"/>
-                            <a:t>Elmo</a:t>
-                          </a:r>
-                          <a:endParaRPr lang="en-US" sz="2000" dirty="0"/>
-                        </a:p>
-                      </a:txBody>
-                      <a:tcPr/>
-                    </a:tc>
-                    <a:tc>
-                      <a:txBody>
-                        <a:bodyPr/>
-                        <a:lstStyle/>
-                        <a:p>
-                          <a:endParaRPr lang="en-US"/>
-                        </a:p>
-                      </a:txBody>
-                      <a:tcPr>
-                        <a:blipFill rotWithShape="0">
-                          <a:blip r:embed="rId2"/>
-                          <a:stretch>
-                            <a:fillRect l="-350294" t="-284615" r="-1176" b="-429231"/>
-                          </a:stretch>
-                        </a:blipFill>
-                      </a:tcPr>
-                    </a:tc>
-                  </a:tr>
-                  <a:tr h="396240">
-                    <a:tc>
-                      <a:txBody>
-                        <a:bodyPr/>
-                        <a:lstStyle/>
-                        <a:p>
-                          <a:r>
-                            <a:rPr lang="en-US" sz="2000" dirty="0" err="1" smtClean="0"/>
-                            <a:t>Shelina</a:t>
-                          </a:r>
-                          <a:endParaRPr lang="en-US" sz="2000" dirty="0"/>
-                        </a:p>
-                      </a:txBody>
-                      <a:tcPr/>
-                    </a:tc>
-                    <a:tc>
-                      <a:txBody>
-                        <a:bodyPr/>
-                        <a:lstStyle/>
-                        <a:p>
-                          <a:endParaRPr lang="en-US"/>
-                        </a:p>
-                      </a:txBody>
-                      <a:tcPr>
-                        <a:blipFill rotWithShape="0">
-                          <a:blip r:embed="rId2"/>
-                          <a:stretch>
-                            <a:fillRect l="-124438" t="-378788" r="-206742" b="-322727"/>
-                          </a:stretch>
-                        </a:blipFill>
-                      </a:tcPr>
-                    </a:tc>
-                    <a:tc>
-                      <a:txBody>
-                        <a:bodyPr/>
-                        <a:lstStyle/>
-                        <a:p>
-                          <a:pPr algn="ctr"/>
-                          <a:r>
-                            <a:rPr lang="en-US" sz="2000" dirty="0" smtClean="0"/>
-                            <a:t>Monica</a:t>
-                          </a:r>
-                          <a:endParaRPr lang="en-US" sz="2000" dirty="0"/>
-                        </a:p>
-                      </a:txBody>
-                      <a:tcPr/>
-                    </a:tc>
-                    <a:tc>
-                      <a:txBody>
-                        <a:bodyPr/>
-                        <a:lstStyle/>
-                        <a:p>
-                          <a:endParaRPr lang="en-US"/>
-                        </a:p>
-                      </a:txBody>
-                      <a:tcPr>
-                        <a:blipFill rotWithShape="0">
-                          <a:blip r:embed="rId2"/>
-                          <a:stretch>
-                            <a:fillRect l="-350294" t="-378788" r="-1176" b="-322727"/>
-                          </a:stretch>
-                        </a:blipFill>
-                      </a:tcPr>
-                    </a:tc>
-                  </a:tr>
-                  <a:tr h="396240">
-                    <a:tc>
-                      <a:txBody>
-                        <a:bodyPr/>
-                        <a:lstStyle/>
-                        <a:p>
-                          <a:r>
-                            <a:rPr lang="en-US" sz="2000" dirty="0" err="1" smtClean="0"/>
-                            <a:t>Mellita</a:t>
-                          </a:r>
-                          <a:endParaRPr lang="en-US" sz="2000" dirty="0"/>
-                        </a:p>
-                      </a:txBody>
-                      <a:tcPr/>
-                    </a:tc>
-                    <a:tc>
-                      <a:txBody>
-                        <a:bodyPr/>
-                        <a:lstStyle/>
-                        <a:p>
-                          <a:endParaRPr lang="en-US"/>
-                        </a:p>
-                      </a:txBody>
-                      <a:tcPr>
-                        <a:blipFill rotWithShape="0">
-                          <a:blip r:embed="rId2"/>
-                          <a:stretch>
-                            <a:fillRect l="-124438" t="-486154" r="-206742" b="-227692"/>
-                          </a:stretch>
-                        </a:blipFill>
-                      </a:tcPr>
-                    </a:tc>
-                    <a:tc>
-                      <a:txBody>
-                        <a:bodyPr/>
-                        <a:lstStyle/>
-                        <a:p>
-                          <a:pPr algn="ctr"/>
-                          <a:r>
-                            <a:rPr lang="en-US" sz="2000" dirty="0" smtClean="0"/>
-                            <a:t>Inge</a:t>
-                          </a:r>
-                          <a:endParaRPr lang="en-US" sz="2000" dirty="0"/>
-                        </a:p>
-                      </a:txBody>
-                      <a:tcPr/>
-                    </a:tc>
-                    <a:tc>
-                      <a:txBody>
-                        <a:bodyPr/>
-                        <a:lstStyle/>
-                        <a:p>
-                          <a:endParaRPr lang="en-US"/>
-                        </a:p>
-                      </a:txBody>
-                      <a:tcPr>
-                        <a:blipFill rotWithShape="0">
-                          <a:blip r:embed="rId2"/>
-                          <a:stretch>
-                            <a:fillRect l="-350294" t="-486154" r="-1176" b="-227692"/>
-                          </a:stretch>
-                        </a:blipFill>
-                      </a:tcPr>
-                    </a:tc>
-                  </a:tr>
-                  <a:tr h="396240">
-                    <a:tc>
-                      <a:txBody>
-                        <a:bodyPr/>
-                        <a:lstStyle/>
-                        <a:p>
-                          <a:r>
-                            <a:rPr lang="en-US" sz="2000" dirty="0" smtClean="0"/>
-                            <a:t>Nikolas</a:t>
-                          </a:r>
-                          <a:endParaRPr lang="en-US" sz="2000" dirty="0"/>
-                        </a:p>
-                      </a:txBody>
-                      <a:tcPr/>
-                    </a:tc>
-                    <a:tc>
-                      <a:txBody>
-                        <a:bodyPr/>
-                        <a:lstStyle/>
-                        <a:p>
-                          <a:endParaRPr lang="en-US"/>
-                        </a:p>
-                      </a:txBody>
-                      <a:tcPr>
-                        <a:blipFill rotWithShape="0">
-                          <a:blip r:embed="rId2"/>
-                          <a:stretch>
-                            <a:fillRect l="-124438" t="-586154" r="-206742" b="-127692"/>
-                          </a:stretch>
-                        </a:blipFill>
-                      </a:tcPr>
-                    </a:tc>
-                    <a:tc>
-                      <a:txBody>
-                        <a:bodyPr/>
-                        <a:lstStyle/>
-                        <a:p>
-                          <a:pPr algn="ctr"/>
-                          <a:r>
-                            <a:rPr lang="en-US" sz="2000" dirty="0" err="1" smtClean="0"/>
-                            <a:t>Andri</a:t>
-                          </a:r>
-                          <a:endParaRPr lang="en-US" sz="2000" dirty="0"/>
-                        </a:p>
-                      </a:txBody>
-                      <a:tcPr/>
-                    </a:tc>
-                    <a:tc>
-                      <a:txBody>
-                        <a:bodyPr/>
-                        <a:lstStyle/>
-                        <a:p>
-                          <a:endParaRPr lang="en-US"/>
-                        </a:p>
-                      </a:txBody>
-                      <a:tcPr>
-                        <a:blipFill rotWithShape="0">
-                          <a:blip r:embed="rId2"/>
-                          <a:stretch>
-                            <a:fillRect l="-350294" t="-586154" r="-1176" b="-127692"/>
-                          </a:stretch>
-                        </a:blipFill>
-                      </a:tcPr>
-                    </a:tc>
-                  </a:tr>
-                  <a:tr h="396240">
-                    <a:tc>
-                      <a:txBody>
-                        <a:bodyPr/>
-                        <a:lstStyle/>
-                        <a:p>
-                          <a:r>
-                            <a:rPr lang="en-US" sz="2000" b="1" dirty="0" smtClean="0"/>
-                            <a:t>Average</a:t>
-                          </a:r>
-                          <a:endParaRPr lang="en-US" sz="2000" b="1" dirty="0"/>
-                        </a:p>
-                      </a:txBody>
-                      <a:tcPr/>
-                    </a:tc>
-                    <a:tc gridSpan="3">
-                      <a:txBody>
-                        <a:bodyPr/>
-                        <a:lstStyle/>
-                        <a:p>
-                          <a:pPr algn="ctr"/>
-                          <a:r>
-                            <a:rPr lang="en-US" sz="2000" dirty="0" smtClean="0"/>
-                            <a:t>%</a:t>
-                          </a:r>
-                          <a:endParaRPr lang="en-US" sz="2000" dirty="0"/>
-                        </a:p>
-                      </a:txBody>
-                      <a:tcPr/>
-                    </a:tc>
-                    <a:tc hMerge="1">
-                      <a:txBody>
-                        <a:bodyPr/>
-                        <a:lstStyle/>
-                        <a:p>
-                          <a:pPr algn="ctr"/>
-                          <a:endParaRPr lang="en-US" sz="2000" dirty="0"/>
-                        </a:p>
-                      </a:txBody>
-                      <a:tcPr/>
-                    </a:tc>
-                    <a:tc hMerge="1">
-                      <a:txBody>
-                        <a:bodyPr/>
-                        <a:lstStyle/>
-                        <a:p>
-                          <a:pPr algn="ctr"/>
-                          <a:endParaRPr lang="en-US" sz="2000" dirty="0"/>
-                        </a:p>
-                      </a:txBody>
-                      <a:tcPr/>
-                    </a:tc>
-                  </a:tr>
-                </a:tbl>
-              </a:graphicData>
-            </a:graphic>
-          </p:graphicFrame>
-        </mc:Fallback>
-      </mc:AlternateContent>
-    </p:spTree>
-    <p:extLst>
-      <p:ext uri="{BB962C8B-B14F-4D97-AF65-F5344CB8AC3E}">
-        <p14:creationId xmlns:p14="http://schemas.microsoft.com/office/powerpoint/2010/main" val="1921942289"/>
-      </p:ext>
-    </p:extLst>
-  </p:cSld>
-  <p:clrMapOvr>
-    <a:masterClrMapping/>
-  </p:clrMapOvr>
-  <p:timing>
-    <p:tnLst>
-      <p:par>
-        <p:cTn id="1" dur="indefinite" restart="never" nodeType="tmRoot"/>
-      </p:par>
-    </p:tnLst>
-  </p:timing>
-</p:sld>
-</file>
-
-<file path=ppt/slides/slide36.xml><?xml version="1.0" encoding="utf-8"?>
-<p:sld xmlns:a="http://schemas.openxmlformats.org/drawingml/2006/main" xmlns:r="http://schemas.openxmlformats.org/officeDocument/2006/relationships" xmlns:p="http://schemas.openxmlformats.org/presentationml/2006/main">
-  <p:cSld>
-    <p:spTree>
-      <p:nvGrpSpPr>
-        <p:cNvPr id="1" name=""/>
-        <p:cNvGrpSpPr/>
-        <p:nvPr/>
-      </p:nvGrpSpPr>
-      <p:grpSpPr>
-        <a:xfrm>
-          <a:off x="0" y="0"/>
-          <a:ext cx="0" cy="0"/>
-          <a:chOff x="0" y="0"/>
-          <a:chExt cx="0" cy="0"/>
-        </a:xfrm>
-      </p:grpSpPr>
-      <p:sp>
-        <p:nvSpPr>
-          <p:cNvPr id="4" name="Title 1"/>
-          <p:cNvSpPr txBox="1">
-            <a:spLocks/>
-          </p:cNvSpPr>
-          <p:nvPr/>
-        </p:nvSpPr>
-        <p:spPr>
-          <a:xfrm>
-            <a:off x="838200" y="365125"/>
-            <a:ext cx="10515600" cy="1325563"/>
-          </a:xfrm>
-          <a:prstGeom prst="rect">
-            <a:avLst/>
-          </a:prstGeom>
-        </p:spPr>
-        <p:txBody>
-          <a:bodyPr vert="horz" lIns="91440" tIns="45720" rIns="91440" bIns="45720" rtlCol="0" anchor="ctr">
-            <a:normAutofit/>
-          </a:bodyPr>
-          <a:lstStyle>
-            <a:lvl1pPr algn="l" defTabSz="914400" rtl="0" eaLnBrk="1" latinLnBrk="0" hangingPunct="1">
-              <a:lnSpc>
-                <a:spcPct val="90000"/>
-              </a:lnSpc>
-              <a:spcBef>
-                <a:spcPct val="0"/>
-              </a:spcBef>
-              <a:buNone/>
-              <a:defRPr sz="4400" kern="1200">
-                <a:solidFill>
-                  <a:schemeClr val="tx1"/>
-                </a:solidFill>
-                <a:latin typeface="+mj-lt"/>
-                <a:ea typeface="+mj-ea"/>
-                <a:cs typeface="+mj-cs"/>
-              </a:defRPr>
-            </a:lvl1pPr>
-          </a:lstStyle>
-          <a:p>
-            <a:r>
-              <a:rPr lang="en-US" b="1" dirty="0" smtClean="0"/>
-              <a:t>LOO (</a:t>
-            </a:r>
-            <a:r>
-              <a:rPr lang="en-US" b="1" dirty="0" smtClean="0"/>
-              <a:t>11 </a:t>
-            </a:r>
-            <a:r>
-              <a:rPr lang="en-US" b="1" dirty="0" smtClean="0"/>
-              <a:t>PERSONS</a:t>
-            </a:r>
-            <a:r>
-              <a:rPr lang="en-US" b="1" dirty="0" smtClean="0"/>
-              <a:t>) </a:t>
-            </a:r>
-            <a:r>
-              <a:rPr lang="mr-IN" b="1" dirty="0" smtClean="0"/>
-              <a:t>–</a:t>
-            </a:r>
-            <a:r>
-              <a:rPr lang="en-US" b="1" dirty="0" smtClean="0"/>
-              <a:t> WITHOUT LAUREN</a:t>
-            </a:r>
-            <a:endParaRPr lang="en-US" b="1" dirty="0"/>
-          </a:p>
-        </p:txBody>
-      </p:sp>
-      <p:sp>
-        <p:nvSpPr>
-          <p:cNvPr id="5" name="Content Placeholder 2"/>
-          <p:cNvSpPr txBox="1">
-            <a:spLocks/>
-          </p:cNvSpPr>
-          <p:nvPr/>
-        </p:nvSpPr>
-        <p:spPr>
-          <a:xfrm>
-            <a:off x="838200" y="1482436"/>
-            <a:ext cx="10515600" cy="4694527"/>
-          </a:xfrm>
-          <a:prstGeom prst="rect">
-            <a:avLst/>
-          </a:prstGeom>
-        </p:spPr>
-        <p:txBody>
-          <a:bodyPr vert="horz" lIns="91440" tIns="45720" rIns="91440" bIns="45720" rtlCol="0">
-            <a:normAutofit/>
-          </a:bodyPr>
-          <a:lstStyle>
-            <a:lvl1pPr marL="228600" indent="-228600" algn="l" defTabSz="914400" rtl="0" eaLnBrk="1" latinLnBrk="0" hangingPunct="1">
-              <a:lnSpc>
-                <a:spcPct val="90000"/>
-              </a:lnSpc>
-              <a:spcBef>
-                <a:spcPts val="1000"/>
-              </a:spcBef>
-              <a:buFont typeface="Arial"/>
-              <a:buChar char="•"/>
-              <a:defRPr sz="2800" kern="1200">
-                <a:solidFill>
-                  <a:schemeClr val="tx1"/>
-                </a:solidFill>
-                <a:latin typeface="+mn-lt"/>
-                <a:ea typeface="+mn-ea"/>
-                <a:cs typeface="+mn-cs"/>
-              </a:defRPr>
-            </a:lvl1pPr>
-            <a:lvl2pPr marL="685800" indent="-228600" algn="l" defTabSz="914400" rtl="0" eaLnBrk="1" latinLnBrk="0" hangingPunct="1">
-              <a:lnSpc>
-                <a:spcPct val="90000"/>
-              </a:lnSpc>
-              <a:spcBef>
-                <a:spcPts val="500"/>
-              </a:spcBef>
-              <a:buFont typeface="Arial"/>
-              <a:buChar char="•"/>
-              <a:defRPr sz="2400" kern="1200">
-                <a:solidFill>
-                  <a:schemeClr val="tx1"/>
-                </a:solidFill>
-                <a:latin typeface="+mn-lt"/>
-                <a:ea typeface="+mn-ea"/>
-                <a:cs typeface="+mn-cs"/>
-              </a:defRPr>
-            </a:lvl2pPr>
-            <a:lvl3pPr marL="1143000" indent="-228600" algn="l" defTabSz="914400" rtl="0" eaLnBrk="1" latinLnBrk="0" hangingPunct="1">
-              <a:lnSpc>
-                <a:spcPct val="90000"/>
-              </a:lnSpc>
-              <a:spcBef>
-                <a:spcPts val="500"/>
-              </a:spcBef>
-              <a:buFont typeface="Arial"/>
-              <a:buChar char="•"/>
-              <a:defRPr sz="2000" kern="1200">
-                <a:solidFill>
-                  <a:schemeClr val="tx1"/>
-                </a:solidFill>
-                <a:latin typeface="+mn-lt"/>
-                <a:ea typeface="+mn-ea"/>
-                <a:cs typeface="+mn-cs"/>
-              </a:defRPr>
-            </a:lvl3pPr>
-            <a:lvl4pPr marL="1600200" indent="-228600" algn="l" defTabSz="914400" rtl="0" eaLnBrk="1" latinLnBrk="0" hangingPunct="1">
-              <a:lnSpc>
-                <a:spcPct val="90000"/>
-              </a:lnSpc>
-              <a:spcBef>
-                <a:spcPts val="500"/>
-              </a:spcBef>
-              <a:buFont typeface="Arial"/>
-              <a:buChar char="•"/>
-              <a:defRPr sz="1800" kern="1200">
-                <a:solidFill>
-                  <a:schemeClr val="tx1"/>
-                </a:solidFill>
-                <a:latin typeface="+mn-lt"/>
-                <a:ea typeface="+mn-ea"/>
-                <a:cs typeface="+mn-cs"/>
-              </a:defRPr>
-            </a:lvl4pPr>
-            <a:lvl5pPr marL="2057400" indent="-228600" algn="l" defTabSz="914400" rtl="0" eaLnBrk="1" latinLnBrk="0" hangingPunct="1">
-              <a:lnSpc>
-                <a:spcPct val="90000"/>
-              </a:lnSpc>
-              <a:spcBef>
-                <a:spcPts val="500"/>
-              </a:spcBef>
-              <a:buFont typeface="Arial"/>
-              <a:buChar char="•"/>
-              <a:defRPr sz="1800" kern="1200">
-                <a:solidFill>
-                  <a:schemeClr val="tx1"/>
-                </a:solidFill>
-                <a:latin typeface="+mn-lt"/>
-                <a:ea typeface="+mn-ea"/>
-                <a:cs typeface="+mn-cs"/>
-              </a:defRPr>
-            </a:lvl5pPr>
-            <a:lvl6pPr marL="2514600" indent="-228600" algn="l" defTabSz="914400" rtl="0" eaLnBrk="1" latinLnBrk="0" hangingPunct="1">
-              <a:lnSpc>
-                <a:spcPct val="90000"/>
-              </a:lnSpc>
-              <a:spcBef>
-                <a:spcPts val="500"/>
-              </a:spcBef>
-              <a:buFont typeface="Arial"/>
-              <a:buChar char="•"/>
-              <a:defRPr sz="1800" kern="1200">
-                <a:solidFill>
-                  <a:schemeClr val="tx1"/>
-                </a:solidFill>
-                <a:latin typeface="+mn-lt"/>
-                <a:ea typeface="+mn-ea"/>
-                <a:cs typeface="+mn-cs"/>
-              </a:defRPr>
-            </a:lvl6pPr>
-            <a:lvl7pPr marL="2971800" indent="-228600" algn="l" defTabSz="914400" rtl="0" eaLnBrk="1" latinLnBrk="0" hangingPunct="1">
-              <a:lnSpc>
-                <a:spcPct val="90000"/>
-              </a:lnSpc>
-              <a:spcBef>
-                <a:spcPts val="500"/>
-              </a:spcBef>
-              <a:buFont typeface="Arial"/>
-              <a:buChar char="•"/>
-              <a:defRPr sz="1800" kern="1200">
-                <a:solidFill>
-                  <a:schemeClr val="tx1"/>
-                </a:solidFill>
-                <a:latin typeface="+mn-lt"/>
-                <a:ea typeface="+mn-ea"/>
-                <a:cs typeface="+mn-cs"/>
-              </a:defRPr>
-            </a:lvl7pPr>
-            <a:lvl8pPr marL="3429000" indent="-228600" algn="l" defTabSz="914400" rtl="0" eaLnBrk="1" latinLnBrk="0" hangingPunct="1">
-              <a:lnSpc>
-                <a:spcPct val="90000"/>
-              </a:lnSpc>
-              <a:spcBef>
-                <a:spcPts val="500"/>
-              </a:spcBef>
-              <a:buFont typeface="Arial"/>
-              <a:buChar char="•"/>
-              <a:defRPr sz="1800" kern="1200">
-                <a:solidFill>
-                  <a:schemeClr val="tx1"/>
-                </a:solidFill>
-                <a:latin typeface="+mn-lt"/>
-                <a:ea typeface="+mn-ea"/>
-                <a:cs typeface="+mn-cs"/>
-              </a:defRPr>
-            </a:lvl8pPr>
-            <a:lvl9pPr marL="3886200" indent="-228600" algn="l" defTabSz="914400" rtl="0" eaLnBrk="1" latinLnBrk="0" hangingPunct="1">
-              <a:lnSpc>
-                <a:spcPct val="90000"/>
-              </a:lnSpc>
-              <a:spcBef>
-                <a:spcPts val="500"/>
-              </a:spcBef>
-              <a:buFont typeface="Arial"/>
-              <a:buChar char="•"/>
-              <a:defRPr sz="1800" kern="1200">
-                <a:solidFill>
-                  <a:schemeClr val="tx1"/>
-                </a:solidFill>
-                <a:latin typeface="+mn-lt"/>
-                <a:ea typeface="+mn-ea"/>
-                <a:cs typeface="+mn-cs"/>
-              </a:defRPr>
-            </a:lvl9pPr>
-          </a:lstStyle>
-          <a:p>
-            <a:r>
-              <a:rPr lang="en-US" sz="2400" dirty="0" smtClean="0"/>
-              <a:t>14 Activities (</a:t>
-            </a:r>
-            <a:r>
-              <a:rPr lang="en-US" sz="2400" b="1" i="1" u="sng" dirty="0" smtClean="0"/>
-              <a:t>without Eating</a:t>
-            </a:r>
-            <a:r>
-              <a:rPr lang="en-US" sz="2400" dirty="0" smtClean="0"/>
-              <a:t>)</a:t>
-            </a:r>
-          </a:p>
-          <a:p>
-            <a:r>
-              <a:rPr lang="en-US" sz="2400" b="1" dirty="0" smtClean="0"/>
-              <a:t>RF</a:t>
-            </a:r>
-            <a:r>
-              <a:rPr lang="en-US" sz="2400" dirty="0" smtClean="0">
-                <a:sym typeface="Wingdings"/>
-              </a:rPr>
-              <a:t> Number of Estimators = 500</a:t>
-            </a:r>
-            <a:endParaRPr lang="en-US" sz="2400" dirty="0" smtClean="0"/>
-          </a:p>
-          <a:p>
-            <a:endParaRPr lang="en-US" sz="2400" dirty="0"/>
-          </a:p>
-        </p:txBody>
-      </p:sp>
-      <mc:AlternateContent xmlns:mc="http://schemas.openxmlformats.org/markup-compatibility/2006">
-        <mc:Choice xmlns:a14="http://schemas.microsoft.com/office/drawing/2010/main" Requires="a14">
-          <p:graphicFrame>
-            <p:nvGraphicFramePr>
-              <p:cNvPr id="6" name="Table 5"/>
-              <p:cNvGraphicFramePr>
-                <a:graphicFrameLocks noGrp="1"/>
-              </p:cNvGraphicFramePr>
-              <p:nvPr>
-                <p:extLst>
-                  <p:ext uri="{D42A27DB-BD31-4B8C-83A1-F6EECF244321}">
-                    <p14:modId xmlns:p14="http://schemas.microsoft.com/office/powerpoint/2010/main" val="510871345"/>
-                  </p:ext>
-                </p:extLst>
-              </p:nvPr>
-            </p:nvGraphicFramePr>
-            <p:xfrm>
-              <a:off x="1434882" y="2527676"/>
-              <a:ext cx="9322236" cy="3078480"/>
-            </p:xfrm>
-            <a:graphic>
-              <a:graphicData uri="http://schemas.openxmlformats.org/drawingml/2006/table">
-                <a:tbl>
-                  <a:tblPr firstRow="1" bandRow="1">
-                    <a:tableStyleId>{5C22544A-7EE6-4342-B048-85BDC9FD1C3A}</a:tableStyleId>
-                  </a:tblPr>
-                  <a:tblGrid>
-                    <a:gridCol w="2693227"/>
-                    <a:gridCol w="2167533"/>
-                    <a:gridCol w="2389403"/>
-                    <a:gridCol w="2072073"/>
-                  </a:tblGrid>
-                  <a:tr h="370840">
-                    <a:tc>
-                      <a:txBody>
-                        <a:bodyPr/>
-                        <a:lstStyle/>
-                        <a:p>
-                          <a:pPr algn="ctr"/>
-                          <a:r>
-                            <a:rPr lang="en-US" sz="2000" dirty="0" smtClean="0"/>
-                            <a:t>LOO Subject</a:t>
-                          </a:r>
-                          <a:endParaRPr lang="en-US" sz="2000" dirty="0"/>
-                        </a:p>
-                      </a:txBody>
-                      <a:tcPr/>
-                    </a:tc>
-                    <a:tc>
-                      <a:txBody>
-                        <a:bodyPr/>
-                        <a:lstStyle/>
-                        <a:p>
-                          <a:pPr algn="ctr"/>
-                          <a:r>
-                            <a:rPr lang="en-US" sz="2000" dirty="0" smtClean="0"/>
-                            <a:t>F1 </a:t>
-                          </a:r>
-                          <a:r>
-                            <a:rPr lang="en-US" sz="2000" baseline="0" dirty="0" smtClean="0"/>
-                            <a:t>Mean</a:t>
-                          </a:r>
-                          <a:endParaRPr lang="en-US" sz="2000" baseline="0" dirty="0" smtClean="0"/>
-                        </a:p>
-                        <a:p>
-                          <a:pPr algn="ctr"/>
-                          <a:r>
-                            <a:rPr lang="en-US" sz="2000" baseline="0" dirty="0" smtClean="0"/>
-                            <a:t>(SP + SW)</a:t>
-                          </a:r>
-                          <a:endParaRPr lang="en-US" sz="2000" dirty="0"/>
-                        </a:p>
-                      </a:txBody>
-                      <a:tcPr/>
-                    </a:tc>
-                    <a:tc>
-                      <a:txBody>
-                        <a:bodyPr/>
-                        <a:lstStyle/>
-                        <a:p>
-                          <a:pPr algn="ctr"/>
-                          <a:r>
-                            <a:rPr lang="en-US" sz="2000" dirty="0" smtClean="0"/>
-                            <a:t>LOO Subject</a:t>
-                          </a:r>
-                          <a:endParaRPr lang="en-US" sz="2000" dirty="0"/>
-                        </a:p>
-                      </a:txBody>
-                      <a:tcPr/>
-                    </a:tc>
-                    <a:tc>
-                      <a:txBody>
-                        <a:bodyPr/>
-                        <a:lstStyle/>
-                        <a:p>
-                          <a:pPr algn="ctr"/>
-                          <a:r>
-                            <a:rPr lang="en-US" sz="2000" dirty="0" smtClean="0"/>
-                            <a:t>F1 </a:t>
-                          </a:r>
-                          <a:r>
-                            <a:rPr lang="en-US" sz="2000" dirty="0" smtClean="0"/>
-                            <a:t>Mean</a:t>
-                          </a:r>
-                        </a:p>
-                        <a:p>
-                          <a:pPr algn="ctr"/>
-                          <a:r>
-                            <a:rPr lang="en-US" sz="2000" dirty="0" smtClean="0"/>
-                            <a:t>(SP + SW)</a:t>
-                          </a:r>
-                          <a:endParaRPr lang="en-US" sz="2000" dirty="0"/>
-                        </a:p>
-                      </a:txBody>
-                      <a:tcPr/>
-                    </a:tc>
-                  </a:tr>
-                  <a:tr h="370840">
-                    <a:tc>
-                      <a:txBody>
-                        <a:bodyPr/>
-                        <a:lstStyle/>
-                        <a:p>
-                          <a:r>
-                            <a:rPr lang="en-US" sz="2000" dirty="0" smtClean="0"/>
-                            <a:t>Edwin</a:t>
-                          </a:r>
-                          <a:endParaRPr lang="en-US" sz="2000" dirty="0"/>
-                        </a:p>
-                      </a:txBody>
-                      <a:tcPr/>
-                    </a:tc>
-                    <a:tc>
-                      <a:txBody>
-                        <a:bodyPr/>
-                        <a:lstStyle/>
-                        <a:p>
-                          <a:pPr marL="0" marR="0" indent="0" algn="ctr" defTabSz="914400" rtl="0" eaLnBrk="1" fontAlgn="auto" latinLnBrk="0" hangingPunct="1">
-                            <a:lnSpc>
-                              <a:spcPct val="100000"/>
-                            </a:lnSpc>
-                            <a:spcBef>
-                              <a:spcPts val="0"/>
-                            </a:spcBef>
-                            <a:spcAft>
-                              <a:spcPts val="0"/>
-                            </a:spcAft>
-                            <a:buClrTx/>
-                            <a:buSzTx/>
-                            <a:buFontTx/>
-                            <a:buNone/>
-                            <a:tabLst/>
-                            <a:defRPr/>
-                          </a:pPr>
-                          <a:r>
-                            <a:rPr lang="en-US" sz="2000" dirty="0" smtClean="0">
-                              <a:ea typeface="Cambria Math" charset="0"/>
-                              <a:cs typeface="Cambria Math" charset="0"/>
-                            </a:rPr>
-                            <a:t>83.29%</a:t>
-                          </a:r>
-                          <a:r>
-                            <a:rPr lang="en-US" sz="2000" baseline="0" dirty="0" smtClean="0">
-                              <a:ea typeface="Cambria Math" charset="0"/>
-                              <a:cs typeface="Cambria Math" charset="0"/>
-                            </a:rPr>
-                            <a:t> </a:t>
-                          </a:r>
-                          <a14:m>
-                            <m:oMath xmlns:m="http://schemas.openxmlformats.org/officeDocument/2006/math">
-                              <m:r>
-                                <a:rPr lang="en-US" sz="2000" i="1" smtClean="0">
-                                  <a:latin typeface="Cambria Math" charset="0"/>
-                                  <a:ea typeface="Cambria Math" charset="0"/>
-                                  <a:cs typeface="Cambria Math" charset="0"/>
-                                </a:rPr>
-                                <m:t>±</m:t>
-                              </m:r>
-                            </m:oMath>
-                          </a14:m>
-                          <a:r>
-                            <a:rPr lang="en-US" sz="2000" dirty="0" smtClean="0"/>
-                            <a:t> </a:t>
-                          </a:r>
-                          <a:r>
-                            <a:rPr lang="en-US" sz="2000" dirty="0" smtClean="0"/>
-                            <a:t>0.54%</a:t>
-                          </a:r>
-                          <a:endParaRPr lang="en-US" sz="2000" dirty="0"/>
-                        </a:p>
-                      </a:txBody>
-                      <a:tcPr/>
-                    </a:tc>
-                    <a:tc>
-                      <a:txBody>
-                        <a:bodyPr/>
-                        <a:lstStyle/>
-                        <a:p>
-                          <a:pPr marL="0" marR="0" indent="0" algn="ctr" defTabSz="914400" rtl="0" eaLnBrk="1" fontAlgn="auto" latinLnBrk="0" hangingPunct="1">
-                            <a:lnSpc>
-                              <a:spcPct val="100000"/>
-                            </a:lnSpc>
-                            <a:spcBef>
-                              <a:spcPts val="0"/>
-                            </a:spcBef>
-                            <a:spcAft>
-                              <a:spcPts val="0"/>
-                            </a:spcAft>
-                            <a:buClrTx/>
-                            <a:buSzTx/>
-                            <a:buFontTx/>
-                            <a:buNone/>
-                            <a:tabLst/>
-                            <a:defRPr/>
-                          </a:pPr>
-                          <a:r>
-                            <a:rPr lang="en-US" sz="2000" dirty="0" smtClean="0"/>
-                            <a:t>Samuel</a:t>
-                          </a:r>
-                          <a:endParaRPr lang="en-US" sz="2000" dirty="0"/>
-                        </a:p>
-                      </a:txBody>
-                      <a:tcPr/>
-                    </a:tc>
-                    <a:tc>
-                      <a:txBody>
-                        <a:bodyPr/>
-                        <a:lstStyle/>
-                        <a:p>
-                          <a:pPr marL="0" marR="0" indent="0" algn="ctr" defTabSz="914400" rtl="0" eaLnBrk="1" fontAlgn="auto" latinLnBrk="0" hangingPunct="1">
-                            <a:lnSpc>
-                              <a:spcPct val="100000"/>
-                            </a:lnSpc>
-                            <a:spcBef>
-                              <a:spcPts val="0"/>
-                            </a:spcBef>
-                            <a:spcAft>
-                              <a:spcPts val="0"/>
-                            </a:spcAft>
-                            <a:buClrTx/>
-                            <a:buSzTx/>
-                            <a:buFontTx/>
-                            <a:buNone/>
-                            <a:tabLst/>
-                            <a:defRPr/>
-                          </a:pPr>
-                          <a:r>
-                            <a:rPr lang="en-US" sz="2000" dirty="0" smtClean="0">
-                              <a:ea typeface="Cambria Math" charset="0"/>
-                              <a:cs typeface="Cambria Math" charset="0"/>
-                            </a:rPr>
-                            <a:t>75.15%</a:t>
-                          </a:r>
-                          <a:r>
-                            <a:rPr lang="en-US" sz="2000" baseline="0" dirty="0" smtClean="0">
-                              <a:ea typeface="Cambria Math" charset="0"/>
-                              <a:cs typeface="Cambria Math" charset="0"/>
-                            </a:rPr>
-                            <a:t> </a:t>
-                          </a:r>
-                          <a14:m>
-                            <m:oMath xmlns:m="http://schemas.openxmlformats.org/officeDocument/2006/math">
-                              <m:r>
-                                <a:rPr lang="en-US" sz="2000" i="1" smtClean="0">
-                                  <a:latin typeface="Cambria Math" charset="0"/>
-                                  <a:ea typeface="Cambria Math" charset="0"/>
-                                  <a:cs typeface="Cambria Math" charset="0"/>
-                                </a:rPr>
-                                <m:t>±</m:t>
-                              </m:r>
-                            </m:oMath>
-                          </a14:m>
-                          <a:r>
-                            <a:rPr lang="en-US" sz="2000" dirty="0" smtClean="0"/>
-                            <a:t> </a:t>
-                          </a:r>
-                          <a:r>
-                            <a:rPr lang="en-US" sz="2000" dirty="0" smtClean="0"/>
-                            <a:t>1.22%</a:t>
-                          </a:r>
-                          <a:endParaRPr lang="en-US" sz="2000" dirty="0"/>
-                        </a:p>
-                      </a:txBody>
-                      <a:tcPr/>
-                    </a:tc>
-                  </a:tr>
-                  <a:tr h="370840">
-                    <a:tc>
-                      <a:txBody>
-                        <a:bodyPr/>
-                        <a:lstStyle/>
-                        <a:p>
-                          <a:r>
-                            <a:rPr lang="en-US" sz="2000" dirty="0" err="1" smtClean="0"/>
-                            <a:t>Richsen</a:t>
-                          </a:r>
-                          <a:endParaRPr lang="en-US" sz="2000" dirty="0"/>
-                        </a:p>
-                      </a:txBody>
-                      <a:tcPr/>
-                    </a:tc>
-                    <a:tc>
-                      <a:txBody>
-                        <a:bodyPr/>
-                        <a:lstStyle/>
-                        <a:p>
-                          <a:pPr marL="0" marR="0" indent="0" algn="ctr" defTabSz="914400" rtl="0" eaLnBrk="1" fontAlgn="auto" latinLnBrk="0" hangingPunct="1">
-                            <a:lnSpc>
-                              <a:spcPct val="100000"/>
-                            </a:lnSpc>
-                            <a:spcBef>
-                              <a:spcPts val="0"/>
-                            </a:spcBef>
-                            <a:spcAft>
-                              <a:spcPts val="0"/>
-                            </a:spcAft>
-                            <a:buClrTx/>
-                            <a:buSzTx/>
-                            <a:buFontTx/>
-                            <a:buNone/>
-                            <a:tabLst/>
-                            <a:defRPr/>
-                          </a:pPr>
-                          <a:r>
-                            <a:rPr lang="en-US" sz="2000" dirty="0" smtClean="0">
-                              <a:ea typeface="Cambria Math" charset="0"/>
-                              <a:cs typeface="Cambria Math" charset="0"/>
-                            </a:rPr>
-                            <a:t>67.22%</a:t>
-                          </a:r>
-                          <a:r>
-                            <a:rPr lang="en-US" sz="2000" baseline="0" dirty="0" smtClean="0">
-                              <a:ea typeface="Cambria Math" charset="0"/>
-                              <a:cs typeface="Cambria Math" charset="0"/>
-                            </a:rPr>
-                            <a:t> </a:t>
-                          </a:r>
-                          <a14:m>
-                            <m:oMath xmlns:m="http://schemas.openxmlformats.org/officeDocument/2006/math">
-                              <m:r>
-                                <a:rPr lang="en-US" sz="2000" i="1" smtClean="0">
-                                  <a:latin typeface="Cambria Math" charset="0"/>
-                                  <a:ea typeface="Cambria Math" charset="0"/>
-                                  <a:cs typeface="Cambria Math" charset="0"/>
-                                </a:rPr>
-                                <m:t>±</m:t>
-                              </m:r>
-                            </m:oMath>
-                          </a14:m>
-                          <a:r>
-                            <a:rPr lang="en-US" sz="2000" dirty="0" smtClean="0"/>
-                            <a:t> </a:t>
-                          </a:r>
-                          <a:r>
-                            <a:rPr lang="en-US" sz="2000" dirty="0" smtClean="0"/>
-                            <a:t>0.07%</a:t>
-                          </a:r>
-                          <a:endParaRPr lang="en-US" sz="2000" dirty="0"/>
-                        </a:p>
-                      </a:txBody>
-                      <a:tcPr/>
-                    </a:tc>
-                    <a:tc>
-                      <a:txBody>
-                        <a:bodyPr/>
-                        <a:lstStyle/>
-                        <a:p>
-                          <a:pPr algn="ctr"/>
-                          <a:r>
-                            <a:rPr lang="en-US" sz="2000" dirty="0" smtClean="0"/>
-                            <a:t>Elmo</a:t>
-                          </a:r>
-                          <a:endParaRPr lang="en-US" sz="2000" dirty="0"/>
-                        </a:p>
-                      </a:txBody>
-                      <a:tcPr/>
-                    </a:tc>
-                    <a:tc>
-                      <a:txBody>
-                        <a:bodyPr/>
-                        <a:lstStyle/>
-                        <a:p>
-                          <a:pPr marL="0" marR="0" indent="0" algn="ctr" defTabSz="914400" rtl="0" eaLnBrk="1" fontAlgn="auto" latinLnBrk="0" hangingPunct="1">
-                            <a:lnSpc>
-                              <a:spcPct val="100000"/>
-                            </a:lnSpc>
-                            <a:spcBef>
-                              <a:spcPts val="0"/>
-                            </a:spcBef>
-                            <a:spcAft>
-                              <a:spcPts val="0"/>
-                            </a:spcAft>
-                            <a:buClrTx/>
-                            <a:buSzTx/>
-                            <a:buFontTx/>
-                            <a:buNone/>
-                            <a:tabLst/>
-                            <a:defRPr/>
-                          </a:pPr>
-                          <a:r>
-                            <a:rPr lang="en-US" sz="2000" dirty="0" smtClean="0">
-                              <a:ea typeface="Cambria Math" charset="0"/>
-                              <a:cs typeface="Cambria Math" charset="0"/>
-                            </a:rPr>
-                            <a:t>74.16%</a:t>
-                          </a:r>
-                          <a:r>
-                            <a:rPr lang="en-US" sz="2000" baseline="0" dirty="0" smtClean="0">
-                              <a:ea typeface="Cambria Math" charset="0"/>
-                              <a:cs typeface="Cambria Math" charset="0"/>
-                            </a:rPr>
-                            <a:t> </a:t>
-                          </a:r>
-                          <a14:m>
-                            <m:oMath xmlns:m="http://schemas.openxmlformats.org/officeDocument/2006/math">
-                              <m:r>
-                                <a:rPr lang="en-US" sz="2000" i="1" smtClean="0">
-                                  <a:latin typeface="Cambria Math" charset="0"/>
-                                  <a:ea typeface="Cambria Math" charset="0"/>
-                                  <a:cs typeface="Cambria Math" charset="0"/>
-                                </a:rPr>
-                                <m:t>±</m:t>
-                              </m:r>
-                            </m:oMath>
-                          </a14:m>
-                          <a:r>
-                            <a:rPr lang="en-US" sz="2000" dirty="0" smtClean="0"/>
-                            <a:t> </a:t>
-                          </a:r>
-                          <a:r>
-                            <a:rPr lang="en-US" sz="2000" dirty="0" smtClean="0"/>
-                            <a:t>0.72%</a:t>
-                          </a:r>
-                          <a:endParaRPr lang="en-US" sz="2000" dirty="0"/>
-                        </a:p>
-                      </a:txBody>
-                      <a:tcPr/>
-                    </a:tc>
-                  </a:tr>
-                  <a:tr h="370840">
-                    <a:tc>
-                      <a:txBody>
-                        <a:bodyPr/>
-                        <a:lstStyle/>
-                        <a:p>
-                          <a:r>
-                            <a:rPr lang="en-US" sz="2000" dirty="0" err="1" smtClean="0"/>
-                            <a:t>Shelina</a:t>
-                          </a:r>
-                          <a:endParaRPr lang="en-US" sz="2000" dirty="0"/>
-                        </a:p>
-                      </a:txBody>
-                      <a:tcPr/>
-                    </a:tc>
-                    <a:tc>
-                      <a:txBody>
-                        <a:bodyPr/>
-                        <a:lstStyle/>
-                        <a:p>
-                          <a:pPr marL="0" marR="0" indent="0" algn="ctr" defTabSz="914400" rtl="0" eaLnBrk="1" fontAlgn="auto" latinLnBrk="0" hangingPunct="1">
-                            <a:lnSpc>
-                              <a:spcPct val="100000"/>
-                            </a:lnSpc>
-                            <a:spcBef>
-                              <a:spcPts val="0"/>
-                            </a:spcBef>
-                            <a:spcAft>
-                              <a:spcPts val="0"/>
-                            </a:spcAft>
-                            <a:buClrTx/>
-                            <a:buSzTx/>
-                            <a:buFontTx/>
-                            <a:buNone/>
-                            <a:tabLst/>
-                            <a:defRPr/>
-                          </a:pPr>
-                          <a:r>
-                            <a:rPr lang="en-US" sz="2000" dirty="0" smtClean="0">
-                              <a:ea typeface="Cambria Math" charset="0"/>
-                              <a:cs typeface="Cambria Math" charset="0"/>
-                            </a:rPr>
-                            <a:t>76.35%</a:t>
-                          </a:r>
-                          <a:r>
-                            <a:rPr lang="en-US" sz="2000" baseline="0" dirty="0" smtClean="0">
-                              <a:ea typeface="Cambria Math" charset="0"/>
-                              <a:cs typeface="Cambria Math" charset="0"/>
-                            </a:rPr>
-                            <a:t> </a:t>
-                          </a:r>
-                          <a14:m>
-                            <m:oMath xmlns:m="http://schemas.openxmlformats.org/officeDocument/2006/math">
-                              <m:r>
-                                <a:rPr lang="en-US" sz="2000" i="1" smtClean="0">
-                                  <a:latin typeface="Cambria Math" charset="0"/>
-                                  <a:ea typeface="Cambria Math" charset="0"/>
-                                  <a:cs typeface="Cambria Math" charset="0"/>
-                                </a:rPr>
-                                <m:t>±</m:t>
-                              </m:r>
-                            </m:oMath>
-                          </a14:m>
-                          <a:r>
-                            <a:rPr lang="en-US" sz="2000" dirty="0" smtClean="0"/>
-                            <a:t> </a:t>
-                          </a:r>
-                          <a:r>
-                            <a:rPr lang="en-US" sz="2000" dirty="0" smtClean="0"/>
-                            <a:t>0.32%</a:t>
-                          </a:r>
-                          <a:endParaRPr lang="en-US" sz="2000" dirty="0"/>
-                        </a:p>
-                      </a:txBody>
-                      <a:tcPr/>
-                    </a:tc>
-                    <a:tc>
-                      <a:txBody>
-                        <a:bodyPr/>
-                        <a:lstStyle/>
-                        <a:p>
-                          <a:pPr algn="ctr"/>
-                          <a:r>
-                            <a:rPr lang="en-US" sz="2000" dirty="0" smtClean="0"/>
-                            <a:t>Monica</a:t>
-                          </a:r>
-                          <a:endParaRPr lang="en-US" sz="2000" dirty="0"/>
-                        </a:p>
-                      </a:txBody>
-                      <a:tcPr/>
-                    </a:tc>
-                    <a:tc>
-                      <a:txBody>
-                        <a:bodyPr/>
-                        <a:lstStyle/>
-                        <a:p>
-                          <a:pPr marL="0" marR="0" indent="0" algn="ctr" defTabSz="914400" rtl="0" eaLnBrk="1" fontAlgn="auto" latinLnBrk="0" hangingPunct="1">
-                            <a:lnSpc>
-                              <a:spcPct val="100000"/>
-                            </a:lnSpc>
-                            <a:spcBef>
-                              <a:spcPts val="0"/>
-                            </a:spcBef>
-                            <a:spcAft>
-                              <a:spcPts val="0"/>
-                            </a:spcAft>
-                            <a:buClrTx/>
-                            <a:buSzTx/>
-                            <a:buFontTx/>
-                            <a:buNone/>
-                            <a:tabLst/>
-                            <a:defRPr/>
-                          </a:pPr>
-                          <a:r>
-                            <a:rPr lang="en-US" sz="2000" dirty="0" smtClean="0">
-                              <a:ea typeface="Cambria Math" charset="0"/>
-                              <a:cs typeface="Cambria Math" charset="0"/>
-                            </a:rPr>
-                            <a:t>%</a:t>
-                          </a:r>
-                          <a:r>
-                            <a:rPr lang="en-US" sz="2000" baseline="0" dirty="0" smtClean="0">
-                              <a:ea typeface="Cambria Math" charset="0"/>
-                              <a:cs typeface="Cambria Math" charset="0"/>
-                            </a:rPr>
-                            <a:t> </a:t>
-                          </a:r>
-                          <a14:m>
-                            <m:oMath xmlns:m="http://schemas.openxmlformats.org/officeDocument/2006/math">
-                              <m:r>
-                                <a:rPr lang="en-US" sz="2000" i="1" smtClean="0">
-                                  <a:latin typeface="Cambria Math" charset="0"/>
-                                  <a:ea typeface="Cambria Math" charset="0"/>
-                                  <a:cs typeface="Cambria Math" charset="0"/>
-                                </a:rPr>
-                                <m:t>±</m:t>
-                              </m:r>
-                            </m:oMath>
-                          </a14:m>
-                          <a:r>
-                            <a:rPr lang="en-US" sz="2000" dirty="0" smtClean="0"/>
-                            <a:t> </a:t>
-                          </a:r>
-                          <a:r>
-                            <a:rPr lang="en-US" sz="2000" dirty="0" smtClean="0"/>
-                            <a:t>%</a:t>
-                          </a:r>
-                          <a:endParaRPr lang="en-US" sz="2000" dirty="0"/>
-                        </a:p>
-                      </a:txBody>
-                      <a:tcPr/>
-                    </a:tc>
-                  </a:tr>
-                  <a:tr h="370840">
-                    <a:tc>
-                      <a:txBody>
-                        <a:bodyPr/>
-                        <a:lstStyle/>
-                        <a:p>
-                          <a:r>
-                            <a:rPr lang="en-US" sz="2000" dirty="0" err="1" smtClean="0"/>
-                            <a:t>Mellita</a:t>
-                          </a:r>
-                          <a:endParaRPr lang="en-US" sz="2000" dirty="0"/>
-                        </a:p>
-                      </a:txBody>
-                      <a:tcPr/>
-                    </a:tc>
-                    <a:tc>
-                      <a:txBody>
-                        <a:bodyPr/>
-                        <a:lstStyle/>
-                        <a:p>
-                          <a:pPr marL="0" marR="0" indent="0" algn="ctr" defTabSz="914400" rtl="0" eaLnBrk="1" fontAlgn="auto" latinLnBrk="0" hangingPunct="1">
-                            <a:lnSpc>
-                              <a:spcPct val="100000"/>
-                            </a:lnSpc>
-                            <a:spcBef>
-                              <a:spcPts val="0"/>
-                            </a:spcBef>
-                            <a:spcAft>
-                              <a:spcPts val="0"/>
-                            </a:spcAft>
-                            <a:buClrTx/>
-                            <a:buSzTx/>
-                            <a:buFontTx/>
-                            <a:buNone/>
-                            <a:tabLst/>
-                            <a:defRPr/>
-                          </a:pPr>
-                          <a:r>
-                            <a:rPr lang="en-US" sz="2000" dirty="0" smtClean="0">
-                              <a:ea typeface="Cambria Math" charset="0"/>
-                              <a:cs typeface="Cambria Math" charset="0"/>
-                            </a:rPr>
-                            <a:t>77.95%</a:t>
-                          </a:r>
-                          <a:r>
-                            <a:rPr lang="en-US" sz="2000" baseline="0" dirty="0" smtClean="0">
-                              <a:ea typeface="Cambria Math" charset="0"/>
-                              <a:cs typeface="Cambria Math" charset="0"/>
-                            </a:rPr>
-                            <a:t> </a:t>
-                          </a:r>
-                          <a14:m>
-                            <m:oMath xmlns:m="http://schemas.openxmlformats.org/officeDocument/2006/math">
-                              <m:r>
-                                <a:rPr lang="en-US" sz="2000" i="1" smtClean="0">
-                                  <a:latin typeface="Cambria Math" charset="0"/>
-                                  <a:ea typeface="Cambria Math" charset="0"/>
-                                  <a:cs typeface="Cambria Math" charset="0"/>
-                                </a:rPr>
-                                <m:t>±</m:t>
-                              </m:r>
-                            </m:oMath>
-                          </a14:m>
-                          <a:r>
-                            <a:rPr lang="en-US" sz="2000" dirty="0" smtClean="0"/>
-                            <a:t> </a:t>
-                          </a:r>
-                          <a:r>
-                            <a:rPr lang="en-US" sz="2000" dirty="0" smtClean="0"/>
-                            <a:t>0.50%</a:t>
-                          </a:r>
-                          <a:endParaRPr lang="en-US" sz="2000" dirty="0"/>
-                        </a:p>
-                      </a:txBody>
-                      <a:tcPr/>
-                    </a:tc>
-                    <a:tc>
-                      <a:txBody>
-                        <a:bodyPr/>
-                        <a:lstStyle/>
-                        <a:p>
-                          <a:pPr algn="ctr"/>
-                          <a:r>
-                            <a:rPr lang="en-US" sz="2000" dirty="0" smtClean="0"/>
-                            <a:t>Inge</a:t>
-                          </a:r>
-                          <a:endParaRPr lang="en-US" sz="2000" dirty="0"/>
-                        </a:p>
-                      </a:txBody>
-                      <a:tcPr/>
-                    </a:tc>
-                    <a:tc>
-                      <a:txBody>
-                        <a:bodyPr/>
-                        <a:lstStyle/>
-                        <a:p>
-                          <a:pPr marL="0" marR="0" indent="0" algn="ctr" defTabSz="914400" rtl="0" eaLnBrk="1" fontAlgn="auto" latinLnBrk="0" hangingPunct="1">
-                            <a:lnSpc>
-                              <a:spcPct val="100000"/>
-                            </a:lnSpc>
-                            <a:spcBef>
-                              <a:spcPts val="0"/>
-                            </a:spcBef>
-                            <a:spcAft>
-                              <a:spcPts val="0"/>
-                            </a:spcAft>
-                            <a:buClrTx/>
-                            <a:buSzTx/>
-                            <a:buFontTx/>
-                            <a:buNone/>
-                            <a:tabLst/>
-                            <a:defRPr/>
-                          </a:pPr>
-                          <a:r>
-                            <a:rPr lang="en-US" sz="2000" dirty="0" smtClean="0">
-                              <a:ea typeface="Cambria Math" charset="0"/>
-                              <a:cs typeface="Cambria Math" charset="0"/>
-                            </a:rPr>
-                            <a:t>%</a:t>
-                          </a:r>
-                          <a:r>
-                            <a:rPr lang="en-US" sz="2000" baseline="0" dirty="0" smtClean="0">
-                              <a:ea typeface="Cambria Math" charset="0"/>
-                              <a:cs typeface="Cambria Math" charset="0"/>
-                            </a:rPr>
-                            <a:t> </a:t>
-                          </a:r>
-                          <a14:m>
-                            <m:oMath xmlns:m="http://schemas.openxmlformats.org/officeDocument/2006/math">
-                              <m:r>
-                                <a:rPr lang="en-US" sz="2000" i="1" smtClean="0">
-                                  <a:latin typeface="Cambria Math" charset="0"/>
-                                  <a:ea typeface="Cambria Math" charset="0"/>
-                                  <a:cs typeface="Cambria Math" charset="0"/>
-                                </a:rPr>
-                                <m:t>±</m:t>
-                              </m:r>
-                            </m:oMath>
-                          </a14:m>
-                          <a:r>
-                            <a:rPr lang="en-US" sz="2000" dirty="0" smtClean="0"/>
-                            <a:t> </a:t>
-                          </a:r>
-                          <a:r>
-                            <a:rPr lang="en-US" sz="2000" dirty="0" smtClean="0"/>
-                            <a:t>%</a:t>
-                          </a:r>
-                          <a:endParaRPr lang="en-US" sz="2000" dirty="0"/>
-                        </a:p>
-                      </a:txBody>
-                      <a:tcPr/>
-                    </a:tc>
-                  </a:tr>
-                  <a:tr h="370840">
-                    <a:tc>
-                      <a:txBody>
-                        <a:bodyPr/>
-                        <a:lstStyle/>
-                        <a:p>
-                          <a:r>
-                            <a:rPr lang="en-US" sz="2000" dirty="0" smtClean="0"/>
-                            <a:t>Nikolas</a:t>
-                          </a:r>
-                          <a:endParaRPr lang="en-US" sz="2000" dirty="0"/>
-                        </a:p>
-                      </a:txBody>
-                      <a:tcPr/>
-                    </a:tc>
-                    <a:tc>
-                      <a:txBody>
-                        <a:bodyPr/>
-                        <a:lstStyle/>
-                        <a:p>
-                          <a:pPr marL="0" marR="0" indent="0" algn="ctr" defTabSz="914400" rtl="0" eaLnBrk="1" fontAlgn="auto" latinLnBrk="0" hangingPunct="1">
-                            <a:lnSpc>
-                              <a:spcPct val="100000"/>
-                            </a:lnSpc>
-                            <a:spcBef>
-                              <a:spcPts val="0"/>
-                            </a:spcBef>
-                            <a:spcAft>
-                              <a:spcPts val="0"/>
-                            </a:spcAft>
-                            <a:buClrTx/>
-                            <a:buSzTx/>
-                            <a:buFontTx/>
-                            <a:buNone/>
-                            <a:tabLst/>
-                            <a:defRPr/>
-                          </a:pPr>
-                          <a:r>
-                            <a:rPr lang="en-US" sz="2000" dirty="0" smtClean="0">
-                              <a:ea typeface="Cambria Math" charset="0"/>
-                              <a:cs typeface="Cambria Math" charset="0"/>
-                            </a:rPr>
-                            <a:t>85.11%</a:t>
-                          </a:r>
-                          <a:r>
-                            <a:rPr lang="en-US" sz="2000" baseline="0" dirty="0" smtClean="0">
-                              <a:ea typeface="Cambria Math" charset="0"/>
-                              <a:cs typeface="Cambria Math" charset="0"/>
-                            </a:rPr>
-                            <a:t> </a:t>
-                          </a:r>
-                          <a14:m>
-                            <m:oMath xmlns:m="http://schemas.openxmlformats.org/officeDocument/2006/math">
-                              <m:r>
-                                <a:rPr lang="en-US" sz="2000" i="1" smtClean="0">
-                                  <a:latin typeface="Cambria Math" charset="0"/>
-                                  <a:ea typeface="Cambria Math" charset="0"/>
-                                  <a:cs typeface="Cambria Math" charset="0"/>
-                                </a:rPr>
-                                <m:t>±</m:t>
-                              </m:r>
-                            </m:oMath>
-                          </a14:m>
-                          <a:r>
-                            <a:rPr lang="en-US" sz="2000" dirty="0" smtClean="0"/>
-                            <a:t> </a:t>
-                          </a:r>
-                          <a:r>
-                            <a:rPr lang="en-US" sz="2000" dirty="0" smtClean="0"/>
-                            <a:t>0.82%</a:t>
-                          </a:r>
-                          <a:endParaRPr lang="en-US" sz="2000" dirty="0"/>
-                        </a:p>
-                      </a:txBody>
-                      <a:tcPr/>
-                    </a:tc>
-                    <a:tc>
-                      <a:txBody>
-                        <a:bodyPr/>
-                        <a:lstStyle/>
-                        <a:p>
-                          <a:pPr algn="ctr"/>
-                          <a:r>
-                            <a:rPr lang="en-US" sz="2000" dirty="0" err="1" smtClean="0"/>
-                            <a:t>Andri</a:t>
-                          </a:r>
-                          <a:endParaRPr lang="en-US" sz="2000" dirty="0"/>
-                        </a:p>
-                      </a:txBody>
-                      <a:tcPr/>
-                    </a:tc>
-                    <a:tc>
-                      <a:txBody>
-                        <a:bodyPr/>
-                        <a:lstStyle/>
-                        <a:p>
-                          <a:pPr marL="0" marR="0" indent="0" algn="ctr" defTabSz="914400" rtl="0" eaLnBrk="1" fontAlgn="auto" latinLnBrk="0" hangingPunct="1">
-                            <a:lnSpc>
-                              <a:spcPct val="100000"/>
-                            </a:lnSpc>
-                            <a:spcBef>
-                              <a:spcPts val="0"/>
-                            </a:spcBef>
-                            <a:spcAft>
-                              <a:spcPts val="0"/>
-                            </a:spcAft>
-                            <a:buClrTx/>
-                            <a:buSzTx/>
-                            <a:buFontTx/>
-                            <a:buNone/>
-                            <a:tabLst/>
-                            <a:defRPr/>
-                          </a:pPr>
-                          <a:r>
-                            <a:rPr lang="en-US" sz="2000" dirty="0" smtClean="0">
-                              <a:ea typeface="Cambria Math" charset="0"/>
-                              <a:cs typeface="Cambria Math" charset="0"/>
-                            </a:rPr>
-                            <a:t>%</a:t>
-                          </a:r>
-                          <a:r>
-                            <a:rPr lang="en-US" sz="2000" baseline="0" dirty="0" smtClean="0">
-                              <a:ea typeface="Cambria Math" charset="0"/>
-                              <a:cs typeface="Cambria Math" charset="0"/>
-                            </a:rPr>
-                            <a:t> </a:t>
-                          </a:r>
-                          <a14:m>
-                            <m:oMath xmlns:m="http://schemas.openxmlformats.org/officeDocument/2006/math">
-                              <m:r>
-                                <a:rPr lang="en-US" sz="2000" i="1" smtClean="0">
-                                  <a:latin typeface="Cambria Math" charset="0"/>
-                                  <a:ea typeface="Cambria Math" charset="0"/>
-                                  <a:cs typeface="Cambria Math" charset="0"/>
-                                </a:rPr>
-                                <m:t>±</m:t>
-                              </m:r>
-                            </m:oMath>
-                          </a14:m>
-                          <a:r>
-                            <a:rPr lang="en-US" sz="2000" dirty="0" smtClean="0"/>
-                            <a:t> </a:t>
-                          </a:r>
-                          <a:r>
-                            <a:rPr lang="en-US" sz="2000" dirty="0" smtClean="0"/>
-                            <a:t>%</a:t>
-                          </a:r>
-                          <a:endParaRPr lang="en-US" sz="2000" dirty="0"/>
-                        </a:p>
-                      </a:txBody>
-                      <a:tcPr/>
-                    </a:tc>
-                  </a:tr>
-                  <a:tr h="370840">
-                    <a:tc>
-                      <a:txBody>
-                        <a:bodyPr/>
-                        <a:lstStyle/>
-                        <a:p>
-                          <a:r>
-                            <a:rPr lang="en-US" sz="2000" b="1" dirty="0" smtClean="0"/>
-                            <a:t>Average</a:t>
-                          </a:r>
-                          <a:endParaRPr lang="en-US" sz="2000" b="1" dirty="0"/>
-                        </a:p>
-                      </a:txBody>
-                      <a:tcPr/>
-                    </a:tc>
-                    <a:tc gridSpan="3">
-                      <a:txBody>
-                        <a:bodyPr/>
-                        <a:lstStyle/>
-                        <a:p>
-                          <a:pPr algn="ctr"/>
-                          <a:r>
-                            <a:rPr lang="en-US" sz="2000" dirty="0" smtClean="0"/>
-                            <a:t>%</a:t>
-                          </a:r>
-                          <a:endParaRPr lang="en-US" sz="2000" dirty="0"/>
-                        </a:p>
-                      </a:txBody>
-                      <a:tcPr/>
-                    </a:tc>
-                    <a:tc hMerge="1">
-                      <a:txBody>
-                        <a:bodyPr/>
-                        <a:lstStyle/>
-                        <a:p>
-                          <a:pPr algn="ctr"/>
-                          <a:endParaRPr lang="en-US" sz="2000" dirty="0"/>
-                        </a:p>
-                      </a:txBody>
-                      <a:tcPr/>
-                    </a:tc>
-                    <a:tc hMerge="1">
-                      <a:txBody>
-                        <a:bodyPr/>
-                        <a:lstStyle/>
-                        <a:p>
-                          <a:pPr algn="ctr"/>
-                          <a:endParaRPr lang="en-US" sz="2000" dirty="0"/>
-                        </a:p>
-                      </a:txBody>
-                      <a:tcPr/>
-                    </a:tc>
-                  </a:tr>
-                </a:tbl>
-              </a:graphicData>
-            </a:graphic>
-          </p:graphicFrame>
-        </mc:Choice>
-        <mc:Fallback>
-          <p:graphicFrame>
-            <p:nvGraphicFramePr>
-              <p:cNvPr id="6" name="Table 5"/>
-              <p:cNvGraphicFramePr>
-                <a:graphicFrameLocks noGrp="1"/>
-              </p:cNvGraphicFramePr>
-              <p:nvPr>
-                <p:extLst>
-                  <p:ext uri="{D42A27DB-BD31-4B8C-83A1-F6EECF244321}">
-                    <p14:modId xmlns:p14="http://schemas.microsoft.com/office/powerpoint/2010/main" val="510871345"/>
-                  </p:ext>
-                </p:extLst>
-              </p:nvPr>
-            </p:nvGraphicFramePr>
-            <p:xfrm>
-              <a:off x="1434882" y="2527676"/>
-              <a:ext cx="9322236" cy="3078480"/>
-            </p:xfrm>
-            <a:graphic>
-              <a:graphicData uri="http://schemas.openxmlformats.org/drawingml/2006/table">
-                <a:tbl>
-                  <a:tblPr firstRow="1" bandRow="1">
-                    <a:tableStyleId>{5C22544A-7EE6-4342-B048-85BDC9FD1C3A}</a:tableStyleId>
-                  </a:tblPr>
-                  <a:tblGrid>
-                    <a:gridCol w="2693227"/>
-                    <a:gridCol w="2167533"/>
-                    <a:gridCol w="2389403"/>
-                    <a:gridCol w="2072073"/>
-                  </a:tblGrid>
-                  <a:tr h="701040">
-                    <a:tc>
-                      <a:txBody>
-                        <a:bodyPr/>
-                        <a:lstStyle/>
-                        <a:p>
-                          <a:pPr algn="ctr"/>
-                          <a:r>
-                            <a:rPr lang="en-US" sz="2000" dirty="0" smtClean="0"/>
-                            <a:t>LOO Subject</a:t>
-                          </a:r>
-                          <a:endParaRPr lang="en-US" sz="2000" dirty="0"/>
-                        </a:p>
-                      </a:txBody>
-                      <a:tcPr/>
-                    </a:tc>
-                    <a:tc>
-                      <a:txBody>
-                        <a:bodyPr/>
-                        <a:lstStyle/>
-                        <a:p>
-                          <a:pPr algn="ctr"/>
-                          <a:r>
-                            <a:rPr lang="en-US" sz="2000" dirty="0" smtClean="0"/>
-                            <a:t>F1 </a:t>
-                          </a:r>
-                          <a:r>
-                            <a:rPr lang="en-US" sz="2000" baseline="0" dirty="0" smtClean="0"/>
-                            <a:t>Mean</a:t>
-                          </a:r>
-                          <a:endParaRPr lang="en-US" sz="2000" baseline="0" dirty="0" smtClean="0"/>
-                        </a:p>
-                        <a:p>
-                          <a:pPr algn="ctr"/>
-                          <a:r>
-                            <a:rPr lang="en-US" sz="2000" baseline="0" dirty="0" smtClean="0"/>
-                            <a:t>(SP + SW)</a:t>
-                          </a:r>
-                          <a:endParaRPr lang="en-US" sz="2000" dirty="0"/>
-                        </a:p>
-                      </a:txBody>
-                      <a:tcPr/>
-                    </a:tc>
-                    <a:tc>
-                      <a:txBody>
-                        <a:bodyPr/>
-                        <a:lstStyle/>
-                        <a:p>
-                          <a:pPr algn="ctr"/>
-                          <a:r>
-                            <a:rPr lang="en-US" sz="2000" dirty="0" smtClean="0"/>
-                            <a:t>LOO Subject</a:t>
-                          </a:r>
-                          <a:endParaRPr lang="en-US" sz="2000" dirty="0"/>
-                        </a:p>
-                      </a:txBody>
-                      <a:tcPr/>
-                    </a:tc>
-                    <a:tc>
-                      <a:txBody>
-                        <a:bodyPr/>
-                        <a:lstStyle/>
-                        <a:p>
-                          <a:pPr algn="ctr"/>
-                          <a:r>
-                            <a:rPr lang="en-US" sz="2000" dirty="0" smtClean="0"/>
-                            <a:t>F1 </a:t>
-                          </a:r>
-                          <a:r>
-                            <a:rPr lang="en-US" sz="2000" dirty="0" smtClean="0"/>
-                            <a:t>Mean</a:t>
-                          </a:r>
-                        </a:p>
-                        <a:p>
-                          <a:pPr algn="ctr"/>
-                          <a:r>
-                            <a:rPr lang="en-US" sz="2000" dirty="0" smtClean="0"/>
-                            <a:t>(SP + SW)</a:t>
-                          </a:r>
-                          <a:endParaRPr lang="en-US" sz="2000" dirty="0"/>
-                        </a:p>
-                      </a:txBody>
-                      <a:tcPr/>
-                    </a:tc>
-                  </a:tr>
-                  <a:tr h="396240">
-                    <a:tc>
-                      <a:txBody>
-                        <a:bodyPr/>
-                        <a:lstStyle/>
-                        <a:p>
-                          <a:r>
-                            <a:rPr lang="en-US" sz="2000" dirty="0" smtClean="0"/>
-                            <a:t>Edwin</a:t>
-                          </a:r>
-                          <a:endParaRPr lang="en-US" sz="2000" dirty="0"/>
-                        </a:p>
-                      </a:txBody>
-                      <a:tcPr/>
-                    </a:tc>
-                    <a:tc>
-                      <a:txBody>
-                        <a:bodyPr/>
-                        <a:lstStyle/>
-                        <a:p>
-                          <a:endParaRPr lang="en-US"/>
-                        </a:p>
-                      </a:txBody>
-                      <a:tcPr>
-                        <a:blipFill rotWithShape="0">
-                          <a:blip r:embed="rId2"/>
-                          <a:stretch>
-                            <a:fillRect l="-124438" t="-184615" r="-206742" b="-529231"/>
-                          </a:stretch>
-                        </a:blipFill>
-                      </a:tcPr>
-                    </a:tc>
-                    <a:tc>
-                      <a:txBody>
-                        <a:bodyPr/>
-                        <a:lstStyle/>
-                        <a:p>
-                          <a:pPr marL="0" marR="0" indent="0" algn="ctr" defTabSz="914400" rtl="0" eaLnBrk="1" fontAlgn="auto" latinLnBrk="0" hangingPunct="1">
-                            <a:lnSpc>
-                              <a:spcPct val="100000"/>
-                            </a:lnSpc>
-                            <a:spcBef>
-                              <a:spcPts val="0"/>
-                            </a:spcBef>
-                            <a:spcAft>
-                              <a:spcPts val="0"/>
-                            </a:spcAft>
-                            <a:buClrTx/>
-                            <a:buSzTx/>
-                            <a:buFontTx/>
-                            <a:buNone/>
-                            <a:tabLst/>
-                            <a:defRPr/>
-                          </a:pPr>
-                          <a:r>
-                            <a:rPr lang="en-US" sz="2000" dirty="0" smtClean="0"/>
-                            <a:t>Samuel</a:t>
-                          </a:r>
-                          <a:endParaRPr lang="en-US" sz="2000" dirty="0"/>
-                        </a:p>
-                      </a:txBody>
-                      <a:tcPr/>
-                    </a:tc>
-                    <a:tc>
-                      <a:txBody>
-                        <a:bodyPr/>
-                        <a:lstStyle/>
-                        <a:p>
-                          <a:endParaRPr lang="en-US"/>
-                        </a:p>
-                      </a:txBody>
-                      <a:tcPr>
-                        <a:blipFill rotWithShape="0">
-                          <a:blip r:embed="rId2"/>
-                          <a:stretch>
-                            <a:fillRect l="-350294" t="-184615" r="-1176" b="-529231"/>
-                          </a:stretch>
-                        </a:blipFill>
-                      </a:tcPr>
-                    </a:tc>
-                  </a:tr>
-                  <a:tr h="396240">
-                    <a:tc>
-                      <a:txBody>
-                        <a:bodyPr/>
-                        <a:lstStyle/>
-                        <a:p>
-                          <a:r>
-                            <a:rPr lang="en-US" sz="2000" dirty="0" err="1" smtClean="0"/>
-                            <a:t>Richsen</a:t>
-                          </a:r>
-                          <a:endParaRPr lang="en-US" sz="2000" dirty="0"/>
-                        </a:p>
-                      </a:txBody>
-                      <a:tcPr/>
-                    </a:tc>
-                    <a:tc>
-                      <a:txBody>
-                        <a:bodyPr/>
-                        <a:lstStyle/>
-                        <a:p>
-                          <a:endParaRPr lang="en-US"/>
-                        </a:p>
-                      </a:txBody>
-                      <a:tcPr>
-                        <a:blipFill rotWithShape="0">
-                          <a:blip r:embed="rId2"/>
-                          <a:stretch>
-                            <a:fillRect l="-124438" t="-284615" r="-206742" b="-429231"/>
-                          </a:stretch>
-                        </a:blipFill>
-                      </a:tcPr>
-                    </a:tc>
-                    <a:tc>
-                      <a:txBody>
-                        <a:bodyPr/>
-                        <a:lstStyle/>
-                        <a:p>
-                          <a:pPr algn="ctr"/>
-                          <a:r>
-                            <a:rPr lang="en-US" sz="2000" dirty="0" smtClean="0"/>
-                            <a:t>Elmo</a:t>
-                          </a:r>
-                          <a:endParaRPr lang="en-US" sz="2000" dirty="0"/>
-                        </a:p>
-                      </a:txBody>
-                      <a:tcPr/>
-                    </a:tc>
-                    <a:tc>
-                      <a:txBody>
-                        <a:bodyPr/>
-                        <a:lstStyle/>
-                        <a:p>
-                          <a:endParaRPr lang="en-US"/>
-                        </a:p>
-                      </a:txBody>
-                      <a:tcPr>
-                        <a:blipFill rotWithShape="0">
-                          <a:blip r:embed="rId2"/>
-                          <a:stretch>
-                            <a:fillRect l="-350294" t="-284615" r="-1176" b="-429231"/>
-                          </a:stretch>
-                        </a:blipFill>
-                      </a:tcPr>
-                    </a:tc>
-                  </a:tr>
-                  <a:tr h="396240">
-                    <a:tc>
-                      <a:txBody>
-                        <a:bodyPr/>
-                        <a:lstStyle/>
-                        <a:p>
-                          <a:r>
-                            <a:rPr lang="en-US" sz="2000" dirty="0" err="1" smtClean="0"/>
-                            <a:t>Shelina</a:t>
-                          </a:r>
-                          <a:endParaRPr lang="en-US" sz="2000" dirty="0"/>
-                        </a:p>
-                      </a:txBody>
-                      <a:tcPr/>
-                    </a:tc>
-                    <a:tc>
-                      <a:txBody>
-                        <a:bodyPr/>
-                        <a:lstStyle/>
-                        <a:p>
-                          <a:endParaRPr lang="en-US"/>
-                        </a:p>
-                      </a:txBody>
-                      <a:tcPr>
-                        <a:blipFill rotWithShape="0">
-                          <a:blip r:embed="rId2"/>
-                          <a:stretch>
-                            <a:fillRect l="-124438" t="-378788" r="-206742" b="-322727"/>
-                          </a:stretch>
-                        </a:blipFill>
-                      </a:tcPr>
-                    </a:tc>
-                    <a:tc>
-                      <a:txBody>
-                        <a:bodyPr/>
-                        <a:lstStyle/>
-                        <a:p>
-                          <a:pPr algn="ctr"/>
-                          <a:r>
-                            <a:rPr lang="en-US" sz="2000" dirty="0" smtClean="0"/>
-                            <a:t>Monica</a:t>
-                          </a:r>
-                          <a:endParaRPr lang="en-US" sz="2000" dirty="0"/>
-                        </a:p>
-                      </a:txBody>
-                      <a:tcPr/>
-                    </a:tc>
-                    <a:tc>
-                      <a:txBody>
-                        <a:bodyPr/>
-                        <a:lstStyle/>
-                        <a:p>
-                          <a:endParaRPr lang="en-US"/>
-                        </a:p>
-                      </a:txBody>
-                      <a:tcPr>
-                        <a:blipFill rotWithShape="0">
-                          <a:blip r:embed="rId2"/>
-                          <a:stretch>
-                            <a:fillRect l="-350294" t="-378788" r="-1176" b="-322727"/>
-                          </a:stretch>
-                        </a:blipFill>
-                      </a:tcPr>
-                    </a:tc>
-                  </a:tr>
-                  <a:tr h="396240">
-                    <a:tc>
-                      <a:txBody>
-                        <a:bodyPr/>
-                        <a:lstStyle/>
-                        <a:p>
-                          <a:r>
-                            <a:rPr lang="en-US" sz="2000" dirty="0" err="1" smtClean="0"/>
-                            <a:t>Mellita</a:t>
-                          </a:r>
-                          <a:endParaRPr lang="en-US" sz="2000" dirty="0"/>
-                        </a:p>
-                      </a:txBody>
-                      <a:tcPr/>
-                    </a:tc>
-                    <a:tc>
-                      <a:txBody>
-                        <a:bodyPr/>
-                        <a:lstStyle/>
-                        <a:p>
-                          <a:endParaRPr lang="en-US"/>
-                        </a:p>
-                      </a:txBody>
-                      <a:tcPr>
-                        <a:blipFill rotWithShape="0">
-                          <a:blip r:embed="rId2"/>
-                          <a:stretch>
-                            <a:fillRect l="-124438" t="-486154" r="-206742" b="-227692"/>
-                          </a:stretch>
-                        </a:blipFill>
-                      </a:tcPr>
-                    </a:tc>
-                    <a:tc>
-                      <a:txBody>
-                        <a:bodyPr/>
-                        <a:lstStyle/>
-                        <a:p>
-                          <a:pPr algn="ctr"/>
-                          <a:r>
-                            <a:rPr lang="en-US" sz="2000" dirty="0" smtClean="0"/>
-                            <a:t>Inge</a:t>
-                          </a:r>
-                          <a:endParaRPr lang="en-US" sz="2000" dirty="0"/>
-                        </a:p>
-                      </a:txBody>
-                      <a:tcPr/>
-                    </a:tc>
-                    <a:tc>
-                      <a:txBody>
-                        <a:bodyPr/>
-                        <a:lstStyle/>
-                        <a:p>
-                          <a:endParaRPr lang="en-US"/>
-                        </a:p>
-                      </a:txBody>
-                      <a:tcPr>
-                        <a:blipFill rotWithShape="0">
-                          <a:blip r:embed="rId2"/>
-                          <a:stretch>
-                            <a:fillRect l="-350294" t="-486154" r="-1176" b="-227692"/>
-                          </a:stretch>
-                        </a:blipFill>
-                      </a:tcPr>
-                    </a:tc>
-                  </a:tr>
-                  <a:tr h="396240">
-                    <a:tc>
-                      <a:txBody>
-                        <a:bodyPr/>
-                        <a:lstStyle/>
-                        <a:p>
-                          <a:r>
-                            <a:rPr lang="en-US" sz="2000" dirty="0" smtClean="0"/>
-                            <a:t>Nikolas</a:t>
-                          </a:r>
-                          <a:endParaRPr lang="en-US" sz="2000" dirty="0"/>
-                        </a:p>
-                      </a:txBody>
-                      <a:tcPr/>
-                    </a:tc>
-                    <a:tc>
-                      <a:txBody>
-                        <a:bodyPr/>
-                        <a:lstStyle/>
-                        <a:p>
-                          <a:endParaRPr lang="en-US"/>
-                        </a:p>
-                      </a:txBody>
-                      <a:tcPr>
-                        <a:blipFill rotWithShape="0">
-                          <a:blip r:embed="rId2"/>
-                          <a:stretch>
-                            <a:fillRect l="-124438" t="-586154" r="-206742" b="-127692"/>
-                          </a:stretch>
-                        </a:blipFill>
-                      </a:tcPr>
-                    </a:tc>
-                    <a:tc>
-                      <a:txBody>
-                        <a:bodyPr/>
-                        <a:lstStyle/>
-                        <a:p>
-                          <a:pPr algn="ctr"/>
-                          <a:r>
-                            <a:rPr lang="en-US" sz="2000" dirty="0" err="1" smtClean="0"/>
-                            <a:t>Andri</a:t>
-                          </a:r>
-                          <a:endParaRPr lang="en-US" sz="2000" dirty="0"/>
-                        </a:p>
-                      </a:txBody>
-                      <a:tcPr/>
-                    </a:tc>
-                    <a:tc>
-                      <a:txBody>
-                        <a:bodyPr/>
-                        <a:lstStyle/>
-                        <a:p>
-                          <a:endParaRPr lang="en-US"/>
-                        </a:p>
-                      </a:txBody>
-                      <a:tcPr>
-                        <a:blipFill rotWithShape="0">
-                          <a:blip r:embed="rId2"/>
-                          <a:stretch>
-                            <a:fillRect l="-350294" t="-586154" r="-1176" b="-127692"/>
-                          </a:stretch>
-                        </a:blipFill>
-                      </a:tcPr>
-                    </a:tc>
-                  </a:tr>
-                  <a:tr h="396240">
-                    <a:tc>
-                      <a:txBody>
-                        <a:bodyPr/>
-                        <a:lstStyle/>
-                        <a:p>
-                          <a:r>
-                            <a:rPr lang="en-US" sz="2000" b="1" dirty="0" smtClean="0"/>
-                            <a:t>Average</a:t>
-                          </a:r>
-                          <a:endParaRPr lang="en-US" sz="2000" b="1" dirty="0"/>
-                        </a:p>
-                      </a:txBody>
-                      <a:tcPr/>
-                    </a:tc>
-                    <a:tc gridSpan="3">
-                      <a:txBody>
-                        <a:bodyPr/>
-                        <a:lstStyle/>
-                        <a:p>
-                          <a:pPr algn="ctr"/>
-                          <a:r>
-                            <a:rPr lang="en-US" sz="2000" dirty="0" smtClean="0"/>
-                            <a:t>%</a:t>
-                          </a:r>
-                          <a:endParaRPr lang="en-US" sz="2000" dirty="0"/>
-                        </a:p>
-                      </a:txBody>
-                      <a:tcPr/>
-                    </a:tc>
-                    <a:tc hMerge="1">
-                      <a:txBody>
-                        <a:bodyPr/>
-                        <a:lstStyle/>
-                        <a:p>
-                          <a:pPr algn="ctr"/>
-                          <a:endParaRPr lang="en-US" sz="2000" dirty="0"/>
-                        </a:p>
-                      </a:txBody>
-                      <a:tcPr/>
-                    </a:tc>
-                    <a:tc hMerge="1">
-                      <a:txBody>
-                        <a:bodyPr/>
-                        <a:lstStyle/>
-                        <a:p>
-                          <a:pPr algn="ctr"/>
-                          <a:endParaRPr lang="en-US" sz="2000" dirty="0"/>
-                        </a:p>
-                      </a:txBody>
-                      <a:tcPr/>
-                    </a:tc>
-                  </a:tr>
-                </a:tbl>
-              </a:graphicData>
-            </a:graphic>
-          </p:graphicFrame>
-        </mc:Fallback>
-      </mc:AlternateContent>
-    </p:spTree>
-    <p:extLst>
-      <p:ext uri="{BB962C8B-B14F-4D97-AF65-F5344CB8AC3E}">
-        <p14:creationId xmlns:p14="http://schemas.microsoft.com/office/powerpoint/2010/main" val="261059931"/>
-      </p:ext>
-    </p:extLst>
-  </p:cSld>
-  <p:clrMapOvr>
-    <a:masterClrMapping/>
-  </p:clrMapOvr>
-  <p:timing>
-    <p:tnLst>
-      <p:par>
-        <p:cTn id="1" dur="indefinite" restart="never" nodeType="tmRoot"/>
-      </p:par>
-    </p:tnLst>
-  </p:timing>
-</p:sld>
-</file>
-
-<file path=ppt/slides/slide37.xml><?xml version="1.0" encoding="utf-8"?>
 <p:sld xmlns:a="http://schemas.openxmlformats.org/drawingml/2006/main" xmlns:r="http://schemas.openxmlformats.org/officeDocument/2006/relationships" xmlns:p="http://schemas.openxmlformats.org/presentationml/2006/main">
   <p:cSld>
     <p:spTree>
@@ -36292,19 +32623,7 @@
           <a:p>
             <a:r>
               <a:rPr lang="en-US" b="1" dirty="0" smtClean="0"/>
-              <a:t>LOO (</a:t>
-            </a:r>
-            <a:r>
-              <a:rPr lang="en-US" b="1" dirty="0" smtClean="0"/>
-              <a:t>11 </a:t>
-            </a:r>
-            <a:r>
-              <a:rPr lang="en-US" b="1" dirty="0" smtClean="0"/>
-              <a:t>PERSONS</a:t>
-            </a:r>
-            <a:r>
-              <a:rPr lang="en-US" b="1" dirty="0" smtClean="0"/>
-              <a:t>) </a:t>
+              <a:t>LOO (11 PERSONS) </a:t>
             </a:r>
             <a:r>
               <a:rPr lang="mr-IN" b="1" dirty="0" smtClean="0"/>
@@ -36535,8 +32854,8 @@
           </a:p>
         </p:txBody>
       </p:sp>
-      <mc:AlternateContent xmlns:mc="http://schemas.openxmlformats.org/markup-compatibility/2006">
-        <mc:Choice xmlns:a14="http://schemas.microsoft.com/office/drawing/2010/main" Requires="a14">
+      <mc:AlternateContent xmlns:mc="http://schemas.openxmlformats.org/markup-compatibility/2006" xmlns:a14="http://schemas.microsoft.com/office/drawing/2010/main">
+        <mc:Choice Requires="a14">
           <p:graphicFrame>
             <p:nvGraphicFramePr>
               <p:cNvPr id="6" name="Table 5"/>
@@ -36597,7 +32916,6 @@
                             <a:rPr lang="en-US" sz="2000" baseline="0" dirty="0" smtClean="0"/>
                             <a:t>Mean</a:t>
                           </a:r>
-                          <a:endParaRPr lang="en-US" sz="2000" baseline="0" dirty="0" smtClean="0"/>
                         </a:p>
                         <a:p>
                           <a:pPr algn="ctr"/>
@@ -36633,11 +32951,7 @@
                           <a:pPr algn="ctr"/>
                           <a:r>
                             <a:rPr lang="en-US" sz="2000" dirty="0" smtClean="0"/>
-                            <a:t>F1 </a:t>
-                          </a:r>
-                          <a:r>
-                            <a:rPr lang="en-US" sz="2000" dirty="0" smtClean="0"/>
-                            <a:t>Mean</a:t>
+                            <a:t>F1 Mean</a:t>
                           </a:r>
                         </a:p>
                         <a:p>
@@ -36717,11 +33031,7 @@
                           </a14:m>
                           <a:r>
                             <a:rPr lang="en-US" sz="2000" dirty="0" smtClean="0"/>
-                            <a:t> </a:t>
-                          </a:r>
-                          <a:r>
-                            <a:rPr lang="en-US" sz="2000" dirty="0" smtClean="0"/>
-                            <a:t>0.14%</a:t>
+                            <a:t> 0.14%</a:t>
                           </a:r>
                           <a:endParaRPr lang="en-US" sz="2000" dirty="0"/>
                         </a:p>
@@ -36809,11 +33119,7 @@
                           </a14:m>
                           <a:r>
                             <a:rPr lang="en-US" sz="2000" dirty="0" smtClean="0"/>
-                            <a:t> </a:t>
-                          </a:r>
-                          <a:r>
-                            <a:rPr lang="en-US" sz="2000" dirty="0" smtClean="0"/>
-                            <a:t>0.49%</a:t>
+                            <a:t> 0.49%</a:t>
                           </a:r>
                           <a:endParaRPr lang="en-US" sz="2000" dirty="0"/>
                         </a:p>
@@ -36958,11 +33264,7 @@
                           </a14:m>
                           <a:r>
                             <a:rPr lang="en-US" sz="2000" dirty="0" smtClean="0"/>
-                            <a:t> </a:t>
-                          </a:r>
-                          <a:r>
-                            <a:rPr lang="en-US" sz="2000" dirty="0" smtClean="0"/>
-                            <a:t>0.94%</a:t>
+                            <a:t> 0.94%</a:t>
                           </a:r>
                           <a:endParaRPr lang="en-US" sz="2000" dirty="0"/>
                         </a:p>
@@ -37035,11 +33337,7 @@
                           </a14:m>
                           <a:r>
                             <a:rPr lang="en-US" sz="2000" dirty="0" smtClean="0"/>
-                            <a:t> </a:t>
-                          </a:r>
-                          <a:r>
-                            <a:rPr lang="en-US" sz="2000" dirty="0" smtClean="0"/>
-                            <a:t>1.36%</a:t>
+                            <a:t> 1.36%</a:t>
                           </a:r>
                           <a:endParaRPr lang="en-US" sz="2000" dirty="0"/>
                         </a:p>
@@ -37111,11 +33409,7 @@
                           </a14:m>
                           <a:r>
                             <a:rPr lang="en-US" sz="2000" dirty="0" smtClean="0"/>
-                            <a:t> </a:t>
-                          </a:r>
-                          <a:r>
-                            <a:rPr lang="en-US" sz="2000" dirty="0" smtClean="0"/>
-                            <a:t>0.80%</a:t>
+                            <a:t> 0.80%</a:t>
                           </a:r>
                           <a:endParaRPr lang="en-US" sz="2000" dirty="0"/>
                         </a:p>
@@ -37188,11 +33482,7 @@
                           </a14:m>
                           <a:r>
                             <a:rPr lang="en-US" sz="2000" dirty="0" smtClean="0"/>
-                            <a:t> </a:t>
-                          </a:r>
-                          <a:r>
-                            <a:rPr lang="en-US" sz="2000" dirty="0" smtClean="0"/>
-                            <a:t>0.19%</a:t>
+                            <a:t> 0.19%</a:t>
                           </a:r>
                           <a:endParaRPr lang="en-US" sz="2000" dirty="0"/>
                         </a:p>
@@ -37264,11 +33554,7 @@
                           </a14:m>
                           <a:r>
                             <a:rPr lang="en-US" sz="2000" dirty="0" smtClean="0"/>
-                            <a:t> </a:t>
-                          </a:r>
-                          <a:r>
-                            <a:rPr lang="en-US" sz="2000" dirty="0" smtClean="0"/>
-                            <a:t>0.17%</a:t>
+                            <a:t> 0.17%</a:t>
                           </a:r>
                           <a:endParaRPr lang="en-US" sz="2000" dirty="0"/>
                         </a:p>
@@ -37341,11 +33627,7 @@
                           </a14:m>
                           <a:r>
                             <a:rPr lang="en-US" sz="2000" dirty="0" smtClean="0"/>
-                            <a:t> </a:t>
-                          </a:r>
-                          <a:r>
-                            <a:rPr lang="en-US" sz="2000" dirty="0" smtClean="0"/>
-                            <a:t>0.64%</a:t>
+                            <a:t> 0.64%</a:t>
                           </a:r>
                           <a:endParaRPr lang="en-US" sz="2000" dirty="0"/>
                         </a:p>
@@ -37449,7 +33731,7 @@
             </a:graphic>
           </p:graphicFrame>
         </mc:Choice>
-        <mc:Fallback>
+        <mc:Fallback xmlns="">
           <p:graphicFrame>
             <p:nvGraphicFramePr>
               <p:cNvPr id="6" name="Table 5"/>
@@ -37991,7 +34273,1714 @@
 </p:sld>
 </file>
 
-<file path=ppt/slides/slide38.xml><?xml version="1.0" encoding="utf-8"?>
+<file path=ppt/slides/slide36.xml><?xml version="1.0" encoding="utf-8"?>
+<p:sld xmlns:a="http://schemas.openxmlformats.org/drawingml/2006/main" xmlns:r="http://schemas.openxmlformats.org/officeDocument/2006/relationships" xmlns:p="http://schemas.openxmlformats.org/presentationml/2006/main">
+  <p:cSld>
+    <p:spTree>
+      <p:nvGrpSpPr>
+        <p:cNvPr id="1" name=""/>
+        <p:cNvGrpSpPr/>
+        <p:nvPr/>
+      </p:nvGrpSpPr>
+      <p:grpSpPr>
+        <a:xfrm>
+          <a:off x="0" y="0"/>
+          <a:ext cx="0" cy="0"/>
+          <a:chOff x="0" y="0"/>
+          <a:chExt cx="0" cy="0"/>
+        </a:xfrm>
+      </p:grpSpPr>
+      <p:sp>
+        <p:nvSpPr>
+          <p:cNvPr id="4" name="Title 1"/>
+          <p:cNvSpPr txBox="1">
+            <a:spLocks/>
+          </p:cNvSpPr>
+          <p:nvPr/>
+        </p:nvSpPr>
+        <p:spPr>
+          <a:xfrm>
+            <a:off x="242455" y="295849"/>
+            <a:ext cx="11949545" cy="1325563"/>
+          </a:xfrm>
+          <a:prstGeom prst="rect">
+            <a:avLst/>
+          </a:prstGeom>
+        </p:spPr>
+        <p:txBody>
+          <a:bodyPr vert="horz" lIns="91440" tIns="45720" rIns="91440" bIns="45720" rtlCol="0" anchor="ctr">
+            <a:normAutofit/>
+          </a:bodyPr>
+          <a:lstStyle>
+            <a:lvl1pPr algn="l" defTabSz="914400" rtl="0" eaLnBrk="1" latinLnBrk="0" hangingPunct="1">
+              <a:lnSpc>
+                <a:spcPct val="90000"/>
+              </a:lnSpc>
+              <a:spcBef>
+                <a:spcPct val="0"/>
+              </a:spcBef>
+              <a:buNone/>
+              <a:defRPr sz="4400" kern="1200">
+                <a:solidFill>
+                  <a:schemeClr val="tx1"/>
+                </a:solidFill>
+                <a:latin typeface="+mj-lt"/>
+                <a:ea typeface="+mj-ea"/>
+                <a:cs typeface="+mj-cs"/>
+              </a:defRPr>
+            </a:lvl1pPr>
+          </a:lstStyle>
+          <a:p>
+            <a:r>
+              <a:rPr lang="en-US" b="1" dirty="0" smtClean="0"/>
+              <a:t>LOO (11 PERSONS) </a:t>
+            </a:r>
+            <a:r>
+              <a:rPr lang="mr-IN" b="1" dirty="0" smtClean="0"/>
+              <a:t>–</a:t>
+            </a:r>
+            <a:r>
+              <a:rPr lang="en-US" b="1" dirty="0" smtClean="0"/>
+              <a:t> NO RICHSEN + LAUREN</a:t>
+            </a:r>
+            <a:endParaRPr lang="en-US" b="1" dirty="0"/>
+          </a:p>
+        </p:txBody>
+      </p:sp>
+      <p:sp>
+        <p:nvSpPr>
+          <p:cNvPr id="5" name="Content Placeholder 2"/>
+          <p:cNvSpPr txBox="1">
+            <a:spLocks/>
+          </p:cNvSpPr>
+          <p:nvPr/>
+        </p:nvSpPr>
+        <p:spPr>
+          <a:xfrm>
+            <a:off x="838200" y="1482436"/>
+            <a:ext cx="10515600" cy="4694527"/>
+          </a:xfrm>
+          <a:prstGeom prst="rect">
+            <a:avLst/>
+          </a:prstGeom>
+        </p:spPr>
+        <p:txBody>
+          <a:bodyPr vert="horz" lIns="91440" tIns="45720" rIns="91440" bIns="45720" rtlCol="0">
+            <a:normAutofit/>
+          </a:bodyPr>
+          <a:lstStyle>
+            <a:lvl1pPr marL="228600" indent="-228600" algn="l" defTabSz="914400" rtl="0" eaLnBrk="1" latinLnBrk="0" hangingPunct="1">
+              <a:lnSpc>
+                <a:spcPct val="90000"/>
+              </a:lnSpc>
+              <a:spcBef>
+                <a:spcPts val="1000"/>
+              </a:spcBef>
+              <a:buFont typeface="Arial"/>
+              <a:buChar char="•"/>
+              <a:defRPr sz="2800" kern="1200">
+                <a:solidFill>
+                  <a:schemeClr val="tx1"/>
+                </a:solidFill>
+                <a:latin typeface="+mn-lt"/>
+                <a:ea typeface="+mn-ea"/>
+                <a:cs typeface="+mn-cs"/>
+              </a:defRPr>
+            </a:lvl1pPr>
+            <a:lvl2pPr marL="685800" indent="-228600" algn="l" defTabSz="914400" rtl="0" eaLnBrk="1" latinLnBrk="0" hangingPunct="1">
+              <a:lnSpc>
+                <a:spcPct val="90000"/>
+              </a:lnSpc>
+              <a:spcBef>
+                <a:spcPts val="500"/>
+              </a:spcBef>
+              <a:buFont typeface="Arial"/>
+              <a:buChar char="•"/>
+              <a:defRPr sz="2400" kern="1200">
+                <a:solidFill>
+                  <a:schemeClr val="tx1"/>
+                </a:solidFill>
+                <a:latin typeface="+mn-lt"/>
+                <a:ea typeface="+mn-ea"/>
+                <a:cs typeface="+mn-cs"/>
+              </a:defRPr>
+            </a:lvl2pPr>
+            <a:lvl3pPr marL="1143000" indent="-228600" algn="l" defTabSz="914400" rtl="0" eaLnBrk="1" latinLnBrk="0" hangingPunct="1">
+              <a:lnSpc>
+                <a:spcPct val="90000"/>
+              </a:lnSpc>
+              <a:spcBef>
+                <a:spcPts val="500"/>
+              </a:spcBef>
+              <a:buFont typeface="Arial"/>
+              <a:buChar char="•"/>
+              <a:defRPr sz="2000" kern="1200">
+                <a:solidFill>
+                  <a:schemeClr val="tx1"/>
+                </a:solidFill>
+                <a:latin typeface="+mn-lt"/>
+                <a:ea typeface="+mn-ea"/>
+                <a:cs typeface="+mn-cs"/>
+              </a:defRPr>
+            </a:lvl3pPr>
+            <a:lvl4pPr marL="1600200" indent="-228600" algn="l" defTabSz="914400" rtl="0" eaLnBrk="1" latinLnBrk="0" hangingPunct="1">
+              <a:lnSpc>
+                <a:spcPct val="90000"/>
+              </a:lnSpc>
+              <a:spcBef>
+                <a:spcPts val="500"/>
+              </a:spcBef>
+              <a:buFont typeface="Arial"/>
+              <a:buChar char="•"/>
+              <a:defRPr sz="1800" kern="1200">
+                <a:solidFill>
+                  <a:schemeClr val="tx1"/>
+                </a:solidFill>
+                <a:latin typeface="+mn-lt"/>
+                <a:ea typeface="+mn-ea"/>
+                <a:cs typeface="+mn-cs"/>
+              </a:defRPr>
+            </a:lvl4pPr>
+            <a:lvl5pPr marL="2057400" indent="-228600" algn="l" defTabSz="914400" rtl="0" eaLnBrk="1" latinLnBrk="0" hangingPunct="1">
+              <a:lnSpc>
+                <a:spcPct val="90000"/>
+              </a:lnSpc>
+              <a:spcBef>
+                <a:spcPts val="500"/>
+              </a:spcBef>
+              <a:buFont typeface="Arial"/>
+              <a:buChar char="•"/>
+              <a:defRPr sz="1800" kern="1200">
+                <a:solidFill>
+                  <a:schemeClr val="tx1"/>
+                </a:solidFill>
+                <a:latin typeface="+mn-lt"/>
+                <a:ea typeface="+mn-ea"/>
+                <a:cs typeface="+mn-cs"/>
+              </a:defRPr>
+            </a:lvl5pPr>
+            <a:lvl6pPr marL="2514600" indent="-228600" algn="l" defTabSz="914400" rtl="0" eaLnBrk="1" latinLnBrk="0" hangingPunct="1">
+              <a:lnSpc>
+                <a:spcPct val="90000"/>
+              </a:lnSpc>
+              <a:spcBef>
+                <a:spcPts val="500"/>
+              </a:spcBef>
+              <a:buFont typeface="Arial"/>
+              <a:buChar char="•"/>
+              <a:defRPr sz="1800" kern="1200">
+                <a:solidFill>
+                  <a:schemeClr val="tx1"/>
+                </a:solidFill>
+                <a:latin typeface="+mn-lt"/>
+                <a:ea typeface="+mn-ea"/>
+                <a:cs typeface="+mn-cs"/>
+              </a:defRPr>
+            </a:lvl6pPr>
+            <a:lvl7pPr marL="2971800" indent="-228600" algn="l" defTabSz="914400" rtl="0" eaLnBrk="1" latinLnBrk="0" hangingPunct="1">
+              <a:lnSpc>
+                <a:spcPct val="90000"/>
+              </a:lnSpc>
+              <a:spcBef>
+                <a:spcPts val="500"/>
+              </a:spcBef>
+              <a:buFont typeface="Arial"/>
+              <a:buChar char="•"/>
+              <a:defRPr sz="1800" kern="1200">
+                <a:solidFill>
+                  <a:schemeClr val="tx1"/>
+                </a:solidFill>
+                <a:latin typeface="+mn-lt"/>
+                <a:ea typeface="+mn-ea"/>
+                <a:cs typeface="+mn-cs"/>
+              </a:defRPr>
+            </a:lvl7pPr>
+            <a:lvl8pPr marL="3429000" indent="-228600" algn="l" defTabSz="914400" rtl="0" eaLnBrk="1" latinLnBrk="0" hangingPunct="1">
+              <a:lnSpc>
+                <a:spcPct val="90000"/>
+              </a:lnSpc>
+              <a:spcBef>
+                <a:spcPts val="500"/>
+              </a:spcBef>
+              <a:buFont typeface="Arial"/>
+              <a:buChar char="•"/>
+              <a:defRPr sz="1800" kern="1200">
+                <a:solidFill>
+                  <a:schemeClr val="tx1"/>
+                </a:solidFill>
+                <a:latin typeface="+mn-lt"/>
+                <a:ea typeface="+mn-ea"/>
+                <a:cs typeface="+mn-cs"/>
+              </a:defRPr>
+            </a:lvl8pPr>
+            <a:lvl9pPr marL="3886200" indent="-228600" algn="l" defTabSz="914400" rtl="0" eaLnBrk="1" latinLnBrk="0" hangingPunct="1">
+              <a:lnSpc>
+                <a:spcPct val="90000"/>
+              </a:lnSpc>
+              <a:spcBef>
+                <a:spcPts val="500"/>
+              </a:spcBef>
+              <a:buFont typeface="Arial"/>
+              <a:buChar char="•"/>
+              <a:defRPr sz="1800" kern="1200">
+                <a:solidFill>
+                  <a:schemeClr val="tx1"/>
+                </a:solidFill>
+                <a:latin typeface="+mn-lt"/>
+                <a:ea typeface="+mn-ea"/>
+                <a:cs typeface="+mn-cs"/>
+              </a:defRPr>
+            </a:lvl9pPr>
+          </a:lstStyle>
+          <a:p>
+            <a:r>
+              <a:rPr lang="en-US" sz="2400" dirty="0" smtClean="0"/>
+              <a:t>14 Activities (</a:t>
+            </a:r>
+            <a:r>
+              <a:rPr lang="en-US" sz="2400" b="1" i="1" u="sng" dirty="0" smtClean="0"/>
+              <a:t>without Eating</a:t>
+            </a:r>
+            <a:r>
+              <a:rPr lang="en-US" sz="2400" dirty="0" smtClean="0"/>
+              <a:t>)</a:t>
+            </a:r>
+          </a:p>
+          <a:p>
+            <a:r>
+              <a:rPr lang="en-US" sz="2400" b="1" dirty="0" smtClean="0">
+                <a:sym typeface="Wingdings"/>
+              </a:rPr>
+              <a:t>SVM </a:t>
+            </a:r>
+            <a:r>
+              <a:rPr lang="en-US" sz="2400" dirty="0" smtClean="0">
+                <a:sym typeface="Wingdings"/>
+              </a:rPr>
+              <a:t> C = 1, Gamma = 0.15</a:t>
+            </a:r>
+            <a:endParaRPr lang="en-US" sz="2400" dirty="0" smtClean="0"/>
+          </a:p>
+          <a:p>
+            <a:endParaRPr lang="en-US" sz="2400" dirty="0"/>
+          </a:p>
+        </p:txBody>
+      </p:sp>
+      <mc:AlternateContent xmlns:mc="http://schemas.openxmlformats.org/markup-compatibility/2006" xmlns:a14="http://schemas.microsoft.com/office/drawing/2010/main">
+        <mc:Choice Requires="a14">
+          <p:graphicFrame>
+            <p:nvGraphicFramePr>
+              <p:cNvPr id="6" name="Table 5"/>
+              <p:cNvGraphicFramePr>
+                <a:graphicFrameLocks noGrp="1"/>
+              </p:cNvGraphicFramePr>
+              <p:nvPr>
+                <p:extLst>
+                  <p:ext uri="{D42A27DB-BD31-4B8C-83A1-F6EECF244321}">
+                    <p14:modId xmlns:p14="http://schemas.microsoft.com/office/powerpoint/2010/main" val="386947843"/>
+                  </p:ext>
+                </p:extLst>
+              </p:nvPr>
+            </p:nvGraphicFramePr>
+            <p:xfrm>
+              <a:off x="1434882" y="2527676"/>
+              <a:ext cx="9322236" cy="3078480"/>
+            </p:xfrm>
+            <a:graphic>
+              <a:graphicData uri="http://schemas.openxmlformats.org/drawingml/2006/table">
+                <a:tbl>
+                  <a:tblPr firstRow="1" bandRow="1">
+                    <a:tableStyleId>{5C22544A-7EE6-4342-B048-85BDC9FD1C3A}</a:tableStyleId>
+                  </a:tblPr>
+                  <a:tblGrid>
+                    <a:gridCol w="2693227"/>
+                    <a:gridCol w="2167533"/>
+                    <a:gridCol w="2389403"/>
+                    <a:gridCol w="2072073"/>
+                  </a:tblGrid>
+                  <a:tr h="370840">
+                    <a:tc>
+                      <a:txBody>
+                        <a:bodyPr/>
+                        <a:lstStyle/>
+                        <a:p>
+                          <a:pPr algn="ctr"/>
+                          <a:r>
+                            <a:rPr lang="en-US" sz="2000" dirty="0" smtClean="0"/>
+                            <a:t>LOO Subject</a:t>
+                          </a:r>
+                          <a:endParaRPr lang="en-US" sz="2000" dirty="0"/>
+                        </a:p>
+                      </a:txBody>
+                      <a:tcPr/>
+                    </a:tc>
+                    <a:tc>
+                      <a:txBody>
+                        <a:bodyPr/>
+                        <a:lstStyle/>
+                        <a:p>
+                          <a:pPr algn="ctr"/>
+                          <a:r>
+                            <a:rPr lang="en-US" sz="2000" dirty="0" smtClean="0"/>
+                            <a:t>F1 </a:t>
+                          </a:r>
+                          <a:r>
+                            <a:rPr lang="en-US" sz="2000" baseline="0" dirty="0" smtClean="0"/>
+                            <a:t>Mean</a:t>
+                          </a:r>
+                        </a:p>
+                        <a:p>
+                          <a:pPr algn="ctr"/>
+                          <a:r>
+                            <a:rPr lang="en-US" sz="2000" baseline="0" dirty="0" smtClean="0"/>
+                            <a:t>(SP + SW)</a:t>
+                          </a:r>
+                          <a:endParaRPr lang="en-US" sz="2000" dirty="0"/>
+                        </a:p>
+                      </a:txBody>
+                      <a:tcPr/>
+                    </a:tc>
+                    <a:tc>
+                      <a:txBody>
+                        <a:bodyPr/>
+                        <a:lstStyle/>
+                        <a:p>
+                          <a:pPr algn="ctr"/>
+                          <a:r>
+                            <a:rPr lang="en-US" sz="2000" dirty="0" smtClean="0"/>
+                            <a:t>LOO Subject</a:t>
+                          </a:r>
+                          <a:endParaRPr lang="en-US" sz="2000" dirty="0"/>
+                        </a:p>
+                      </a:txBody>
+                      <a:tcPr/>
+                    </a:tc>
+                    <a:tc>
+                      <a:txBody>
+                        <a:bodyPr/>
+                        <a:lstStyle/>
+                        <a:p>
+                          <a:pPr algn="ctr"/>
+                          <a:r>
+                            <a:rPr lang="en-US" sz="2000" dirty="0" smtClean="0"/>
+                            <a:t>F1 Mean</a:t>
+                          </a:r>
+                        </a:p>
+                        <a:p>
+                          <a:pPr algn="ctr"/>
+                          <a:r>
+                            <a:rPr lang="en-US" sz="2000" dirty="0" smtClean="0"/>
+                            <a:t>(SP + SW)</a:t>
+                          </a:r>
+                          <a:endParaRPr lang="en-US" sz="2000" dirty="0"/>
+                        </a:p>
+                      </a:txBody>
+                      <a:tcPr/>
+                    </a:tc>
+                  </a:tr>
+                  <a:tr h="370840">
+                    <a:tc>
+                      <a:txBody>
+                        <a:bodyPr/>
+                        <a:lstStyle/>
+                        <a:p>
+                          <a:r>
+                            <a:rPr lang="en-US" sz="2000" dirty="0" smtClean="0"/>
+                            <a:t>Edwin</a:t>
+                          </a:r>
+                          <a:endParaRPr lang="en-US" sz="2000" dirty="0"/>
+                        </a:p>
+                      </a:txBody>
+                      <a:tcPr/>
+                    </a:tc>
+                    <a:tc>
+                      <a:txBody>
+                        <a:bodyPr/>
+                        <a:lstStyle/>
+                        <a:p>
+                          <a:pPr marL="0" marR="0" indent="0" algn="ctr" defTabSz="914400" rtl="0" eaLnBrk="1" fontAlgn="auto" latinLnBrk="0" hangingPunct="1">
+                            <a:lnSpc>
+                              <a:spcPct val="100000"/>
+                            </a:lnSpc>
+                            <a:spcBef>
+                              <a:spcPts val="0"/>
+                            </a:spcBef>
+                            <a:spcAft>
+                              <a:spcPts val="0"/>
+                            </a:spcAft>
+                            <a:buClrTx/>
+                            <a:buSzTx/>
+                            <a:buFontTx/>
+                            <a:buNone/>
+                            <a:tabLst/>
+                            <a:defRPr/>
+                          </a:pPr>
+                          <a:r>
+                            <a:rPr lang="en-US" sz="2000" dirty="0" smtClean="0">
+                              <a:ea typeface="Cambria Math" charset="0"/>
+                              <a:cs typeface="Cambria Math" charset="0"/>
+                            </a:rPr>
+                            <a:t>87.04%</a:t>
+                          </a:r>
+                          <a:r>
+                            <a:rPr lang="en-US" sz="2000" baseline="0" dirty="0" smtClean="0">
+                              <a:ea typeface="Cambria Math" charset="0"/>
+                              <a:cs typeface="Cambria Math" charset="0"/>
+                            </a:rPr>
+                            <a:t> </a:t>
+                          </a:r>
+                          <a14:m>
+                            <m:oMath xmlns:m="http://schemas.openxmlformats.org/officeDocument/2006/math">
+                              <m:r>
+                                <a:rPr lang="en-US" sz="2000" i="1" smtClean="0">
+                                  <a:latin typeface="Cambria Math" charset="0"/>
+                                  <a:ea typeface="Cambria Math" charset="0"/>
+                                  <a:cs typeface="Cambria Math" charset="0"/>
+                                </a:rPr>
+                                <m:t>±</m:t>
+                              </m:r>
+                            </m:oMath>
+                          </a14:m>
+                          <a:r>
+                            <a:rPr lang="en-US" sz="2000" dirty="0" smtClean="0"/>
+                            <a:t> 0.00%</a:t>
+                          </a:r>
+                          <a:endParaRPr lang="en-US" sz="2000" dirty="0"/>
+                        </a:p>
+                      </a:txBody>
+                      <a:tcPr/>
+                    </a:tc>
+                    <a:tc>
+                      <a:txBody>
+                        <a:bodyPr/>
+                        <a:lstStyle/>
+                        <a:p>
+                          <a:pPr marL="0" marR="0" indent="0" algn="ctr" defTabSz="914400" rtl="0" eaLnBrk="1" fontAlgn="auto" latinLnBrk="0" hangingPunct="1">
+                            <a:lnSpc>
+                              <a:spcPct val="100000"/>
+                            </a:lnSpc>
+                            <a:spcBef>
+                              <a:spcPts val="0"/>
+                            </a:spcBef>
+                            <a:spcAft>
+                              <a:spcPts val="0"/>
+                            </a:spcAft>
+                            <a:buClrTx/>
+                            <a:buSzTx/>
+                            <a:buFontTx/>
+                            <a:buNone/>
+                            <a:tabLst/>
+                            <a:defRPr/>
+                          </a:pPr>
+                          <a:r>
+                            <a:rPr lang="en-US" sz="2000" dirty="0" smtClean="0"/>
+                            <a:t>Elmo</a:t>
+                          </a:r>
+                          <a:endParaRPr lang="en-US" sz="2000" dirty="0"/>
+                        </a:p>
+                      </a:txBody>
+                      <a:tcPr/>
+                    </a:tc>
+                    <a:tc>
+                      <a:txBody>
+                        <a:bodyPr/>
+                        <a:lstStyle/>
+                        <a:p>
+                          <a:pPr marL="0" marR="0" indent="0" algn="ctr" defTabSz="914400" rtl="0" eaLnBrk="1" fontAlgn="auto" latinLnBrk="0" hangingPunct="1">
+                            <a:lnSpc>
+                              <a:spcPct val="100000"/>
+                            </a:lnSpc>
+                            <a:spcBef>
+                              <a:spcPts val="0"/>
+                            </a:spcBef>
+                            <a:spcAft>
+                              <a:spcPts val="0"/>
+                            </a:spcAft>
+                            <a:buClrTx/>
+                            <a:buSzTx/>
+                            <a:buFontTx/>
+                            <a:buNone/>
+                            <a:tabLst/>
+                            <a:defRPr/>
+                          </a:pPr>
+                          <a:r>
+                            <a:rPr lang="en-US" sz="2000" dirty="0" smtClean="0">
+                              <a:ea typeface="Cambria Math" charset="0"/>
+                              <a:cs typeface="Cambria Math" charset="0"/>
+                            </a:rPr>
+                            <a:t>75.46%</a:t>
+                          </a:r>
+                          <a:r>
+                            <a:rPr lang="en-US" sz="2000" baseline="0" dirty="0" smtClean="0">
+                              <a:ea typeface="Cambria Math" charset="0"/>
+                              <a:cs typeface="Cambria Math" charset="0"/>
+                            </a:rPr>
+                            <a:t> </a:t>
+                          </a:r>
+                          <a14:m>
+                            <m:oMath xmlns:m="http://schemas.openxmlformats.org/officeDocument/2006/math">
+                              <m:r>
+                                <a:rPr lang="en-US" sz="2000" i="1" smtClean="0">
+                                  <a:latin typeface="Cambria Math" charset="0"/>
+                                  <a:ea typeface="Cambria Math" charset="0"/>
+                                  <a:cs typeface="Cambria Math" charset="0"/>
+                                </a:rPr>
+                                <m:t>±</m:t>
+                              </m:r>
+                            </m:oMath>
+                          </a14:m>
+                          <a:r>
+                            <a:rPr lang="en-US" sz="2000" dirty="0" smtClean="0"/>
+                            <a:t> 0.00%</a:t>
+                          </a:r>
+                          <a:endParaRPr lang="en-US" sz="2000" dirty="0"/>
+                        </a:p>
+                      </a:txBody>
+                      <a:tcPr/>
+                    </a:tc>
+                  </a:tr>
+                  <a:tr h="370840">
+                    <a:tc>
+                      <a:txBody>
+                        <a:bodyPr/>
+                        <a:lstStyle/>
+                        <a:p>
+                          <a:r>
+                            <a:rPr lang="en-US" sz="2000" dirty="0" err="1" smtClean="0"/>
+                            <a:t>Shelina</a:t>
+                          </a:r>
+                          <a:endParaRPr lang="en-US" sz="2000" dirty="0"/>
+                        </a:p>
+                      </a:txBody>
+                      <a:tcPr/>
+                    </a:tc>
+                    <a:tc>
+                      <a:txBody>
+                        <a:bodyPr/>
+                        <a:lstStyle/>
+                        <a:p>
+                          <a:pPr marL="0" marR="0" indent="0" algn="ctr" defTabSz="914400" rtl="0" eaLnBrk="1" fontAlgn="auto" latinLnBrk="0" hangingPunct="1">
+                            <a:lnSpc>
+                              <a:spcPct val="100000"/>
+                            </a:lnSpc>
+                            <a:spcBef>
+                              <a:spcPts val="0"/>
+                            </a:spcBef>
+                            <a:spcAft>
+                              <a:spcPts val="0"/>
+                            </a:spcAft>
+                            <a:buClrTx/>
+                            <a:buSzTx/>
+                            <a:buFontTx/>
+                            <a:buNone/>
+                            <a:tabLst/>
+                            <a:defRPr/>
+                          </a:pPr>
+                          <a:r>
+                            <a:rPr lang="en-US" sz="2000" dirty="0" smtClean="0">
+                              <a:ea typeface="Cambria Math" charset="0"/>
+                              <a:cs typeface="Cambria Math" charset="0"/>
+                            </a:rPr>
+                            <a:t>81.75%</a:t>
+                          </a:r>
+                          <a:r>
+                            <a:rPr lang="en-US" sz="2000" baseline="0" dirty="0" smtClean="0">
+                              <a:ea typeface="Cambria Math" charset="0"/>
+                              <a:cs typeface="Cambria Math" charset="0"/>
+                            </a:rPr>
+                            <a:t> </a:t>
+                          </a:r>
+                          <a14:m>
+                            <m:oMath xmlns:m="http://schemas.openxmlformats.org/officeDocument/2006/math">
+                              <m:r>
+                                <a:rPr lang="en-US" sz="2000" i="1" smtClean="0">
+                                  <a:latin typeface="Cambria Math" charset="0"/>
+                                  <a:ea typeface="Cambria Math" charset="0"/>
+                                  <a:cs typeface="Cambria Math" charset="0"/>
+                                </a:rPr>
+                                <m:t>±</m:t>
+                              </m:r>
+                            </m:oMath>
+                          </a14:m>
+                          <a:r>
+                            <a:rPr lang="en-US" sz="2000" dirty="0" smtClean="0"/>
+                            <a:t> 0.00%</a:t>
+                          </a:r>
+                          <a:endParaRPr lang="en-US" sz="2000" dirty="0"/>
+                        </a:p>
+                      </a:txBody>
+                      <a:tcPr/>
+                    </a:tc>
+                    <a:tc>
+                      <a:txBody>
+                        <a:bodyPr/>
+                        <a:lstStyle/>
+                        <a:p>
+                          <a:pPr algn="ctr"/>
+                          <a:r>
+                            <a:rPr lang="en-US" sz="2000" dirty="0" smtClean="0"/>
+                            <a:t>Monica</a:t>
+                          </a:r>
+                          <a:endParaRPr lang="en-US" sz="2000" dirty="0"/>
+                        </a:p>
+                      </a:txBody>
+                      <a:tcPr/>
+                    </a:tc>
+                    <a:tc>
+                      <a:txBody>
+                        <a:bodyPr/>
+                        <a:lstStyle/>
+                        <a:p>
+                          <a:pPr marL="0" marR="0" indent="0" algn="ctr" defTabSz="914400" rtl="0" eaLnBrk="1" fontAlgn="auto" latinLnBrk="0" hangingPunct="1">
+                            <a:lnSpc>
+                              <a:spcPct val="100000"/>
+                            </a:lnSpc>
+                            <a:spcBef>
+                              <a:spcPts val="0"/>
+                            </a:spcBef>
+                            <a:spcAft>
+                              <a:spcPts val="0"/>
+                            </a:spcAft>
+                            <a:buClrTx/>
+                            <a:buSzTx/>
+                            <a:buFontTx/>
+                            <a:buNone/>
+                            <a:tabLst/>
+                            <a:defRPr/>
+                          </a:pPr>
+                          <a:r>
+                            <a:rPr lang="en-US" sz="2000" dirty="0" smtClean="0">
+                              <a:ea typeface="Cambria Math" charset="0"/>
+                              <a:cs typeface="Cambria Math" charset="0"/>
+                            </a:rPr>
+                            <a:t>80.88%</a:t>
+                          </a:r>
+                          <a:r>
+                            <a:rPr lang="en-US" sz="2000" baseline="0" dirty="0" smtClean="0">
+                              <a:ea typeface="Cambria Math" charset="0"/>
+                              <a:cs typeface="Cambria Math" charset="0"/>
+                            </a:rPr>
+                            <a:t> </a:t>
+                          </a:r>
+                          <a14:m>
+                            <m:oMath xmlns:m="http://schemas.openxmlformats.org/officeDocument/2006/math">
+                              <m:r>
+                                <a:rPr lang="en-US" sz="2000" i="1" smtClean="0">
+                                  <a:latin typeface="Cambria Math" charset="0"/>
+                                  <a:ea typeface="Cambria Math" charset="0"/>
+                                  <a:cs typeface="Cambria Math" charset="0"/>
+                                </a:rPr>
+                                <m:t>±</m:t>
+                              </m:r>
+                            </m:oMath>
+                          </a14:m>
+                          <a:r>
+                            <a:rPr lang="en-US" sz="2000" dirty="0" smtClean="0"/>
+                            <a:t> 0.00%</a:t>
+                          </a:r>
+                          <a:endParaRPr lang="en-US" sz="2000" dirty="0"/>
+                        </a:p>
+                      </a:txBody>
+                      <a:tcPr/>
+                    </a:tc>
+                  </a:tr>
+                  <a:tr h="370840">
+                    <a:tc>
+                      <a:txBody>
+                        <a:bodyPr/>
+                        <a:lstStyle/>
+                        <a:p>
+                          <a:r>
+                            <a:rPr lang="en-US" sz="2000" dirty="0" err="1" smtClean="0"/>
+                            <a:t>Mellita</a:t>
+                          </a:r>
+                          <a:endParaRPr lang="en-US" sz="2000" dirty="0"/>
+                        </a:p>
+                      </a:txBody>
+                      <a:tcPr/>
+                    </a:tc>
+                    <a:tc>
+                      <a:txBody>
+                        <a:bodyPr/>
+                        <a:lstStyle/>
+                        <a:p>
+                          <a:pPr marL="0" marR="0" indent="0" algn="ctr" defTabSz="914400" rtl="0" eaLnBrk="1" fontAlgn="auto" latinLnBrk="0" hangingPunct="1">
+                            <a:lnSpc>
+                              <a:spcPct val="100000"/>
+                            </a:lnSpc>
+                            <a:spcBef>
+                              <a:spcPts val="0"/>
+                            </a:spcBef>
+                            <a:spcAft>
+                              <a:spcPts val="0"/>
+                            </a:spcAft>
+                            <a:buClrTx/>
+                            <a:buSzTx/>
+                            <a:buFontTx/>
+                            <a:buNone/>
+                            <a:tabLst/>
+                            <a:defRPr/>
+                          </a:pPr>
+                          <a:r>
+                            <a:rPr lang="en-US" sz="2000" dirty="0" smtClean="0">
+                              <a:ea typeface="Cambria Math" charset="0"/>
+                              <a:cs typeface="Cambria Math" charset="0"/>
+                            </a:rPr>
+                            <a:t>82.40%</a:t>
+                          </a:r>
+                          <a:r>
+                            <a:rPr lang="en-US" sz="2000" baseline="0" dirty="0" smtClean="0">
+                              <a:ea typeface="Cambria Math" charset="0"/>
+                              <a:cs typeface="Cambria Math" charset="0"/>
+                            </a:rPr>
+                            <a:t> </a:t>
+                          </a:r>
+                          <a14:m>
+                            <m:oMath xmlns:m="http://schemas.openxmlformats.org/officeDocument/2006/math">
+                              <m:r>
+                                <a:rPr lang="en-US" sz="2000" i="1" smtClean="0">
+                                  <a:latin typeface="Cambria Math" charset="0"/>
+                                  <a:ea typeface="Cambria Math" charset="0"/>
+                                  <a:cs typeface="Cambria Math" charset="0"/>
+                                </a:rPr>
+                                <m:t>±</m:t>
+                              </m:r>
+                            </m:oMath>
+                          </a14:m>
+                          <a:r>
+                            <a:rPr lang="en-US" sz="2000" dirty="0" smtClean="0"/>
+                            <a:t> 0.00%</a:t>
+                          </a:r>
+                          <a:endParaRPr lang="en-US" sz="2000" dirty="0"/>
+                        </a:p>
+                      </a:txBody>
+                      <a:tcPr/>
+                    </a:tc>
+                    <a:tc>
+                      <a:txBody>
+                        <a:bodyPr/>
+                        <a:lstStyle/>
+                        <a:p>
+                          <a:pPr algn="ctr"/>
+                          <a:r>
+                            <a:rPr lang="en-US" sz="2000" dirty="0" smtClean="0"/>
+                            <a:t>Inge</a:t>
+                          </a:r>
+                          <a:endParaRPr lang="en-US" sz="2000" dirty="0"/>
+                        </a:p>
+                      </a:txBody>
+                      <a:tcPr/>
+                    </a:tc>
+                    <a:tc>
+                      <a:txBody>
+                        <a:bodyPr/>
+                        <a:lstStyle/>
+                        <a:p>
+                          <a:pPr marL="0" marR="0" indent="0" algn="ctr" defTabSz="914400" rtl="0" eaLnBrk="1" fontAlgn="auto" latinLnBrk="0" hangingPunct="1">
+                            <a:lnSpc>
+                              <a:spcPct val="100000"/>
+                            </a:lnSpc>
+                            <a:spcBef>
+                              <a:spcPts val="0"/>
+                            </a:spcBef>
+                            <a:spcAft>
+                              <a:spcPts val="0"/>
+                            </a:spcAft>
+                            <a:buClrTx/>
+                            <a:buSzTx/>
+                            <a:buFontTx/>
+                            <a:buNone/>
+                            <a:tabLst/>
+                            <a:defRPr/>
+                          </a:pPr>
+                          <a:r>
+                            <a:rPr lang="en-US" sz="2000" dirty="0" smtClean="0">
+                              <a:ea typeface="Cambria Math" charset="0"/>
+                              <a:cs typeface="Cambria Math" charset="0"/>
+                            </a:rPr>
+                            <a:t>73.63%</a:t>
+                          </a:r>
+                          <a:r>
+                            <a:rPr lang="en-US" sz="2000" baseline="0" dirty="0" smtClean="0">
+                              <a:ea typeface="Cambria Math" charset="0"/>
+                              <a:cs typeface="Cambria Math" charset="0"/>
+                            </a:rPr>
+                            <a:t> </a:t>
+                          </a:r>
+                          <a14:m>
+                            <m:oMath xmlns:m="http://schemas.openxmlformats.org/officeDocument/2006/math">
+                              <m:r>
+                                <a:rPr lang="en-US" sz="2000" i="1" smtClean="0">
+                                  <a:latin typeface="Cambria Math" charset="0"/>
+                                  <a:ea typeface="Cambria Math" charset="0"/>
+                                  <a:cs typeface="Cambria Math" charset="0"/>
+                                </a:rPr>
+                                <m:t>±</m:t>
+                              </m:r>
+                            </m:oMath>
+                          </a14:m>
+                          <a:r>
+                            <a:rPr lang="en-US" sz="2000" dirty="0" smtClean="0"/>
+                            <a:t> 0.00%</a:t>
+                          </a:r>
+                          <a:endParaRPr lang="en-US" sz="2000" dirty="0"/>
+                        </a:p>
+                      </a:txBody>
+                      <a:tcPr/>
+                    </a:tc>
+                  </a:tr>
+                  <a:tr h="370840">
+                    <a:tc>
+                      <a:txBody>
+                        <a:bodyPr/>
+                        <a:lstStyle/>
+                        <a:p>
+                          <a:r>
+                            <a:rPr lang="en-US" sz="2000" dirty="0" smtClean="0"/>
+                            <a:t>Nikolas</a:t>
+                          </a:r>
+                          <a:endParaRPr lang="en-US" sz="2000" dirty="0"/>
+                        </a:p>
+                      </a:txBody>
+                      <a:tcPr/>
+                    </a:tc>
+                    <a:tc>
+                      <a:txBody>
+                        <a:bodyPr/>
+                        <a:lstStyle/>
+                        <a:p>
+                          <a:pPr marL="0" marR="0" indent="0" algn="ctr" defTabSz="914400" rtl="0" eaLnBrk="1" fontAlgn="auto" latinLnBrk="0" hangingPunct="1">
+                            <a:lnSpc>
+                              <a:spcPct val="100000"/>
+                            </a:lnSpc>
+                            <a:spcBef>
+                              <a:spcPts val="0"/>
+                            </a:spcBef>
+                            <a:spcAft>
+                              <a:spcPts val="0"/>
+                            </a:spcAft>
+                            <a:buClrTx/>
+                            <a:buSzTx/>
+                            <a:buFontTx/>
+                            <a:buNone/>
+                            <a:tabLst/>
+                            <a:defRPr/>
+                          </a:pPr>
+                          <a:r>
+                            <a:rPr lang="en-US" sz="2000" dirty="0" smtClean="0">
+                              <a:ea typeface="Cambria Math" charset="0"/>
+                              <a:cs typeface="Cambria Math" charset="0"/>
+                            </a:rPr>
+                            <a:t>90.92%</a:t>
+                          </a:r>
+                          <a:r>
+                            <a:rPr lang="en-US" sz="2000" baseline="0" dirty="0" smtClean="0">
+                              <a:ea typeface="Cambria Math" charset="0"/>
+                              <a:cs typeface="Cambria Math" charset="0"/>
+                            </a:rPr>
+                            <a:t> </a:t>
+                          </a:r>
+                          <a14:m>
+                            <m:oMath xmlns:m="http://schemas.openxmlformats.org/officeDocument/2006/math">
+                              <m:r>
+                                <a:rPr lang="en-US" sz="2000" i="1" smtClean="0">
+                                  <a:latin typeface="Cambria Math" charset="0"/>
+                                  <a:ea typeface="Cambria Math" charset="0"/>
+                                  <a:cs typeface="Cambria Math" charset="0"/>
+                                </a:rPr>
+                                <m:t>±</m:t>
+                              </m:r>
+                            </m:oMath>
+                          </a14:m>
+                          <a:r>
+                            <a:rPr lang="en-US" sz="2000" dirty="0" smtClean="0"/>
+                            <a:t> 0.00%</a:t>
+                          </a:r>
+                          <a:endParaRPr lang="en-US" sz="2000" dirty="0"/>
+                        </a:p>
+                      </a:txBody>
+                      <a:tcPr/>
+                    </a:tc>
+                    <a:tc>
+                      <a:txBody>
+                        <a:bodyPr/>
+                        <a:lstStyle/>
+                        <a:p>
+                          <a:pPr algn="ctr"/>
+                          <a:r>
+                            <a:rPr lang="en-US" sz="2000" dirty="0" err="1" smtClean="0"/>
+                            <a:t>Andri</a:t>
+                          </a:r>
+                          <a:endParaRPr lang="en-US" sz="2000" dirty="0"/>
+                        </a:p>
+                      </a:txBody>
+                      <a:tcPr/>
+                    </a:tc>
+                    <a:tc>
+                      <a:txBody>
+                        <a:bodyPr/>
+                        <a:lstStyle/>
+                        <a:p>
+                          <a:pPr marL="0" marR="0" indent="0" algn="ctr" defTabSz="914400" rtl="0" eaLnBrk="1" fontAlgn="auto" latinLnBrk="0" hangingPunct="1">
+                            <a:lnSpc>
+                              <a:spcPct val="100000"/>
+                            </a:lnSpc>
+                            <a:spcBef>
+                              <a:spcPts val="0"/>
+                            </a:spcBef>
+                            <a:spcAft>
+                              <a:spcPts val="0"/>
+                            </a:spcAft>
+                            <a:buClrTx/>
+                            <a:buSzTx/>
+                            <a:buFontTx/>
+                            <a:buNone/>
+                            <a:tabLst/>
+                            <a:defRPr/>
+                          </a:pPr>
+                          <a:r>
+                            <a:rPr lang="en-US" sz="2000" dirty="0" smtClean="0">
+                              <a:ea typeface="Cambria Math" charset="0"/>
+                              <a:cs typeface="Cambria Math" charset="0"/>
+                            </a:rPr>
+                            <a:t>85.44%</a:t>
+                          </a:r>
+                          <a:r>
+                            <a:rPr lang="en-US" sz="2000" baseline="0" dirty="0" smtClean="0">
+                              <a:ea typeface="Cambria Math" charset="0"/>
+                              <a:cs typeface="Cambria Math" charset="0"/>
+                            </a:rPr>
+                            <a:t> </a:t>
+                          </a:r>
+                          <a14:m>
+                            <m:oMath xmlns:m="http://schemas.openxmlformats.org/officeDocument/2006/math">
+                              <m:r>
+                                <a:rPr lang="en-US" sz="2000" i="1" smtClean="0">
+                                  <a:latin typeface="Cambria Math" charset="0"/>
+                                  <a:ea typeface="Cambria Math" charset="0"/>
+                                  <a:cs typeface="Cambria Math" charset="0"/>
+                                </a:rPr>
+                                <m:t>±</m:t>
+                              </m:r>
+                            </m:oMath>
+                          </a14:m>
+                          <a:r>
+                            <a:rPr lang="en-US" sz="2000" dirty="0" smtClean="0"/>
+                            <a:t> 0.00%</a:t>
+                          </a:r>
+                          <a:endParaRPr lang="en-US" sz="2000" dirty="0"/>
+                        </a:p>
+                      </a:txBody>
+                      <a:tcPr/>
+                    </a:tc>
+                  </a:tr>
+                  <a:tr h="370840">
+                    <a:tc>
+                      <a:txBody>
+                        <a:bodyPr/>
+                        <a:lstStyle/>
+                        <a:p>
+                          <a:r>
+                            <a:rPr lang="en-US" sz="2000" dirty="0" smtClean="0"/>
+                            <a:t>Samuel</a:t>
+                          </a:r>
+                          <a:endParaRPr lang="en-US" sz="2000" dirty="0"/>
+                        </a:p>
+                      </a:txBody>
+                      <a:tcPr/>
+                    </a:tc>
+                    <a:tc>
+                      <a:txBody>
+                        <a:bodyPr/>
+                        <a:lstStyle/>
+                        <a:p>
+                          <a:pPr marL="0" marR="0" indent="0" algn="ctr" defTabSz="914400" rtl="0" eaLnBrk="1" fontAlgn="auto" latinLnBrk="0" hangingPunct="1">
+                            <a:lnSpc>
+                              <a:spcPct val="100000"/>
+                            </a:lnSpc>
+                            <a:spcBef>
+                              <a:spcPts val="0"/>
+                            </a:spcBef>
+                            <a:spcAft>
+                              <a:spcPts val="0"/>
+                            </a:spcAft>
+                            <a:buClrTx/>
+                            <a:buSzTx/>
+                            <a:buFontTx/>
+                            <a:buNone/>
+                            <a:tabLst/>
+                            <a:defRPr/>
+                          </a:pPr>
+                          <a:r>
+                            <a:rPr lang="en-US" sz="2000" dirty="0" smtClean="0">
+                              <a:ea typeface="Cambria Math" charset="0"/>
+                              <a:cs typeface="Cambria Math" charset="0"/>
+                            </a:rPr>
+                            <a:t>88.26%</a:t>
+                          </a:r>
+                          <a:r>
+                            <a:rPr lang="en-US" sz="2000" baseline="0" dirty="0" smtClean="0">
+                              <a:ea typeface="Cambria Math" charset="0"/>
+                              <a:cs typeface="Cambria Math" charset="0"/>
+                            </a:rPr>
+                            <a:t> </a:t>
+                          </a:r>
+                          <a14:m>
+                            <m:oMath xmlns:m="http://schemas.openxmlformats.org/officeDocument/2006/math">
+                              <m:r>
+                                <a:rPr lang="en-US" sz="2000" i="1" smtClean="0">
+                                  <a:latin typeface="Cambria Math" charset="0"/>
+                                  <a:ea typeface="Cambria Math" charset="0"/>
+                                  <a:cs typeface="Cambria Math" charset="0"/>
+                                </a:rPr>
+                                <m:t>±</m:t>
+                              </m:r>
+                            </m:oMath>
+                          </a14:m>
+                          <a:r>
+                            <a:rPr lang="en-US" sz="2000" dirty="0" smtClean="0"/>
+                            <a:t> 0.00%</a:t>
+                          </a:r>
+                          <a:endParaRPr lang="en-US" sz="2000" dirty="0"/>
+                        </a:p>
+                      </a:txBody>
+                      <a:tcPr/>
+                    </a:tc>
+                    <a:tc>
+                      <a:txBody>
+                        <a:bodyPr/>
+                        <a:lstStyle/>
+                        <a:p>
+                          <a:pPr algn="ctr"/>
+                          <a:endParaRPr lang="en-US" sz="2000" dirty="0"/>
+                        </a:p>
+                      </a:txBody>
+                      <a:tcPr/>
+                    </a:tc>
+                    <a:tc>
+                      <a:txBody>
+                        <a:bodyPr/>
+                        <a:lstStyle/>
+                        <a:p>
+                          <a:pPr marL="0" marR="0" indent="0" algn="ctr" defTabSz="914400" rtl="0" eaLnBrk="1" fontAlgn="auto" latinLnBrk="0" hangingPunct="1">
+                            <a:lnSpc>
+                              <a:spcPct val="100000"/>
+                            </a:lnSpc>
+                            <a:spcBef>
+                              <a:spcPts val="0"/>
+                            </a:spcBef>
+                            <a:spcAft>
+                              <a:spcPts val="0"/>
+                            </a:spcAft>
+                            <a:buClrTx/>
+                            <a:buSzTx/>
+                            <a:buFontTx/>
+                            <a:buNone/>
+                            <a:tabLst/>
+                            <a:defRPr/>
+                          </a:pPr>
+                          <a:endParaRPr lang="en-US" sz="2000" dirty="0"/>
+                        </a:p>
+                      </a:txBody>
+                      <a:tcPr/>
+                    </a:tc>
+                  </a:tr>
+                  <a:tr h="370840">
+                    <a:tc>
+                      <a:txBody>
+                        <a:bodyPr/>
+                        <a:lstStyle/>
+                        <a:p>
+                          <a:r>
+                            <a:rPr lang="en-US" sz="2000" b="1" dirty="0" smtClean="0"/>
+                            <a:t>Average</a:t>
+                          </a:r>
+                          <a:endParaRPr lang="en-US" sz="2000" b="1" dirty="0"/>
+                        </a:p>
+                      </a:txBody>
+                      <a:tcPr/>
+                    </a:tc>
+                    <a:tc gridSpan="3">
+                      <a:txBody>
+                        <a:bodyPr/>
+                        <a:lstStyle/>
+                        <a:p>
+                          <a:pPr algn="ctr"/>
+                          <a:r>
+                            <a:rPr lang="en-US" sz="2000" dirty="0" smtClean="0"/>
+                            <a:t>82.86%</a:t>
+                          </a:r>
+                          <a:endParaRPr lang="en-US" sz="2000" dirty="0"/>
+                        </a:p>
+                      </a:txBody>
+                      <a:tcPr/>
+                    </a:tc>
+                    <a:tc hMerge="1">
+                      <a:txBody>
+                        <a:bodyPr/>
+                        <a:lstStyle/>
+                        <a:p>
+                          <a:pPr algn="ctr"/>
+                          <a:endParaRPr lang="en-US" sz="2000" dirty="0"/>
+                        </a:p>
+                      </a:txBody>
+                      <a:tcPr/>
+                    </a:tc>
+                    <a:tc hMerge="1">
+                      <a:txBody>
+                        <a:bodyPr/>
+                        <a:lstStyle/>
+                        <a:p>
+                          <a:pPr algn="ctr"/>
+                          <a:endParaRPr lang="en-US" sz="2000" dirty="0"/>
+                        </a:p>
+                      </a:txBody>
+                      <a:tcPr/>
+                    </a:tc>
+                  </a:tr>
+                </a:tbl>
+              </a:graphicData>
+            </a:graphic>
+          </p:graphicFrame>
+        </mc:Choice>
+        <mc:Fallback xmlns="">
+          <p:graphicFrame>
+            <p:nvGraphicFramePr>
+              <p:cNvPr id="6" name="Table 5"/>
+              <p:cNvGraphicFramePr>
+                <a:graphicFrameLocks noGrp="1"/>
+              </p:cNvGraphicFramePr>
+              <p:nvPr>
+                <p:extLst>
+                  <p:ext uri="{D42A27DB-BD31-4B8C-83A1-F6EECF244321}">
+                    <p14:modId xmlns:p14="http://schemas.microsoft.com/office/powerpoint/2010/main" val="386947843"/>
+                  </p:ext>
+                </p:extLst>
+              </p:nvPr>
+            </p:nvGraphicFramePr>
+            <p:xfrm>
+              <a:off x="1434882" y="2527676"/>
+              <a:ext cx="9322236" cy="3078480"/>
+            </p:xfrm>
+            <a:graphic>
+              <a:graphicData uri="http://schemas.openxmlformats.org/drawingml/2006/table">
+                <a:tbl>
+                  <a:tblPr firstRow="1" bandRow="1">
+                    <a:tableStyleId>{5C22544A-7EE6-4342-B048-85BDC9FD1C3A}</a:tableStyleId>
+                  </a:tblPr>
+                  <a:tblGrid>
+                    <a:gridCol w="2693227"/>
+                    <a:gridCol w="2167533"/>
+                    <a:gridCol w="2389403"/>
+                    <a:gridCol w="2072073"/>
+                  </a:tblGrid>
+                  <a:tr h="701040">
+                    <a:tc>
+                      <a:txBody>
+                        <a:bodyPr/>
+                        <a:lstStyle/>
+                        <a:p>
+                          <a:pPr algn="ctr"/>
+                          <a:r>
+                            <a:rPr lang="en-US" sz="2000" dirty="0" smtClean="0"/>
+                            <a:t>LOO Subject</a:t>
+                          </a:r>
+                          <a:endParaRPr lang="en-US" sz="2000" dirty="0"/>
+                        </a:p>
+                      </a:txBody>
+                      <a:tcPr/>
+                    </a:tc>
+                    <a:tc>
+                      <a:txBody>
+                        <a:bodyPr/>
+                        <a:lstStyle/>
+                        <a:p>
+                          <a:pPr algn="ctr"/>
+                          <a:r>
+                            <a:rPr lang="en-US" sz="2000" dirty="0" smtClean="0"/>
+                            <a:t>F1 </a:t>
+                          </a:r>
+                          <a:r>
+                            <a:rPr lang="en-US" sz="2000" baseline="0" dirty="0" smtClean="0"/>
+                            <a:t>Mean</a:t>
+                          </a:r>
+                        </a:p>
+                        <a:p>
+                          <a:pPr algn="ctr"/>
+                          <a:r>
+                            <a:rPr lang="en-US" sz="2000" baseline="0" dirty="0" smtClean="0"/>
+                            <a:t>(SP + SW)</a:t>
+                          </a:r>
+                          <a:endParaRPr lang="en-US" sz="2000" dirty="0"/>
+                        </a:p>
+                      </a:txBody>
+                      <a:tcPr/>
+                    </a:tc>
+                    <a:tc>
+                      <a:txBody>
+                        <a:bodyPr/>
+                        <a:lstStyle/>
+                        <a:p>
+                          <a:pPr algn="ctr"/>
+                          <a:r>
+                            <a:rPr lang="en-US" sz="2000" dirty="0" smtClean="0"/>
+                            <a:t>LOO Subject</a:t>
+                          </a:r>
+                          <a:endParaRPr lang="en-US" sz="2000" dirty="0"/>
+                        </a:p>
+                      </a:txBody>
+                      <a:tcPr/>
+                    </a:tc>
+                    <a:tc>
+                      <a:txBody>
+                        <a:bodyPr/>
+                        <a:lstStyle/>
+                        <a:p>
+                          <a:pPr algn="ctr"/>
+                          <a:r>
+                            <a:rPr lang="en-US" sz="2000" dirty="0" smtClean="0"/>
+                            <a:t>F1 Mean</a:t>
+                          </a:r>
+                        </a:p>
+                        <a:p>
+                          <a:pPr algn="ctr"/>
+                          <a:r>
+                            <a:rPr lang="en-US" sz="2000" dirty="0" smtClean="0"/>
+                            <a:t>(SP + SW)</a:t>
+                          </a:r>
+                          <a:endParaRPr lang="en-US" sz="2000" dirty="0"/>
+                        </a:p>
+                      </a:txBody>
+                      <a:tcPr/>
+                    </a:tc>
+                  </a:tr>
+                  <a:tr h="396240">
+                    <a:tc>
+                      <a:txBody>
+                        <a:bodyPr/>
+                        <a:lstStyle/>
+                        <a:p>
+                          <a:r>
+                            <a:rPr lang="en-US" sz="2000" dirty="0" smtClean="0"/>
+                            <a:t>Edwin</a:t>
+                          </a:r>
+                          <a:endParaRPr lang="en-US" sz="2000" dirty="0"/>
+                        </a:p>
+                      </a:txBody>
+                      <a:tcPr/>
+                    </a:tc>
+                    <a:tc>
+                      <a:txBody>
+                        <a:bodyPr/>
+                        <a:lstStyle/>
+                        <a:p>
+                          <a:endParaRPr lang="en-US"/>
+                        </a:p>
+                      </a:txBody>
+                      <a:tcPr>
+                        <a:blipFill rotWithShape="0">
+                          <a:blip r:embed="rId2"/>
+                          <a:stretch>
+                            <a:fillRect l="-124438" t="-184615" r="-206742" b="-529231"/>
+                          </a:stretch>
+                        </a:blipFill>
+                      </a:tcPr>
+                    </a:tc>
+                    <a:tc>
+                      <a:txBody>
+                        <a:bodyPr/>
+                        <a:lstStyle/>
+                        <a:p>
+                          <a:pPr marL="0" marR="0" indent="0" algn="ctr" defTabSz="914400" rtl="0" eaLnBrk="1" fontAlgn="auto" latinLnBrk="0" hangingPunct="1">
+                            <a:lnSpc>
+                              <a:spcPct val="100000"/>
+                            </a:lnSpc>
+                            <a:spcBef>
+                              <a:spcPts val="0"/>
+                            </a:spcBef>
+                            <a:spcAft>
+                              <a:spcPts val="0"/>
+                            </a:spcAft>
+                            <a:buClrTx/>
+                            <a:buSzTx/>
+                            <a:buFontTx/>
+                            <a:buNone/>
+                            <a:tabLst/>
+                            <a:defRPr/>
+                          </a:pPr>
+                          <a:r>
+                            <a:rPr lang="en-US" sz="2000" dirty="0" smtClean="0"/>
+                            <a:t>Elmo</a:t>
+                          </a:r>
+                          <a:endParaRPr lang="en-US" sz="2000" dirty="0"/>
+                        </a:p>
+                      </a:txBody>
+                      <a:tcPr/>
+                    </a:tc>
+                    <a:tc>
+                      <a:txBody>
+                        <a:bodyPr/>
+                        <a:lstStyle/>
+                        <a:p>
+                          <a:endParaRPr lang="en-US"/>
+                        </a:p>
+                      </a:txBody>
+                      <a:tcPr>
+                        <a:blipFill rotWithShape="0">
+                          <a:blip r:embed="rId2"/>
+                          <a:stretch>
+                            <a:fillRect l="-350294" t="-184615" r="-1176" b="-529231"/>
+                          </a:stretch>
+                        </a:blipFill>
+                      </a:tcPr>
+                    </a:tc>
+                  </a:tr>
+                  <a:tr h="396240">
+                    <a:tc>
+                      <a:txBody>
+                        <a:bodyPr/>
+                        <a:lstStyle/>
+                        <a:p>
+                          <a:r>
+                            <a:rPr lang="en-US" sz="2000" dirty="0" err="1" smtClean="0"/>
+                            <a:t>Shelina</a:t>
+                          </a:r>
+                          <a:endParaRPr lang="en-US" sz="2000" dirty="0"/>
+                        </a:p>
+                      </a:txBody>
+                      <a:tcPr/>
+                    </a:tc>
+                    <a:tc>
+                      <a:txBody>
+                        <a:bodyPr/>
+                        <a:lstStyle/>
+                        <a:p>
+                          <a:endParaRPr lang="en-US"/>
+                        </a:p>
+                      </a:txBody>
+                      <a:tcPr>
+                        <a:blipFill rotWithShape="0">
+                          <a:blip r:embed="rId2"/>
+                          <a:stretch>
+                            <a:fillRect l="-124438" t="-284615" r="-206742" b="-429231"/>
+                          </a:stretch>
+                        </a:blipFill>
+                      </a:tcPr>
+                    </a:tc>
+                    <a:tc>
+                      <a:txBody>
+                        <a:bodyPr/>
+                        <a:lstStyle/>
+                        <a:p>
+                          <a:pPr algn="ctr"/>
+                          <a:r>
+                            <a:rPr lang="en-US" sz="2000" dirty="0" smtClean="0"/>
+                            <a:t>Monica</a:t>
+                          </a:r>
+                          <a:endParaRPr lang="en-US" sz="2000" dirty="0"/>
+                        </a:p>
+                      </a:txBody>
+                      <a:tcPr/>
+                    </a:tc>
+                    <a:tc>
+                      <a:txBody>
+                        <a:bodyPr/>
+                        <a:lstStyle/>
+                        <a:p>
+                          <a:endParaRPr lang="en-US"/>
+                        </a:p>
+                      </a:txBody>
+                      <a:tcPr>
+                        <a:blipFill rotWithShape="0">
+                          <a:blip r:embed="rId2"/>
+                          <a:stretch>
+                            <a:fillRect l="-350294" t="-284615" r="-1176" b="-429231"/>
+                          </a:stretch>
+                        </a:blipFill>
+                      </a:tcPr>
+                    </a:tc>
+                  </a:tr>
+                  <a:tr h="396240">
+                    <a:tc>
+                      <a:txBody>
+                        <a:bodyPr/>
+                        <a:lstStyle/>
+                        <a:p>
+                          <a:r>
+                            <a:rPr lang="en-US" sz="2000" dirty="0" err="1" smtClean="0"/>
+                            <a:t>Mellita</a:t>
+                          </a:r>
+                          <a:endParaRPr lang="en-US" sz="2000" dirty="0"/>
+                        </a:p>
+                      </a:txBody>
+                      <a:tcPr/>
+                    </a:tc>
+                    <a:tc>
+                      <a:txBody>
+                        <a:bodyPr/>
+                        <a:lstStyle/>
+                        <a:p>
+                          <a:endParaRPr lang="en-US"/>
+                        </a:p>
+                      </a:txBody>
+                      <a:tcPr>
+                        <a:blipFill rotWithShape="0">
+                          <a:blip r:embed="rId2"/>
+                          <a:stretch>
+                            <a:fillRect l="-124438" t="-378788" r="-206742" b="-322727"/>
+                          </a:stretch>
+                        </a:blipFill>
+                      </a:tcPr>
+                    </a:tc>
+                    <a:tc>
+                      <a:txBody>
+                        <a:bodyPr/>
+                        <a:lstStyle/>
+                        <a:p>
+                          <a:pPr algn="ctr"/>
+                          <a:r>
+                            <a:rPr lang="en-US" sz="2000" dirty="0" smtClean="0"/>
+                            <a:t>Inge</a:t>
+                          </a:r>
+                          <a:endParaRPr lang="en-US" sz="2000" dirty="0"/>
+                        </a:p>
+                      </a:txBody>
+                      <a:tcPr/>
+                    </a:tc>
+                    <a:tc>
+                      <a:txBody>
+                        <a:bodyPr/>
+                        <a:lstStyle/>
+                        <a:p>
+                          <a:endParaRPr lang="en-US"/>
+                        </a:p>
+                      </a:txBody>
+                      <a:tcPr>
+                        <a:blipFill rotWithShape="0">
+                          <a:blip r:embed="rId2"/>
+                          <a:stretch>
+                            <a:fillRect l="-350294" t="-378788" r="-1176" b="-322727"/>
+                          </a:stretch>
+                        </a:blipFill>
+                      </a:tcPr>
+                    </a:tc>
+                  </a:tr>
+                  <a:tr h="396240">
+                    <a:tc>
+                      <a:txBody>
+                        <a:bodyPr/>
+                        <a:lstStyle/>
+                        <a:p>
+                          <a:r>
+                            <a:rPr lang="en-US" sz="2000" dirty="0" smtClean="0"/>
+                            <a:t>Nikolas</a:t>
+                          </a:r>
+                          <a:endParaRPr lang="en-US" sz="2000" dirty="0"/>
+                        </a:p>
+                      </a:txBody>
+                      <a:tcPr/>
+                    </a:tc>
+                    <a:tc>
+                      <a:txBody>
+                        <a:bodyPr/>
+                        <a:lstStyle/>
+                        <a:p>
+                          <a:endParaRPr lang="en-US"/>
+                        </a:p>
+                      </a:txBody>
+                      <a:tcPr>
+                        <a:blipFill rotWithShape="0">
+                          <a:blip r:embed="rId2"/>
+                          <a:stretch>
+                            <a:fillRect l="-124438" t="-486154" r="-206742" b="-227692"/>
+                          </a:stretch>
+                        </a:blipFill>
+                      </a:tcPr>
+                    </a:tc>
+                    <a:tc>
+                      <a:txBody>
+                        <a:bodyPr/>
+                        <a:lstStyle/>
+                        <a:p>
+                          <a:pPr algn="ctr"/>
+                          <a:r>
+                            <a:rPr lang="en-US" sz="2000" dirty="0" err="1" smtClean="0"/>
+                            <a:t>Andri</a:t>
+                          </a:r>
+                          <a:endParaRPr lang="en-US" sz="2000" dirty="0"/>
+                        </a:p>
+                      </a:txBody>
+                      <a:tcPr/>
+                    </a:tc>
+                    <a:tc>
+                      <a:txBody>
+                        <a:bodyPr/>
+                        <a:lstStyle/>
+                        <a:p>
+                          <a:endParaRPr lang="en-US"/>
+                        </a:p>
+                      </a:txBody>
+                      <a:tcPr>
+                        <a:blipFill rotWithShape="0">
+                          <a:blip r:embed="rId2"/>
+                          <a:stretch>
+                            <a:fillRect l="-350294" t="-486154" r="-1176" b="-227692"/>
+                          </a:stretch>
+                        </a:blipFill>
+                      </a:tcPr>
+                    </a:tc>
+                  </a:tr>
+                  <a:tr h="396240">
+                    <a:tc>
+                      <a:txBody>
+                        <a:bodyPr/>
+                        <a:lstStyle/>
+                        <a:p>
+                          <a:r>
+                            <a:rPr lang="en-US" sz="2000" dirty="0" smtClean="0"/>
+                            <a:t>Samuel</a:t>
+                          </a:r>
+                          <a:endParaRPr lang="en-US" sz="2000" dirty="0"/>
+                        </a:p>
+                      </a:txBody>
+                      <a:tcPr/>
+                    </a:tc>
+                    <a:tc>
+                      <a:txBody>
+                        <a:bodyPr/>
+                        <a:lstStyle/>
+                        <a:p>
+                          <a:endParaRPr lang="en-US"/>
+                        </a:p>
+                      </a:txBody>
+                      <a:tcPr>
+                        <a:blipFill rotWithShape="0">
+                          <a:blip r:embed="rId2"/>
+                          <a:stretch>
+                            <a:fillRect l="-124438" t="-586154" r="-206742" b="-127692"/>
+                          </a:stretch>
+                        </a:blipFill>
+                      </a:tcPr>
+                    </a:tc>
+                    <a:tc>
+                      <a:txBody>
+                        <a:bodyPr/>
+                        <a:lstStyle/>
+                        <a:p>
+                          <a:pPr algn="ctr"/>
+                          <a:endParaRPr lang="en-US" sz="2000" dirty="0"/>
+                        </a:p>
+                      </a:txBody>
+                      <a:tcPr/>
+                    </a:tc>
+                    <a:tc>
+                      <a:txBody>
+                        <a:bodyPr/>
+                        <a:lstStyle/>
+                        <a:p>
+                          <a:pPr marL="0" marR="0" indent="0" algn="ctr" defTabSz="914400" rtl="0" eaLnBrk="1" fontAlgn="auto" latinLnBrk="0" hangingPunct="1">
+                            <a:lnSpc>
+                              <a:spcPct val="100000"/>
+                            </a:lnSpc>
+                            <a:spcBef>
+                              <a:spcPts val="0"/>
+                            </a:spcBef>
+                            <a:spcAft>
+                              <a:spcPts val="0"/>
+                            </a:spcAft>
+                            <a:buClrTx/>
+                            <a:buSzTx/>
+                            <a:buFontTx/>
+                            <a:buNone/>
+                            <a:tabLst/>
+                            <a:defRPr/>
+                          </a:pPr>
+                          <a:endParaRPr lang="en-US" sz="2000" dirty="0"/>
+                        </a:p>
+                      </a:txBody>
+                      <a:tcPr/>
+                    </a:tc>
+                  </a:tr>
+                  <a:tr h="396240">
+                    <a:tc>
+                      <a:txBody>
+                        <a:bodyPr/>
+                        <a:lstStyle/>
+                        <a:p>
+                          <a:r>
+                            <a:rPr lang="en-US" sz="2000" b="1" dirty="0" smtClean="0"/>
+                            <a:t>Average</a:t>
+                          </a:r>
+                          <a:endParaRPr lang="en-US" sz="2000" b="1" dirty="0"/>
+                        </a:p>
+                      </a:txBody>
+                      <a:tcPr/>
+                    </a:tc>
+                    <a:tc gridSpan="3">
+                      <a:txBody>
+                        <a:bodyPr/>
+                        <a:lstStyle/>
+                        <a:p>
+                          <a:pPr algn="ctr"/>
+                          <a:r>
+                            <a:rPr lang="en-US" sz="2000" dirty="0" smtClean="0"/>
+                            <a:t>82.86%</a:t>
+                          </a:r>
+                          <a:endParaRPr lang="en-US" sz="2000" dirty="0"/>
+                        </a:p>
+                      </a:txBody>
+                      <a:tcPr/>
+                    </a:tc>
+                    <a:tc hMerge="1">
+                      <a:txBody>
+                        <a:bodyPr/>
+                        <a:lstStyle/>
+                        <a:p>
+                          <a:pPr algn="ctr"/>
+                          <a:endParaRPr lang="en-US" sz="2000" dirty="0"/>
+                        </a:p>
+                      </a:txBody>
+                      <a:tcPr/>
+                    </a:tc>
+                    <a:tc hMerge="1">
+                      <a:txBody>
+                        <a:bodyPr/>
+                        <a:lstStyle/>
+                        <a:p>
+                          <a:pPr algn="ctr"/>
+                          <a:endParaRPr lang="en-US" sz="2000" dirty="0"/>
+                        </a:p>
+                      </a:txBody>
+                      <a:tcPr/>
+                    </a:tc>
+                  </a:tr>
+                </a:tbl>
+              </a:graphicData>
+            </a:graphic>
+          </p:graphicFrame>
+        </mc:Fallback>
+      </mc:AlternateContent>
+    </p:spTree>
+    <p:extLst>
+      <p:ext uri="{BB962C8B-B14F-4D97-AF65-F5344CB8AC3E}">
+        <p14:creationId xmlns:p14="http://schemas.microsoft.com/office/powerpoint/2010/main" val="45962140"/>
+      </p:ext>
+    </p:extLst>
+  </p:cSld>
+  <p:clrMapOvr>
+    <a:masterClrMapping/>
+  </p:clrMapOvr>
+  <p:timing>
+    <p:tnLst>
+      <p:par>
+        <p:cTn id="1" dur="indefinite" restart="never" nodeType="tmRoot"/>
+      </p:par>
+    </p:tnLst>
+  </p:timing>
+</p:sld>
+</file>
+
+<file path=ppt/slides/slide37.xml><?xml version="1.0" encoding="utf-8"?>
 <p:sld xmlns:a="http://schemas.openxmlformats.org/drawingml/2006/main" xmlns:r="http://schemas.openxmlformats.org/officeDocument/2006/relationships" xmlns:p="http://schemas.openxmlformats.org/presentationml/2006/main">
   <p:cSld>
     <p:spTree>
@@ -38192,7 +36181,7 @@
 </p:sld>
 </file>
 
-<file path=ppt/slides/slide39.xml><?xml version="1.0" encoding="utf-8"?>
+<file path=ppt/slides/slide38.xml><?xml version="1.0" encoding="utf-8"?>
 <p:sld xmlns:a="http://schemas.openxmlformats.org/drawingml/2006/main" xmlns:r="http://schemas.openxmlformats.org/officeDocument/2006/relationships" xmlns:p="http://schemas.openxmlformats.org/presentationml/2006/main">
   <p:cSld>
     <p:spTree>

--- a/docs/documents/weekly_meeting/16 Dec 2016.pptx
+++ b/docs/documents/weekly_meeting/16 Dec 2016.pptx
@@ -5,7 +5,7 @@
     <p:sldMasterId id="2147483648" r:id="rId1"/>
   </p:sldMasterIdLst>
   <p:notesMasterIdLst>
-    <p:notesMasterId r:id="rId44"/>
+    <p:notesMasterId r:id="rId43"/>
   </p:notesMasterIdLst>
   <p:sldIdLst>
     <p:sldId id="257" r:id="rId2"/>
@@ -42,14 +42,13 @@
     <p:sldId id="332" r:id="rId33"/>
     <p:sldId id="333" r:id="rId34"/>
     <p:sldId id="353" r:id="rId35"/>
-    <p:sldId id="354" r:id="rId36"/>
-    <p:sldId id="364" r:id="rId37"/>
-    <p:sldId id="362" r:id="rId38"/>
-    <p:sldId id="355" r:id="rId39"/>
-    <p:sldId id="356" r:id="rId40"/>
-    <p:sldId id="357" r:id="rId41"/>
-    <p:sldId id="314" r:id="rId42"/>
-    <p:sldId id="308" r:id="rId43"/>
+    <p:sldId id="364" r:id="rId36"/>
+    <p:sldId id="362" r:id="rId37"/>
+    <p:sldId id="355" r:id="rId38"/>
+    <p:sldId id="356" r:id="rId39"/>
+    <p:sldId id="357" r:id="rId40"/>
+    <p:sldId id="314" r:id="rId41"/>
+    <p:sldId id="308" r:id="rId42"/>
   </p:sldIdLst>
   <p:sldSz cx="12192000" cy="6858000"/>
   <p:notesSz cx="6858000" cy="9144000"/>
@@ -231,7 +230,6 @@
         <p14:section name="LOO 11 Persons (NEW)" id="{26D9F457-29BA-524D-A21E-D6C8090DFFE4}">
           <p14:sldIdLst>
             <p14:sldId id="353"/>
-            <p14:sldId id="354"/>
             <p14:sldId id="364"/>
             <p14:sldId id="362"/>
           </p14:sldIdLst>
@@ -9346,7 +9344,7 @@
               <p:nvPr>
                 <p:extLst>
                   <p:ext uri="{D42A27DB-BD31-4B8C-83A1-F6EECF244321}">
-                    <p14:modId xmlns:p14="http://schemas.microsoft.com/office/powerpoint/2010/main" val="363718984"/>
+                    <p14:modId xmlns:p14="http://schemas.microsoft.com/office/powerpoint/2010/main" val="1806055364"/>
                   </p:ext>
                 </p:extLst>
               </p:nvPr>
@@ -9656,7 +9654,7 @@
                             <a:rPr lang="en-US" sz="2000" dirty="0" smtClean="0">
                               <a:latin typeface="+mn-lt"/>
                             </a:rPr>
-                            <a:t>% </a:t>
+                            <a:t>96.49% </a:t>
                           </a:r>
                           <a14:m>
                             <m:oMath xmlns:m="http://schemas.openxmlformats.org/officeDocument/2006/math">
@@ -9674,7 +9672,13 @@
                             <a:rPr lang="en-US" sz="2000" dirty="0" smtClean="0">
                               <a:latin typeface="+mn-lt"/>
                             </a:rPr>
-                            <a:t> %</a:t>
+                            <a:t> </a:t>
+                          </a:r>
+                          <a:r>
+                            <a:rPr lang="en-US" sz="2000" dirty="0" smtClean="0">
+                              <a:latin typeface="+mn-lt"/>
+                            </a:rPr>
+                            <a:t>0.29%</a:t>
                           </a:r>
                           <a:endParaRPr lang="en-US" sz="2000" dirty="0">
                             <a:latin typeface="+mn-lt"/>
@@ -9693,7 +9697,7 @@
                             <a:rPr lang="en-US" sz="2000" dirty="0" smtClean="0">
                               <a:latin typeface="+mn-lt"/>
                             </a:rPr>
-                            <a:t>% </a:t>
+                            <a:t>82.29% </a:t>
                           </a:r>
                           <a14:m>
                             <m:oMath xmlns:m="http://schemas.openxmlformats.org/officeDocument/2006/math">
@@ -9711,7 +9715,13 @@
                             <a:rPr lang="en-US" sz="2000" dirty="0" smtClean="0">
                               <a:latin typeface="+mn-lt"/>
                             </a:rPr>
-                            <a:t> %</a:t>
+                            <a:t> </a:t>
+                          </a:r>
+                          <a:r>
+                            <a:rPr lang="en-US" sz="2000" dirty="0" smtClean="0">
+                              <a:latin typeface="+mn-lt"/>
+                            </a:rPr>
+                            <a:t>0.23%</a:t>
                           </a:r>
                           <a:endParaRPr lang="en-US" sz="2000" dirty="0">
                             <a:latin typeface="+mn-lt"/>
@@ -9730,7 +9740,7 @@
                             <a:rPr lang="en-US" sz="2000" dirty="0" smtClean="0">
                               <a:latin typeface="+mn-lt"/>
                             </a:rPr>
-                            <a:t>% </a:t>
+                            <a:t>89.23% </a:t>
                           </a:r>
                           <a14:m>
                             <m:oMath xmlns:m="http://schemas.openxmlformats.org/officeDocument/2006/math">
@@ -9748,7 +9758,13 @@
                             <a:rPr lang="en-US" sz="2000" dirty="0" smtClean="0">
                               <a:latin typeface="+mn-lt"/>
                             </a:rPr>
-                            <a:t> %</a:t>
+                            <a:t> </a:t>
+                          </a:r>
+                          <a:r>
+                            <a:rPr lang="en-US" sz="2000" dirty="0" smtClean="0">
+                              <a:latin typeface="+mn-lt"/>
+                            </a:rPr>
+                            <a:t>0.31%</a:t>
                           </a:r>
                           <a:endParaRPr lang="en-US" sz="2000" dirty="0">
                             <a:latin typeface="+mn-lt"/>
@@ -9773,7 +9789,7 @@
               <p:nvPr>
                 <p:extLst>
                   <p:ext uri="{D42A27DB-BD31-4B8C-83A1-F6EECF244321}">
-                    <p14:modId xmlns:p14="http://schemas.microsoft.com/office/powerpoint/2010/main" val="363718984"/>
+                    <p14:modId xmlns:p14="http://schemas.microsoft.com/office/powerpoint/2010/main" val="1806055364"/>
                   </p:ext>
                 </p:extLst>
               </p:nvPr>
@@ -32665,8 +32681,8 @@
           </a:p>
         </p:txBody>
       </p:sp>
-      <mc:AlternateContent xmlns:mc="http://schemas.openxmlformats.org/markup-compatibility/2006" xmlns:a14="http://schemas.microsoft.com/office/drawing/2010/main">
-        <mc:Choice Requires="a14">
+      <mc:AlternateContent xmlns:mc="http://schemas.openxmlformats.org/markup-compatibility/2006">
+        <mc:Choice xmlns:a14="http://schemas.microsoft.com/office/drawing/2010/main" Requires="a14">
           <p:graphicFrame>
             <p:nvGraphicFramePr>
               <p:cNvPr id="6" name="Table 5"/>
@@ -32676,7 +32692,7 @@
               <p:nvPr>
                 <p:extLst>
                   <p:ext uri="{D42A27DB-BD31-4B8C-83A1-F6EECF244321}">
-                    <p14:modId xmlns:p14="http://schemas.microsoft.com/office/powerpoint/2010/main" val="1705135232"/>
+                    <p14:modId xmlns:p14="http://schemas.microsoft.com/office/powerpoint/2010/main" val="1396167893"/>
                   </p:ext>
                 </p:extLst>
               </p:nvPr>
@@ -32819,7 +32835,7 @@
                               <a:ea typeface="Cambria Math" charset="0"/>
                               <a:cs typeface="Cambria Math" charset="0"/>
                             </a:rPr>
-                            <a:t>87.97%</a:t>
+                            <a:t>81.99%</a:t>
                           </a:r>
                           <a:r>
                             <a:rPr lang="en-US" sz="2000" baseline="0" dirty="0" smtClean="0">
@@ -32842,7 +32858,11 @@
                           </a14:m>
                           <a:r>
                             <a:rPr lang="en-US" sz="2000" dirty="0" smtClean="0"/>
-                            <a:t> 0.15%</a:t>
+                            <a:t> </a:t>
+                          </a:r>
+                          <a:r>
+                            <a:rPr lang="en-US" sz="2000" dirty="0" smtClean="0"/>
+                            <a:t>0.75%</a:t>
                           </a:r>
                           <a:endParaRPr lang="en-US" sz="2000" dirty="0"/>
                         </a:p>
@@ -32907,7 +32927,7 @@
                               <a:ea typeface="Cambria Math" charset="0"/>
                               <a:cs typeface="Cambria Math" charset="0"/>
                             </a:rPr>
-                            <a:t>75.24%</a:t>
+                            <a:t>74.93%</a:t>
                           </a:r>
                           <a:r>
                             <a:rPr lang="en-US" sz="2000" baseline="0" dirty="0" smtClean="0">
@@ -32930,7 +32950,11 @@
                           </a14:m>
                           <a:r>
                             <a:rPr lang="en-US" sz="2000" dirty="0" smtClean="0"/>
-                            <a:t> 0.04%</a:t>
+                            <a:t> </a:t>
+                          </a:r>
+                          <a:r>
+                            <a:rPr lang="en-US" sz="2000" dirty="0" smtClean="0"/>
+                            <a:t>0.12%</a:t>
                           </a:r>
                           <a:endParaRPr lang="en-US" sz="2000" dirty="0"/>
                         </a:p>
@@ -32980,7 +33004,7 @@
                               <a:ea typeface="Cambria Math" charset="0"/>
                               <a:cs typeface="Cambria Math" charset="0"/>
                             </a:rPr>
-                            <a:t>67.49%</a:t>
+                            <a:t>73.28%</a:t>
                           </a:r>
                           <a:r>
                             <a:rPr lang="en-US" sz="2000" baseline="0" dirty="0" smtClean="0">
@@ -33003,7 +33027,11 @@
                           </a14:m>
                           <a:r>
                             <a:rPr lang="en-US" sz="2000" dirty="0" smtClean="0"/>
-                            <a:t> 0.40%</a:t>
+                            <a:t> </a:t>
+                          </a:r>
+                          <a:r>
+                            <a:rPr lang="en-US" sz="2000" dirty="0" smtClean="0"/>
+                            <a:t>0.14%</a:t>
                           </a:r>
                           <a:endParaRPr lang="en-US" sz="2000" dirty="0"/>
                         </a:p>
@@ -33052,7 +33080,7 @@
                               <a:ea typeface="Cambria Math" charset="0"/>
                               <a:cs typeface="Cambria Math" charset="0"/>
                             </a:rPr>
-                            <a:t>65.45%</a:t>
+                            <a:t>64.57%</a:t>
                           </a:r>
                           <a:r>
                             <a:rPr lang="en-US" sz="2000" baseline="0" dirty="0" smtClean="0">
@@ -33075,7 +33103,11 @@
                           </a14:m>
                           <a:r>
                             <a:rPr lang="en-US" sz="2000" dirty="0" smtClean="0"/>
-                            <a:t> 0.22%</a:t>
+                            <a:t> </a:t>
+                          </a:r>
+                          <a:r>
+                            <a:rPr lang="en-US" sz="2000" dirty="0" smtClean="0"/>
+                            <a:t>0.37%</a:t>
                           </a:r>
                           <a:endParaRPr lang="en-US" sz="2000" dirty="0"/>
                         </a:p>
@@ -33125,7 +33157,7 @@
                               <a:ea typeface="Cambria Math" charset="0"/>
                               <a:cs typeface="Cambria Math" charset="0"/>
                             </a:rPr>
-                            <a:t>76.88%</a:t>
+                            <a:t>86.00%</a:t>
                           </a:r>
                           <a:r>
                             <a:rPr lang="en-US" sz="2000" baseline="0" dirty="0" smtClean="0">
@@ -33148,7 +33180,11 @@
                           </a14:m>
                           <a:r>
                             <a:rPr lang="en-US" sz="2000" dirty="0" smtClean="0"/>
-                            <a:t> 0.66%</a:t>
+                            <a:t> </a:t>
+                          </a:r>
+                          <a:r>
+                            <a:rPr lang="en-US" sz="2000" dirty="0" smtClean="0"/>
+                            <a:t>0.09%</a:t>
                           </a:r>
                           <a:endParaRPr lang="en-US" sz="2000" dirty="0"/>
                         </a:p>
@@ -33197,7 +33233,7 @@
                               <a:ea typeface="Cambria Math" charset="0"/>
                               <a:cs typeface="Cambria Math" charset="0"/>
                             </a:rPr>
-                            <a:t>83.92%</a:t>
+                            <a:t>82.12%</a:t>
                           </a:r>
                           <a:r>
                             <a:rPr lang="en-US" sz="2000" baseline="0" dirty="0" smtClean="0">
@@ -33220,7 +33256,11 @@
                           </a14:m>
                           <a:r>
                             <a:rPr lang="en-US" sz="2000" dirty="0" smtClean="0"/>
-                            <a:t> 0.48%</a:t>
+                            <a:t> </a:t>
+                          </a:r>
+                          <a:r>
+                            <a:rPr lang="en-US" sz="2000" dirty="0" smtClean="0"/>
+                            <a:t>0.73%</a:t>
                           </a:r>
                           <a:endParaRPr lang="en-US" sz="2000" dirty="0"/>
                         </a:p>
@@ -33270,7 +33310,7 @@
                               <a:ea typeface="Cambria Math" charset="0"/>
                               <a:cs typeface="Cambria Math" charset="0"/>
                             </a:rPr>
-                            <a:t>85.27%</a:t>
+                            <a:t>85.48%</a:t>
                           </a:r>
                           <a:r>
                             <a:rPr lang="en-US" sz="2000" baseline="0" dirty="0" smtClean="0">
@@ -33293,7 +33333,11 @@
                           </a14:m>
                           <a:r>
                             <a:rPr lang="en-US" sz="2000" dirty="0" smtClean="0"/>
-                            <a:t> 0.23%</a:t>
+                            <a:t> </a:t>
+                          </a:r>
+                          <a:r>
+                            <a:rPr lang="en-US" sz="2000" dirty="0" smtClean="0"/>
+                            <a:t>0.09%</a:t>
                           </a:r>
                           <a:endParaRPr lang="en-US" sz="2000" dirty="0"/>
                         </a:p>
@@ -33342,7 +33386,7 @@
                               <a:ea typeface="Cambria Math" charset="0"/>
                               <a:cs typeface="Cambria Math" charset="0"/>
                             </a:rPr>
-                            <a:t>72.71%</a:t>
+                            <a:t>78.45%</a:t>
                           </a:r>
                           <a:r>
                             <a:rPr lang="en-US" sz="2000" baseline="0" dirty="0" smtClean="0">
@@ -33365,7 +33409,11 @@
                           </a14:m>
                           <a:r>
                             <a:rPr lang="en-US" sz="2000" dirty="0" smtClean="0"/>
-                            <a:t> 0.50%</a:t>
+                            <a:t> </a:t>
+                          </a:r>
+                          <a:r>
+                            <a:rPr lang="en-US" sz="2000" dirty="0" smtClean="0"/>
+                            <a:t>0.17%</a:t>
                           </a:r>
                           <a:endParaRPr lang="en-US" sz="2000" dirty="0"/>
                         </a:p>
@@ -33415,7 +33463,7 @@
                               <a:ea typeface="Cambria Math" charset="0"/>
                               <a:cs typeface="Cambria Math" charset="0"/>
                             </a:rPr>
-                            <a:t>92.90%</a:t>
+                            <a:t>92.34%</a:t>
                           </a:r>
                           <a:r>
                             <a:rPr lang="en-US" sz="2000" baseline="0" dirty="0" smtClean="0">
@@ -33438,7 +33486,11 @@
                           </a14:m>
                           <a:r>
                             <a:rPr lang="en-US" sz="2000" dirty="0" smtClean="0"/>
-                            <a:t> 0.03%</a:t>
+                            <a:t> </a:t>
+                          </a:r>
+                          <a:r>
+                            <a:rPr lang="en-US" sz="2000" dirty="0" smtClean="0"/>
+                            <a:t>0.18%</a:t>
                           </a:r>
                           <a:endParaRPr lang="en-US" sz="2000" dirty="0"/>
                         </a:p>
@@ -33487,7 +33539,7 @@
                               <a:ea typeface="Cambria Math" charset="0"/>
                               <a:cs typeface="Cambria Math" charset="0"/>
                             </a:rPr>
-                            <a:t>77.14%</a:t>
+                            <a:t>87.07%</a:t>
                           </a:r>
                           <a:r>
                             <a:rPr lang="en-US" sz="2000" baseline="0" dirty="0" smtClean="0">
@@ -33510,7 +33562,11 @@
                           </a14:m>
                           <a:r>
                             <a:rPr lang="en-US" sz="2000" dirty="0" smtClean="0"/>
-                            <a:t> 0.17%</a:t>
+                            <a:t> </a:t>
+                          </a:r>
+                          <a:r>
+                            <a:rPr lang="en-US" sz="2000" dirty="0" smtClean="0"/>
+                            <a:t>0.05%</a:t>
                           </a:r>
                           <a:endParaRPr lang="en-US" sz="2000" dirty="0"/>
                         </a:p>
@@ -33560,7 +33616,7 @@
                               <a:ea typeface="Cambria Math" charset="0"/>
                               <a:cs typeface="Cambria Math" charset="0"/>
                             </a:rPr>
-                            <a:t>89.24%</a:t>
+                            <a:t>89.69%</a:t>
                           </a:r>
                           <a:r>
                             <a:rPr lang="en-US" sz="2000" baseline="0" dirty="0" smtClean="0">
@@ -33583,7 +33639,11 @@
                           </a14:m>
                           <a:r>
                             <a:rPr lang="en-US" sz="2000" dirty="0" smtClean="0"/>
-                            <a:t> 0.10%</a:t>
+                            <a:t> </a:t>
+                          </a:r>
+                          <a:r>
+                            <a:rPr lang="en-US" sz="2000" dirty="0" smtClean="0"/>
+                            <a:t>0.04%</a:t>
                           </a:r>
                           <a:endParaRPr lang="en-US" sz="2000" dirty="0"/>
                         </a:p>
@@ -33652,7 +33712,7 @@
                           <a:pPr algn="ctr"/>
                           <a:r>
                             <a:rPr lang="en-US" sz="2000" dirty="0" smtClean="0"/>
-                            <a:t>79.47%</a:t>
+                            <a:t>81.45%</a:t>
                           </a:r>
                           <a:endParaRPr lang="en-US" sz="2000" dirty="0"/>
                         </a:p>
@@ -33687,7 +33747,7 @@
             </a:graphic>
           </p:graphicFrame>
         </mc:Choice>
-        <mc:Fallback xmlns="">
+        <mc:Fallback>
           <p:graphicFrame>
             <p:nvGraphicFramePr>
               <p:cNvPr id="6" name="Table 5"/>
@@ -33697,7 +33757,7 @@
               <p:nvPr>
                 <p:extLst>
                   <p:ext uri="{D42A27DB-BD31-4B8C-83A1-F6EECF244321}">
-                    <p14:modId xmlns:p14="http://schemas.microsoft.com/office/powerpoint/2010/main" val="1705135232"/>
+                    <p14:modId xmlns:p14="http://schemas.microsoft.com/office/powerpoint/2010/main" val="1396167893"/>
                   </p:ext>
                 </p:extLst>
               </p:nvPr>
@@ -34233,7 +34293,7 @@
                           <a:pPr algn="ctr"/>
                           <a:r>
                             <a:rPr lang="en-US" sz="2000" dirty="0" smtClean="0"/>
-                            <a:t>79.47%</a:t>
+                            <a:t>81.45%</a:t>
                           </a:r>
                           <a:endParaRPr lang="en-US" sz="2000" dirty="0"/>
                         </a:p>
@@ -34272,7 +34332,7 @@
     </p:spTree>
     <p:extLst>
       <p:ext uri="{BB962C8B-B14F-4D97-AF65-F5344CB8AC3E}">
-        <p14:creationId xmlns:p14="http://schemas.microsoft.com/office/powerpoint/2010/main" val="1227966901"/>
+        <p14:creationId xmlns:p14="http://schemas.microsoft.com/office/powerpoint/2010/main" val="1953661856"/>
       </p:ext>
     </p:extLst>
   </p:cSld>
@@ -34557,13 +34617,13 @@
           <a:p>
             <a:r>
               <a:rPr lang="en-US" sz="2400" b="1" dirty="0" smtClean="0"/>
-              <a:t>RF</a:t>
+              <a:t>SVM </a:t>
             </a:r>
             <a:r>
               <a:rPr lang="en-US" sz="2400" dirty="0" smtClean="0">
                 <a:sym typeface="Wingdings"/>
               </a:rPr>
-              <a:t> Number of Estimators = 500</a:t>
+              <a:t> C = 1, Gamma = 0.1</a:t>
             </a:r>
             <a:endParaRPr lang="en-US" sz="2400" dirty="0" smtClean="0"/>
           </a:p>
@@ -34583,7 +34643,7 @@
               <p:nvPr>
                 <p:extLst>
                   <p:ext uri="{D42A27DB-BD31-4B8C-83A1-F6EECF244321}">
-                    <p14:modId xmlns:p14="http://schemas.microsoft.com/office/powerpoint/2010/main" val="1738828409"/>
+                    <p14:modId xmlns:p14="http://schemas.microsoft.com/office/powerpoint/2010/main" val="1779586001"/>
                   </p:ext>
                 </p:extLst>
               </p:nvPr>
@@ -34749,11 +34809,7 @@
                           </a14:m>
                           <a:r>
                             <a:rPr lang="en-US" sz="2000" dirty="0" smtClean="0"/>
-                            <a:t> </a:t>
-                          </a:r>
-                          <a:r>
-                            <a:rPr lang="en-US" sz="2000" dirty="0" smtClean="0"/>
-                            <a:t>%</a:t>
+                            <a:t> %</a:t>
                           </a:r>
                           <a:endParaRPr lang="en-US" sz="2000" dirty="0"/>
                         </a:p>
@@ -34814,14 +34870,14 @@
                             <a:defRPr/>
                           </a:pPr>
                           <a:r>
-                            <a:rPr lang="en-US" sz="2000" dirty="0" smtClean="0">
+                            <a:rPr lang="en-US" sz="2000" smtClean="0">
                               <a:ea typeface="Cambria Math" charset="0"/>
                               <a:cs typeface="Cambria Math" charset="0"/>
                             </a:rPr>
                             <a:t>%</a:t>
                           </a:r>
                           <a:r>
-                            <a:rPr lang="en-US" sz="2000" baseline="0" dirty="0" smtClean="0">
+                            <a:rPr lang="en-US" sz="2000" baseline="0" smtClean="0">
                               <a:ea typeface="Cambria Math" charset="0"/>
                               <a:cs typeface="Cambria Math" charset="0"/>
                             </a:rPr>
@@ -34841,11 +34897,7 @@
                           </a14:m>
                           <a:r>
                             <a:rPr lang="en-US" sz="2000" dirty="0" smtClean="0"/>
-                            <a:t> </a:t>
-                          </a:r>
-                          <a:r>
-                            <a:rPr lang="en-US" sz="2000" smtClean="0"/>
-                            <a:t>%</a:t>
+                            <a:t> %</a:t>
                           </a:r>
                           <a:endParaRPr lang="en-US" sz="2000" dirty="0"/>
                         </a:p>
@@ -34918,11 +34970,7 @@
                           </a14:m>
                           <a:r>
                             <a:rPr lang="en-US" sz="2000" dirty="0" smtClean="0"/>
-                            <a:t> </a:t>
-                          </a:r>
-                          <a:r>
-                            <a:rPr lang="en-US" sz="2000" smtClean="0"/>
-                            <a:t>%</a:t>
+                            <a:t> %</a:t>
                           </a:r>
                           <a:endParaRPr lang="en-US" sz="2000" dirty="0"/>
                         </a:p>
@@ -34967,14 +35015,14 @@
                             <a:defRPr/>
                           </a:pPr>
                           <a:r>
-                            <a:rPr lang="en-US" sz="2000" dirty="0" smtClean="0">
+                            <a:rPr lang="en-US" sz="2000" smtClean="0">
                               <a:ea typeface="Cambria Math" charset="0"/>
                               <a:cs typeface="Cambria Math" charset="0"/>
                             </a:rPr>
                             <a:t>%</a:t>
                           </a:r>
                           <a:r>
-                            <a:rPr lang="en-US" sz="2000" baseline="0" dirty="0" smtClean="0">
+                            <a:rPr lang="en-US" sz="2000" baseline="0" smtClean="0">
                               <a:ea typeface="Cambria Math" charset="0"/>
                               <a:cs typeface="Cambria Math" charset="0"/>
                             </a:rPr>
@@ -34994,11 +35042,7 @@
                           </a14:m>
                           <a:r>
                             <a:rPr lang="en-US" sz="2000" dirty="0" smtClean="0"/>
-                            <a:t> </a:t>
-                          </a:r>
-                          <a:r>
-                            <a:rPr lang="en-US" sz="2000" smtClean="0"/>
-                            <a:t>%</a:t>
+                            <a:t> %</a:t>
                           </a:r>
                           <a:endParaRPr lang="en-US" sz="2000" dirty="0"/>
                         </a:p>
@@ -35044,14 +35088,14 @@
                             <a:defRPr/>
                           </a:pPr>
                           <a:r>
-                            <a:rPr lang="en-US" sz="2000" dirty="0" smtClean="0">
+                            <a:rPr lang="en-US" sz="2000" smtClean="0">
                               <a:ea typeface="Cambria Math" charset="0"/>
                               <a:cs typeface="Cambria Math" charset="0"/>
                             </a:rPr>
                             <a:t>%</a:t>
                           </a:r>
                           <a:r>
-                            <a:rPr lang="en-US" sz="2000" baseline="0" dirty="0" smtClean="0">
+                            <a:rPr lang="en-US" sz="2000" baseline="0" smtClean="0">
                               <a:ea typeface="Cambria Math" charset="0"/>
                               <a:cs typeface="Cambria Math" charset="0"/>
                             </a:rPr>
@@ -35071,11 +35115,7 @@
                           </a14:m>
                           <a:r>
                             <a:rPr lang="en-US" sz="2000" dirty="0" smtClean="0"/>
-                            <a:t> </a:t>
-                          </a:r>
-                          <a:r>
-                            <a:rPr lang="en-US" sz="2000" smtClean="0"/>
-                            <a:t>%</a:t>
+                            <a:t> %</a:t>
                           </a:r>
                           <a:endParaRPr lang="en-US" sz="2000" dirty="0"/>
                         </a:p>
@@ -35120,14 +35160,14 @@
                             <a:defRPr/>
                           </a:pPr>
                           <a:r>
-                            <a:rPr lang="en-US" sz="2000" dirty="0" smtClean="0">
+                            <a:rPr lang="en-US" sz="2000" smtClean="0">
                               <a:ea typeface="Cambria Math" charset="0"/>
                               <a:cs typeface="Cambria Math" charset="0"/>
                             </a:rPr>
                             <a:t>%</a:t>
                           </a:r>
                           <a:r>
-                            <a:rPr lang="en-US" sz="2000" baseline="0" dirty="0" smtClean="0">
+                            <a:rPr lang="en-US" sz="2000" baseline="0" smtClean="0">
                               <a:ea typeface="Cambria Math" charset="0"/>
                               <a:cs typeface="Cambria Math" charset="0"/>
                             </a:rPr>
@@ -35147,11 +35187,7 @@
                           </a14:m>
                           <a:r>
                             <a:rPr lang="en-US" sz="2000" dirty="0" smtClean="0"/>
-                            <a:t> </a:t>
-                          </a:r>
-                          <a:r>
-                            <a:rPr lang="en-US" sz="2000" smtClean="0"/>
-                            <a:t>%</a:t>
+                            <a:t> %</a:t>
                           </a:r>
                           <a:endParaRPr lang="en-US" sz="2000" dirty="0"/>
                         </a:p>
@@ -35224,11 +35260,7 @@
                           </a14:m>
                           <a:r>
                             <a:rPr lang="en-US" sz="2000" dirty="0" smtClean="0"/>
-                            <a:t> </a:t>
-                          </a:r>
-                          <a:r>
-                            <a:rPr lang="en-US" sz="2000" smtClean="0"/>
-                            <a:t>%</a:t>
+                            <a:t> %</a:t>
                           </a:r>
                           <a:endParaRPr lang="en-US" sz="2000" dirty="0"/>
                         </a:p>
@@ -35273,14 +35305,14 @@
                             <a:defRPr/>
                           </a:pPr>
                           <a:r>
-                            <a:rPr lang="en-US" sz="2000" dirty="0" smtClean="0">
+                            <a:rPr lang="en-US" sz="2000" smtClean="0">
                               <a:ea typeface="Cambria Math" charset="0"/>
                               <a:cs typeface="Cambria Math" charset="0"/>
                             </a:rPr>
                             <a:t>%</a:t>
                           </a:r>
                           <a:r>
-                            <a:rPr lang="en-US" sz="2000" baseline="0" dirty="0" smtClean="0">
+                            <a:rPr lang="en-US" sz="2000" baseline="0" smtClean="0">
                               <a:ea typeface="Cambria Math" charset="0"/>
                               <a:cs typeface="Cambria Math" charset="0"/>
                             </a:rPr>
@@ -35300,11 +35332,7 @@
                           </a14:m>
                           <a:r>
                             <a:rPr lang="en-US" sz="2000" dirty="0" smtClean="0"/>
-                            <a:t> </a:t>
-                          </a:r>
-                          <a:r>
-                            <a:rPr lang="en-US" sz="2000" smtClean="0"/>
-                            <a:t>%</a:t>
+                            <a:t> %</a:t>
                           </a:r>
                           <a:endParaRPr lang="en-US" sz="2000" dirty="0"/>
                         </a:p>
@@ -35422,14 +35450,14 @@
                             <a:defRPr/>
                           </a:pPr>
                           <a:r>
-                            <a:rPr lang="en-US" sz="2000" dirty="0" smtClean="0">
+                            <a:rPr lang="en-US" sz="2000" smtClean="0">
                               <a:ea typeface="Cambria Math" charset="0"/>
                               <a:cs typeface="Cambria Math" charset="0"/>
                             </a:rPr>
                             <a:t>%</a:t>
                           </a:r>
                           <a:r>
-                            <a:rPr lang="en-US" sz="2000" baseline="0" dirty="0" smtClean="0">
+                            <a:rPr lang="en-US" sz="2000" baseline="0" smtClean="0">
                               <a:ea typeface="Cambria Math" charset="0"/>
                               <a:cs typeface="Cambria Math" charset="0"/>
                             </a:rPr>
@@ -35591,7 +35619,7 @@
                           <a:pPr algn="ctr"/>
                           <a:r>
                             <a:rPr lang="en-US" sz="2000" dirty="0" smtClean="0"/>
-                            <a:t>79.47%</a:t>
+                            <a:t>%</a:t>
                           </a:r>
                           <a:endParaRPr lang="en-US" sz="2000" dirty="0"/>
                         </a:p>
@@ -35636,1914 +35664,7 @@
               <p:nvPr>
                 <p:extLst>
                   <p:ext uri="{D42A27DB-BD31-4B8C-83A1-F6EECF244321}">
-                    <p14:modId xmlns:p14="http://schemas.microsoft.com/office/powerpoint/2010/main" val="1738828409"/>
-                  </p:ext>
-                </p:extLst>
-              </p:nvPr>
-            </p:nvGraphicFramePr>
-            <p:xfrm>
-              <a:off x="1434882" y="2527676"/>
-              <a:ext cx="9322236" cy="3474720"/>
-            </p:xfrm>
-            <a:graphic>
-              <a:graphicData uri="http://schemas.openxmlformats.org/drawingml/2006/table">
-                <a:tbl>
-                  <a:tblPr firstRow="1" bandRow="1">
-                    <a:tableStyleId>{5C22544A-7EE6-4342-B048-85BDC9FD1C3A}</a:tableStyleId>
-                  </a:tblPr>
-                  <a:tblGrid>
-                    <a:gridCol w="2693227"/>
-                    <a:gridCol w="2167533"/>
-                    <a:gridCol w="2389403"/>
-                    <a:gridCol w="2072073"/>
-                  </a:tblGrid>
-                  <a:tr h="701040">
-                    <a:tc>
-                      <a:txBody>
-                        <a:bodyPr/>
-                        <a:lstStyle/>
-                        <a:p>
-                          <a:pPr algn="ctr"/>
-                          <a:r>
-                            <a:rPr lang="en-US" sz="2000" dirty="0" smtClean="0"/>
-                            <a:t>LOO Subject</a:t>
-                          </a:r>
-                          <a:endParaRPr lang="en-US" sz="2000" dirty="0"/>
-                        </a:p>
-                      </a:txBody>
-                      <a:tcPr/>
-                    </a:tc>
-                    <a:tc>
-                      <a:txBody>
-                        <a:bodyPr/>
-                        <a:lstStyle/>
-                        <a:p>
-                          <a:pPr algn="ctr"/>
-                          <a:r>
-                            <a:rPr lang="en-US" sz="2000" dirty="0" smtClean="0"/>
-                            <a:t>F1 </a:t>
-                          </a:r>
-                          <a:r>
-                            <a:rPr lang="en-US" sz="2000" baseline="0" dirty="0" smtClean="0"/>
-                            <a:t>Mean</a:t>
-                          </a:r>
-                        </a:p>
-                        <a:p>
-                          <a:pPr algn="ctr"/>
-                          <a:r>
-                            <a:rPr lang="en-US" sz="2000" baseline="0" dirty="0" smtClean="0"/>
-                            <a:t>(SP + SW)</a:t>
-                          </a:r>
-                          <a:endParaRPr lang="en-US" sz="2000" dirty="0"/>
-                        </a:p>
-                      </a:txBody>
-                      <a:tcPr/>
-                    </a:tc>
-                    <a:tc>
-                      <a:txBody>
-                        <a:bodyPr/>
-                        <a:lstStyle/>
-                        <a:p>
-                          <a:pPr algn="ctr"/>
-                          <a:r>
-                            <a:rPr lang="en-US" sz="2000" dirty="0" smtClean="0"/>
-                            <a:t>LOO Subject</a:t>
-                          </a:r>
-                          <a:endParaRPr lang="en-US" sz="2000" dirty="0"/>
-                        </a:p>
-                      </a:txBody>
-                      <a:tcPr/>
-                    </a:tc>
-                    <a:tc>
-                      <a:txBody>
-                        <a:bodyPr/>
-                        <a:lstStyle/>
-                        <a:p>
-                          <a:pPr algn="ctr"/>
-                          <a:r>
-                            <a:rPr lang="en-US" sz="2000" dirty="0" smtClean="0"/>
-                            <a:t>F1 Mean</a:t>
-                          </a:r>
-                        </a:p>
-                        <a:p>
-                          <a:pPr algn="ctr"/>
-                          <a:r>
-                            <a:rPr lang="en-US" sz="2000" dirty="0" smtClean="0"/>
-                            <a:t>(SP + SW)</a:t>
-                          </a:r>
-                          <a:endParaRPr lang="en-US" sz="2000" dirty="0"/>
-                        </a:p>
-                      </a:txBody>
-                      <a:tcPr/>
-                    </a:tc>
-                  </a:tr>
-                  <a:tr h="396240">
-                    <a:tc>
-                      <a:txBody>
-                        <a:bodyPr/>
-                        <a:lstStyle/>
-                        <a:p>
-                          <a:r>
-                            <a:rPr lang="en-US" sz="2000" dirty="0" smtClean="0"/>
-                            <a:t>Edwin</a:t>
-                          </a:r>
-                          <a:endParaRPr lang="en-US" sz="2000" dirty="0"/>
-                        </a:p>
-                      </a:txBody>
-                      <a:tcPr/>
-                    </a:tc>
-                    <a:tc>
-                      <a:txBody>
-                        <a:bodyPr/>
-                        <a:lstStyle/>
-                        <a:p>
-                          <a:endParaRPr lang="en-US"/>
-                        </a:p>
-                      </a:txBody>
-                      <a:tcPr>
-                        <a:blipFill rotWithShape="0">
-                          <a:blip r:embed="rId2"/>
-                          <a:stretch>
-                            <a:fillRect l="-124438" t="-184615" r="-206742" b="-629231"/>
-                          </a:stretch>
-                        </a:blipFill>
-                      </a:tcPr>
-                    </a:tc>
-                    <a:tc>
-                      <a:txBody>
-                        <a:bodyPr/>
-                        <a:lstStyle/>
-                        <a:p>
-                          <a:pPr marL="0" marR="0" indent="0" algn="ctr" defTabSz="914400" rtl="0" eaLnBrk="1" fontAlgn="auto" latinLnBrk="0" hangingPunct="1">
-                            <a:lnSpc>
-                              <a:spcPct val="100000"/>
-                            </a:lnSpc>
-                            <a:spcBef>
-                              <a:spcPts val="0"/>
-                            </a:spcBef>
-                            <a:spcAft>
-                              <a:spcPts val="0"/>
-                            </a:spcAft>
-                            <a:buClrTx/>
-                            <a:buSzTx/>
-                            <a:buFontTx/>
-                            <a:buNone/>
-                            <a:tabLst/>
-                            <a:defRPr/>
-                          </a:pPr>
-                          <a:r>
-                            <a:rPr lang="en-US" sz="2000" dirty="0" smtClean="0"/>
-                            <a:t>Monica</a:t>
-                          </a:r>
-                          <a:endParaRPr lang="en-US" sz="2000" dirty="0"/>
-                        </a:p>
-                      </a:txBody>
-                      <a:tcPr/>
-                    </a:tc>
-                    <a:tc>
-                      <a:txBody>
-                        <a:bodyPr/>
-                        <a:lstStyle/>
-                        <a:p>
-                          <a:endParaRPr lang="en-US"/>
-                        </a:p>
-                      </a:txBody>
-                      <a:tcPr>
-                        <a:blipFill rotWithShape="0">
-                          <a:blip r:embed="rId2"/>
-                          <a:stretch>
-                            <a:fillRect l="-350294" t="-184615" r="-1176" b="-629231"/>
-                          </a:stretch>
-                        </a:blipFill>
-                      </a:tcPr>
-                    </a:tc>
-                  </a:tr>
-                  <a:tr h="396240">
-                    <a:tc>
-                      <a:txBody>
-                        <a:bodyPr/>
-                        <a:lstStyle/>
-                        <a:p>
-                          <a:r>
-                            <a:rPr lang="en-US" sz="2000" dirty="0" err="1" smtClean="0"/>
-                            <a:t>Shelina</a:t>
-                          </a:r>
-                          <a:endParaRPr lang="en-US" sz="2000" dirty="0"/>
-                        </a:p>
-                      </a:txBody>
-                      <a:tcPr/>
-                    </a:tc>
-                    <a:tc>
-                      <a:txBody>
-                        <a:bodyPr/>
-                        <a:lstStyle/>
-                        <a:p>
-                          <a:endParaRPr lang="en-US"/>
-                        </a:p>
-                      </a:txBody>
-                      <a:tcPr>
-                        <a:blipFill rotWithShape="0">
-                          <a:blip r:embed="rId2"/>
-                          <a:stretch>
-                            <a:fillRect l="-124438" t="-284615" r="-206742" b="-529231"/>
-                          </a:stretch>
-                        </a:blipFill>
-                      </a:tcPr>
-                    </a:tc>
-                    <a:tc>
-                      <a:txBody>
-                        <a:bodyPr/>
-                        <a:lstStyle/>
-                        <a:p>
-                          <a:pPr algn="ctr"/>
-                          <a:r>
-                            <a:rPr lang="en-US" sz="2000" dirty="0" smtClean="0"/>
-                            <a:t>Inge</a:t>
-                          </a:r>
-                          <a:endParaRPr lang="en-US" sz="2000" dirty="0"/>
-                        </a:p>
-                      </a:txBody>
-                      <a:tcPr/>
-                    </a:tc>
-                    <a:tc>
-                      <a:txBody>
-                        <a:bodyPr/>
-                        <a:lstStyle/>
-                        <a:p>
-                          <a:endParaRPr lang="en-US"/>
-                        </a:p>
-                      </a:txBody>
-                      <a:tcPr>
-                        <a:blipFill rotWithShape="0">
-                          <a:blip r:embed="rId2"/>
-                          <a:stretch>
-                            <a:fillRect l="-350294" t="-284615" r="-1176" b="-529231"/>
-                          </a:stretch>
-                        </a:blipFill>
-                      </a:tcPr>
-                    </a:tc>
-                  </a:tr>
-                  <a:tr h="396240">
-                    <a:tc>
-                      <a:txBody>
-                        <a:bodyPr/>
-                        <a:lstStyle/>
-                        <a:p>
-                          <a:r>
-                            <a:rPr lang="en-US" sz="2000" dirty="0" err="1" smtClean="0"/>
-                            <a:t>Mellita</a:t>
-                          </a:r>
-                          <a:endParaRPr lang="en-US" sz="2000" dirty="0"/>
-                        </a:p>
-                      </a:txBody>
-                      <a:tcPr/>
-                    </a:tc>
-                    <a:tc>
-                      <a:txBody>
-                        <a:bodyPr/>
-                        <a:lstStyle/>
-                        <a:p>
-                          <a:endParaRPr lang="en-US"/>
-                        </a:p>
-                      </a:txBody>
-                      <a:tcPr>
-                        <a:blipFill rotWithShape="0">
-                          <a:blip r:embed="rId2"/>
-                          <a:stretch>
-                            <a:fillRect l="-124438" t="-378788" r="-206742" b="-421212"/>
-                          </a:stretch>
-                        </a:blipFill>
-                      </a:tcPr>
-                    </a:tc>
-                    <a:tc>
-                      <a:txBody>
-                        <a:bodyPr/>
-                        <a:lstStyle/>
-                        <a:p>
-                          <a:pPr algn="ctr"/>
-                          <a:r>
-                            <a:rPr lang="en-US" sz="2000" dirty="0" err="1" smtClean="0"/>
-                            <a:t>Andri</a:t>
-                          </a:r>
-                          <a:endParaRPr lang="en-US" sz="2000" dirty="0"/>
-                        </a:p>
-                      </a:txBody>
-                      <a:tcPr/>
-                    </a:tc>
-                    <a:tc>
-                      <a:txBody>
-                        <a:bodyPr/>
-                        <a:lstStyle/>
-                        <a:p>
-                          <a:endParaRPr lang="en-US"/>
-                        </a:p>
-                      </a:txBody>
-                      <a:tcPr>
-                        <a:blipFill rotWithShape="0">
-                          <a:blip r:embed="rId2"/>
-                          <a:stretch>
-                            <a:fillRect l="-350294" t="-378788" r="-1176" b="-421212"/>
-                          </a:stretch>
-                        </a:blipFill>
-                      </a:tcPr>
-                    </a:tc>
-                  </a:tr>
-                  <a:tr h="396240">
-                    <a:tc>
-                      <a:txBody>
-                        <a:bodyPr/>
-                        <a:lstStyle/>
-                        <a:p>
-                          <a:r>
-                            <a:rPr lang="en-US" sz="2000" dirty="0" smtClean="0"/>
-                            <a:t>Nikolas</a:t>
-                          </a:r>
-                          <a:endParaRPr lang="en-US" sz="2000" dirty="0"/>
-                        </a:p>
-                      </a:txBody>
-                      <a:tcPr/>
-                    </a:tc>
-                    <a:tc>
-                      <a:txBody>
-                        <a:bodyPr/>
-                        <a:lstStyle/>
-                        <a:p>
-                          <a:endParaRPr lang="en-US"/>
-                        </a:p>
-                      </a:txBody>
-                      <a:tcPr>
-                        <a:blipFill rotWithShape="0">
-                          <a:blip r:embed="rId2"/>
-                          <a:stretch>
-                            <a:fillRect l="-124438" t="-486154" r="-206742" b="-327692"/>
-                          </a:stretch>
-                        </a:blipFill>
-                      </a:tcPr>
-                    </a:tc>
-                    <a:tc>
-                      <a:txBody>
-                        <a:bodyPr/>
-                        <a:lstStyle/>
-                        <a:p>
-                          <a:pPr algn="ctr"/>
-                          <a:r>
-                            <a:rPr lang="en-US" sz="2000" dirty="0" err="1" smtClean="0"/>
-                            <a:t>Arianto</a:t>
-                          </a:r>
-                          <a:endParaRPr lang="en-US" sz="2000" dirty="0"/>
-                        </a:p>
-                      </a:txBody>
-                      <a:tcPr/>
-                    </a:tc>
-                    <a:tc>
-                      <a:txBody>
-                        <a:bodyPr/>
-                        <a:lstStyle/>
-                        <a:p>
-                          <a:endParaRPr lang="en-US"/>
-                        </a:p>
-                      </a:txBody>
-                      <a:tcPr>
-                        <a:blipFill rotWithShape="0">
-                          <a:blip r:embed="rId2"/>
-                          <a:stretch>
-                            <a:fillRect l="-350294" t="-486154" r="-1176" b="-327692"/>
-                          </a:stretch>
-                        </a:blipFill>
-                      </a:tcPr>
-                    </a:tc>
-                  </a:tr>
-                  <a:tr h="396240">
-                    <a:tc>
-                      <a:txBody>
-                        <a:bodyPr/>
-                        <a:lstStyle/>
-                        <a:p>
-                          <a:r>
-                            <a:rPr lang="en-US" sz="2000" dirty="0" smtClean="0"/>
-                            <a:t>Samuel</a:t>
-                          </a:r>
-                          <a:endParaRPr lang="en-US" sz="2000" dirty="0"/>
-                        </a:p>
-                      </a:txBody>
-                      <a:tcPr/>
-                    </a:tc>
-                    <a:tc>
-                      <a:txBody>
-                        <a:bodyPr/>
-                        <a:lstStyle/>
-                        <a:p>
-                          <a:endParaRPr lang="en-US"/>
-                        </a:p>
-                      </a:txBody>
-                      <a:tcPr>
-                        <a:blipFill rotWithShape="0">
-                          <a:blip r:embed="rId2"/>
-                          <a:stretch>
-                            <a:fillRect l="-124438" t="-586154" r="-206742" b="-227692"/>
-                          </a:stretch>
-                        </a:blipFill>
-                      </a:tcPr>
-                    </a:tc>
-                    <a:tc>
-                      <a:txBody>
-                        <a:bodyPr/>
-                        <a:lstStyle/>
-                        <a:p>
-                          <a:pPr algn="ctr"/>
-                          <a:r>
-                            <a:rPr lang="en-US" sz="2000" dirty="0" err="1" smtClean="0"/>
-                            <a:t>Orlin</a:t>
-                          </a:r>
-                          <a:endParaRPr lang="en-US" sz="2000" dirty="0"/>
-                        </a:p>
-                      </a:txBody>
-                      <a:tcPr/>
-                    </a:tc>
-                    <a:tc>
-                      <a:txBody>
-                        <a:bodyPr/>
-                        <a:lstStyle/>
-                        <a:p>
-                          <a:endParaRPr lang="en-US"/>
-                        </a:p>
-                      </a:txBody>
-                      <a:tcPr>
-                        <a:blipFill rotWithShape="0">
-                          <a:blip r:embed="rId2"/>
-                          <a:stretch>
-                            <a:fillRect l="-350294" t="-586154" r="-1176" b="-227692"/>
-                          </a:stretch>
-                        </a:blipFill>
-                      </a:tcPr>
-                    </a:tc>
-                  </a:tr>
-                  <a:tr h="396240">
-                    <a:tc>
-                      <a:txBody>
-                        <a:bodyPr/>
-                        <a:lstStyle/>
-                        <a:p>
-                          <a:r>
-                            <a:rPr lang="en-US" sz="2000" dirty="0" smtClean="0"/>
-                            <a:t>Elmo</a:t>
-                          </a:r>
-                          <a:endParaRPr lang="en-US" sz="2000" dirty="0"/>
-                        </a:p>
-                      </a:txBody>
-                      <a:tcPr/>
-                    </a:tc>
-                    <a:tc>
-                      <a:txBody>
-                        <a:bodyPr/>
-                        <a:lstStyle/>
-                        <a:p>
-                          <a:endParaRPr lang="en-US"/>
-                        </a:p>
-                      </a:txBody>
-                      <a:tcPr>
-                        <a:blipFill rotWithShape="0">
-                          <a:blip r:embed="rId2"/>
-                          <a:stretch>
-                            <a:fillRect l="-124438" t="-686154" r="-206742" b="-127692"/>
-                          </a:stretch>
-                        </a:blipFill>
-                      </a:tcPr>
-                    </a:tc>
-                    <a:tc>
-                      <a:txBody>
-                        <a:bodyPr/>
-                        <a:lstStyle/>
-                        <a:p>
-                          <a:pPr algn="ctr"/>
-                          <a:endParaRPr lang="en-US" sz="2000" dirty="0"/>
-                        </a:p>
-                      </a:txBody>
-                      <a:tcPr/>
-                    </a:tc>
-                    <a:tc>
-                      <a:txBody>
-                        <a:bodyPr/>
-                        <a:lstStyle/>
-                        <a:p>
-                          <a:pPr marL="0" marR="0" indent="0" algn="ctr" defTabSz="914400" rtl="0" eaLnBrk="1" fontAlgn="auto" latinLnBrk="0" hangingPunct="1">
-                            <a:lnSpc>
-                              <a:spcPct val="100000"/>
-                            </a:lnSpc>
-                            <a:spcBef>
-                              <a:spcPts val="0"/>
-                            </a:spcBef>
-                            <a:spcAft>
-                              <a:spcPts val="0"/>
-                            </a:spcAft>
-                            <a:buClrTx/>
-                            <a:buSzTx/>
-                            <a:buFontTx/>
-                            <a:buNone/>
-                            <a:tabLst/>
-                            <a:defRPr/>
-                          </a:pPr>
-                          <a:endParaRPr lang="en-US" sz="2000" dirty="0"/>
-                        </a:p>
-                      </a:txBody>
-                      <a:tcPr/>
-                    </a:tc>
-                  </a:tr>
-                  <a:tr h="396240">
-                    <a:tc>
-                      <a:txBody>
-                        <a:bodyPr/>
-                        <a:lstStyle/>
-                        <a:p>
-                          <a:r>
-                            <a:rPr lang="en-US" sz="2000" b="1" dirty="0" smtClean="0"/>
-                            <a:t>Average</a:t>
-                          </a:r>
-                          <a:endParaRPr lang="en-US" sz="2000" b="1" dirty="0"/>
-                        </a:p>
-                      </a:txBody>
-                      <a:tcPr/>
-                    </a:tc>
-                    <a:tc gridSpan="3">
-                      <a:txBody>
-                        <a:bodyPr/>
-                        <a:lstStyle/>
-                        <a:p>
-                          <a:pPr algn="ctr"/>
-                          <a:r>
-                            <a:rPr lang="en-US" sz="2000" dirty="0" smtClean="0"/>
-                            <a:t>79.47%</a:t>
-                          </a:r>
-                          <a:endParaRPr lang="en-US" sz="2000" dirty="0"/>
-                        </a:p>
-                      </a:txBody>
-                      <a:tcPr/>
-                    </a:tc>
-                    <a:tc hMerge="1">
-                      <a:txBody>
-                        <a:bodyPr/>
-                        <a:lstStyle/>
-                        <a:p>
-                          <a:pPr algn="ctr"/>
-                          <a:endParaRPr lang="en-US" sz="2000" dirty="0"/>
-                        </a:p>
-                      </a:txBody>
-                      <a:tcPr/>
-                    </a:tc>
-                    <a:tc hMerge="1">
-                      <a:txBody>
-                        <a:bodyPr/>
-                        <a:lstStyle/>
-                        <a:p>
-                          <a:pPr algn="ctr"/>
-                          <a:endParaRPr lang="en-US" sz="2000" dirty="0"/>
-                        </a:p>
-                      </a:txBody>
-                      <a:tcPr/>
-                    </a:tc>
-                  </a:tr>
-                </a:tbl>
-              </a:graphicData>
-            </a:graphic>
-          </p:graphicFrame>
-        </mc:Fallback>
-      </mc:AlternateContent>
-    </p:spTree>
-    <p:extLst>
-      <p:ext uri="{BB962C8B-B14F-4D97-AF65-F5344CB8AC3E}">
-        <p14:creationId xmlns:p14="http://schemas.microsoft.com/office/powerpoint/2010/main" val="1953661856"/>
-      </p:ext>
-    </p:extLst>
-  </p:cSld>
-  <p:clrMapOvr>
-    <a:masterClrMapping/>
-  </p:clrMapOvr>
-  <p:timing>
-    <p:tnLst>
-      <p:par>
-        <p:cTn id="1" dur="indefinite" restart="never" nodeType="tmRoot"/>
-      </p:par>
-    </p:tnLst>
-  </p:timing>
-</p:sld>
-</file>
-
-<file path=ppt/slides/slide37.xml><?xml version="1.0" encoding="utf-8"?>
-<p:sld xmlns:a="http://schemas.openxmlformats.org/drawingml/2006/main" xmlns:r="http://schemas.openxmlformats.org/officeDocument/2006/relationships" xmlns:p="http://schemas.openxmlformats.org/presentationml/2006/main">
-  <p:cSld>
-    <p:spTree>
-      <p:nvGrpSpPr>
-        <p:cNvPr id="1" name=""/>
-        <p:cNvGrpSpPr/>
-        <p:nvPr/>
-      </p:nvGrpSpPr>
-      <p:grpSpPr>
-        <a:xfrm>
-          <a:off x="0" y="0"/>
-          <a:ext cx="0" cy="0"/>
-          <a:chOff x="0" y="0"/>
-          <a:chExt cx="0" cy="0"/>
-        </a:xfrm>
-      </p:grpSpPr>
-      <p:sp>
-        <p:nvSpPr>
-          <p:cNvPr id="4" name="Title 1"/>
-          <p:cNvSpPr txBox="1">
-            <a:spLocks/>
-          </p:cNvSpPr>
-          <p:nvPr/>
-        </p:nvSpPr>
-        <p:spPr>
-          <a:xfrm>
-            <a:off x="838200" y="365125"/>
-            <a:ext cx="10515600" cy="1325563"/>
-          </a:xfrm>
-          <a:prstGeom prst="rect">
-            <a:avLst/>
-          </a:prstGeom>
-        </p:spPr>
-        <p:txBody>
-          <a:bodyPr vert="horz" lIns="91440" tIns="45720" rIns="91440" bIns="45720" rtlCol="0" anchor="ctr">
-            <a:normAutofit/>
-          </a:bodyPr>
-          <a:lstStyle>
-            <a:lvl1pPr algn="l" defTabSz="914400" rtl="0" eaLnBrk="1" latinLnBrk="0" hangingPunct="1">
-              <a:lnSpc>
-                <a:spcPct val="90000"/>
-              </a:lnSpc>
-              <a:spcBef>
-                <a:spcPct val="0"/>
-              </a:spcBef>
-              <a:buNone/>
-              <a:defRPr sz="4400" kern="1200">
-                <a:solidFill>
-                  <a:schemeClr val="tx1"/>
-                </a:solidFill>
-                <a:latin typeface="+mj-lt"/>
-                <a:ea typeface="+mj-ea"/>
-                <a:cs typeface="+mj-cs"/>
-              </a:defRPr>
-            </a:lvl1pPr>
-          </a:lstStyle>
-          <a:p>
-            <a:r>
-              <a:rPr lang="en-US" b="1" dirty="0" smtClean="0"/>
-              <a:t>LOO (11 PERSONS)</a:t>
-            </a:r>
-            <a:endParaRPr lang="en-US" b="1" dirty="0"/>
-          </a:p>
-        </p:txBody>
-      </p:sp>
-      <p:sp>
-        <p:nvSpPr>
-          <p:cNvPr id="5" name="Content Placeholder 2"/>
-          <p:cNvSpPr txBox="1">
-            <a:spLocks/>
-          </p:cNvSpPr>
-          <p:nvPr/>
-        </p:nvSpPr>
-        <p:spPr>
-          <a:xfrm>
-            <a:off x="838200" y="1482436"/>
-            <a:ext cx="10515600" cy="4694527"/>
-          </a:xfrm>
-          <a:prstGeom prst="rect">
-            <a:avLst/>
-          </a:prstGeom>
-        </p:spPr>
-        <p:txBody>
-          <a:bodyPr vert="horz" lIns="91440" tIns="45720" rIns="91440" bIns="45720" rtlCol="0">
-            <a:normAutofit/>
-          </a:bodyPr>
-          <a:lstStyle>
-            <a:lvl1pPr marL="228600" indent="-228600" algn="l" defTabSz="914400" rtl="0" eaLnBrk="1" latinLnBrk="0" hangingPunct="1">
-              <a:lnSpc>
-                <a:spcPct val="90000"/>
-              </a:lnSpc>
-              <a:spcBef>
-                <a:spcPts val="1000"/>
-              </a:spcBef>
-              <a:buFont typeface="Arial"/>
-              <a:buChar char="•"/>
-              <a:defRPr sz="2800" kern="1200">
-                <a:solidFill>
-                  <a:schemeClr val="tx1"/>
-                </a:solidFill>
-                <a:latin typeface="+mn-lt"/>
-                <a:ea typeface="+mn-ea"/>
-                <a:cs typeface="+mn-cs"/>
-              </a:defRPr>
-            </a:lvl1pPr>
-            <a:lvl2pPr marL="685800" indent="-228600" algn="l" defTabSz="914400" rtl="0" eaLnBrk="1" latinLnBrk="0" hangingPunct="1">
-              <a:lnSpc>
-                <a:spcPct val="90000"/>
-              </a:lnSpc>
-              <a:spcBef>
-                <a:spcPts val="500"/>
-              </a:spcBef>
-              <a:buFont typeface="Arial"/>
-              <a:buChar char="•"/>
-              <a:defRPr sz="2400" kern="1200">
-                <a:solidFill>
-                  <a:schemeClr val="tx1"/>
-                </a:solidFill>
-                <a:latin typeface="+mn-lt"/>
-                <a:ea typeface="+mn-ea"/>
-                <a:cs typeface="+mn-cs"/>
-              </a:defRPr>
-            </a:lvl2pPr>
-            <a:lvl3pPr marL="1143000" indent="-228600" algn="l" defTabSz="914400" rtl="0" eaLnBrk="1" latinLnBrk="0" hangingPunct="1">
-              <a:lnSpc>
-                <a:spcPct val="90000"/>
-              </a:lnSpc>
-              <a:spcBef>
-                <a:spcPts val="500"/>
-              </a:spcBef>
-              <a:buFont typeface="Arial"/>
-              <a:buChar char="•"/>
-              <a:defRPr sz="2000" kern="1200">
-                <a:solidFill>
-                  <a:schemeClr val="tx1"/>
-                </a:solidFill>
-                <a:latin typeface="+mn-lt"/>
-                <a:ea typeface="+mn-ea"/>
-                <a:cs typeface="+mn-cs"/>
-              </a:defRPr>
-            </a:lvl3pPr>
-            <a:lvl4pPr marL="1600200" indent="-228600" algn="l" defTabSz="914400" rtl="0" eaLnBrk="1" latinLnBrk="0" hangingPunct="1">
-              <a:lnSpc>
-                <a:spcPct val="90000"/>
-              </a:lnSpc>
-              <a:spcBef>
-                <a:spcPts val="500"/>
-              </a:spcBef>
-              <a:buFont typeface="Arial"/>
-              <a:buChar char="•"/>
-              <a:defRPr sz="1800" kern="1200">
-                <a:solidFill>
-                  <a:schemeClr val="tx1"/>
-                </a:solidFill>
-                <a:latin typeface="+mn-lt"/>
-                <a:ea typeface="+mn-ea"/>
-                <a:cs typeface="+mn-cs"/>
-              </a:defRPr>
-            </a:lvl4pPr>
-            <a:lvl5pPr marL="2057400" indent="-228600" algn="l" defTabSz="914400" rtl="0" eaLnBrk="1" latinLnBrk="0" hangingPunct="1">
-              <a:lnSpc>
-                <a:spcPct val="90000"/>
-              </a:lnSpc>
-              <a:spcBef>
-                <a:spcPts val="500"/>
-              </a:spcBef>
-              <a:buFont typeface="Arial"/>
-              <a:buChar char="•"/>
-              <a:defRPr sz="1800" kern="1200">
-                <a:solidFill>
-                  <a:schemeClr val="tx1"/>
-                </a:solidFill>
-                <a:latin typeface="+mn-lt"/>
-                <a:ea typeface="+mn-ea"/>
-                <a:cs typeface="+mn-cs"/>
-              </a:defRPr>
-            </a:lvl5pPr>
-            <a:lvl6pPr marL="2514600" indent="-228600" algn="l" defTabSz="914400" rtl="0" eaLnBrk="1" latinLnBrk="0" hangingPunct="1">
-              <a:lnSpc>
-                <a:spcPct val="90000"/>
-              </a:lnSpc>
-              <a:spcBef>
-                <a:spcPts val="500"/>
-              </a:spcBef>
-              <a:buFont typeface="Arial"/>
-              <a:buChar char="•"/>
-              <a:defRPr sz="1800" kern="1200">
-                <a:solidFill>
-                  <a:schemeClr val="tx1"/>
-                </a:solidFill>
-                <a:latin typeface="+mn-lt"/>
-                <a:ea typeface="+mn-ea"/>
-                <a:cs typeface="+mn-cs"/>
-              </a:defRPr>
-            </a:lvl6pPr>
-            <a:lvl7pPr marL="2971800" indent="-228600" algn="l" defTabSz="914400" rtl="0" eaLnBrk="1" latinLnBrk="0" hangingPunct="1">
-              <a:lnSpc>
-                <a:spcPct val="90000"/>
-              </a:lnSpc>
-              <a:spcBef>
-                <a:spcPts val="500"/>
-              </a:spcBef>
-              <a:buFont typeface="Arial"/>
-              <a:buChar char="•"/>
-              <a:defRPr sz="1800" kern="1200">
-                <a:solidFill>
-                  <a:schemeClr val="tx1"/>
-                </a:solidFill>
-                <a:latin typeface="+mn-lt"/>
-                <a:ea typeface="+mn-ea"/>
-                <a:cs typeface="+mn-cs"/>
-              </a:defRPr>
-            </a:lvl7pPr>
-            <a:lvl8pPr marL="3429000" indent="-228600" algn="l" defTabSz="914400" rtl="0" eaLnBrk="1" latinLnBrk="0" hangingPunct="1">
-              <a:lnSpc>
-                <a:spcPct val="90000"/>
-              </a:lnSpc>
-              <a:spcBef>
-                <a:spcPts val="500"/>
-              </a:spcBef>
-              <a:buFont typeface="Arial"/>
-              <a:buChar char="•"/>
-              <a:defRPr sz="1800" kern="1200">
-                <a:solidFill>
-                  <a:schemeClr val="tx1"/>
-                </a:solidFill>
-                <a:latin typeface="+mn-lt"/>
-                <a:ea typeface="+mn-ea"/>
-                <a:cs typeface="+mn-cs"/>
-              </a:defRPr>
-            </a:lvl8pPr>
-            <a:lvl9pPr marL="3886200" indent="-228600" algn="l" defTabSz="914400" rtl="0" eaLnBrk="1" latinLnBrk="0" hangingPunct="1">
-              <a:lnSpc>
-                <a:spcPct val="90000"/>
-              </a:lnSpc>
-              <a:spcBef>
-                <a:spcPts val="500"/>
-              </a:spcBef>
-              <a:buFont typeface="Arial"/>
-              <a:buChar char="•"/>
-              <a:defRPr sz="1800" kern="1200">
-                <a:solidFill>
-                  <a:schemeClr val="tx1"/>
-                </a:solidFill>
-                <a:latin typeface="+mn-lt"/>
-                <a:ea typeface="+mn-ea"/>
-                <a:cs typeface="+mn-cs"/>
-              </a:defRPr>
-            </a:lvl9pPr>
-          </a:lstStyle>
-          <a:p>
-            <a:r>
-              <a:rPr lang="en-US" sz="2400" dirty="0" smtClean="0"/>
-              <a:t>14 Activities (</a:t>
-            </a:r>
-            <a:r>
-              <a:rPr lang="en-US" sz="2400" b="1" i="1" u="sng" dirty="0" smtClean="0"/>
-              <a:t>without Eating</a:t>
-            </a:r>
-            <a:r>
-              <a:rPr lang="en-US" sz="2400" dirty="0" smtClean="0"/>
-              <a:t>)</a:t>
-            </a:r>
-          </a:p>
-          <a:p>
-            <a:r>
-              <a:rPr lang="en-US" sz="2400" b="1" dirty="0" smtClean="0"/>
-              <a:t>SVM </a:t>
-            </a:r>
-            <a:r>
-              <a:rPr lang="en-US" sz="2400" dirty="0" smtClean="0">
-                <a:sym typeface="Wingdings"/>
-              </a:rPr>
-              <a:t> C = 1, Gamma = 0.1</a:t>
-            </a:r>
-            <a:endParaRPr lang="en-US" sz="2400" dirty="0" smtClean="0"/>
-          </a:p>
-          <a:p>
-            <a:endParaRPr lang="en-US" sz="2400" dirty="0"/>
-          </a:p>
-        </p:txBody>
-      </p:sp>
-      <mc:AlternateContent xmlns:mc="http://schemas.openxmlformats.org/markup-compatibility/2006" xmlns:a14="http://schemas.microsoft.com/office/drawing/2010/main">
-        <mc:Choice Requires="a14">
-          <p:graphicFrame>
-            <p:nvGraphicFramePr>
-              <p:cNvPr id="6" name="Table 5"/>
-              <p:cNvGraphicFramePr>
-                <a:graphicFrameLocks noGrp="1"/>
-              </p:cNvGraphicFramePr>
-              <p:nvPr>
-                <p:extLst>
-                  <p:ext uri="{D42A27DB-BD31-4B8C-83A1-F6EECF244321}">
-                    <p14:modId xmlns:p14="http://schemas.microsoft.com/office/powerpoint/2010/main" val="2030026090"/>
-                  </p:ext>
-                </p:extLst>
-              </p:nvPr>
-            </p:nvGraphicFramePr>
-            <p:xfrm>
-              <a:off x="1434882" y="2527676"/>
-              <a:ext cx="9322236" cy="3474720"/>
-            </p:xfrm>
-            <a:graphic>
-              <a:graphicData uri="http://schemas.openxmlformats.org/drawingml/2006/table">
-                <a:tbl>
-                  <a:tblPr firstRow="1" bandRow="1">
-                    <a:tableStyleId>{5C22544A-7EE6-4342-B048-85BDC9FD1C3A}</a:tableStyleId>
-                  </a:tblPr>
-                  <a:tblGrid>
-                    <a:gridCol w="2693227"/>
-                    <a:gridCol w="2167533"/>
-                    <a:gridCol w="2389403"/>
-                    <a:gridCol w="2072073"/>
-                  </a:tblGrid>
-                  <a:tr h="370840">
-                    <a:tc>
-                      <a:txBody>
-                        <a:bodyPr/>
-                        <a:lstStyle/>
-                        <a:p>
-                          <a:pPr algn="ctr"/>
-                          <a:r>
-                            <a:rPr lang="en-US" sz="2000" dirty="0" smtClean="0"/>
-                            <a:t>LOO Subject</a:t>
-                          </a:r>
-                          <a:endParaRPr lang="en-US" sz="2000" dirty="0"/>
-                        </a:p>
-                      </a:txBody>
-                      <a:tcPr/>
-                    </a:tc>
-                    <a:tc>
-                      <a:txBody>
-                        <a:bodyPr/>
-                        <a:lstStyle/>
-                        <a:p>
-                          <a:pPr algn="ctr"/>
-                          <a:r>
-                            <a:rPr lang="en-US" sz="2000" dirty="0" smtClean="0"/>
-                            <a:t>F1 </a:t>
-                          </a:r>
-                          <a:r>
-                            <a:rPr lang="en-US" sz="2000" baseline="0" dirty="0" smtClean="0"/>
-                            <a:t>Mean</a:t>
-                          </a:r>
-                        </a:p>
-                        <a:p>
-                          <a:pPr algn="ctr"/>
-                          <a:r>
-                            <a:rPr lang="en-US" sz="2000" baseline="0" dirty="0" smtClean="0"/>
-                            <a:t>(SP + SW)</a:t>
-                          </a:r>
-                          <a:endParaRPr lang="en-US" sz="2000" dirty="0"/>
-                        </a:p>
-                      </a:txBody>
-                      <a:tcPr/>
-                    </a:tc>
-                    <a:tc>
-                      <a:txBody>
-                        <a:bodyPr/>
-                        <a:lstStyle/>
-                        <a:p>
-                          <a:pPr algn="ctr"/>
-                          <a:r>
-                            <a:rPr lang="en-US" sz="2000" dirty="0" smtClean="0"/>
-                            <a:t>LOO Subject</a:t>
-                          </a:r>
-                          <a:endParaRPr lang="en-US" sz="2000" dirty="0"/>
-                        </a:p>
-                      </a:txBody>
-                      <a:tcPr/>
-                    </a:tc>
-                    <a:tc>
-                      <a:txBody>
-                        <a:bodyPr/>
-                        <a:lstStyle/>
-                        <a:p>
-                          <a:pPr algn="ctr"/>
-                          <a:r>
-                            <a:rPr lang="en-US" sz="2000" dirty="0" smtClean="0"/>
-                            <a:t>F1 Mean</a:t>
-                          </a:r>
-                        </a:p>
-                        <a:p>
-                          <a:pPr algn="ctr"/>
-                          <a:r>
-                            <a:rPr lang="en-US" sz="2000" dirty="0" smtClean="0"/>
-                            <a:t>(SP + SW)</a:t>
-                          </a:r>
-                          <a:endParaRPr lang="en-US" sz="2000" dirty="0"/>
-                        </a:p>
-                      </a:txBody>
-                      <a:tcPr/>
-                    </a:tc>
-                  </a:tr>
-                  <a:tr h="370840">
-                    <a:tc>
-                      <a:txBody>
-                        <a:bodyPr/>
-                        <a:lstStyle/>
-                        <a:p>
-                          <a:r>
-                            <a:rPr lang="en-US" sz="2000" dirty="0" smtClean="0"/>
-                            <a:t>Edwin</a:t>
-                          </a:r>
-                          <a:endParaRPr lang="en-US" sz="2000" dirty="0"/>
-                        </a:p>
-                      </a:txBody>
-                      <a:tcPr/>
-                    </a:tc>
-                    <a:tc>
-                      <a:txBody>
-                        <a:bodyPr/>
-                        <a:lstStyle/>
-                        <a:p>
-                          <a:pPr marL="0" marR="0" indent="0" algn="ctr" defTabSz="914400" rtl="0" eaLnBrk="1" fontAlgn="auto" latinLnBrk="0" hangingPunct="1">
-                            <a:lnSpc>
-                              <a:spcPct val="100000"/>
-                            </a:lnSpc>
-                            <a:spcBef>
-                              <a:spcPts val="0"/>
-                            </a:spcBef>
-                            <a:spcAft>
-                              <a:spcPts val="0"/>
-                            </a:spcAft>
-                            <a:buClrTx/>
-                            <a:buSzTx/>
-                            <a:buFontTx/>
-                            <a:buNone/>
-                            <a:tabLst/>
-                            <a:defRPr/>
-                          </a:pPr>
-                          <a:r>
-                            <a:rPr lang="en-US" sz="2000" dirty="0" smtClean="0">
-                              <a:ea typeface="Cambria Math" charset="0"/>
-                              <a:cs typeface="Cambria Math" charset="0"/>
-                            </a:rPr>
-                            <a:t>84.72%</a:t>
-                          </a:r>
-                          <a:r>
-                            <a:rPr lang="en-US" sz="2000" baseline="0" dirty="0" smtClean="0">
-                              <a:ea typeface="Cambria Math" charset="0"/>
-                              <a:cs typeface="Cambria Math" charset="0"/>
-                            </a:rPr>
-                            <a:t> </a:t>
-                          </a:r>
-                          <a14:m>
-                            <m:oMath xmlns:m="http://schemas.openxmlformats.org/officeDocument/2006/math">
-                              <m:r>
-                                <a:rPr lang="en-US" sz="2000" i="1" smtClean="0">
-                                  <a:latin typeface="Cambria Math" charset="0"/>
-                                  <a:ea typeface="Cambria Math" charset="0"/>
-                                  <a:cs typeface="Cambria Math" charset="0"/>
-                                </a:rPr>
-                                <m:t>±</m:t>
-                              </m:r>
-                            </m:oMath>
-                          </a14:m>
-                          <a:r>
-                            <a:rPr lang="en-US" sz="2000" dirty="0" smtClean="0"/>
-                            <a:t> %</a:t>
-                          </a:r>
-                          <a:endParaRPr lang="en-US" sz="2000" dirty="0"/>
-                        </a:p>
-                      </a:txBody>
-                      <a:tcPr/>
-                    </a:tc>
-                    <a:tc>
-                      <a:txBody>
-                        <a:bodyPr/>
-                        <a:lstStyle/>
-                        <a:p>
-                          <a:pPr marL="0" marR="0" indent="0" algn="ctr" defTabSz="914400" rtl="0" eaLnBrk="1" fontAlgn="auto" latinLnBrk="0" hangingPunct="1">
-                            <a:lnSpc>
-                              <a:spcPct val="100000"/>
-                            </a:lnSpc>
-                            <a:spcBef>
-                              <a:spcPts val="0"/>
-                            </a:spcBef>
-                            <a:spcAft>
-                              <a:spcPts val="0"/>
-                            </a:spcAft>
-                            <a:buClrTx/>
-                            <a:buSzTx/>
-                            <a:buFontTx/>
-                            <a:buNone/>
-                            <a:tabLst/>
-                            <a:defRPr/>
-                          </a:pPr>
-                          <a:r>
-                            <a:rPr lang="en-US" sz="2000" dirty="0" smtClean="0"/>
-                            <a:t>Monica</a:t>
-                          </a:r>
-                          <a:endParaRPr lang="en-US" sz="2000" dirty="0"/>
-                        </a:p>
-                      </a:txBody>
-                      <a:tcPr/>
-                    </a:tc>
-                    <a:tc>
-                      <a:txBody>
-                        <a:bodyPr/>
-                        <a:lstStyle/>
-                        <a:p>
-                          <a:pPr marL="0" marR="0" indent="0" algn="ctr" defTabSz="914400" rtl="0" eaLnBrk="1" fontAlgn="auto" latinLnBrk="0" hangingPunct="1">
-                            <a:lnSpc>
-                              <a:spcPct val="100000"/>
-                            </a:lnSpc>
-                            <a:spcBef>
-                              <a:spcPts val="0"/>
-                            </a:spcBef>
-                            <a:spcAft>
-                              <a:spcPts val="0"/>
-                            </a:spcAft>
-                            <a:buClrTx/>
-                            <a:buSzTx/>
-                            <a:buFontTx/>
-                            <a:buNone/>
-                            <a:tabLst/>
-                            <a:defRPr/>
-                          </a:pPr>
-                          <a:r>
-                            <a:rPr lang="en-US" sz="2000" dirty="0" smtClean="0">
-                              <a:ea typeface="Cambria Math" charset="0"/>
-                              <a:cs typeface="Cambria Math" charset="0"/>
-                            </a:rPr>
-                            <a:t>81.14%</a:t>
-                          </a:r>
-                          <a:r>
-                            <a:rPr lang="en-US" sz="2000" baseline="0" dirty="0" smtClean="0">
-                              <a:ea typeface="Cambria Math" charset="0"/>
-                              <a:cs typeface="Cambria Math" charset="0"/>
-                            </a:rPr>
-                            <a:t> </a:t>
-                          </a:r>
-                          <a14:m>
-                            <m:oMath xmlns:m="http://schemas.openxmlformats.org/officeDocument/2006/math">
-                              <m:r>
-                                <a:rPr lang="en-US" sz="2000" i="1" smtClean="0">
-                                  <a:latin typeface="Cambria Math" charset="0"/>
-                                  <a:ea typeface="Cambria Math" charset="0"/>
-                                  <a:cs typeface="Cambria Math" charset="0"/>
-                                </a:rPr>
-                                <m:t>±</m:t>
-                              </m:r>
-                            </m:oMath>
-                          </a14:m>
-                          <a:r>
-                            <a:rPr lang="en-US" sz="2000" dirty="0" smtClean="0"/>
-                            <a:t> %</a:t>
-                          </a:r>
-                          <a:endParaRPr lang="en-US" sz="2000" dirty="0"/>
-                        </a:p>
-                      </a:txBody>
-                      <a:tcPr/>
-                    </a:tc>
-                  </a:tr>
-                  <a:tr h="370840">
-                    <a:tc>
-                      <a:txBody>
-                        <a:bodyPr/>
-                        <a:lstStyle/>
-                        <a:p>
-                          <a:r>
-                            <a:rPr lang="en-US" sz="2000" dirty="0" err="1" smtClean="0"/>
-                            <a:t>Shelina</a:t>
-                          </a:r>
-                          <a:endParaRPr lang="en-US" sz="2000" dirty="0"/>
-                        </a:p>
-                      </a:txBody>
-                      <a:tcPr/>
-                    </a:tc>
-                    <a:tc>
-                      <a:txBody>
-                        <a:bodyPr/>
-                        <a:lstStyle/>
-                        <a:p>
-                          <a:pPr marL="0" marR="0" indent="0" algn="ctr" defTabSz="914400" rtl="0" eaLnBrk="1" fontAlgn="auto" latinLnBrk="0" hangingPunct="1">
-                            <a:lnSpc>
-                              <a:spcPct val="100000"/>
-                            </a:lnSpc>
-                            <a:spcBef>
-                              <a:spcPts val="0"/>
-                            </a:spcBef>
-                            <a:spcAft>
-                              <a:spcPts val="0"/>
-                            </a:spcAft>
-                            <a:buClrTx/>
-                            <a:buSzTx/>
-                            <a:buFontTx/>
-                            <a:buNone/>
-                            <a:tabLst/>
-                            <a:defRPr/>
-                          </a:pPr>
-                          <a:r>
-                            <a:rPr lang="en-US" sz="2000" dirty="0" smtClean="0">
-                              <a:ea typeface="Cambria Math" charset="0"/>
-                              <a:cs typeface="Cambria Math" charset="0"/>
-                            </a:rPr>
-                            <a:t>74.19%</a:t>
-                          </a:r>
-                          <a:r>
-                            <a:rPr lang="en-US" sz="2000" baseline="0" dirty="0" smtClean="0">
-                              <a:ea typeface="Cambria Math" charset="0"/>
-                              <a:cs typeface="Cambria Math" charset="0"/>
-                            </a:rPr>
-                            <a:t> </a:t>
-                          </a:r>
-                          <a14:m>
-                            <m:oMath xmlns:m="http://schemas.openxmlformats.org/officeDocument/2006/math">
-                              <m:r>
-                                <a:rPr lang="en-US" sz="2000" i="1" smtClean="0">
-                                  <a:latin typeface="Cambria Math" charset="0"/>
-                                  <a:ea typeface="Cambria Math" charset="0"/>
-                                  <a:cs typeface="Cambria Math" charset="0"/>
-                                </a:rPr>
-                                <m:t>±</m:t>
-                              </m:r>
-                            </m:oMath>
-                          </a14:m>
-                          <a:r>
-                            <a:rPr lang="en-US" sz="2000" dirty="0" smtClean="0"/>
-                            <a:t> %</a:t>
-                          </a:r>
-                          <a:endParaRPr lang="en-US" sz="2000" dirty="0"/>
-                        </a:p>
-                      </a:txBody>
-                      <a:tcPr/>
-                    </a:tc>
-                    <a:tc>
-                      <a:txBody>
-                        <a:bodyPr/>
-                        <a:lstStyle/>
-                        <a:p>
-                          <a:pPr algn="ctr"/>
-                          <a:r>
-                            <a:rPr lang="en-US" sz="2000" dirty="0" smtClean="0"/>
-                            <a:t>Inge</a:t>
-                          </a:r>
-                          <a:endParaRPr lang="en-US" sz="2000" dirty="0"/>
-                        </a:p>
-                      </a:txBody>
-                      <a:tcPr/>
-                    </a:tc>
-                    <a:tc>
-                      <a:txBody>
-                        <a:bodyPr/>
-                        <a:lstStyle/>
-                        <a:p>
-                          <a:pPr marL="0" marR="0" indent="0" algn="ctr" defTabSz="914400" rtl="0" eaLnBrk="1" fontAlgn="auto" latinLnBrk="0" hangingPunct="1">
-                            <a:lnSpc>
-                              <a:spcPct val="100000"/>
-                            </a:lnSpc>
-                            <a:spcBef>
-                              <a:spcPts val="0"/>
-                            </a:spcBef>
-                            <a:spcAft>
-                              <a:spcPts val="0"/>
-                            </a:spcAft>
-                            <a:buClrTx/>
-                            <a:buSzTx/>
-                            <a:buFontTx/>
-                            <a:buNone/>
-                            <a:tabLst/>
-                            <a:defRPr/>
-                          </a:pPr>
-                          <a:r>
-                            <a:rPr lang="en-US" sz="2000" dirty="0" smtClean="0">
-                              <a:ea typeface="Cambria Math" charset="0"/>
-                              <a:cs typeface="Cambria Math" charset="0"/>
-                            </a:rPr>
-                            <a:t>71.22%</a:t>
-                          </a:r>
-                          <a:r>
-                            <a:rPr lang="en-US" sz="2000" baseline="0" dirty="0" smtClean="0">
-                              <a:ea typeface="Cambria Math" charset="0"/>
-                              <a:cs typeface="Cambria Math" charset="0"/>
-                            </a:rPr>
-                            <a:t> </a:t>
-                          </a:r>
-                          <a14:m>
-                            <m:oMath xmlns:m="http://schemas.openxmlformats.org/officeDocument/2006/math">
-                              <m:r>
-                                <a:rPr lang="en-US" sz="2000" i="1" smtClean="0">
-                                  <a:latin typeface="Cambria Math" charset="0"/>
-                                  <a:ea typeface="Cambria Math" charset="0"/>
-                                  <a:cs typeface="Cambria Math" charset="0"/>
-                                </a:rPr>
-                                <m:t>±</m:t>
-                              </m:r>
-                            </m:oMath>
-                          </a14:m>
-                          <a:r>
-                            <a:rPr lang="en-US" sz="2000" dirty="0" smtClean="0"/>
-                            <a:t> %</a:t>
-                          </a:r>
-                          <a:endParaRPr lang="en-US" sz="2000" dirty="0"/>
-                        </a:p>
-                      </a:txBody>
-                      <a:tcPr/>
-                    </a:tc>
-                  </a:tr>
-                  <a:tr h="370840">
-                    <a:tc>
-                      <a:txBody>
-                        <a:bodyPr/>
-                        <a:lstStyle/>
-                        <a:p>
-                          <a:r>
-                            <a:rPr lang="en-US" sz="2000" dirty="0" err="1" smtClean="0"/>
-                            <a:t>Mellita</a:t>
-                          </a:r>
-                          <a:endParaRPr lang="en-US" sz="2000" dirty="0"/>
-                        </a:p>
-                      </a:txBody>
-                      <a:tcPr/>
-                    </a:tc>
-                    <a:tc>
-                      <a:txBody>
-                        <a:bodyPr/>
-                        <a:lstStyle/>
-                        <a:p>
-                          <a:pPr marL="0" marR="0" indent="0" algn="ctr" defTabSz="914400" rtl="0" eaLnBrk="1" fontAlgn="auto" latinLnBrk="0" hangingPunct="1">
-                            <a:lnSpc>
-                              <a:spcPct val="100000"/>
-                            </a:lnSpc>
-                            <a:spcBef>
-                              <a:spcPts val="0"/>
-                            </a:spcBef>
-                            <a:spcAft>
-                              <a:spcPts val="0"/>
-                            </a:spcAft>
-                            <a:buClrTx/>
-                            <a:buSzTx/>
-                            <a:buFontTx/>
-                            <a:buNone/>
-                            <a:tabLst/>
-                            <a:defRPr/>
-                          </a:pPr>
-                          <a:r>
-                            <a:rPr lang="en-US" sz="2000" dirty="0" smtClean="0">
-                              <a:ea typeface="Cambria Math" charset="0"/>
-                              <a:cs typeface="Cambria Math" charset="0"/>
-                            </a:rPr>
-                            <a:t>79.30%</a:t>
-                          </a:r>
-                          <a:r>
-                            <a:rPr lang="en-US" sz="2000" baseline="0" dirty="0" smtClean="0">
-                              <a:ea typeface="Cambria Math" charset="0"/>
-                              <a:cs typeface="Cambria Math" charset="0"/>
-                            </a:rPr>
-                            <a:t> </a:t>
-                          </a:r>
-                          <a14:m>
-                            <m:oMath xmlns:m="http://schemas.openxmlformats.org/officeDocument/2006/math">
-                              <m:r>
-                                <a:rPr lang="en-US" sz="2000" i="1" smtClean="0">
-                                  <a:latin typeface="Cambria Math" charset="0"/>
-                                  <a:ea typeface="Cambria Math" charset="0"/>
-                                  <a:cs typeface="Cambria Math" charset="0"/>
-                                </a:rPr>
-                                <m:t>±</m:t>
-                              </m:r>
-                            </m:oMath>
-                          </a14:m>
-                          <a:r>
-                            <a:rPr lang="en-US" sz="2000" dirty="0" smtClean="0"/>
-                            <a:t> %</a:t>
-                          </a:r>
-                          <a:endParaRPr lang="en-US" sz="2000" dirty="0"/>
-                        </a:p>
-                      </a:txBody>
-                      <a:tcPr/>
-                    </a:tc>
-                    <a:tc>
-                      <a:txBody>
-                        <a:bodyPr/>
-                        <a:lstStyle/>
-                        <a:p>
-                          <a:pPr algn="ctr"/>
-                          <a:r>
-                            <a:rPr lang="en-US" sz="2000" dirty="0" err="1" smtClean="0"/>
-                            <a:t>Andri</a:t>
-                          </a:r>
-                          <a:endParaRPr lang="en-US" sz="2000" dirty="0"/>
-                        </a:p>
-                      </a:txBody>
-                      <a:tcPr/>
-                    </a:tc>
-                    <a:tc>
-                      <a:txBody>
-                        <a:bodyPr/>
-                        <a:lstStyle/>
-                        <a:p>
-                          <a:pPr marL="0" marR="0" indent="0" algn="ctr" defTabSz="914400" rtl="0" eaLnBrk="1" fontAlgn="auto" latinLnBrk="0" hangingPunct="1">
-                            <a:lnSpc>
-                              <a:spcPct val="100000"/>
-                            </a:lnSpc>
-                            <a:spcBef>
-                              <a:spcPts val="0"/>
-                            </a:spcBef>
-                            <a:spcAft>
-                              <a:spcPts val="0"/>
-                            </a:spcAft>
-                            <a:buClrTx/>
-                            <a:buSzTx/>
-                            <a:buFontTx/>
-                            <a:buNone/>
-                            <a:tabLst/>
-                            <a:defRPr/>
-                          </a:pPr>
-                          <a:r>
-                            <a:rPr lang="en-US" sz="2000" dirty="0" smtClean="0">
-                              <a:ea typeface="Cambria Math" charset="0"/>
-                              <a:cs typeface="Cambria Math" charset="0"/>
-                            </a:rPr>
-                            <a:t>70.00%</a:t>
-                          </a:r>
-                          <a:r>
-                            <a:rPr lang="en-US" sz="2000" baseline="0" dirty="0" smtClean="0">
-                              <a:ea typeface="Cambria Math" charset="0"/>
-                              <a:cs typeface="Cambria Math" charset="0"/>
-                            </a:rPr>
-                            <a:t> </a:t>
-                          </a:r>
-                          <a14:m>
-                            <m:oMath xmlns:m="http://schemas.openxmlformats.org/officeDocument/2006/math">
-                              <m:r>
-                                <a:rPr lang="en-US" sz="2000" i="1" smtClean="0">
-                                  <a:latin typeface="Cambria Math" charset="0"/>
-                                  <a:ea typeface="Cambria Math" charset="0"/>
-                                  <a:cs typeface="Cambria Math" charset="0"/>
-                                </a:rPr>
-                                <m:t>±</m:t>
-                              </m:r>
-                            </m:oMath>
-                          </a14:m>
-                          <a:r>
-                            <a:rPr lang="en-US" sz="2000" dirty="0" smtClean="0"/>
-                            <a:t> %</a:t>
-                          </a:r>
-                          <a:endParaRPr lang="en-US" sz="2000" dirty="0"/>
-                        </a:p>
-                      </a:txBody>
-                      <a:tcPr/>
-                    </a:tc>
-                  </a:tr>
-                  <a:tr h="370840">
-                    <a:tc>
-                      <a:txBody>
-                        <a:bodyPr/>
-                        <a:lstStyle/>
-                        <a:p>
-                          <a:r>
-                            <a:rPr lang="en-US" sz="2000" dirty="0" smtClean="0"/>
-                            <a:t>Nikolas</a:t>
-                          </a:r>
-                          <a:endParaRPr lang="en-US" sz="2000" dirty="0"/>
-                        </a:p>
-                      </a:txBody>
-                      <a:tcPr/>
-                    </a:tc>
-                    <a:tc>
-                      <a:txBody>
-                        <a:bodyPr/>
-                        <a:lstStyle/>
-                        <a:p>
-                          <a:pPr marL="0" marR="0" indent="0" algn="ctr" defTabSz="914400" rtl="0" eaLnBrk="1" fontAlgn="auto" latinLnBrk="0" hangingPunct="1">
-                            <a:lnSpc>
-                              <a:spcPct val="100000"/>
-                            </a:lnSpc>
-                            <a:spcBef>
-                              <a:spcPts val="0"/>
-                            </a:spcBef>
-                            <a:spcAft>
-                              <a:spcPts val="0"/>
-                            </a:spcAft>
-                            <a:buClrTx/>
-                            <a:buSzTx/>
-                            <a:buFontTx/>
-                            <a:buNone/>
-                            <a:tabLst/>
-                            <a:defRPr/>
-                          </a:pPr>
-                          <a:r>
-                            <a:rPr lang="en-US" sz="2000" dirty="0" smtClean="0">
-                              <a:ea typeface="Cambria Math" charset="0"/>
-                              <a:cs typeface="Cambria Math" charset="0"/>
-                            </a:rPr>
-                            <a:t>83.79%</a:t>
-                          </a:r>
-                          <a:r>
-                            <a:rPr lang="en-US" sz="2000" baseline="0" dirty="0" smtClean="0">
-                              <a:ea typeface="Cambria Math" charset="0"/>
-                              <a:cs typeface="Cambria Math" charset="0"/>
-                            </a:rPr>
-                            <a:t> </a:t>
-                          </a:r>
-                          <a14:m>
-                            <m:oMath xmlns:m="http://schemas.openxmlformats.org/officeDocument/2006/math">
-                              <m:r>
-                                <a:rPr lang="en-US" sz="2000" i="1" smtClean="0">
-                                  <a:latin typeface="Cambria Math" charset="0"/>
-                                  <a:ea typeface="Cambria Math" charset="0"/>
-                                  <a:cs typeface="Cambria Math" charset="0"/>
-                                </a:rPr>
-                                <m:t>±</m:t>
-                              </m:r>
-                            </m:oMath>
-                          </a14:m>
-                          <a:r>
-                            <a:rPr lang="en-US" sz="2000" dirty="0" smtClean="0"/>
-                            <a:t> %</a:t>
-                          </a:r>
-                          <a:endParaRPr lang="en-US" sz="2000" dirty="0"/>
-                        </a:p>
-                      </a:txBody>
-                      <a:tcPr/>
-                    </a:tc>
-                    <a:tc>
-                      <a:txBody>
-                        <a:bodyPr/>
-                        <a:lstStyle/>
-                        <a:p>
-                          <a:pPr algn="ctr"/>
-                          <a:r>
-                            <a:rPr lang="en-US" sz="2000" dirty="0" err="1" smtClean="0"/>
-                            <a:t>Arianto</a:t>
-                          </a:r>
-                          <a:endParaRPr lang="en-US" sz="2000" dirty="0"/>
-                        </a:p>
-                      </a:txBody>
-                      <a:tcPr/>
-                    </a:tc>
-                    <a:tc>
-                      <a:txBody>
-                        <a:bodyPr/>
-                        <a:lstStyle/>
-                        <a:p>
-                          <a:pPr marL="0" marR="0" indent="0" algn="ctr" defTabSz="914400" rtl="0" eaLnBrk="1" fontAlgn="auto" latinLnBrk="0" hangingPunct="1">
-                            <a:lnSpc>
-                              <a:spcPct val="100000"/>
-                            </a:lnSpc>
-                            <a:spcBef>
-                              <a:spcPts val="0"/>
-                            </a:spcBef>
-                            <a:spcAft>
-                              <a:spcPts val="0"/>
-                            </a:spcAft>
-                            <a:buClrTx/>
-                            <a:buSzTx/>
-                            <a:buFontTx/>
-                            <a:buNone/>
-                            <a:tabLst/>
-                            <a:defRPr/>
-                          </a:pPr>
-                          <a:r>
-                            <a:rPr lang="en-US" sz="2000" dirty="0" smtClean="0">
-                              <a:ea typeface="Cambria Math" charset="0"/>
-                              <a:cs typeface="Cambria Math" charset="0"/>
-                            </a:rPr>
-                            <a:t>70.24%</a:t>
-                          </a:r>
-                          <a:r>
-                            <a:rPr lang="en-US" sz="2000" baseline="0" dirty="0" smtClean="0">
-                              <a:ea typeface="Cambria Math" charset="0"/>
-                              <a:cs typeface="Cambria Math" charset="0"/>
-                            </a:rPr>
-                            <a:t> </a:t>
-                          </a:r>
-                          <a14:m>
-                            <m:oMath xmlns:m="http://schemas.openxmlformats.org/officeDocument/2006/math">
-                              <m:r>
-                                <a:rPr lang="en-US" sz="2000" i="1" smtClean="0">
-                                  <a:latin typeface="Cambria Math" charset="0"/>
-                                  <a:ea typeface="Cambria Math" charset="0"/>
-                                  <a:cs typeface="Cambria Math" charset="0"/>
-                                </a:rPr>
-                                <m:t>±</m:t>
-                              </m:r>
-                            </m:oMath>
-                          </a14:m>
-                          <a:r>
-                            <a:rPr lang="en-US" sz="2000" dirty="0" smtClean="0"/>
-                            <a:t> %</a:t>
-                          </a:r>
-                          <a:endParaRPr lang="en-US" sz="2000" dirty="0"/>
-                        </a:p>
-                      </a:txBody>
-                      <a:tcPr/>
-                    </a:tc>
-                  </a:tr>
-                  <a:tr h="370840">
-                    <a:tc>
-                      <a:txBody>
-                        <a:bodyPr/>
-                        <a:lstStyle/>
-                        <a:p>
-                          <a:r>
-                            <a:rPr lang="en-US" sz="2000" dirty="0" smtClean="0"/>
-                            <a:t>Samuel</a:t>
-                          </a:r>
-                          <a:endParaRPr lang="en-US" sz="2000" dirty="0"/>
-                        </a:p>
-                      </a:txBody>
-                      <a:tcPr/>
-                    </a:tc>
-                    <a:tc>
-                      <a:txBody>
-                        <a:bodyPr/>
-                        <a:lstStyle/>
-                        <a:p>
-                          <a:pPr marL="0" marR="0" indent="0" algn="ctr" defTabSz="914400" rtl="0" eaLnBrk="1" fontAlgn="auto" latinLnBrk="0" hangingPunct="1">
-                            <a:lnSpc>
-                              <a:spcPct val="100000"/>
-                            </a:lnSpc>
-                            <a:spcBef>
-                              <a:spcPts val="0"/>
-                            </a:spcBef>
-                            <a:spcAft>
-                              <a:spcPts val="0"/>
-                            </a:spcAft>
-                            <a:buClrTx/>
-                            <a:buSzTx/>
-                            <a:buFontTx/>
-                            <a:buNone/>
-                            <a:tabLst/>
-                            <a:defRPr/>
-                          </a:pPr>
-                          <a:r>
-                            <a:rPr lang="en-US" sz="2000" dirty="0" smtClean="0">
-                              <a:ea typeface="Cambria Math" charset="0"/>
-                              <a:cs typeface="Cambria Math" charset="0"/>
-                            </a:rPr>
-                            <a:t>87.67%</a:t>
-                          </a:r>
-                          <a:r>
-                            <a:rPr lang="en-US" sz="2000" baseline="0" dirty="0" smtClean="0">
-                              <a:ea typeface="Cambria Math" charset="0"/>
-                              <a:cs typeface="Cambria Math" charset="0"/>
-                            </a:rPr>
-                            <a:t> </a:t>
-                          </a:r>
-                          <a14:m>
-                            <m:oMath xmlns:m="http://schemas.openxmlformats.org/officeDocument/2006/math">
-                              <m:r>
-                                <a:rPr lang="en-US" sz="2000" i="1" smtClean="0">
-                                  <a:latin typeface="Cambria Math" charset="0"/>
-                                  <a:ea typeface="Cambria Math" charset="0"/>
-                                  <a:cs typeface="Cambria Math" charset="0"/>
-                                </a:rPr>
-                                <m:t>±</m:t>
-                              </m:r>
-                            </m:oMath>
-                          </a14:m>
-                          <a:r>
-                            <a:rPr lang="en-US" sz="2000" dirty="0" smtClean="0"/>
-                            <a:t> %</a:t>
-                          </a:r>
-                          <a:endParaRPr lang="en-US" sz="2000" dirty="0"/>
-                        </a:p>
-                      </a:txBody>
-                      <a:tcPr/>
-                    </a:tc>
-                    <a:tc>
-                      <a:txBody>
-                        <a:bodyPr/>
-                        <a:lstStyle/>
-                        <a:p>
-                          <a:pPr algn="ctr"/>
-                          <a:r>
-                            <a:rPr lang="en-US" sz="2000" dirty="0" err="1" smtClean="0"/>
-                            <a:t>Orlin</a:t>
-                          </a:r>
-                          <a:endParaRPr lang="en-US" sz="2000" dirty="0"/>
-                        </a:p>
-                      </a:txBody>
-                      <a:tcPr/>
-                    </a:tc>
-                    <a:tc>
-                      <a:txBody>
-                        <a:bodyPr/>
-                        <a:lstStyle/>
-                        <a:p>
-                          <a:pPr marL="0" marR="0" indent="0" algn="ctr" defTabSz="914400" rtl="0" eaLnBrk="1" fontAlgn="auto" latinLnBrk="0" hangingPunct="1">
-                            <a:lnSpc>
-                              <a:spcPct val="100000"/>
-                            </a:lnSpc>
-                            <a:spcBef>
-                              <a:spcPts val="0"/>
-                            </a:spcBef>
-                            <a:spcAft>
-                              <a:spcPts val="0"/>
-                            </a:spcAft>
-                            <a:buClrTx/>
-                            <a:buSzTx/>
-                            <a:buFontTx/>
-                            <a:buNone/>
-                            <a:tabLst/>
-                            <a:defRPr/>
-                          </a:pPr>
-                          <a:r>
-                            <a:rPr lang="en-US" sz="2000" dirty="0" smtClean="0">
-                              <a:ea typeface="Cambria Math" charset="0"/>
-                              <a:cs typeface="Cambria Math" charset="0"/>
-                            </a:rPr>
-                            <a:t>75.76%</a:t>
-                          </a:r>
-                          <a:r>
-                            <a:rPr lang="en-US" sz="2000" baseline="0" dirty="0" smtClean="0">
-                              <a:ea typeface="Cambria Math" charset="0"/>
-                              <a:cs typeface="Cambria Math" charset="0"/>
-                            </a:rPr>
-                            <a:t> </a:t>
-                          </a:r>
-                          <a14:m>
-                            <m:oMath xmlns:m="http://schemas.openxmlformats.org/officeDocument/2006/math">
-                              <m:r>
-                                <a:rPr lang="en-US" sz="2000" i="1" smtClean="0">
-                                  <a:latin typeface="Cambria Math" charset="0"/>
-                                  <a:ea typeface="Cambria Math" charset="0"/>
-                                  <a:cs typeface="Cambria Math" charset="0"/>
-                                </a:rPr>
-                                <m:t>±</m:t>
-                              </m:r>
-                            </m:oMath>
-                          </a14:m>
-                          <a:r>
-                            <a:rPr lang="en-US" sz="2000" dirty="0" smtClean="0"/>
-                            <a:t> %</a:t>
-                          </a:r>
-                          <a:endParaRPr lang="en-US" sz="2000" dirty="0"/>
-                        </a:p>
-                      </a:txBody>
-                      <a:tcPr/>
-                    </a:tc>
-                  </a:tr>
-                  <a:tr h="370840">
-                    <a:tc>
-                      <a:txBody>
-                        <a:bodyPr/>
-                        <a:lstStyle/>
-                        <a:p>
-                          <a:r>
-                            <a:rPr lang="en-US" sz="2000" dirty="0" smtClean="0"/>
-                            <a:t>Elmo</a:t>
-                          </a:r>
-                          <a:endParaRPr lang="en-US" sz="2000" dirty="0"/>
-                        </a:p>
-                      </a:txBody>
-                      <a:tcPr/>
-                    </a:tc>
-                    <a:tc>
-                      <a:txBody>
-                        <a:bodyPr/>
-                        <a:lstStyle/>
-                        <a:p>
-                          <a:pPr marL="0" marR="0" indent="0" algn="ctr" defTabSz="914400" rtl="0" eaLnBrk="1" fontAlgn="auto" latinLnBrk="0" hangingPunct="1">
-                            <a:lnSpc>
-                              <a:spcPct val="100000"/>
-                            </a:lnSpc>
-                            <a:spcBef>
-                              <a:spcPts val="0"/>
-                            </a:spcBef>
-                            <a:spcAft>
-                              <a:spcPts val="0"/>
-                            </a:spcAft>
-                            <a:buClrTx/>
-                            <a:buSzTx/>
-                            <a:buFontTx/>
-                            <a:buNone/>
-                            <a:tabLst/>
-                            <a:defRPr/>
-                          </a:pPr>
-                          <a:r>
-                            <a:rPr lang="en-US" sz="2000" dirty="0" smtClean="0">
-                              <a:ea typeface="Cambria Math" charset="0"/>
-                              <a:cs typeface="Cambria Math" charset="0"/>
-                            </a:rPr>
-                            <a:t>76.31%</a:t>
-                          </a:r>
-                          <a:r>
-                            <a:rPr lang="en-US" sz="2000" baseline="0" dirty="0" smtClean="0">
-                              <a:ea typeface="Cambria Math" charset="0"/>
-                              <a:cs typeface="Cambria Math" charset="0"/>
-                            </a:rPr>
-                            <a:t> </a:t>
-                          </a:r>
-                          <a14:m>
-                            <m:oMath xmlns:m="http://schemas.openxmlformats.org/officeDocument/2006/math">
-                              <m:r>
-                                <a:rPr lang="en-US" sz="2000" i="1" smtClean="0">
-                                  <a:latin typeface="Cambria Math" charset="0"/>
-                                  <a:ea typeface="Cambria Math" charset="0"/>
-                                  <a:cs typeface="Cambria Math" charset="0"/>
-                                </a:rPr>
-                                <m:t>±</m:t>
-                              </m:r>
-                            </m:oMath>
-                          </a14:m>
-                          <a:r>
-                            <a:rPr lang="en-US" sz="2000" dirty="0" smtClean="0"/>
-                            <a:t> %</a:t>
-                          </a:r>
-                          <a:endParaRPr lang="en-US" sz="2000" dirty="0"/>
-                        </a:p>
-                      </a:txBody>
-                      <a:tcPr/>
-                    </a:tc>
-                    <a:tc>
-                      <a:txBody>
-                        <a:bodyPr/>
-                        <a:lstStyle/>
-                        <a:p>
-                          <a:pPr algn="ctr"/>
-                          <a:endParaRPr lang="en-US" sz="2000" dirty="0"/>
-                        </a:p>
-                      </a:txBody>
-                      <a:tcPr/>
-                    </a:tc>
-                    <a:tc>
-                      <a:txBody>
-                        <a:bodyPr/>
-                        <a:lstStyle/>
-                        <a:p>
-                          <a:pPr marL="0" marR="0" indent="0" algn="ctr" defTabSz="914400" rtl="0" eaLnBrk="1" fontAlgn="auto" latinLnBrk="0" hangingPunct="1">
-                            <a:lnSpc>
-                              <a:spcPct val="100000"/>
-                            </a:lnSpc>
-                            <a:spcBef>
-                              <a:spcPts val="0"/>
-                            </a:spcBef>
-                            <a:spcAft>
-                              <a:spcPts val="0"/>
-                            </a:spcAft>
-                            <a:buClrTx/>
-                            <a:buSzTx/>
-                            <a:buFontTx/>
-                            <a:buNone/>
-                            <a:tabLst/>
-                            <a:defRPr/>
-                          </a:pPr>
-                          <a:endParaRPr lang="en-US" sz="2000" dirty="0"/>
-                        </a:p>
-                      </a:txBody>
-                      <a:tcPr/>
-                    </a:tc>
-                  </a:tr>
-                  <a:tr h="370840">
-                    <a:tc>
-                      <a:txBody>
-                        <a:bodyPr/>
-                        <a:lstStyle/>
-                        <a:p>
-                          <a:r>
-                            <a:rPr lang="en-US" sz="2000" b="1" dirty="0" smtClean="0"/>
-                            <a:t>Average</a:t>
-                          </a:r>
-                          <a:endParaRPr lang="en-US" sz="2000" b="1" dirty="0"/>
-                        </a:p>
-                      </a:txBody>
-                      <a:tcPr/>
-                    </a:tc>
-                    <a:tc gridSpan="3">
-                      <a:txBody>
-                        <a:bodyPr/>
-                        <a:lstStyle/>
-                        <a:p>
-                          <a:pPr algn="ctr"/>
-                          <a:r>
-                            <a:rPr lang="en-US" sz="2000" dirty="0" smtClean="0"/>
-                            <a:t>%</a:t>
-                          </a:r>
-                          <a:endParaRPr lang="en-US" sz="2000" dirty="0"/>
-                        </a:p>
-                      </a:txBody>
-                      <a:tcPr/>
-                    </a:tc>
-                    <a:tc hMerge="1">
-                      <a:txBody>
-                        <a:bodyPr/>
-                        <a:lstStyle/>
-                        <a:p>
-                          <a:pPr algn="ctr"/>
-                          <a:endParaRPr lang="en-US" sz="2000" dirty="0"/>
-                        </a:p>
-                      </a:txBody>
-                      <a:tcPr/>
-                    </a:tc>
-                    <a:tc hMerge="1">
-                      <a:txBody>
-                        <a:bodyPr/>
-                        <a:lstStyle/>
-                        <a:p>
-                          <a:pPr algn="ctr"/>
-                          <a:endParaRPr lang="en-US" sz="2000" dirty="0"/>
-                        </a:p>
-                      </a:txBody>
-                      <a:tcPr/>
-                    </a:tc>
-                  </a:tr>
-                </a:tbl>
-              </a:graphicData>
-            </a:graphic>
-          </p:graphicFrame>
-        </mc:Choice>
-        <mc:Fallback xmlns="">
-          <p:graphicFrame>
-            <p:nvGraphicFramePr>
-              <p:cNvPr id="6" name="Table 5"/>
-              <p:cNvGraphicFramePr>
-                <a:graphicFrameLocks noGrp="1"/>
-              </p:cNvGraphicFramePr>
-              <p:nvPr>
-                <p:extLst>
-                  <p:ext uri="{D42A27DB-BD31-4B8C-83A1-F6EECF244321}">
-                    <p14:modId xmlns:p14="http://schemas.microsoft.com/office/powerpoint/2010/main" val="2030026090"/>
+                    <p14:modId xmlns:p14="http://schemas.microsoft.com/office/powerpoint/2010/main" val="1779586001"/>
                   </p:ext>
                 </p:extLst>
               </p:nvPr>
@@ -38135,7 +36256,7 @@
 </p:sld>
 </file>
 
-<file path=ppt/slides/slide38.xml><?xml version="1.0" encoding="utf-8"?>
+<file path=ppt/slides/slide37.xml><?xml version="1.0" encoding="utf-8"?>
 <p:sld xmlns:a="http://schemas.openxmlformats.org/drawingml/2006/main" xmlns:r="http://schemas.openxmlformats.org/officeDocument/2006/relationships" xmlns:p="http://schemas.openxmlformats.org/presentationml/2006/main">
   <p:cSld>
     <p:spTree>
@@ -38207,7 +36328,7 @@
 </p:sld>
 </file>
 
-<file path=ppt/slides/slide39.xml><?xml version="1.0" encoding="utf-8"?>
+<file path=ppt/slides/slide38.xml><?xml version="1.0" encoding="utf-8"?>
 <p:sld xmlns:a="http://schemas.openxmlformats.org/drawingml/2006/main" xmlns:r="http://schemas.openxmlformats.org/officeDocument/2006/relationships" xmlns:p="http://schemas.openxmlformats.org/presentationml/2006/main">
   <p:cSld>
     <p:spTree>
@@ -40142,79 +38263,7 @@
 </p:sld>
 </file>
 
-<file path=ppt/slides/slide4.xml><?xml version="1.0" encoding="utf-8"?>
-<p:sld xmlns:a="http://schemas.openxmlformats.org/drawingml/2006/main" xmlns:r="http://schemas.openxmlformats.org/officeDocument/2006/relationships" xmlns:p="http://schemas.openxmlformats.org/presentationml/2006/main">
-  <p:cSld>
-    <p:spTree>
-      <p:nvGrpSpPr>
-        <p:cNvPr id="1" name=""/>
-        <p:cNvGrpSpPr/>
-        <p:nvPr/>
-      </p:nvGrpSpPr>
-      <p:grpSpPr>
-        <a:xfrm>
-          <a:off x="0" y="0"/>
-          <a:ext cx="0" cy="0"/>
-          <a:chOff x="0" y="0"/>
-          <a:chExt cx="0" cy="0"/>
-        </a:xfrm>
-      </p:grpSpPr>
-      <p:sp>
-        <p:nvSpPr>
-          <p:cNvPr id="4" name="Title 3"/>
-          <p:cNvSpPr>
-            <a:spLocks noGrp="1"/>
-          </p:cNvSpPr>
-          <p:nvPr>
-            <p:ph type="ctrTitle"/>
-          </p:nvPr>
-        </p:nvSpPr>
-        <p:spPr/>
-        <p:txBody>
-          <a:bodyPr/>
-          <a:lstStyle/>
-          <a:p>
-            <a:r>
-              <a:rPr lang="en-US" b="1" dirty="0" smtClean="0"/>
-              <a:t>Baseline Results</a:t>
-            </a:r>
-            <a:endParaRPr lang="en-US" b="1" dirty="0"/>
-          </a:p>
-        </p:txBody>
-      </p:sp>
-      <p:sp>
-        <p:nvSpPr>
-          <p:cNvPr id="5" name="Subtitle 4"/>
-          <p:cNvSpPr>
-            <a:spLocks noGrp="1"/>
-          </p:cNvSpPr>
-          <p:nvPr>
-            <p:ph type="subTitle" idx="1"/>
-          </p:nvPr>
-        </p:nvSpPr>
-        <p:spPr/>
-        <p:txBody>
-          <a:bodyPr/>
-          <a:lstStyle/>
-          <a:p>
-            <a:endParaRPr lang="en-US"/>
-          </a:p>
-        </p:txBody>
-      </p:sp>
-    </p:spTree>
-    <p:extLst>
-      <p:ext uri="{BB962C8B-B14F-4D97-AF65-F5344CB8AC3E}">
-        <p14:creationId xmlns:p14="http://schemas.microsoft.com/office/powerpoint/2010/main" val="2096314252"/>
-      </p:ext>
-    </p:extLst>
-  </p:cSld>
-  <p:clrMapOvr>
-    <a:masterClrMapping/>
-  </p:clrMapOvr>
-</p:sld>
-</file>
-
-<file path=ppt/slides/slide40.xml><?xml version="1.0" encoding="utf-8"?>
+<file path=ppt/slides/slide39.xml><?xml version="1.0" encoding="utf-8"?>
 <p:sld xmlns:a="http://schemas.openxmlformats.org/drawingml/2006/main" xmlns:r="http://schemas.openxmlformats.org/officeDocument/2006/relationships" xmlns:p="http://schemas.openxmlformats.org/presentationml/2006/main">
   <p:cSld>
     <p:spTree>
@@ -42149,7 +40198,79 @@
 </p:sld>
 </file>
 
-<file path=ppt/slides/slide41.xml><?xml version="1.0" encoding="utf-8"?>
+<file path=ppt/slides/slide4.xml><?xml version="1.0" encoding="utf-8"?>
+<p:sld xmlns:a="http://schemas.openxmlformats.org/drawingml/2006/main" xmlns:r="http://schemas.openxmlformats.org/officeDocument/2006/relationships" xmlns:p="http://schemas.openxmlformats.org/presentationml/2006/main">
+  <p:cSld>
+    <p:spTree>
+      <p:nvGrpSpPr>
+        <p:cNvPr id="1" name=""/>
+        <p:cNvGrpSpPr/>
+        <p:nvPr/>
+      </p:nvGrpSpPr>
+      <p:grpSpPr>
+        <a:xfrm>
+          <a:off x="0" y="0"/>
+          <a:ext cx="0" cy="0"/>
+          <a:chOff x="0" y="0"/>
+          <a:chExt cx="0" cy="0"/>
+        </a:xfrm>
+      </p:grpSpPr>
+      <p:sp>
+        <p:nvSpPr>
+          <p:cNvPr id="4" name="Title 3"/>
+          <p:cNvSpPr>
+            <a:spLocks noGrp="1"/>
+          </p:cNvSpPr>
+          <p:nvPr>
+            <p:ph type="ctrTitle"/>
+          </p:nvPr>
+        </p:nvSpPr>
+        <p:spPr/>
+        <p:txBody>
+          <a:bodyPr/>
+          <a:lstStyle/>
+          <a:p>
+            <a:r>
+              <a:rPr lang="en-US" b="1" dirty="0" smtClean="0"/>
+              <a:t>Baseline Results</a:t>
+            </a:r>
+            <a:endParaRPr lang="en-US" b="1" dirty="0"/>
+          </a:p>
+        </p:txBody>
+      </p:sp>
+      <p:sp>
+        <p:nvSpPr>
+          <p:cNvPr id="5" name="Subtitle 4"/>
+          <p:cNvSpPr>
+            <a:spLocks noGrp="1"/>
+          </p:cNvSpPr>
+          <p:nvPr>
+            <p:ph type="subTitle" idx="1"/>
+          </p:nvPr>
+        </p:nvSpPr>
+        <p:spPr/>
+        <p:txBody>
+          <a:bodyPr/>
+          <a:lstStyle/>
+          <a:p>
+            <a:endParaRPr lang="en-US"/>
+          </a:p>
+        </p:txBody>
+      </p:sp>
+    </p:spTree>
+    <p:extLst>
+      <p:ext uri="{BB962C8B-B14F-4D97-AF65-F5344CB8AC3E}">
+        <p14:creationId xmlns:p14="http://schemas.microsoft.com/office/powerpoint/2010/main" val="2096314252"/>
+      </p:ext>
+    </p:extLst>
+  </p:cSld>
+  <p:clrMapOvr>
+    <a:masterClrMapping/>
+  </p:clrMapOvr>
+</p:sld>
+</file>
+
+<file path=ppt/slides/slide40.xml><?xml version="1.0" encoding="utf-8"?>
 <p:sld xmlns:a="http://schemas.openxmlformats.org/drawingml/2006/main" xmlns:r="http://schemas.openxmlformats.org/officeDocument/2006/relationships" xmlns:p="http://schemas.openxmlformats.org/presentationml/2006/main">
   <p:cSld>
     <p:spTree>
@@ -42350,7 +40471,7 @@
 </p:sld>
 </file>
 
-<file path=ppt/slides/slide42.xml><?xml version="1.0" encoding="utf-8"?>
+<file path=ppt/slides/slide41.xml><?xml version="1.0" encoding="utf-8"?>
 <p:sld xmlns:a="http://schemas.openxmlformats.org/drawingml/2006/main" xmlns:r="http://schemas.openxmlformats.org/officeDocument/2006/relationships" xmlns:p="http://schemas.openxmlformats.org/presentationml/2006/main">
   <p:cSld>
     <p:spTree>

--- a/docs/documents/weekly_meeting/16 Dec 2016.pptx
+++ b/docs/documents/weekly_meeting/16 Dec 2016.pptx
@@ -5,7 +5,7 @@
     <p:sldMasterId id="2147483648" r:id="rId1"/>
   </p:sldMasterIdLst>
   <p:notesMasterIdLst>
-    <p:notesMasterId r:id="rId43"/>
+    <p:notesMasterId r:id="rId40"/>
   </p:notesMasterIdLst>
   <p:sldIdLst>
     <p:sldId id="257" r:id="rId2"/>
@@ -44,11 +44,8 @@
     <p:sldId id="353" r:id="rId35"/>
     <p:sldId id="364" r:id="rId36"/>
     <p:sldId id="362" r:id="rId37"/>
-    <p:sldId id="355" r:id="rId38"/>
-    <p:sldId id="356" r:id="rId39"/>
-    <p:sldId id="357" r:id="rId40"/>
-    <p:sldId id="314" r:id="rId41"/>
-    <p:sldId id="308" r:id="rId42"/>
+    <p:sldId id="314" r:id="rId38"/>
+    <p:sldId id="308" r:id="rId39"/>
   </p:sldIdLst>
   <p:sldSz cx="12192000" cy="6858000"/>
   <p:notesSz cx="6858000" cy="9144000"/>
@@ -232,13 +229,6 @@
             <p14:sldId id="353"/>
             <p14:sldId id="364"/>
             <p14:sldId id="362"/>
-          </p14:sldIdLst>
-        </p14:section>
-        <p14:section name="LOO 12 Persons" id="{2071ED33-8C1F-F04C-93EB-C3B7F9EB5BC7}">
-          <p14:sldIdLst>
-            <p14:sldId id="355"/>
-            <p14:sldId id="356"/>
-            <p14:sldId id="357"/>
           </p14:sldIdLst>
         </p14:section>
         <p14:section name="Other Observations" id="{45460222-505A-AF44-909A-FA773E4BA4D2}">
@@ -35450,14 +35440,14 @@
                             <a:defRPr/>
                           </a:pPr>
                           <a:r>
-                            <a:rPr lang="en-US" sz="2000" smtClean="0">
+                            <a:rPr lang="en-US" sz="2000" dirty="0" smtClean="0">
                               <a:ea typeface="Cambria Math" charset="0"/>
                               <a:cs typeface="Cambria Math" charset="0"/>
                             </a:rPr>
                             <a:t>%</a:t>
                           </a:r>
                           <a:r>
-                            <a:rPr lang="en-US" sz="2000" baseline="0" smtClean="0">
+                            <a:rPr lang="en-US" sz="2000" baseline="0" dirty="0" smtClean="0">
                               <a:ea typeface="Cambria Math" charset="0"/>
                               <a:cs typeface="Cambria Math" charset="0"/>
                             </a:rPr>
@@ -36257,4020 +36247,6 @@
 </file>
 
 <file path=ppt/slides/slide37.xml><?xml version="1.0" encoding="utf-8"?>
-<p:sld xmlns:a="http://schemas.openxmlformats.org/drawingml/2006/main" xmlns:r="http://schemas.openxmlformats.org/officeDocument/2006/relationships" xmlns:p="http://schemas.openxmlformats.org/presentationml/2006/main">
-  <p:cSld>
-    <p:spTree>
-      <p:nvGrpSpPr>
-        <p:cNvPr id="1" name=""/>
-        <p:cNvGrpSpPr/>
-        <p:nvPr/>
-      </p:nvGrpSpPr>
-      <p:grpSpPr>
-        <a:xfrm>
-          <a:off x="0" y="0"/>
-          <a:ext cx="0" cy="0"/>
-          <a:chOff x="0" y="0"/>
-          <a:chExt cx="0" cy="0"/>
-        </a:xfrm>
-      </p:grpSpPr>
-      <p:sp>
-        <p:nvSpPr>
-          <p:cNvPr id="4" name="Title 3"/>
-          <p:cNvSpPr>
-            <a:spLocks noGrp="1"/>
-          </p:cNvSpPr>
-          <p:nvPr>
-            <p:ph type="ctrTitle"/>
-          </p:nvPr>
-        </p:nvSpPr>
-        <p:spPr/>
-        <p:txBody>
-          <a:bodyPr/>
-          <a:lstStyle/>
-          <a:p>
-            <a:r>
-              <a:rPr lang="en-US" b="1" dirty="0" smtClean="0"/>
-              <a:t>LOO 12 PERSONS</a:t>
-            </a:r>
-            <a:endParaRPr lang="en-US" b="1" dirty="0"/>
-          </a:p>
-        </p:txBody>
-      </p:sp>
-      <p:sp>
-        <p:nvSpPr>
-          <p:cNvPr id="5" name="Subtitle 4"/>
-          <p:cNvSpPr>
-            <a:spLocks noGrp="1"/>
-          </p:cNvSpPr>
-          <p:nvPr>
-            <p:ph type="subTitle" idx="1"/>
-          </p:nvPr>
-        </p:nvSpPr>
-        <p:spPr/>
-        <p:txBody>
-          <a:bodyPr/>
-          <a:lstStyle/>
-          <a:p>
-            <a:endParaRPr lang="en-US"/>
-          </a:p>
-        </p:txBody>
-      </p:sp>
-    </p:spTree>
-    <p:extLst>
-      <p:ext uri="{BB962C8B-B14F-4D97-AF65-F5344CB8AC3E}">
-        <p14:creationId xmlns:p14="http://schemas.microsoft.com/office/powerpoint/2010/main" val="1937598516"/>
-      </p:ext>
-    </p:extLst>
-  </p:cSld>
-  <p:clrMapOvr>
-    <a:masterClrMapping/>
-  </p:clrMapOvr>
-</p:sld>
-</file>
-
-<file path=ppt/slides/slide38.xml><?xml version="1.0" encoding="utf-8"?>
-<p:sld xmlns:a="http://schemas.openxmlformats.org/drawingml/2006/main" xmlns:r="http://schemas.openxmlformats.org/officeDocument/2006/relationships" xmlns:p="http://schemas.openxmlformats.org/presentationml/2006/main">
-  <p:cSld>
-    <p:spTree>
-      <p:nvGrpSpPr>
-        <p:cNvPr id="1" name=""/>
-        <p:cNvGrpSpPr/>
-        <p:nvPr/>
-      </p:nvGrpSpPr>
-      <p:grpSpPr>
-        <a:xfrm>
-          <a:off x="0" y="0"/>
-          <a:ext cx="0" cy="0"/>
-          <a:chOff x="0" y="0"/>
-          <a:chExt cx="0" cy="0"/>
-        </a:xfrm>
-      </p:grpSpPr>
-      <p:sp>
-        <p:nvSpPr>
-          <p:cNvPr id="4" name="Title 1"/>
-          <p:cNvSpPr txBox="1">
-            <a:spLocks/>
-          </p:cNvSpPr>
-          <p:nvPr/>
-        </p:nvSpPr>
-        <p:spPr>
-          <a:xfrm>
-            <a:off x="838200" y="365125"/>
-            <a:ext cx="10515600" cy="1325563"/>
-          </a:xfrm>
-          <a:prstGeom prst="rect">
-            <a:avLst/>
-          </a:prstGeom>
-        </p:spPr>
-        <p:txBody>
-          <a:bodyPr vert="horz" lIns="91440" tIns="45720" rIns="91440" bIns="45720" rtlCol="0" anchor="ctr">
-            <a:normAutofit/>
-          </a:bodyPr>
-          <a:lstStyle>
-            <a:lvl1pPr algn="l" defTabSz="914400" rtl="0" eaLnBrk="1" latinLnBrk="0" hangingPunct="1">
-              <a:lnSpc>
-                <a:spcPct val="90000"/>
-              </a:lnSpc>
-              <a:spcBef>
-                <a:spcPct val="0"/>
-              </a:spcBef>
-              <a:buNone/>
-              <a:defRPr sz="4400" kern="1200">
-                <a:solidFill>
-                  <a:schemeClr val="tx1"/>
-                </a:solidFill>
-                <a:latin typeface="+mj-lt"/>
-                <a:ea typeface="+mj-ea"/>
-                <a:cs typeface="+mj-cs"/>
-              </a:defRPr>
-            </a:lvl1pPr>
-          </a:lstStyle>
-          <a:p>
-            <a:r>
-              <a:rPr lang="en-US" b="1" dirty="0" smtClean="0"/>
-              <a:t>LOO (12 PERSONS)</a:t>
-            </a:r>
-            <a:endParaRPr lang="en-US" b="1" dirty="0"/>
-          </a:p>
-        </p:txBody>
-      </p:sp>
-      <p:sp>
-        <p:nvSpPr>
-          <p:cNvPr id="5" name="Content Placeholder 2"/>
-          <p:cNvSpPr txBox="1">
-            <a:spLocks/>
-          </p:cNvSpPr>
-          <p:nvPr/>
-        </p:nvSpPr>
-        <p:spPr>
-          <a:xfrm>
-            <a:off x="838200" y="1482436"/>
-            <a:ext cx="10515600" cy="4694527"/>
-          </a:xfrm>
-          <a:prstGeom prst="rect">
-            <a:avLst/>
-          </a:prstGeom>
-        </p:spPr>
-        <p:txBody>
-          <a:bodyPr vert="horz" lIns="91440" tIns="45720" rIns="91440" bIns="45720" rtlCol="0">
-            <a:normAutofit/>
-          </a:bodyPr>
-          <a:lstStyle>
-            <a:lvl1pPr marL="228600" indent="-228600" algn="l" defTabSz="914400" rtl="0" eaLnBrk="1" latinLnBrk="0" hangingPunct="1">
-              <a:lnSpc>
-                <a:spcPct val="90000"/>
-              </a:lnSpc>
-              <a:spcBef>
-                <a:spcPts val="1000"/>
-              </a:spcBef>
-              <a:buFont typeface="Arial"/>
-              <a:buChar char="•"/>
-              <a:defRPr sz="2800" kern="1200">
-                <a:solidFill>
-                  <a:schemeClr val="tx1"/>
-                </a:solidFill>
-                <a:latin typeface="+mn-lt"/>
-                <a:ea typeface="+mn-ea"/>
-                <a:cs typeface="+mn-cs"/>
-              </a:defRPr>
-            </a:lvl1pPr>
-            <a:lvl2pPr marL="685800" indent="-228600" algn="l" defTabSz="914400" rtl="0" eaLnBrk="1" latinLnBrk="0" hangingPunct="1">
-              <a:lnSpc>
-                <a:spcPct val="90000"/>
-              </a:lnSpc>
-              <a:spcBef>
-                <a:spcPts val="500"/>
-              </a:spcBef>
-              <a:buFont typeface="Arial"/>
-              <a:buChar char="•"/>
-              <a:defRPr sz="2400" kern="1200">
-                <a:solidFill>
-                  <a:schemeClr val="tx1"/>
-                </a:solidFill>
-                <a:latin typeface="+mn-lt"/>
-                <a:ea typeface="+mn-ea"/>
-                <a:cs typeface="+mn-cs"/>
-              </a:defRPr>
-            </a:lvl2pPr>
-            <a:lvl3pPr marL="1143000" indent="-228600" algn="l" defTabSz="914400" rtl="0" eaLnBrk="1" latinLnBrk="0" hangingPunct="1">
-              <a:lnSpc>
-                <a:spcPct val="90000"/>
-              </a:lnSpc>
-              <a:spcBef>
-                <a:spcPts val="500"/>
-              </a:spcBef>
-              <a:buFont typeface="Arial"/>
-              <a:buChar char="•"/>
-              <a:defRPr sz="2000" kern="1200">
-                <a:solidFill>
-                  <a:schemeClr val="tx1"/>
-                </a:solidFill>
-                <a:latin typeface="+mn-lt"/>
-                <a:ea typeface="+mn-ea"/>
-                <a:cs typeface="+mn-cs"/>
-              </a:defRPr>
-            </a:lvl3pPr>
-            <a:lvl4pPr marL="1600200" indent="-228600" algn="l" defTabSz="914400" rtl="0" eaLnBrk="1" latinLnBrk="0" hangingPunct="1">
-              <a:lnSpc>
-                <a:spcPct val="90000"/>
-              </a:lnSpc>
-              <a:spcBef>
-                <a:spcPts val="500"/>
-              </a:spcBef>
-              <a:buFont typeface="Arial"/>
-              <a:buChar char="•"/>
-              <a:defRPr sz="1800" kern="1200">
-                <a:solidFill>
-                  <a:schemeClr val="tx1"/>
-                </a:solidFill>
-                <a:latin typeface="+mn-lt"/>
-                <a:ea typeface="+mn-ea"/>
-                <a:cs typeface="+mn-cs"/>
-              </a:defRPr>
-            </a:lvl4pPr>
-            <a:lvl5pPr marL="2057400" indent="-228600" algn="l" defTabSz="914400" rtl="0" eaLnBrk="1" latinLnBrk="0" hangingPunct="1">
-              <a:lnSpc>
-                <a:spcPct val="90000"/>
-              </a:lnSpc>
-              <a:spcBef>
-                <a:spcPts val="500"/>
-              </a:spcBef>
-              <a:buFont typeface="Arial"/>
-              <a:buChar char="•"/>
-              <a:defRPr sz="1800" kern="1200">
-                <a:solidFill>
-                  <a:schemeClr val="tx1"/>
-                </a:solidFill>
-                <a:latin typeface="+mn-lt"/>
-                <a:ea typeface="+mn-ea"/>
-                <a:cs typeface="+mn-cs"/>
-              </a:defRPr>
-            </a:lvl5pPr>
-            <a:lvl6pPr marL="2514600" indent="-228600" algn="l" defTabSz="914400" rtl="0" eaLnBrk="1" latinLnBrk="0" hangingPunct="1">
-              <a:lnSpc>
-                <a:spcPct val="90000"/>
-              </a:lnSpc>
-              <a:spcBef>
-                <a:spcPts val="500"/>
-              </a:spcBef>
-              <a:buFont typeface="Arial"/>
-              <a:buChar char="•"/>
-              <a:defRPr sz="1800" kern="1200">
-                <a:solidFill>
-                  <a:schemeClr val="tx1"/>
-                </a:solidFill>
-                <a:latin typeface="+mn-lt"/>
-                <a:ea typeface="+mn-ea"/>
-                <a:cs typeface="+mn-cs"/>
-              </a:defRPr>
-            </a:lvl6pPr>
-            <a:lvl7pPr marL="2971800" indent="-228600" algn="l" defTabSz="914400" rtl="0" eaLnBrk="1" latinLnBrk="0" hangingPunct="1">
-              <a:lnSpc>
-                <a:spcPct val="90000"/>
-              </a:lnSpc>
-              <a:spcBef>
-                <a:spcPts val="500"/>
-              </a:spcBef>
-              <a:buFont typeface="Arial"/>
-              <a:buChar char="•"/>
-              <a:defRPr sz="1800" kern="1200">
-                <a:solidFill>
-                  <a:schemeClr val="tx1"/>
-                </a:solidFill>
-                <a:latin typeface="+mn-lt"/>
-                <a:ea typeface="+mn-ea"/>
-                <a:cs typeface="+mn-cs"/>
-              </a:defRPr>
-            </a:lvl7pPr>
-            <a:lvl8pPr marL="3429000" indent="-228600" algn="l" defTabSz="914400" rtl="0" eaLnBrk="1" latinLnBrk="0" hangingPunct="1">
-              <a:lnSpc>
-                <a:spcPct val="90000"/>
-              </a:lnSpc>
-              <a:spcBef>
-                <a:spcPts val="500"/>
-              </a:spcBef>
-              <a:buFont typeface="Arial"/>
-              <a:buChar char="•"/>
-              <a:defRPr sz="1800" kern="1200">
-                <a:solidFill>
-                  <a:schemeClr val="tx1"/>
-                </a:solidFill>
-                <a:latin typeface="+mn-lt"/>
-                <a:ea typeface="+mn-ea"/>
-                <a:cs typeface="+mn-cs"/>
-              </a:defRPr>
-            </a:lvl8pPr>
-            <a:lvl9pPr marL="3886200" indent="-228600" algn="l" defTabSz="914400" rtl="0" eaLnBrk="1" latinLnBrk="0" hangingPunct="1">
-              <a:lnSpc>
-                <a:spcPct val="90000"/>
-              </a:lnSpc>
-              <a:spcBef>
-                <a:spcPts val="500"/>
-              </a:spcBef>
-              <a:buFont typeface="Arial"/>
-              <a:buChar char="•"/>
-              <a:defRPr sz="1800" kern="1200">
-                <a:solidFill>
-                  <a:schemeClr val="tx1"/>
-                </a:solidFill>
-                <a:latin typeface="+mn-lt"/>
-                <a:ea typeface="+mn-ea"/>
-                <a:cs typeface="+mn-cs"/>
-              </a:defRPr>
-            </a:lvl9pPr>
-          </a:lstStyle>
-          <a:p>
-            <a:r>
-              <a:rPr lang="en-US" sz="2400" dirty="0" smtClean="0"/>
-              <a:t>14 Activities (</a:t>
-            </a:r>
-            <a:r>
-              <a:rPr lang="en-US" sz="2400" b="1" i="1" u="sng" dirty="0" smtClean="0"/>
-              <a:t>without Eating</a:t>
-            </a:r>
-            <a:r>
-              <a:rPr lang="en-US" sz="2400" dirty="0" smtClean="0"/>
-              <a:t>)</a:t>
-            </a:r>
-          </a:p>
-          <a:p>
-            <a:r>
-              <a:rPr lang="en-US" sz="2400" b="1" dirty="0" smtClean="0"/>
-              <a:t>RF</a:t>
-            </a:r>
-            <a:r>
-              <a:rPr lang="en-US" sz="2400" dirty="0" smtClean="0">
-                <a:sym typeface="Wingdings"/>
-              </a:rPr>
-              <a:t> Number of Estimators = 500</a:t>
-            </a:r>
-            <a:endParaRPr lang="en-US" sz="2400" dirty="0" smtClean="0"/>
-          </a:p>
-          <a:p>
-            <a:endParaRPr lang="en-US" sz="2400" dirty="0"/>
-          </a:p>
-        </p:txBody>
-      </p:sp>
-      <mc:AlternateContent xmlns:mc="http://schemas.openxmlformats.org/markup-compatibility/2006" xmlns:a14="http://schemas.microsoft.com/office/drawing/2010/main">
-        <mc:Choice Requires="a14">
-          <p:graphicFrame>
-            <p:nvGraphicFramePr>
-              <p:cNvPr id="6" name="Table 5"/>
-              <p:cNvGraphicFramePr>
-                <a:graphicFrameLocks noGrp="1"/>
-              </p:cNvGraphicFramePr>
-              <p:nvPr>
-                <p:extLst>
-                  <p:ext uri="{D42A27DB-BD31-4B8C-83A1-F6EECF244321}">
-                    <p14:modId xmlns:p14="http://schemas.microsoft.com/office/powerpoint/2010/main" val="1473271939"/>
-                  </p:ext>
-                </p:extLst>
-              </p:nvPr>
-            </p:nvGraphicFramePr>
-            <p:xfrm>
-              <a:off x="1434882" y="2527676"/>
-              <a:ext cx="9322236" cy="3474720"/>
-            </p:xfrm>
-            <a:graphic>
-              <a:graphicData uri="http://schemas.openxmlformats.org/drawingml/2006/table">
-                <a:tbl>
-                  <a:tblPr firstRow="1" bandRow="1">
-                    <a:tableStyleId>{5C22544A-7EE6-4342-B048-85BDC9FD1C3A}</a:tableStyleId>
-                  </a:tblPr>
-                  <a:tblGrid>
-                    <a:gridCol w="2693227"/>
-                    <a:gridCol w="2167533"/>
-                    <a:gridCol w="2389403"/>
-                    <a:gridCol w="2072073"/>
-                  </a:tblGrid>
-                  <a:tr h="370840">
-                    <a:tc>
-                      <a:txBody>
-                        <a:bodyPr/>
-                        <a:lstStyle/>
-                        <a:p>
-                          <a:pPr algn="ctr"/>
-                          <a:r>
-                            <a:rPr lang="en-US" sz="2000" dirty="0" smtClean="0"/>
-                            <a:t>LOO Subject</a:t>
-                          </a:r>
-                          <a:endParaRPr lang="en-US" sz="2000" dirty="0"/>
-                        </a:p>
-                      </a:txBody>
-                      <a:tcPr/>
-                    </a:tc>
-                    <a:tc>
-                      <a:txBody>
-                        <a:bodyPr/>
-                        <a:lstStyle/>
-                        <a:p>
-                          <a:pPr algn="ctr"/>
-                          <a:r>
-                            <a:rPr lang="en-US" sz="2000" dirty="0" smtClean="0"/>
-                            <a:t>F1 </a:t>
-                          </a:r>
-                          <a:r>
-                            <a:rPr lang="en-US" sz="2000" baseline="0" dirty="0" smtClean="0"/>
-                            <a:t>Mean</a:t>
-                          </a:r>
-                        </a:p>
-                        <a:p>
-                          <a:pPr algn="ctr"/>
-                          <a:r>
-                            <a:rPr lang="en-US" sz="2000" baseline="0" dirty="0" smtClean="0"/>
-                            <a:t>(SP + SW)</a:t>
-                          </a:r>
-                          <a:endParaRPr lang="en-US" sz="2000" dirty="0"/>
-                        </a:p>
-                      </a:txBody>
-                      <a:tcPr/>
-                    </a:tc>
-                    <a:tc>
-                      <a:txBody>
-                        <a:bodyPr/>
-                        <a:lstStyle/>
-                        <a:p>
-                          <a:pPr algn="ctr"/>
-                          <a:r>
-                            <a:rPr lang="en-US" sz="2000" dirty="0" smtClean="0"/>
-                            <a:t>LOO Subject</a:t>
-                          </a:r>
-                          <a:endParaRPr lang="en-US" sz="2000" dirty="0"/>
-                        </a:p>
-                      </a:txBody>
-                      <a:tcPr/>
-                    </a:tc>
-                    <a:tc>
-                      <a:txBody>
-                        <a:bodyPr/>
-                        <a:lstStyle/>
-                        <a:p>
-                          <a:pPr algn="ctr"/>
-                          <a:r>
-                            <a:rPr lang="en-US" sz="2000" dirty="0" smtClean="0"/>
-                            <a:t>F1 Mean</a:t>
-                          </a:r>
-                        </a:p>
-                        <a:p>
-                          <a:pPr algn="ctr"/>
-                          <a:r>
-                            <a:rPr lang="en-US" sz="2000" dirty="0" smtClean="0"/>
-                            <a:t>(SP + SW)</a:t>
-                          </a:r>
-                          <a:endParaRPr lang="en-US" sz="2000" dirty="0"/>
-                        </a:p>
-                      </a:txBody>
-                      <a:tcPr/>
-                    </a:tc>
-                  </a:tr>
-                  <a:tr h="370840">
-                    <a:tc>
-                      <a:txBody>
-                        <a:bodyPr/>
-                        <a:lstStyle/>
-                        <a:p>
-                          <a:r>
-                            <a:rPr lang="en-US" sz="2000" dirty="0" smtClean="0"/>
-                            <a:t>Edwin</a:t>
-                          </a:r>
-                          <a:endParaRPr lang="en-US" sz="2000" dirty="0"/>
-                        </a:p>
-                      </a:txBody>
-                      <a:tcPr/>
-                    </a:tc>
-                    <a:tc>
-                      <a:txBody>
-                        <a:bodyPr/>
-                        <a:lstStyle/>
-                        <a:p>
-                          <a:pPr marL="0" marR="0" indent="0" algn="ctr" defTabSz="914400" rtl="0" eaLnBrk="1" fontAlgn="auto" latinLnBrk="0" hangingPunct="1">
-                            <a:lnSpc>
-                              <a:spcPct val="100000"/>
-                            </a:lnSpc>
-                            <a:spcBef>
-                              <a:spcPts val="0"/>
-                            </a:spcBef>
-                            <a:spcAft>
-                              <a:spcPts val="0"/>
-                            </a:spcAft>
-                            <a:buClrTx/>
-                            <a:buSzTx/>
-                            <a:buFontTx/>
-                            <a:buNone/>
-                            <a:tabLst/>
-                            <a:defRPr/>
-                          </a:pPr>
-                          <a:r>
-                            <a:rPr lang="en-US" sz="2000" dirty="0" smtClean="0">
-                              <a:ea typeface="Cambria Math" charset="0"/>
-                              <a:cs typeface="Cambria Math" charset="0"/>
-                            </a:rPr>
-                            <a:t>87.50%</a:t>
-                          </a:r>
-                          <a:r>
-                            <a:rPr lang="en-US" sz="2000" baseline="0" dirty="0" smtClean="0">
-                              <a:ea typeface="Cambria Math" charset="0"/>
-                              <a:cs typeface="Cambria Math" charset="0"/>
-                            </a:rPr>
-                            <a:t> </a:t>
-                          </a:r>
-                          <a14:m>
-                            <m:oMath xmlns:m="http://schemas.openxmlformats.org/officeDocument/2006/math">
-                              <m:r>
-                                <a:rPr lang="en-US" sz="2000" i="1" smtClean="0">
-                                  <a:latin typeface="Cambria Math" charset="0"/>
-                                  <a:ea typeface="Cambria Math" charset="0"/>
-                                  <a:cs typeface="Cambria Math" charset="0"/>
-                                </a:rPr>
-                                <m:t>±</m:t>
-                              </m:r>
-                            </m:oMath>
-                          </a14:m>
-                          <a:r>
-                            <a:rPr lang="en-US" sz="2000" dirty="0" smtClean="0"/>
-                            <a:t> 0.10%</a:t>
-                          </a:r>
-                          <a:endParaRPr lang="en-US" sz="2000" dirty="0"/>
-                        </a:p>
-                      </a:txBody>
-                      <a:tcPr/>
-                    </a:tc>
-                    <a:tc>
-                      <a:txBody>
-                        <a:bodyPr/>
-                        <a:lstStyle/>
-                        <a:p>
-                          <a:pPr marL="0" marR="0" indent="0" algn="ctr" defTabSz="914400" rtl="0" eaLnBrk="1" fontAlgn="auto" latinLnBrk="0" hangingPunct="1">
-                            <a:lnSpc>
-                              <a:spcPct val="100000"/>
-                            </a:lnSpc>
-                            <a:spcBef>
-                              <a:spcPts val="0"/>
-                            </a:spcBef>
-                            <a:spcAft>
-                              <a:spcPts val="0"/>
-                            </a:spcAft>
-                            <a:buClrTx/>
-                            <a:buSzTx/>
-                            <a:buFontTx/>
-                            <a:buNone/>
-                            <a:tabLst/>
-                            <a:defRPr/>
-                          </a:pPr>
-                          <a:r>
-                            <a:rPr lang="en-US" sz="2000" dirty="0" smtClean="0"/>
-                            <a:t>Monica</a:t>
-                          </a:r>
-                          <a:endParaRPr lang="en-US" sz="2000" dirty="0"/>
-                        </a:p>
-                      </a:txBody>
-                      <a:tcPr/>
-                    </a:tc>
-                    <a:tc>
-                      <a:txBody>
-                        <a:bodyPr/>
-                        <a:lstStyle/>
-                        <a:p>
-                          <a:pPr marL="0" marR="0" indent="0" algn="ctr" defTabSz="914400" rtl="0" eaLnBrk="1" fontAlgn="auto" latinLnBrk="0" hangingPunct="1">
-                            <a:lnSpc>
-                              <a:spcPct val="100000"/>
-                            </a:lnSpc>
-                            <a:spcBef>
-                              <a:spcPts val="0"/>
-                            </a:spcBef>
-                            <a:spcAft>
-                              <a:spcPts val="0"/>
-                            </a:spcAft>
-                            <a:buClrTx/>
-                            <a:buSzTx/>
-                            <a:buFontTx/>
-                            <a:buNone/>
-                            <a:tabLst/>
-                            <a:defRPr/>
-                          </a:pPr>
-                          <a:r>
-                            <a:rPr lang="en-US" sz="2000" dirty="0" smtClean="0">
-                              <a:ea typeface="Cambria Math" charset="0"/>
-                              <a:cs typeface="Cambria Math" charset="0"/>
-                            </a:rPr>
-                            <a:t>77.37%</a:t>
-                          </a:r>
-                          <a:r>
-                            <a:rPr lang="en-US" sz="2000" baseline="0" dirty="0" smtClean="0">
-                              <a:ea typeface="Cambria Math" charset="0"/>
-                              <a:cs typeface="Cambria Math" charset="0"/>
-                            </a:rPr>
-                            <a:t> </a:t>
-                          </a:r>
-                          <a14:m>
-                            <m:oMath xmlns:m="http://schemas.openxmlformats.org/officeDocument/2006/math">
-                              <m:r>
-                                <a:rPr lang="en-US" sz="2000" i="1" smtClean="0">
-                                  <a:latin typeface="Cambria Math" charset="0"/>
-                                  <a:ea typeface="Cambria Math" charset="0"/>
-                                  <a:cs typeface="Cambria Math" charset="0"/>
-                                </a:rPr>
-                                <m:t>±</m:t>
-                              </m:r>
-                            </m:oMath>
-                          </a14:m>
-                          <a:r>
-                            <a:rPr lang="en-US" sz="2000" dirty="0" smtClean="0"/>
-                            <a:t> 0.68%</a:t>
-                          </a:r>
-                          <a:endParaRPr lang="en-US" sz="2000" dirty="0"/>
-                        </a:p>
-                      </a:txBody>
-                      <a:tcPr/>
-                    </a:tc>
-                  </a:tr>
-                  <a:tr h="370840">
-                    <a:tc>
-                      <a:txBody>
-                        <a:bodyPr/>
-                        <a:lstStyle/>
-                        <a:p>
-                          <a:r>
-                            <a:rPr lang="en-US" sz="2000" dirty="0" err="1" smtClean="0"/>
-                            <a:t>Shelina</a:t>
-                          </a:r>
-                          <a:endParaRPr lang="en-US" sz="2000" dirty="0"/>
-                        </a:p>
-                      </a:txBody>
-                      <a:tcPr/>
-                    </a:tc>
-                    <a:tc>
-                      <a:txBody>
-                        <a:bodyPr/>
-                        <a:lstStyle/>
-                        <a:p>
-                          <a:pPr marL="0" marR="0" indent="0" algn="ctr" defTabSz="914400" rtl="0" eaLnBrk="1" fontAlgn="auto" latinLnBrk="0" hangingPunct="1">
-                            <a:lnSpc>
-                              <a:spcPct val="100000"/>
-                            </a:lnSpc>
-                            <a:spcBef>
-                              <a:spcPts val="0"/>
-                            </a:spcBef>
-                            <a:spcAft>
-                              <a:spcPts val="0"/>
-                            </a:spcAft>
-                            <a:buClrTx/>
-                            <a:buSzTx/>
-                            <a:buFontTx/>
-                            <a:buNone/>
-                            <a:tabLst/>
-                            <a:defRPr/>
-                          </a:pPr>
-                          <a:r>
-                            <a:rPr lang="en-US" sz="2000" dirty="0" smtClean="0">
-                              <a:ea typeface="Cambria Math" charset="0"/>
-                              <a:cs typeface="Cambria Math" charset="0"/>
-                            </a:rPr>
-                            <a:t>69.42%</a:t>
-                          </a:r>
-                          <a:r>
-                            <a:rPr lang="en-US" sz="2000" baseline="0" dirty="0" smtClean="0">
-                              <a:ea typeface="Cambria Math" charset="0"/>
-                              <a:cs typeface="Cambria Math" charset="0"/>
-                            </a:rPr>
-                            <a:t> </a:t>
-                          </a:r>
-                          <a14:m>
-                            <m:oMath xmlns:m="http://schemas.openxmlformats.org/officeDocument/2006/math">
-                              <m:r>
-                                <a:rPr lang="en-US" sz="2000" i="1" smtClean="0">
-                                  <a:latin typeface="Cambria Math" charset="0"/>
-                                  <a:ea typeface="Cambria Math" charset="0"/>
-                                  <a:cs typeface="Cambria Math" charset="0"/>
-                                </a:rPr>
-                                <m:t>±</m:t>
-                              </m:r>
-                            </m:oMath>
-                          </a14:m>
-                          <a:r>
-                            <a:rPr lang="en-US" sz="2000" dirty="0" smtClean="0"/>
-                            <a:t> 1.15%</a:t>
-                          </a:r>
-                          <a:endParaRPr lang="en-US" sz="2000" dirty="0"/>
-                        </a:p>
-                      </a:txBody>
-                      <a:tcPr/>
-                    </a:tc>
-                    <a:tc>
-                      <a:txBody>
-                        <a:bodyPr/>
-                        <a:lstStyle/>
-                        <a:p>
-                          <a:pPr algn="ctr"/>
-                          <a:r>
-                            <a:rPr lang="en-US" sz="2000" dirty="0" smtClean="0"/>
-                            <a:t>Inge</a:t>
-                          </a:r>
-                          <a:endParaRPr lang="en-US" sz="2000" dirty="0"/>
-                        </a:p>
-                      </a:txBody>
-                      <a:tcPr/>
-                    </a:tc>
-                    <a:tc>
-                      <a:txBody>
-                        <a:bodyPr/>
-                        <a:lstStyle/>
-                        <a:p>
-                          <a:pPr marL="0" marR="0" indent="0" algn="ctr" defTabSz="914400" rtl="0" eaLnBrk="1" fontAlgn="auto" latinLnBrk="0" hangingPunct="1">
-                            <a:lnSpc>
-                              <a:spcPct val="100000"/>
-                            </a:lnSpc>
-                            <a:spcBef>
-                              <a:spcPts val="0"/>
-                            </a:spcBef>
-                            <a:spcAft>
-                              <a:spcPts val="0"/>
-                            </a:spcAft>
-                            <a:buClrTx/>
-                            <a:buSzTx/>
-                            <a:buFontTx/>
-                            <a:buNone/>
-                            <a:tabLst/>
-                            <a:defRPr/>
-                          </a:pPr>
-                          <a:r>
-                            <a:rPr lang="en-US" sz="2000" dirty="0" smtClean="0">
-                              <a:ea typeface="Cambria Math" charset="0"/>
-                              <a:cs typeface="Cambria Math" charset="0"/>
-                            </a:rPr>
-                            <a:t>66.10%</a:t>
-                          </a:r>
-                          <a:r>
-                            <a:rPr lang="en-US" sz="2000" baseline="0" dirty="0" smtClean="0">
-                              <a:ea typeface="Cambria Math" charset="0"/>
-                              <a:cs typeface="Cambria Math" charset="0"/>
-                            </a:rPr>
-                            <a:t> </a:t>
-                          </a:r>
-                          <a14:m>
-                            <m:oMath xmlns:m="http://schemas.openxmlformats.org/officeDocument/2006/math">
-                              <m:r>
-                                <a:rPr lang="en-US" sz="2000" i="1" smtClean="0">
-                                  <a:latin typeface="Cambria Math" charset="0"/>
-                                  <a:ea typeface="Cambria Math" charset="0"/>
-                                  <a:cs typeface="Cambria Math" charset="0"/>
-                                </a:rPr>
-                                <m:t>±</m:t>
-                              </m:r>
-                            </m:oMath>
-                          </a14:m>
-                          <a:r>
-                            <a:rPr lang="en-US" sz="2000" dirty="0" smtClean="0"/>
-                            <a:t> 0.26%</a:t>
-                          </a:r>
-                          <a:endParaRPr lang="en-US" sz="2000" dirty="0"/>
-                        </a:p>
-                      </a:txBody>
-                      <a:tcPr/>
-                    </a:tc>
-                  </a:tr>
-                  <a:tr h="370840">
-                    <a:tc>
-                      <a:txBody>
-                        <a:bodyPr/>
-                        <a:lstStyle/>
-                        <a:p>
-                          <a:r>
-                            <a:rPr lang="en-US" sz="2000" dirty="0" err="1" smtClean="0"/>
-                            <a:t>Mellita</a:t>
-                          </a:r>
-                          <a:endParaRPr lang="en-US" sz="2000" dirty="0"/>
-                        </a:p>
-                      </a:txBody>
-                      <a:tcPr/>
-                    </a:tc>
-                    <a:tc>
-                      <a:txBody>
-                        <a:bodyPr/>
-                        <a:lstStyle/>
-                        <a:p>
-                          <a:pPr marL="0" marR="0" indent="0" algn="ctr" defTabSz="914400" rtl="0" eaLnBrk="1" fontAlgn="auto" latinLnBrk="0" hangingPunct="1">
-                            <a:lnSpc>
-                              <a:spcPct val="100000"/>
-                            </a:lnSpc>
-                            <a:spcBef>
-                              <a:spcPts val="0"/>
-                            </a:spcBef>
-                            <a:spcAft>
-                              <a:spcPts val="0"/>
-                            </a:spcAft>
-                            <a:buClrTx/>
-                            <a:buSzTx/>
-                            <a:buFontTx/>
-                            <a:buNone/>
-                            <a:tabLst/>
-                            <a:defRPr/>
-                          </a:pPr>
-                          <a:r>
-                            <a:rPr lang="en-US" sz="2000" dirty="0" smtClean="0">
-                              <a:ea typeface="Cambria Math" charset="0"/>
-                              <a:cs typeface="Cambria Math" charset="0"/>
-                            </a:rPr>
-                            <a:t>78.67%</a:t>
-                          </a:r>
-                          <a:r>
-                            <a:rPr lang="en-US" sz="2000" baseline="0" dirty="0" smtClean="0">
-                              <a:ea typeface="Cambria Math" charset="0"/>
-                              <a:cs typeface="Cambria Math" charset="0"/>
-                            </a:rPr>
-                            <a:t> </a:t>
-                          </a:r>
-                          <a14:m>
-                            <m:oMath xmlns:m="http://schemas.openxmlformats.org/officeDocument/2006/math">
-                              <m:r>
-                                <a:rPr lang="en-US" sz="2000" i="1" smtClean="0">
-                                  <a:latin typeface="Cambria Math" charset="0"/>
-                                  <a:ea typeface="Cambria Math" charset="0"/>
-                                  <a:cs typeface="Cambria Math" charset="0"/>
-                                </a:rPr>
-                                <m:t>±</m:t>
-                              </m:r>
-                            </m:oMath>
-                          </a14:m>
-                          <a:r>
-                            <a:rPr lang="en-US" sz="2000" dirty="0" smtClean="0"/>
-                            <a:t> 0.12%</a:t>
-                          </a:r>
-                          <a:endParaRPr lang="en-US" sz="2000" dirty="0"/>
-                        </a:p>
-                      </a:txBody>
-                      <a:tcPr/>
-                    </a:tc>
-                    <a:tc>
-                      <a:txBody>
-                        <a:bodyPr/>
-                        <a:lstStyle/>
-                        <a:p>
-                          <a:pPr algn="ctr"/>
-                          <a:r>
-                            <a:rPr lang="en-US" sz="2000" dirty="0" err="1" smtClean="0"/>
-                            <a:t>Andri</a:t>
-                          </a:r>
-                          <a:endParaRPr lang="en-US" sz="2000" dirty="0"/>
-                        </a:p>
-                      </a:txBody>
-                      <a:tcPr/>
-                    </a:tc>
-                    <a:tc>
-                      <a:txBody>
-                        <a:bodyPr/>
-                        <a:lstStyle/>
-                        <a:p>
-                          <a:pPr marL="0" marR="0" indent="0" algn="ctr" defTabSz="914400" rtl="0" eaLnBrk="1" fontAlgn="auto" latinLnBrk="0" hangingPunct="1">
-                            <a:lnSpc>
-                              <a:spcPct val="100000"/>
-                            </a:lnSpc>
-                            <a:spcBef>
-                              <a:spcPts val="0"/>
-                            </a:spcBef>
-                            <a:spcAft>
-                              <a:spcPts val="0"/>
-                            </a:spcAft>
-                            <a:buClrTx/>
-                            <a:buSzTx/>
-                            <a:buFontTx/>
-                            <a:buNone/>
-                            <a:tabLst/>
-                            <a:defRPr/>
-                          </a:pPr>
-                          <a:r>
-                            <a:rPr lang="en-US" sz="2000" dirty="0" smtClean="0">
-                              <a:ea typeface="Cambria Math" charset="0"/>
-                              <a:cs typeface="Cambria Math" charset="0"/>
-                            </a:rPr>
-                            <a:t>70.48%</a:t>
-                          </a:r>
-                          <a:r>
-                            <a:rPr lang="en-US" sz="2000" baseline="0" dirty="0" smtClean="0">
-                              <a:ea typeface="Cambria Math" charset="0"/>
-                              <a:cs typeface="Cambria Math" charset="0"/>
-                            </a:rPr>
-                            <a:t> </a:t>
-                          </a:r>
-                          <a14:m>
-                            <m:oMath xmlns:m="http://schemas.openxmlformats.org/officeDocument/2006/math">
-                              <m:r>
-                                <a:rPr lang="en-US" sz="2000" i="1" smtClean="0">
-                                  <a:latin typeface="Cambria Math" charset="0"/>
-                                  <a:ea typeface="Cambria Math" charset="0"/>
-                                  <a:cs typeface="Cambria Math" charset="0"/>
-                                </a:rPr>
-                                <m:t>±</m:t>
-                              </m:r>
-                            </m:oMath>
-                          </a14:m>
-                          <a:r>
-                            <a:rPr lang="en-US" sz="2000" dirty="0" smtClean="0"/>
-                            <a:t> 0.23%</a:t>
-                          </a:r>
-                          <a:endParaRPr lang="en-US" sz="2000" dirty="0"/>
-                        </a:p>
-                      </a:txBody>
-                      <a:tcPr/>
-                    </a:tc>
-                  </a:tr>
-                  <a:tr h="370840">
-                    <a:tc>
-                      <a:txBody>
-                        <a:bodyPr/>
-                        <a:lstStyle/>
-                        <a:p>
-                          <a:r>
-                            <a:rPr lang="en-US" sz="2000" dirty="0" smtClean="0"/>
-                            <a:t>Nikolas</a:t>
-                          </a:r>
-                          <a:endParaRPr lang="en-US" sz="2000" dirty="0"/>
-                        </a:p>
-                      </a:txBody>
-                      <a:tcPr/>
-                    </a:tc>
-                    <a:tc>
-                      <a:txBody>
-                        <a:bodyPr/>
-                        <a:lstStyle/>
-                        <a:p>
-                          <a:pPr marL="0" marR="0" indent="0" algn="ctr" defTabSz="914400" rtl="0" eaLnBrk="1" fontAlgn="auto" latinLnBrk="0" hangingPunct="1">
-                            <a:lnSpc>
-                              <a:spcPct val="100000"/>
-                            </a:lnSpc>
-                            <a:spcBef>
-                              <a:spcPts val="0"/>
-                            </a:spcBef>
-                            <a:spcAft>
-                              <a:spcPts val="0"/>
-                            </a:spcAft>
-                            <a:buClrTx/>
-                            <a:buSzTx/>
-                            <a:buFontTx/>
-                            <a:buNone/>
-                            <a:tabLst/>
-                            <a:defRPr/>
-                          </a:pPr>
-                          <a:r>
-                            <a:rPr lang="en-US" sz="2000" dirty="0" smtClean="0">
-                              <a:ea typeface="Cambria Math" charset="0"/>
-                              <a:cs typeface="Cambria Math" charset="0"/>
-                            </a:rPr>
-                            <a:t>85.73%</a:t>
-                          </a:r>
-                          <a:r>
-                            <a:rPr lang="en-US" sz="2000" baseline="0" dirty="0" smtClean="0">
-                              <a:ea typeface="Cambria Math" charset="0"/>
-                              <a:cs typeface="Cambria Math" charset="0"/>
-                            </a:rPr>
-                            <a:t> </a:t>
-                          </a:r>
-                          <a14:m>
-                            <m:oMath xmlns:m="http://schemas.openxmlformats.org/officeDocument/2006/math">
-                              <m:r>
-                                <a:rPr lang="en-US" sz="2000" i="1" smtClean="0">
-                                  <a:latin typeface="Cambria Math" charset="0"/>
-                                  <a:ea typeface="Cambria Math" charset="0"/>
-                                  <a:cs typeface="Cambria Math" charset="0"/>
-                                </a:rPr>
-                                <m:t>±</m:t>
-                              </m:r>
-                            </m:oMath>
-                          </a14:m>
-                          <a:r>
-                            <a:rPr lang="en-US" sz="2000" dirty="0" smtClean="0"/>
-                            <a:t> 0.26%</a:t>
-                          </a:r>
-                          <a:endParaRPr lang="en-US" sz="2000" dirty="0"/>
-                        </a:p>
-                      </a:txBody>
-                      <a:tcPr/>
-                    </a:tc>
-                    <a:tc>
-                      <a:txBody>
-                        <a:bodyPr/>
-                        <a:lstStyle/>
-                        <a:p>
-                          <a:pPr algn="ctr"/>
-                          <a:r>
-                            <a:rPr lang="en-US" sz="2000" dirty="0" err="1" smtClean="0"/>
-                            <a:t>Arianto</a:t>
-                          </a:r>
-                          <a:endParaRPr lang="en-US" sz="2000" dirty="0"/>
-                        </a:p>
-                      </a:txBody>
-                      <a:tcPr/>
-                    </a:tc>
-                    <a:tc>
-                      <a:txBody>
-                        <a:bodyPr/>
-                        <a:lstStyle/>
-                        <a:p>
-                          <a:pPr marL="0" marR="0" indent="0" algn="ctr" defTabSz="914400" rtl="0" eaLnBrk="1" fontAlgn="auto" latinLnBrk="0" hangingPunct="1">
-                            <a:lnSpc>
-                              <a:spcPct val="100000"/>
-                            </a:lnSpc>
-                            <a:spcBef>
-                              <a:spcPts val="0"/>
-                            </a:spcBef>
-                            <a:spcAft>
-                              <a:spcPts val="0"/>
-                            </a:spcAft>
-                            <a:buClrTx/>
-                            <a:buSzTx/>
-                            <a:buFontTx/>
-                            <a:buNone/>
-                            <a:tabLst/>
-                            <a:defRPr/>
-                          </a:pPr>
-                          <a:r>
-                            <a:rPr lang="en-US" sz="2000" dirty="0" smtClean="0">
-                              <a:ea typeface="Cambria Math" charset="0"/>
-                              <a:cs typeface="Cambria Math" charset="0"/>
-                            </a:rPr>
-                            <a:t>72.25%</a:t>
-                          </a:r>
-                          <a:r>
-                            <a:rPr lang="en-US" sz="2000" baseline="0" dirty="0" smtClean="0">
-                              <a:ea typeface="Cambria Math" charset="0"/>
-                              <a:cs typeface="Cambria Math" charset="0"/>
-                            </a:rPr>
-                            <a:t> </a:t>
-                          </a:r>
-                          <a14:m>
-                            <m:oMath xmlns:m="http://schemas.openxmlformats.org/officeDocument/2006/math">
-                              <m:r>
-                                <a:rPr lang="en-US" sz="2000" i="1" smtClean="0">
-                                  <a:latin typeface="Cambria Math" charset="0"/>
-                                  <a:ea typeface="Cambria Math" charset="0"/>
-                                  <a:cs typeface="Cambria Math" charset="0"/>
-                                </a:rPr>
-                                <m:t>±</m:t>
-                              </m:r>
-                            </m:oMath>
-                          </a14:m>
-                          <a:r>
-                            <a:rPr lang="en-US" sz="2000" dirty="0" smtClean="0"/>
-                            <a:t> 0.31%</a:t>
-                          </a:r>
-                          <a:endParaRPr lang="en-US" sz="2000" dirty="0"/>
-                        </a:p>
-                      </a:txBody>
-                      <a:tcPr/>
-                    </a:tc>
-                  </a:tr>
-                  <a:tr h="370840">
-                    <a:tc>
-                      <a:txBody>
-                        <a:bodyPr/>
-                        <a:lstStyle/>
-                        <a:p>
-                          <a:r>
-                            <a:rPr lang="en-US" sz="2000" dirty="0" smtClean="0"/>
-                            <a:t>Samuel</a:t>
-                          </a:r>
-                          <a:endParaRPr lang="en-US" sz="2000" dirty="0"/>
-                        </a:p>
-                      </a:txBody>
-                      <a:tcPr/>
-                    </a:tc>
-                    <a:tc>
-                      <a:txBody>
-                        <a:bodyPr/>
-                        <a:lstStyle/>
-                        <a:p>
-                          <a:pPr marL="0" marR="0" indent="0" algn="ctr" defTabSz="914400" rtl="0" eaLnBrk="1" fontAlgn="auto" latinLnBrk="0" hangingPunct="1">
-                            <a:lnSpc>
-                              <a:spcPct val="100000"/>
-                            </a:lnSpc>
-                            <a:spcBef>
-                              <a:spcPts val="0"/>
-                            </a:spcBef>
-                            <a:spcAft>
-                              <a:spcPts val="0"/>
-                            </a:spcAft>
-                            <a:buClrTx/>
-                            <a:buSzTx/>
-                            <a:buFontTx/>
-                            <a:buNone/>
-                            <a:tabLst/>
-                            <a:defRPr/>
-                          </a:pPr>
-                          <a:r>
-                            <a:rPr lang="en-US" sz="2000" dirty="0" smtClean="0">
-                              <a:ea typeface="Cambria Math" charset="0"/>
-                              <a:cs typeface="Cambria Math" charset="0"/>
-                            </a:rPr>
-                            <a:t>94.73%</a:t>
-                          </a:r>
-                          <a:r>
-                            <a:rPr lang="en-US" sz="2000" baseline="0" dirty="0" smtClean="0">
-                              <a:ea typeface="Cambria Math" charset="0"/>
-                              <a:cs typeface="Cambria Math" charset="0"/>
-                            </a:rPr>
-                            <a:t> </a:t>
-                          </a:r>
-                          <a14:m>
-                            <m:oMath xmlns:m="http://schemas.openxmlformats.org/officeDocument/2006/math">
-                              <m:r>
-                                <a:rPr lang="en-US" sz="2000" i="1" smtClean="0">
-                                  <a:latin typeface="Cambria Math" charset="0"/>
-                                  <a:ea typeface="Cambria Math" charset="0"/>
-                                  <a:cs typeface="Cambria Math" charset="0"/>
-                                </a:rPr>
-                                <m:t>±</m:t>
-                              </m:r>
-                            </m:oMath>
-                          </a14:m>
-                          <a:r>
-                            <a:rPr lang="en-US" sz="2000" dirty="0" smtClean="0"/>
-                            <a:t> 0.22%</a:t>
-                          </a:r>
-                          <a:endParaRPr lang="en-US" sz="2000" dirty="0"/>
-                        </a:p>
-                      </a:txBody>
-                      <a:tcPr/>
-                    </a:tc>
-                    <a:tc>
-                      <a:txBody>
-                        <a:bodyPr/>
-                        <a:lstStyle/>
-                        <a:p>
-                          <a:pPr algn="ctr"/>
-                          <a:r>
-                            <a:rPr lang="en-US" sz="2000" dirty="0" err="1" smtClean="0"/>
-                            <a:t>Vina</a:t>
-                          </a:r>
-                          <a:endParaRPr lang="en-US" sz="2000" dirty="0"/>
-                        </a:p>
-                      </a:txBody>
-                      <a:tcPr/>
-                    </a:tc>
-                    <a:tc>
-                      <a:txBody>
-                        <a:bodyPr/>
-                        <a:lstStyle/>
-                        <a:p>
-                          <a:pPr marL="0" marR="0" indent="0" algn="ctr" defTabSz="914400" rtl="0" eaLnBrk="1" fontAlgn="auto" latinLnBrk="0" hangingPunct="1">
-                            <a:lnSpc>
-                              <a:spcPct val="100000"/>
-                            </a:lnSpc>
-                            <a:spcBef>
-                              <a:spcPts val="0"/>
-                            </a:spcBef>
-                            <a:spcAft>
-                              <a:spcPts val="0"/>
-                            </a:spcAft>
-                            <a:buClrTx/>
-                            <a:buSzTx/>
-                            <a:buFontTx/>
-                            <a:buNone/>
-                            <a:tabLst/>
-                            <a:defRPr/>
-                          </a:pPr>
-                          <a:r>
-                            <a:rPr lang="en-US" sz="2000" dirty="0" smtClean="0">
-                              <a:ea typeface="Cambria Math" charset="0"/>
-                              <a:cs typeface="Cambria Math" charset="0"/>
-                            </a:rPr>
-                            <a:t>69.71%</a:t>
-                          </a:r>
-                          <a:r>
-                            <a:rPr lang="en-US" sz="2000" baseline="0" dirty="0" smtClean="0">
-                              <a:ea typeface="Cambria Math" charset="0"/>
-                              <a:cs typeface="Cambria Math" charset="0"/>
-                            </a:rPr>
-                            <a:t> </a:t>
-                          </a:r>
-                          <a14:m>
-                            <m:oMath xmlns:m="http://schemas.openxmlformats.org/officeDocument/2006/math">
-                              <m:r>
-                                <a:rPr lang="en-US" sz="2000" i="1" smtClean="0">
-                                  <a:latin typeface="Cambria Math" charset="0"/>
-                                  <a:ea typeface="Cambria Math" charset="0"/>
-                                  <a:cs typeface="Cambria Math" charset="0"/>
-                                </a:rPr>
-                                <m:t>±</m:t>
-                              </m:r>
-                            </m:oMath>
-                          </a14:m>
-                          <a:r>
-                            <a:rPr lang="en-US" sz="2000" dirty="0" smtClean="0"/>
-                            <a:t> 0.07%</a:t>
-                          </a:r>
-                          <a:endParaRPr lang="en-US" sz="2000" dirty="0"/>
-                        </a:p>
-                      </a:txBody>
-                      <a:tcPr/>
-                    </a:tc>
-                  </a:tr>
-                  <a:tr h="370840">
-                    <a:tc>
-                      <a:txBody>
-                        <a:bodyPr/>
-                        <a:lstStyle/>
-                        <a:p>
-                          <a:r>
-                            <a:rPr lang="en-US" sz="2000" dirty="0" smtClean="0"/>
-                            <a:t>Elmo</a:t>
-                          </a:r>
-                          <a:endParaRPr lang="en-US" sz="2000" dirty="0"/>
-                        </a:p>
-                      </a:txBody>
-                      <a:tcPr/>
-                    </a:tc>
-                    <a:tc>
-                      <a:txBody>
-                        <a:bodyPr/>
-                        <a:lstStyle/>
-                        <a:p>
-                          <a:pPr marL="0" marR="0" indent="0" algn="ctr" defTabSz="914400" rtl="0" eaLnBrk="1" fontAlgn="auto" latinLnBrk="0" hangingPunct="1">
-                            <a:lnSpc>
-                              <a:spcPct val="100000"/>
-                            </a:lnSpc>
-                            <a:spcBef>
-                              <a:spcPts val="0"/>
-                            </a:spcBef>
-                            <a:spcAft>
-                              <a:spcPts val="0"/>
-                            </a:spcAft>
-                            <a:buClrTx/>
-                            <a:buSzTx/>
-                            <a:buFontTx/>
-                            <a:buNone/>
-                            <a:tabLst/>
-                            <a:defRPr/>
-                          </a:pPr>
-                          <a:r>
-                            <a:rPr lang="en-US" sz="2000" dirty="0" smtClean="0">
-                              <a:ea typeface="Cambria Math" charset="0"/>
-                              <a:cs typeface="Cambria Math" charset="0"/>
-                            </a:rPr>
-                            <a:t>89.52%</a:t>
-                          </a:r>
-                          <a:r>
-                            <a:rPr lang="en-US" sz="2000" baseline="0" dirty="0" smtClean="0">
-                              <a:ea typeface="Cambria Math" charset="0"/>
-                              <a:cs typeface="Cambria Math" charset="0"/>
-                            </a:rPr>
-                            <a:t> </a:t>
-                          </a:r>
-                          <a14:m>
-                            <m:oMath xmlns:m="http://schemas.openxmlformats.org/officeDocument/2006/math">
-                              <m:r>
-                                <a:rPr lang="en-US" sz="2000" i="1" smtClean="0">
-                                  <a:latin typeface="Cambria Math" charset="0"/>
-                                  <a:ea typeface="Cambria Math" charset="0"/>
-                                  <a:cs typeface="Cambria Math" charset="0"/>
-                                </a:rPr>
-                                <m:t>±</m:t>
-                              </m:r>
-                            </m:oMath>
-                          </a14:m>
-                          <a:r>
-                            <a:rPr lang="en-US" sz="2000" dirty="0" smtClean="0"/>
-                            <a:t> 0.15%</a:t>
-                          </a:r>
-                          <a:endParaRPr lang="en-US" sz="2000" dirty="0"/>
-                        </a:p>
-                      </a:txBody>
-                      <a:tcPr/>
-                    </a:tc>
-                    <a:tc>
-                      <a:txBody>
-                        <a:bodyPr/>
-                        <a:lstStyle/>
-                        <a:p>
-                          <a:pPr algn="ctr"/>
-                          <a:r>
-                            <a:rPr lang="en-US" sz="2000" dirty="0" err="1" smtClean="0"/>
-                            <a:t>Orlin</a:t>
-                          </a:r>
-                          <a:endParaRPr lang="en-US" sz="2000" dirty="0"/>
-                        </a:p>
-                      </a:txBody>
-                      <a:tcPr/>
-                    </a:tc>
-                    <a:tc>
-                      <a:txBody>
-                        <a:bodyPr/>
-                        <a:lstStyle/>
-                        <a:p>
-                          <a:pPr marL="0" marR="0" indent="0" algn="ctr" defTabSz="914400" rtl="0" eaLnBrk="1" fontAlgn="auto" latinLnBrk="0" hangingPunct="1">
-                            <a:lnSpc>
-                              <a:spcPct val="100000"/>
-                            </a:lnSpc>
-                            <a:spcBef>
-                              <a:spcPts val="0"/>
-                            </a:spcBef>
-                            <a:spcAft>
-                              <a:spcPts val="0"/>
-                            </a:spcAft>
-                            <a:buClrTx/>
-                            <a:buSzTx/>
-                            <a:buFontTx/>
-                            <a:buNone/>
-                            <a:tabLst/>
-                            <a:defRPr/>
-                          </a:pPr>
-                          <a:r>
-                            <a:rPr lang="en-US" sz="2000" dirty="0" smtClean="0">
-                              <a:ea typeface="Cambria Math" charset="0"/>
-                              <a:cs typeface="Cambria Math" charset="0"/>
-                            </a:rPr>
-                            <a:t>76.23%</a:t>
-                          </a:r>
-                          <a:r>
-                            <a:rPr lang="en-US" sz="2000" baseline="0" dirty="0" smtClean="0">
-                              <a:ea typeface="Cambria Math" charset="0"/>
-                              <a:cs typeface="Cambria Math" charset="0"/>
-                            </a:rPr>
-                            <a:t> </a:t>
-                          </a:r>
-                          <a14:m>
-                            <m:oMath xmlns:m="http://schemas.openxmlformats.org/officeDocument/2006/math">
-                              <m:r>
-                                <a:rPr lang="en-US" sz="2000" i="1" smtClean="0">
-                                  <a:latin typeface="Cambria Math" charset="0"/>
-                                  <a:ea typeface="Cambria Math" charset="0"/>
-                                  <a:cs typeface="Cambria Math" charset="0"/>
-                                </a:rPr>
-                                <m:t>±</m:t>
-                              </m:r>
-                            </m:oMath>
-                          </a14:m>
-                          <a:r>
-                            <a:rPr lang="en-US" sz="2000" dirty="0" smtClean="0"/>
-                            <a:t> 0.05%</a:t>
-                          </a:r>
-                          <a:endParaRPr lang="en-US" sz="2000" dirty="0"/>
-                        </a:p>
-                      </a:txBody>
-                      <a:tcPr/>
-                    </a:tc>
-                  </a:tr>
-                  <a:tr h="370840">
-                    <a:tc>
-                      <a:txBody>
-                        <a:bodyPr/>
-                        <a:lstStyle/>
-                        <a:p>
-                          <a:r>
-                            <a:rPr lang="en-US" sz="2000" b="1" dirty="0" smtClean="0"/>
-                            <a:t>Average</a:t>
-                          </a:r>
-                          <a:endParaRPr lang="en-US" sz="2000" b="1" dirty="0"/>
-                        </a:p>
-                      </a:txBody>
-                      <a:tcPr/>
-                    </a:tc>
-                    <a:tc gridSpan="3">
-                      <a:txBody>
-                        <a:bodyPr/>
-                        <a:lstStyle/>
-                        <a:p>
-                          <a:pPr algn="ctr"/>
-                          <a:r>
-                            <a:rPr lang="en-US" sz="2000" dirty="0" smtClean="0"/>
-                            <a:t>78.14%</a:t>
-                          </a:r>
-                          <a:endParaRPr lang="en-US" sz="2000" dirty="0"/>
-                        </a:p>
-                      </a:txBody>
-                      <a:tcPr/>
-                    </a:tc>
-                    <a:tc hMerge="1">
-                      <a:txBody>
-                        <a:bodyPr/>
-                        <a:lstStyle/>
-                        <a:p>
-                          <a:pPr algn="ctr"/>
-                          <a:endParaRPr lang="en-US" sz="2000" dirty="0"/>
-                        </a:p>
-                      </a:txBody>
-                      <a:tcPr/>
-                    </a:tc>
-                    <a:tc hMerge="1">
-                      <a:txBody>
-                        <a:bodyPr/>
-                        <a:lstStyle/>
-                        <a:p>
-                          <a:pPr algn="ctr"/>
-                          <a:endParaRPr lang="en-US" sz="2000" dirty="0"/>
-                        </a:p>
-                      </a:txBody>
-                      <a:tcPr/>
-                    </a:tc>
-                  </a:tr>
-                </a:tbl>
-              </a:graphicData>
-            </a:graphic>
-          </p:graphicFrame>
-        </mc:Choice>
-        <mc:Fallback xmlns="">
-          <p:graphicFrame>
-            <p:nvGraphicFramePr>
-              <p:cNvPr id="6" name="Table 5"/>
-              <p:cNvGraphicFramePr>
-                <a:graphicFrameLocks noGrp="1"/>
-              </p:cNvGraphicFramePr>
-              <p:nvPr>
-                <p:extLst>
-                  <p:ext uri="{D42A27DB-BD31-4B8C-83A1-F6EECF244321}">
-                    <p14:modId xmlns:p14="http://schemas.microsoft.com/office/powerpoint/2010/main" val="1473271939"/>
-                  </p:ext>
-                </p:extLst>
-              </p:nvPr>
-            </p:nvGraphicFramePr>
-            <p:xfrm>
-              <a:off x="1434882" y="2527676"/>
-              <a:ext cx="9322236" cy="3474720"/>
-            </p:xfrm>
-            <a:graphic>
-              <a:graphicData uri="http://schemas.openxmlformats.org/drawingml/2006/table">
-                <a:tbl>
-                  <a:tblPr firstRow="1" bandRow="1">
-                    <a:tableStyleId>{5C22544A-7EE6-4342-B048-85BDC9FD1C3A}</a:tableStyleId>
-                  </a:tblPr>
-                  <a:tblGrid>
-                    <a:gridCol w="2693227"/>
-                    <a:gridCol w="2167533"/>
-                    <a:gridCol w="2389403"/>
-                    <a:gridCol w="2072073"/>
-                  </a:tblGrid>
-                  <a:tr h="701040">
-                    <a:tc>
-                      <a:txBody>
-                        <a:bodyPr/>
-                        <a:lstStyle/>
-                        <a:p>
-                          <a:pPr algn="ctr"/>
-                          <a:r>
-                            <a:rPr lang="en-US" sz="2000" dirty="0" smtClean="0"/>
-                            <a:t>LOO Subject</a:t>
-                          </a:r>
-                          <a:endParaRPr lang="en-US" sz="2000" dirty="0"/>
-                        </a:p>
-                      </a:txBody>
-                      <a:tcPr/>
-                    </a:tc>
-                    <a:tc>
-                      <a:txBody>
-                        <a:bodyPr/>
-                        <a:lstStyle/>
-                        <a:p>
-                          <a:pPr algn="ctr"/>
-                          <a:r>
-                            <a:rPr lang="en-US" sz="2000" dirty="0" smtClean="0"/>
-                            <a:t>F1 </a:t>
-                          </a:r>
-                          <a:r>
-                            <a:rPr lang="en-US" sz="2000" baseline="0" dirty="0" smtClean="0"/>
-                            <a:t>Mean</a:t>
-                          </a:r>
-                        </a:p>
-                        <a:p>
-                          <a:pPr algn="ctr"/>
-                          <a:r>
-                            <a:rPr lang="en-US" sz="2000" baseline="0" dirty="0" smtClean="0"/>
-                            <a:t>(SP + SW)</a:t>
-                          </a:r>
-                          <a:endParaRPr lang="en-US" sz="2000" dirty="0"/>
-                        </a:p>
-                      </a:txBody>
-                      <a:tcPr/>
-                    </a:tc>
-                    <a:tc>
-                      <a:txBody>
-                        <a:bodyPr/>
-                        <a:lstStyle/>
-                        <a:p>
-                          <a:pPr algn="ctr"/>
-                          <a:r>
-                            <a:rPr lang="en-US" sz="2000" dirty="0" smtClean="0"/>
-                            <a:t>LOO Subject</a:t>
-                          </a:r>
-                          <a:endParaRPr lang="en-US" sz="2000" dirty="0"/>
-                        </a:p>
-                      </a:txBody>
-                      <a:tcPr/>
-                    </a:tc>
-                    <a:tc>
-                      <a:txBody>
-                        <a:bodyPr/>
-                        <a:lstStyle/>
-                        <a:p>
-                          <a:pPr algn="ctr"/>
-                          <a:r>
-                            <a:rPr lang="en-US" sz="2000" dirty="0" smtClean="0"/>
-                            <a:t>F1 Mean</a:t>
-                          </a:r>
-                        </a:p>
-                        <a:p>
-                          <a:pPr algn="ctr"/>
-                          <a:r>
-                            <a:rPr lang="en-US" sz="2000" dirty="0" smtClean="0"/>
-                            <a:t>(SP + SW)</a:t>
-                          </a:r>
-                          <a:endParaRPr lang="en-US" sz="2000" dirty="0"/>
-                        </a:p>
-                      </a:txBody>
-                      <a:tcPr/>
-                    </a:tc>
-                  </a:tr>
-                  <a:tr h="396240">
-                    <a:tc>
-                      <a:txBody>
-                        <a:bodyPr/>
-                        <a:lstStyle/>
-                        <a:p>
-                          <a:r>
-                            <a:rPr lang="en-US" sz="2000" dirty="0" smtClean="0"/>
-                            <a:t>Edwin</a:t>
-                          </a:r>
-                          <a:endParaRPr lang="en-US" sz="2000" dirty="0"/>
-                        </a:p>
-                      </a:txBody>
-                      <a:tcPr/>
-                    </a:tc>
-                    <a:tc>
-                      <a:txBody>
-                        <a:bodyPr/>
-                        <a:lstStyle/>
-                        <a:p>
-                          <a:endParaRPr lang="en-US"/>
-                        </a:p>
-                      </a:txBody>
-                      <a:tcPr>
-                        <a:blipFill rotWithShape="0">
-                          <a:blip r:embed="rId2"/>
-                          <a:stretch>
-                            <a:fillRect l="-124438" t="-184615" r="-206742" b="-629231"/>
-                          </a:stretch>
-                        </a:blipFill>
-                      </a:tcPr>
-                    </a:tc>
-                    <a:tc>
-                      <a:txBody>
-                        <a:bodyPr/>
-                        <a:lstStyle/>
-                        <a:p>
-                          <a:pPr marL="0" marR="0" indent="0" algn="ctr" defTabSz="914400" rtl="0" eaLnBrk="1" fontAlgn="auto" latinLnBrk="0" hangingPunct="1">
-                            <a:lnSpc>
-                              <a:spcPct val="100000"/>
-                            </a:lnSpc>
-                            <a:spcBef>
-                              <a:spcPts val="0"/>
-                            </a:spcBef>
-                            <a:spcAft>
-                              <a:spcPts val="0"/>
-                            </a:spcAft>
-                            <a:buClrTx/>
-                            <a:buSzTx/>
-                            <a:buFontTx/>
-                            <a:buNone/>
-                            <a:tabLst/>
-                            <a:defRPr/>
-                          </a:pPr>
-                          <a:r>
-                            <a:rPr lang="en-US" sz="2000" dirty="0" smtClean="0"/>
-                            <a:t>Monica</a:t>
-                          </a:r>
-                          <a:endParaRPr lang="en-US" sz="2000" dirty="0"/>
-                        </a:p>
-                      </a:txBody>
-                      <a:tcPr/>
-                    </a:tc>
-                    <a:tc>
-                      <a:txBody>
-                        <a:bodyPr/>
-                        <a:lstStyle/>
-                        <a:p>
-                          <a:endParaRPr lang="en-US"/>
-                        </a:p>
-                      </a:txBody>
-                      <a:tcPr>
-                        <a:blipFill rotWithShape="0">
-                          <a:blip r:embed="rId2"/>
-                          <a:stretch>
-                            <a:fillRect l="-350294" t="-184615" r="-1176" b="-629231"/>
-                          </a:stretch>
-                        </a:blipFill>
-                      </a:tcPr>
-                    </a:tc>
-                  </a:tr>
-                  <a:tr h="396240">
-                    <a:tc>
-                      <a:txBody>
-                        <a:bodyPr/>
-                        <a:lstStyle/>
-                        <a:p>
-                          <a:r>
-                            <a:rPr lang="en-US" sz="2000" dirty="0" err="1" smtClean="0"/>
-                            <a:t>Shelina</a:t>
-                          </a:r>
-                          <a:endParaRPr lang="en-US" sz="2000" dirty="0"/>
-                        </a:p>
-                      </a:txBody>
-                      <a:tcPr/>
-                    </a:tc>
-                    <a:tc>
-                      <a:txBody>
-                        <a:bodyPr/>
-                        <a:lstStyle/>
-                        <a:p>
-                          <a:endParaRPr lang="en-US"/>
-                        </a:p>
-                      </a:txBody>
-                      <a:tcPr>
-                        <a:blipFill rotWithShape="0">
-                          <a:blip r:embed="rId2"/>
-                          <a:stretch>
-                            <a:fillRect l="-124438" t="-284615" r="-206742" b="-529231"/>
-                          </a:stretch>
-                        </a:blipFill>
-                      </a:tcPr>
-                    </a:tc>
-                    <a:tc>
-                      <a:txBody>
-                        <a:bodyPr/>
-                        <a:lstStyle/>
-                        <a:p>
-                          <a:pPr algn="ctr"/>
-                          <a:r>
-                            <a:rPr lang="en-US" sz="2000" dirty="0" smtClean="0"/>
-                            <a:t>Inge</a:t>
-                          </a:r>
-                          <a:endParaRPr lang="en-US" sz="2000" dirty="0"/>
-                        </a:p>
-                      </a:txBody>
-                      <a:tcPr/>
-                    </a:tc>
-                    <a:tc>
-                      <a:txBody>
-                        <a:bodyPr/>
-                        <a:lstStyle/>
-                        <a:p>
-                          <a:endParaRPr lang="en-US"/>
-                        </a:p>
-                      </a:txBody>
-                      <a:tcPr>
-                        <a:blipFill rotWithShape="0">
-                          <a:blip r:embed="rId2"/>
-                          <a:stretch>
-                            <a:fillRect l="-350294" t="-284615" r="-1176" b="-529231"/>
-                          </a:stretch>
-                        </a:blipFill>
-                      </a:tcPr>
-                    </a:tc>
-                  </a:tr>
-                  <a:tr h="396240">
-                    <a:tc>
-                      <a:txBody>
-                        <a:bodyPr/>
-                        <a:lstStyle/>
-                        <a:p>
-                          <a:r>
-                            <a:rPr lang="en-US" sz="2000" dirty="0" err="1" smtClean="0"/>
-                            <a:t>Mellita</a:t>
-                          </a:r>
-                          <a:endParaRPr lang="en-US" sz="2000" dirty="0"/>
-                        </a:p>
-                      </a:txBody>
-                      <a:tcPr/>
-                    </a:tc>
-                    <a:tc>
-                      <a:txBody>
-                        <a:bodyPr/>
-                        <a:lstStyle/>
-                        <a:p>
-                          <a:endParaRPr lang="en-US"/>
-                        </a:p>
-                      </a:txBody>
-                      <a:tcPr>
-                        <a:blipFill rotWithShape="0">
-                          <a:blip r:embed="rId2"/>
-                          <a:stretch>
-                            <a:fillRect l="-124438" t="-378788" r="-206742" b="-421212"/>
-                          </a:stretch>
-                        </a:blipFill>
-                      </a:tcPr>
-                    </a:tc>
-                    <a:tc>
-                      <a:txBody>
-                        <a:bodyPr/>
-                        <a:lstStyle/>
-                        <a:p>
-                          <a:pPr algn="ctr"/>
-                          <a:r>
-                            <a:rPr lang="en-US" sz="2000" dirty="0" err="1" smtClean="0"/>
-                            <a:t>Andri</a:t>
-                          </a:r>
-                          <a:endParaRPr lang="en-US" sz="2000" dirty="0"/>
-                        </a:p>
-                      </a:txBody>
-                      <a:tcPr/>
-                    </a:tc>
-                    <a:tc>
-                      <a:txBody>
-                        <a:bodyPr/>
-                        <a:lstStyle/>
-                        <a:p>
-                          <a:endParaRPr lang="en-US"/>
-                        </a:p>
-                      </a:txBody>
-                      <a:tcPr>
-                        <a:blipFill rotWithShape="0">
-                          <a:blip r:embed="rId2"/>
-                          <a:stretch>
-                            <a:fillRect l="-350294" t="-378788" r="-1176" b="-421212"/>
-                          </a:stretch>
-                        </a:blipFill>
-                      </a:tcPr>
-                    </a:tc>
-                  </a:tr>
-                  <a:tr h="396240">
-                    <a:tc>
-                      <a:txBody>
-                        <a:bodyPr/>
-                        <a:lstStyle/>
-                        <a:p>
-                          <a:r>
-                            <a:rPr lang="en-US" sz="2000" dirty="0" smtClean="0"/>
-                            <a:t>Nikolas</a:t>
-                          </a:r>
-                          <a:endParaRPr lang="en-US" sz="2000" dirty="0"/>
-                        </a:p>
-                      </a:txBody>
-                      <a:tcPr/>
-                    </a:tc>
-                    <a:tc>
-                      <a:txBody>
-                        <a:bodyPr/>
-                        <a:lstStyle/>
-                        <a:p>
-                          <a:endParaRPr lang="en-US"/>
-                        </a:p>
-                      </a:txBody>
-                      <a:tcPr>
-                        <a:blipFill rotWithShape="0">
-                          <a:blip r:embed="rId2"/>
-                          <a:stretch>
-                            <a:fillRect l="-124438" t="-486154" r="-206742" b="-327692"/>
-                          </a:stretch>
-                        </a:blipFill>
-                      </a:tcPr>
-                    </a:tc>
-                    <a:tc>
-                      <a:txBody>
-                        <a:bodyPr/>
-                        <a:lstStyle/>
-                        <a:p>
-                          <a:pPr algn="ctr"/>
-                          <a:r>
-                            <a:rPr lang="en-US" sz="2000" dirty="0" err="1" smtClean="0"/>
-                            <a:t>Arianto</a:t>
-                          </a:r>
-                          <a:endParaRPr lang="en-US" sz="2000" dirty="0"/>
-                        </a:p>
-                      </a:txBody>
-                      <a:tcPr/>
-                    </a:tc>
-                    <a:tc>
-                      <a:txBody>
-                        <a:bodyPr/>
-                        <a:lstStyle/>
-                        <a:p>
-                          <a:endParaRPr lang="en-US"/>
-                        </a:p>
-                      </a:txBody>
-                      <a:tcPr>
-                        <a:blipFill rotWithShape="0">
-                          <a:blip r:embed="rId2"/>
-                          <a:stretch>
-                            <a:fillRect l="-350294" t="-486154" r="-1176" b="-327692"/>
-                          </a:stretch>
-                        </a:blipFill>
-                      </a:tcPr>
-                    </a:tc>
-                  </a:tr>
-                  <a:tr h="396240">
-                    <a:tc>
-                      <a:txBody>
-                        <a:bodyPr/>
-                        <a:lstStyle/>
-                        <a:p>
-                          <a:r>
-                            <a:rPr lang="en-US" sz="2000" dirty="0" smtClean="0"/>
-                            <a:t>Samuel</a:t>
-                          </a:r>
-                          <a:endParaRPr lang="en-US" sz="2000" dirty="0"/>
-                        </a:p>
-                      </a:txBody>
-                      <a:tcPr/>
-                    </a:tc>
-                    <a:tc>
-                      <a:txBody>
-                        <a:bodyPr/>
-                        <a:lstStyle/>
-                        <a:p>
-                          <a:endParaRPr lang="en-US"/>
-                        </a:p>
-                      </a:txBody>
-                      <a:tcPr>
-                        <a:blipFill rotWithShape="0">
-                          <a:blip r:embed="rId2"/>
-                          <a:stretch>
-                            <a:fillRect l="-124438" t="-586154" r="-206742" b="-227692"/>
-                          </a:stretch>
-                        </a:blipFill>
-                      </a:tcPr>
-                    </a:tc>
-                    <a:tc>
-                      <a:txBody>
-                        <a:bodyPr/>
-                        <a:lstStyle/>
-                        <a:p>
-                          <a:pPr algn="ctr"/>
-                          <a:r>
-                            <a:rPr lang="en-US" sz="2000" dirty="0" err="1" smtClean="0"/>
-                            <a:t>Vina</a:t>
-                          </a:r>
-                          <a:endParaRPr lang="en-US" sz="2000" dirty="0"/>
-                        </a:p>
-                      </a:txBody>
-                      <a:tcPr/>
-                    </a:tc>
-                    <a:tc>
-                      <a:txBody>
-                        <a:bodyPr/>
-                        <a:lstStyle/>
-                        <a:p>
-                          <a:endParaRPr lang="en-US"/>
-                        </a:p>
-                      </a:txBody>
-                      <a:tcPr>
-                        <a:blipFill rotWithShape="0">
-                          <a:blip r:embed="rId2"/>
-                          <a:stretch>
-                            <a:fillRect l="-350294" t="-586154" r="-1176" b="-227692"/>
-                          </a:stretch>
-                        </a:blipFill>
-                      </a:tcPr>
-                    </a:tc>
-                  </a:tr>
-                  <a:tr h="396240">
-                    <a:tc>
-                      <a:txBody>
-                        <a:bodyPr/>
-                        <a:lstStyle/>
-                        <a:p>
-                          <a:r>
-                            <a:rPr lang="en-US" sz="2000" dirty="0" smtClean="0"/>
-                            <a:t>Elmo</a:t>
-                          </a:r>
-                          <a:endParaRPr lang="en-US" sz="2000" dirty="0"/>
-                        </a:p>
-                      </a:txBody>
-                      <a:tcPr/>
-                    </a:tc>
-                    <a:tc>
-                      <a:txBody>
-                        <a:bodyPr/>
-                        <a:lstStyle/>
-                        <a:p>
-                          <a:endParaRPr lang="en-US"/>
-                        </a:p>
-                      </a:txBody>
-                      <a:tcPr>
-                        <a:blipFill rotWithShape="0">
-                          <a:blip r:embed="rId2"/>
-                          <a:stretch>
-                            <a:fillRect l="-124438" t="-686154" r="-206742" b="-127692"/>
-                          </a:stretch>
-                        </a:blipFill>
-                      </a:tcPr>
-                    </a:tc>
-                    <a:tc>
-                      <a:txBody>
-                        <a:bodyPr/>
-                        <a:lstStyle/>
-                        <a:p>
-                          <a:pPr algn="ctr"/>
-                          <a:r>
-                            <a:rPr lang="en-US" sz="2000" dirty="0" err="1" smtClean="0"/>
-                            <a:t>Orlin</a:t>
-                          </a:r>
-                          <a:endParaRPr lang="en-US" sz="2000" dirty="0"/>
-                        </a:p>
-                      </a:txBody>
-                      <a:tcPr/>
-                    </a:tc>
-                    <a:tc>
-                      <a:txBody>
-                        <a:bodyPr/>
-                        <a:lstStyle/>
-                        <a:p>
-                          <a:endParaRPr lang="en-US"/>
-                        </a:p>
-                      </a:txBody>
-                      <a:tcPr>
-                        <a:blipFill rotWithShape="0">
-                          <a:blip r:embed="rId2"/>
-                          <a:stretch>
-                            <a:fillRect l="-350294" t="-686154" r="-1176" b="-127692"/>
-                          </a:stretch>
-                        </a:blipFill>
-                      </a:tcPr>
-                    </a:tc>
-                  </a:tr>
-                  <a:tr h="396240">
-                    <a:tc>
-                      <a:txBody>
-                        <a:bodyPr/>
-                        <a:lstStyle/>
-                        <a:p>
-                          <a:r>
-                            <a:rPr lang="en-US" sz="2000" b="1" dirty="0" smtClean="0"/>
-                            <a:t>Average</a:t>
-                          </a:r>
-                          <a:endParaRPr lang="en-US" sz="2000" b="1" dirty="0"/>
-                        </a:p>
-                      </a:txBody>
-                      <a:tcPr/>
-                    </a:tc>
-                    <a:tc gridSpan="3">
-                      <a:txBody>
-                        <a:bodyPr/>
-                        <a:lstStyle/>
-                        <a:p>
-                          <a:pPr algn="ctr"/>
-                          <a:r>
-                            <a:rPr lang="en-US" sz="2000" dirty="0" smtClean="0"/>
-                            <a:t>78.14%</a:t>
-                          </a:r>
-                          <a:endParaRPr lang="en-US" sz="2000" dirty="0"/>
-                        </a:p>
-                      </a:txBody>
-                      <a:tcPr/>
-                    </a:tc>
-                    <a:tc hMerge="1">
-                      <a:txBody>
-                        <a:bodyPr/>
-                        <a:lstStyle/>
-                        <a:p>
-                          <a:pPr algn="ctr"/>
-                          <a:endParaRPr lang="en-US" sz="2000" dirty="0"/>
-                        </a:p>
-                      </a:txBody>
-                      <a:tcPr/>
-                    </a:tc>
-                    <a:tc hMerge="1">
-                      <a:txBody>
-                        <a:bodyPr/>
-                        <a:lstStyle/>
-                        <a:p>
-                          <a:pPr algn="ctr"/>
-                          <a:endParaRPr lang="en-US" sz="2000" dirty="0"/>
-                        </a:p>
-                      </a:txBody>
-                      <a:tcPr/>
-                    </a:tc>
-                  </a:tr>
-                </a:tbl>
-              </a:graphicData>
-            </a:graphic>
-          </p:graphicFrame>
-        </mc:Fallback>
-      </mc:AlternateContent>
-    </p:spTree>
-    <p:extLst>
-      <p:ext uri="{BB962C8B-B14F-4D97-AF65-F5344CB8AC3E}">
-        <p14:creationId xmlns:p14="http://schemas.microsoft.com/office/powerpoint/2010/main" val="776235304"/>
-      </p:ext>
-    </p:extLst>
-  </p:cSld>
-  <p:clrMapOvr>
-    <a:masterClrMapping/>
-  </p:clrMapOvr>
-  <p:timing>
-    <p:tnLst>
-      <p:par>
-        <p:cTn id="1" dur="indefinite" restart="never" nodeType="tmRoot"/>
-      </p:par>
-    </p:tnLst>
-  </p:timing>
-</p:sld>
-</file>
-
-<file path=ppt/slides/slide39.xml><?xml version="1.0" encoding="utf-8"?>
-<p:sld xmlns:a="http://schemas.openxmlformats.org/drawingml/2006/main" xmlns:r="http://schemas.openxmlformats.org/officeDocument/2006/relationships" xmlns:p="http://schemas.openxmlformats.org/presentationml/2006/main">
-  <p:cSld>
-    <p:spTree>
-      <p:nvGrpSpPr>
-        <p:cNvPr id="1" name=""/>
-        <p:cNvGrpSpPr/>
-        <p:nvPr/>
-      </p:nvGrpSpPr>
-      <p:grpSpPr>
-        <a:xfrm>
-          <a:off x="0" y="0"/>
-          <a:ext cx="0" cy="0"/>
-          <a:chOff x="0" y="0"/>
-          <a:chExt cx="0" cy="0"/>
-        </a:xfrm>
-      </p:grpSpPr>
-      <p:sp>
-        <p:nvSpPr>
-          <p:cNvPr id="4" name="Title 1"/>
-          <p:cNvSpPr txBox="1">
-            <a:spLocks/>
-          </p:cNvSpPr>
-          <p:nvPr/>
-        </p:nvSpPr>
-        <p:spPr>
-          <a:xfrm>
-            <a:off x="838200" y="365125"/>
-            <a:ext cx="10515600" cy="1325563"/>
-          </a:xfrm>
-          <a:prstGeom prst="rect">
-            <a:avLst/>
-          </a:prstGeom>
-        </p:spPr>
-        <p:txBody>
-          <a:bodyPr vert="horz" lIns="91440" tIns="45720" rIns="91440" bIns="45720" rtlCol="0" anchor="ctr">
-            <a:normAutofit/>
-          </a:bodyPr>
-          <a:lstStyle>
-            <a:lvl1pPr algn="l" defTabSz="914400" rtl="0" eaLnBrk="1" latinLnBrk="0" hangingPunct="1">
-              <a:lnSpc>
-                <a:spcPct val="90000"/>
-              </a:lnSpc>
-              <a:spcBef>
-                <a:spcPct val="0"/>
-              </a:spcBef>
-              <a:buNone/>
-              <a:defRPr sz="4400" kern="1200">
-                <a:solidFill>
-                  <a:schemeClr val="tx1"/>
-                </a:solidFill>
-                <a:latin typeface="+mj-lt"/>
-                <a:ea typeface="+mj-ea"/>
-                <a:cs typeface="+mj-cs"/>
-              </a:defRPr>
-            </a:lvl1pPr>
-          </a:lstStyle>
-          <a:p>
-            <a:r>
-              <a:rPr lang="en-US" b="1" dirty="0" smtClean="0"/>
-              <a:t>LOO (12 PERSONS)</a:t>
-            </a:r>
-            <a:endParaRPr lang="en-US" b="1" dirty="0"/>
-          </a:p>
-        </p:txBody>
-      </p:sp>
-      <p:sp>
-        <p:nvSpPr>
-          <p:cNvPr id="5" name="Content Placeholder 2"/>
-          <p:cNvSpPr txBox="1">
-            <a:spLocks/>
-          </p:cNvSpPr>
-          <p:nvPr/>
-        </p:nvSpPr>
-        <p:spPr>
-          <a:xfrm>
-            <a:off x="838200" y="1482436"/>
-            <a:ext cx="10515600" cy="4694527"/>
-          </a:xfrm>
-          <a:prstGeom prst="rect">
-            <a:avLst/>
-          </a:prstGeom>
-        </p:spPr>
-        <p:txBody>
-          <a:bodyPr vert="horz" lIns="91440" tIns="45720" rIns="91440" bIns="45720" rtlCol="0">
-            <a:normAutofit/>
-          </a:bodyPr>
-          <a:lstStyle>
-            <a:lvl1pPr marL="228600" indent="-228600" algn="l" defTabSz="914400" rtl="0" eaLnBrk="1" latinLnBrk="0" hangingPunct="1">
-              <a:lnSpc>
-                <a:spcPct val="90000"/>
-              </a:lnSpc>
-              <a:spcBef>
-                <a:spcPts val="1000"/>
-              </a:spcBef>
-              <a:buFont typeface="Arial"/>
-              <a:buChar char="•"/>
-              <a:defRPr sz="2800" kern="1200">
-                <a:solidFill>
-                  <a:schemeClr val="tx1"/>
-                </a:solidFill>
-                <a:latin typeface="+mn-lt"/>
-                <a:ea typeface="+mn-ea"/>
-                <a:cs typeface="+mn-cs"/>
-              </a:defRPr>
-            </a:lvl1pPr>
-            <a:lvl2pPr marL="685800" indent="-228600" algn="l" defTabSz="914400" rtl="0" eaLnBrk="1" latinLnBrk="0" hangingPunct="1">
-              <a:lnSpc>
-                <a:spcPct val="90000"/>
-              </a:lnSpc>
-              <a:spcBef>
-                <a:spcPts val="500"/>
-              </a:spcBef>
-              <a:buFont typeface="Arial"/>
-              <a:buChar char="•"/>
-              <a:defRPr sz="2400" kern="1200">
-                <a:solidFill>
-                  <a:schemeClr val="tx1"/>
-                </a:solidFill>
-                <a:latin typeface="+mn-lt"/>
-                <a:ea typeface="+mn-ea"/>
-                <a:cs typeface="+mn-cs"/>
-              </a:defRPr>
-            </a:lvl2pPr>
-            <a:lvl3pPr marL="1143000" indent="-228600" algn="l" defTabSz="914400" rtl="0" eaLnBrk="1" latinLnBrk="0" hangingPunct="1">
-              <a:lnSpc>
-                <a:spcPct val="90000"/>
-              </a:lnSpc>
-              <a:spcBef>
-                <a:spcPts val="500"/>
-              </a:spcBef>
-              <a:buFont typeface="Arial"/>
-              <a:buChar char="•"/>
-              <a:defRPr sz="2000" kern="1200">
-                <a:solidFill>
-                  <a:schemeClr val="tx1"/>
-                </a:solidFill>
-                <a:latin typeface="+mn-lt"/>
-                <a:ea typeface="+mn-ea"/>
-                <a:cs typeface="+mn-cs"/>
-              </a:defRPr>
-            </a:lvl3pPr>
-            <a:lvl4pPr marL="1600200" indent="-228600" algn="l" defTabSz="914400" rtl="0" eaLnBrk="1" latinLnBrk="0" hangingPunct="1">
-              <a:lnSpc>
-                <a:spcPct val="90000"/>
-              </a:lnSpc>
-              <a:spcBef>
-                <a:spcPts val="500"/>
-              </a:spcBef>
-              <a:buFont typeface="Arial"/>
-              <a:buChar char="•"/>
-              <a:defRPr sz="1800" kern="1200">
-                <a:solidFill>
-                  <a:schemeClr val="tx1"/>
-                </a:solidFill>
-                <a:latin typeface="+mn-lt"/>
-                <a:ea typeface="+mn-ea"/>
-                <a:cs typeface="+mn-cs"/>
-              </a:defRPr>
-            </a:lvl4pPr>
-            <a:lvl5pPr marL="2057400" indent="-228600" algn="l" defTabSz="914400" rtl="0" eaLnBrk="1" latinLnBrk="0" hangingPunct="1">
-              <a:lnSpc>
-                <a:spcPct val="90000"/>
-              </a:lnSpc>
-              <a:spcBef>
-                <a:spcPts val="500"/>
-              </a:spcBef>
-              <a:buFont typeface="Arial"/>
-              <a:buChar char="•"/>
-              <a:defRPr sz="1800" kern="1200">
-                <a:solidFill>
-                  <a:schemeClr val="tx1"/>
-                </a:solidFill>
-                <a:latin typeface="+mn-lt"/>
-                <a:ea typeface="+mn-ea"/>
-                <a:cs typeface="+mn-cs"/>
-              </a:defRPr>
-            </a:lvl5pPr>
-            <a:lvl6pPr marL="2514600" indent="-228600" algn="l" defTabSz="914400" rtl="0" eaLnBrk="1" latinLnBrk="0" hangingPunct="1">
-              <a:lnSpc>
-                <a:spcPct val="90000"/>
-              </a:lnSpc>
-              <a:spcBef>
-                <a:spcPts val="500"/>
-              </a:spcBef>
-              <a:buFont typeface="Arial"/>
-              <a:buChar char="•"/>
-              <a:defRPr sz="1800" kern="1200">
-                <a:solidFill>
-                  <a:schemeClr val="tx1"/>
-                </a:solidFill>
-                <a:latin typeface="+mn-lt"/>
-                <a:ea typeface="+mn-ea"/>
-                <a:cs typeface="+mn-cs"/>
-              </a:defRPr>
-            </a:lvl6pPr>
-            <a:lvl7pPr marL="2971800" indent="-228600" algn="l" defTabSz="914400" rtl="0" eaLnBrk="1" latinLnBrk="0" hangingPunct="1">
-              <a:lnSpc>
-                <a:spcPct val="90000"/>
-              </a:lnSpc>
-              <a:spcBef>
-                <a:spcPts val="500"/>
-              </a:spcBef>
-              <a:buFont typeface="Arial"/>
-              <a:buChar char="•"/>
-              <a:defRPr sz="1800" kern="1200">
-                <a:solidFill>
-                  <a:schemeClr val="tx1"/>
-                </a:solidFill>
-                <a:latin typeface="+mn-lt"/>
-                <a:ea typeface="+mn-ea"/>
-                <a:cs typeface="+mn-cs"/>
-              </a:defRPr>
-            </a:lvl7pPr>
-            <a:lvl8pPr marL="3429000" indent="-228600" algn="l" defTabSz="914400" rtl="0" eaLnBrk="1" latinLnBrk="0" hangingPunct="1">
-              <a:lnSpc>
-                <a:spcPct val="90000"/>
-              </a:lnSpc>
-              <a:spcBef>
-                <a:spcPts val="500"/>
-              </a:spcBef>
-              <a:buFont typeface="Arial"/>
-              <a:buChar char="•"/>
-              <a:defRPr sz="1800" kern="1200">
-                <a:solidFill>
-                  <a:schemeClr val="tx1"/>
-                </a:solidFill>
-                <a:latin typeface="+mn-lt"/>
-                <a:ea typeface="+mn-ea"/>
-                <a:cs typeface="+mn-cs"/>
-              </a:defRPr>
-            </a:lvl8pPr>
-            <a:lvl9pPr marL="3886200" indent="-228600" algn="l" defTabSz="914400" rtl="0" eaLnBrk="1" latinLnBrk="0" hangingPunct="1">
-              <a:lnSpc>
-                <a:spcPct val="90000"/>
-              </a:lnSpc>
-              <a:spcBef>
-                <a:spcPts val="500"/>
-              </a:spcBef>
-              <a:buFont typeface="Arial"/>
-              <a:buChar char="•"/>
-              <a:defRPr sz="1800" kern="1200">
-                <a:solidFill>
-                  <a:schemeClr val="tx1"/>
-                </a:solidFill>
-                <a:latin typeface="+mn-lt"/>
-                <a:ea typeface="+mn-ea"/>
-                <a:cs typeface="+mn-cs"/>
-              </a:defRPr>
-            </a:lvl9pPr>
-          </a:lstStyle>
-          <a:p>
-            <a:r>
-              <a:rPr lang="en-US" sz="2400" dirty="0" smtClean="0"/>
-              <a:t>14 Activities (</a:t>
-            </a:r>
-            <a:r>
-              <a:rPr lang="en-US" sz="2400" b="1" i="1" u="sng" dirty="0" smtClean="0"/>
-              <a:t>without Eating</a:t>
-            </a:r>
-            <a:r>
-              <a:rPr lang="en-US" sz="2400" dirty="0" smtClean="0"/>
-              <a:t>)</a:t>
-            </a:r>
-          </a:p>
-          <a:p>
-            <a:r>
-              <a:rPr lang="en-US" sz="2400" b="1" dirty="0" smtClean="0"/>
-              <a:t>RF</a:t>
-            </a:r>
-            <a:r>
-              <a:rPr lang="en-US" sz="2400" dirty="0" smtClean="0">
-                <a:sym typeface="Wingdings"/>
-              </a:rPr>
-              <a:t> Number of Estimators = 500</a:t>
-            </a:r>
-            <a:endParaRPr lang="en-US" sz="2400" dirty="0" smtClean="0"/>
-          </a:p>
-          <a:p>
-            <a:endParaRPr lang="en-US" sz="2400" dirty="0"/>
-          </a:p>
-        </p:txBody>
-      </p:sp>
-      <mc:AlternateContent xmlns:mc="http://schemas.openxmlformats.org/markup-compatibility/2006" xmlns:a14="http://schemas.microsoft.com/office/drawing/2010/main">
-        <mc:Choice Requires="a14">
-          <p:graphicFrame>
-            <p:nvGraphicFramePr>
-              <p:cNvPr id="6" name="Table 5"/>
-              <p:cNvGraphicFramePr>
-                <a:graphicFrameLocks noGrp="1"/>
-              </p:cNvGraphicFramePr>
-              <p:nvPr>
-                <p:extLst>
-                  <p:ext uri="{D42A27DB-BD31-4B8C-83A1-F6EECF244321}">
-                    <p14:modId xmlns:p14="http://schemas.microsoft.com/office/powerpoint/2010/main" val="1365798915"/>
-                  </p:ext>
-                </p:extLst>
-              </p:nvPr>
-            </p:nvGraphicFramePr>
-            <p:xfrm>
-              <a:off x="1434882" y="2527676"/>
-              <a:ext cx="9322236" cy="3474720"/>
-            </p:xfrm>
-            <a:graphic>
-              <a:graphicData uri="http://schemas.openxmlformats.org/drawingml/2006/table">
-                <a:tbl>
-                  <a:tblPr firstRow="1" bandRow="1">
-                    <a:tableStyleId>{5C22544A-7EE6-4342-B048-85BDC9FD1C3A}</a:tableStyleId>
-                  </a:tblPr>
-                  <a:tblGrid>
-                    <a:gridCol w="2693227"/>
-                    <a:gridCol w="2167533"/>
-                    <a:gridCol w="2389403"/>
-                    <a:gridCol w="2072073"/>
-                  </a:tblGrid>
-                  <a:tr h="370840">
-                    <a:tc>
-                      <a:txBody>
-                        <a:bodyPr/>
-                        <a:lstStyle/>
-                        <a:p>
-                          <a:pPr algn="ctr"/>
-                          <a:r>
-                            <a:rPr lang="en-US" sz="2000" dirty="0" smtClean="0"/>
-                            <a:t>LOO Subject</a:t>
-                          </a:r>
-                          <a:endParaRPr lang="en-US" sz="2000" dirty="0"/>
-                        </a:p>
-                      </a:txBody>
-                      <a:tcPr/>
-                    </a:tc>
-                    <a:tc>
-                      <a:txBody>
-                        <a:bodyPr/>
-                        <a:lstStyle/>
-                        <a:p>
-                          <a:pPr algn="ctr"/>
-                          <a:r>
-                            <a:rPr lang="en-US" sz="2000" dirty="0" smtClean="0"/>
-                            <a:t>F1 </a:t>
-                          </a:r>
-                          <a:r>
-                            <a:rPr lang="en-US" sz="2000" baseline="0" dirty="0" smtClean="0"/>
-                            <a:t>Mean</a:t>
-                          </a:r>
-                        </a:p>
-                        <a:p>
-                          <a:pPr algn="ctr"/>
-                          <a:r>
-                            <a:rPr lang="en-US" sz="2000" baseline="0" dirty="0" smtClean="0"/>
-                            <a:t>(SP + SW)</a:t>
-                          </a:r>
-                          <a:endParaRPr lang="en-US" sz="2000" dirty="0"/>
-                        </a:p>
-                      </a:txBody>
-                      <a:tcPr/>
-                    </a:tc>
-                    <a:tc>
-                      <a:txBody>
-                        <a:bodyPr/>
-                        <a:lstStyle/>
-                        <a:p>
-                          <a:pPr algn="ctr"/>
-                          <a:r>
-                            <a:rPr lang="en-US" sz="2000" dirty="0" smtClean="0"/>
-                            <a:t>LOO Subject</a:t>
-                          </a:r>
-                          <a:endParaRPr lang="en-US" sz="2000" dirty="0"/>
-                        </a:p>
-                      </a:txBody>
-                      <a:tcPr/>
-                    </a:tc>
-                    <a:tc>
-                      <a:txBody>
-                        <a:bodyPr/>
-                        <a:lstStyle/>
-                        <a:p>
-                          <a:pPr algn="ctr"/>
-                          <a:r>
-                            <a:rPr lang="en-US" sz="2000" dirty="0" smtClean="0"/>
-                            <a:t>F1 Mean</a:t>
-                          </a:r>
-                        </a:p>
-                        <a:p>
-                          <a:pPr algn="ctr"/>
-                          <a:r>
-                            <a:rPr lang="en-US" sz="2000" dirty="0" smtClean="0"/>
-                            <a:t>(SP + SW)</a:t>
-                          </a:r>
-                          <a:endParaRPr lang="en-US" sz="2000" dirty="0"/>
-                        </a:p>
-                      </a:txBody>
-                      <a:tcPr/>
-                    </a:tc>
-                  </a:tr>
-                  <a:tr h="370840">
-                    <a:tc>
-                      <a:txBody>
-                        <a:bodyPr/>
-                        <a:lstStyle/>
-                        <a:p>
-                          <a:r>
-                            <a:rPr lang="en-US" sz="2000" dirty="0" smtClean="0"/>
-                            <a:t>Edwin</a:t>
-                          </a:r>
-                          <a:endParaRPr lang="en-US" sz="2000" dirty="0"/>
-                        </a:p>
-                      </a:txBody>
-                      <a:tcPr/>
-                    </a:tc>
-                    <a:tc>
-                      <a:txBody>
-                        <a:bodyPr/>
-                        <a:lstStyle/>
-                        <a:p>
-                          <a:pPr marL="0" marR="0" indent="0" algn="ctr" defTabSz="914400" rtl="0" eaLnBrk="1" fontAlgn="auto" latinLnBrk="0" hangingPunct="1">
-                            <a:lnSpc>
-                              <a:spcPct val="100000"/>
-                            </a:lnSpc>
-                            <a:spcBef>
-                              <a:spcPts val="0"/>
-                            </a:spcBef>
-                            <a:spcAft>
-                              <a:spcPts val="0"/>
-                            </a:spcAft>
-                            <a:buClrTx/>
-                            <a:buSzTx/>
-                            <a:buFontTx/>
-                            <a:buNone/>
-                            <a:tabLst/>
-                            <a:defRPr/>
-                          </a:pPr>
-                          <a:r>
-                            <a:rPr lang="en-US" sz="2000" dirty="0" smtClean="0">
-                              <a:ea typeface="Cambria Math" charset="0"/>
-                              <a:cs typeface="Cambria Math" charset="0"/>
-                            </a:rPr>
-                            <a:t>88.76%</a:t>
-                          </a:r>
-                          <a:r>
-                            <a:rPr lang="en-US" sz="2000" baseline="0" dirty="0" smtClean="0">
-                              <a:ea typeface="Cambria Math" charset="0"/>
-                              <a:cs typeface="Cambria Math" charset="0"/>
-                            </a:rPr>
-                            <a:t> </a:t>
-                          </a:r>
-                          <a14:m>
-                            <m:oMath xmlns:m="http://schemas.openxmlformats.org/officeDocument/2006/math">
-                              <m:r>
-                                <a:rPr lang="en-US" sz="2000" i="1" smtClean="0">
-                                  <a:latin typeface="Cambria Math" charset="0"/>
-                                  <a:ea typeface="Cambria Math" charset="0"/>
-                                  <a:cs typeface="Cambria Math" charset="0"/>
-                                </a:rPr>
-                                <m:t>±</m:t>
-                              </m:r>
-                            </m:oMath>
-                          </a14:m>
-                          <a:r>
-                            <a:rPr lang="en-US" sz="2000" dirty="0" smtClean="0"/>
-                            <a:t> 0.15%</a:t>
-                          </a:r>
-                          <a:endParaRPr lang="en-US" sz="2000" dirty="0"/>
-                        </a:p>
-                      </a:txBody>
-                      <a:tcPr/>
-                    </a:tc>
-                    <a:tc>
-                      <a:txBody>
-                        <a:bodyPr/>
-                        <a:lstStyle/>
-                        <a:p>
-                          <a:pPr marL="0" marR="0" indent="0" algn="ctr" defTabSz="914400" rtl="0" eaLnBrk="1" fontAlgn="auto" latinLnBrk="0" hangingPunct="1">
-                            <a:lnSpc>
-                              <a:spcPct val="100000"/>
-                            </a:lnSpc>
-                            <a:spcBef>
-                              <a:spcPts val="0"/>
-                            </a:spcBef>
-                            <a:spcAft>
-                              <a:spcPts val="0"/>
-                            </a:spcAft>
-                            <a:buClrTx/>
-                            <a:buSzTx/>
-                            <a:buFontTx/>
-                            <a:buNone/>
-                            <a:tabLst/>
-                            <a:defRPr/>
-                          </a:pPr>
-                          <a:r>
-                            <a:rPr lang="en-US" sz="2000" dirty="0" smtClean="0"/>
-                            <a:t>Elmo</a:t>
-                          </a:r>
-                          <a:endParaRPr lang="en-US" sz="2000" dirty="0"/>
-                        </a:p>
-                      </a:txBody>
-                      <a:tcPr/>
-                    </a:tc>
-                    <a:tc>
-                      <a:txBody>
-                        <a:bodyPr/>
-                        <a:lstStyle/>
-                        <a:p>
-                          <a:pPr marL="0" marR="0" indent="0" algn="ctr" defTabSz="914400" rtl="0" eaLnBrk="1" fontAlgn="auto" latinLnBrk="0" hangingPunct="1">
-                            <a:lnSpc>
-                              <a:spcPct val="100000"/>
-                            </a:lnSpc>
-                            <a:spcBef>
-                              <a:spcPts val="0"/>
-                            </a:spcBef>
-                            <a:spcAft>
-                              <a:spcPts val="0"/>
-                            </a:spcAft>
-                            <a:buClrTx/>
-                            <a:buSzTx/>
-                            <a:buFontTx/>
-                            <a:buNone/>
-                            <a:tabLst/>
-                            <a:defRPr/>
-                          </a:pPr>
-                          <a:r>
-                            <a:rPr lang="en-US" sz="2000" dirty="0" smtClean="0">
-                              <a:ea typeface="Cambria Math" charset="0"/>
-                              <a:cs typeface="Cambria Math" charset="0"/>
-                            </a:rPr>
-                            <a:t>86.86%</a:t>
-                          </a:r>
-                          <a:r>
-                            <a:rPr lang="en-US" sz="2000" baseline="0" dirty="0" smtClean="0">
-                              <a:ea typeface="Cambria Math" charset="0"/>
-                              <a:cs typeface="Cambria Math" charset="0"/>
-                            </a:rPr>
-                            <a:t> </a:t>
-                          </a:r>
-                          <a14:m>
-                            <m:oMath xmlns:m="http://schemas.openxmlformats.org/officeDocument/2006/math">
-                              <m:r>
-                                <a:rPr lang="en-US" sz="2000" i="1" smtClean="0">
-                                  <a:latin typeface="Cambria Math" charset="0"/>
-                                  <a:ea typeface="Cambria Math" charset="0"/>
-                                  <a:cs typeface="Cambria Math" charset="0"/>
-                                </a:rPr>
-                                <m:t>±</m:t>
-                              </m:r>
-                            </m:oMath>
-                          </a14:m>
-                          <a:r>
-                            <a:rPr lang="en-US" sz="2000" dirty="0" smtClean="0"/>
-                            <a:t> 0.19%</a:t>
-                          </a:r>
-                          <a:endParaRPr lang="en-US" sz="2000" dirty="0"/>
-                        </a:p>
-                      </a:txBody>
-                      <a:tcPr/>
-                    </a:tc>
-                  </a:tr>
-                  <a:tr h="370840">
-                    <a:tc>
-                      <a:txBody>
-                        <a:bodyPr/>
-                        <a:lstStyle/>
-                        <a:p>
-                          <a:r>
-                            <a:rPr lang="en-US" sz="2000" dirty="0" smtClean="0"/>
-                            <a:t>Lauren</a:t>
-                          </a:r>
-                          <a:endParaRPr lang="en-US" sz="2000" dirty="0"/>
-                        </a:p>
-                      </a:txBody>
-                      <a:tcPr/>
-                    </a:tc>
-                    <a:tc>
-                      <a:txBody>
-                        <a:bodyPr/>
-                        <a:lstStyle/>
-                        <a:p>
-                          <a:pPr marL="0" marR="0" indent="0" algn="ctr" defTabSz="914400" rtl="0" eaLnBrk="1" fontAlgn="auto" latinLnBrk="0" hangingPunct="1">
-                            <a:lnSpc>
-                              <a:spcPct val="100000"/>
-                            </a:lnSpc>
-                            <a:spcBef>
-                              <a:spcPts val="0"/>
-                            </a:spcBef>
-                            <a:spcAft>
-                              <a:spcPts val="0"/>
-                            </a:spcAft>
-                            <a:buClrTx/>
-                            <a:buSzTx/>
-                            <a:buFontTx/>
-                            <a:buNone/>
-                            <a:tabLst/>
-                            <a:defRPr/>
-                          </a:pPr>
-                          <a:r>
-                            <a:rPr lang="en-US" sz="2000" dirty="0" smtClean="0">
-                              <a:ea typeface="Cambria Math" charset="0"/>
-                              <a:cs typeface="Cambria Math" charset="0"/>
-                            </a:rPr>
-                            <a:t>64.29%</a:t>
-                          </a:r>
-                          <a:r>
-                            <a:rPr lang="en-US" sz="2000" baseline="0" dirty="0" smtClean="0">
-                              <a:ea typeface="Cambria Math" charset="0"/>
-                              <a:cs typeface="Cambria Math" charset="0"/>
-                            </a:rPr>
-                            <a:t> </a:t>
-                          </a:r>
-                          <a14:m>
-                            <m:oMath xmlns:m="http://schemas.openxmlformats.org/officeDocument/2006/math">
-                              <m:r>
-                                <a:rPr lang="en-US" sz="2000" i="1" smtClean="0">
-                                  <a:latin typeface="Cambria Math" charset="0"/>
-                                  <a:ea typeface="Cambria Math" charset="0"/>
-                                  <a:cs typeface="Cambria Math" charset="0"/>
-                                </a:rPr>
-                                <m:t>±</m:t>
-                              </m:r>
-                            </m:oMath>
-                          </a14:m>
-                          <a:r>
-                            <a:rPr lang="en-US" sz="2000" dirty="0" smtClean="0"/>
-                            <a:t> 0.20%</a:t>
-                          </a:r>
-                          <a:endParaRPr lang="en-US" sz="2000" dirty="0"/>
-                        </a:p>
-                      </a:txBody>
-                      <a:tcPr/>
-                    </a:tc>
-                    <a:tc>
-                      <a:txBody>
-                        <a:bodyPr/>
-                        <a:lstStyle/>
-                        <a:p>
-                          <a:pPr algn="ctr"/>
-                          <a:r>
-                            <a:rPr lang="en-US" sz="2000" dirty="0" smtClean="0"/>
-                            <a:t>Monica</a:t>
-                          </a:r>
-                          <a:endParaRPr lang="en-US" sz="2000" dirty="0"/>
-                        </a:p>
-                      </a:txBody>
-                      <a:tcPr/>
-                    </a:tc>
-                    <a:tc>
-                      <a:txBody>
-                        <a:bodyPr/>
-                        <a:lstStyle/>
-                        <a:p>
-                          <a:pPr marL="0" marR="0" indent="0" algn="ctr" defTabSz="914400" rtl="0" eaLnBrk="1" fontAlgn="auto" latinLnBrk="0" hangingPunct="1">
-                            <a:lnSpc>
-                              <a:spcPct val="100000"/>
-                            </a:lnSpc>
-                            <a:spcBef>
-                              <a:spcPts val="0"/>
-                            </a:spcBef>
-                            <a:spcAft>
-                              <a:spcPts val="0"/>
-                            </a:spcAft>
-                            <a:buClrTx/>
-                            <a:buSzTx/>
-                            <a:buFontTx/>
-                            <a:buNone/>
-                            <a:tabLst/>
-                            <a:defRPr/>
-                          </a:pPr>
-                          <a:r>
-                            <a:rPr lang="en-US" sz="2000" dirty="0" smtClean="0">
-                              <a:ea typeface="Cambria Math" charset="0"/>
-                              <a:cs typeface="Cambria Math" charset="0"/>
-                            </a:rPr>
-                            <a:t>80.73%</a:t>
-                          </a:r>
-                          <a:r>
-                            <a:rPr lang="en-US" sz="2000" baseline="0" dirty="0" smtClean="0">
-                              <a:ea typeface="Cambria Math" charset="0"/>
-                              <a:cs typeface="Cambria Math" charset="0"/>
-                            </a:rPr>
-                            <a:t> </a:t>
-                          </a:r>
-                          <a14:m>
-                            <m:oMath xmlns:m="http://schemas.openxmlformats.org/officeDocument/2006/math">
-                              <m:r>
-                                <a:rPr lang="en-US" sz="2000" i="1" smtClean="0">
-                                  <a:latin typeface="Cambria Math" charset="0"/>
-                                  <a:ea typeface="Cambria Math" charset="0"/>
-                                  <a:cs typeface="Cambria Math" charset="0"/>
-                                </a:rPr>
-                                <m:t>±</m:t>
-                              </m:r>
-                            </m:oMath>
-                          </a14:m>
-                          <a:r>
-                            <a:rPr lang="en-US" sz="2000" dirty="0" smtClean="0"/>
-                            <a:t> 0.22%</a:t>
-                          </a:r>
-                          <a:endParaRPr lang="en-US" sz="2000" dirty="0"/>
-                        </a:p>
-                      </a:txBody>
-                      <a:tcPr/>
-                    </a:tc>
-                  </a:tr>
-                  <a:tr h="370840">
-                    <a:tc>
-                      <a:txBody>
-                        <a:bodyPr/>
-                        <a:lstStyle/>
-                        <a:p>
-                          <a:r>
-                            <a:rPr lang="en-US" sz="2000" dirty="0" err="1" smtClean="0"/>
-                            <a:t>Shelina</a:t>
-                          </a:r>
-                          <a:endParaRPr lang="en-US" sz="2000" dirty="0"/>
-                        </a:p>
-                      </a:txBody>
-                      <a:tcPr/>
-                    </a:tc>
-                    <a:tc>
-                      <a:txBody>
-                        <a:bodyPr/>
-                        <a:lstStyle/>
-                        <a:p>
-                          <a:pPr marL="0" marR="0" indent="0" algn="ctr" defTabSz="914400" rtl="0" eaLnBrk="1" fontAlgn="auto" latinLnBrk="0" hangingPunct="1">
-                            <a:lnSpc>
-                              <a:spcPct val="100000"/>
-                            </a:lnSpc>
-                            <a:spcBef>
-                              <a:spcPts val="0"/>
-                            </a:spcBef>
-                            <a:spcAft>
-                              <a:spcPts val="0"/>
-                            </a:spcAft>
-                            <a:buClrTx/>
-                            <a:buSzTx/>
-                            <a:buFontTx/>
-                            <a:buNone/>
-                            <a:tabLst/>
-                            <a:defRPr/>
-                          </a:pPr>
-                          <a:r>
-                            <a:rPr lang="en-US" sz="2000" dirty="0" smtClean="0">
-                              <a:ea typeface="Cambria Math" charset="0"/>
-                              <a:cs typeface="Cambria Math" charset="0"/>
-                            </a:rPr>
-                            <a:t>78.08%</a:t>
-                          </a:r>
-                          <a:r>
-                            <a:rPr lang="en-US" sz="2000" baseline="0" dirty="0" smtClean="0">
-                              <a:ea typeface="Cambria Math" charset="0"/>
-                              <a:cs typeface="Cambria Math" charset="0"/>
-                            </a:rPr>
-                            <a:t> </a:t>
-                          </a:r>
-                          <a14:m>
-                            <m:oMath xmlns:m="http://schemas.openxmlformats.org/officeDocument/2006/math">
-                              <m:r>
-                                <a:rPr lang="en-US" sz="2000" i="1" smtClean="0">
-                                  <a:latin typeface="Cambria Math" charset="0"/>
-                                  <a:ea typeface="Cambria Math" charset="0"/>
-                                  <a:cs typeface="Cambria Math" charset="0"/>
-                                </a:rPr>
-                                <m:t>±</m:t>
-                              </m:r>
-                            </m:oMath>
-                          </a14:m>
-                          <a:r>
-                            <a:rPr lang="en-US" sz="2000" dirty="0" smtClean="0"/>
-                            <a:t> 1.05%</a:t>
-                          </a:r>
-                          <a:endParaRPr lang="en-US" sz="2000" dirty="0"/>
-                        </a:p>
-                      </a:txBody>
-                      <a:tcPr/>
-                    </a:tc>
-                    <a:tc>
-                      <a:txBody>
-                        <a:bodyPr/>
-                        <a:lstStyle/>
-                        <a:p>
-                          <a:pPr algn="ctr"/>
-                          <a:r>
-                            <a:rPr lang="en-US" sz="2000" dirty="0" smtClean="0"/>
-                            <a:t>Inge</a:t>
-                          </a:r>
-                          <a:endParaRPr lang="en-US" sz="2000" dirty="0"/>
-                        </a:p>
-                      </a:txBody>
-                      <a:tcPr/>
-                    </a:tc>
-                    <a:tc>
-                      <a:txBody>
-                        <a:bodyPr/>
-                        <a:lstStyle/>
-                        <a:p>
-                          <a:pPr marL="0" marR="0" indent="0" algn="ctr" defTabSz="914400" rtl="0" eaLnBrk="1" fontAlgn="auto" latinLnBrk="0" hangingPunct="1">
-                            <a:lnSpc>
-                              <a:spcPct val="100000"/>
-                            </a:lnSpc>
-                            <a:spcBef>
-                              <a:spcPts val="0"/>
-                            </a:spcBef>
-                            <a:spcAft>
-                              <a:spcPts val="0"/>
-                            </a:spcAft>
-                            <a:buClrTx/>
-                            <a:buSzTx/>
-                            <a:buFontTx/>
-                            <a:buNone/>
-                            <a:tabLst/>
-                            <a:defRPr/>
-                          </a:pPr>
-                          <a:r>
-                            <a:rPr lang="en-US" sz="2000" dirty="0" smtClean="0">
-                              <a:ea typeface="Cambria Math" charset="0"/>
-                              <a:cs typeface="Cambria Math" charset="0"/>
-                            </a:rPr>
-                            <a:t>65.37%</a:t>
-                          </a:r>
-                          <a:r>
-                            <a:rPr lang="en-US" sz="2000" baseline="0" dirty="0" smtClean="0">
-                              <a:ea typeface="Cambria Math" charset="0"/>
-                              <a:cs typeface="Cambria Math" charset="0"/>
-                            </a:rPr>
-                            <a:t> </a:t>
-                          </a:r>
-                          <a14:m>
-                            <m:oMath xmlns:m="http://schemas.openxmlformats.org/officeDocument/2006/math">
-                              <m:r>
-                                <a:rPr lang="en-US" sz="2000" i="1" smtClean="0">
-                                  <a:latin typeface="Cambria Math" charset="0"/>
-                                  <a:ea typeface="Cambria Math" charset="0"/>
-                                  <a:cs typeface="Cambria Math" charset="0"/>
-                                </a:rPr>
-                                <m:t>±</m:t>
-                              </m:r>
-                            </m:oMath>
-                          </a14:m>
-                          <a:r>
-                            <a:rPr lang="en-US" sz="2000" dirty="0" smtClean="0"/>
-                            <a:t> 0.33%</a:t>
-                          </a:r>
-                          <a:endParaRPr lang="en-US" sz="2000" dirty="0"/>
-                        </a:p>
-                      </a:txBody>
-                      <a:tcPr/>
-                    </a:tc>
-                  </a:tr>
-                  <a:tr h="370840">
-                    <a:tc>
-                      <a:txBody>
-                        <a:bodyPr/>
-                        <a:lstStyle/>
-                        <a:p>
-                          <a:r>
-                            <a:rPr lang="en-US" sz="2000" dirty="0" err="1" smtClean="0"/>
-                            <a:t>Mellita</a:t>
-                          </a:r>
-                          <a:endParaRPr lang="en-US" sz="2000" dirty="0"/>
-                        </a:p>
-                      </a:txBody>
-                      <a:tcPr/>
-                    </a:tc>
-                    <a:tc>
-                      <a:txBody>
-                        <a:bodyPr/>
-                        <a:lstStyle/>
-                        <a:p>
-                          <a:pPr marL="0" marR="0" indent="0" algn="ctr" defTabSz="914400" rtl="0" eaLnBrk="1" fontAlgn="auto" latinLnBrk="0" hangingPunct="1">
-                            <a:lnSpc>
-                              <a:spcPct val="100000"/>
-                            </a:lnSpc>
-                            <a:spcBef>
-                              <a:spcPts val="0"/>
-                            </a:spcBef>
-                            <a:spcAft>
-                              <a:spcPts val="0"/>
-                            </a:spcAft>
-                            <a:buClrTx/>
-                            <a:buSzTx/>
-                            <a:buFontTx/>
-                            <a:buNone/>
-                            <a:tabLst/>
-                            <a:defRPr/>
-                          </a:pPr>
-                          <a:r>
-                            <a:rPr lang="en-US" sz="2000" dirty="0" smtClean="0">
-                              <a:ea typeface="Cambria Math" charset="0"/>
-                              <a:cs typeface="Cambria Math" charset="0"/>
-                            </a:rPr>
-                            <a:t>80.10%</a:t>
-                          </a:r>
-                          <a:r>
-                            <a:rPr lang="en-US" sz="2000" baseline="0" dirty="0" smtClean="0">
-                              <a:ea typeface="Cambria Math" charset="0"/>
-                              <a:cs typeface="Cambria Math" charset="0"/>
-                            </a:rPr>
-                            <a:t> </a:t>
-                          </a:r>
-                          <a14:m>
-                            <m:oMath xmlns:m="http://schemas.openxmlformats.org/officeDocument/2006/math">
-                              <m:r>
-                                <a:rPr lang="en-US" sz="2000" i="1" smtClean="0">
-                                  <a:latin typeface="Cambria Math" charset="0"/>
-                                  <a:ea typeface="Cambria Math" charset="0"/>
-                                  <a:cs typeface="Cambria Math" charset="0"/>
-                                </a:rPr>
-                                <m:t>±</m:t>
-                              </m:r>
-                            </m:oMath>
-                          </a14:m>
-                          <a:r>
-                            <a:rPr lang="en-US" sz="2000" dirty="0" smtClean="0"/>
-                            <a:t> 0.53%</a:t>
-                          </a:r>
-                          <a:endParaRPr lang="en-US" sz="2000" dirty="0"/>
-                        </a:p>
-                      </a:txBody>
-                      <a:tcPr/>
-                    </a:tc>
-                    <a:tc>
-                      <a:txBody>
-                        <a:bodyPr/>
-                        <a:lstStyle/>
-                        <a:p>
-                          <a:pPr algn="ctr"/>
-                          <a:r>
-                            <a:rPr lang="en-US" sz="2000" dirty="0" err="1" smtClean="0"/>
-                            <a:t>Andri</a:t>
-                          </a:r>
-                          <a:endParaRPr lang="en-US" sz="2000" dirty="0"/>
-                        </a:p>
-                      </a:txBody>
-                      <a:tcPr/>
-                    </a:tc>
-                    <a:tc>
-                      <a:txBody>
-                        <a:bodyPr/>
-                        <a:lstStyle/>
-                        <a:p>
-                          <a:pPr marL="0" marR="0" indent="0" algn="ctr" defTabSz="914400" rtl="0" eaLnBrk="1" fontAlgn="auto" latinLnBrk="0" hangingPunct="1">
-                            <a:lnSpc>
-                              <a:spcPct val="100000"/>
-                            </a:lnSpc>
-                            <a:spcBef>
-                              <a:spcPts val="0"/>
-                            </a:spcBef>
-                            <a:spcAft>
-                              <a:spcPts val="0"/>
-                            </a:spcAft>
-                            <a:buClrTx/>
-                            <a:buSzTx/>
-                            <a:buFontTx/>
-                            <a:buNone/>
-                            <a:tabLst/>
-                            <a:defRPr/>
-                          </a:pPr>
-                          <a:r>
-                            <a:rPr lang="en-US" sz="2000" dirty="0" smtClean="0">
-                              <a:ea typeface="Cambria Math" charset="0"/>
-                              <a:cs typeface="Cambria Math" charset="0"/>
-                            </a:rPr>
-                            <a:t>82.39%</a:t>
-                          </a:r>
-                          <a:r>
-                            <a:rPr lang="en-US" sz="2000" baseline="0" dirty="0" smtClean="0">
-                              <a:ea typeface="Cambria Math" charset="0"/>
-                              <a:cs typeface="Cambria Math" charset="0"/>
-                            </a:rPr>
-                            <a:t> </a:t>
-                          </a:r>
-                          <a14:m>
-                            <m:oMath xmlns:m="http://schemas.openxmlformats.org/officeDocument/2006/math">
-                              <m:r>
-                                <a:rPr lang="en-US" sz="2000" i="1" smtClean="0">
-                                  <a:latin typeface="Cambria Math" charset="0"/>
-                                  <a:ea typeface="Cambria Math" charset="0"/>
-                                  <a:cs typeface="Cambria Math" charset="0"/>
-                                </a:rPr>
-                                <m:t>±</m:t>
-                              </m:r>
-                            </m:oMath>
-                          </a14:m>
-                          <a:r>
-                            <a:rPr lang="en-US" sz="2000" dirty="0" smtClean="0"/>
-                            <a:t> 1.24%</a:t>
-                          </a:r>
-                          <a:endParaRPr lang="en-US" sz="2000" dirty="0"/>
-                        </a:p>
-                      </a:txBody>
-                      <a:tcPr/>
-                    </a:tc>
-                  </a:tr>
-                  <a:tr h="370840">
-                    <a:tc>
-                      <a:txBody>
-                        <a:bodyPr/>
-                        <a:lstStyle/>
-                        <a:p>
-                          <a:r>
-                            <a:rPr lang="en-US" sz="2000" dirty="0" smtClean="0"/>
-                            <a:t>Nikolas</a:t>
-                          </a:r>
-                          <a:endParaRPr lang="en-US" sz="2000" dirty="0"/>
-                        </a:p>
-                      </a:txBody>
-                      <a:tcPr/>
-                    </a:tc>
-                    <a:tc>
-                      <a:txBody>
-                        <a:bodyPr/>
-                        <a:lstStyle/>
-                        <a:p>
-                          <a:pPr marL="0" marR="0" indent="0" algn="ctr" defTabSz="914400" rtl="0" eaLnBrk="1" fontAlgn="auto" latinLnBrk="0" hangingPunct="1">
-                            <a:lnSpc>
-                              <a:spcPct val="100000"/>
-                            </a:lnSpc>
-                            <a:spcBef>
-                              <a:spcPts val="0"/>
-                            </a:spcBef>
-                            <a:spcAft>
-                              <a:spcPts val="0"/>
-                            </a:spcAft>
-                            <a:buClrTx/>
-                            <a:buSzTx/>
-                            <a:buFontTx/>
-                            <a:buNone/>
-                            <a:tabLst/>
-                            <a:defRPr/>
-                          </a:pPr>
-                          <a:r>
-                            <a:rPr lang="en-US" sz="2000" dirty="0" smtClean="0">
-                              <a:ea typeface="Cambria Math" charset="0"/>
-                              <a:cs typeface="Cambria Math" charset="0"/>
-                            </a:rPr>
-                            <a:t>84.87%</a:t>
-                          </a:r>
-                          <a:r>
-                            <a:rPr lang="en-US" sz="2000" baseline="0" dirty="0" smtClean="0">
-                              <a:ea typeface="Cambria Math" charset="0"/>
-                              <a:cs typeface="Cambria Math" charset="0"/>
-                            </a:rPr>
-                            <a:t> </a:t>
-                          </a:r>
-                          <a14:m>
-                            <m:oMath xmlns:m="http://schemas.openxmlformats.org/officeDocument/2006/math">
-                              <m:r>
-                                <a:rPr lang="en-US" sz="2000" i="1" smtClean="0">
-                                  <a:latin typeface="Cambria Math" charset="0"/>
-                                  <a:ea typeface="Cambria Math" charset="0"/>
-                                  <a:cs typeface="Cambria Math" charset="0"/>
-                                </a:rPr>
-                                <m:t>±</m:t>
-                              </m:r>
-                            </m:oMath>
-                          </a14:m>
-                          <a:r>
-                            <a:rPr lang="en-US" sz="2000" dirty="0" smtClean="0"/>
-                            <a:t> 0.12%</a:t>
-                          </a:r>
-                          <a:endParaRPr lang="en-US" sz="2000" dirty="0"/>
-                        </a:p>
-                      </a:txBody>
-                      <a:tcPr/>
-                    </a:tc>
-                    <a:tc>
-                      <a:txBody>
-                        <a:bodyPr/>
-                        <a:lstStyle/>
-                        <a:p>
-                          <a:pPr algn="ctr"/>
-                          <a:r>
-                            <a:rPr lang="en-US" sz="2000" dirty="0" err="1" smtClean="0"/>
-                            <a:t>Arianto</a:t>
-                          </a:r>
-                          <a:endParaRPr lang="en-US" sz="2000" dirty="0"/>
-                        </a:p>
-                      </a:txBody>
-                      <a:tcPr/>
-                    </a:tc>
-                    <a:tc>
-                      <a:txBody>
-                        <a:bodyPr/>
-                        <a:lstStyle/>
-                        <a:p>
-                          <a:pPr marL="0" marR="0" indent="0" algn="ctr" defTabSz="914400" rtl="0" eaLnBrk="1" fontAlgn="auto" latinLnBrk="0" hangingPunct="1">
-                            <a:lnSpc>
-                              <a:spcPct val="100000"/>
-                            </a:lnSpc>
-                            <a:spcBef>
-                              <a:spcPts val="0"/>
-                            </a:spcBef>
-                            <a:spcAft>
-                              <a:spcPts val="0"/>
-                            </a:spcAft>
-                            <a:buClrTx/>
-                            <a:buSzTx/>
-                            <a:buFontTx/>
-                            <a:buNone/>
-                            <a:tabLst/>
-                            <a:defRPr/>
-                          </a:pPr>
-                          <a:r>
-                            <a:rPr lang="en-US" sz="2000" dirty="0" smtClean="0">
-                              <a:ea typeface="Cambria Math" charset="0"/>
-                              <a:cs typeface="Cambria Math" charset="0"/>
-                            </a:rPr>
-                            <a:t>72.34%</a:t>
-                          </a:r>
-                          <a:r>
-                            <a:rPr lang="en-US" sz="2000" baseline="0" dirty="0" smtClean="0">
-                              <a:ea typeface="Cambria Math" charset="0"/>
-                              <a:cs typeface="Cambria Math" charset="0"/>
-                            </a:rPr>
-                            <a:t> </a:t>
-                          </a:r>
-                          <a14:m>
-                            <m:oMath xmlns:m="http://schemas.openxmlformats.org/officeDocument/2006/math">
-                              <m:r>
-                                <a:rPr lang="en-US" sz="2000" i="1" smtClean="0">
-                                  <a:latin typeface="Cambria Math" charset="0"/>
-                                  <a:ea typeface="Cambria Math" charset="0"/>
-                                  <a:cs typeface="Cambria Math" charset="0"/>
-                                </a:rPr>
-                                <m:t>±</m:t>
-                              </m:r>
-                            </m:oMath>
-                          </a14:m>
-                          <a:r>
-                            <a:rPr lang="en-US" sz="2000" dirty="0" smtClean="0"/>
-                            <a:t> 0.31%</a:t>
-                          </a:r>
-                          <a:endParaRPr lang="en-US" sz="2000" dirty="0"/>
-                        </a:p>
-                      </a:txBody>
-                      <a:tcPr/>
-                    </a:tc>
-                  </a:tr>
-                  <a:tr h="370840">
-                    <a:tc>
-                      <a:txBody>
-                        <a:bodyPr/>
-                        <a:lstStyle/>
-                        <a:p>
-                          <a:r>
-                            <a:rPr lang="en-US" sz="2000" dirty="0" smtClean="0"/>
-                            <a:t>Samuel</a:t>
-                          </a:r>
-                          <a:endParaRPr lang="en-US" sz="2000" dirty="0"/>
-                        </a:p>
-                      </a:txBody>
-                      <a:tcPr/>
-                    </a:tc>
-                    <a:tc>
-                      <a:txBody>
-                        <a:bodyPr/>
-                        <a:lstStyle/>
-                        <a:p>
-                          <a:pPr marL="0" marR="0" indent="0" algn="ctr" defTabSz="914400" rtl="0" eaLnBrk="1" fontAlgn="auto" latinLnBrk="0" hangingPunct="1">
-                            <a:lnSpc>
-                              <a:spcPct val="100000"/>
-                            </a:lnSpc>
-                            <a:spcBef>
-                              <a:spcPts val="0"/>
-                            </a:spcBef>
-                            <a:spcAft>
-                              <a:spcPts val="0"/>
-                            </a:spcAft>
-                            <a:buClrTx/>
-                            <a:buSzTx/>
-                            <a:buFontTx/>
-                            <a:buNone/>
-                            <a:tabLst/>
-                            <a:defRPr/>
-                          </a:pPr>
-                          <a:r>
-                            <a:rPr lang="en-US" sz="2000" dirty="0" smtClean="0">
-                              <a:ea typeface="Cambria Math" charset="0"/>
-                              <a:cs typeface="Cambria Math" charset="0"/>
-                            </a:rPr>
-                            <a:t>92.35%</a:t>
-                          </a:r>
-                          <a:r>
-                            <a:rPr lang="en-US" sz="2000" baseline="0" dirty="0" smtClean="0">
-                              <a:ea typeface="Cambria Math" charset="0"/>
-                              <a:cs typeface="Cambria Math" charset="0"/>
-                            </a:rPr>
-                            <a:t> </a:t>
-                          </a:r>
-                          <a14:m>
-                            <m:oMath xmlns:m="http://schemas.openxmlformats.org/officeDocument/2006/math">
-                              <m:r>
-                                <a:rPr lang="en-US" sz="2000" i="1" smtClean="0">
-                                  <a:latin typeface="Cambria Math" charset="0"/>
-                                  <a:ea typeface="Cambria Math" charset="0"/>
-                                  <a:cs typeface="Cambria Math" charset="0"/>
-                                </a:rPr>
-                                <m:t>±</m:t>
-                              </m:r>
-                            </m:oMath>
-                          </a14:m>
-                          <a:r>
-                            <a:rPr lang="en-US" sz="2000" dirty="0" smtClean="0"/>
-                            <a:t> 0.19%</a:t>
-                          </a:r>
-                          <a:endParaRPr lang="en-US" sz="2000" dirty="0"/>
-                        </a:p>
-                      </a:txBody>
-                      <a:tcPr/>
-                    </a:tc>
-                    <a:tc>
-                      <a:txBody>
-                        <a:bodyPr/>
-                        <a:lstStyle/>
-                        <a:p>
-                          <a:pPr algn="ctr"/>
-                          <a:r>
-                            <a:rPr lang="en-US" sz="2000" dirty="0" err="1" smtClean="0"/>
-                            <a:t>Orlin</a:t>
-                          </a:r>
-                          <a:endParaRPr lang="en-US" sz="2000" dirty="0"/>
-                        </a:p>
-                      </a:txBody>
-                      <a:tcPr/>
-                    </a:tc>
-                    <a:tc>
-                      <a:txBody>
-                        <a:bodyPr/>
-                        <a:lstStyle/>
-                        <a:p>
-                          <a:pPr marL="0" marR="0" indent="0" algn="ctr" defTabSz="914400" rtl="0" eaLnBrk="1" fontAlgn="auto" latinLnBrk="0" hangingPunct="1">
-                            <a:lnSpc>
-                              <a:spcPct val="100000"/>
-                            </a:lnSpc>
-                            <a:spcBef>
-                              <a:spcPts val="0"/>
-                            </a:spcBef>
-                            <a:spcAft>
-                              <a:spcPts val="0"/>
-                            </a:spcAft>
-                            <a:buClrTx/>
-                            <a:buSzTx/>
-                            <a:buFontTx/>
-                            <a:buNone/>
-                            <a:tabLst/>
-                            <a:defRPr/>
-                          </a:pPr>
-                          <a:r>
-                            <a:rPr lang="en-US" sz="2000" dirty="0" smtClean="0">
-                              <a:ea typeface="Cambria Math" charset="0"/>
-                              <a:cs typeface="Cambria Math" charset="0"/>
-                            </a:rPr>
-                            <a:t>77.45%</a:t>
-                          </a:r>
-                          <a:r>
-                            <a:rPr lang="en-US" sz="2000" baseline="0" dirty="0" smtClean="0">
-                              <a:ea typeface="Cambria Math" charset="0"/>
-                              <a:cs typeface="Cambria Math" charset="0"/>
-                            </a:rPr>
-                            <a:t> </a:t>
-                          </a:r>
-                          <a14:m>
-                            <m:oMath xmlns:m="http://schemas.openxmlformats.org/officeDocument/2006/math">
-                              <m:r>
-                                <a:rPr lang="en-US" sz="2000" i="1" smtClean="0">
-                                  <a:latin typeface="Cambria Math" charset="0"/>
-                                  <a:ea typeface="Cambria Math" charset="0"/>
-                                  <a:cs typeface="Cambria Math" charset="0"/>
-                                </a:rPr>
-                                <m:t>±</m:t>
-                              </m:r>
-                            </m:oMath>
-                          </a14:m>
-                          <a:r>
-                            <a:rPr lang="en-US" sz="2000" dirty="0" smtClean="0"/>
-                            <a:t> 0.09%</a:t>
-                          </a:r>
-                          <a:endParaRPr lang="en-US" sz="2000" dirty="0"/>
-                        </a:p>
-                      </a:txBody>
-                      <a:tcPr/>
-                    </a:tc>
-                  </a:tr>
-                  <a:tr h="370840">
-                    <a:tc>
-                      <a:txBody>
-                        <a:bodyPr/>
-                        <a:lstStyle/>
-                        <a:p>
-                          <a:r>
-                            <a:rPr lang="en-US" sz="2000" b="1" dirty="0" smtClean="0"/>
-                            <a:t>Average</a:t>
-                          </a:r>
-                          <a:endParaRPr lang="en-US" sz="2000" b="1" dirty="0"/>
-                        </a:p>
-                      </a:txBody>
-                      <a:tcPr/>
-                    </a:tc>
-                    <a:tc gridSpan="3">
-                      <a:txBody>
-                        <a:bodyPr/>
-                        <a:lstStyle/>
-                        <a:p>
-                          <a:pPr algn="ctr"/>
-                          <a:r>
-                            <a:rPr lang="en-US" sz="2000" dirty="0" smtClean="0"/>
-                            <a:t>79.47%</a:t>
-                          </a:r>
-                          <a:endParaRPr lang="en-US" sz="2000" dirty="0"/>
-                        </a:p>
-                      </a:txBody>
-                      <a:tcPr/>
-                    </a:tc>
-                    <a:tc hMerge="1">
-                      <a:txBody>
-                        <a:bodyPr/>
-                        <a:lstStyle/>
-                        <a:p>
-                          <a:pPr algn="ctr"/>
-                          <a:endParaRPr lang="en-US" sz="2000" dirty="0"/>
-                        </a:p>
-                      </a:txBody>
-                      <a:tcPr/>
-                    </a:tc>
-                    <a:tc hMerge="1">
-                      <a:txBody>
-                        <a:bodyPr/>
-                        <a:lstStyle/>
-                        <a:p>
-                          <a:pPr algn="ctr"/>
-                          <a:endParaRPr lang="en-US" sz="2000" dirty="0"/>
-                        </a:p>
-                      </a:txBody>
-                      <a:tcPr/>
-                    </a:tc>
-                  </a:tr>
-                </a:tbl>
-              </a:graphicData>
-            </a:graphic>
-          </p:graphicFrame>
-        </mc:Choice>
-        <mc:Fallback xmlns="">
-          <p:graphicFrame>
-            <p:nvGraphicFramePr>
-              <p:cNvPr id="6" name="Table 5"/>
-              <p:cNvGraphicFramePr>
-                <a:graphicFrameLocks noGrp="1"/>
-              </p:cNvGraphicFramePr>
-              <p:nvPr>
-                <p:extLst>
-                  <p:ext uri="{D42A27DB-BD31-4B8C-83A1-F6EECF244321}">
-                    <p14:modId xmlns:p14="http://schemas.microsoft.com/office/powerpoint/2010/main" val="1365798915"/>
-                  </p:ext>
-                </p:extLst>
-              </p:nvPr>
-            </p:nvGraphicFramePr>
-            <p:xfrm>
-              <a:off x="1434882" y="2527676"/>
-              <a:ext cx="9322236" cy="3474720"/>
-            </p:xfrm>
-            <a:graphic>
-              <a:graphicData uri="http://schemas.openxmlformats.org/drawingml/2006/table">
-                <a:tbl>
-                  <a:tblPr firstRow="1" bandRow="1">
-                    <a:tableStyleId>{5C22544A-7EE6-4342-B048-85BDC9FD1C3A}</a:tableStyleId>
-                  </a:tblPr>
-                  <a:tblGrid>
-                    <a:gridCol w="2693227"/>
-                    <a:gridCol w="2167533"/>
-                    <a:gridCol w="2389403"/>
-                    <a:gridCol w="2072073"/>
-                  </a:tblGrid>
-                  <a:tr h="701040">
-                    <a:tc>
-                      <a:txBody>
-                        <a:bodyPr/>
-                        <a:lstStyle/>
-                        <a:p>
-                          <a:pPr algn="ctr"/>
-                          <a:r>
-                            <a:rPr lang="en-US" sz="2000" dirty="0" smtClean="0"/>
-                            <a:t>LOO Subject</a:t>
-                          </a:r>
-                          <a:endParaRPr lang="en-US" sz="2000" dirty="0"/>
-                        </a:p>
-                      </a:txBody>
-                      <a:tcPr/>
-                    </a:tc>
-                    <a:tc>
-                      <a:txBody>
-                        <a:bodyPr/>
-                        <a:lstStyle/>
-                        <a:p>
-                          <a:pPr algn="ctr"/>
-                          <a:r>
-                            <a:rPr lang="en-US" sz="2000" dirty="0" smtClean="0"/>
-                            <a:t>F1 </a:t>
-                          </a:r>
-                          <a:r>
-                            <a:rPr lang="en-US" sz="2000" baseline="0" dirty="0" smtClean="0"/>
-                            <a:t>Mean</a:t>
-                          </a:r>
-                        </a:p>
-                        <a:p>
-                          <a:pPr algn="ctr"/>
-                          <a:r>
-                            <a:rPr lang="en-US" sz="2000" baseline="0" dirty="0" smtClean="0"/>
-                            <a:t>(SP + SW)</a:t>
-                          </a:r>
-                          <a:endParaRPr lang="en-US" sz="2000" dirty="0"/>
-                        </a:p>
-                      </a:txBody>
-                      <a:tcPr/>
-                    </a:tc>
-                    <a:tc>
-                      <a:txBody>
-                        <a:bodyPr/>
-                        <a:lstStyle/>
-                        <a:p>
-                          <a:pPr algn="ctr"/>
-                          <a:r>
-                            <a:rPr lang="en-US" sz="2000" dirty="0" smtClean="0"/>
-                            <a:t>LOO Subject</a:t>
-                          </a:r>
-                          <a:endParaRPr lang="en-US" sz="2000" dirty="0"/>
-                        </a:p>
-                      </a:txBody>
-                      <a:tcPr/>
-                    </a:tc>
-                    <a:tc>
-                      <a:txBody>
-                        <a:bodyPr/>
-                        <a:lstStyle/>
-                        <a:p>
-                          <a:pPr algn="ctr"/>
-                          <a:r>
-                            <a:rPr lang="en-US" sz="2000" dirty="0" smtClean="0"/>
-                            <a:t>F1 Mean</a:t>
-                          </a:r>
-                        </a:p>
-                        <a:p>
-                          <a:pPr algn="ctr"/>
-                          <a:r>
-                            <a:rPr lang="en-US" sz="2000" dirty="0" smtClean="0"/>
-                            <a:t>(SP + SW)</a:t>
-                          </a:r>
-                          <a:endParaRPr lang="en-US" sz="2000" dirty="0"/>
-                        </a:p>
-                      </a:txBody>
-                      <a:tcPr/>
-                    </a:tc>
-                  </a:tr>
-                  <a:tr h="396240">
-                    <a:tc>
-                      <a:txBody>
-                        <a:bodyPr/>
-                        <a:lstStyle/>
-                        <a:p>
-                          <a:r>
-                            <a:rPr lang="en-US" sz="2000" dirty="0" smtClean="0"/>
-                            <a:t>Edwin</a:t>
-                          </a:r>
-                          <a:endParaRPr lang="en-US" sz="2000" dirty="0"/>
-                        </a:p>
-                      </a:txBody>
-                      <a:tcPr/>
-                    </a:tc>
-                    <a:tc>
-                      <a:txBody>
-                        <a:bodyPr/>
-                        <a:lstStyle/>
-                        <a:p>
-                          <a:endParaRPr lang="en-US"/>
-                        </a:p>
-                      </a:txBody>
-                      <a:tcPr>
-                        <a:blipFill rotWithShape="0">
-                          <a:blip r:embed="rId2"/>
-                          <a:stretch>
-                            <a:fillRect l="-124438" t="-184615" r="-206742" b="-629231"/>
-                          </a:stretch>
-                        </a:blipFill>
-                      </a:tcPr>
-                    </a:tc>
-                    <a:tc>
-                      <a:txBody>
-                        <a:bodyPr/>
-                        <a:lstStyle/>
-                        <a:p>
-                          <a:pPr marL="0" marR="0" indent="0" algn="ctr" defTabSz="914400" rtl="0" eaLnBrk="1" fontAlgn="auto" latinLnBrk="0" hangingPunct="1">
-                            <a:lnSpc>
-                              <a:spcPct val="100000"/>
-                            </a:lnSpc>
-                            <a:spcBef>
-                              <a:spcPts val="0"/>
-                            </a:spcBef>
-                            <a:spcAft>
-                              <a:spcPts val="0"/>
-                            </a:spcAft>
-                            <a:buClrTx/>
-                            <a:buSzTx/>
-                            <a:buFontTx/>
-                            <a:buNone/>
-                            <a:tabLst/>
-                            <a:defRPr/>
-                          </a:pPr>
-                          <a:r>
-                            <a:rPr lang="en-US" sz="2000" dirty="0" smtClean="0"/>
-                            <a:t>Elmo</a:t>
-                          </a:r>
-                          <a:endParaRPr lang="en-US" sz="2000" dirty="0"/>
-                        </a:p>
-                      </a:txBody>
-                      <a:tcPr/>
-                    </a:tc>
-                    <a:tc>
-                      <a:txBody>
-                        <a:bodyPr/>
-                        <a:lstStyle/>
-                        <a:p>
-                          <a:endParaRPr lang="en-US"/>
-                        </a:p>
-                      </a:txBody>
-                      <a:tcPr>
-                        <a:blipFill rotWithShape="0">
-                          <a:blip r:embed="rId2"/>
-                          <a:stretch>
-                            <a:fillRect l="-350294" t="-184615" r="-1176" b="-629231"/>
-                          </a:stretch>
-                        </a:blipFill>
-                      </a:tcPr>
-                    </a:tc>
-                  </a:tr>
-                  <a:tr h="396240">
-                    <a:tc>
-                      <a:txBody>
-                        <a:bodyPr/>
-                        <a:lstStyle/>
-                        <a:p>
-                          <a:r>
-                            <a:rPr lang="en-US" sz="2000" dirty="0" smtClean="0"/>
-                            <a:t>Lauren</a:t>
-                          </a:r>
-                          <a:endParaRPr lang="en-US" sz="2000" dirty="0"/>
-                        </a:p>
-                      </a:txBody>
-                      <a:tcPr/>
-                    </a:tc>
-                    <a:tc>
-                      <a:txBody>
-                        <a:bodyPr/>
-                        <a:lstStyle/>
-                        <a:p>
-                          <a:endParaRPr lang="en-US"/>
-                        </a:p>
-                      </a:txBody>
-                      <a:tcPr>
-                        <a:blipFill rotWithShape="0">
-                          <a:blip r:embed="rId2"/>
-                          <a:stretch>
-                            <a:fillRect l="-124438" t="-284615" r="-206742" b="-529231"/>
-                          </a:stretch>
-                        </a:blipFill>
-                      </a:tcPr>
-                    </a:tc>
-                    <a:tc>
-                      <a:txBody>
-                        <a:bodyPr/>
-                        <a:lstStyle/>
-                        <a:p>
-                          <a:pPr algn="ctr"/>
-                          <a:r>
-                            <a:rPr lang="en-US" sz="2000" dirty="0" smtClean="0"/>
-                            <a:t>Monica</a:t>
-                          </a:r>
-                          <a:endParaRPr lang="en-US" sz="2000" dirty="0"/>
-                        </a:p>
-                      </a:txBody>
-                      <a:tcPr/>
-                    </a:tc>
-                    <a:tc>
-                      <a:txBody>
-                        <a:bodyPr/>
-                        <a:lstStyle/>
-                        <a:p>
-                          <a:endParaRPr lang="en-US"/>
-                        </a:p>
-                      </a:txBody>
-                      <a:tcPr>
-                        <a:blipFill rotWithShape="0">
-                          <a:blip r:embed="rId2"/>
-                          <a:stretch>
-                            <a:fillRect l="-350294" t="-284615" r="-1176" b="-529231"/>
-                          </a:stretch>
-                        </a:blipFill>
-                      </a:tcPr>
-                    </a:tc>
-                  </a:tr>
-                  <a:tr h="396240">
-                    <a:tc>
-                      <a:txBody>
-                        <a:bodyPr/>
-                        <a:lstStyle/>
-                        <a:p>
-                          <a:r>
-                            <a:rPr lang="en-US" sz="2000" dirty="0" err="1" smtClean="0"/>
-                            <a:t>Shelina</a:t>
-                          </a:r>
-                          <a:endParaRPr lang="en-US" sz="2000" dirty="0"/>
-                        </a:p>
-                      </a:txBody>
-                      <a:tcPr/>
-                    </a:tc>
-                    <a:tc>
-                      <a:txBody>
-                        <a:bodyPr/>
-                        <a:lstStyle/>
-                        <a:p>
-                          <a:endParaRPr lang="en-US"/>
-                        </a:p>
-                      </a:txBody>
-                      <a:tcPr>
-                        <a:blipFill rotWithShape="0">
-                          <a:blip r:embed="rId2"/>
-                          <a:stretch>
-                            <a:fillRect l="-124438" t="-378788" r="-206742" b="-421212"/>
-                          </a:stretch>
-                        </a:blipFill>
-                      </a:tcPr>
-                    </a:tc>
-                    <a:tc>
-                      <a:txBody>
-                        <a:bodyPr/>
-                        <a:lstStyle/>
-                        <a:p>
-                          <a:pPr algn="ctr"/>
-                          <a:r>
-                            <a:rPr lang="en-US" sz="2000" dirty="0" smtClean="0"/>
-                            <a:t>Inge</a:t>
-                          </a:r>
-                          <a:endParaRPr lang="en-US" sz="2000" dirty="0"/>
-                        </a:p>
-                      </a:txBody>
-                      <a:tcPr/>
-                    </a:tc>
-                    <a:tc>
-                      <a:txBody>
-                        <a:bodyPr/>
-                        <a:lstStyle/>
-                        <a:p>
-                          <a:endParaRPr lang="en-US"/>
-                        </a:p>
-                      </a:txBody>
-                      <a:tcPr>
-                        <a:blipFill rotWithShape="0">
-                          <a:blip r:embed="rId2"/>
-                          <a:stretch>
-                            <a:fillRect l="-350294" t="-378788" r="-1176" b="-421212"/>
-                          </a:stretch>
-                        </a:blipFill>
-                      </a:tcPr>
-                    </a:tc>
-                  </a:tr>
-                  <a:tr h="396240">
-                    <a:tc>
-                      <a:txBody>
-                        <a:bodyPr/>
-                        <a:lstStyle/>
-                        <a:p>
-                          <a:r>
-                            <a:rPr lang="en-US" sz="2000" dirty="0" err="1" smtClean="0"/>
-                            <a:t>Mellita</a:t>
-                          </a:r>
-                          <a:endParaRPr lang="en-US" sz="2000" dirty="0"/>
-                        </a:p>
-                      </a:txBody>
-                      <a:tcPr/>
-                    </a:tc>
-                    <a:tc>
-                      <a:txBody>
-                        <a:bodyPr/>
-                        <a:lstStyle/>
-                        <a:p>
-                          <a:endParaRPr lang="en-US"/>
-                        </a:p>
-                      </a:txBody>
-                      <a:tcPr>
-                        <a:blipFill rotWithShape="0">
-                          <a:blip r:embed="rId2"/>
-                          <a:stretch>
-                            <a:fillRect l="-124438" t="-486154" r="-206742" b="-327692"/>
-                          </a:stretch>
-                        </a:blipFill>
-                      </a:tcPr>
-                    </a:tc>
-                    <a:tc>
-                      <a:txBody>
-                        <a:bodyPr/>
-                        <a:lstStyle/>
-                        <a:p>
-                          <a:pPr algn="ctr"/>
-                          <a:r>
-                            <a:rPr lang="en-US" sz="2000" dirty="0" err="1" smtClean="0"/>
-                            <a:t>Andri</a:t>
-                          </a:r>
-                          <a:endParaRPr lang="en-US" sz="2000" dirty="0"/>
-                        </a:p>
-                      </a:txBody>
-                      <a:tcPr/>
-                    </a:tc>
-                    <a:tc>
-                      <a:txBody>
-                        <a:bodyPr/>
-                        <a:lstStyle/>
-                        <a:p>
-                          <a:endParaRPr lang="en-US"/>
-                        </a:p>
-                      </a:txBody>
-                      <a:tcPr>
-                        <a:blipFill rotWithShape="0">
-                          <a:blip r:embed="rId2"/>
-                          <a:stretch>
-                            <a:fillRect l="-350294" t="-486154" r="-1176" b="-327692"/>
-                          </a:stretch>
-                        </a:blipFill>
-                      </a:tcPr>
-                    </a:tc>
-                  </a:tr>
-                  <a:tr h="396240">
-                    <a:tc>
-                      <a:txBody>
-                        <a:bodyPr/>
-                        <a:lstStyle/>
-                        <a:p>
-                          <a:r>
-                            <a:rPr lang="en-US" sz="2000" dirty="0" smtClean="0"/>
-                            <a:t>Nikolas</a:t>
-                          </a:r>
-                          <a:endParaRPr lang="en-US" sz="2000" dirty="0"/>
-                        </a:p>
-                      </a:txBody>
-                      <a:tcPr/>
-                    </a:tc>
-                    <a:tc>
-                      <a:txBody>
-                        <a:bodyPr/>
-                        <a:lstStyle/>
-                        <a:p>
-                          <a:endParaRPr lang="en-US"/>
-                        </a:p>
-                      </a:txBody>
-                      <a:tcPr>
-                        <a:blipFill rotWithShape="0">
-                          <a:blip r:embed="rId2"/>
-                          <a:stretch>
-                            <a:fillRect l="-124438" t="-586154" r="-206742" b="-227692"/>
-                          </a:stretch>
-                        </a:blipFill>
-                      </a:tcPr>
-                    </a:tc>
-                    <a:tc>
-                      <a:txBody>
-                        <a:bodyPr/>
-                        <a:lstStyle/>
-                        <a:p>
-                          <a:pPr algn="ctr"/>
-                          <a:r>
-                            <a:rPr lang="en-US" sz="2000" dirty="0" err="1" smtClean="0"/>
-                            <a:t>Arianto</a:t>
-                          </a:r>
-                          <a:endParaRPr lang="en-US" sz="2000" dirty="0"/>
-                        </a:p>
-                      </a:txBody>
-                      <a:tcPr/>
-                    </a:tc>
-                    <a:tc>
-                      <a:txBody>
-                        <a:bodyPr/>
-                        <a:lstStyle/>
-                        <a:p>
-                          <a:endParaRPr lang="en-US"/>
-                        </a:p>
-                      </a:txBody>
-                      <a:tcPr>
-                        <a:blipFill rotWithShape="0">
-                          <a:blip r:embed="rId2"/>
-                          <a:stretch>
-                            <a:fillRect l="-350294" t="-586154" r="-1176" b="-227692"/>
-                          </a:stretch>
-                        </a:blipFill>
-                      </a:tcPr>
-                    </a:tc>
-                  </a:tr>
-                  <a:tr h="396240">
-                    <a:tc>
-                      <a:txBody>
-                        <a:bodyPr/>
-                        <a:lstStyle/>
-                        <a:p>
-                          <a:r>
-                            <a:rPr lang="en-US" sz="2000" dirty="0" smtClean="0"/>
-                            <a:t>Samuel</a:t>
-                          </a:r>
-                          <a:endParaRPr lang="en-US" sz="2000" dirty="0"/>
-                        </a:p>
-                      </a:txBody>
-                      <a:tcPr/>
-                    </a:tc>
-                    <a:tc>
-                      <a:txBody>
-                        <a:bodyPr/>
-                        <a:lstStyle/>
-                        <a:p>
-                          <a:endParaRPr lang="en-US"/>
-                        </a:p>
-                      </a:txBody>
-                      <a:tcPr>
-                        <a:blipFill rotWithShape="0">
-                          <a:blip r:embed="rId2"/>
-                          <a:stretch>
-                            <a:fillRect l="-124438" t="-686154" r="-206742" b="-127692"/>
-                          </a:stretch>
-                        </a:blipFill>
-                      </a:tcPr>
-                    </a:tc>
-                    <a:tc>
-                      <a:txBody>
-                        <a:bodyPr/>
-                        <a:lstStyle/>
-                        <a:p>
-                          <a:pPr algn="ctr"/>
-                          <a:r>
-                            <a:rPr lang="en-US" sz="2000" dirty="0" err="1" smtClean="0"/>
-                            <a:t>Orlin</a:t>
-                          </a:r>
-                          <a:endParaRPr lang="en-US" sz="2000" dirty="0"/>
-                        </a:p>
-                      </a:txBody>
-                      <a:tcPr/>
-                    </a:tc>
-                    <a:tc>
-                      <a:txBody>
-                        <a:bodyPr/>
-                        <a:lstStyle/>
-                        <a:p>
-                          <a:endParaRPr lang="en-US"/>
-                        </a:p>
-                      </a:txBody>
-                      <a:tcPr>
-                        <a:blipFill rotWithShape="0">
-                          <a:blip r:embed="rId2"/>
-                          <a:stretch>
-                            <a:fillRect l="-350294" t="-686154" r="-1176" b="-127692"/>
-                          </a:stretch>
-                        </a:blipFill>
-                      </a:tcPr>
-                    </a:tc>
-                  </a:tr>
-                  <a:tr h="396240">
-                    <a:tc>
-                      <a:txBody>
-                        <a:bodyPr/>
-                        <a:lstStyle/>
-                        <a:p>
-                          <a:r>
-                            <a:rPr lang="en-US" sz="2000" b="1" dirty="0" smtClean="0"/>
-                            <a:t>Average</a:t>
-                          </a:r>
-                          <a:endParaRPr lang="en-US" sz="2000" b="1" dirty="0"/>
-                        </a:p>
-                      </a:txBody>
-                      <a:tcPr/>
-                    </a:tc>
-                    <a:tc gridSpan="3">
-                      <a:txBody>
-                        <a:bodyPr/>
-                        <a:lstStyle/>
-                        <a:p>
-                          <a:pPr algn="ctr"/>
-                          <a:r>
-                            <a:rPr lang="en-US" sz="2000" dirty="0" smtClean="0"/>
-                            <a:t>79.47%</a:t>
-                          </a:r>
-                          <a:endParaRPr lang="en-US" sz="2000" dirty="0"/>
-                        </a:p>
-                      </a:txBody>
-                      <a:tcPr/>
-                    </a:tc>
-                    <a:tc hMerge="1">
-                      <a:txBody>
-                        <a:bodyPr/>
-                        <a:lstStyle/>
-                        <a:p>
-                          <a:pPr algn="ctr"/>
-                          <a:endParaRPr lang="en-US" sz="2000" dirty="0"/>
-                        </a:p>
-                      </a:txBody>
-                      <a:tcPr/>
-                    </a:tc>
-                    <a:tc hMerge="1">
-                      <a:txBody>
-                        <a:bodyPr/>
-                        <a:lstStyle/>
-                        <a:p>
-                          <a:pPr algn="ctr"/>
-                          <a:endParaRPr lang="en-US" sz="2000" dirty="0"/>
-                        </a:p>
-                      </a:txBody>
-                      <a:tcPr/>
-                    </a:tc>
-                  </a:tr>
-                </a:tbl>
-              </a:graphicData>
-            </a:graphic>
-          </p:graphicFrame>
-        </mc:Fallback>
-      </mc:AlternateContent>
-    </p:spTree>
-    <p:extLst>
-      <p:ext uri="{BB962C8B-B14F-4D97-AF65-F5344CB8AC3E}">
-        <p14:creationId xmlns:p14="http://schemas.microsoft.com/office/powerpoint/2010/main" val="1703687577"/>
-      </p:ext>
-    </p:extLst>
-  </p:cSld>
-  <p:clrMapOvr>
-    <a:masterClrMapping/>
-  </p:clrMapOvr>
-  <p:timing>
-    <p:tnLst>
-      <p:par>
-        <p:cTn id="1" dur="indefinite" restart="never" nodeType="tmRoot"/>
-      </p:par>
-    </p:tnLst>
-  </p:timing>
-</p:sld>
-</file>
-
-<file path=ppt/slides/slide4.xml><?xml version="1.0" encoding="utf-8"?>
-<p:sld xmlns:a="http://schemas.openxmlformats.org/drawingml/2006/main" xmlns:r="http://schemas.openxmlformats.org/officeDocument/2006/relationships" xmlns:p="http://schemas.openxmlformats.org/presentationml/2006/main">
-  <p:cSld>
-    <p:spTree>
-      <p:nvGrpSpPr>
-        <p:cNvPr id="1" name=""/>
-        <p:cNvGrpSpPr/>
-        <p:nvPr/>
-      </p:nvGrpSpPr>
-      <p:grpSpPr>
-        <a:xfrm>
-          <a:off x="0" y="0"/>
-          <a:ext cx="0" cy="0"/>
-          <a:chOff x="0" y="0"/>
-          <a:chExt cx="0" cy="0"/>
-        </a:xfrm>
-      </p:grpSpPr>
-      <p:sp>
-        <p:nvSpPr>
-          <p:cNvPr id="4" name="Title 3"/>
-          <p:cNvSpPr>
-            <a:spLocks noGrp="1"/>
-          </p:cNvSpPr>
-          <p:nvPr>
-            <p:ph type="ctrTitle"/>
-          </p:nvPr>
-        </p:nvSpPr>
-        <p:spPr/>
-        <p:txBody>
-          <a:bodyPr/>
-          <a:lstStyle/>
-          <a:p>
-            <a:r>
-              <a:rPr lang="en-US" b="1" dirty="0" smtClean="0"/>
-              <a:t>Baseline Results</a:t>
-            </a:r>
-            <a:endParaRPr lang="en-US" b="1" dirty="0"/>
-          </a:p>
-        </p:txBody>
-      </p:sp>
-      <p:sp>
-        <p:nvSpPr>
-          <p:cNvPr id="5" name="Subtitle 4"/>
-          <p:cNvSpPr>
-            <a:spLocks noGrp="1"/>
-          </p:cNvSpPr>
-          <p:nvPr>
-            <p:ph type="subTitle" idx="1"/>
-          </p:nvPr>
-        </p:nvSpPr>
-        <p:spPr/>
-        <p:txBody>
-          <a:bodyPr/>
-          <a:lstStyle/>
-          <a:p>
-            <a:endParaRPr lang="en-US"/>
-          </a:p>
-        </p:txBody>
-      </p:sp>
-    </p:spTree>
-    <p:extLst>
-      <p:ext uri="{BB962C8B-B14F-4D97-AF65-F5344CB8AC3E}">
-        <p14:creationId xmlns:p14="http://schemas.microsoft.com/office/powerpoint/2010/main" val="2096314252"/>
-      </p:ext>
-    </p:extLst>
-  </p:cSld>
-  <p:clrMapOvr>
-    <a:masterClrMapping/>
-  </p:clrMapOvr>
-</p:sld>
-</file>
-
-<file path=ppt/slides/slide40.xml><?xml version="1.0" encoding="utf-8"?>
 <p:sld xmlns:a="http://schemas.openxmlformats.org/drawingml/2006/main" xmlns:r="http://schemas.openxmlformats.org/officeDocument/2006/relationships" xmlns:p="http://schemas.openxmlformats.org/presentationml/2006/main">
   <p:cSld>
     <p:spTree>
@@ -40471,7 +36447,7 @@
 </p:sld>
 </file>
 
-<file path=ppt/slides/slide41.xml><?xml version="1.0" encoding="utf-8"?>
+<file path=ppt/slides/slide38.xml><?xml version="1.0" encoding="utf-8"?>
 <p:sld xmlns:a="http://schemas.openxmlformats.org/drawingml/2006/main" xmlns:r="http://schemas.openxmlformats.org/officeDocument/2006/relationships" xmlns:p="http://schemas.openxmlformats.org/presentationml/2006/main">
   <p:cSld>
     <p:spTree>
@@ -40864,6 +36840,78 @@
       </p:par>
     </p:tnLst>
   </p:timing>
+</p:sld>
+</file>
+
+<file path=ppt/slides/slide4.xml><?xml version="1.0" encoding="utf-8"?>
+<p:sld xmlns:a="http://schemas.openxmlformats.org/drawingml/2006/main" xmlns:r="http://schemas.openxmlformats.org/officeDocument/2006/relationships" xmlns:p="http://schemas.openxmlformats.org/presentationml/2006/main">
+  <p:cSld>
+    <p:spTree>
+      <p:nvGrpSpPr>
+        <p:cNvPr id="1" name=""/>
+        <p:cNvGrpSpPr/>
+        <p:nvPr/>
+      </p:nvGrpSpPr>
+      <p:grpSpPr>
+        <a:xfrm>
+          <a:off x="0" y="0"/>
+          <a:ext cx="0" cy="0"/>
+          <a:chOff x="0" y="0"/>
+          <a:chExt cx="0" cy="0"/>
+        </a:xfrm>
+      </p:grpSpPr>
+      <p:sp>
+        <p:nvSpPr>
+          <p:cNvPr id="4" name="Title 3"/>
+          <p:cNvSpPr>
+            <a:spLocks noGrp="1"/>
+          </p:cNvSpPr>
+          <p:nvPr>
+            <p:ph type="ctrTitle"/>
+          </p:nvPr>
+        </p:nvSpPr>
+        <p:spPr/>
+        <p:txBody>
+          <a:bodyPr/>
+          <a:lstStyle/>
+          <a:p>
+            <a:r>
+              <a:rPr lang="en-US" b="1" dirty="0" smtClean="0"/>
+              <a:t>Baseline Results</a:t>
+            </a:r>
+            <a:endParaRPr lang="en-US" b="1" dirty="0"/>
+          </a:p>
+        </p:txBody>
+      </p:sp>
+      <p:sp>
+        <p:nvSpPr>
+          <p:cNvPr id="5" name="Subtitle 4"/>
+          <p:cNvSpPr>
+            <a:spLocks noGrp="1"/>
+          </p:cNvSpPr>
+          <p:nvPr>
+            <p:ph type="subTitle" idx="1"/>
+          </p:nvPr>
+        </p:nvSpPr>
+        <p:spPr/>
+        <p:txBody>
+          <a:bodyPr/>
+          <a:lstStyle/>
+          <a:p>
+            <a:endParaRPr lang="en-US"/>
+          </a:p>
+        </p:txBody>
+      </p:sp>
+    </p:spTree>
+    <p:extLst>
+      <p:ext uri="{BB962C8B-B14F-4D97-AF65-F5344CB8AC3E}">
+        <p14:creationId xmlns:p14="http://schemas.microsoft.com/office/powerpoint/2010/main" val="2096314252"/>
+      </p:ext>
+    </p:extLst>
+  </p:cSld>
+  <p:clrMapOvr>
+    <a:masterClrMapping/>
+  </p:clrMapOvr>
 </p:sld>
 </file>
 

--- a/docs/documents/weekly_meeting/16 Dec 2016.pptx
+++ b/docs/documents/weekly_meeting/16 Dec 2016.pptx
@@ -5,7 +5,7 @@
     <p:sldMasterId id="2147483648" r:id="rId1"/>
   </p:sldMasterIdLst>
   <p:notesMasterIdLst>
-    <p:notesMasterId r:id="rId40"/>
+    <p:notesMasterId r:id="rId43"/>
   </p:notesMasterIdLst>
   <p:sldIdLst>
     <p:sldId id="257" r:id="rId2"/>
@@ -44,8 +44,11 @@
     <p:sldId id="353" r:id="rId35"/>
     <p:sldId id="364" r:id="rId36"/>
     <p:sldId id="362" r:id="rId37"/>
-    <p:sldId id="314" r:id="rId38"/>
-    <p:sldId id="308" r:id="rId39"/>
+    <p:sldId id="365" r:id="rId38"/>
+    <p:sldId id="366" r:id="rId39"/>
+    <p:sldId id="367" r:id="rId40"/>
+    <p:sldId id="314" r:id="rId41"/>
+    <p:sldId id="308" r:id="rId42"/>
   </p:sldIdLst>
   <p:sldSz cx="12192000" cy="6858000"/>
   <p:notesSz cx="6858000" cy="9144000"/>
@@ -229,6 +232,9 @@
             <p14:sldId id="353"/>
             <p14:sldId id="364"/>
             <p14:sldId id="362"/>
+            <p14:sldId id="365"/>
+            <p14:sldId id="366"/>
+            <p14:sldId id="367"/>
           </p14:sldIdLst>
         </p14:section>
         <p14:section name="Other Observations" id="{45460222-505A-AF44-909A-FA773E4BA4D2}">
@@ -328,7 +334,7 @@
           <a:p>
             <a:fld id="{2B443DB1-3454-AB4E-A2F7-083942AD4ADB}" type="datetimeFigureOut">
               <a:rPr lang="en-US" smtClean="0"/>
-              <a:t>12/30/16</a:t>
+              <a:t>1/1/17</a:t>
             </a:fld>
             <a:endParaRPr lang="en-US"/>
           </a:p>
@@ -1606,7 +1612,7 @@
           <a:p>
             <a:fld id="{AC020E75-F84B-F342-8F11-D007000D2CC1}" type="datetimeFigureOut">
               <a:rPr lang="en-US" smtClean="0"/>
-              <a:t>12/30/16</a:t>
+              <a:t>1/1/17</a:t>
             </a:fld>
             <a:endParaRPr lang="en-US"/>
           </a:p>
@@ -1776,7 +1782,7 @@
           <a:p>
             <a:fld id="{AC020E75-F84B-F342-8F11-D007000D2CC1}" type="datetimeFigureOut">
               <a:rPr lang="en-US" smtClean="0"/>
-              <a:t>12/30/16</a:t>
+              <a:t>1/1/17</a:t>
             </a:fld>
             <a:endParaRPr lang="en-US"/>
           </a:p>
@@ -1956,7 +1962,7 @@
           <a:p>
             <a:fld id="{AC020E75-F84B-F342-8F11-D007000D2CC1}" type="datetimeFigureOut">
               <a:rPr lang="en-US" smtClean="0"/>
-              <a:t>12/30/16</a:t>
+              <a:t>1/1/17</a:t>
             </a:fld>
             <a:endParaRPr lang="en-US"/>
           </a:p>
@@ -2126,7 +2132,7 @@
           <a:p>
             <a:fld id="{AC020E75-F84B-F342-8F11-D007000D2CC1}" type="datetimeFigureOut">
               <a:rPr lang="en-US" smtClean="0"/>
-              <a:t>12/30/16</a:t>
+              <a:t>1/1/17</a:t>
             </a:fld>
             <a:endParaRPr lang="en-US"/>
           </a:p>
@@ -2372,7 +2378,7 @@
           <a:p>
             <a:fld id="{AC020E75-F84B-F342-8F11-D007000D2CC1}" type="datetimeFigureOut">
               <a:rPr lang="en-US" smtClean="0"/>
-              <a:t>12/30/16</a:t>
+              <a:t>1/1/17</a:t>
             </a:fld>
             <a:endParaRPr lang="en-US"/>
           </a:p>
@@ -2604,7 +2610,7 @@
           <a:p>
             <a:fld id="{AC020E75-F84B-F342-8F11-D007000D2CC1}" type="datetimeFigureOut">
               <a:rPr lang="en-US" smtClean="0"/>
-              <a:t>12/30/16</a:t>
+              <a:t>1/1/17</a:t>
             </a:fld>
             <a:endParaRPr lang="en-US"/>
           </a:p>
@@ -2971,7 +2977,7 @@
           <a:p>
             <a:fld id="{AC020E75-F84B-F342-8F11-D007000D2CC1}" type="datetimeFigureOut">
               <a:rPr lang="en-US" smtClean="0"/>
-              <a:t>12/30/16</a:t>
+              <a:t>1/1/17</a:t>
             </a:fld>
             <a:endParaRPr lang="en-US"/>
           </a:p>
@@ -3089,7 +3095,7 @@
           <a:p>
             <a:fld id="{AC020E75-F84B-F342-8F11-D007000D2CC1}" type="datetimeFigureOut">
               <a:rPr lang="en-US" smtClean="0"/>
-              <a:t>12/30/16</a:t>
+              <a:t>1/1/17</a:t>
             </a:fld>
             <a:endParaRPr lang="en-US"/>
           </a:p>
@@ -3184,7 +3190,7 @@
           <a:p>
             <a:fld id="{AC020E75-F84B-F342-8F11-D007000D2CC1}" type="datetimeFigureOut">
               <a:rPr lang="en-US" smtClean="0"/>
-              <a:t>12/30/16</a:t>
+              <a:t>1/1/17</a:t>
             </a:fld>
             <a:endParaRPr lang="en-US"/>
           </a:p>
@@ -3461,7 +3467,7 @@
           <a:p>
             <a:fld id="{AC020E75-F84B-F342-8F11-D007000D2CC1}" type="datetimeFigureOut">
               <a:rPr lang="en-US" smtClean="0"/>
-              <a:t>12/30/16</a:t>
+              <a:t>1/1/17</a:t>
             </a:fld>
             <a:endParaRPr lang="en-US"/>
           </a:p>
@@ -3714,7 +3720,7 @@
           <a:p>
             <a:fld id="{AC020E75-F84B-F342-8F11-D007000D2CC1}" type="datetimeFigureOut">
               <a:rPr lang="en-US" smtClean="0"/>
-              <a:t>12/30/16</a:t>
+              <a:t>1/1/17</a:t>
             </a:fld>
             <a:endParaRPr lang="en-US"/>
           </a:p>
@@ -3927,7 +3933,7 @@
           <a:p>
             <a:fld id="{AC020E75-F84B-F342-8F11-D007000D2CC1}" type="datetimeFigureOut">
               <a:rPr lang="en-US" smtClean="0"/>
-              <a:t>12/30/16</a:t>
+              <a:t>1/1/17</a:t>
             </a:fld>
             <a:endParaRPr lang="en-US"/>
           </a:p>
@@ -9323,8 +9329,8 @@
           </a:p>
         </p:txBody>
       </p:sp>
-      <mc:AlternateContent xmlns:mc="http://schemas.openxmlformats.org/markup-compatibility/2006">
-        <mc:Choice xmlns:a14="http://schemas.microsoft.com/office/drawing/2010/main" Requires="a14">
+      <mc:AlternateContent xmlns:mc="http://schemas.openxmlformats.org/markup-compatibility/2006" xmlns:a14="http://schemas.microsoft.com/office/drawing/2010/main">
+        <mc:Choice Requires="a14">
           <p:graphicFrame>
             <p:nvGraphicFramePr>
               <p:cNvPr id="6" name="Table 5"/>
@@ -9513,13 +9519,7 @@
                             <a:rPr lang="en-US" sz="2000" dirty="0" smtClean="0">
                               <a:latin typeface="+mn-lt"/>
                             </a:rPr>
-                            <a:t> </a:t>
-                          </a:r>
-                          <a:r>
-                            <a:rPr lang="en-US" sz="2000" dirty="0" smtClean="0">
-                              <a:latin typeface="+mn-lt"/>
-                            </a:rPr>
-                            <a:t>0.18%</a:t>
+                            <a:t> 0.18%</a:t>
                           </a:r>
                           <a:endParaRPr lang="en-US" sz="2000" dirty="0">
                             <a:latin typeface="+mn-lt"/>
@@ -9556,13 +9556,7 @@
                             <a:rPr lang="en-US" sz="2000" dirty="0" smtClean="0">
                               <a:latin typeface="+mn-lt"/>
                             </a:rPr>
-                            <a:t> </a:t>
-                          </a:r>
-                          <a:r>
-                            <a:rPr lang="en-US" sz="2000" dirty="0" smtClean="0">
-                              <a:latin typeface="+mn-lt"/>
-                            </a:rPr>
-                            <a:t>0.35%</a:t>
+                            <a:t> 0.35%</a:t>
                           </a:r>
                           <a:endParaRPr lang="en-US" sz="2000" dirty="0">
                             <a:latin typeface="+mn-lt"/>
@@ -9599,13 +9593,7 @@
                             <a:rPr lang="en-US" sz="2000" dirty="0" smtClean="0">
                               <a:latin typeface="+mn-lt"/>
                             </a:rPr>
-                            <a:t> </a:t>
-                          </a:r>
-                          <a:r>
-                            <a:rPr lang="en-US" sz="2000" dirty="0" smtClean="0">
-                              <a:latin typeface="+mn-lt"/>
-                            </a:rPr>
-                            <a:t>0.10%</a:t>
+                            <a:t> 0.10%</a:t>
                           </a:r>
                           <a:endParaRPr lang="en-US" sz="2000" dirty="0">
                             <a:latin typeface="+mn-lt"/>
@@ -9662,13 +9650,7 @@
                             <a:rPr lang="en-US" sz="2000" dirty="0" smtClean="0">
                               <a:latin typeface="+mn-lt"/>
                             </a:rPr>
-                            <a:t> </a:t>
-                          </a:r>
-                          <a:r>
-                            <a:rPr lang="en-US" sz="2000" dirty="0" smtClean="0">
-                              <a:latin typeface="+mn-lt"/>
-                            </a:rPr>
-                            <a:t>0.29%</a:t>
+                            <a:t> 0.29%</a:t>
                           </a:r>
                           <a:endParaRPr lang="en-US" sz="2000" dirty="0">
                             <a:latin typeface="+mn-lt"/>
@@ -9705,13 +9687,7 @@
                             <a:rPr lang="en-US" sz="2000" dirty="0" smtClean="0">
                               <a:latin typeface="+mn-lt"/>
                             </a:rPr>
-                            <a:t> </a:t>
-                          </a:r>
-                          <a:r>
-                            <a:rPr lang="en-US" sz="2000" dirty="0" smtClean="0">
-                              <a:latin typeface="+mn-lt"/>
-                            </a:rPr>
-                            <a:t>0.23%</a:t>
+                            <a:t> 0.23%</a:t>
                           </a:r>
                           <a:endParaRPr lang="en-US" sz="2000" dirty="0">
                             <a:latin typeface="+mn-lt"/>
@@ -9748,13 +9724,7 @@
                             <a:rPr lang="en-US" sz="2000" dirty="0" smtClean="0">
                               <a:latin typeface="+mn-lt"/>
                             </a:rPr>
-                            <a:t> </a:t>
-                          </a:r>
-                          <a:r>
-                            <a:rPr lang="en-US" sz="2000" dirty="0" smtClean="0">
-                              <a:latin typeface="+mn-lt"/>
-                            </a:rPr>
-                            <a:t>0.31%</a:t>
+                            <a:t> 0.31%</a:t>
                           </a:r>
                           <a:endParaRPr lang="en-US" sz="2000" dirty="0">
                             <a:latin typeface="+mn-lt"/>
@@ -9769,7 +9739,7 @@
             </a:graphic>
           </p:graphicFrame>
         </mc:Choice>
-        <mc:Fallback>
+        <mc:Fallback xmlns="">
           <p:graphicFrame>
             <p:nvGraphicFramePr>
               <p:cNvPr id="6" name="Table 5"/>
@@ -10815,11 +10785,7 @@
           <a:p>
             <a:r>
               <a:rPr lang="en-US" sz="4000" b="1" dirty="0" smtClean="0"/>
-              <a:t>5-Fold CV </a:t>
-            </a:r>
-            <a:r>
-              <a:rPr lang="en-US" sz="4000" b="1" dirty="0" smtClean="0"/>
-              <a:t>(</a:t>
+              <a:t>5-Fold CV (</a:t>
             </a:r>
             <a:r>
               <a:rPr lang="en-US" sz="4000" b="1" i="1" u="sng" dirty="0" smtClean="0"/>
@@ -10827,11 +10793,7 @@
             </a:r>
             <a:r>
               <a:rPr lang="en-US" sz="4000" b="1" dirty="0" smtClean="0"/>
-              <a:t> persons</a:t>
-            </a:r>
-            <a:r>
-              <a:rPr lang="en-US" sz="4000" b="1" dirty="0" smtClean="0"/>
-              <a:t>) </a:t>
+              <a:t> persons) </a:t>
             </a:r>
             <a:r>
               <a:rPr lang="mr-IN" sz="4000" b="1" dirty="0" smtClean="0"/>
@@ -10929,7 +10891,7 @@
               <p:nvPr>
                 <p:extLst>
                   <p:ext uri="{D42A27DB-BD31-4B8C-83A1-F6EECF244321}">
-                    <p14:modId xmlns:p14="http://schemas.microsoft.com/office/powerpoint/2010/main" val="1582965255"/>
+                    <p14:modId xmlns:p14="http://schemas.microsoft.com/office/powerpoint/2010/main" val="1284327763"/>
                   </p:ext>
                 </p:extLst>
               </p:nvPr>
@@ -11090,7 +11052,7 @@
                             <a:rPr lang="en-US" sz="2000" dirty="0" smtClean="0">
                               <a:latin typeface="+mn-lt"/>
                             </a:rPr>
-                            <a:t>96.36% </a:t>
+                            <a:t>96.45% </a:t>
                           </a:r>
                           <a14:m>
                             <m:oMath xmlns:m="http://schemas.openxmlformats.org/officeDocument/2006/math">
@@ -11114,7 +11076,7 @@
                             <a:rPr lang="en-US" sz="2000" dirty="0" smtClean="0">
                               <a:latin typeface="+mn-lt"/>
                             </a:rPr>
-                            <a:t>0.18%</a:t>
+                            <a:t>0.22%</a:t>
                           </a:r>
                           <a:endParaRPr lang="en-US" sz="2000" dirty="0">
                             <a:latin typeface="+mn-lt"/>
@@ -11133,7 +11095,7 @@
                             <a:rPr lang="en-US" sz="2000" dirty="0" smtClean="0">
                               <a:latin typeface="+mn-lt"/>
                             </a:rPr>
-                            <a:t>90.48% </a:t>
+                            <a:t>90.45% </a:t>
                           </a:r>
                           <a14:m>
                             <m:oMath xmlns:m="http://schemas.openxmlformats.org/officeDocument/2006/math">
@@ -11157,7 +11119,7 @@
                             <a:rPr lang="en-US" sz="2000" dirty="0" smtClean="0">
                               <a:latin typeface="+mn-lt"/>
                             </a:rPr>
-                            <a:t>0.29%</a:t>
+                            <a:t>0.27%</a:t>
                           </a:r>
                           <a:endParaRPr lang="en-US" sz="2000" dirty="0">
                             <a:latin typeface="+mn-lt"/>
@@ -11176,7 +11138,7 @@
                             <a:rPr lang="en-US" sz="2000" dirty="0" smtClean="0">
                               <a:latin typeface="+mn-lt"/>
                             </a:rPr>
-                            <a:t>89.70% </a:t>
+                            <a:t>90.12% </a:t>
                           </a:r>
                           <a14:m>
                             <m:oMath xmlns:m="http://schemas.openxmlformats.org/officeDocument/2006/math">
@@ -11200,7 +11162,7 @@
                             <a:rPr lang="en-US" sz="2000" dirty="0" smtClean="0">
                               <a:latin typeface="+mn-lt"/>
                             </a:rPr>
-                            <a:t>0.23%</a:t>
+                            <a:t>0.33%</a:t>
                           </a:r>
                           <a:endParaRPr lang="en-US" sz="2000" dirty="0">
                             <a:latin typeface="+mn-lt"/>
@@ -11239,7 +11201,7 @@
                             <a:rPr lang="en-US" sz="2000" dirty="0" smtClean="0">
                               <a:latin typeface="+mn-lt"/>
                             </a:rPr>
-                            <a:t>% </a:t>
+                            <a:t>96.32% </a:t>
                           </a:r>
                           <a14:m>
                             <m:oMath xmlns:m="http://schemas.openxmlformats.org/officeDocument/2006/math">
@@ -11257,7 +11219,13 @@
                             <a:rPr lang="en-US" sz="2000" dirty="0" smtClean="0">
                               <a:latin typeface="+mn-lt"/>
                             </a:rPr>
-                            <a:t> %</a:t>
+                            <a:t> </a:t>
+                          </a:r>
+                          <a:r>
+                            <a:rPr lang="en-US" sz="2000" dirty="0" smtClean="0">
+                              <a:latin typeface="+mn-lt"/>
+                            </a:rPr>
+                            <a:t>0.17%</a:t>
                           </a:r>
                           <a:endParaRPr lang="en-US" sz="2000" dirty="0">
                             <a:latin typeface="+mn-lt"/>
@@ -11276,7 +11244,7 @@
                             <a:rPr lang="en-US" sz="2000" dirty="0" smtClean="0">
                               <a:latin typeface="+mn-lt"/>
                             </a:rPr>
-                            <a:t>% </a:t>
+                            <a:t>81.82% </a:t>
                           </a:r>
                           <a14:m>
                             <m:oMath xmlns:m="http://schemas.openxmlformats.org/officeDocument/2006/math">
@@ -11294,7 +11262,13 @@
                             <a:rPr lang="en-US" sz="2000" dirty="0" smtClean="0">
                               <a:latin typeface="+mn-lt"/>
                             </a:rPr>
-                            <a:t> %</a:t>
+                            <a:t> </a:t>
+                          </a:r>
+                          <a:r>
+                            <a:rPr lang="en-US" sz="2000" dirty="0" smtClean="0">
+                              <a:latin typeface="+mn-lt"/>
+                            </a:rPr>
+                            <a:t>0.47%</a:t>
                           </a:r>
                           <a:endParaRPr lang="en-US" sz="2000" dirty="0">
                             <a:latin typeface="+mn-lt"/>
@@ -11313,7 +11287,7 @@
                             <a:rPr lang="en-US" sz="2000" dirty="0" smtClean="0">
                               <a:latin typeface="+mn-lt"/>
                             </a:rPr>
-                            <a:t>% </a:t>
+                            <a:t>89.03% </a:t>
                           </a:r>
                           <a14:m>
                             <m:oMath xmlns:m="http://schemas.openxmlformats.org/officeDocument/2006/math">
@@ -11331,7 +11305,13 @@
                             <a:rPr lang="en-US" sz="2000" dirty="0" smtClean="0">
                               <a:latin typeface="+mn-lt"/>
                             </a:rPr>
-                            <a:t> %</a:t>
+                            <a:t> </a:t>
+                          </a:r>
+                          <a:r>
+                            <a:rPr lang="en-US" sz="2000" dirty="0" smtClean="0">
+                              <a:latin typeface="+mn-lt"/>
+                            </a:rPr>
+                            <a:t>0.48%</a:t>
                           </a:r>
                           <a:endParaRPr lang="en-US" sz="2000" dirty="0">
                             <a:latin typeface="+mn-lt"/>
@@ -11356,7 +11336,7 @@
               <p:nvPr>
                 <p:extLst>
                   <p:ext uri="{D42A27DB-BD31-4B8C-83A1-F6EECF244321}">
-                    <p14:modId xmlns:p14="http://schemas.microsoft.com/office/powerpoint/2010/main" val="1582965255"/>
+                    <p14:modId xmlns:p14="http://schemas.microsoft.com/office/powerpoint/2010/main" val="1284327763"/>
                   </p:ext>
                 </p:extLst>
               </p:nvPr>
@@ -32671,8 +32651,8 @@
           </a:p>
         </p:txBody>
       </p:sp>
-      <mc:AlternateContent xmlns:mc="http://schemas.openxmlformats.org/markup-compatibility/2006">
-        <mc:Choice xmlns:a14="http://schemas.microsoft.com/office/drawing/2010/main" Requires="a14">
+      <mc:AlternateContent xmlns:mc="http://schemas.openxmlformats.org/markup-compatibility/2006" xmlns:a14="http://schemas.microsoft.com/office/drawing/2010/main">
+        <mc:Choice Requires="a14">
           <p:graphicFrame>
             <p:nvGraphicFramePr>
               <p:cNvPr id="6" name="Table 5"/>
@@ -32848,11 +32828,7 @@
                           </a14:m>
                           <a:r>
                             <a:rPr lang="en-US" sz="2000" dirty="0" smtClean="0"/>
-                            <a:t> </a:t>
-                          </a:r>
-                          <a:r>
-                            <a:rPr lang="en-US" sz="2000" dirty="0" smtClean="0"/>
-                            <a:t>0.75%</a:t>
+                            <a:t> 0.75%</a:t>
                           </a:r>
                           <a:endParaRPr lang="en-US" sz="2000" dirty="0"/>
                         </a:p>
@@ -32940,11 +32916,7 @@
                           </a14:m>
                           <a:r>
                             <a:rPr lang="en-US" sz="2000" dirty="0" smtClean="0"/>
-                            <a:t> </a:t>
-                          </a:r>
-                          <a:r>
-                            <a:rPr lang="en-US" sz="2000" dirty="0" smtClean="0"/>
-                            <a:t>0.12%</a:t>
+                            <a:t> 0.12%</a:t>
                           </a:r>
                           <a:endParaRPr lang="en-US" sz="2000" dirty="0"/>
                         </a:p>
@@ -33017,11 +32989,7 @@
                           </a14:m>
                           <a:r>
                             <a:rPr lang="en-US" sz="2000" dirty="0" smtClean="0"/>
-                            <a:t> </a:t>
-                          </a:r>
-                          <a:r>
-                            <a:rPr lang="en-US" sz="2000" dirty="0" smtClean="0"/>
-                            <a:t>0.14%</a:t>
+                            <a:t> 0.14%</a:t>
                           </a:r>
                           <a:endParaRPr lang="en-US" sz="2000" dirty="0"/>
                         </a:p>
@@ -33093,11 +33061,7 @@
                           </a14:m>
                           <a:r>
                             <a:rPr lang="en-US" sz="2000" dirty="0" smtClean="0"/>
-                            <a:t> </a:t>
-                          </a:r>
-                          <a:r>
-                            <a:rPr lang="en-US" sz="2000" dirty="0" smtClean="0"/>
-                            <a:t>0.37%</a:t>
+                            <a:t> 0.37%</a:t>
                           </a:r>
                           <a:endParaRPr lang="en-US" sz="2000" dirty="0"/>
                         </a:p>
@@ -33170,11 +33134,7 @@
                           </a14:m>
                           <a:r>
                             <a:rPr lang="en-US" sz="2000" dirty="0" smtClean="0"/>
-                            <a:t> </a:t>
-                          </a:r>
-                          <a:r>
-                            <a:rPr lang="en-US" sz="2000" dirty="0" smtClean="0"/>
-                            <a:t>0.09%</a:t>
+                            <a:t> 0.09%</a:t>
                           </a:r>
                           <a:endParaRPr lang="en-US" sz="2000" dirty="0"/>
                         </a:p>
@@ -33246,11 +33206,7 @@
                           </a14:m>
                           <a:r>
                             <a:rPr lang="en-US" sz="2000" dirty="0" smtClean="0"/>
-                            <a:t> </a:t>
-                          </a:r>
-                          <a:r>
-                            <a:rPr lang="en-US" sz="2000" dirty="0" smtClean="0"/>
-                            <a:t>0.73%</a:t>
+                            <a:t> 0.73%</a:t>
                           </a:r>
                           <a:endParaRPr lang="en-US" sz="2000" dirty="0"/>
                         </a:p>
@@ -33323,11 +33279,7 @@
                           </a14:m>
                           <a:r>
                             <a:rPr lang="en-US" sz="2000" dirty="0" smtClean="0"/>
-                            <a:t> </a:t>
-                          </a:r>
-                          <a:r>
-                            <a:rPr lang="en-US" sz="2000" dirty="0" smtClean="0"/>
-                            <a:t>0.09%</a:t>
+                            <a:t> 0.09%</a:t>
                           </a:r>
                           <a:endParaRPr lang="en-US" sz="2000" dirty="0"/>
                         </a:p>
@@ -33399,11 +33351,7 @@
                           </a14:m>
                           <a:r>
                             <a:rPr lang="en-US" sz="2000" dirty="0" smtClean="0"/>
-                            <a:t> </a:t>
-                          </a:r>
-                          <a:r>
-                            <a:rPr lang="en-US" sz="2000" dirty="0" smtClean="0"/>
-                            <a:t>0.17%</a:t>
+                            <a:t> 0.17%</a:t>
                           </a:r>
                           <a:endParaRPr lang="en-US" sz="2000" dirty="0"/>
                         </a:p>
@@ -33476,11 +33424,7 @@
                           </a14:m>
                           <a:r>
                             <a:rPr lang="en-US" sz="2000" dirty="0" smtClean="0"/>
-                            <a:t> </a:t>
-                          </a:r>
-                          <a:r>
-                            <a:rPr lang="en-US" sz="2000" dirty="0" smtClean="0"/>
-                            <a:t>0.18%</a:t>
+                            <a:t> 0.18%</a:t>
                           </a:r>
                           <a:endParaRPr lang="en-US" sz="2000" dirty="0"/>
                         </a:p>
@@ -33552,11 +33496,7 @@
                           </a14:m>
                           <a:r>
                             <a:rPr lang="en-US" sz="2000" dirty="0" smtClean="0"/>
-                            <a:t> </a:t>
-                          </a:r>
-                          <a:r>
-                            <a:rPr lang="en-US" sz="2000" dirty="0" smtClean="0"/>
-                            <a:t>0.05%</a:t>
+                            <a:t> 0.05%</a:t>
                           </a:r>
                           <a:endParaRPr lang="en-US" sz="2000" dirty="0"/>
                         </a:p>
@@ -33629,11 +33569,7 @@
                           </a14:m>
                           <a:r>
                             <a:rPr lang="en-US" sz="2000" dirty="0" smtClean="0"/>
-                            <a:t> </a:t>
-                          </a:r>
-                          <a:r>
-                            <a:rPr lang="en-US" sz="2000" dirty="0" smtClean="0"/>
-                            <a:t>0.04%</a:t>
+                            <a:t> 0.04%</a:t>
                           </a:r>
                           <a:endParaRPr lang="en-US" sz="2000" dirty="0"/>
                         </a:p>
@@ -33737,7 +33673,7 @@
             </a:graphic>
           </p:graphicFrame>
         </mc:Choice>
-        <mc:Fallback>
+        <mc:Fallback xmlns="">
           <p:graphicFrame>
             <p:nvGraphicFramePr>
               <p:cNvPr id="6" name="Table 5"/>
@@ -34622,8 +34558,8 @@
           </a:p>
         </p:txBody>
       </p:sp>
-      <mc:AlternateContent xmlns:mc="http://schemas.openxmlformats.org/markup-compatibility/2006">
-        <mc:Choice xmlns:a14="http://schemas.microsoft.com/office/drawing/2010/main" Requires="a14">
+      <mc:AlternateContent xmlns:mc="http://schemas.openxmlformats.org/markup-compatibility/2006" xmlns:a14="http://schemas.microsoft.com/office/drawing/2010/main">
+        <mc:Choice Requires="a14">
           <p:graphicFrame>
             <p:nvGraphicFramePr>
               <p:cNvPr id="6" name="Table 5"/>
@@ -35644,7 +35580,7 @@
             </a:graphic>
           </p:graphicFrame>
         </mc:Choice>
-        <mc:Fallback>
+        <mc:Fallback xmlns="">
           <p:graphicFrame>
             <p:nvGraphicFramePr>
               <p:cNvPr id="6" name="Table 5"/>
@@ -36247,6 +36183,4020 @@
 </file>
 
 <file path=ppt/slides/slide37.xml><?xml version="1.0" encoding="utf-8"?>
+<p:sld xmlns:a="http://schemas.openxmlformats.org/drawingml/2006/main" xmlns:r="http://schemas.openxmlformats.org/officeDocument/2006/relationships" xmlns:p="http://schemas.openxmlformats.org/presentationml/2006/main">
+  <p:cSld>
+    <p:spTree>
+      <p:nvGrpSpPr>
+        <p:cNvPr id="1" name=""/>
+        <p:cNvGrpSpPr/>
+        <p:nvPr/>
+      </p:nvGrpSpPr>
+      <p:grpSpPr>
+        <a:xfrm>
+          <a:off x="0" y="0"/>
+          <a:ext cx="0" cy="0"/>
+          <a:chOff x="0" y="0"/>
+          <a:chExt cx="0" cy="0"/>
+        </a:xfrm>
+      </p:grpSpPr>
+      <p:sp>
+        <p:nvSpPr>
+          <p:cNvPr id="4" name="Title 3"/>
+          <p:cNvSpPr>
+            <a:spLocks noGrp="1"/>
+          </p:cNvSpPr>
+          <p:nvPr>
+            <p:ph type="ctrTitle"/>
+          </p:nvPr>
+        </p:nvSpPr>
+        <p:spPr/>
+        <p:txBody>
+          <a:bodyPr/>
+          <a:lstStyle/>
+          <a:p>
+            <a:r>
+              <a:rPr lang="en-US" b="1" dirty="0" smtClean="0"/>
+              <a:t>LOO 11 PERSONS </a:t>
+            </a:r>
+            <a:r>
+              <a:rPr lang="en-US" b="1" dirty="0" smtClean="0"/>
+              <a:t>(</a:t>
+            </a:r>
+            <a:r>
+              <a:rPr lang="en-US" b="1" i="1" u="sng" dirty="0" smtClean="0"/>
+              <a:t>CORR</a:t>
+            </a:r>
+            <a:r>
+              <a:rPr lang="en-US" b="1" dirty="0" smtClean="0"/>
+              <a:t>)</a:t>
+            </a:r>
+            <a:endParaRPr lang="en-US" b="1" dirty="0"/>
+          </a:p>
+        </p:txBody>
+      </p:sp>
+      <p:sp>
+        <p:nvSpPr>
+          <p:cNvPr id="5" name="Subtitle 4"/>
+          <p:cNvSpPr>
+            <a:spLocks noGrp="1"/>
+          </p:cNvSpPr>
+          <p:nvPr>
+            <p:ph type="subTitle" idx="1"/>
+          </p:nvPr>
+        </p:nvSpPr>
+        <p:spPr/>
+        <p:txBody>
+          <a:bodyPr/>
+          <a:lstStyle/>
+          <a:p>
+            <a:endParaRPr lang="en-US"/>
+          </a:p>
+        </p:txBody>
+      </p:sp>
+    </p:spTree>
+    <p:extLst>
+      <p:ext uri="{BB962C8B-B14F-4D97-AF65-F5344CB8AC3E}">
+        <p14:creationId xmlns:p14="http://schemas.microsoft.com/office/powerpoint/2010/main" val="420650436"/>
+      </p:ext>
+    </p:extLst>
+  </p:cSld>
+  <p:clrMapOvr>
+    <a:masterClrMapping/>
+  </p:clrMapOvr>
+</p:sld>
+</file>
+
+<file path=ppt/slides/slide38.xml><?xml version="1.0" encoding="utf-8"?>
+<p:sld xmlns:a="http://schemas.openxmlformats.org/drawingml/2006/main" xmlns:r="http://schemas.openxmlformats.org/officeDocument/2006/relationships" xmlns:p="http://schemas.openxmlformats.org/presentationml/2006/main">
+  <p:cSld>
+    <p:spTree>
+      <p:nvGrpSpPr>
+        <p:cNvPr id="1" name=""/>
+        <p:cNvGrpSpPr/>
+        <p:nvPr/>
+      </p:nvGrpSpPr>
+      <p:grpSpPr>
+        <a:xfrm>
+          <a:off x="0" y="0"/>
+          <a:ext cx="0" cy="0"/>
+          <a:chOff x="0" y="0"/>
+          <a:chExt cx="0" cy="0"/>
+        </a:xfrm>
+      </p:grpSpPr>
+      <p:sp>
+        <p:nvSpPr>
+          <p:cNvPr id="4" name="Title 1"/>
+          <p:cNvSpPr txBox="1">
+            <a:spLocks/>
+          </p:cNvSpPr>
+          <p:nvPr/>
+        </p:nvSpPr>
+        <p:spPr>
+          <a:xfrm>
+            <a:off x="838200" y="365125"/>
+            <a:ext cx="10515600" cy="1325563"/>
+          </a:xfrm>
+          <a:prstGeom prst="rect">
+            <a:avLst/>
+          </a:prstGeom>
+        </p:spPr>
+        <p:txBody>
+          <a:bodyPr vert="horz" lIns="91440" tIns="45720" rIns="91440" bIns="45720" rtlCol="0" anchor="ctr">
+            <a:normAutofit/>
+          </a:bodyPr>
+          <a:lstStyle>
+            <a:lvl1pPr algn="l" defTabSz="914400" rtl="0" eaLnBrk="1" latinLnBrk="0" hangingPunct="1">
+              <a:lnSpc>
+                <a:spcPct val="90000"/>
+              </a:lnSpc>
+              <a:spcBef>
+                <a:spcPct val="0"/>
+              </a:spcBef>
+              <a:buNone/>
+              <a:defRPr sz="4400" kern="1200">
+                <a:solidFill>
+                  <a:schemeClr val="tx1"/>
+                </a:solidFill>
+                <a:latin typeface="+mj-lt"/>
+                <a:ea typeface="+mj-ea"/>
+                <a:cs typeface="+mj-cs"/>
+              </a:defRPr>
+            </a:lvl1pPr>
+          </a:lstStyle>
+          <a:p>
+            <a:r>
+              <a:rPr lang="en-US" b="1" dirty="0" smtClean="0"/>
+              <a:t>LOO (11 PERSONS)</a:t>
+            </a:r>
+            <a:endParaRPr lang="en-US" b="1" dirty="0"/>
+          </a:p>
+        </p:txBody>
+      </p:sp>
+      <p:sp>
+        <p:nvSpPr>
+          <p:cNvPr id="5" name="Content Placeholder 2"/>
+          <p:cNvSpPr txBox="1">
+            <a:spLocks/>
+          </p:cNvSpPr>
+          <p:nvPr/>
+        </p:nvSpPr>
+        <p:spPr>
+          <a:xfrm>
+            <a:off x="838200" y="1482436"/>
+            <a:ext cx="10515600" cy="4694527"/>
+          </a:xfrm>
+          <a:prstGeom prst="rect">
+            <a:avLst/>
+          </a:prstGeom>
+        </p:spPr>
+        <p:txBody>
+          <a:bodyPr vert="horz" lIns="91440" tIns="45720" rIns="91440" bIns="45720" rtlCol="0">
+            <a:normAutofit/>
+          </a:bodyPr>
+          <a:lstStyle>
+            <a:lvl1pPr marL="228600" indent="-228600" algn="l" defTabSz="914400" rtl="0" eaLnBrk="1" latinLnBrk="0" hangingPunct="1">
+              <a:lnSpc>
+                <a:spcPct val="90000"/>
+              </a:lnSpc>
+              <a:spcBef>
+                <a:spcPts val="1000"/>
+              </a:spcBef>
+              <a:buFont typeface="Arial"/>
+              <a:buChar char="•"/>
+              <a:defRPr sz="2800" kern="1200">
+                <a:solidFill>
+                  <a:schemeClr val="tx1"/>
+                </a:solidFill>
+                <a:latin typeface="+mn-lt"/>
+                <a:ea typeface="+mn-ea"/>
+                <a:cs typeface="+mn-cs"/>
+              </a:defRPr>
+            </a:lvl1pPr>
+            <a:lvl2pPr marL="685800" indent="-228600" algn="l" defTabSz="914400" rtl="0" eaLnBrk="1" latinLnBrk="0" hangingPunct="1">
+              <a:lnSpc>
+                <a:spcPct val="90000"/>
+              </a:lnSpc>
+              <a:spcBef>
+                <a:spcPts val="500"/>
+              </a:spcBef>
+              <a:buFont typeface="Arial"/>
+              <a:buChar char="•"/>
+              <a:defRPr sz="2400" kern="1200">
+                <a:solidFill>
+                  <a:schemeClr val="tx1"/>
+                </a:solidFill>
+                <a:latin typeface="+mn-lt"/>
+                <a:ea typeface="+mn-ea"/>
+                <a:cs typeface="+mn-cs"/>
+              </a:defRPr>
+            </a:lvl2pPr>
+            <a:lvl3pPr marL="1143000" indent="-228600" algn="l" defTabSz="914400" rtl="0" eaLnBrk="1" latinLnBrk="0" hangingPunct="1">
+              <a:lnSpc>
+                <a:spcPct val="90000"/>
+              </a:lnSpc>
+              <a:spcBef>
+                <a:spcPts val="500"/>
+              </a:spcBef>
+              <a:buFont typeface="Arial"/>
+              <a:buChar char="•"/>
+              <a:defRPr sz="2000" kern="1200">
+                <a:solidFill>
+                  <a:schemeClr val="tx1"/>
+                </a:solidFill>
+                <a:latin typeface="+mn-lt"/>
+                <a:ea typeface="+mn-ea"/>
+                <a:cs typeface="+mn-cs"/>
+              </a:defRPr>
+            </a:lvl3pPr>
+            <a:lvl4pPr marL="1600200" indent="-228600" algn="l" defTabSz="914400" rtl="0" eaLnBrk="1" latinLnBrk="0" hangingPunct="1">
+              <a:lnSpc>
+                <a:spcPct val="90000"/>
+              </a:lnSpc>
+              <a:spcBef>
+                <a:spcPts val="500"/>
+              </a:spcBef>
+              <a:buFont typeface="Arial"/>
+              <a:buChar char="•"/>
+              <a:defRPr sz="1800" kern="1200">
+                <a:solidFill>
+                  <a:schemeClr val="tx1"/>
+                </a:solidFill>
+                <a:latin typeface="+mn-lt"/>
+                <a:ea typeface="+mn-ea"/>
+                <a:cs typeface="+mn-cs"/>
+              </a:defRPr>
+            </a:lvl4pPr>
+            <a:lvl5pPr marL="2057400" indent="-228600" algn="l" defTabSz="914400" rtl="0" eaLnBrk="1" latinLnBrk="0" hangingPunct="1">
+              <a:lnSpc>
+                <a:spcPct val="90000"/>
+              </a:lnSpc>
+              <a:spcBef>
+                <a:spcPts val="500"/>
+              </a:spcBef>
+              <a:buFont typeface="Arial"/>
+              <a:buChar char="•"/>
+              <a:defRPr sz="1800" kern="1200">
+                <a:solidFill>
+                  <a:schemeClr val="tx1"/>
+                </a:solidFill>
+                <a:latin typeface="+mn-lt"/>
+                <a:ea typeface="+mn-ea"/>
+                <a:cs typeface="+mn-cs"/>
+              </a:defRPr>
+            </a:lvl5pPr>
+            <a:lvl6pPr marL="2514600" indent="-228600" algn="l" defTabSz="914400" rtl="0" eaLnBrk="1" latinLnBrk="0" hangingPunct="1">
+              <a:lnSpc>
+                <a:spcPct val="90000"/>
+              </a:lnSpc>
+              <a:spcBef>
+                <a:spcPts val="500"/>
+              </a:spcBef>
+              <a:buFont typeface="Arial"/>
+              <a:buChar char="•"/>
+              <a:defRPr sz="1800" kern="1200">
+                <a:solidFill>
+                  <a:schemeClr val="tx1"/>
+                </a:solidFill>
+                <a:latin typeface="+mn-lt"/>
+                <a:ea typeface="+mn-ea"/>
+                <a:cs typeface="+mn-cs"/>
+              </a:defRPr>
+            </a:lvl6pPr>
+            <a:lvl7pPr marL="2971800" indent="-228600" algn="l" defTabSz="914400" rtl="0" eaLnBrk="1" latinLnBrk="0" hangingPunct="1">
+              <a:lnSpc>
+                <a:spcPct val="90000"/>
+              </a:lnSpc>
+              <a:spcBef>
+                <a:spcPts val="500"/>
+              </a:spcBef>
+              <a:buFont typeface="Arial"/>
+              <a:buChar char="•"/>
+              <a:defRPr sz="1800" kern="1200">
+                <a:solidFill>
+                  <a:schemeClr val="tx1"/>
+                </a:solidFill>
+                <a:latin typeface="+mn-lt"/>
+                <a:ea typeface="+mn-ea"/>
+                <a:cs typeface="+mn-cs"/>
+              </a:defRPr>
+            </a:lvl7pPr>
+            <a:lvl8pPr marL="3429000" indent="-228600" algn="l" defTabSz="914400" rtl="0" eaLnBrk="1" latinLnBrk="0" hangingPunct="1">
+              <a:lnSpc>
+                <a:spcPct val="90000"/>
+              </a:lnSpc>
+              <a:spcBef>
+                <a:spcPts val="500"/>
+              </a:spcBef>
+              <a:buFont typeface="Arial"/>
+              <a:buChar char="•"/>
+              <a:defRPr sz="1800" kern="1200">
+                <a:solidFill>
+                  <a:schemeClr val="tx1"/>
+                </a:solidFill>
+                <a:latin typeface="+mn-lt"/>
+                <a:ea typeface="+mn-ea"/>
+                <a:cs typeface="+mn-cs"/>
+              </a:defRPr>
+            </a:lvl8pPr>
+            <a:lvl9pPr marL="3886200" indent="-228600" algn="l" defTabSz="914400" rtl="0" eaLnBrk="1" latinLnBrk="0" hangingPunct="1">
+              <a:lnSpc>
+                <a:spcPct val="90000"/>
+              </a:lnSpc>
+              <a:spcBef>
+                <a:spcPts val="500"/>
+              </a:spcBef>
+              <a:buFont typeface="Arial"/>
+              <a:buChar char="•"/>
+              <a:defRPr sz="1800" kern="1200">
+                <a:solidFill>
+                  <a:schemeClr val="tx1"/>
+                </a:solidFill>
+                <a:latin typeface="+mn-lt"/>
+                <a:ea typeface="+mn-ea"/>
+                <a:cs typeface="+mn-cs"/>
+              </a:defRPr>
+            </a:lvl9pPr>
+          </a:lstStyle>
+          <a:p>
+            <a:r>
+              <a:rPr lang="en-US" sz="2400" dirty="0" smtClean="0"/>
+              <a:t>14 Activities (</a:t>
+            </a:r>
+            <a:r>
+              <a:rPr lang="en-US" sz="2400" b="1" i="1" u="sng" dirty="0" smtClean="0"/>
+              <a:t>without Eating</a:t>
+            </a:r>
+            <a:r>
+              <a:rPr lang="en-US" sz="2400" dirty="0" smtClean="0"/>
+              <a:t>)</a:t>
+            </a:r>
+          </a:p>
+          <a:p>
+            <a:r>
+              <a:rPr lang="en-US" sz="2400" b="1" dirty="0" smtClean="0"/>
+              <a:t>RF</a:t>
+            </a:r>
+            <a:r>
+              <a:rPr lang="en-US" sz="2400" dirty="0" smtClean="0">
+                <a:sym typeface="Wingdings"/>
+              </a:rPr>
+              <a:t> Number of Estimators = 500</a:t>
+            </a:r>
+            <a:endParaRPr lang="en-US" sz="2400" dirty="0" smtClean="0"/>
+          </a:p>
+          <a:p>
+            <a:endParaRPr lang="en-US" sz="2400" dirty="0"/>
+          </a:p>
+        </p:txBody>
+      </p:sp>
+      <mc:AlternateContent xmlns:mc="http://schemas.openxmlformats.org/markup-compatibility/2006">
+        <mc:Choice xmlns:a14="http://schemas.microsoft.com/office/drawing/2010/main" Requires="a14">
+          <p:graphicFrame>
+            <p:nvGraphicFramePr>
+              <p:cNvPr id="6" name="Table 5"/>
+              <p:cNvGraphicFramePr>
+                <a:graphicFrameLocks noGrp="1"/>
+              </p:cNvGraphicFramePr>
+              <p:nvPr>
+                <p:extLst>
+                  <p:ext uri="{D42A27DB-BD31-4B8C-83A1-F6EECF244321}">
+                    <p14:modId xmlns:p14="http://schemas.microsoft.com/office/powerpoint/2010/main" val="1897815521"/>
+                  </p:ext>
+                </p:extLst>
+              </p:nvPr>
+            </p:nvGraphicFramePr>
+            <p:xfrm>
+              <a:off x="1434882" y="2527676"/>
+              <a:ext cx="9322236" cy="3474720"/>
+            </p:xfrm>
+            <a:graphic>
+              <a:graphicData uri="http://schemas.openxmlformats.org/drawingml/2006/table">
+                <a:tbl>
+                  <a:tblPr firstRow="1" bandRow="1">
+                    <a:tableStyleId>{5C22544A-7EE6-4342-B048-85BDC9FD1C3A}</a:tableStyleId>
+                  </a:tblPr>
+                  <a:tblGrid>
+                    <a:gridCol w="2693227"/>
+                    <a:gridCol w="2167533"/>
+                    <a:gridCol w="2389403"/>
+                    <a:gridCol w="2072073"/>
+                  </a:tblGrid>
+                  <a:tr h="370840">
+                    <a:tc>
+                      <a:txBody>
+                        <a:bodyPr/>
+                        <a:lstStyle/>
+                        <a:p>
+                          <a:pPr algn="ctr"/>
+                          <a:r>
+                            <a:rPr lang="en-US" sz="2000" dirty="0" smtClean="0"/>
+                            <a:t>LOO Subject</a:t>
+                          </a:r>
+                          <a:endParaRPr lang="en-US" sz="2000" dirty="0"/>
+                        </a:p>
+                      </a:txBody>
+                      <a:tcPr/>
+                    </a:tc>
+                    <a:tc>
+                      <a:txBody>
+                        <a:bodyPr/>
+                        <a:lstStyle/>
+                        <a:p>
+                          <a:pPr algn="ctr"/>
+                          <a:r>
+                            <a:rPr lang="en-US" sz="2000" dirty="0" smtClean="0"/>
+                            <a:t>F1 </a:t>
+                          </a:r>
+                          <a:r>
+                            <a:rPr lang="en-US" sz="2000" baseline="0" dirty="0" smtClean="0"/>
+                            <a:t>Mean</a:t>
+                          </a:r>
+                        </a:p>
+                        <a:p>
+                          <a:pPr algn="ctr"/>
+                          <a:r>
+                            <a:rPr lang="en-US" sz="2000" baseline="0" dirty="0" smtClean="0"/>
+                            <a:t>(SP + SW)</a:t>
+                          </a:r>
+                          <a:endParaRPr lang="en-US" sz="2000" dirty="0"/>
+                        </a:p>
+                      </a:txBody>
+                      <a:tcPr/>
+                    </a:tc>
+                    <a:tc>
+                      <a:txBody>
+                        <a:bodyPr/>
+                        <a:lstStyle/>
+                        <a:p>
+                          <a:pPr algn="ctr"/>
+                          <a:r>
+                            <a:rPr lang="en-US" sz="2000" dirty="0" smtClean="0"/>
+                            <a:t>LOO Subject</a:t>
+                          </a:r>
+                          <a:endParaRPr lang="en-US" sz="2000" dirty="0"/>
+                        </a:p>
+                      </a:txBody>
+                      <a:tcPr/>
+                    </a:tc>
+                    <a:tc>
+                      <a:txBody>
+                        <a:bodyPr/>
+                        <a:lstStyle/>
+                        <a:p>
+                          <a:pPr algn="ctr"/>
+                          <a:r>
+                            <a:rPr lang="en-US" sz="2000" dirty="0" smtClean="0"/>
+                            <a:t>F1 Mean</a:t>
+                          </a:r>
+                        </a:p>
+                        <a:p>
+                          <a:pPr algn="ctr"/>
+                          <a:r>
+                            <a:rPr lang="en-US" sz="2000" dirty="0" smtClean="0"/>
+                            <a:t>(SP + SW)</a:t>
+                          </a:r>
+                          <a:endParaRPr lang="en-US" sz="2000" dirty="0"/>
+                        </a:p>
+                      </a:txBody>
+                      <a:tcPr/>
+                    </a:tc>
+                  </a:tr>
+                  <a:tr h="370840">
+                    <a:tc>
+                      <a:txBody>
+                        <a:bodyPr/>
+                        <a:lstStyle/>
+                        <a:p>
+                          <a:r>
+                            <a:rPr lang="en-US" sz="2000" dirty="0" smtClean="0"/>
+                            <a:t>Edwin</a:t>
+                          </a:r>
+                          <a:endParaRPr lang="en-US" sz="2000" dirty="0"/>
+                        </a:p>
+                      </a:txBody>
+                      <a:tcPr/>
+                    </a:tc>
+                    <a:tc>
+                      <a:txBody>
+                        <a:bodyPr/>
+                        <a:lstStyle/>
+                        <a:p>
+                          <a:pPr marL="0" marR="0" indent="0" algn="ctr" defTabSz="914400" rtl="0" eaLnBrk="1" fontAlgn="auto" latinLnBrk="0" hangingPunct="1">
+                            <a:lnSpc>
+                              <a:spcPct val="100000"/>
+                            </a:lnSpc>
+                            <a:spcBef>
+                              <a:spcPts val="0"/>
+                            </a:spcBef>
+                            <a:spcAft>
+                              <a:spcPts val="0"/>
+                            </a:spcAft>
+                            <a:buClrTx/>
+                            <a:buSzTx/>
+                            <a:buFontTx/>
+                            <a:buNone/>
+                            <a:tabLst/>
+                            <a:defRPr/>
+                          </a:pPr>
+                          <a:r>
+                            <a:rPr lang="en-US" sz="2000" dirty="0" smtClean="0">
+                              <a:ea typeface="Cambria Math" charset="0"/>
+                              <a:cs typeface="Cambria Math" charset="0"/>
+                            </a:rPr>
+                            <a:t>82.64%</a:t>
+                          </a:r>
+                          <a:r>
+                            <a:rPr lang="en-US" sz="2000" baseline="0" dirty="0" smtClean="0">
+                              <a:ea typeface="Cambria Math" charset="0"/>
+                              <a:cs typeface="Cambria Math" charset="0"/>
+                            </a:rPr>
+                            <a:t> </a:t>
+                          </a:r>
+                          <a14:m>
+                            <m:oMath xmlns:m="http://schemas.openxmlformats.org/officeDocument/2006/math">
+                              <m:r>
+                                <a:rPr lang="en-US" sz="2000" i="1" smtClean="0">
+                                  <a:latin typeface="Cambria Math" charset="0"/>
+                                  <a:ea typeface="Cambria Math" charset="0"/>
+                                  <a:cs typeface="Cambria Math" charset="0"/>
+                                </a:rPr>
+                                <m:t>±</m:t>
+                              </m:r>
+                            </m:oMath>
+                          </a14:m>
+                          <a:r>
+                            <a:rPr lang="en-US" sz="2000" dirty="0" smtClean="0"/>
+                            <a:t> </a:t>
+                          </a:r>
+                          <a:r>
+                            <a:rPr lang="en-US" sz="2000" dirty="0" smtClean="0"/>
+                            <a:t>0.66%</a:t>
+                          </a:r>
+                          <a:endParaRPr lang="en-US" sz="2000" dirty="0"/>
+                        </a:p>
+                      </a:txBody>
+                      <a:tcPr/>
+                    </a:tc>
+                    <a:tc>
+                      <a:txBody>
+                        <a:bodyPr/>
+                        <a:lstStyle/>
+                        <a:p>
+                          <a:pPr marL="0" marR="0" indent="0" algn="ctr" defTabSz="914400" rtl="0" eaLnBrk="1" fontAlgn="auto" latinLnBrk="0" hangingPunct="1">
+                            <a:lnSpc>
+                              <a:spcPct val="100000"/>
+                            </a:lnSpc>
+                            <a:spcBef>
+                              <a:spcPts val="0"/>
+                            </a:spcBef>
+                            <a:spcAft>
+                              <a:spcPts val="0"/>
+                            </a:spcAft>
+                            <a:buClrTx/>
+                            <a:buSzTx/>
+                            <a:buFontTx/>
+                            <a:buNone/>
+                            <a:tabLst/>
+                            <a:defRPr/>
+                          </a:pPr>
+                          <a:r>
+                            <a:rPr lang="en-US" sz="2000" dirty="0" smtClean="0"/>
+                            <a:t>Monica</a:t>
+                          </a:r>
+                          <a:endParaRPr lang="en-US" sz="2000" dirty="0"/>
+                        </a:p>
+                      </a:txBody>
+                      <a:tcPr/>
+                    </a:tc>
+                    <a:tc>
+                      <a:txBody>
+                        <a:bodyPr/>
+                        <a:lstStyle/>
+                        <a:p>
+                          <a:pPr marL="0" marR="0" indent="0" algn="ctr" defTabSz="914400" rtl="0" eaLnBrk="1" fontAlgn="auto" latinLnBrk="0" hangingPunct="1">
+                            <a:lnSpc>
+                              <a:spcPct val="100000"/>
+                            </a:lnSpc>
+                            <a:spcBef>
+                              <a:spcPts val="0"/>
+                            </a:spcBef>
+                            <a:spcAft>
+                              <a:spcPts val="0"/>
+                            </a:spcAft>
+                            <a:buClrTx/>
+                            <a:buSzTx/>
+                            <a:buFontTx/>
+                            <a:buNone/>
+                            <a:tabLst/>
+                            <a:defRPr/>
+                          </a:pPr>
+                          <a:r>
+                            <a:rPr lang="en-US" sz="2000" dirty="0" smtClean="0">
+                              <a:ea typeface="Cambria Math" charset="0"/>
+                              <a:cs typeface="Cambria Math" charset="0"/>
+                            </a:rPr>
+                            <a:t>74.62%</a:t>
+                          </a:r>
+                          <a:r>
+                            <a:rPr lang="en-US" sz="2000" baseline="0" dirty="0" smtClean="0">
+                              <a:ea typeface="Cambria Math" charset="0"/>
+                              <a:cs typeface="Cambria Math" charset="0"/>
+                            </a:rPr>
+                            <a:t> </a:t>
+                          </a:r>
+                          <a14:m>
+                            <m:oMath xmlns:m="http://schemas.openxmlformats.org/officeDocument/2006/math">
+                              <m:r>
+                                <a:rPr lang="en-US" sz="2000" i="1" smtClean="0">
+                                  <a:latin typeface="Cambria Math" charset="0"/>
+                                  <a:ea typeface="Cambria Math" charset="0"/>
+                                  <a:cs typeface="Cambria Math" charset="0"/>
+                                </a:rPr>
+                                <m:t>±</m:t>
+                              </m:r>
+                            </m:oMath>
+                          </a14:m>
+                          <a:r>
+                            <a:rPr lang="en-US" sz="2000" dirty="0" smtClean="0"/>
+                            <a:t> </a:t>
+                          </a:r>
+                          <a:r>
+                            <a:rPr lang="en-US" sz="2000" dirty="0" smtClean="0"/>
+                            <a:t>0.11%</a:t>
+                          </a:r>
+                          <a:endParaRPr lang="en-US" sz="2000" dirty="0"/>
+                        </a:p>
+                      </a:txBody>
+                      <a:tcPr/>
+                    </a:tc>
+                  </a:tr>
+                  <a:tr h="370840">
+                    <a:tc>
+                      <a:txBody>
+                        <a:bodyPr/>
+                        <a:lstStyle/>
+                        <a:p>
+                          <a:r>
+                            <a:rPr lang="en-US" sz="2000" dirty="0" err="1" smtClean="0"/>
+                            <a:t>Shelina</a:t>
+                          </a:r>
+                          <a:endParaRPr lang="en-US" sz="2000" dirty="0"/>
+                        </a:p>
+                      </a:txBody>
+                      <a:tcPr/>
+                    </a:tc>
+                    <a:tc>
+                      <a:txBody>
+                        <a:bodyPr/>
+                        <a:lstStyle/>
+                        <a:p>
+                          <a:pPr marL="0" marR="0" indent="0" algn="ctr" defTabSz="914400" rtl="0" eaLnBrk="1" fontAlgn="auto" latinLnBrk="0" hangingPunct="1">
+                            <a:lnSpc>
+                              <a:spcPct val="100000"/>
+                            </a:lnSpc>
+                            <a:spcBef>
+                              <a:spcPts val="0"/>
+                            </a:spcBef>
+                            <a:spcAft>
+                              <a:spcPts val="0"/>
+                            </a:spcAft>
+                            <a:buClrTx/>
+                            <a:buSzTx/>
+                            <a:buFontTx/>
+                            <a:buNone/>
+                            <a:tabLst/>
+                            <a:defRPr/>
+                          </a:pPr>
+                          <a:r>
+                            <a:rPr lang="en-US" sz="2000" dirty="0" smtClean="0">
+                              <a:ea typeface="Cambria Math" charset="0"/>
+                              <a:cs typeface="Cambria Math" charset="0"/>
+                            </a:rPr>
+                            <a:t>73.33%</a:t>
+                          </a:r>
+                          <a:r>
+                            <a:rPr lang="en-US" sz="2000" baseline="0" dirty="0" smtClean="0">
+                              <a:ea typeface="Cambria Math" charset="0"/>
+                              <a:cs typeface="Cambria Math" charset="0"/>
+                            </a:rPr>
+                            <a:t> </a:t>
+                          </a:r>
+                          <a14:m>
+                            <m:oMath xmlns:m="http://schemas.openxmlformats.org/officeDocument/2006/math">
+                              <m:r>
+                                <a:rPr lang="en-US" sz="2000" i="1" smtClean="0">
+                                  <a:latin typeface="Cambria Math" charset="0"/>
+                                  <a:ea typeface="Cambria Math" charset="0"/>
+                                  <a:cs typeface="Cambria Math" charset="0"/>
+                                </a:rPr>
+                                <m:t>±</m:t>
+                              </m:r>
+                            </m:oMath>
+                          </a14:m>
+                          <a:r>
+                            <a:rPr lang="en-US" sz="2000" dirty="0" smtClean="0"/>
+                            <a:t> </a:t>
+                          </a:r>
+                          <a:r>
+                            <a:rPr lang="en-US" sz="2000" dirty="0" smtClean="0"/>
+                            <a:t>0.14%</a:t>
+                          </a:r>
+                          <a:endParaRPr lang="en-US" sz="2000" dirty="0"/>
+                        </a:p>
+                      </a:txBody>
+                      <a:tcPr/>
+                    </a:tc>
+                    <a:tc>
+                      <a:txBody>
+                        <a:bodyPr/>
+                        <a:lstStyle/>
+                        <a:p>
+                          <a:pPr algn="ctr"/>
+                          <a:r>
+                            <a:rPr lang="en-US" sz="2000" dirty="0" smtClean="0"/>
+                            <a:t>Inge</a:t>
+                          </a:r>
+                          <a:endParaRPr lang="en-US" sz="2000" dirty="0"/>
+                        </a:p>
+                      </a:txBody>
+                      <a:tcPr/>
+                    </a:tc>
+                    <a:tc>
+                      <a:txBody>
+                        <a:bodyPr/>
+                        <a:lstStyle/>
+                        <a:p>
+                          <a:pPr marL="0" marR="0" indent="0" algn="ctr" defTabSz="914400" rtl="0" eaLnBrk="1" fontAlgn="auto" latinLnBrk="0" hangingPunct="1">
+                            <a:lnSpc>
+                              <a:spcPct val="100000"/>
+                            </a:lnSpc>
+                            <a:spcBef>
+                              <a:spcPts val="0"/>
+                            </a:spcBef>
+                            <a:spcAft>
+                              <a:spcPts val="0"/>
+                            </a:spcAft>
+                            <a:buClrTx/>
+                            <a:buSzTx/>
+                            <a:buFontTx/>
+                            <a:buNone/>
+                            <a:tabLst/>
+                            <a:defRPr/>
+                          </a:pPr>
+                          <a:r>
+                            <a:rPr lang="en-US" sz="2000" dirty="0" smtClean="0">
+                              <a:ea typeface="Cambria Math" charset="0"/>
+                              <a:cs typeface="Cambria Math" charset="0"/>
+                            </a:rPr>
+                            <a:t>64.97%</a:t>
+                          </a:r>
+                          <a:r>
+                            <a:rPr lang="en-US" sz="2000" baseline="0" dirty="0" smtClean="0">
+                              <a:ea typeface="Cambria Math" charset="0"/>
+                              <a:cs typeface="Cambria Math" charset="0"/>
+                            </a:rPr>
+                            <a:t> </a:t>
+                          </a:r>
+                          <a14:m>
+                            <m:oMath xmlns:m="http://schemas.openxmlformats.org/officeDocument/2006/math">
+                              <m:r>
+                                <a:rPr lang="en-US" sz="2000" i="1" smtClean="0">
+                                  <a:latin typeface="Cambria Math" charset="0"/>
+                                  <a:ea typeface="Cambria Math" charset="0"/>
+                                  <a:cs typeface="Cambria Math" charset="0"/>
+                                </a:rPr>
+                                <m:t>±</m:t>
+                              </m:r>
+                            </m:oMath>
+                          </a14:m>
+                          <a:r>
+                            <a:rPr lang="en-US" sz="2000" dirty="0" smtClean="0"/>
+                            <a:t> </a:t>
+                          </a:r>
+                          <a:r>
+                            <a:rPr lang="en-US" sz="2000" dirty="0" smtClean="0"/>
+                            <a:t>0.35%</a:t>
+                          </a:r>
+                          <a:endParaRPr lang="en-US" sz="2000" dirty="0"/>
+                        </a:p>
+                      </a:txBody>
+                      <a:tcPr/>
+                    </a:tc>
+                  </a:tr>
+                  <a:tr h="370840">
+                    <a:tc>
+                      <a:txBody>
+                        <a:bodyPr/>
+                        <a:lstStyle/>
+                        <a:p>
+                          <a:r>
+                            <a:rPr lang="en-US" sz="2000" dirty="0" err="1" smtClean="0"/>
+                            <a:t>Mellita</a:t>
+                          </a:r>
+                          <a:endParaRPr lang="en-US" sz="2000" dirty="0"/>
+                        </a:p>
+                      </a:txBody>
+                      <a:tcPr/>
+                    </a:tc>
+                    <a:tc>
+                      <a:txBody>
+                        <a:bodyPr/>
+                        <a:lstStyle/>
+                        <a:p>
+                          <a:pPr marL="0" marR="0" indent="0" algn="ctr" defTabSz="914400" rtl="0" eaLnBrk="1" fontAlgn="auto" latinLnBrk="0" hangingPunct="1">
+                            <a:lnSpc>
+                              <a:spcPct val="100000"/>
+                            </a:lnSpc>
+                            <a:spcBef>
+                              <a:spcPts val="0"/>
+                            </a:spcBef>
+                            <a:spcAft>
+                              <a:spcPts val="0"/>
+                            </a:spcAft>
+                            <a:buClrTx/>
+                            <a:buSzTx/>
+                            <a:buFontTx/>
+                            <a:buNone/>
+                            <a:tabLst/>
+                            <a:defRPr/>
+                          </a:pPr>
+                          <a:r>
+                            <a:rPr lang="en-US" sz="2000" dirty="0" smtClean="0">
+                              <a:ea typeface="Cambria Math" charset="0"/>
+                              <a:cs typeface="Cambria Math" charset="0"/>
+                            </a:rPr>
+                            <a:t>86.03%</a:t>
+                          </a:r>
+                          <a:r>
+                            <a:rPr lang="en-US" sz="2000" baseline="0" dirty="0" smtClean="0">
+                              <a:ea typeface="Cambria Math" charset="0"/>
+                              <a:cs typeface="Cambria Math" charset="0"/>
+                            </a:rPr>
+                            <a:t> </a:t>
+                          </a:r>
+                          <a14:m>
+                            <m:oMath xmlns:m="http://schemas.openxmlformats.org/officeDocument/2006/math">
+                              <m:r>
+                                <a:rPr lang="en-US" sz="2000" i="1" smtClean="0">
+                                  <a:latin typeface="Cambria Math" charset="0"/>
+                                  <a:ea typeface="Cambria Math" charset="0"/>
+                                  <a:cs typeface="Cambria Math" charset="0"/>
+                                </a:rPr>
+                                <m:t>±</m:t>
+                              </m:r>
+                            </m:oMath>
+                          </a14:m>
+                          <a:r>
+                            <a:rPr lang="en-US" sz="2000" dirty="0" smtClean="0"/>
+                            <a:t> </a:t>
+                          </a:r>
+                          <a:r>
+                            <a:rPr lang="en-US" sz="2000" dirty="0" smtClean="0"/>
+                            <a:t>0.38%</a:t>
+                          </a:r>
+                          <a:endParaRPr lang="en-US" sz="2000" dirty="0"/>
+                        </a:p>
+                      </a:txBody>
+                      <a:tcPr/>
+                    </a:tc>
+                    <a:tc>
+                      <a:txBody>
+                        <a:bodyPr/>
+                        <a:lstStyle/>
+                        <a:p>
+                          <a:pPr algn="ctr"/>
+                          <a:r>
+                            <a:rPr lang="en-US" sz="2000" dirty="0" err="1" smtClean="0"/>
+                            <a:t>Andri</a:t>
+                          </a:r>
+                          <a:endParaRPr lang="en-US" sz="2000" dirty="0"/>
+                        </a:p>
+                      </a:txBody>
+                      <a:tcPr/>
+                    </a:tc>
+                    <a:tc>
+                      <a:txBody>
+                        <a:bodyPr/>
+                        <a:lstStyle/>
+                        <a:p>
+                          <a:pPr marL="0" marR="0" indent="0" algn="ctr" defTabSz="914400" rtl="0" eaLnBrk="1" fontAlgn="auto" latinLnBrk="0" hangingPunct="1">
+                            <a:lnSpc>
+                              <a:spcPct val="100000"/>
+                            </a:lnSpc>
+                            <a:spcBef>
+                              <a:spcPts val="0"/>
+                            </a:spcBef>
+                            <a:spcAft>
+                              <a:spcPts val="0"/>
+                            </a:spcAft>
+                            <a:buClrTx/>
+                            <a:buSzTx/>
+                            <a:buFontTx/>
+                            <a:buNone/>
+                            <a:tabLst/>
+                            <a:defRPr/>
+                          </a:pPr>
+                          <a:r>
+                            <a:rPr lang="en-US" sz="2000" dirty="0" smtClean="0">
+                              <a:ea typeface="Cambria Math" charset="0"/>
+                              <a:cs typeface="Cambria Math" charset="0"/>
+                            </a:rPr>
+                            <a:t>82.10%</a:t>
+                          </a:r>
+                          <a:r>
+                            <a:rPr lang="en-US" sz="2000" baseline="0" dirty="0" smtClean="0">
+                              <a:ea typeface="Cambria Math" charset="0"/>
+                              <a:cs typeface="Cambria Math" charset="0"/>
+                            </a:rPr>
+                            <a:t> </a:t>
+                          </a:r>
+                          <a14:m>
+                            <m:oMath xmlns:m="http://schemas.openxmlformats.org/officeDocument/2006/math">
+                              <m:r>
+                                <a:rPr lang="en-US" sz="2000" i="1" smtClean="0">
+                                  <a:latin typeface="Cambria Math" charset="0"/>
+                                  <a:ea typeface="Cambria Math" charset="0"/>
+                                  <a:cs typeface="Cambria Math" charset="0"/>
+                                </a:rPr>
+                                <m:t>±</m:t>
+                              </m:r>
+                            </m:oMath>
+                          </a14:m>
+                          <a:r>
+                            <a:rPr lang="en-US" sz="2000" dirty="0" smtClean="0"/>
+                            <a:t> </a:t>
+                          </a:r>
+                          <a:r>
+                            <a:rPr lang="en-US" sz="2000" dirty="0" smtClean="0"/>
+                            <a:t>0.52%</a:t>
+                          </a:r>
+                          <a:endParaRPr lang="en-US" sz="2000" dirty="0"/>
+                        </a:p>
+                      </a:txBody>
+                      <a:tcPr/>
+                    </a:tc>
+                  </a:tr>
+                  <a:tr h="370840">
+                    <a:tc>
+                      <a:txBody>
+                        <a:bodyPr/>
+                        <a:lstStyle/>
+                        <a:p>
+                          <a:r>
+                            <a:rPr lang="en-US" sz="2000" dirty="0" smtClean="0"/>
+                            <a:t>Nikolas</a:t>
+                          </a:r>
+                          <a:endParaRPr lang="en-US" sz="2000" dirty="0"/>
+                        </a:p>
+                      </a:txBody>
+                      <a:tcPr/>
+                    </a:tc>
+                    <a:tc>
+                      <a:txBody>
+                        <a:bodyPr/>
+                        <a:lstStyle/>
+                        <a:p>
+                          <a:pPr marL="0" marR="0" indent="0" algn="ctr" defTabSz="914400" rtl="0" eaLnBrk="1" fontAlgn="auto" latinLnBrk="0" hangingPunct="1">
+                            <a:lnSpc>
+                              <a:spcPct val="100000"/>
+                            </a:lnSpc>
+                            <a:spcBef>
+                              <a:spcPts val="0"/>
+                            </a:spcBef>
+                            <a:spcAft>
+                              <a:spcPts val="0"/>
+                            </a:spcAft>
+                            <a:buClrTx/>
+                            <a:buSzTx/>
+                            <a:buFontTx/>
+                            <a:buNone/>
+                            <a:tabLst/>
+                            <a:defRPr/>
+                          </a:pPr>
+                          <a:r>
+                            <a:rPr lang="en-US" sz="2000" dirty="0" smtClean="0">
+                              <a:ea typeface="Cambria Math" charset="0"/>
+                              <a:cs typeface="Cambria Math" charset="0"/>
+                            </a:rPr>
+                            <a:t>85.77%</a:t>
+                          </a:r>
+                          <a:r>
+                            <a:rPr lang="en-US" sz="2000" baseline="0" dirty="0" smtClean="0">
+                              <a:ea typeface="Cambria Math" charset="0"/>
+                              <a:cs typeface="Cambria Math" charset="0"/>
+                            </a:rPr>
+                            <a:t> </a:t>
+                          </a:r>
+                          <a14:m>
+                            <m:oMath xmlns:m="http://schemas.openxmlformats.org/officeDocument/2006/math">
+                              <m:r>
+                                <a:rPr lang="en-US" sz="2000" i="1" smtClean="0">
+                                  <a:latin typeface="Cambria Math" charset="0"/>
+                                  <a:ea typeface="Cambria Math" charset="0"/>
+                                  <a:cs typeface="Cambria Math" charset="0"/>
+                                </a:rPr>
+                                <m:t>±</m:t>
+                              </m:r>
+                            </m:oMath>
+                          </a14:m>
+                          <a:r>
+                            <a:rPr lang="en-US" sz="2000" dirty="0" smtClean="0"/>
+                            <a:t> </a:t>
+                          </a:r>
+                          <a:r>
+                            <a:rPr lang="en-US" sz="2000" dirty="0" smtClean="0"/>
+                            <a:t>0.24%</a:t>
+                          </a:r>
+                          <a:endParaRPr lang="en-US" sz="2000" dirty="0"/>
+                        </a:p>
+                      </a:txBody>
+                      <a:tcPr/>
+                    </a:tc>
+                    <a:tc>
+                      <a:txBody>
+                        <a:bodyPr/>
+                        <a:lstStyle/>
+                        <a:p>
+                          <a:pPr algn="ctr"/>
+                          <a:r>
+                            <a:rPr lang="en-US" sz="2000" dirty="0" err="1" smtClean="0"/>
+                            <a:t>Arianto</a:t>
+                          </a:r>
+                          <a:endParaRPr lang="en-US" sz="2000" dirty="0"/>
+                        </a:p>
+                      </a:txBody>
+                      <a:tcPr/>
+                    </a:tc>
+                    <a:tc>
+                      <a:txBody>
+                        <a:bodyPr/>
+                        <a:lstStyle/>
+                        <a:p>
+                          <a:pPr marL="0" marR="0" indent="0" algn="ctr" defTabSz="914400" rtl="0" eaLnBrk="1" fontAlgn="auto" latinLnBrk="0" hangingPunct="1">
+                            <a:lnSpc>
+                              <a:spcPct val="100000"/>
+                            </a:lnSpc>
+                            <a:spcBef>
+                              <a:spcPts val="0"/>
+                            </a:spcBef>
+                            <a:spcAft>
+                              <a:spcPts val="0"/>
+                            </a:spcAft>
+                            <a:buClrTx/>
+                            <a:buSzTx/>
+                            <a:buFontTx/>
+                            <a:buNone/>
+                            <a:tabLst/>
+                            <a:defRPr/>
+                          </a:pPr>
+                          <a:r>
+                            <a:rPr lang="en-US" sz="2000" dirty="0" smtClean="0">
+                              <a:ea typeface="Cambria Math" charset="0"/>
+                              <a:cs typeface="Cambria Math" charset="0"/>
+                            </a:rPr>
+                            <a:t>78.41%</a:t>
+                          </a:r>
+                          <a:r>
+                            <a:rPr lang="en-US" sz="2000" baseline="0" dirty="0" smtClean="0">
+                              <a:ea typeface="Cambria Math" charset="0"/>
+                              <a:cs typeface="Cambria Math" charset="0"/>
+                            </a:rPr>
+                            <a:t> </a:t>
+                          </a:r>
+                          <a14:m>
+                            <m:oMath xmlns:m="http://schemas.openxmlformats.org/officeDocument/2006/math">
+                              <m:r>
+                                <a:rPr lang="en-US" sz="2000" i="1" smtClean="0">
+                                  <a:latin typeface="Cambria Math" charset="0"/>
+                                  <a:ea typeface="Cambria Math" charset="0"/>
+                                  <a:cs typeface="Cambria Math" charset="0"/>
+                                </a:rPr>
+                                <m:t>±</m:t>
+                              </m:r>
+                            </m:oMath>
+                          </a14:m>
+                          <a:r>
+                            <a:rPr lang="en-US" sz="2000" dirty="0" smtClean="0"/>
+                            <a:t> </a:t>
+                          </a:r>
+                          <a:r>
+                            <a:rPr lang="en-US" sz="2000" dirty="0" smtClean="0"/>
+                            <a:t>0.06%</a:t>
+                          </a:r>
+                          <a:endParaRPr lang="en-US" sz="2000" dirty="0"/>
+                        </a:p>
+                      </a:txBody>
+                      <a:tcPr/>
+                    </a:tc>
+                  </a:tr>
+                  <a:tr h="370840">
+                    <a:tc>
+                      <a:txBody>
+                        <a:bodyPr/>
+                        <a:lstStyle/>
+                        <a:p>
+                          <a:r>
+                            <a:rPr lang="en-US" sz="2000" dirty="0" smtClean="0"/>
+                            <a:t>Samuel</a:t>
+                          </a:r>
+                          <a:endParaRPr lang="en-US" sz="2000" dirty="0"/>
+                        </a:p>
+                      </a:txBody>
+                      <a:tcPr/>
+                    </a:tc>
+                    <a:tc>
+                      <a:txBody>
+                        <a:bodyPr/>
+                        <a:lstStyle/>
+                        <a:p>
+                          <a:pPr marL="0" marR="0" indent="0" algn="ctr" defTabSz="914400" rtl="0" eaLnBrk="1" fontAlgn="auto" latinLnBrk="0" hangingPunct="1">
+                            <a:lnSpc>
+                              <a:spcPct val="100000"/>
+                            </a:lnSpc>
+                            <a:spcBef>
+                              <a:spcPts val="0"/>
+                            </a:spcBef>
+                            <a:spcAft>
+                              <a:spcPts val="0"/>
+                            </a:spcAft>
+                            <a:buClrTx/>
+                            <a:buSzTx/>
+                            <a:buFontTx/>
+                            <a:buNone/>
+                            <a:tabLst/>
+                            <a:defRPr/>
+                          </a:pPr>
+                          <a:r>
+                            <a:rPr lang="en-US" sz="2000" dirty="0" smtClean="0">
+                              <a:ea typeface="Cambria Math" charset="0"/>
+                              <a:cs typeface="Cambria Math" charset="0"/>
+                            </a:rPr>
+                            <a:t>92.67%</a:t>
+                          </a:r>
+                          <a:r>
+                            <a:rPr lang="en-US" sz="2000" baseline="0" dirty="0" smtClean="0">
+                              <a:ea typeface="Cambria Math" charset="0"/>
+                              <a:cs typeface="Cambria Math" charset="0"/>
+                            </a:rPr>
+                            <a:t> </a:t>
+                          </a:r>
+                          <a14:m>
+                            <m:oMath xmlns:m="http://schemas.openxmlformats.org/officeDocument/2006/math">
+                              <m:r>
+                                <a:rPr lang="en-US" sz="2000" i="1" smtClean="0">
+                                  <a:latin typeface="Cambria Math" charset="0"/>
+                                  <a:ea typeface="Cambria Math" charset="0"/>
+                                  <a:cs typeface="Cambria Math" charset="0"/>
+                                </a:rPr>
+                                <m:t>±</m:t>
+                              </m:r>
+                            </m:oMath>
+                          </a14:m>
+                          <a:r>
+                            <a:rPr lang="en-US" sz="2000" dirty="0" smtClean="0"/>
+                            <a:t> </a:t>
+                          </a:r>
+                          <a:r>
+                            <a:rPr lang="en-US" sz="2000" dirty="0" smtClean="0"/>
+                            <a:t>0.20%</a:t>
+                          </a:r>
+                          <a:endParaRPr lang="en-US" sz="2000" dirty="0"/>
+                        </a:p>
+                      </a:txBody>
+                      <a:tcPr/>
+                    </a:tc>
+                    <a:tc>
+                      <a:txBody>
+                        <a:bodyPr/>
+                        <a:lstStyle/>
+                        <a:p>
+                          <a:pPr algn="ctr"/>
+                          <a:r>
+                            <a:rPr lang="en-US" sz="2000" dirty="0" err="1" smtClean="0"/>
+                            <a:t>Orlin</a:t>
+                          </a:r>
+                          <a:endParaRPr lang="en-US" sz="2000" dirty="0"/>
+                        </a:p>
+                      </a:txBody>
+                      <a:tcPr/>
+                    </a:tc>
+                    <a:tc>
+                      <a:txBody>
+                        <a:bodyPr/>
+                        <a:lstStyle/>
+                        <a:p>
+                          <a:pPr marL="0" marR="0" indent="0" algn="ctr" defTabSz="914400" rtl="0" eaLnBrk="1" fontAlgn="auto" latinLnBrk="0" hangingPunct="1">
+                            <a:lnSpc>
+                              <a:spcPct val="100000"/>
+                            </a:lnSpc>
+                            <a:spcBef>
+                              <a:spcPts val="0"/>
+                            </a:spcBef>
+                            <a:spcAft>
+                              <a:spcPts val="0"/>
+                            </a:spcAft>
+                            <a:buClrTx/>
+                            <a:buSzTx/>
+                            <a:buFontTx/>
+                            <a:buNone/>
+                            <a:tabLst/>
+                            <a:defRPr/>
+                          </a:pPr>
+                          <a:r>
+                            <a:rPr lang="en-US" sz="2000" dirty="0" smtClean="0">
+                              <a:ea typeface="Cambria Math" charset="0"/>
+                              <a:cs typeface="Cambria Math" charset="0"/>
+                            </a:rPr>
+                            <a:t>86.87%</a:t>
+                          </a:r>
+                          <a:r>
+                            <a:rPr lang="en-US" sz="2000" baseline="0" dirty="0" smtClean="0">
+                              <a:ea typeface="Cambria Math" charset="0"/>
+                              <a:cs typeface="Cambria Math" charset="0"/>
+                            </a:rPr>
+                            <a:t> </a:t>
+                          </a:r>
+                          <a14:m>
+                            <m:oMath xmlns:m="http://schemas.openxmlformats.org/officeDocument/2006/math">
+                              <m:r>
+                                <a:rPr lang="en-US" sz="2000" i="1" smtClean="0">
+                                  <a:latin typeface="Cambria Math" charset="0"/>
+                                  <a:ea typeface="Cambria Math" charset="0"/>
+                                  <a:cs typeface="Cambria Math" charset="0"/>
+                                </a:rPr>
+                                <m:t>±</m:t>
+                              </m:r>
+                            </m:oMath>
+                          </a14:m>
+                          <a:r>
+                            <a:rPr lang="en-US" sz="2000" dirty="0" smtClean="0"/>
+                            <a:t> </a:t>
+                          </a:r>
+                          <a:r>
+                            <a:rPr lang="en-US" sz="2000" dirty="0" smtClean="0"/>
+                            <a:t>0.11%</a:t>
+                          </a:r>
+                          <a:endParaRPr lang="en-US" sz="2000" dirty="0"/>
+                        </a:p>
+                      </a:txBody>
+                      <a:tcPr/>
+                    </a:tc>
+                  </a:tr>
+                  <a:tr h="370840">
+                    <a:tc>
+                      <a:txBody>
+                        <a:bodyPr/>
+                        <a:lstStyle/>
+                        <a:p>
+                          <a:r>
+                            <a:rPr lang="en-US" sz="2000" dirty="0" smtClean="0"/>
+                            <a:t>Elmo</a:t>
+                          </a:r>
+                          <a:endParaRPr lang="en-US" sz="2000" dirty="0"/>
+                        </a:p>
+                      </a:txBody>
+                      <a:tcPr/>
+                    </a:tc>
+                    <a:tc>
+                      <a:txBody>
+                        <a:bodyPr/>
+                        <a:lstStyle/>
+                        <a:p>
+                          <a:pPr marL="0" marR="0" indent="0" algn="ctr" defTabSz="914400" rtl="0" eaLnBrk="1" fontAlgn="auto" latinLnBrk="0" hangingPunct="1">
+                            <a:lnSpc>
+                              <a:spcPct val="100000"/>
+                            </a:lnSpc>
+                            <a:spcBef>
+                              <a:spcPts val="0"/>
+                            </a:spcBef>
+                            <a:spcAft>
+                              <a:spcPts val="0"/>
+                            </a:spcAft>
+                            <a:buClrTx/>
+                            <a:buSzTx/>
+                            <a:buFontTx/>
+                            <a:buNone/>
+                            <a:tabLst/>
+                            <a:defRPr/>
+                          </a:pPr>
+                          <a:r>
+                            <a:rPr lang="en-US" sz="2000" dirty="0" smtClean="0">
+                              <a:ea typeface="Cambria Math" charset="0"/>
+                              <a:cs typeface="Cambria Math" charset="0"/>
+                            </a:rPr>
+                            <a:t>89.66%</a:t>
+                          </a:r>
+                          <a:r>
+                            <a:rPr lang="en-US" sz="2000" baseline="0" dirty="0" smtClean="0">
+                              <a:ea typeface="Cambria Math" charset="0"/>
+                              <a:cs typeface="Cambria Math" charset="0"/>
+                            </a:rPr>
+                            <a:t> </a:t>
+                          </a:r>
+                          <a14:m>
+                            <m:oMath xmlns:m="http://schemas.openxmlformats.org/officeDocument/2006/math">
+                              <m:r>
+                                <a:rPr lang="en-US" sz="2000" i="1" smtClean="0">
+                                  <a:latin typeface="Cambria Math" charset="0"/>
+                                  <a:ea typeface="Cambria Math" charset="0"/>
+                                  <a:cs typeface="Cambria Math" charset="0"/>
+                                </a:rPr>
+                                <m:t>±</m:t>
+                              </m:r>
+                            </m:oMath>
+                          </a14:m>
+                          <a:r>
+                            <a:rPr lang="en-US" sz="2000" dirty="0" smtClean="0"/>
+                            <a:t> </a:t>
+                          </a:r>
+                          <a:r>
+                            <a:rPr lang="en-US" sz="2000" dirty="0" smtClean="0"/>
+                            <a:t>0.13%</a:t>
+                          </a:r>
+                          <a:endParaRPr lang="en-US" sz="2000" dirty="0"/>
+                        </a:p>
+                      </a:txBody>
+                      <a:tcPr/>
+                    </a:tc>
+                    <a:tc>
+                      <a:txBody>
+                        <a:bodyPr/>
+                        <a:lstStyle/>
+                        <a:p>
+                          <a:pPr algn="ctr"/>
+                          <a:endParaRPr lang="en-US" sz="2000" dirty="0"/>
+                        </a:p>
+                      </a:txBody>
+                      <a:tcPr/>
+                    </a:tc>
+                    <a:tc>
+                      <a:txBody>
+                        <a:bodyPr/>
+                        <a:lstStyle/>
+                        <a:p>
+                          <a:pPr marL="0" marR="0" indent="0" algn="ctr" defTabSz="914400" rtl="0" eaLnBrk="1" fontAlgn="auto" latinLnBrk="0" hangingPunct="1">
+                            <a:lnSpc>
+                              <a:spcPct val="100000"/>
+                            </a:lnSpc>
+                            <a:spcBef>
+                              <a:spcPts val="0"/>
+                            </a:spcBef>
+                            <a:spcAft>
+                              <a:spcPts val="0"/>
+                            </a:spcAft>
+                            <a:buClrTx/>
+                            <a:buSzTx/>
+                            <a:buFontTx/>
+                            <a:buNone/>
+                            <a:tabLst/>
+                            <a:defRPr/>
+                          </a:pPr>
+                          <a:endParaRPr lang="en-US" sz="2000" dirty="0"/>
+                        </a:p>
+                      </a:txBody>
+                      <a:tcPr/>
+                    </a:tc>
+                  </a:tr>
+                  <a:tr h="370840">
+                    <a:tc>
+                      <a:txBody>
+                        <a:bodyPr/>
+                        <a:lstStyle/>
+                        <a:p>
+                          <a:r>
+                            <a:rPr lang="en-US" sz="2000" b="1" dirty="0" smtClean="0"/>
+                            <a:t>Average</a:t>
+                          </a:r>
+                          <a:endParaRPr lang="en-US" sz="2000" b="1" dirty="0"/>
+                        </a:p>
+                      </a:txBody>
+                      <a:tcPr/>
+                    </a:tc>
+                    <a:tc gridSpan="3">
+                      <a:txBody>
+                        <a:bodyPr/>
+                        <a:lstStyle/>
+                        <a:p>
+                          <a:pPr algn="ctr"/>
+                          <a:r>
+                            <a:rPr lang="en-US" sz="2000" smtClean="0"/>
+                            <a:t>81.55%</a:t>
+                          </a:r>
+                          <a:endParaRPr lang="en-US" sz="2000" dirty="0"/>
+                        </a:p>
+                      </a:txBody>
+                      <a:tcPr/>
+                    </a:tc>
+                    <a:tc hMerge="1">
+                      <a:txBody>
+                        <a:bodyPr/>
+                        <a:lstStyle/>
+                        <a:p>
+                          <a:pPr algn="ctr"/>
+                          <a:endParaRPr lang="en-US" sz="2000" dirty="0"/>
+                        </a:p>
+                      </a:txBody>
+                      <a:tcPr/>
+                    </a:tc>
+                    <a:tc hMerge="1">
+                      <a:txBody>
+                        <a:bodyPr/>
+                        <a:lstStyle/>
+                        <a:p>
+                          <a:pPr algn="ctr"/>
+                          <a:endParaRPr lang="en-US" sz="2000" dirty="0"/>
+                        </a:p>
+                      </a:txBody>
+                      <a:tcPr/>
+                    </a:tc>
+                  </a:tr>
+                </a:tbl>
+              </a:graphicData>
+            </a:graphic>
+          </p:graphicFrame>
+        </mc:Choice>
+        <mc:Fallback>
+          <p:graphicFrame>
+            <p:nvGraphicFramePr>
+              <p:cNvPr id="6" name="Table 5"/>
+              <p:cNvGraphicFramePr>
+                <a:graphicFrameLocks noGrp="1"/>
+              </p:cNvGraphicFramePr>
+              <p:nvPr>
+                <p:extLst>
+                  <p:ext uri="{D42A27DB-BD31-4B8C-83A1-F6EECF244321}">
+                    <p14:modId xmlns:p14="http://schemas.microsoft.com/office/powerpoint/2010/main" val="1897815521"/>
+                  </p:ext>
+                </p:extLst>
+              </p:nvPr>
+            </p:nvGraphicFramePr>
+            <p:xfrm>
+              <a:off x="1434882" y="2527676"/>
+              <a:ext cx="9322236" cy="3474720"/>
+            </p:xfrm>
+            <a:graphic>
+              <a:graphicData uri="http://schemas.openxmlformats.org/drawingml/2006/table">
+                <a:tbl>
+                  <a:tblPr firstRow="1" bandRow="1">
+                    <a:tableStyleId>{5C22544A-7EE6-4342-B048-85BDC9FD1C3A}</a:tableStyleId>
+                  </a:tblPr>
+                  <a:tblGrid>
+                    <a:gridCol w="2693227"/>
+                    <a:gridCol w="2167533"/>
+                    <a:gridCol w="2389403"/>
+                    <a:gridCol w="2072073"/>
+                  </a:tblGrid>
+                  <a:tr h="701040">
+                    <a:tc>
+                      <a:txBody>
+                        <a:bodyPr/>
+                        <a:lstStyle/>
+                        <a:p>
+                          <a:pPr algn="ctr"/>
+                          <a:r>
+                            <a:rPr lang="en-US" sz="2000" dirty="0" smtClean="0"/>
+                            <a:t>LOO Subject</a:t>
+                          </a:r>
+                          <a:endParaRPr lang="en-US" sz="2000" dirty="0"/>
+                        </a:p>
+                      </a:txBody>
+                      <a:tcPr/>
+                    </a:tc>
+                    <a:tc>
+                      <a:txBody>
+                        <a:bodyPr/>
+                        <a:lstStyle/>
+                        <a:p>
+                          <a:pPr algn="ctr"/>
+                          <a:r>
+                            <a:rPr lang="en-US" sz="2000" dirty="0" smtClean="0"/>
+                            <a:t>F1 </a:t>
+                          </a:r>
+                          <a:r>
+                            <a:rPr lang="en-US" sz="2000" baseline="0" dirty="0" smtClean="0"/>
+                            <a:t>Mean</a:t>
+                          </a:r>
+                        </a:p>
+                        <a:p>
+                          <a:pPr algn="ctr"/>
+                          <a:r>
+                            <a:rPr lang="en-US" sz="2000" baseline="0" dirty="0" smtClean="0"/>
+                            <a:t>(SP + SW)</a:t>
+                          </a:r>
+                          <a:endParaRPr lang="en-US" sz="2000" dirty="0"/>
+                        </a:p>
+                      </a:txBody>
+                      <a:tcPr/>
+                    </a:tc>
+                    <a:tc>
+                      <a:txBody>
+                        <a:bodyPr/>
+                        <a:lstStyle/>
+                        <a:p>
+                          <a:pPr algn="ctr"/>
+                          <a:r>
+                            <a:rPr lang="en-US" sz="2000" dirty="0" smtClean="0"/>
+                            <a:t>LOO Subject</a:t>
+                          </a:r>
+                          <a:endParaRPr lang="en-US" sz="2000" dirty="0"/>
+                        </a:p>
+                      </a:txBody>
+                      <a:tcPr/>
+                    </a:tc>
+                    <a:tc>
+                      <a:txBody>
+                        <a:bodyPr/>
+                        <a:lstStyle/>
+                        <a:p>
+                          <a:pPr algn="ctr"/>
+                          <a:r>
+                            <a:rPr lang="en-US" sz="2000" dirty="0" smtClean="0"/>
+                            <a:t>F1 Mean</a:t>
+                          </a:r>
+                        </a:p>
+                        <a:p>
+                          <a:pPr algn="ctr"/>
+                          <a:r>
+                            <a:rPr lang="en-US" sz="2000" dirty="0" smtClean="0"/>
+                            <a:t>(SP + SW)</a:t>
+                          </a:r>
+                          <a:endParaRPr lang="en-US" sz="2000" dirty="0"/>
+                        </a:p>
+                      </a:txBody>
+                      <a:tcPr/>
+                    </a:tc>
+                  </a:tr>
+                  <a:tr h="396240">
+                    <a:tc>
+                      <a:txBody>
+                        <a:bodyPr/>
+                        <a:lstStyle/>
+                        <a:p>
+                          <a:r>
+                            <a:rPr lang="en-US" sz="2000" dirty="0" smtClean="0"/>
+                            <a:t>Edwin</a:t>
+                          </a:r>
+                          <a:endParaRPr lang="en-US" sz="2000" dirty="0"/>
+                        </a:p>
+                      </a:txBody>
+                      <a:tcPr/>
+                    </a:tc>
+                    <a:tc>
+                      <a:txBody>
+                        <a:bodyPr/>
+                        <a:lstStyle/>
+                        <a:p>
+                          <a:endParaRPr lang="en-US"/>
+                        </a:p>
+                      </a:txBody>
+                      <a:tcPr>
+                        <a:blipFill rotWithShape="0">
+                          <a:blip r:embed="rId2"/>
+                          <a:stretch>
+                            <a:fillRect l="-124438" t="-184615" r="-206742" b="-629231"/>
+                          </a:stretch>
+                        </a:blipFill>
+                      </a:tcPr>
+                    </a:tc>
+                    <a:tc>
+                      <a:txBody>
+                        <a:bodyPr/>
+                        <a:lstStyle/>
+                        <a:p>
+                          <a:pPr marL="0" marR="0" indent="0" algn="ctr" defTabSz="914400" rtl="0" eaLnBrk="1" fontAlgn="auto" latinLnBrk="0" hangingPunct="1">
+                            <a:lnSpc>
+                              <a:spcPct val="100000"/>
+                            </a:lnSpc>
+                            <a:spcBef>
+                              <a:spcPts val="0"/>
+                            </a:spcBef>
+                            <a:spcAft>
+                              <a:spcPts val="0"/>
+                            </a:spcAft>
+                            <a:buClrTx/>
+                            <a:buSzTx/>
+                            <a:buFontTx/>
+                            <a:buNone/>
+                            <a:tabLst/>
+                            <a:defRPr/>
+                          </a:pPr>
+                          <a:r>
+                            <a:rPr lang="en-US" sz="2000" dirty="0" smtClean="0"/>
+                            <a:t>Monica</a:t>
+                          </a:r>
+                          <a:endParaRPr lang="en-US" sz="2000" dirty="0"/>
+                        </a:p>
+                      </a:txBody>
+                      <a:tcPr/>
+                    </a:tc>
+                    <a:tc>
+                      <a:txBody>
+                        <a:bodyPr/>
+                        <a:lstStyle/>
+                        <a:p>
+                          <a:endParaRPr lang="en-US"/>
+                        </a:p>
+                      </a:txBody>
+                      <a:tcPr>
+                        <a:blipFill rotWithShape="0">
+                          <a:blip r:embed="rId2"/>
+                          <a:stretch>
+                            <a:fillRect l="-350294" t="-184615" r="-1176" b="-629231"/>
+                          </a:stretch>
+                        </a:blipFill>
+                      </a:tcPr>
+                    </a:tc>
+                  </a:tr>
+                  <a:tr h="396240">
+                    <a:tc>
+                      <a:txBody>
+                        <a:bodyPr/>
+                        <a:lstStyle/>
+                        <a:p>
+                          <a:r>
+                            <a:rPr lang="en-US" sz="2000" dirty="0" err="1" smtClean="0"/>
+                            <a:t>Shelina</a:t>
+                          </a:r>
+                          <a:endParaRPr lang="en-US" sz="2000" dirty="0"/>
+                        </a:p>
+                      </a:txBody>
+                      <a:tcPr/>
+                    </a:tc>
+                    <a:tc>
+                      <a:txBody>
+                        <a:bodyPr/>
+                        <a:lstStyle/>
+                        <a:p>
+                          <a:endParaRPr lang="en-US"/>
+                        </a:p>
+                      </a:txBody>
+                      <a:tcPr>
+                        <a:blipFill rotWithShape="0">
+                          <a:blip r:embed="rId2"/>
+                          <a:stretch>
+                            <a:fillRect l="-124438" t="-284615" r="-206742" b="-529231"/>
+                          </a:stretch>
+                        </a:blipFill>
+                      </a:tcPr>
+                    </a:tc>
+                    <a:tc>
+                      <a:txBody>
+                        <a:bodyPr/>
+                        <a:lstStyle/>
+                        <a:p>
+                          <a:pPr algn="ctr"/>
+                          <a:r>
+                            <a:rPr lang="en-US" sz="2000" dirty="0" smtClean="0"/>
+                            <a:t>Inge</a:t>
+                          </a:r>
+                          <a:endParaRPr lang="en-US" sz="2000" dirty="0"/>
+                        </a:p>
+                      </a:txBody>
+                      <a:tcPr/>
+                    </a:tc>
+                    <a:tc>
+                      <a:txBody>
+                        <a:bodyPr/>
+                        <a:lstStyle/>
+                        <a:p>
+                          <a:endParaRPr lang="en-US"/>
+                        </a:p>
+                      </a:txBody>
+                      <a:tcPr>
+                        <a:blipFill rotWithShape="0">
+                          <a:blip r:embed="rId2"/>
+                          <a:stretch>
+                            <a:fillRect l="-350294" t="-284615" r="-1176" b="-529231"/>
+                          </a:stretch>
+                        </a:blipFill>
+                      </a:tcPr>
+                    </a:tc>
+                  </a:tr>
+                  <a:tr h="396240">
+                    <a:tc>
+                      <a:txBody>
+                        <a:bodyPr/>
+                        <a:lstStyle/>
+                        <a:p>
+                          <a:r>
+                            <a:rPr lang="en-US" sz="2000" dirty="0" err="1" smtClean="0"/>
+                            <a:t>Mellita</a:t>
+                          </a:r>
+                          <a:endParaRPr lang="en-US" sz="2000" dirty="0"/>
+                        </a:p>
+                      </a:txBody>
+                      <a:tcPr/>
+                    </a:tc>
+                    <a:tc>
+                      <a:txBody>
+                        <a:bodyPr/>
+                        <a:lstStyle/>
+                        <a:p>
+                          <a:endParaRPr lang="en-US"/>
+                        </a:p>
+                      </a:txBody>
+                      <a:tcPr>
+                        <a:blipFill rotWithShape="0">
+                          <a:blip r:embed="rId2"/>
+                          <a:stretch>
+                            <a:fillRect l="-124438" t="-378788" r="-206742" b="-421212"/>
+                          </a:stretch>
+                        </a:blipFill>
+                      </a:tcPr>
+                    </a:tc>
+                    <a:tc>
+                      <a:txBody>
+                        <a:bodyPr/>
+                        <a:lstStyle/>
+                        <a:p>
+                          <a:pPr algn="ctr"/>
+                          <a:r>
+                            <a:rPr lang="en-US" sz="2000" dirty="0" err="1" smtClean="0"/>
+                            <a:t>Andri</a:t>
+                          </a:r>
+                          <a:endParaRPr lang="en-US" sz="2000" dirty="0"/>
+                        </a:p>
+                      </a:txBody>
+                      <a:tcPr/>
+                    </a:tc>
+                    <a:tc>
+                      <a:txBody>
+                        <a:bodyPr/>
+                        <a:lstStyle/>
+                        <a:p>
+                          <a:endParaRPr lang="en-US"/>
+                        </a:p>
+                      </a:txBody>
+                      <a:tcPr>
+                        <a:blipFill rotWithShape="0">
+                          <a:blip r:embed="rId2"/>
+                          <a:stretch>
+                            <a:fillRect l="-350294" t="-378788" r="-1176" b="-421212"/>
+                          </a:stretch>
+                        </a:blipFill>
+                      </a:tcPr>
+                    </a:tc>
+                  </a:tr>
+                  <a:tr h="396240">
+                    <a:tc>
+                      <a:txBody>
+                        <a:bodyPr/>
+                        <a:lstStyle/>
+                        <a:p>
+                          <a:r>
+                            <a:rPr lang="en-US" sz="2000" dirty="0" smtClean="0"/>
+                            <a:t>Nikolas</a:t>
+                          </a:r>
+                          <a:endParaRPr lang="en-US" sz="2000" dirty="0"/>
+                        </a:p>
+                      </a:txBody>
+                      <a:tcPr/>
+                    </a:tc>
+                    <a:tc>
+                      <a:txBody>
+                        <a:bodyPr/>
+                        <a:lstStyle/>
+                        <a:p>
+                          <a:endParaRPr lang="en-US"/>
+                        </a:p>
+                      </a:txBody>
+                      <a:tcPr>
+                        <a:blipFill rotWithShape="0">
+                          <a:blip r:embed="rId2"/>
+                          <a:stretch>
+                            <a:fillRect l="-124438" t="-486154" r="-206742" b="-327692"/>
+                          </a:stretch>
+                        </a:blipFill>
+                      </a:tcPr>
+                    </a:tc>
+                    <a:tc>
+                      <a:txBody>
+                        <a:bodyPr/>
+                        <a:lstStyle/>
+                        <a:p>
+                          <a:pPr algn="ctr"/>
+                          <a:r>
+                            <a:rPr lang="en-US" sz="2000" dirty="0" err="1" smtClean="0"/>
+                            <a:t>Arianto</a:t>
+                          </a:r>
+                          <a:endParaRPr lang="en-US" sz="2000" dirty="0"/>
+                        </a:p>
+                      </a:txBody>
+                      <a:tcPr/>
+                    </a:tc>
+                    <a:tc>
+                      <a:txBody>
+                        <a:bodyPr/>
+                        <a:lstStyle/>
+                        <a:p>
+                          <a:endParaRPr lang="en-US"/>
+                        </a:p>
+                      </a:txBody>
+                      <a:tcPr>
+                        <a:blipFill rotWithShape="0">
+                          <a:blip r:embed="rId2"/>
+                          <a:stretch>
+                            <a:fillRect l="-350294" t="-486154" r="-1176" b="-327692"/>
+                          </a:stretch>
+                        </a:blipFill>
+                      </a:tcPr>
+                    </a:tc>
+                  </a:tr>
+                  <a:tr h="396240">
+                    <a:tc>
+                      <a:txBody>
+                        <a:bodyPr/>
+                        <a:lstStyle/>
+                        <a:p>
+                          <a:r>
+                            <a:rPr lang="en-US" sz="2000" dirty="0" smtClean="0"/>
+                            <a:t>Samuel</a:t>
+                          </a:r>
+                          <a:endParaRPr lang="en-US" sz="2000" dirty="0"/>
+                        </a:p>
+                      </a:txBody>
+                      <a:tcPr/>
+                    </a:tc>
+                    <a:tc>
+                      <a:txBody>
+                        <a:bodyPr/>
+                        <a:lstStyle/>
+                        <a:p>
+                          <a:endParaRPr lang="en-US"/>
+                        </a:p>
+                      </a:txBody>
+                      <a:tcPr>
+                        <a:blipFill rotWithShape="0">
+                          <a:blip r:embed="rId2"/>
+                          <a:stretch>
+                            <a:fillRect l="-124438" t="-586154" r="-206742" b="-227692"/>
+                          </a:stretch>
+                        </a:blipFill>
+                      </a:tcPr>
+                    </a:tc>
+                    <a:tc>
+                      <a:txBody>
+                        <a:bodyPr/>
+                        <a:lstStyle/>
+                        <a:p>
+                          <a:pPr algn="ctr"/>
+                          <a:r>
+                            <a:rPr lang="en-US" sz="2000" dirty="0" err="1" smtClean="0"/>
+                            <a:t>Orlin</a:t>
+                          </a:r>
+                          <a:endParaRPr lang="en-US" sz="2000" dirty="0"/>
+                        </a:p>
+                      </a:txBody>
+                      <a:tcPr/>
+                    </a:tc>
+                    <a:tc>
+                      <a:txBody>
+                        <a:bodyPr/>
+                        <a:lstStyle/>
+                        <a:p>
+                          <a:endParaRPr lang="en-US"/>
+                        </a:p>
+                      </a:txBody>
+                      <a:tcPr>
+                        <a:blipFill rotWithShape="0">
+                          <a:blip r:embed="rId2"/>
+                          <a:stretch>
+                            <a:fillRect l="-350294" t="-586154" r="-1176" b="-227692"/>
+                          </a:stretch>
+                        </a:blipFill>
+                      </a:tcPr>
+                    </a:tc>
+                  </a:tr>
+                  <a:tr h="396240">
+                    <a:tc>
+                      <a:txBody>
+                        <a:bodyPr/>
+                        <a:lstStyle/>
+                        <a:p>
+                          <a:r>
+                            <a:rPr lang="en-US" sz="2000" dirty="0" smtClean="0"/>
+                            <a:t>Elmo</a:t>
+                          </a:r>
+                          <a:endParaRPr lang="en-US" sz="2000" dirty="0"/>
+                        </a:p>
+                      </a:txBody>
+                      <a:tcPr/>
+                    </a:tc>
+                    <a:tc>
+                      <a:txBody>
+                        <a:bodyPr/>
+                        <a:lstStyle/>
+                        <a:p>
+                          <a:endParaRPr lang="en-US"/>
+                        </a:p>
+                      </a:txBody>
+                      <a:tcPr>
+                        <a:blipFill rotWithShape="0">
+                          <a:blip r:embed="rId2"/>
+                          <a:stretch>
+                            <a:fillRect l="-124438" t="-686154" r="-206742" b="-127692"/>
+                          </a:stretch>
+                        </a:blipFill>
+                      </a:tcPr>
+                    </a:tc>
+                    <a:tc>
+                      <a:txBody>
+                        <a:bodyPr/>
+                        <a:lstStyle/>
+                        <a:p>
+                          <a:pPr algn="ctr"/>
+                          <a:endParaRPr lang="en-US" sz="2000" dirty="0"/>
+                        </a:p>
+                      </a:txBody>
+                      <a:tcPr/>
+                    </a:tc>
+                    <a:tc>
+                      <a:txBody>
+                        <a:bodyPr/>
+                        <a:lstStyle/>
+                        <a:p>
+                          <a:pPr marL="0" marR="0" indent="0" algn="ctr" defTabSz="914400" rtl="0" eaLnBrk="1" fontAlgn="auto" latinLnBrk="0" hangingPunct="1">
+                            <a:lnSpc>
+                              <a:spcPct val="100000"/>
+                            </a:lnSpc>
+                            <a:spcBef>
+                              <a:spcPts val="0"/>
+                            </a:spcBef>
+                            <a:spcAft>
+                              <a:spcPts val="0"/>
+                            </a:spcAft>
+                            <a:buClrTx/>
+                            <a:buSzTx/>
+                            <a:buFontTx/>
+                            <a:buNone/>
+                            <a:tabLst/>
+                            <a:defRPr/>
+                          </a:pPr>
+                          <a:endParaRPr lang="en-US" sz="2000" dirty="0"/>
+                        </a:p>
+                      </a:txBody>
+                      <a:tcPr/>
+                    </a:tc>
+                  </a:tr>
+                  <a:tr h="396240">
+                    <a:tc>
+                      <a:txBody>
+                        <a:bodyPr/>
+                        <a:lstStyle/>
+                        <a:p>
+                          <a:r>
+                            <a:rPr lang="en-US" sz="2000" b="1" dirty="0" smtClean="0"/>
+                            <a:t>Average</a:t>
+                          </a:r>
+                          <a:endParaRPr lang="en-US" sz="2000" b="1" dirty="0"/>
+                        </a:p>
+                      </a:txBody>
+                      <a:tcPr/>
+                    </a:tc>
+                    <a:tc gridSpan="3">
+                      <a:txBody>
+                        <a:bodyPr/>
+                        <a:lstStyle/>
+                        <a:p>
+                          <a:pPr algn="ctr"/>
+                          <a:r>
+                            <a:rPr lang="en-US" sz="2000" smtClean="0"/>
+                            <a:t>81.55%</a:t>
+                          </a:r>
+                          <a:endParaRPr lang="en-US" sz="2000" dirty="0"/>
+                        </a:p>
+                      </a:txBody>
+                      <a:tcPr/>
+                    </a:tc>
+                    <a:tc hMerge="1">
+                      <a:txBody>
+                        <a:bodyPr/>
+                        <a:lstStyle/>
+                        <a:p>
+                          <a:pPr algn="ctr"/>
+                          <a:endParaRPr lang="en-US" sz="2000" dirty="0"/>
+                        </a:p>
+                      </a:txBody>
+                      <a:tcPr/>
+                    </a:tc>
+                    <a:tc hMerge="1">
+                      <a:txBody>
+                        <a:bodyPr/>
+                        <a:lstStyle/>
+                        <a:p>
+                          <a:pPr algn="ctr"/>
+                          <a:endParaRPr lang="en-US" sz="2000" dirty="0"/>
+                        </a:p>
+                      </a:txBody>
+                      <a:tcPr/>
+                    </a:tc>
+                  </a:tr>
+                </a:tbl>
+              </a:graphicData>
+            </a:graphic>
+          </p:graphicFrame>
+        </mc:Fallback>
+      </mc:AlternateContent>
+    </p:spTree>
+    <p:extLst>
+      <p:ext uri="{BB962C8B-B14F-4D97-AF65-F5344CB8AC3E}">
+        <p14:creationId xmlns:p14="http://schemas.microsoft.com/office/powerpoint/2010/main" val="355711928"/>
+      </p:ext>
+    </p:extLst>
+  </p:cSld>
+  <p:clrMapOvr>
+    <a:masterClrMapping/>
+  </p:clrMapOvr>
+  <p:timing>
+    <p:tnLst>
+      <p:par>
+        <p:cTn id="1" dur="indefinite" restart="never" nodeType="tmRoot"/>
+      </p:par>
+    </p:tnLst>
+  </p:timing>
+</p:sld>
+</file>
+
+<file path=ppt/slides/slide39.xml><?xml version="1.0" encoding="utf-8"?>
+<p:sld xmlns:a="http://schemas.openxmlformats.org/drawingml/2006/main" xmlns:r="http://schemas.openxmlformats.org/officeDocument/2006/relationships" xmlns:p="http://schemas.openxmlformats.org/presentationml/2006/main">
+  <p:cSld>
+    <p:spTree>
+      <p:nvGrpSpPr>
+        <p:cNvPr id="1" name=""/>
+        <p:cNvGrpSpPr/>
+        <p:nvPr/>
+      </p:nvGrpSpPr>
+      <p:grpSpPr>
+        <a:xfrm>
+          <a:off x="0" y="0"/>
+          <a:ext cx="0" cy="0"/>
+          <a:chOff x="0" y="0"/>
+          <a:chExt cx="0" cy="0"/>
+        </a:xfrm>
+      </p:grpSpPr>
+      <p:sp>
+        <p:nvSpPr>
+          <p:cNvPr id="4" name="Title 1"/>
+          <p:cNvSpPr txBox="1">
+            <a:spLocks/>
+          </p:cNvSpPr>
+          <p:nvPr/>
+        </p:nvSpPr>
+        <p:spPr>
+          <a:xfrm>
+            <a:off x="838200" y="365125"/>
+            <a:ext cx="10515600" cy="1325563"/>
+          </a:xfrm>
+          <a:prstGeom prst="rect">
+            <a:avLst/>
+          </a:prstGeom>
+        </p:spPr>
+        <p:txBody>
+          <a:bodyPr vert="horz" lIns="91440" tIns="45720" rIns="91440" bIns="45720" rtlCol="0" anchor="ctr">
+            <a:normAutofit/>
+          </a:bodyPr>
+          <a:lstStyle>
+            <a:lvl1pPr algn="l" defTabSz="914400" rtl="0" eaLnBrk="1" latinLnBrk="0" hangingPunct="1">
+              <a:lnSpc>
+                <a:spcPct val="90000"/>
+              </a:lnSpc>
+              <a:spcBef>
+                <a:spcPct val="0"/>
+              </a:spcBef>
+              <a:buNone/>
+              <a:defRPr sz="4400" kern="1200">
+                <a:solidFill>
+                  <a:schemeClr val="tx1"/>
+                </a:solidFill>
+                <a:latin typeface="+mj-lt"/>
+                <a:ea typeface="+mj-ea"/>
+                <a:cs typeface="+mj-cs"/>
+              </a:defRPr>
+            </a:lvl1pPr>
+          </a:lstStyle>
+          <a:p>
+            <a:r>
+              <a:rPr lang="en-US" b="1" dirty="0" smtClean="0"/>
+              <a:t>LOO (11 PERSONS)</a:t>
+            </a:r>
+            <a:endParaRPr lang="en-US" b="1" dirty="0"/>
+          </a:p>
+        </p:txBody>
+      </p:sp>
+      <p:sp>
+        <p:nvSpPr>
+          <p:cNvPr id="5" name="Content Placeholder 2"/>
+          <p:cNvSpPr txBox="1">
+            <a:spLocks/>
+          </p:cNvSpPr>
+          <p:nvPr/>
+        </p:nvSpPr>
+        <p:spPr>
+          <a:xfrm>
+            <a:off x="838200" y="1482436"/>
+            <a:ext cx="10515600" cy="4694527"/>
+          </a:xfrm>
+          <a:prstGeom prst="rect">
+            <a:avLst/>
+          </a:prstGeom>
+        </p:spPr>
+        <p:txBody>
+          <a:bodyPr vert="horz" lIns="91440" tIns="45720" rIns="91440" bIns="45720" rtlCol="0">
+            <a:normAutofit/>
+          </a:bodyPr>
+          <a:lstStyle>
+            <a:lvl1pPr marL="228600" indent="-228600" algn="l" defTabSz="914400" rtl="0" eaLnBrk="1" latinLnBrk="0" hangingPunct="1">
+              <a:lnSpc>
+                <a:spcPct val="90000"/>
+              </a:lnSpc>
+              <a:spcBef>
+                <a:spcPts val="1000"/>
+              </a:spcBef>
+              <a:buFont typeface="Arial"/>
+              <a:buChar char="•"/>
+              <a:defRPr sz="2800" kern="1200">
+                <a:solidFill>
+                  <a:schemeClr val="tx1"/>
+                </a:solidFill>
+                <a:latin typeface="+mn-lt"/>
+                <a:ea typeface="+mn-ea"/>
+                <a:cs typeface="+mn-cs"/>
+              </a:defRPr>
+            </a:lvl1pPr>
+            <a:lvl2pPr marL="685800" indent="-228600" algn="l" defTabSz="914400" rtl="0" eaLnBrk="1" latinLnBrk="0" hangingPunct="1">
+              <a:lnSpc>
+                <a:spcPct val="90000"/>
+              </a:lnSpc>
+              <a:spcBef>
+                <a:spcPts val="500"/>
+              </a:spcBef>
+              <a:buFont typeface="Arial"/>
+              <a:buChar char="•"/>
+              <a:defRPr sz="2400" kern="1200">
+                <a:solidFill>
+                  <a:schemeClr val="tx1"/>
+                </a:solidFill>
+                <a:latin typeface="+mn-lt"/>
+                <a:ea typeface="+mn-ea"/>
+                <a:cs typeface="+mn-cs"/>
+              </a:defRPr>
+            </a:lvl2pPr>
+            <a:lvl3pPr marL="1143000" indent="-228600" algn="l" defTabSz="914400" rtl="0" eaLnBrk="1" latinLnBrk="0" hangingPunct="1">
+              <a:lnSpc>
+                <a:spcPct val="90000"/>
+              </a:lnSpc>
+              <a:spcBef>
+                <a:spcPts val="500"/>
+              </a:spcBef>
+              <a:buFont typeface="Arial"/>
+              <a:buChar char="•"/>
+              <a:defRPr sz="2000" kern="1200">
+                <a:solidFill>
+                  <a:schemeClr val="tx1"/>
+                </a:solidFill>
+                <a:latin typeface="+mn-lt"/>
+                <a:ea typeface="+mn-ea"/>
+                <a:cs typeface="+mn-cs"/>
+              </a:defRPr>
+            </a:lvl3pPr>
+            <a:lvl4pPr marL="1600200" indent="-228600" algn="l" defTabSz="914400" rtl="0" eaLnBrk="1" latinLnBrk="0" hangingPunct="1">
+              <a:lnSpc>
+                <a:spcPct val="90000"/>
+              </a:lnSpc>
+              <a:spcBef>
+                <a:spcPts val="500"/>
+              </a:spcBef>
+              <a:buFont typeface="Arial"/>
+              <a:buChar char="•"/>
+              <a:defRPr sz="1800" kern="1200">
+                <a:solidFill>
+                  <a:schemeClr val="tx1"/>
+                </a:solidFill>
+                <a:latin typeface="+mn-lt"/>
+                <a:ea typeface="+mn-ea"/>
+                <a:cs typeface="+mn-cs"/>
+              </a:defRPr>
+            </a:lvl4pPr>
+            <a:lvl5pPr marL="2057400" indent="-228600" algn="l" defTabSz="914400" rtl="0" eaLnBrk="1" latinLnBrk="0" hangingPunct="1">
+              <a:lnSpc>
+                <a:spcPct val="90000"/>
+              </a:lnSpc>
+              <a:spcBef>
+                <a:spcPts val="500"/>
+              </a:spcBef>
+              <a:buFont typeface="Arial"/>
+              <a:buChar char="•"/>
+              <a:defRPr sz="1800" kern="1200">
+                <a:solidFill>
+                  <a:schemeClr val="tx1"/>
+                </a:solidFill>
+                <a:latin typeface="+mn-lt"/>
+                <a:ea typeface="+mn-ea"/>
+                <a:cs typeface="+mn-cs"/>
+              </a:defRPr>
+            </a:lvl5pPr>
+            <a:lvl6pPr marL="2514600" indent="-228600" algn="l" defTabSz="914400" rtl="0" eaLnBrk="1" latinLnBrk="0" hangingPunct="1">
+              <a:lnSpc>
+                <a:spcPct val="90000"/>
+              </a:lnSpc>
+              <a:spcBef>
+                <a:spcPts val="500"/>
+              </a:spcBef>
+              <a:buFont typeface="Arial"/>
+              <a:buChar char="•"/>
+              <a:defRPr sz="1800" kern="1200">
+                <a:solidFill>
+                  <a:schemeClr val="tx1"/>
+                </a:solidFill>
+                <a:latin typeface="+mn-lt"/>
+                <a:ea typeface="+mn-ea"/>
+                <a:cs typeface="+mn-cs"/>
+              </a:defRPr>
+            </a:lvl6pPr>
+            <a:lvl7pPr marL="2971800" indent="-228600" algn="l" defTabSz="914400" rtl="0" eaLnBrk="1" latinLnBrk="0" hangingPunct="1">
+              <a:lnSpc>
+                <a:spcPct val="90000"/>
+              </a:lnSpc>
+              <a:spcBef>
+                <a:spcPts val="500"/>
+              </a:spcBef>
+              <a:buFont typeface="Arial"/>
+              <a:buChar char="•"/>
+              <a:defRPr sz="1800" kern="1200">
+                <a:solidFill>
+                  <a:schemeClr val="tx1"/>
+                </a:solidFill>
+                <a:latin typeface="+mn-lt"/>
+                <a:ea typeface="+mn-ea"/>
+                <a:cs typeface="+mn-cs"/>
+              </a:defRPr>
+            </a:lvl7pPr>
+            <a:lvl8pPr marL="3429000" indent="-228600" algn="l" defTabSz="914400" rtl="0" eaLnBrk="1" latinLnBrk="0" hangingPunct="1">
+              <a:lnSpc>
+                <a:spcPct val="90000"/>
+              </a:lnSpc>
+              <a:spcBef>
+                <a:spcPts val="500"/>
+              </a:spcBef>
+              <a:buFont typeface="Arial"/>
+              <a:buChar char="•"/>
+              <a:defRPr sz="1800" kern="1200">
+                <a:solidFill>
+                  <a:schemeClr val="tx1"/>
+                </a:solidFill>
+                <a:latin typeface="+mn-lt"/>
+                <a:ea typeface="+mn-ea"/>
+                <a:cs typeface="+mn-cs"/>
+              </a:defRPr>
+            </a:lvl8pPr>
+            <a:lvl9pPr marL="3886200" indent="-228600" algn="l" defTabSz="914400" rtl="0" eaLnBrk="1" latinLnBrk="0" hangingPunct="1">
+              <a:lnSpc>
+                <a:spcPct val="90000"/>
+              </a:lnSpc>
+              <a:spcBef>
+                <a:spcPts val="500"/>
+              </a:spcBef>
+              <a:buFont typeface="Arial"/>
+              <a:buChar char="•"/>
+              <a:defRPr sz="1800" kern="1200">
+                <a:solidFill>
+                  <a:schemeClr val="tx1"/>
+                </a:solidFill>
+                <a:latin typeface="+mn-lt"/>
+                <a:ea typeface="+mn-ea"/>
+                <a:cs typeface="+mn-cs"/>
+              </a:defRPr>
+            </a:lvl9pPr>
+          </a:lstStyle>
+          <a:p>
+            <a:r>
+              <a:rPr lang="en-US" sz="2400" dirty="0" smtClean="0"/>
+              <a:t>14 Activities (</a:t>
+            </a:r>
+            <a:r>
+              <a:rPr lang="en-US" sz="2400" b="1" i="1" u="sng" dirty="0" smtClean="0"/>
+              <a:t>without Eating</a:t>
+            </a:r>
+            <a:r>
+              <a:rPr lang="en-US" sz="2400" dirty="0" smtClean="0"/>
+              <a:t>)</a:t>
+            </a:r>
+          </a:p>
+          <a:p>
+            <a:r>
+              <a:rPr lang="en-US" sz="2400" b="1" dirty="0" smtClean="0"/>
+              <a:t>SVM </a:t>
+            </a:r>
+            <a:r>
+              <a:rPr lang="en-US" sz="2400" dirty="0" smtClean="0">
+                <a:sym typeface="Wingdings"/>
+              </a:rPr>
+              <a:t> C = 1, Gamma = 0.1</a:t>
+            </a:r>
+            <a:endParaRPr lang="en-US" sz="2400" dirty="0" smtClean="0"/>
+          </a:p>
+          <a:p>
+            <a:endParaRPr lang="en-US" sz="2400" dirty="0"/>
+          </a:p>
+        </p:txBody>
+      </p:sp>
+      <mc:AlternateContent xmlns:mc="http://schemas.openxmlformats.org/markup-compatibility/2006">
+        <mc:Choice xmlns:a14="http://schemas.microsoft.com/office/drawing/2010/main" Requires="a14">
+          <p:graphicFrame>
+            <p:nvGraphicFramePr>
+              <p:cNvPr id="6" name="Table 5"/>
+              <p:cNvGraphicFramePr>
+                <a:graphicFrameLocks noGrp="1"/>
+              </p:cNvGraphicFramePr>
+              <p:nvPr>
+                <p:extLst>
+                  <p:ext uri="{D42A27DB-BD31-4B8C-83A1-F6EECF244321}">
+                    <p14:modId xmlns:p14="http://schemas.microsoft.com/office/powerpoint/2010/main" val="669605637"/>
+                  </p:ext>
+                </p:extLst>
+              </p:nvPr>
+            </p:nvGraphicFramePr>
+            <p:xfrm>
+              <a:off x="1434882" y="2527676"/>
+              <a:ext cx="9322236" cy="3474720"/>
+            </p:xfrm>
+            <a:graphic>
+              <a:graphicData uri="http://schemas.openxmlformats.org/drawingml/2006/table">
+                <a:tbl>
+                  <a:tblPr firstRow="1" bandRow="1">
+                    <a:tableStyleId>{5C22544A-7EE6-4342-B048-85BDC9FD1C3A}</a:tableStyleId>
+                  </a:tblPr>
+                  <a:tblGrid>
+                    <a:gridCol w="2693227"/>
+                    <a:gridCol w="2167533"/>
+                    <a:gridCol w="2389403"/>
+                    <a:gridCol w="2072073"/>
+                  </a:tblGrid>
+                  <a:tr h="370840">
+                    <a:tc>
+                      <a:txBody>
+                        <a:bodyPr/>
+                        <a:lstStyle/>
+                        <a:p>
+                          <a:pPr algn="ctr"/>
+                          <a:r>
+                            <a:rPr lang="en-US" sz="2000" dirty="0" smtClean="0"/>
+                            <a:t>LOO Subject</a:t>
+                          </a:r>
+                          <a:endParaRPr lang="en-US" sz="2000" dirty="0"/>
+                        </a:p>
+                      </a:txBody>
+                      <a:tcPr/>
+                    </a:tc>
+                    <a:tc>
+                      <a:txBody>
+                        <a:bodyPr/>
+                        <a:lstStyle/>
+                        <a:p>
+                          <a:pPr algn="ctr"/>
+                          <a:r>
+                            <a:rPr lang="en-US" sz="2000" dirty="0" smtClean="0"/>
+                            <a:t>F1 </a:t>
+                          </a:r>
+                          <a:r>
+                            <a:rPr lang="en-US" sz="2000" baseline="0" dirty="0" smtClean="0"/>
+                            <a:t>Mean</a:t>
+                          </a:r>
+                        </a:p>
+                        <a:p>
+                          <a:pPr algn="ctr"/>
+                          <a:r>
+                            <a:rPr lang="en-US" sz="2000" baseline="0" dirty="0" smtClean="0"/>
+                            <a:t>(SP + SW)</a:t>
+                          </a:r>
+                          <a:endParaRPr lang="en-US" sz="2000" dirty="0"/>
+                        </a:p>
+                      </a:txBody>
+                      <a:tcPr/>
+                    </a:tc>
+                    <a:tc>
+                      <a:txBody>
+                        <a:bodyPr/>
+                        <a:lstStyle/>
+                        <a:p>
+                          <a:pPr algn="ctr"/>
+                          <a:r>
+                            <a:rPr lang="en-US" sz="2000" dirty="0" smtClean="0"/>
+                            <a:t>LOO Subject</a:t>
+                          </a:r>
+                          <a:endParaRPr lang="en-US" sz="2000" dirty="0"/>
+                        </a:p>
+                      </a:txBody>
+                      <a:tcPr/>
+                    </a:tc>
+                    <a:tc>
+                      <a:txBody>
+                        <a:bodyPr/>
+                        <a:lstStyle/>
+                        <a:p>
+                          <a:pPr algn="ctr"/>
+                          <a:r>
+                            <a:rPr lang="en-US" sz="2000" dirty="0" smtClean="0"/>
+                            <a:t>F1 Mean</a:t>
+                          </a:r>
+                        </a:p>
+                        <a:p>
+                          <a:pPr algn="ctr"/>
+                          <a:r>
+                            <a:rPr lang="en-US" sz="2000" dirty="0" smtClean="0"/>
+                            <a:t>(SP + SW)</a:t>
+                          </a:r>
+                          <a:endParaRPr lang="en-US" sz="2000" dirty="0"/>
+                        </a:p>
+                      </a:txBody>
+                      <a:tcPr/>
+                    </a:tc>
+                  </a:tr>
+                  <a:tr h="370840">
+                    <a:tc>
+                      <a:txBody>
+                        <a:bodyPr/>
+                        <a:lstStyle/>
+                        <a:p>
+                          <a:r>
+                            <a:rPr lang="en-US" sz="2000" dirty="0" smtClean="0"/>
+                            <a:t>Edwin</a:t>
+                          </a:r>
+                          <a:endParaRPr lang="en-US" sz="2000" dirty="0"/>
+                        </a:p>
+                      </a:txBody>
+                      <a:tcPr/>
+                    </a:tc>
+                    <a:tc>
+                      <a:txBody>
+                        <a:bodyPr/>
+                        <a:lstStyle/>
+                        <a:p>
+                          <a:pPr marL="0" marR="0" indent="0" algn="ctr" defTabSz="914400" rtl="0" eaLnBrk="1" fontAlgn="auto" latinLnBrk="0" hangingPunct="1">
+                            <a:lnSpc>
+                              <a:spcPct val="100000"/>
+                            </a:lnSpc>
+                            <a:spcBef>
+                              <a:spcPts val="0"/>
+                            </a:spcBef>
+                            <a:spcAft>
+                              <a:spcPts val="0"/>
+                            </a:spcAft>
+                            <a:buClrTx/>
+                            <a:buSzTx/>
+                            <a:buFontTx/>
+                            <a:buNone/>
+                            <a:tabLst/>
+                            <a:defRPr/>
+                          </a:pPr>
+                          <a:r>
+                            <a:rPr lang="en-US" sz="2000" dirty="0" smtClean="0">
+                              <a:ea typeface="Cambria Math" charset="0"/>
+                              <a:cs typeface="Cambria Math" charset="0"/>
+                            </a:rPr>
+                            <a:t>85.72%</a:t>
+                          </a:r>
+                          <a:r>
+                            <a:rPr lang="en-US" sz="2000" baseline="0" dirty="0" smtClean="0">
+                              <a:ea typeface="Cambria Math" charset="0"/>
+                              <a:cs typeface="Cambria Math" charset="0"/>
+                            </a:rPr>
+                            <a:t> </a:t>
+                          </a:r>
+                          <a14:m>
+                            <m:oMath xmlns:m="http://schemas.openxmlformats.org/officeDocument/2006/math">
+                              <m:r>
+                                <a:rPr lang="en-US" sz="2000" i="1" smtClean="0">
+                                  <a:latin typeface="Cambria Math" charset="0"/>
+                                  <a:ea typeface="Cambria Math" charset="0"/>
+                                  <a:cs typeface="Cambria Math" charset="0"/>
+                                </a:rPr>
+                                <m:t>±</m:t>
+                              </m:r>
+                            </m:oMath>
+                          </a14:m>
+                          <a:r>
+                            <a:rPr lang="en-US" sz="2000" dirty="0" smtClean="0"/>
+                            <a:t> %</a:t>
+                          </a:r>
+                          <a:endParaRPr lang="en-US" sz="2000" dirty="0"/>
+                        </a:p>
+                      </a:txBody>
+                      <a:tcPr/>
+                    </a:tc>
+                    <a:tc>
+                      <a:txBody>
+                        <a:bodyPr/>
+                        <a:lstStyle/>
+                        <a:p>
+                          <a:pPr marL="0" marR="0" indent="0" algn="ctr" defTabSz="914400" rtl="0" eaLnBrk="1" fontAlgn="auto" latinLnBrk="0" hangingPunct="1">
+                            <a:lnSpc>
+                              <a:spcPct val="100000"/>
+                            </a:lnSpc>
+                            <a:spcBef>
+                              <a:spcPts val="0"/>
+                            </a:spcBef>
+                            <a:spcAft>
+                              <a:spcPts val="0"/>
+                            </a:spcAft>
+                            <a:buClrTx/>
+                            <a:buSzTx/>
+                            <a:buFontTx/>
+                            <a:buNone/>
+                            <a:tabLst/>
+                            <a:defRPr/>
+                          </a:pPr>
+                          <a:r>
+                            <a:rPr lang="en-US" sz="2000" dirty="0" smtClean="0"/>
+                            <a:t>Monica</a:t>
+                          </a:r>
+                          <a:endParaRPr lang="en-US" sz="2000" dirty="0"/>
+                        </a:p>
+                      </a:txBody>
+                      <a:tcPr/>
+                    </a:tc>
+                    <a:tc>
+                      <a:txBody>
+                        <a:bodyPr/>
+                        <a:lstStyle/>
+                        <a:p>
+                          <a:pPr marL="0" marR="0" indent="0" algn="ctr" defTabSz="914400" rtl="0" eaLnBrk="1" fontAlgn="auto" latinLnBrk="0" hangingPunct="1">
+                            <a:lnSpc>
+                              <a:spcPct val="100000"/>
+                            </a:lnSpc>
+                            <a:spcBef>
+                              <a:spcPts val="0"/>
+                            </a:spcBef>
+                            <a:spcAft>
+                              <a:spcPts val="0"/>
+                            </a:spcAft>
+                            <a:buClrTx/>
+                            <a:buSzTx/>
+                            <a:buFontTx/>
+                            <a:buNone/>
+                            <a:tabLst/>
+                            <a:defRPr/>
+                          </a:pPr>
+                          <a:r>
+                            <a:rPr lang="en-US" sz="2000" dirty="0" smtClean="0">
+                              <a:ea typeface="Cambria Math" charset="0"/>
+                              <a:cs typeface="Cambria Math" charset="0"/>
+                            </a:rPr>
+                            <a:t>81.27%</a:t>
+                          </a:r>
+                          <a:r>
+                            <a:rPr lang="en-US" sz="2000" baseline="0" dirty="0" smtClean="0">
+                              <a:ea typeface="Cambria Math" charset="0"/>
+                              <a:cs typeface="Cambria Math" charset="0"/>
+                            </a:rPr>
+                            <a:t> </a:t>
+                          </a:r>
+                          <a14:m>
+                            <m:oMath xmlns:m="http://schemas.openxmlformats.org/officeDocument/2006/math">
+                              <m:r>
+                                <a:rPr lang="en-US" sz="2000" i="1" smtClean="0">
+                                  <a:latin typeface="Cambria Math" charset="0"/>
+                                  <a:ea typeface="Cambria Math" charset="0"/>
+                                  <a:cs typeface="Cambria Math" charset="0"/>
+                                </a:rPr>
+                                <m:t>±</m:t>
+                              </m:r>
+                            </m:oMath>
+                          </a14:m>
+                          <a:r>
+                            <a:rPr lang="en-US" sz="2000" dirty="0" smtClean="0"/>
+                            <a:t> %</a:t>
+                          </a:r>
+                          <a:endParaRPr lang="en-US" sz="2000" dirty="0"/>
+                        </a:p>
+                      </a:txBody>
+                      <a:tcPr/>
+                    </a:tc>
+                  </a:tr>
+                  <a:tr h="370840">
+                    <a:tc>
+                      <a:txBody>
+                        <a:bodyPr/>
+                        <a:lstStyle/>
+                        <a:p>
+                          <a:r>
+                            <a:rPr lang="en-US" sz="2000" dirty="0" err="1" smtClean="0"/>
+                            <a:t>Shelina</a:t>
+                          </a:r>
+                          <a:endParaRPr lang="en-US" sz="2000" dirty="0"/>
+                        </a:p>
+                      </a:txBody>
+                      <a:tcPr/>
+                    </a:tc>
+                    <a:tc>
+                      <a:txBody>
+                        <a:bodyPr/>
+                        <a:lstStyle/>
+                        <a:p>
+                          <a:pPr marL="0" marR="0" indent="0" algn="ctr" defTabSz="914400" rtl="0" eaLnBrk="1" fontAlgn="auto" latinLnBrk="0" hangingPunct="1">
+                            <a:lnSpc>
+                              <a:spcPct val="100000"/>
+                            </a:lnSpc>
+                            <a:spcBef>
+                              <a:spcPts val="0"/>
+                            </a:spcBef>
+                            <a:spcAft>
+                              <a:spcPts val="0"/>
+                            </a:spcAft>
+                            <a:buClrTx/>
+                            <a:buSzTx/>
+                            <a:buFontTx/>
+                            <a:buNone/>
+                            <a:tabLst/>
+                            <a:defRPr/>
+                          </a:pPr>
+                          <a:r>
+                            <a:rPr lang="en-US" sz="2000" dirty="0" smtClean="0">
+                              <a:ea typeface="Cambria Math" charset="0"/>
+                              <a:cs typeface="Cambria Math" charset="0"/>
+                            </a:rPr>
+                            <a:t>75.64%</a:t>
+                          </a:r>
+                          <a:r>
+                            <a:rPr lang="en-US" sz="2000" baseline="0" dirty="0" smtClean="0">
+                              <a:ea typeface="Cambria Math" charset="0"/>
+                              <a:cs typeface="Cambria Math" charset="0"/>
+                            </a:rPr>
+                            <a:t> </a:t>
+                          </a:r>
+                          <a14:m>
+                            <m:oMath xmlns:m="http://schemas.openxmlformats.org/officeDocument/2006/math">
+                              <m:r>
+                                <a:rPr lang="en-US" sz="2000" i="1" smtClean="0">
+                                  <a:latin typeface="Cambria Math" charset="0"/>
+                                  <a:ea typeface="Cambria Math" charset="0"/>
+                                  <a:cs typeface="Cambria Math" charset="0"/>
+                                </a:rPr>
+                                <m:t>±</m:t>
+                              </m:r>
+                            </m:oMath>
+                          </a14:m>
+                          <a:r>
+                            <a:rPr lang="en-US" sz="2000" dirty="0" smtClean="0"/>
+                            <a:t> %</a:t>
+                          </a:r>
+                          <a:endParaRPr lang="en-US" sz="2000" dirty="0"/>
+                        </a:p>
+                      </a:txBody>
+                      <a:tcPr/>
+                    </a:tc>
+                    <a:tc>
+                      <a:txBody>
+                        <a:bodyPr/>
+                        <a:lstStyle/>
+                        <a:p>
+                          <a:pPr algn="ctr"/>
+                          <a:r>
+                            <a:rPr lang="en-US" sz="2000" dirty="0" smtClean="0"/>
+                            <a:t>Inge</a:t>
+                          </a:r>
+                          <a:endParaRPr lang="en-US" sz="2000" dirty="0"/>
+                        </a:p>
+                      </a:txBody>
+                      <a:tcPr/>
+                    </a:tc>
+                    <a:tc>
+                      <a:txBody>
+                        <a:bodyPr/>
+                        <a:lstStyle/>
+                        <a:p>
+                          <a:pPr marL="0" marR="0" indent="0" algn="ctr" defTabSz="914400" rtl="0" eaLnBrk="1" fontAlgn="auto" latinLnBrk="0" hangingPunct="1">
+                            <a:lnSpc>
+                              <a:spcPct val="100000"/>
+                            </a:lnSpc>
+                            <a:spcBef>
+                              <a:spcPts val="0"/>
+                            </a:spcBef>
+                            <a:spcAft>
+                              <a:spcPts val="0"/>
+                            </a:spcAft>
+                            <a:buClrTx/>
+                            <a:buSzTx/>
+                            <a:buFontTx/>
+                            <a:buNone/>
+                            <a:tabLst/>
+                            <a:defRPr/>
+                          </a:pPr>
+                          <a:r>
+                            <a:rPr lang="en-US" sz="2000" dirty="0" smtClean="0">
+                              <a:ea typeface="Cambria Math" charset="0"/>
+                              <a:cs typeface="Cambria Math" charset="0"/>
+                            </a:rPr>
+                            <a:t>76.56%</a:t>
+                          </a:r>
+                          <a:r>
+                            <a:rPr lang="en-US" sz="2000" baseline="0" dirty="0" smtClean="0">
+                              <a:ea typeface="Cambria Math" charset="0"/>
+                              <a:cs typeface="Cambria Math" charset="0"/>
+                            </a:rPr>
+                            <a:t> </a:t>
+                          </a:r>
+                          <a14:m>
+                            <m:oMath xmlns:m="http://schemas.openxmlformats.org/officeDocument/2006/math">
+                              <m:r>
+                                <a:rPr lang="en-US" sz="2000" i="1" smtClean="0">
+                                  <a:latin typeface="Cambria Math" charset="0"/>
+                                  <a:ea typeface="Cambria Math" charset="0"/>
+                                  <a:cs typeface="Cambria Math" charset="0"/>
+                                </a:rPr>
+                                <m:t>±</m:t>
+                              </m:r>
+                            </m:oMath>
+                          </a14:m>
+                          <a:r>
+                            <a:rPr lang="en-US" sz="2000" dirty="0" smtClean="0"/>
+                            <a:t> %</a:t>
+                          </a:r>
+                          <a:endParaRPr lang="en-US" sz="2000" dirty="0"/>
+                        </a:p>
+                      </a:txBody>
+                      <a:tcPr/>
+                    </a:tc>
+                  </a:tr>
+                  <a:tr h="370840">
+                    <a:tc>
+                      <a:txBody>
+                        <a:bodyPr/>
+                        <a:lstStyle/>
+                        <a:p>
+                          <a:r>
+                            <a:rPr lang="en-US" sz="2000" dirty="0" err="1" smtClean="0"/>
+                            <a:t>Mellita</a:t>
+                          </a:r>
+                          <a:endParaRPr lang="en-US" sz="2000" dirty="0"/>
+                        </a:p>
+                      </a:txBody>
+                      <a:tcPr/>
+                    </a:tc>
+                    <a:tc>
+                      <a:txBody>
+                        <a:bodyPr/>
+                        <a:lstStyle/>
+                        <a:p>
+                          <a:pPr marL="0" marR="0" indent="0" algn="ctr" defTabSz="914400" rtl="0" eaLnBrk="1" fontAlgn="auto" latinLnBrk="0" hangingPunct="1">
+                            <a:lnSpc>
+                              <a:spcPct val="100000"/>
+                            </a:lnSpc>
+                            <a:spcBef>
+                              <a:spcPts val="0"/>
+                            </a:spcBef>
+                            <a:spcAft>
+                              <a:spcPts val="0"/>
+                            </a:spcAft>
+                            <a:buClrTx/>
+                            <a:buSzTx/>
+                            <a:buFontTx/>
+                            <a:buNone/>
+                            <a:tabLst/>
+                            <a:defRPr/>
+                          </a:pPr>
+                          <a:r>
+                            <a:rPr lang="en-US" sz="2000" dirty="0" smtClean="0">
+                              <a:ea typeface="Cambria Math" charset="0"/>
+                              <a:cs typeface="Cambria Math" charset="0"/>
+                            </a:rPr>
+                            <a:t>83.01%</a:t>
+                          </a:r>
+                          <a:r>
+                            <a:rPr lang="en-US" sz="2000" baseline="0" dirty="0" smtClean="0">
+                              <a:ea typeface="Cambria Math" charset="0"/>
+                              <a:cs typeface="Cambria Math" charset="0"/>
+                            </a:rPr>
+                            <a:t> </a:t>
+                          </a:r>
+                          <a14:m>
+                            <m:oMath xmlns:m="http://schemas.openxmlformats.org/officeDocument/2006/math">
+                              <m:r>
+                                <a:rPr lang="en-US" sz="2000" i="1" smtClean="0">
+                                  <a:latin typeface="Cambria Math" charset="0"/>
+                                  <a:ea typeface="Cambria Math" charset="0"/>
+                                  <a:cs typeface="Cambria Math" charset="0"/>
+                                </a:rPr>
+                                <m:t>±</m:t>
+                              </m:r>
+                            </m:oMath>
+                          </a14:m>
+                          <a:r>
+                            <a:rPr lang="en-US" sz="2000" dirty="0" smtClean="0"/>
+                            <a:t> %</a:t>
+                          </a:r>
+                          <a:endParaRPr lang="en-US" sz="2000" dirty="0"/>
+                        </a:p>
+                      </a:txBody>
+                      <a:tcPr/>
+                    </a:tc>
+                    <a:tc>
+                      <a:txBody>
+                        <a:bodyPr/>
+                        <a:lstStyle/>
+                        <a:p>
+                          <a:pPr algn="ctr"/>
+                          <a:r>
+                            <a:rPr lang="en-US" sz="2000" dirty="0" err="1" smtClean="0"/>
+                            <a:t>Andri</a:t>
+                          </a:r>
+                          <a:endParaRPr lang="en-US" sz="2000" dirty="0"/>
+                        </a:p>
+                      </a:txBody>
+                      <a:tcPr/>
+                    </a:tc>
+                    <a:tc>
+                      <a:txBody>
+                        <a:bodyPr/>
+                        <a:lstStyle/>
+                        <a:p>
+                          <a:pPr marL="0" marR="0" indent="0" algn="ctr" defTabSz="914400" rtl="0" eaLnBrk="1" fontAlgn="auto" latinLnBrk="0" hangingPunct="1">
+                            <a:lnSpc>
+                              <a:spcPct val="100000"/>
+                            </a:lnSpc>
+                            <a:spcBef>
+                              <a:spcPts val="0"/>
+                            </a:spcBef>
+                            <a:spcAft>
+                              <a:spcPts val="0"/>
+                            </a:spcAft>
+                            <a:buClrTx/>
+                            <a:buSzTx/>
+                            <a:buFontTx/>
+                            <a:buNone/>
+                            <a:tabLst/>
+                            <a:defRPr/>
+                          </a:pPr>
+                          <a:r>
+                            <a:rPr lang="en-US" sz="2000" dirty="0" smtClean="0">
+                              <a:ea typeface="Cambria Math" charset="0"/>
+                              <a:cs typeface="Cambria Math" charset="0"/>
+                            </a:rPr>
+                            <a:t>69.71%</a:t>
+                          </a:r>
+                          <a:r>
+                            <a:rPr lang="en-US" sz="2000" baseline="0" dirty="0" smtClean="0">
+                              <a:ea typeface="Cambria Math" charset="0"/>
+                              <a:cs typeface="Cambria Math" charset="0"/>
+                            </a:rPr>
+                            <a:t> </a:t>
+                          </a:r>
+                          <a14:m>
+                            <m:oMath xmlns:m="http://schemas.openxmlformats.org/officeDocument/2006/math">
+                              <m:r>
+                                <a:rPr lang="en-US" sz="2000" i="1" smtClean="0">
+                                  <a:latin typeface="Cambria Math" charset="0"/>
+                                  <a:ea typeface="Cambria Math" charset="0"/>
+                                  <a:cs typeface="Cambria Math" charset="0"/>
+                                </a:rPr>
+                                <m:t>±</m:t>
+                              </m:r>
+                            </m:oMath>
+                          </a14:m>
+                          <a:r>
+                            <a:rPr lang="en-US" sz="2000" dirty="0" smtClean="0"/>
+                            <a:t> %</a:t>
+                          </a:r>
+                          <a:endParaRPr lang="en-US" sz="2000" dirty="0"/>
+                        </a:p>
+                      </a:txBody>
+                      <a:tcPr/>
+                    </a:tc>
+                  </a:tr>
+                  <a:tr h="370840">
+                    <a:tc>
+                      <a:txBody>
+                        <a:bodyPr/>
+                        <a:lstStyle/>
+                        <a:p>
+                          <a:r>
+                            <a:rPr lang="en-US" sz="2000" dirty="0" smtClean="0"/>
+                            <a:t>Nikolas</a:t>
+                          </a:r>
+                          <a:endParaRPr lang="en-US" sz="2000" dirty="0"/>
+                        </a:p>
+                      </a:txBody>
+                      <a:tcPr/>
+                    </a:tc>
+                    <a:tc>
+                      <a:txBody>
+                        <a:bodyPr/>
+                        <a:lstStyle/>
+                        <a:p>
+                          <a:pPr marL="0" marR="0" indent="0" algn="ctr" defTabSz="914400" rtl="0" eaLnBrk="1" fontAlgn="auto" latinLnBrk="0" hangingPunct="1">
+                            <a:lnSpc>
+                              <a:spcPct val="100000"/>
+                            </a:lnSpc>
+                            <a:spcBef>
+                              <a:spcPts val="0"/>
+                            </a:spcBef>
+                            <a:spcAft>
+                              <a:spcPts val="0"/>
+                            </a:spcAft>
+                            <a:buClrTx/>
+                            <a:buSzTx/>
+                            <a:buFontTx/>
+                            <a:buNone/>
+                            <a:tabLst/>
+                            <a:defRPr/>
+                          </a:pPr>
+                          <a:r>
+                            <a:rPr lang="en-US" sz="2000" dirty="0" smtClean="0">
+                              <a:ea typeface="Cambria Math" charset="0"/>
+                              <a:cs typeface="Cambria Math" charset="0"/>
+                            </a:rPr>
+                            <a:t>82.91%</a:t>
+                          </a:r>
+                          <a:r>
+                            <a:rPr lang="en-US" sz="2000" baseline="0" dirty="0" smtClean="0">
+                              <a:ea typeface="Cambria Math" charset="0"/>
+                              <a:cs typeface="Cambria Math" charset="0"/>
+                            </a:rPr>
+                            <a:t> </a:t>
+                          </a:r>
+                          <a14:m>
+                            <m:oMath xmlns:m="http://schemas.openxmlformats.org/officeDocument/2006/math">
+                              <m:r>
+                                <a:rPr lang="en-US" sz="2000" i="1" smtClean="0">
+                                  <a:latin typeface="Cambria Math" charset="0"/>
+                                  <a:ea typeface="Cambria Math" charset="0"/>
+                                  <a:cs typeface="Cambria Math" charset="0"/>
+                                </a:rPr>
+                                <m:t>±</m:t>
+                              </m:r>
+                            </m:oMath>
+                          </a14:m>
+                          <a:r>
+                            <a:rPr lang="en-US" sz="2000" dirty="0" smtClean="0"/>
+                            <a:t> %</a:t>
+                          </a:r>
+                          <a:endParaRPr lang="en-US" sz="2000" dirty="0"/>
+                        </a:p>
+                      </a:txBody>
+                      <a:tcPr/>
+                    </a:tc>
+                    <a:tc>
+                      <a:txBody>
+                        <a:bodyPr/>
+                        <a:lstStyle/>
+                        <a:p>
+                          <a:pPr algn="ctr"/>
+                          <a:r>
+                            <a:rPr lang="en-US" sz="2000" dirty="0" err="1" smtClean="0"/>
+                            <a:t>Arianto</a:t>
+                          </a:r>
+                          <a:endParaRPr lang="en-US" sz="2000" dirty="0"/>
+                        </a:p>
+                      </a:txBody>
+                      <a:tcPr/>
+                    </a:tc>
+                    <a:tc>
+                      <a:txBody>
+                        <a:bodyPr/>
+                        <a:lstStyle/>
+                        <a:p>
+                          <a:pPr marL="0" marR="0" indent="0" algn="ctr" defTabSz="914400" rtl="0" eaLnBrk="1" fontAlgn="auto" latinLnBrk="0" hangingPunct="1">
+                            <a:lnSpc>
+                              <a:spcPct val="100000"/>
+                            </a:lnSpc>
+                            <a:spcBef>
+                              <a:spcPts val="0"/>
+                            </a:spcBef>
+                            <a:spcAft>
+                              <a:spcPts val="0"/>
+                            </a:spcAft>
+                            <a:buClrTx/>
+                            <a:buSzTx/>
+                            <a:buFontTx/>
+                            <a:buNone/>
+                            <a:tabLst/>
+                            <a:defRPr/>
+                          </a:pPr>
+                          <a:r>
+                            <a:rPr lang="en-US" sz="2000" dirty="0" smtClean="0">
+                              <a:ea typeface="Cambria Math" charset="0"/>
+                              <a:cs typeface="Cambria Math" charset="0"/>
+                            </a:rPr>
+                            <a:t>75.73%</a:t>
+                          </a:r>
+                          <a:r>
+                            <a:rPr lang="en-US" sz="2000" baseline="0" dirty="0" smtClean="0">
+                              <a:ea typeface="Cambria Math" charset="0"/>
+                              <a:cs typeface="Cambria Math" charset="0"/>
+                            </a:rPr>
+                            <a:t> </a:t>
+                          </a:r>
+                          <a14:m>
+                            <m:oMath xmlns:m="http://schemas.openxmlformats.org/officeDocument/2006/math">
+                              <m:r>
+                                <a:rPr lang="en-US" sz="2000" i="1" smtClean="0">
+                                  <a:latin typeface="Cambria Math" charset="0"/>
+                                  <a:ea typeface="Cambria Math" charset="0"/>
+                                  <a:cs typeface="Cambria Math" charset="0"/>
+                                </a:rPr>
+                                <m:t>±</m:t>
+                              </m:r>
+                            </m:oMath>
+                          </a14:m>
+                          <a:r>
+                            <a:rPr lang="en-US" sz="2000" dirty="0" smtClean="0"/>
+                            <a:t> %</a:t>
+                          </a:r>
+                          <a:endParaRPr lang="en-US" sz="2000" dirty="0"/>
+                        </a:p>
+                      </a:txBody>
+                      <a:tcPr/>
+                    </a:tc>
+                  </a:tr>
+                  <a:tr h="370840">
+                    <a:tc>
+                      <a:txBody>
+                        <a:bodyPr/>
+                        <a:lstStyle/>
+                        <a:p>
+                          <a:r>
+                            <a:rPr lang="en-US" sz="2000" dirty="0" smtClean="0"/>
+                            <a:t>Samuel</a:t>
+                          </a:r>
+                          <a:endParaRPr lang="en-US" sz="2000" dirty="0"/>
+                        </a:p>
+                      </a:txBody>
+                      <a:tcPr/>
+                    </a:tc>
+                    <a:tc>
+                      <a:txBody>
+                        <a:bodyPr/>
+                        <a:lstStyle/>
+                        <a:p>
+                          <a:pPr marL="0" marR="0" indent="0" algn="ctr" defTabSz="914400" rtl="0" eaLnBrk="1" fontAlgn="auto" latinLnBrk="0" hangingPunct="1">
+                            <a:lnSpc>
+                              <a:spcPct val="100000"/>
+                            </a:lnSpc>
+                            <a:spcBef>
+                              <a:spcPts val="0"/>
+                            </a:spcBef>
+                            <a:spcAft>
+                              <a:spcPts val="0"/>
+                            </a:spcAft>
+                            <a:buClrTx/>
+                            <a:buSzTx/>
+                            <a:buFontTx/>
+                            <a:buNone/>
+                            <a:tabLst/>
+                            <a:defRPr/>
+                          </a:pPr>
+                          <a:r>
+                            <a:rPr lang="en-US" sz="2000" dirty="0" smtClean="0">
+                              <a:ea typeface="Cambria Math" charset="0"/>
+                              <a:cs typeface="Cambria Math" charset="0"/>
+                            </a:rPr>
+                            <a:t>85.05%</a:t>
+                          </a:r>
+                          <a:r>
+                            <a:rPr lang="en-US" sz="2000" baseline="0" dirty="0" smtClean="0">
+                              <a:ea typeface="Cambria Math" charset="0"/>
+                              <a:cs typeface="Cambria Math" charset="0"/>
+                            </a:rPr>
+                            <a:t> </a:t>
+                          </a:r>
+                          <a14:m>
+                            <m:oMath xmlns:m="http://schemas.openxmlformats.org/officeDocument/2006/math">
+                              <m:r>
+                                <a:rPr lang="en-US" sz="2000" i="1" smtClean="0">
+                                  <a:latin typeface="Cambria Math" charset="0"/>
+                                  <a:ea typeface="Cambria Math" charset="0"/>
+                                  <a:cs typeface="Cambria Math" charset="0"/>
+                                </a:rPr>
+                                <m:t>±</m:t>
+                              </m:r>
+                            </m:oMath>
+                          </a14:m>
+                          <a:r>
+                            <a:rPr lang="en-US" sz="2000" dirty="0" smtClean="0"/>
+                            <a:t> %</a:t>
+                          </a:r>
+                          <a:endParaRPr lang="en-US" sz="2000" dirty="0"/>
+                        </a:p>
+                      </a:txBody>
+                      <a:tcPr/>
+                    </a:tc>
+                    <a:tc>
+                      <a:txBody>
+                        <a:bodyPr/>
+                        <a:lstStyle/>
+                        <a:p>
+                          <a:pPr algn="ctr"/>
+                          <a:r>
+                            <a:rPr lang="en-US" sz="2000" dirty="0" err="1" smtClean="0"/>
+                            <a:t>Orlin</a:t>
+                          </a:r>
+                          <a:endParaRPr lang="en-US" sz="2000" dirty="0"/>
+                        </a:p>
+                      </a:txBody>
+                      <a:tcPr/>
+                    </a:tc>
+                    <a:tc>
+                      <a:txBody>
+                        <a:bodyPr/>
+                        <a:lstStyle/>
+                        <a:p>
+                          <a:pPr marL="0" marR="0" indent="0" algn="ctr" defTabSz="914400" rtl="0" eaLnBrk="1" fontAlgn="auto" latinLnBrk="0" hangingPunct="1">
+                            <a:lnSpc>
+                              <a:spcPct val="100000"/>
+                            </a:lnSpc>
+                            <a:spcBef>
+                              <a:spcPts val="0"/>
+                            </a:spcBef>
+                            <a:spcAft>
+                              <a:spcPts val="0"/>
+                            </a:spcAft>
+                            <a:buClrTx/>
+                            <a:buSzTx/>
+                            <a:buFontTx/>
+                            <a:buNone/>
+                            <a:tabLst/>
+                            <a:defRPr/>
+                          </a:pPr>
+                          <a:r>
+                            <a:rPr lang="en-US" sz="2000" dirty="0" smtClean="0">
+                              <a:ea typeface="Cambria Math" charset="0"/>
+                              <a:cs typeface="Cambria Math" charset="0"/>
+                            </a:rPr>
+                            <a:t>76.11%</a:t>
+                          </a:r>
+                          <a:r>
+                            <a:rPr lang="en-US" sz="2000" baseline="0" dirty="0" smtClean="0">
+                              <a:ea typeface="Cambria Math" charset="0"/>
+                              <a:cs typeface="Cambria Math" charset="0"/>
+                            </a:rPr>
+                            <a:t> </a:t>
+                          </a:r>
+                          <a14:m>
+                            <m:oMath xmlns:m="http://schemas.openxmlformats.org/officeDocument/2006/math">
+                              <m:r>
+                                <a:rPr lang="en-US" sz="2000" i="1" smtClean="0">
+                                  <a:latin typeface="Cambria Math" charset="0"/>
+                                  <a:ea typeface="Cambria Math" charset="0"/>
+                                  <a:cs typeface="Cambria Math" charset="0"/>
+                                </a:rPr>
+                                <m:t>±</m:t>
+                              </m:r>
+                            </m:oMath>
+                          </a14:m>
+                          <a:r>
+                            <a:rPr lang="en-US" sz="2000" dirty="0" smtClean="0"/>
+                            <a:t> %</a:t>
+                          </a:r>
+                          <a:endParaRPr lang="en-US" sz="2000" dirty="0"/>
+                        </a:p>
+                      </a:txBody>
+                      <a:tcPr/>
+                    </a:tc>
+                  </a:tr>
+                  <a:tr h="370840">
+                    <a:tc>
+                      <a:txBody>
+                        <a:bodyPr/>
+                        <a:lstStyle/>
+                        <a:p>
+                          <a:r>
+                            <a:rPr lang="en-US" sz="2000" dirty="0" smtClean="0"/>
+                            <a:t>Elmo</a:t>
+                          </a:r>
+                          <a:endParaRPr lang="en-US" sz="2000" dirty="0"/>
+                        </a:p>
+                      </a:txBody>
+                      <a:tcPr/>
+                    </a:tc>
+                    <a:tc>
+                      <a:txBody>
+                        <a:bodyPr/>
+                        <a:lstStyle/>
+                        <a:p>
+                          <a:pPr marL="0" marR="0" indent="0" algn="ctr" defTabSz="914400" rtl="0" eaLnBrk="1" fontAlgn="auto" latinLnBrk="0" hangingPunct="1">
+                            <a:lnSpc>
+                              <a:spcPct val="100000"/>
+                            </a:lnSpc>
+                            <a:spcBef>
+                              <a:spcPts val="0"/>
+                            </a:spcBef>
+                            <a:spcAft>
+                              <a:spcPts val="0"/>
+                            </a:spcAft>
+                            <a:buClrTx/>
+                            <a:buSzTx/>
+                            <a:buFontTx/>
+                            <a:buNone/>
+                            <a:tabLst/>
+                            <a:defRPr/>
+                          </a:pPr>
+                          <a:r>
+                            <a:rPr lang="en-US" sz="2000" dirty="0" smtClean="0">
+                              <a:ea typeface="Cambria Math" charset="0"/>
+                              <a:cs typeface="Cambria Math" charset="0"/>
+                            </a:rPr>
+                            <a:t>73.21%</a:t>
+                          </a:r>
+                          <a:r>
+                            <a:rPr lang="en-US" sz="2000" baseline="0" dirty="0" smtClean="0">
+                              <a:ea typeface="Cambria Math" charset="0"/>
+                              <a:cs typeface="Cambria Math" charset="0"/>
+                            </a:rPr>
+                            <a:t> </a:t>
+                          </a:r>
+                          <a14:m>
+                            <m:oMath xmlns:m="http://schemas.openxmlformats.org/officeDocument/2006/math">
+                              <m:r>
+                                <a:rPr lang="en-US" sz="2000" i="1" smtClean="0">
+                                  <a:latin typeface="Cambria Math" charset="0"/>
+                                  <a:ea typeface="Cambria Math" charset="0"/>
+                                  <a:cs typeface="Cambria Math" charset="0"/>
+                                </a:rPr>
+                                <m:t>±</m:t>
+                              </m:r>
+                            </m:oMath>
+                          </a14:m>
+                          <a:r>
+                            <a:rPr lang="en-US" sz="2000" dirty="0" smtClean="0"/>
+                            <a:t> %</a:t>
+                          </a:r>
+                          <a:endParaRPr lang="en-US" sz="2000" dirty="0"/>
+                        </a:p>
+                      </a:txBody>
+                      <a:tcPr/>
+                    </a:tc>
+                    <a:tc>
+                      <a:txBody>
+                        <a:bodyPr/>
+                        <a:lstStyle/>
+                        <a:p>
+                          <a:pPr algn="ctr"/>
+                          <a:endParaRPr lang="en-US" sz="2000" dirty="0"/>
+                        </a:p>
+                      </a:txBody>
+                      <a:tcPr/>
+                    </a:tc>
+                    <a:tc>
+                      <a:txBody>
+                        <a:bodyPr/>
+                        <a:lstStyle/>
+                        <a:p>
+                          <a:pPr marL="0" marR="0" indent="0" algn="ctr" defTabSz="914400" rtl="0" eaLnBrk="1" fontAlgn="auto" latinLnBrk="0" hangingPunct="1">
+                            <a:lnSpc>
+                              <a:spcPct val="100000"/>
+                            </a:lnSpc>
+                            <a:spcBef>
+                              <a:spcPts val="0"/>
+                            </a:spcBef>
+                            <a:spcAft>
+                              <a:spcPts val="0"/>
+                            </a:spcAft>
+                            <a:buClrTx/>
+                            <a:buSzTx/>
+                            <a:buFontTx/>
+                            <a:buNone/>
+                            <a:tabLst/>
+                            <a:defRPr/>
+                          </a:pPr>
+                          <a:endParaRPr lang="en-US" sz="2000" dirty="0"/>
+                        </a:p>
+                      </a:txBody>
+                      <a:tcPr/>
+                    </a:tc>
+                  </a:tr>
+                  <a:tr h="370840">
+                    <a:tc>
+                      <a:txBody>
+                        <a:bodyPr/>
+                        <a:lstStyle/>
+                        <a:p>
+                          <a:r>
+                            <a:rPr lang="en-US" sz="2000" b="1" dirty="0" smtClean="0"/>
+                            <a:t>Average</a:t>
+                          </a:r>
+                          <a:endParaRPr lang="en-US" sz="2000" b="1" dirty="0"/>
+                        </a:p>
+                      </a:txBody>
+                      <a:tcPr/>
+                    </a:tc>
+                    <a:tc gridSpan="3">
+                      <a:txBody>
+                        <a:bodyPr/>
+                        <a:lstStyle/>
+                        <a:p>
+                          <a:pPr algn="ctr"/>
+                          <a:r>
+                            <a:rPr lang="en-US" sz="2000" dirty="0" smtClean="0"/>
+                            <a:t>%</a:t>
+                          </a:r>
+                          <a:endParaRPr lang="en-US" sz="2000" dirty="0"/>
+                        </a:p>
+                      </a:txBody>
+                      <a:tcPr/>
+                    </a:tc>
+                    <a:tc hMerge="1">
+                      <a:txBody>
+                        <a:bodyPr/>
+                        <a:lstStyle/>
+                        <a:p>
+                          <a:pPr algn="ctr"/>
+                          <a:endParaRPr lang="en-US" sz="2000" dirty="0"/>
+                        </a:p>
+                      </a:txBody>
+                      <a:tcPr/>
+                    </a:tc>
+                    <a:tc hMerge="1">
+                      <a:txBody>
+                        <a:bodyPr/>
+                        <a:lstStyle/>
+                        <a:p>
+                          <a:pPr algn="ctr"/>
+                          <a:endParaRPr lang="en-US" sz="2000" dirty="0"/>
+                        </a:p>
+                      </a:txBody>
+                      <a:tcPr/>
+                    </a:tc>
+                  </a:tr>
+                </a:tbl>
+              </a:graphicData>
+            </a:graphic>
+          </p:graphicFrame>
+        </mc:Choice>
+        <mc:Fallback>
+          <p:graphicFrame>
+            <p:nvGraphicFramePr>
+              <p:cNvPr id="6" name="Table 5"/>
+              <p:cNvGraphicFramePr>
+                <a:graphicFrameLocks noGrp="1"/>
+              </p:cNvGraphicFramePr>
+              <p:nvPr>
+                <p:extLst>
+                  <p:ext uri="{D42A27DB-BD31-4B8C-83A1-F6EECF244321}">
+                    <p14:modId xmlns:p14="http://schemas.microsoft.com/office/powerpoint/2010/main" val="669605637"/>
+                  </p:ext>
+                </p:extLst>
+              </p:nvPr>
+            </p:nvGraphicFramePr>
+            <p:xfrm>
+              <a:off x="1434882" y="2527676"/>
+              <a:ext cx="9322236" cy="3474720"/>
+            </p:xfrm>
+            <a:graphic>
+              <a:graphicData uri="http://schemas.openxmlformats.org/drawingml/2006/table">
+                <a:tbl>
+                  <a:tblPr firstRow="1" bandRow="1">
+                    <a:tableStyleId>{5C22544A-7EE6-4342-B048-85BDC9FD1C3A}</a:tableStyleId>
+                  </a:tblPr>
+                  <a:tblGrid>
+                    <a:gridCol w="2693227"/>
+                    <a:gridCol w="2167533"/>
+                    <a:gridCol w="2389403"/>
+                    <a:gridCol w="2072073"/>
+                  </a:tblGrid>
+                  <a:tr h="701040">
+                    <a:tc>
+                      <a:txBody>
+                        <a:bodyPr/>
+                        <a:lstStyle/>
+                        <a:p>
+                          <a:pPr algn="ctr"/>
+                          <a:r>
+                            <a:rPr lang="en-US" sz="2000" dirty="0" smtClean="0"/>
+                            <a:t>LOO Subject</a:t>
+                          </a:r>
+                          <a:endParaRPr lang="en-US" sz="2000" dirty="0"/>
+                        </a:p>
+                      </a:txBody>
+                      <a:tcPr/>
+                    </a:tc>
+                    <a:tc>
+                      <a:txBody>
+                        <a:bodyPr/>
+                        <a:lstStyle/>
+                        <a:p>
+                          <a:pPr algn="ctr"/>
+                          <a:r>
+                            <a:rPr lang="en-US" sz="2000" dirty="0" smtClean="0"/>
+                            <a:t>F1 </a:t>
+                          </a:r>
+                          <a:r>
+                            <a:rPr lang="en-US" sz="2000" baseline="0" dirty="0" smtClean="0"/>
+                            <a:t>Mean</a:t>
+                          </a:r>
+                        </a:p>
+                        <a:p>
+                          <a:pPr algn="ctr"/>
+                          <a:r>
+                            <a:rPr lang="en-US" sz="2000" baseline="0" dirty="0" smtClean="0"/>
+                            <a:t>(SP + SW)</a:t>
+                          </a:r>
+                          <a:endParaRPr lang="en-US" sz="2000" dirty="0"/>
+                        </a:p>
+                      </a:txBody>
+                      <a:tcPr/>
+                    </a:tc>
+                    <a:tc>
+                      <a:txBody>
+                        <a:bodyPr/>
+                        <a:lstStyle/>
+                        <a:p>
+                          <a:pPr algn="ctr"/>
+                          <a:r>
+                            <a:rPr lang="en-US" sz="2000" dirty="0" smtClean="0"/>
+                            <a:t>LOO Subject</a:t>
+                          </a:r>
+                          <a:endParaRPr lang="en-US" sz="2000" dirty="0"/>
+                        </a:p>
+                      </a:txBody>
+                      <a:tcPr/>
+                    </a:tc>
+                    <a:tc>
+                      <a:txBody>
+                        <a:bodyPr/>
+                        <a:lstStyle/>
+                        <a:p>
+                          <a:pPr algn="ctr"/>
+                          <a:r>
+                            <a:rPr lang="en-US" sz="2000" dirty="0" smtClean="0"/>
+                            <a:t>F1 Mean</a:t>
+                          </a:r>
+                        </a:p>
+                        <a:p>
+                          <a:pPr algn="ctr"/>
+                          <a:r>
+                            <a:rPr lang="en-US" sz="2000" dirty="0" smtClean="0"/>
+                            <a:t>(SP + SW)</a:t>
+                          </a:r>
+                          <a:endParaRPr lang="en-US" sz="2000" dirty="0"/>
+                        </a:p>
+                      </a:txBody>
+                      <a:tcPr/>
+                    </a:tc>
+                  </a:tr>
+                  <a:tr h="396240">
+                    <a:tc>
+                      <a:txBody>
+                        <a:bodyPr/>
+                        <a:lstStyle/>
+                        <a:p>
+                          <a:r>
+                            <a:rPr lang="en-US" sz="2000" dirty="0" smtClean="0"/>
+                            <a:t>Edwin</a:t>
+                          </a:r>
+                          <a:endParaRPr lang="en-US" sz="2000" dirty="0"/>
+                        </a:p>
+                      </a:txBody>
+                      <a:tcPr/>
+                    </a:tc>
+                    <a:tc>
+                      <a:txBody>
+                        <a:bodyPr/>
+                        <a:lstStyle/>
+                        <a:p>
+                          <a:endParaRPr lang="en-US"/>
+                        </a:p>
+                      </a:txBody>
+                      <a:tcPr>
+                        <a:blipFill rotWithShape="0">
+                          <a:blip r:embed="rId2"/>
+                          <a:stretch>
+                            <a:fillRect l="-124438" t="-184615" r="-206742" b="-629231"/>
+                          </a:stretch>
+                        </a:blipFill>
+                      </a:tcPr>
+                    </a:tc>
+                    <a:tc>
+                      <a:txBody>
+                        <a:bodyPr/>
+                        <a:lstStyle/>
+                        <a:p>
+                          <a:pPr marL="0" marR="0" indent="0" algn="ctr" defTabSz="914400" rtl="0" eaLnBrk="1" fontAlgn="auto" latinLnBrk="0" hangingPunct="1">
+                            <a:lnSpc>
+                              <a:spcPct val="100000"/>
+                            </a:lnSpc>
+                            <a:spcBef>
+                              <a:spcPts val="0"/>
+                            </a:spcBef>
+                            <a:spcAft>
+                              <a:spcPts val="0"/>
+                            </a:spcAft>
+                            <a:buClrTx/>
+                            <a:buSzTx/>
+                            <a:buFontTx/>
+                            <a:buNone/>
+                            <a:tabLst/>
+                            <a:defRPr/>
+                          </a:pPr>
+                          <a:r>
+                            <a:rPr lang="en-US" sz="2000" dirty="0" smtClean="0"/>
+                            <a:t>Monica</a:t>
+                          </a:r>
+                          <a:endParaRPr lang="en-US" sz="2000" dirty="0"/>
+                        </a:p>
+                      </a:txBody>
+                      <a:tcPr/>
+                    </a:tc>
+                    <a:tc>
+                      <a:txBody>
+                        <a:bodyPr/>
+                        <a:lstStyle/>
+                        <a:p>
+                          <a:endParaRPr lang="en-US"/>
+                        </a:p>
+                      </a:txBody>
+                      <a:tcPr>
+                        <a:blipFill rotWithShape="0">
+                          <a:blip r:embed="rId2"/>
+                          <a:stretch>
+                            <a:fillRect l="-350294" t="-184615" r="-1176" b="-629231"/>
+                          </a:stretch>
+                        </a:blipFill>
+                      </a:tcPr>
+                    </a:tc>
+                  </a:tr>
+                  <a:tr h="396240">
+                    <a:tc>
+                      <a:txBody>
+                        <a:bodyPr/>
+                        <a:lstStyle/>
+                        <a:p>
+                          <a:r>
+                            <a:rPr lang="en-US" sz="2000" dirty="0" err="1" smtClean="0"/>
+                            <a:t>Shelina</a:t>
+                          </a:r>
+                          <a:endParaRPr lang="en-US" sz="2000" dirty="0"/>
+                        </a:p>
+                      </a:txBody>
+                      <a:tcPr/>
+                    </a:tc>
+                    <a:tc>
+                      <a:txBody>
+                        <a:bodyPr/>
+                        <a:lstStyle/>
+                        <a:p>
+                          <a:endParaRPr lang="en-US"/>
+                        </a:p>
+                      </a:txBody>
+                      <a:tcPr>
+                        <a:blipFill rotWithShape="0">
+                          <a:blip r:embed="rId2"/>
+                          <a:stretch>
+                            <a:fillRect l="-124438" t="-284615" r="-206742" b="-529231"/>
+                          </a:stretch>
+                        </a:blipFill>
+                      </a:tcPr>
+                    </a:tc>
+                    <a:tc>
+                      <a:txBody>
+                        <a:bodyPr/>
+                        <a:lstStyle/>
+                        <a:p>
+                          <a:pPr algn="ctr"/>
+                          <a:r>
+                            <a:rPr lang="en-US" sz="2000" dirty="0" smtClean="0"/>
+                            <a:t>Inge</a:t>
+                          </a:r>
+                          <a:endParaRPr lang="en-US" sz="2000" dirty="0"/>
+                        </a:p>
+                      </a:txBody>
+                      <a:tcPr/>
+                    </a:tc>
+                    <a:tc>
+                      <a:txBody>
+                        <a:bodyPr/>
+                        <a:lstStyle/>
+                        <a:p>
+                          <a:endParaRPr lang="en-US"/>
+                        </a:p>
+                      </a:txBody>
+                      <a:tcPr>
+                        <a:blipFill rotWithShape="0">
+                          <a:blip r:embed="rId2"/>
+                          <a:stretch>
+                            <a:fillRect l="-350294" t="-284615" r="-1176" b="-529231"/>
+                          </a:stretch>
+                        </a:blipFill>
+                      </a:tcPr>
+                    </a:tc>
+                  </a:tr>
+                  <a:tr h="396240">
+                    <a:tc>
+                      <a:txBody>
+                        <a:bodyPr/>
+                        <a:lstStyle/>
+                        <a:p>
+                          <a:r>
+                            <a:rPr lang="en-US" sz="2000" dirty="0" err="1" smtClean="0"/>
+                            <a:t>Mellita</a:t>
+                          </a:r>
+                          <a:endParaRPr lang="en-US" sz="2000" dirty="0"/>
+                        </a:p>
+                      </a:txBody>
+                      <a:tcPr/>
+                    </a:tc>
+                    <a:tc>
+                      <a:txBody>
+                        <a:bodyPr/>
+                        <a:lstStyle/>
+                        <a:p>
+                          <a:endParaRPr lang="en-US"/>
+                        </a:p>
+                      </a:txBody>
+                      <a:tcPr>
+                        <a:blipFill rotWithShape="0">
+                          <a:blip r:embed="rId2"/>
+                          <a:stretch>
+                            <a:fillRect l="-124438" t="-378788" r="-206742" b="-421212"/>
+                          </a:stretch>
+                        </a:blipFill>
+                      </a:tcPr>
+                    </a:tc>
+                    <a:tc>
+                      <a:txBody>
+                        <a:bodyPr/>
+                        <a:lstStyle/>
+                        <a:p>
+                          <a:pPr algn="ctr"/>
+                          <a:r>
+                            <a:rPr lang="en-US" sz="2000" dirty="0" err="1" smtClean="0"/>
+                            <a:t>Andri</a:t>
+                          </a:r>
+                          <a:endParaRPr lang="en-US" sz="2000" dirty="0"/>
+                        </a:p>
+                      </a:txBody>
+                      <a:tcPr/>
+                    </a:tc>
+                    <a:tc>
+                      <a:txBody>
+                        <a:bodyPr/>
+                        <a:lstStyle/>
+                        <a:p>
+                          <a:endParaRPr lang="en-US"/>
+                        </a:p>
+                      </a:txBody>
+                      <a:tcPr>
+                        <a:blipFill rotWithShape="0">
+                          <a:blip r:embed="rId2"/>
+                          <a:stretch>
+                            <a:fillRect l="-350294" t="-378788" r="-1176" b="-421212"/>
+                          </a:stretch>
+                        </a:blipFill>
+                      </a:tcPr>
+                    </a:tc>
+                  </a:tr>
+                  <a:tr h="396240">
+                    <a:tc>
+                      <a:txBody>
+                        <a:bodyPr/>
+                        <a:lstStyle/>
+                        <a:p>
+                          <a:r>
+                            <a:rPr lang="en-US" sz="2000" dirty="0" smtClean="0"/>
+                            <a:t>Nikolas</a:t>
+                          </a:r>
+                          <a:endParaRPr lang="en-US" sz="2000" dirty="0"/>
+                        </a:p>
+                      </a:txBody>
+                      <a:tcPr/>
+                    </a:tc>
+                    <a:tc>
+                      <a:txBody>
+                        <a:bodyPr/>
+                        <a:lstStyle/>
+                        <a:p>
+                          <a:endParaRPr lang="en-US"/>
+                        </a:p>
+                      </a:txBody>
+                      <a:tcPr>
+                        <a:blipFill rotWithShape="0">
+                          <a:blip r:embed="rId2"/>
+                          <a:stretch>
+                            <a:fillRect l="-124438" t="-486154" r="-206742" b="-327692"/>
+                          </a:stretch>
+                        </a:blipFill>
+                      </a:tcPr>
+                    </a:tc>
+                    <a:tc>
+                      <a:txBody>
+                        <a:bodyPr/>
+                        <a:lstStyle/>
+                        <a:p>
+                          <a:pPr algn="ctr"/>
+                          <a:r>
+                            <a:rPr lang="en-US" sz="2000" dirty="0" err="1" smtClean="0"/>
+                            <a:t>Arianto</a:t>
+                          </a:r>
+                          <a:endParaRPr lang="en-US" sz="2000" dirty="0"/>
+                        </a:p>
+                      </a:txBody>
+                      <a:tcPr/>
+                    </a:tc>
+                    <a:tc>
+                      <a:txBody>
+                        <a:bodyPr/>
+                        <a:lstStyle/>
+                        <a:p>
+                          <a:endParaRPr lang="en-US"/>
+                        </a:p>
+                      </a:txBody>
+                      <a:tcPr>
+                        <a:blipFill rotWithShape="0">
+                          <a:blip r:embed="rId2"/>
+                          <a:stretch>
+                            <a:fillRect l="-350294" t="-486154" r="-1176" b="-327692"/>
+                          </a:stretch>
+                        </a:blipFill>
+                      </a:tcPr>
+                    </a:tc>
+                  </a:tr>
+                  <a:tr h="396240">
+                    <a:tc>
+                      <a:txBody>
+                        <a:bodyPr/>
+                        <a:lstStyle/>
+                        <a:p>
+                          <a:r>
+                            <a:rPr lang="en-US" sz="2000" dirty="0" smtClean="0"/>
+                            <a:t>Samuel</a:t>
+                          </a:r>
+                          <a:endParaRPr lang="en-US" sz="2000" dirty="0"/>
+                        </a:p>
+                      </a:txBody>
+                      <a:tcPr/>
+                    </a:tc>
+                    <a:tc>
+                      <a:txBody>
+                        <a:bodyPr/>
+                        <a:lstStyle/>
+                        <a:p>
+                          <a:endParaRPr lang="en-US"/>
+                        </a:p>
+                      </a:txBody>
+                      <a:tcPr>
+                        <a:blipFill rotWithShape="0">
+                          <a:blip r:embed="rId2"/>
+                          <a:stretch>
+                            <a:fillRect l="-124438" t="-586154" r="-206742" b="-227692"/>
+                          </a:stretch>
+                        </a:blipFill>
+                      </a:tcPr>
+                    </a:tc>
+                    <a:tc>
+                      <a:txBody>
+                        <a:bodyPr/>
+                        <a:lstStyle/>
+                        <a:p>
+                          <a:pPr algn="ctr"/>
+                          <a:r>
+                            <a:rPr lang="en-US" sz="2000" dirty="0" err="1" smtClean="0"/>
+                            <a:t>Orlin</a:t>
+                          </a:r>
+                          <a:endParaRPr lang="en-US" sz="2000" dirty="0"/>
+                        </a:p>
+                      </a:txBody>
+                      <a:tcPr/>
+                    </a:tc>
+                    <a:tc>
+                      <a:txBody>
+                        <a:bodyPr/>
+                        <a:lstStyle/>
+                        <a:p>
+                          <a:endParaRPr lang="en-US"/>
+                        </a:p>
+                      </a:txBody>
+                      <a:tcPr>
+                        <a:blipFill rotWithShape="0">
+                          <a:blip r:embed="rId2"/>
+                          <a:stretch>
+                            <a:fillRect l="-350294" t="-586154" r="-1176" b="-227692"/>
+                          </a:stretch>
+                        </a:blipFill>
+                      </a:tcPr>
+                    </a:tc>
+                  </a:tr>
+                  <a:tr h="396240">
+                    <a:tc>
+                      <a:txBody>
+                        <a:bodyPr/>
+                        <a:lstStyle/>
+                        <a:p>
+                          <a:r>
+                            <a:rPr lang="en-US" sz="2000" dirty="0" smtClean="0"/>
+                            <a:t>Elmo</a:t>
+                          </a:r>
+                          <a:endParaRPr lang="en-US" sz="2000" dirty="0"/>
+                        </a:p>
+                      </a:txBody>
+                      <a:tcPr/>
+                    </a:tc>
+                    <a:tc>
+                      <a:txBody>
+                        <a:bodyPr/>
+                        <a:lstStyle/>
+                        <a:p>
+                          <a:endParaRPr lang="en-US"/>
+                        </a:p>
+                      </a:txBody>
+                      <a:tcPr>
+                        <a:blipFill rotWithShape="0">
+                          <a:blip r:embed="rId2"/>
+                          <a:stretch>
+                            <a:fillRect l="-124438" t="-686154" r="-206742" b="-127692"/>
+                          </a:stretch>
+                        </a:blipFill>
+                      </a:tcPr>
+                    </a:tc>
+                    <a:tc>
+                      <a:txBody>
+                        <a:bodyPr/>
+                        <a:lstStyle/>
+                        <a:p>
+                          <a:pPr algn="ctr"/>
+                          <a:endParaRPr lang="en-US" sz="2000" dirty="0"/>
+                        </a:p>
+                      </a:txBody>
+                      <a:tcPr/>
+                    </a:tc>
+                    <a:tc>
+                      <a:txBody>
+                        <a:bodyPr/>
+                        <a:lstStyle/>
+                        <a:p>
+                          <a:pPr marL="0" marR="0" indent="0" algn="ctr" defTabSz="914400" rtl="0" eaLnBrk="1" fontAlgn="auto" latinLnBrk="0" hangingPunct="1">
+                            <a:lnSpc>
+                              <a:spcPct val="100000"/>
+                            </a:lnSpc>
+                            <a:spcBef>
+                              <a:spcPts val="0"/>
+                            </a:spcBef>
+                            <a:spcAft>
+                              <a:spcPts val="0"/>
+                            </a:spcAft>
+                            <a:buClrTx/>
+                            <a:buSzTx/>
+                            <a:buFontTx/>
+                            <a:buNone/>
+                            <a:tabLst/>
+                            <a:defRPr/>
+                          </a:pPr>
+                          <a:endParaRPr lang="en-US" sz="2000" dirty="0"/>
+                        </a:p>
+                      </a:txBody>
+                      <a:tcPr/>
+                    </a:tc>
+                  </a:tr>
+                  <a:tr h="396240">
+                    <a:tc>
+                      <a:txBody>
+                        <a:bodyPr/>
+                        <a:lstStyle/>
+                        <a:p>
+                          <a:r>
+                            <a:rPr lang="en-US" sz="2000" b="1" dirty="0" smtClean="0"/>
+                            <a:t>Average</a:t>
+                          </a:r>
+                          <a:endParaRPr lang="en-US" sz="2000" b="1" dirty="0"/>
+                        </a:p>
+                      </a:txBody>
+                      <a:tcPr/>
+                    </a:tc>
+                    <a:tc gridSpan="3">
+                      <a:txBody>
+                        <a:bodyPr/>
+                        <a:lstStyle/>
+                        <a:p>
+                          <a:pPr algn="ctr"/>
+                          <a:r>
+                            <a:rPr lang="en-US" sz="2000" dirty="0" smtClean="0"/>
+                            <a:t>%</a:t>
+                          </a:r>
+                          <a:endParaRPr lang="en-US" sz="2000" dirty="0"/>
+                        </a:p>
+                      </a:txBody>
+                      <a:tcPr/>
+                    </a:tc>
+                    <a:tc hMerge="1">
+                      <a:txBody>
+                        <a:bodyPr/>
+                        <a:lstStyle/>
+                        <a:p>
+                          <a:pPr algn="ctr"/>
+                          <a:endParaRPr lang="en-US" sz="2000" dirty="0"/>
+                        </a:p>
+                      </a:txBody>
+                      <a:tcPr/>
+                    </a:tc>
+                    <a:tc hMerge="1">
+                      <a:txBody>
+                        <a:bodyPr/>
+                        <a:lstStyle/>
+                        <a:p>
+                          <a:pPr algn="ctr"/>
+                          <a:endParaRPr lang="en-US" sz="2000" dirty="0"/>
+                        </a:p>
+                      </a:txBody>
+                      <a:tcPr/>
+                    </a:tc>
+                  </a:tr>
+                </a:tbl>
+              </a:graphicData>
+            </a:graphic>
+          </p:graphicFrame>
+        </mc:Fallback>
+      </mc:AlternateContent>
+    </p:spTree>
+    <p:extLst>
+      <p:ext uri="{BB962C8B-B14F-4D97-AF65-F5344CB8AC3E}">
+        <p14:creationId xmlns:p14="http://schemas.microsoft.com/office/powerpoint/2010/main" val="2003384295"/>
+      </p:ext>
+    </p:extLst>
+  </p:cSld>
+  <p:clrMapOvr>
+    <a:masterClrMapping/>
+  </p:clrMapOvr>
+  <p:timing>
+    <p:tnLst>
+      <p:par>
+        <p:cTn id="1" dur="indefinite" restart="never" nodeType="tmRoot"/>
+      </p:par>
+    </p:tnLst>
+  </p:timing>
+</p:sld>
+</file>
+
+<file path=ppt/slides/slide4.xml><?xml version="1.0" encoding="utf-8"?>
+<p:sld xmlns:a="http://schemas.openxmlformats.org/drawingml/2006/main" xmlns:r="http://schemas.openxmlformats.org/officeDocument/2006/relationships" xmlns:p="http://schemas.openxmlformats.org/presentationml/2006/main">
+  <p:cSld>
+    <p:spTree>
+      <p:nvGrpSpPr>
+        <p:cNvPr id="1" name=""/>
+        <p:cNvGrpSpPr/>
+        <p:nvPr/>
+      </p:nvGrpSpPr>
+      <p:grpSpPr>
+        <a:xfrm>
+          <a:off x="0" y="0"/>
+          <a:ext cx="0" cy="0"/>
+          <a:chOff x="0" y="0"/>
+          <a:chExt cx="0" cy="0"/>
+        </a:xfrm>
+      </p:grpSpPr>
+      <p:sp>
+        <p:nvSpPr>
+          <p:cNvPr id="4" name="Title 3"/>
+          <p:cNvSpPr>
+            <a:spLocks noGrp="1"/>
+          </p:cNvSpPr>
+          <p:nvPr>
+            <p:ph type="ctrTitle"/>
+          </p:nvPr>
+        </p:nvSpPr>
+        <p:spPr/>
+        <p:txBody>
+          <a:bodyPr/>
+          <a:lstStyle/>
+          <a:p>
+            <a:r>
+              <a:rPr lang="en-US" b="1" dirty="0" smtClean="0"/>
+              <a:t>Baseline Results</a:t>
+            </a:r>
+            <a:endParaRPr lang="en-US" b="1" dirty="0"/>
+          </a:p>
+        </p:txBody>
+      </p:sp>
+      <p:sp>
+        <p:nvSpPr>
+          <p:cNvPr id="5" name="Subtitle 4"/>
+          <p:cNvSpPr>
+            <a:spLocks noGrp="1"/>
+          </p:cNvSpPr>
+          <p:nvPr>
+            <p:ph type="subTitle" idx="1"/>
+          </p:nvPr>
+        </p:nvSpPr>
+        <p:spPr/>
+        <p:txBody>
+          <a:bodyPr/>
+          <a:lstStyle/>
+          <a:p>
+            <a:endParaRPr lang="en-US"/>
+          </a:p>
+        </p:txBody>
+      </p:sp>
+    </p:spTree>
+    <p:extLst>
+      <p:ext uri="{BB962C8B-B14F-4D97-AF65-F5344CB8AC3E}">
+        <p14:creationId xmlns:p14="http://schemas.microsoft.com/office/powerpoint/2010/main" val="2096314252"/>
+      </p:ext>
+    </p:extLst>
+  </p:cSld>
+  <p:clrMapOvr>
+    <a:masterClrMapping/>
+  </p:clrMapOvr>
+</p:sld>
+</file>
+
+<file path=ppt/slides/slide40.xml><?xml version="1.0" encoding="utf-8"?>
 <p:sld xmlns:a="http://schemas.openxmlformats.org/drawingml/2006/main" xmlns:r="http://schemas.openxmlformats.org/officeDocument/2006/relationships" xmlns:p="http://schemas.openxmlformats.org/presentationml/2006/main">
   <p:cSld>
     <p:spTree>
@@ -36447,7 +40397,7 @@
 </p:sld>
 </file>
 
-<file path=ppt/slides/slide38.xml><?xml version="1.0" encoding="utf-8"?>
+<file path=ppt/slides/slide41.xml><?xml version="1.0" encoding="utf-8"?>
 <p:sld xmlns:a="http://schemas.openxmlformats.org/drawingml/2006/main" xmlns:r="http://schemas.openxmlformats.org/officeDocument/2006/relationships" xmlns:p="http://schemas.openxmlformats.org/presentationml/2006/main">
   <p:cSld>
     <p:spTree>
@@ -36840,78 +40790,6 @@
       </p:par>
     </p:tnLst>
   </p:timing>
-</p:sld>
-</file>
-
-<file path=ppt/slides/slide4.xml><?xml version="1.0" encoding="utf-8"?>
-<p:sld xmlns:a="http://schemas.openxmlformats.org/drawingml/2006/main" xmlns:r="http://schemas.openxmlformats.org/officeDocument/2006/relationships" xmlns:p="http://schemas.openxmlformats.org/presentationml/2006/main">
-  <p:cSld>
-    <p:spTree>
-      <p:nvGrpSpPr>
-        <p:cNvPr id="1" name=""/>
-        <p:cNvGrpSpPr/>
-        <p:nvPr/>
-      </p:nvGrpSpPr>
-      <p:grpSpPr>
-        <a:xfrm>
-          <a:off x="0" y="0"/>
-          <a:ext cx="0" cy="0"/>
-          <a:chOff x="0" y="0"/>
-          <a:chExt cx="0" cy="0"/>
-        </a:xfrm>
-      </p:grpSpPr>
-      <p:sp>
-        <p:nvSpPr>
-          <p:cNvPr id="4" name="Title 3"/>
-          <p:cNvSpPr>
-            <a:spLocks noGrp="1"/>
-          </p:cNvSpPr>
-          <p:nvPr>
-            <p:ph type="ctrTitle"/>
-          </p:nvPr>
-        </p:nvSpPr>
-        <p:spPr/>
-        <p:txBody>
-          <a:bodyPr/>
-          <a:lstStyle/>
-          <a:p>
-            <a:r>
-              <a:rPr lang="en-US" b="1" dirty="0" smtClean="0"/>
-              <a:t>Baseline Results</a:t>
-            </a:r>
-            <a:endParaRPr lang="en-US" b="1" dirty="0"/>
-          </a:p>
-        </p:txBody>
-      </p:sp>
-      <p:sp>
-        <p:nvSpPr>
-          <p:cNvPr id="5" name="Subtitle 4"/>
-          <p:cNvSpPr>
-            <a:spLocks noGrp="1"/>
-          </p:cNvSpPr>
-          <p:nvPr>
-            <p:ph type="subTitle" idx="1"/>
-          </p:nvPr>
-        </p:nvSpPr>
-        <p:spPr/>
-        <p:txBody>
-          <a:bodyPr/>
-          <a:lstStyle/>
-          <a:p>
-            <a:endParaRPr lang="en-US"/>
-          </a:p>
-        </p:txBody>
-      </p:sp>
-    </p:spTree>
-    <p:extLst>
-      <p:ext uri="{BB962C8B-B14F-4D97-AF65-F5344CB8AC3E}">
-        <p14:creationId xmlns:p14="http://schemas.microsoft.com/office/powerpoint/2010/main" val="2096314252"/>
-      </p:ext>
-    </p:extLst>
-  </p:cSld>
-  <p:clrMapOvr>
-    <a:masterClrMapping/>
-  </p:clrMapOvr>
 </p:sld>
 </file>
 
